--- a/NIST_Data_Leakage_Case/NIST_Data_Leakage_06_Network_Shellbag_Jumplist.pptx
+++ b/NIST_Data_Leakage_Case/NIST_Data_Leakage_06_Network_Shellbag_Jumplist.pptx
@@ -18,12 +18,12 @@
     <p:sldId id="330" r:id="rId9"/>
     <p:sldId id="331" r:id="rId10"/>
     <p:sldId id="359" r:id="rId11"/>
-    <p:sldId id="327" r:id="rId12"/>
-    <p:sldId id="325" r:id="rId13"/>
-    <p:sldId id="328" r:id="rId14"/>
-    <p:sldId id="360" r:id="rId15"/>
-    <p:sldId id="329" r:id="rId16"/>
-    <p:sldId id="332" r:id="rId17"/>
+    <p:sldId id="328" r:id="rId12"/>
+    <p:sldId id="360" r:id="rId13"/>
+    <p:sldId id="329" r:id="rId14"/>
+    <p:sldId id="332" r:id="rId15"/>
+    <p:sldId id="327" r:id="rId16"/>
+    <p:sldId id="325" r:id="rId17"/>
     <p:sldId id="335" r:id="rId18"/>
     <p:sldId id="336" r:id="rId19"/>
     <p:sldId id="337" r:id="rId20"/>
@@ -145,17 +145,6 @@
 </p:presentation>
 </file>
 
-<file path=ppt/revisionInfo.xml><?xml version="1.0" encoding="utf-8"?>
-<p1510:revInfo xmlns:a="http://schemas.openxmlformats.org/drawingml/2006/main" xmlns:r="http://schemas.openxmlformats.org/officeDocument/2006/relationships" xmlns:p1510="http://schemas.microsoft.com/office/powerpoint/2015/10/main">
-  <p1510:revLst>
-    <p1510:client id="{1145B16C-5E93-681B-B9BA-C7C9CDE20735}" v="10" dt="2020-10-22T20:25:25.022"/>
-    <p1510:client id="{1CD4744B-46E9-485E-8B11-DDA791EF49FF}" v="7" dt="2020-10-19T08:22:19.562"/>
-    <p1510:client id="{958F2B95-A119-46FD-A9C8-D15EFF7E5855}" v="1" dt="2020-10-26T10:32:09.184"/>
-    <p1510:client id="{B83D6D4A-8526-ED03-5564-28094B8B860F}" v="1" dt="2020-10-14T02:33:05.698"/>
-  </p1510:revLst>
-</p1510:revInfo>
-</file>
-
 <file path=ppt/changesInfos/changesInfo1.xml><?xml version="1.0" encoding="utf-8"?>
 <pc:chgInfo xmlns:a="http://schemas.openxmlformats.org/drawingml/2006/main" xmlns:r="http://schemas.openxmlformats.org/officeDocument/2006/relationships" xmlns:ac="http://schemas.microsoft.com/office/drawing/2013/main/command" xmlns:pc="http://schemas.microsoft.com/office/powerpoint/2013/main/command">
   <pc:docChgLst>
@@ -183,26 +172,71 @@
     </pc:docChg>
   </pc:docChgLst>
   <pc:docChgLst>
-    <pc:chgData name="Richard Wheeless" userId="S::id63la41@ubalt.edu::edf7d7f9-5d95-4eec-886d-0f745236a21b" providerId="AD" clId="Web-{1145B16C-5E93-681B-B9BA-C7C9CDE20735}"/>
-    <pc:docChg chg="modSld">
-      <pc:chgData name="Richard Wheeless" userId="S::id63la41@ubalt.edu::edf7d7f9-5d95-4eec-886d-0f745236a21b" providerId="AD" clId="Web-{1145B16C-5E93-681B-B9BA-C7C9CDE20735}" dt="2020-10-22T20:25:25.022" v="9" actId="1076"/>
+    <pc:chgData name="Richard Wheeless" userId="S::id63la41@ubalt.edu::edf7d7f9-5d95-4eec-886d-0f745236a21b" providerId="AD" clId="Web-{958F2B95-A119-46FD-A9C8-D15EFF7E5855}"/>
+    <pc:docChg chg="sldOrd">
+      <pc:chgData name="Richard Wheeless" userId="S::id63la41@ubalt.edu::edf7d7f9-5d95-4eec-886d-0f745236a21b" providerId="AD" clId="Web-{958F2B95-A119-46FD-A9C8-D15EFF7E5855}" dt="2020-10-26T10:32:09.184" v="0"/>
       <pc:docMkLst>
         <pc:docMk/>
       </pc:docMkLst>
-      <pc:sldChg chg="modSp">
-        <pc:chgData name="Richard Wheeless" userId="S::id63la41@ubalt.edu::edf7d7f9-5d95-4eec-886d-0f745236a21b" providerId="AD" clId="Web-{1145B16C-5E93-681B-B9BA-C7C9CDE20735}" dt="2020-10-22T20:25:25.022" v="9" actId="1076"/>
+      <pc:sldChg chg="ord">
+        <pc:chgData name="Richard Wheeless" userId="S::id63la41@ubalt.edu::edf7d7f9-5d95-4eec-886d-0f745236a21b" providerId="AD" clId="Web-{958F2B95-A119-46FD-A9C8-D15EFF7E5855}" dt="2020-10-26T10:32:09.184" v="0"/>
         <pc:sldMkLst>
           <pc:docMk/>
-          <pc:sldMk cId="244327251" sldId="272"/>
+          <pc:sldMk cId="3280354511" sldId="273"/>
         </pc:sldMkLst>
-        <pc:picChg chg="mod">
-          <ac:chgData name="Richard Wheeless" userId="S::id63la41@ubalt.edu::edf7d7f9-5d95-4eec-886d-0f745236a21b" providerId="AD" clId="Web-{1145B16C-5E93-681B-B9BA-C7C9CDE20735}" dt="2020-10-22T20:25:25.022" v="9" actId="1076"/>
-          <ac:picMkLst>
+      </pc:sldChg>
+    </pc:docChg>
+  </pc:docChgLst>
+  <pc:docChgLst>
+    <pc:chgData name="Weifeng Xu" userId="e7aed605-a3dd-4d5a-a692-a87037af107b" providerId="ADAL" clId="{237DC71D-066B-4FD1-A770-C63C33186E1D}"/>
+    <pc:docChg chg="custSel modSld sldOrd">
+      <pc:chgData name="Weifeng Xu" userId="e7aed605-a3dd-4d5a-a692-a87037af107b" providerId="ADAL" clId="{237DC71D-066B-4FD1-A770-C63C33186E1D}" dt="2021-01-28T20:05:37.515" v="5" actId="20577"/>
+      <pc:docMkLst>
+        <pc:docMk/>
+      </pc:docMkLst>
+      <pc:sldChg chg="modSp mod">
+        <pc:chgData name="Weifeng Xu" userId="e7aed605-a3dd-4d5a-a692-a87037af107b" providerId="ADAL" clId="{237DC71D-066B-4FD1-A770-C63C33186E1D}" dt="2021-01-28T16:31:03.038" v="0" actId="33524"/>
+        <pc:sldMkLst>
+          <pc:docMk/>
+          <pc:sldMk cId="3504232952" sldId="324"/>
+        </pc:sldMkLst>
+        <pc:spChg chg="mod">
+          <ac:chgData name="Weifeng Xu" userId="e7aed605-a3dd-4d5a-a692-a87037af107b" providerId="ADAL" clId="{237DC71D-066B-4FD1-A770-C63C33186E1D}" dt="2021-01-28T16:31:03.038" v="0" actId="33524"/>
+          <ac:spMkLst>
             <pc:docMk/>
-            <pc:sldMk cId="244327251" sldId="272"/>
-            <ac:picMk id="4" creationId="{00000000-0000-0000-0000-000000000000}"/>
-          </ac:picMkLst>
-        </pc:picChg>
+            <pc:sldMk cId="3504232952" sldId="324"/>
+            <ac:spMk id="9" creationId="{00000000-0000-0000-0000-000000000000}"/>
+          </ac:spMkLst>
+        </pc:spChg>
+      </pc:sldChg>
+      <pc:sldChg chg="ord">
+        <pc:chgData name="Weifeng Xu" userId="e7aed605-a3dd-4d5a-a692-a87037af107b" providerId="ADAL" clId="{237DC71D-066B-4FD1-A770-C63C33186E1D}" dt="2021-01-28T16:33:28.385" v="2"/>
+        <pc:sldMkLst>
+          <pc:docMk/>
+          <pc:sldMk cId="3589444918" sldId="325"/>
+        </pc:sldMkLst>
+      </pc:sldChg>
+      <pc:sldChg chg="ord">
+        <pc:chgData name="Weifeng Xu" userId="e7aed605-a3dd-4d5a-a692-a87037af107b" providerId="ADAL" clId="{237DC71D-066B-4FD1-A770-C63C33186E1D}" dt="2021-01-28T16:33:28.385" v="2"/>
+        <pc:sldMkLst>
+          <pc:docMk/>
+          <pc:sldMk cId="2694751075" sldId="327"/>
+        </pc:sldMkLst>
+      </pc:sldChg>
+      <pc:sldChg chg="modSp mod">
+        <pc:chgData name="Weifeng Xu" userId="e7aed605-a3dd-4d5a-a692-a87037af107b" providerId="ADAL" clId="{237DC71D-066B-4FD1-A770-C63C33186E1D}" dt="2021-01-28T20:05:37.515" v="5" actId="20577"/>
+        <pc:sldMkLst>
+          <pc:docMk/>
+          <pc:sldMk cId="681006322" sldId="328"/>
+        </pc:sldMkLst>
+        <pc:spChg chg="mod">
+          <ac:chgData name="Weifeng Xu" userId="e7aed605-a3dd-4d5a-a692-a87037af107b" providerId="ADAL" clId="{237DC71D-066B-4FD1-A770-C63C33186E1D}" dt="2021-01-28T20:05:37.515" v="5" actId="20577"/>
+          <ac:spMkLst>
+            <pc:docMk/>
+            <pc:sldMk cId="681006322" sldId="328"/>
+            <ac:spMk id="6" creationId="{00000000-0000-0000-0000-000000000000}"/>
+          </ac:spMkLst>
+        </pc:spChg>
       </pc:sldChg>
     </pc:docChg>
   </pc:docChgLst>
@@ -239,18 +273,26 @@
     </pc:docChg>
   </pc:docChgLst>
   <pc:docChgLst>
-    <pc:chgData name="Richard Wheeless" userId="S::id63la41@ubalt.edu::edf7d7f9-5d95-4eec-886d-0f745236a21b" providerId="AD" clId="Web-{958F2B95-A119-46FD-A9C8-D15EFF7E5855}"/>
-    <pc:docChg chg="sldOrd">
-      <pc:chgData name="Richard Wheeless" userId="S::id63la41@ubalt.edu::edf7d7f9-5d95-4eec-886d-0f745236a21b" providerId="AD" clId="Web-{958F2B95-A119-46FD-A9C8-D15EFF7E5855}" dt="2020-10-26T10:32:09.184" v="0"/>
+    <pc:chgData name="Richard Wheeless" userId="S::id63la41@ubalt.edu::edf7d7f9-5d95-4eec-886d-0f745236a21b" providerId="AD" clId="Web-{1145B16C-5E93-681B-B9BA-C7C9CDE20735}"/>
+    <pc:docChg chg="modSld">
+      <pc:chgData name="Richard Wheeless" userId="S::id63la41@ubalt.edu::edf7d7f9-5d95-4eec-886d-0f745236a21b" providerId="AD" clId="Web-{1145B16C-5E93-681B-B9BA-C7C9CDE20735}" dt="2020-10-22T20:25:25.022" v="9" actId="1076"/>
       <pc:docMkLst>
         <pc:docMk/>
       </pc:docMkLst>
-      <pc:sldChg chg="ord">
-        <pc:chgData name="Richard Wheeless" userId="S::id63la41@ubalt.edu::edf7d7f9-5d95-4eec-886d-0f745236a21b" providerId="AD" clId="Web-{958F2B95-A119-46FD-A9C8-D15EFF7E5855}" dt="2020-10-26T10:32:09.184" v="0"/>
+      <pc:sldChg chg="modSp">
+        <pc:chgData name="Richard Wheeless" userId="S::id63la41@ubalt.edu::edf7d7f9-5d95-4eec-886d-0f745236a21b" providerId="AD" clId="Web-{1145B16C-5E93-681B-B9BA-C7C9CDE20735}" dt="2020-10-22T20:25:25.022" v="9" actId="1076"/>
         <pc:sldMkLst>
           <pc:docMk/>
-          <pc:sldMk cId="3280354511" sldId="273"/>
+          <pc:sldMk cId="244327251" sldId="272"/>
         </pc:sldMkLst>
+        <pc:picChg chg="mod">
+          <ac:chgData name="Richard Wheeless" userId="S::id63la41@ubalt.edu::edf7d7f9-5d95-4eec-886d-0f745236a21b" providerId="AD" clId="Web-{1145B16C-5E93-681B-B9BA-C7C9CDE20735}" dt="2020-10-22T20:25:25.022" v="9" actId="1076"/>
+          <ac:picMkLst>
+            <pc:docMk/>
+            <pc:sldMk cId="244327251" sldId="272"/>
+            <ac:picMk id="4" creationId="{00000000-0000-0000-0000-000000000000}"/>
+          </ac:picMkLst>
+        </pc:picChg>
       </pc:sldChg>
     </pc:docChg>
   </pc:docChgLst>
@@ -339,7 +381,7 @@
           <a:p>
             <a:fld id="{EE41F6E3-57F9-402E-BDBA-5B2DE11C8530}" type="datetimeFigureOut">
               <a:rPr lang="en-US" smtClean="0"/>
-              <a:t>12/23/2020</a:t>
+              <a:t>1/28/2021</a:t>
             </a:fld>
             <a:endParaRPr lang="en-US"/>
           </a:p>
@@ -651,10 +693,9 @@
           <a:lstStyle/>
           <a:p>
             <a:r>
-              <a:rPr lang="en-US" dirty="0" smtClean="0"/>
+              <a:rPr lang="en-US" dirty="0"/>
               <a:t>http://xmlstar.sourceforge.net/doc/UG/</a:t>
             </a:r>
-            <a:endParaRPr lang="en-US" dirty="0"/>
           </a:p>
         </p:txBody>
       </p:sp>
@@ -739,15 +780,22 @@
           <a:lstStyle/>
           <a:p>
             <a:r>
-              <a:rPr lang="en-US" dirty="0" smtClean="0"/>
-              <a:t>7z e cfreds_2015_data_leakage_rm#2.7z</a:t>
-            </a:r>
-          </a:p>
-          <a:p>
-            <a:r>
-              <a:rPr lang="en-US" dirty="0" smtClean="0"/>
-              <a:t>sha1sum cfreds_2015_data_leakage_rm#2.7z</a:t>
-            </a:r>
+              <a:rPr lang="en-US" dirty="0"/>
+              <a:t>rip.pl -r UsrClass_informat.dat -p </a:t>
+            </a:r>
+            <a:r>
+              <a:rPr lang="en-US" dirty="0" err="1"/>
+              <a:t>shellbags</a:t>
+            </a:r>
+            <a:r>
+              <a:rPr lang="en-US" dirty="0"/>
+              <a:t> | grep E:</a:t>
+            </a:r>
+          </a:p>
+          <a:p>
+            <a:endParaRPr lang="en-US" dirty="0"/>
+          </a:p>
+          <a:p>
             <a:endParaRPr lang="en-US" dirty="0"/>
           </a:p>
         </p:txBody>
@@ -769,7 +817,7 @@
           <a:p>
             <a:fld id="{DDBF98C7-164A-4723-84F0-B1E4B080DDEC}" type="slidenum">
               <a:rPr lang="en-US" smtClean="0"/>
-              <a:t>12</a:t>
+              <a:t>13</a:t>
             </a:fld>
             <a:endParaRPr lang="en-US"/>
           </a:p>
@@ -778,7 +826,7 @@
     </p:spTree>
     <p:extLst>
       <p:ext uri="{BB962C8B-B14F-4D97-AF65-F5344CB8AC3E}">
-        <p14:creationId xmlns:p14="http://schemas.microsoft.com/office/powerpoint/2010/main" val="854244368"/>
+        <p14:creationId xmlns:p14="http://schemas.microsoft.com/office/powerpoint/2010/main" val="3892207778"/>
       </p:ext>
     </p:extLst>
   </p:cSld>
@@ -833,22 +881,9 @@
           <a:lstStyle/>
           <a:p>
             <a:r>
-              <a:rPr lang="en-US" dirty="0" err="1" smtClean="0"/>
-              <a:t>losetup</a:t>
-            </a:r>
-            <a:r>
-              <a:rPr lang="en-US" dirty="0" smtClean="0"/>
-              <a:t> --</a:t>
-            </a:r>
-            <a:r>
-              <a:rPr lang="en-US" dirty="0" err="1" smtClean="0"/>
-              <a:t>partscan</a:t>
-            </a:r>
-            <a:r>
-              <a:rPr lang="en-US" dirty="0" smtClean="0"/>
-              <a:t>  --find --show  --read-only cfreds_2015_data_leakage_pc.dd</a:t>
-            </a:r>
-            <a:endParaRPr lang="en-US" dirty="0"/>
+              <a:rPr lang="en-US" dirty="0"/>
+              <a:t>https://www.blackbagtech.com/blog/windows-10-jump-list-forensics/</a:t>
+            </a:r>
           </a:p>
         </p:txBody>
       </p:sp>
@@ -869,7 +904,7 @@
           <a:p>
             <a:fld id="{DDBF98C7-164A-4723-84F0-B1E4B080DDEC}" type="slidenum">
               <a:rPr lang="en-US" smtClean="0"/>
-              <a:t>13</a:t>
+              <a:t>14</a:t>
             </a:fld>
             <a:endParaRPr lang="en-US"/>
           </a:p>
@@ -878,7 +913,7 @@
     </p:spTree>
     <p:extLst>
       <p:ext uri="{BB962C8B-B14F-4D97-AF65-F5344CB8AC3E}">
-        <p14:creationId xmlns:p14="http://schemas.microsoft.com/office/powerpoint/2010/main" val="1924632968"/>
+        <p14:creationId xmlns:p14="http://schemas.microsoft.com/office/powerpoint/2010/main" val="3810432993"/>
       </p:ext>
     </p:extLst>
   </p:cSld>
@@ -933,23 +968,19 @@
           <a:lstStyle/>
           <a:p>
             <a:r>
-              <a:rPr lang="en-US" dirty="0" smtClean="0"/>
-              <a:t>rip.pl -r UsrClass_informat.dat -p </a:t>
-            </a:r>
-            <a:r>
-              <a:rPr lang="en-US" dirty="0" err="1" smtClean="0"/>
-              <a:t>shellbags</a:t>
-            </a:r>
-            <a:r>
-              <a:rPr lang="en-US" dirty="0" smtClean="0"/>
-              <a:t> | grep E:</a:t>
-            </a:r>
-          </a:p>
-          <a:p>
-            <a:endParaRPr lang="en-US" dirty="0" smtClean="0"/>
-          </a:p>
-          <a:p>
-            <a:endParaRPr lang="en-US" dirty="0"/>
+              <a:rPr lang="en-US" dirty="0" err="1"/>
+              <a:t>wget</a:t>
+            </a:r>
+            <a:r>
+              <a:rPr lang="en-US" dirty="0"/>
+              <a:t> -q https://www.cfreds.nist.gov/data_leakage_case/images/rm%232/cfreds_2015_data_leakage_rm%232.7z</a:t>
+            </a:r>
+          </a:p>
+          <a:p>
+            <a:r>
+              <a:rPr lang="en-US" dirty="0"/>
+              <a:t>7z e cfreds_2015_data_leakage_rm#2.7z </a:t>
+            </a:r>
           </a:p>
         </p:txBody>
       </p:sp>
@@ -979,7 +1010,7 @@
     </p:spTree>
     <p:extLst>
       <p:ext uri="{BB962C8B-B14F-4D97-AF65-F5344CB8AC3E}">
-        <p14:creationId xmlns:p14="http://schemas.microsoft.com/office/powerpoint/2010/main" val="3892207778"/>
+        <p14:creationId xmlns:p14="http://schemas.microsoft.com/office/powerpoint/2010/main" val="1857247251"/>
       </p:ext>
     </p:extLst>
   </p:cSld>
@@ -1034,10 +1065,15 @@
           <a:lstStyle/>
           <a:p>
             <a:r>
-              <a:rPr lang="en-US" dirty="0" smtClean="0"/>
-              <a:t>https://www.blackbagtech.com/blog/windows-10-jump-list-forensics/</a:t>
-            </a:r>
-            <a:endParaRPr lang="en-US" dirty="0"/>
+              <a:rPr lang="en-US" dirty="0"/>
+              <a:t>7z e cfreds_2015_data_leakage_rm#2.7z</a:t>
+            </a:r>
+          </a:p>
+          <a:p>
+            <a:r>
+              <a:rPr lang="en-US" dirty="0"/>
+              <a:t>sha1sum cfreds_2015_data_leakage_rm#2.7z</a:t>
+            </a:r>
           </a:p>
         </p:txBody>
       </p:sp>
@@ -1067,7 +1103,7 @@
     </p:spTree>
     <p:extLst>
       <p:ext uri="{BB962C8B-B14F-4D97-AF65-F5344CB8AC3E}">
-        <p14:creationId xmlns:p14="http://schemas.microsoft.com/office/powerpoint/2010/main" val="3810432993"/>
+        <p14:creationId xmlns:p14="http://schemas.microsoft.com/office/powerpoint/2010/main" val="854244368"/>
       </p:ext>
     </p:extLst>
   </p:cSld>
@@ -1122,16 +1158,15 @@
           <a:lstStyle/>
           <a:p>
             <a:r>
-              <a:rPr lang="en-US" dirty="0" smtClean="0"/>
+              <a:rPr lang="en-US" dirty="0"/>
               <a:t>https://www.blackbagtech.com/blog/windows-10-jump-list-forensics/</a:t>
             </a:r>
           </a:p>
           <a:p>
             <a:r>
-              <a:rPr lang="en-US" dirty="0" smtClean="0"/>
+              <a:rPr lang="en-US" dirty="0"/>
               <a:t>find /media/root/C8CA0C8DCA0C7A48/  -name "Automatic*"</a:t>
             </a:r>
-            <a:endParaRPr lang="en-US" dirty="0"/>
           </a:p>
         </p:txBody>
       </p:sp>
@@ -1216,26 +1251,25 @@
           <a:lstStyle/>
           <a:p>
             <a:r>
-              <a:rPr lang="en-US" dirty="0" smtClean="0"/>
+              <a:rPr lang="en-US" dirty="0"/>
               <a:t>ls /media/root/C8CA0C8DCA0C7A48/Users/informant/</a:t>
             </a:r>
             <a:r>
-              <a:rPr lang="en-US" dirty="0" err="1" smtClean="0"/>
+              <a:rPr lang="en-US" dirty="0" err="1"/>
               <a:t>AppData</a:t>
             </a:r>
             <a:r>
-              <a:rPr lang="en-US" dirty="0" smtClean="0"/>
+              <a:rPr lang="en-US" dirty="0"/>
               <a:t>/Roaming/Microsoft/Windows/Recent/</a:t>
             </a:r>
             <a:r>
-              <a:rPr lang="en-US" dirty="0" err="1" smtClean="0"/>
+              <a:rPr lang="en-US" dirty="0" err="1"/>
               <a:t>AutomaticDestinations</a:t>
             </a:r>
             <a:r>
-              <a:rPr lang="en-US" dirty="0" smtClean="0"/>
+              <a:rPr lang="en-US" dirty="0"/>
               <a:t>/</a:t>
             </a:r>
-            <a:endParaRPr lang="en-US" dirty="0"/>
           </a:p>
         </p:txBody>
       </p:sp>
@@ -1320,36 +1354,35 @@
           <a:lstStyle/>
           <a:p>
             <a:r>
-              <a:rPr lang="en-US" dirty="0" err="1" smtClean="0"/>
+              <a:rPr lang="en-US" dirty="0" err="1"/>
               <a:t>cp</a:t>
             </a:r>
             <a:r>
-              <a:rPr lang="en-US" dirty="0" smtClean="0"/>
+              <a:rPr lang="en-US" dirty="0"/>
               <a:t>  /media/root/C8CA0C8DCA0C7A48/Users/informant/</a:t>
             </a:r>
             <a:r>
-              <a:rPr lang="en-US" dirty="0" err="1" smtClean="0"/>
+              <a:rPr lang="en-US" dirty="0" err="1"/>
               <a:t>AppData</a:t>
             </a:r>
             <a:r>
-              <a:rPr lang="en-US" dirty="0" smtClean="0"/>
+              <a:rPr lang="en-US" dirty="0"/>
               <a:t>/Roaming/Microsoft/Windows/Recent/</a:t>
             </a:r>
             <a:r>
-              <a:rPr lang="en-US" dirty="0" err="1" smtClean="0"/>
+              <a:rPr lang="en-US" dirty="0" err="1"/>
               <a:t>AutomaticDestinations</a:t>
             </a:r>
             <a:r>
-              <a:rPr lang="en-US" dirty="0" smtClean="0"/>
+              <a:rPr lang="en-US" dirty="0"/>
               <a:t>/e36bfc8972e5ab1d.automaticDestinations-ms .</a:t>
             </a:r>
           </a:p>
           <a:p>
             <a:r>
-              <a:rPr lang="en-US" dirty="0" smtClean="0"/>
+              <a:rPr lang="en-US" dirty="0"/>
               <a:t>ls -l e36bfc8972e5ab1d.automaticDestinations-ms</a:t>
             </a:r>
-            <a:endParaRPr lang="en-US" dirty="0"/>
           </a:p>
         </p:txBody>
       </p:sp>
@@ -1434,10 +1467,9 @@
           <a:lstStyle/>
           <a:p>
             <a:r>
-              <a:rPr lang="en-US" dirty="0" smtClean="0"/>
+              <a:rPr lang="en-US" dirty="0"/>
               <a:t>https://www.blackbagtech.com/blog/windows-10-jump-list-forensics/</a:t>
             </a:r>
-            <a:endParaRPr lang="en-US" dirty="0"/>
           </a:p>
         </p:txBody>
       </p:sp>
@@ -1522,16 +1554,15 @@
           <a:lstStyle/>
           <a:p>
             <a:r>
-              <a:rPr lang="en-US" dirty="0" smtClean="0"/>
+              <a:rPr lang="en-US" dirty="0"/>
               <a:t>https://binaryforay.blogspot.com/2016/03/introducing-jlecmd.html</a:t>
             </a:r>
           </a:p>
           <a:p>
             <a:r>
-              <a:rPr lang="en-US" dirty="0" smtClean="0"/>
+              <a:rPr lang="en-US" dirty="0"/>
               <a:t>https://www.youtube.com/watch?v=RSM4wygz39Q&amp;ab_channel=KernelPanic%21AtTheDisco</a:t>
             </a:r>
-            <a:endParaRPr lang="en-US" dirty="0"/>
           </a:p>
         </p:txBody>
       </p:sp>
@@ -1616,20 +1647,19 @@
           <a:lstStyle/>
           <a:p>
             <a:r>
-              <a:rPr lang="en-US" dirty="0" err="1" smtClean="0"/>
+              <a:rPr lang="en-US" dirty="0" err="1"/>
               <a:t>wget</a:t>
             </a:r>
             <a:r>
-              <a:rPr lang="en-US" dirty="0" smtClean="0"/>
+              <a:rPr lang="en-US" dirty="0"/>
               <a:t> https://f001.backblazeb2.com/file/EricZimmermanTools/JLECmd.zip</a:t>
             </a:r>
           </a:p>
           <a:p>
             <a:r>
-              <a:rPr lang="en-US" dirty="0" smtClean="0"/>
+              <a:rPr lang="en-US" dirty="0"/>
               <a:t>unzip JLECmd.zip</a:t>
             </a:r>
-            <a:endParaRPr lang="en-US" dirty="0"/>
           </a:p>
         </p:txBody>
       </p:sp>
@@ -1714,11 +1744,11 @@
           <a:lstStyle/>
           <a:p>
             <a:r>
-              <a:rPr lang="en-US" dirty="0" smtClean="0"/>
+              <a:rPr lang="en-US" dirty="0"/>
               <a:t>rip.pl -r NTUSER_informant.DAT -p </a:t>
             </a:r>
             <a:r>
-              <a:rPr lang="en-US" dirty="0" err="1" smtClean="0"/>
+              <a:rPr lang="en-US" dirty="0" err="1"/>
               <a:t>runmru</a:t>
             </a:r>
             <a:endParaRPr lang="en-US" dirty="0"/>
@@ -1806,16 +1836,15 @@
           <a:lstStyle/>
           <a:p>
             <a:r>
-              <a:rPr lang="en-US" dirty="0" smtClean="0"/>
+              <a:rPr lang="en-US" dirty="0"/>
               <a:t>https://binaryforay.blogspot.com/2016/03/introducing-jlecmd.html</a:t>
             </a:r>
           </a:p>
           <a:p>
             <a:r>
-              <a:rPr lang="en-US" dirty="0" smtClean="0"/>
+              <a:rPr lang="en-US" dirty="0"/>
               <a:t>https://ericzimmerman.github.io/#!index.md</a:t>
             </a:r>
-            <a:endParaRPr lang="en-US" dirty="0"/>
           </a:p>
         </p:txBody>
       </p:sp>
@@ -1900,10 +1929,9 @@
           <a:lstStyle/>
           <a:p>
             <a:r>
-              <a:rPr lang="en-US" dirty="0" smtClean="0"/>
+              <a:rPr lang="en-US" dirty="0"/>
               <a:t>wine JLECmd.exe -f e36bfc8972e5ab1d.automaticDestinations-ms </a:t>
             </a:r>
-            <a:endParaRPr lang="en-US" dirty="0"/>
           </a:p>
         </p:txBody>
       </p:sp>
@@ -1988,38 +2016,37 @@
           <a:lstStyle/>
           <a:p>
             <a:r>
-              <a:rPr lang="en-US" dirty="0" err="1" smtClean="0"/>
+              <a:rPr lang="en-US" dirty="0" err="1"/>
               <a:t>cp</a:t>
             </a:r>
             <a:r>
-              <a:rPr lang="en-US" dirty="0" smtClean="0"/>
+              <a:rPr lang="en-US" dirty="0"/>
               <a:t> -</a:t>
             </a:r>
             <a:r>
-              <a:rPr lang="en-US" dirty="0" err="1" smtClean="0"/>
+              <a:rPr lang="en-US" dirty="0" err="1"/>
               <a:t>avr</a:t>
             </a:r>
             <a:r>
-              <a:rPr lang="en-US" dirty="0" smtClean="0"/>
+              <a:rPr lang="en-US" dirty="0"/>
               <a:t> /media/root/C8CA0C8DCA0C7A48/Users/informant/</a:t>
             </a:r>
             <a:r>
-              <a:rPr lang="en-US" dirty="0" err="1" smtClean="0"/>
+              <a:rPr lang="en-US" dirty="0" err="1"/>
               <a:t>AppData</a:t>
             </a:r>
             <a:r>
-              <a:rPr lang="en-US" dirty="0" smtClean="0"/>
+              <a:rPr lang="en-US" dirty="0"/>
               <a:t>/Roaming/Microsoft/Windows/Recent/</a:t>
             </a:r>
             <a:r>
-              <a:rPr lang="en-US" dirty="0" err="1" smtClean="0"/>
+              <a:rPr lang="en-US" dirty="0" err="1"/>
               <a:t>AutomaticDestinations</a:t>
             </a:r>
             <a:r>
-              <a:rPr lang="en-US" dirty="0" smtClean="0"/>
+              <a:rPr lang="en-US" dirty="0"/>
               <a:t>/ . </a:t>
             </a:r>
-            <a:endParaRPr lang="en-US" dirty="0"/>
           </a:p>
         </p:txBody>
       </p:sp>
@@ -2104,27 +2131,27 @@
           <a:lstStyle/>
           <a:p>
             <a:r>
-              <a:rPr lang="fr-FR" dirty="0" err="1" smtClean="0"/>
+              <a:rPr lang="fr-FR" dirty="0" err="1"/>
               <a:t>wine</a:t>
             </a:r>
             <a:r>
-              <a:rPr lang="fr-FR" dirty="0" smtClean="0"/>
+              <a:rPr lang="fr-FR" dirty="0"/>
               <a:t> JLECmd.exe -d </a:t>
             </a:r>
             <a:r>
-              <a:rPr lang="fr-FR" dirty="0" err="1" smtClean="0"/>
+              <a:rPr lang="fr-FR" dirty="0" err="1"/>
               <a:t>AutomaticDestinations</a:t>
             </a:r>
             <a:r>
-              <a:rPr lang="fr-FR" dirty="0" smtClean="0"/>
+              <a:rPr lang="fr-FR" dirty="0"/>
               <a:t> --csv </a:t>
             </a:r>
             <a:r>
-              <a:rPr lang="fr-FR" dirty="0" err="1" smtClean="0"/>
+              <a:rPr lang="fr-FR" dirty="0" err="1"/>
               <a:t>AutomaticDestinations</a:t>
             </a:r>
             <a:r>
-              <a:rPr lang="fr-FR" dirty="0" smtClean="0"/>
+              <a:rPr lang="fr-FR" dirty="0"/>
               <a:t> -q</a:t>
             </a:r>
             <a:endParaRPr lang="en-US" dirty="0"/>
@@ -2212,24 +2239,23 @@
           <a:lstStyle/>
           <a:p>
             <a:r>
-              <a:rPr lang="en-US" dirty="0" smtClean="0"/>
+              <a:rPr lang="en-US" dirty="0"/>
               <a:t>head -n2 </a:t>
             </a:r>
             <a:r>
-              <a:rPr lang="en-US" dirty="0" err="1" smtClean="0"/>
+              <a:rPr lang="en-US" dirty="0" err="1"/>
               <a:t>AutomaticDestinations</a:t>
             </a:r>
             <a:r>
-              <a:rPr lang="en-US" dirty="0" smtClean="0"/>
+              <a:rPr lang="en-US" dirty="0"/>
               <a:t>/20201126160358_AutomaticDestinations.csv</a:t>
             </a:r>
           </a:p>
           <a:p>
             <a:r>
-              <a:rPr lang="en-US" dirty="0" smtClean="0"/>
+              <a:rPr lang="en-US" dirty="0"/>
               <a:t>SourceFile,SourceCreated,SourceModified,SourceAccessed,AppId,AppIdDescription,DestListVersion,LastUsedEntryNumber,MRU,EntryNumber,CreationTime,LastModified,Hostname,MacAddress,Path,InteractionCount,PinStatus,FileBirthDroid,FileDroid,VolumeBirthDroid,VolumeDroid,TargetCreated,TargetModified,TargetAccessed,FileSize,RelativePath,WorkingDirectory,FileAttributes,HeaderFlags,DriveType,VolumeSerialNumber,VolumeLabel,LocalPath,CommonPath,TargetIDAbsolutePath,TargetMFTEntryNumber,TargetMFTSequenceNumber,MachineID,MachineMACAddress,TrackerCreatedOn,ExtraBlocksPresent,Arguments,Notes</a:t>
             </a:r>
-            <a:endParaRPr lang="en-US" dirty="0"/>
           </a:p>
         </p:txBody>
       </p:sp>
@@ -2314,18 +2340,17 @@
           <a:lstStyle/>
           <a:p>
             <a:r>
-              <a:rPr lang="en-US" dirty="0" smtClean="0"/>
+              <a:rPr lang="en-US" dirty="0"/>
               <a:t>grep -P "E\:" </a:t>
             </a:r>
             <a:r>
-              <a:rPr lang="en-US" dirty="0" err="1" smtClean="0"/>
+              <a:rPr lang="en-US" dirty="0" err="1"/>
               <a:t>AutomaticDestinations</a:t>
             </a:r>
             <a:r>
-              <a:rPr lang="en-US" dirty="0" smtClean="0"/>
+              <a:rPr lang="en-US" dirty="0"/>
               <a:t>/20201126160358_AutomaticDestinations.csv --color</a:t>
             </a:r>
-            <a:endParaRPr lang="en-US" dirty="0"/>
           </a:p>
         </p:txBody>
       </p:sp>
@@ -2427,19 +2452,19 @@
               <a:defRPr/>
             </a:pPr>
             <a:r>
-              <a:rPr lang="en-US" dirty="0" err="1" smtClean="0"/>
+              <a:rPr lang="en-US" dirty="0" err="1"/>
               <a:t>awk</a:t>
             </a:r>
             <a:r>
-              <a:rPr lang="en-US" dirty="0" smtClean="0"/>
+              <a:rPr lang="en-US" dirty="0"/>
               <a:t> '{print NR,"|", $6, "|", $15}' FS=',' </a:t>
             </a:r>
             <a:r>
-              <a:rPr lang="en-US" dirty="0" err="1" smtClean="0"/>
+              <a:rPr lang="en-US" dirty="0" err="1"/>
               <a:t>AutomaticDestinations</a:t>
             </a:r>
             <a:r>
-              <a:rPr lang="en-US" dirty="0" smtClean="0"/>
+              <a:rPr lang="en-US" dirty="0"/>
               <a:t>/20201126160358_AutomaticDestinations.csv | grep "E:"</a:t>
             </a:r>
           </a:p>
@@ -2461,7 +2486,7 @@
               <a:tabLst/>
               <a:defRPr/>
             </a:pPr>
-            <a:endParaRPr lang="en-US" dirty="0" smtClean="0"/>
+            <a:endParaRPr lang="en-US" dirty="0"/>
           </a:p>
           <a:p>
             <a:pPr marL="0" marR="0" lvl="0" indent="0" algn="l" defTabSz="914400" rtl="0" eaLnBrk="1" fontAlgn="auto" latinLnBrk="0" hangingPunct="1">
@@ -2481,7 +2506,7 @@
               <a:tabLst/>
               <a:defRPr/>
             </a:pPr>
-            <a:endParaRPr lang="en-US" dirty="0" smtClean="0"/>
+            <a:endParaRPr lang="en-US" dirty="0"/>
           </a:p>
           <a:p>
             <a:endParaRPr lang="en-US" dirty="0"/>
@@ -2569,11 +2594,11 @@
           <a:lstStyle/>
           <a:p>
             <a:r>
-              <a:rPr lang="en-US" dirty="0" smtClean="0"/>
+              <a:rPr lang="en-US" dirty="0"/>
               <a:t>rip.pl -r NTUSER_informant.DAT -p </a:t>
             </a:r>
             <a:r>
-              <a:rPr lang="en-US" dirty="0" err="1" smtClean="0"/>
+              <a:rPr lang="en-US" dirty="0" err="1"/>
               <a:t>mndmru</a:t>
             </a:r>
             <a:endParaRPr lang="en-US" dirty="0"/>
@@ -2661,10 +2686,9 @@
           <a:lstStyle/>
           <a:p>
             <a:r>
-              <a:rPr lang="en-US" dirty="0" smtClean="0"/>
+              <a:rPr lang="en-US" dirty="0"/>
               <a:t>rip.pl -r NTUSER_informant.DAT -p mp2</a:t>
             </a:r>
-            <a:endParaRPr lang="en-US" dirty="0"/>
           </a:p>
         </p:txBody>
       </p:sp>
@@ -2749,11 +2773,11 @@
           <a:lstStyle/>
           <a:p>
             <a:r>
-              <a:rPr lang="en-US" dirty="0" smtClean="0"/>
+              <a:rPr lang="en-US" dirty="0"/>
               <a:t>rip.pl -r SYSTEM  -p </a:t>
             </a:r>
             <a:r>
-              <a:rPr lang="en-US" dirty="0" err="1" smtClean="0"/>
+              <a:rPr lang="en-US" dirty="0" err="1"/>
               <a:t>mountdev</a:t>
             </a:r>
             <a:endParaRPr lang="en-US" dirty="0"/>
@@ -2841,20 +2865,19 @@
           <a:lstStyle/>
           <a:p>
             <a:r>
-              <a:rPr lang="en-US" dirty="0" err="1" smtClean="0"/>
+              <a:rPr lang="en-US" dirty="0" err="1"/>
               <a:t>wget</a:t>
             </a:r>
             <a:r>
-              <a:rPr lang="en-US" dirty="0" smtClean="0"/>
+              <a:rPr lang="en-US" dirty="0"/>
               <a:t> -q https://www.cfreds.nist.gov/data_leakage_case/images/rm%232/cfreds_2015_data_leakage_rm%232.7z</a:t>
             </a:r>
           </a:p>
           <a:p>
             <a:r>
-              <a:rPr lang="en-US" dirty="0" smtClean="0"/>
+              <a:rPr lang="en-US" dirty="0"/>
               <a:t>7z e cfreds_2015_data_leakage_rm#2.7z </a:t>
             </a:r>
-            <a:endParaRPr lang="en-US" dirty="0"/>
           </a:p>
         </p:txBody>
       </p:sp>
@@ -2939,10 +2962,9 @@
           <a:lstStyle/>
           <a:p>
             <a:r>
-              <a:rPr lang="en-US" dirty="0" smtClean="0"/>
+              <a:rPr lang="en-US" dirty="0"/>
               <a:t>https://www.sans.org/reading-room/whitepapers/forensics/windows-shellbag-forensics-in-depth-34545</a:t>
             </a:r>
-            <a:endParaRPr lang="en-US" dirty="0"/>
           </a:p>
         </p:txBody>
       </p:sp>
@@ -3027,10 +3049,9 @@
           <a:lstStyle/>
           <a:p>
             <a:r>
-              <a:rPr lang="en-US" dirty="0" smtClean="0"/>
+              <a:rPr lang="en-US" dirty="0"/>
               <a:t>https://www.sans.org/reading-room/whitepapers/forensics/windows-shellbag-forensics-in-depth-34545</a:t>
             </a:r>
-            <a:endParaRPr lang="en-US" dirty="0"/>
           </a:p>
         </p:txBody>
       </p:sp>
@@ -3115,20 +3136,21 @@
           <a:lstStyle/>
           <a:p>
             <a:r>
-              <a:rPr lang="en-US" dirty="0" err="1" smtClean="0"/>
-              <a:t>wget</a:t>
-            </a:r>
-            <a:r>
-              <a:rPr lang="en-US" dirty="0" smtClean="0"/>
-              <a:t> -q https://www.cfreds.nist.gov/data_leakage_case/images/rm%232/cfreds_2015_data_leakage_rm%232.7z</a:t>
-            </a:r>
-          </a:p>
-          <a:p>
-            <a:r>
-              <a:rPr lang="en-US" dirty="0" smtClean="0"/>
-              <a:t>7z e cfreds_2015_data_leakage_rm#2.7z </a:t>
-            </a:r>
-            <a:endParaRPr lang="en-US" dirty="0"/>
+              <a:rPr lang="en-US" dirty="0" err="1"/>
+              <a:t>losetup</a:t>
+            </a:r>
+            <a:r>
+              <a:rPr lang="en-US" dirty="0"/>
+              <a:t> --</a:t>
+            </a:r>
+            <a:r>
+              <a:rPr lang="en-US" dirty="0" err="1"/>
+              <a:t>partscan</a:t>
+            </a:r>
+            <a:r>
+              <a:rPr lang="en-US" dirty="0"/>
+              <a:t>  --find --show  --read-only cfreds_2015_data_leakage_pc.dd</a:t>
+            </a:r>
           </a:p>
         </p:txBody>
       </p:sp>
@@ -3158,7 +3180,7 @@
     </p:spTree>
     <p:extLst>
       <p:ext uri="{BB962C8B-B14F-4D97-AF65-F5344CB8AC3E}">
-        <p14:creationId xmlns:p14="http://schemas.microsoft.com/office/powerpoint/2010/main" val="1857247251"/>
+        <p14:creationId xmlns:p14="http://schemas.microsoft.com/office/powerpoint/2010/main" val="1924632968"/>
       </p:ext>
     </p:extLst>
   </p:cSld>
@@ -3297,7 +3319,7 @@
           <a:p>
             <a:fld id="{4263717A-E3C1-4BED-ABE0-B7069385E023}" type="datetimeFigureOut">
               <a:rPr lang="en-US" smtClean="0"/>
-              <a:t>12/23/2020</a:t>
+              <a:t>1/28/2021</a:t>
             </a:fld>
             <a:endParaRPr lang="en-US"/>
           </a:p>
@@ -3470,7 +3492,7 @@
           <a:p>
             <a:fld id="{4263717A-E3C1-4BED-ABE0-B7069385E023}" type="datetimeFigureOut">
               <a:rPr lang="en-US" smtClean="0"/>
-              <a:t>12/23/2020</a:t>
+              <a:t>1/28/2021</a:t>
             </a:fld>
             <a:endParaRPr lang="en-US"/>
           </a:p>
@@ -3648,7 +3670,7 @@
           <a:p>
             <a:fld id="{4263717A-E3C1-4BED-ABE0-B7069385E023}" type="datetimeFigureOut">
               <a:rPr lang="en-US" smtClean="0"/>
-              <a:t>12/23/2020</a:t>
+              <a:t>1/28/2021</a:t>
             </a:fld>
             <a:endParaRPr lang="en-US"/>
           </a:p>
@@ -3816,7 +3838,7 @@
           <a:p>
             <a:fld id="{4263717A-E3C1-4BED-ABE0-B7069385E023}" type="datetimeFigureOut">
               <a:rPr lang="en-US" smtClean="0"/>
-              <a:t>12/23/2020</a:t>
+              <a:t>1/28/2021</a:t>
             </a:fld>
             <a:endParaRPr lang="en-US"/>
           </a:p>
@@ -4061,7 +4083,7 @@
           <a:p>
             <a:fld id="{4263717A-E3C1-4BED-ABE0-B7069385E023}" type="datetimeFigureOut">
               <a:rPr lang="en-US" smtClean="0"/>
-              <a:t>12/23/2020</a:t>
+              <a:t>1/28/2021</a:t>
             </a:fld>
             <a:endParaRPr lang="en-US"/>
           </a:p>
@@ -4290,7 +4312,7 @@
           <a:p>
             <a:fld id="{4263717A-E3C1-4BED-ABE0-B7069385E023}" type="datetimeFigureOut">
               <a:rPr lang="en-US" smtClean="0"/>
-              <a:t>12/23/2020</a:t>
+              <a:t>1/28/2021</a:t>
             </a:fld>
             <a:endParaRPr lang="en-US"/>
           </a:p>
@@ -4654,7 +4676,7 @@
           <a:p>
             <a:fld id="{4263717A-E3C1-4BED-ABE0-B7069385E023}" type="datetimeFigureOut">
               <a:rPr lang="en-US" smtClean="0"/>
-              <a:t>12/23/2020</a:t>
+              <a:t>1/28/2021</a:t>
             </a:fld>
             <a:endParaRPr lang="en-US"/>
           </a:p>
@@ -4771,7 +4793,7 @@
           <a:p>
             <a:fld id="{4263717A-E3C1-4BED-ABE0-B7069385E023}" type="datetimeFigureOut">
               <a:rPr lang="en-US" smtClean="0"/>
-              <a:t>12/23/2020</a:t>
+              <a:t>1/28/2021</a:t>
             </a:fld>
             <a:endParaRPr lang="en-US"/>
           </a:p>
@@ -4866,7 +4888,7 @@
           <a:p>
             <a:fld id="{4263717A-E3C1-4BED-ABE0-B7069385E023}" type="datetimeFigureOut">
               <a:rPr lang="en-US" smtClean="0"/>
-              <a:t>12/23/2020</a:t>
+              <a:t>1/28/2021</a:t>
             </a:fld>
             <a:endParaRPr lang="en-US"/>
           </a:p>
@@ -5141,7 +5163,7 @@
           <a:p>
             <a:fld id="{4263717A-E3C1-4BED-ABE0-B7069385E023}" type="datetimeFigureOut">
               <a:rPr lang="en-US" smtClean="0"/>
-              <a:t>12/23/2020</a:t>
+              <a:t>1/28/2021</a:t>
             </a:fld>
             <a:endParaRPr lang="en-US"/>
           </a:p>
@@ -5393,7 +5415,7 @@
           <a:p>
             <a:fld id="{4263717A-E3C1-4BED-ABE0-B7069385E023}" type="datetimeFigureOut">
               <a:rPr lang="en-US" smtClean="0"/>
-              <a:t>12/23/2020</a:t>
+              <a:t>1/28/2021</a:t>
             </a:fld>
             <a:endParaRPr lang="en-US"/>
           </a:p>
@@ -5604,7 +5626,7 @@
           <a:p>
             <a:fld id="{4263717A-E3C1-4BED-ABE0-B7069385E023}" type="datetimeFigureOut">
               <a:rPr lang="en-US" smtClean="0"/>
-              <a:t>12/23/2020</a:t>
+              <a:t>1/28/2021</a:t>
             </a:fld>
             <a:endParaRPr lang="en-US"/>
           </a:p>
@@ -6211,19 +6233,19 @@
           <a:lstStyle/>
           <a:p>
             <a:r>
-              <a:rPr lang="en-US" dirty="0" smtClean="0"/>
+              <a:rPr lang="en-US" dirty="0"/>
               <a:t>Keywords: Network, </a:t>
             </a:r>
             <a:r>
-              <a:rPr lang="en-US" smtClean="0"/>
+              <a:rPr lang="en-US"/>
               <a:t>Shellbag</a:t>
             </a:r>
             <a:r>
-              <a:rPr lang="en-US" dirty="0" smtClean="0"/>
+              <a:rPr lang="en-US" dirty="0"/>
               <a:t>, </a:t>
             </a:r>
             <a:r>
-              <a:rPr lang="en-US" dirty="0" err="1" smtClean="0"/>
+              <a:rPr lang="en-US" dirty="0" err="1"/>
               <a:t>Jumplist</a:t>
             </a:r>
             <a:endParaRPr lang="en-US" dirty="0"/>
@@ -6324,18 +6346,13 @@
           <a:p>
             <a:pPr algn="ctr"/>
             <a:r>
-              <a:rPr lang="en-US" dirty="0" smtClean="0">
+              <a:rPr lang="en-US" dirty="0">
                 <a:solidFill>
                   <a:schemeClr val="tx1"/>
                 </a:solidFill>
               </a:rPr>
               <a:t>Desktop</a:t>
             </a:r>
-            <a:endParaRPr lang="en-US" dirty="0">
-              <a:solidFill>
-                <a:schemeClr val="tx1"/>
-              </a:solidFill>
-            </a:endParaRPr>
           </a:p>
         </p:txBody>
       </p:sp>
@@ -6377,18 +6394,13 @@
           <a:p>
             <a:pPr algn="ctr"/>
             <a:r>
-              <a:rPr lang="en-US" dirty="0" smtClean="0">
+              <a:rPr lang="en-US" dirty="0">
                 <a:solidFill>
                   <a:schemeClr val="tx1"/>
                 </a:solidFill>
               </a:rPr>
               <a:t>File 0</a:t>
             </a:r>
-            <a:endParaRPr lang="en-US" dirty="0">
-              <a:solidFill>
-                <a:schemeClr val="tx1"/>
-              </a:solidFill>
-            </a:endParaRPr>
           </a:p>
         </p:txBody>
       </p:sp>
@@ -6430,18 +6442,13 @@
           <a:p>
             <a:pPr algn="ctr"/>
             <a:r>
-              <a:rPr lang="en-US" dirty="0" smtClean="0">
+              <a:rPr lang="en-US" dirty="0">
                 <a:solidFill>
                   <a:schemeClr val="tx1"/>
                 </a:solidFill>
               </a:rPr>
               <a:t>File 1</a:t>
             </a:r>
-            <a:endParaRPr lang="en-US" dirty="0">
-              <a:solidFill>
-                <a:schemeClr val="tx1"/>
-              </a:solidFill>
-            </a:endParaRPr>
           </a:p>
         </p:txBody>
       </p:sp>
@@ -6483,18 +6490,13 @@
           <a:p>
             <a:pPr algn="ctr"/>
             <a:r>
-              <a:rPr lang="en-US" dirty="0" smtClean="0">
+              <a:rPr lang="en-US" dirty="0">
                 <a:solidFill>
                   <a:schemeClr val="tx1"/>
                 </a:solidFill>
               </a:rPr>
               <a:t>File 2</a:t>
             </a:r>
-            <a:endParaRPr lang="en-US" dirty="0">
-              <a:solidFill>
-                <a:schemeClr val="tx1"/>
-              </a:solidFill>
-            </a:endParaRPr>
           </a:p>
         </p:txBody>
       </p:sp>
@@ -6536,18 +6538,13 @@
           <a:p>
             <a:pPr algn="ctr"/>
             <a:r>
-              <a:rPr lang="en-US" dirty="0" smtClean="0">
+              <a:rPr lang="en-US" dirty="0">
                 <a:solidFill>
                   <a:schemeClr val="tx1"/>
                 </a:solidFill>
               </a:rPr>
               <a:t>Folder03 </a:t>
             </a:r>
-            <a:endParaRPr lang="en-US" dirty="0">
-              <a:solidFill>
-                <a:schemeClr val="tx1"/>
-              </a:solidFill>
-            </a:endParaRPr>
           </a:p>
         </p:txBody>
       </p:sp>
@@ -6589,18 +6586,13 @@
           <a:p>
             <a:pPr algn="ctr"/>
             <a:r>
-              <a:rPr lang="en-US" dirty="0" smtClean="0">
+              <a:rPr lang="en-US" dirty="0">
                 <a:solidFill>
                   <a:schemeClr val="tx1"/>
                 </a:solidFill>
               </a:rPr>
               <a:t>C: \</a:t>
             </a:r>
-            <a:endParaRPr lang="en-US" dirty="0">
-              <a:solidFill>
-                <a:schemeClr val="tx1"/>
-              </a:solidFill>
-            </a:endParaRPr>
           </a:p>
         </p:txBody>
       </p:sp>
@@ -6642,18 +6634,13 @@
           <a:p>
             <a:pPr algn="ctr"/>
             <a:r>
-              <a:rPr lang="en-US" dirty="0" smtClean="0">
+              <a:rPr lang="en-US" dirty="0">
                 <a:solidFill>
                   <a:schemeClr val="tx1"/>
                 </a:solidFill>
               </a:rPr>
               <a:t>Folder02</a:t>
             </a:r>
-            <a:endParaRPr lang="en-US" dirty="0">
-              <a:solidFill>
-                <a:schemeClr val="tx1"/>
-              </a:solidFill>
-            </a:endParaRPr>
           </a:p>
         </p:txBody>
       </p:sp>
@@ -6695,18 +6682,13 @@
           <a:p>
             <a:pPr algn="ctr"/>
             <a:r>
-              <a:rPr lang="en-US" dirty="0" smtClean="0">
+              <a:rPr lang="en-US" dirty="0">
                 <a:solidFill>
                   <a:schemeClr val="tx1"/>
                 </a:solidFill>
               </a:rPr>
               <a:t>My PC</a:t>
             </a:r>
-            <a:endParaRPr lang="en-US" dirty="0">
-              <a:solidFill>
-                <a:schemeClr val="tx1"/>
-              </a:solidFill>
-            </a:endParaRPr>
           </a:p>
         </p:txBody>
       </p:sp>
@@ -7315,6 +7297,615 @@
       </p:grpSpPr>
       <p:pic>
         <p:nvPicPr>
+          <p:cNvPr id="2" name="Picture 1"/>
+          <p:cNvPicPr>
+            <a:picLocks noChangeAspect="1"/>
+          </p:cNvPicPr>
+          <p:nvPr/>
+        </p:nvPicPr>
+        <p:blipFill>
+          <a:blip r:embed="rId3"/>
+          <a:stretch>
+            <a:fillRect/>
+          </a:stretch>
+        </p:blipFill>
+        <p:spPr>
+          <a:xfrm>
+            <a:off x="838201" y="3971839"/>
+            <a:ext cx="10402201" cy="1752752"/>
+          </a:xfrm>
+          <a:prstGeom prst="rect">
+            <a:avLst/>
+          </a:prstGeom>
+        </p:spPr>
+      </p:pic>
+      <p:sp>
+        <p:nvSpPr>
+          <p:cNvPr id="3" name="TextBox 2">
+            <a:extLst>
+              <a:ext uri="{FF2B5EF4-FFF2-40B4-BE49-F238E27FC236}">
+                <a16:creationId xmlns:a16="http://schemas.microsoft.com/office/drawing/2014/main" id="{9AA9664F-918A-4640-9EF4-782DF3B2CEF1}"/>
+              </a:ext>
+            </a:extLst>
+          </p:cNvPr>
+          <p:cNvSpPr txBox="1"/>
+          <p:nvPr/>
+        </p:nvSpPr>
+        <p:spPr>
+          <a:xfrm>
+            <a:off x="838200" y="3585667"/>
+            <a:ext cx="7170109" cy="369332"/>
+          </a:xfrm>
+          <a:prstGeom prst="rect">
+            <a:avLst/>
+          </a:prstGeom>
+          <a:solidFill>
+            <a:srgbClr val="FFC000"/>
+          </a:solidFill>
+        </p:spPr>
+        <p:txBody>
+          <a:bodyPr wrap="square" rtlCol="0">
+            <a:spAutoFit/>
+          </a:bodyPr>
+          <a:lstStyle/>
+          <a:p>
+            <a:r>
+              <a:rPr lang="en-US" dirty="0"/>
+              <a:t>Copy </a:t>
+            </a:r>
+            <a:r>
+              <a:rPr lang="en-US" i="1" dirty="0">
+                <a:solidFill>
+                  <a:srgbClr val="7030A0"/>
+                </a:solidFill>
+              </a:rPr>
+              <a:t>UsrClass.dat</a:t>
+            </a:r>
+            <a:r>
+              <a:rPr lang="en-US" dirty="0"/>
+              <a:t> file and rename it to</a:t>
+            </a:r>
+            <a:r>
+              <a:rPr lang="en-US" i="1" dirty="0">
+                <a:solidFill>
+                  <a:srgbClr val="7030A0"/>
+                </a:solidFill>
+              </a:rPr>
+              <a:t> UsrClass_informat.dat</a:t>
+            </a:r>
+          </a:p>
+        </p:txBody>
+      </p:sp>
+      <p:sp>
+        <p:nvSpPr>
+          <p:cNvPr id="5" name="Title 4"/>
+          <p:cNvSpPr>
+            <a:spLocks noGrp="1"/>
+          </p:cNvSpPr>
+          <p:nvPr>
+            <p:ph type="title"/>
+          </p:nvPr>
+        </p:nvSpPr>
+        <p:spPr/>
+        <p:txBody>
+          <a:bodyPr/>
+          <a:lstStyle/>
+          <a:p>
+            <a:r>
+              <a:rPr lang="en-US" dirty="0">
+                <a:solidFill>
+                  <a:srgbClr val="FF0000"/>
+                </a:solidFill>
+              </a:rPr>
+              <a:t>25.3 </a:t>
+            </a:r>
+            <a:r>
+              <a:rPr lang="en-US" dirty="0"/>
+              <a:t>How </a:t>
+            </a:r>
+            <a:r>
+              <a:rPr lang="en-US" i="1" dirty="0" err="1">
+                <a:solidFill>
+                  <a:srgbClr val="FF0000"/>
+                </a:solidFill>
+              </a:rPr>
+              <a:t>shellbags</a:t>
+            </a:r>
+            <a:r>
+              <a:rPr lang="en-US" dirty="0">
+                <a:solidFill>
+                  <a:srgbClr val="FF0000"/>
+                </a:solidFill>
+              </a:rPr>
+              <a:t> </a:t>
+            </a:r>
+            <a:r>
+              <a:rPr lang="en-US" dirty="0"/>
+              <a:t>are saved?</a:t>
+            </a:r>
+          </a:p>
+        </p:txBody>
+      </p:sp>
+      <p:sp>
+        <p:nvSpPr>
+          <p:cNvPr id="6" name="Content Placeholder 5"/>
+          <p:cNvSpPr>
+            <a:spLocks noGrp="1"/>
+          </p:cNvSpPr>
+          <p:nvPr>
+            <p:ph idx="1"/>
+          </p:nvPr>
+        </p:nvSpPr>
+        <p:spPr>
+          <a:xfrm>
+            <a:off x="838200" y="1825625"/>
+            <a:ext cx="10515600" cy="1444797"/>
+          </a:xfrm>
+        </p:spPr>
+        <p:txBody>
+          <a:bodyPr/>
+          <a:lstStyle/>
+          <a:p>
+            <a:r>
+              <a:rPr lang="en-US" dirty="0"/>
+              <a:t>The </a:t>
+            </a:r>
+            <a:r>
+              <a:rPr lang="en-US" i="1" dirty="0">
+                <a:solidFill>
+                  <a:srgbClr val="0082BC"/>
+                </a:solidFill>
+              </a:rPr>
+              <a:t>UsrClass.dat </a:t>
+            </a:r>
+            <a:r>
+              <a:rPr lang="en-US" dirty="0"/>
+              <a:t>stores the </a:t>
+            </a:r>
+            <a:r>
+              <a:rPr lang="en-US" i="1" dirty="0" err="1">
+                <a:solidFill>
+                  <a:srgbClr val="0082BC"/>
+                </a:solidFill>
+              </a:rPr>
+              <a:t>Shellbags</a:t>
+            </a:r>
+            <a:r>
+              <a:rPr lang="en-US" dirty="0">
+                <a:solidFill>
+                  <a:srgbClr val="0082BC"/>
+                </a:solidFill>
+              </a:rPr>
+              <a:t> </a:t>
+            </a:r>
+            <a:r>
+              <a:rPr lang="en-US" dirty="0"/>
+              <a:t>information</a:t>
+            </a:r>
+          </a:p>
+          <a:p>
+            <a:pPr lvl="1"/>
+            <a:r>
+              <a:rPr lang="en-US" dirty="0"/>
+              <a:t>Including the Desktop, ZIP files, remote folders, local folders, Windows special folders and virtual folders.</a:t>
+            </a:r>
+          </a:p>
+        </p:txBody>
+      </p:sp>
+    </p:spTree>
+    <p:extLst>
+      <p:ext uri="{BB962C8B-B14F-4D97-AF65-F5344CB8AC3E}">
+        <p14:creationId xmlns:p14="http://schemas.microsoft.com/office/powerpoint/2010/main" val="681006322"/>
+      </p:ext>
+    </p:extLst>
+  </p:cSld>
+  <p:clrMapOvr>
+    <a:masterClrMapping/>
+  </p:clrMapOvr>
+</p:sld>
+</file>
+
+<file path=ppt/slides/slide12.xml><?xml version="1.0" encoding="utf-8"?>
+<p:sld xmlns:a="http://schemas.openxmlformats.org/drawingml/2006/main" xmlns:r="http://schemas.openxmlformats.org/officeDocument/2006/relationships" xmlns:p="http://schemas.openxmlformats.org/presentationml/2006/main">
+  <p:cSld>
+    <p:spTree>
+      <p:nvGrpSpPr>
+        <p:cNvPr id="1" name=""/>
+        <p:cNvGrpSpPr/>
+        <p:nvPr/>
+      </p:nvGrpSpPr>
+      <p:grpSpPr>
+        <a:xfrm>
+          <a:off x="0" y="0"/>
+          <a:ext cx="0" cy="0"/>
+          <a:chOff x="0" y="0"/>
+          <a:chExt cx="0" cy="0"/>
+        </a:xfrm>
+      </p:grpSpPr>
+      <p:pic>
+        <p:nvPicPr>
+          <p:cNvPr id="4" name="Picture 3"/>
+          <p:cNvPicPr>
+            <a:picLocks noChangeAspect="1"/>
+          </p:cNvPicPr>
+          <p:nvPr/>
+        </p:nvPicPr>
+        <p:blipFill>
+          <a:blip r:embed="rId2"/>
+          <a:stretch>
+            <a:fillRect/>
+          </a:stretch>
+        </p:blipFill>
+        <p:spPr>
+          <a:xfrm>
+            <a:off x="0" y="612876"/>
+            <a:ext cx="12192000" cy="5632247"/>
+          </a:xfrm>
+          <a:prstGeom prst="rect">
+            <a:avLst/>
+          </a:prstGeom>
+        </p:spPr>
+      </p:pic>
+      <p:sp>
+        <p:nvSpPr>
+          <p:cNvPr id="5" name="Rectangle 4"/>
+          <p:cNvSpPr/>
+          <p:nvPr/>
+        </p:nvSpPr>
+        <p:spPr>
+          <a:xfrm>
+            <a:off x="9152239" y="850211"/>
+            <a:ext cx="2776150" cy="738664"/>
+          </a:xfrm>
+          <a:prstGeom prst="rect">
+            <a:avLst/>
+          </a:prstGeom>
+          <a:solidFill>
+            <a:schemeClr val="accent4">
+              <a:lumMod val="20000"/>
+              <a:lumOff val="80000"/>
+            </a:schemeClr>
+          </a:solidFill>
+        </p:spPr>
+        <p:txBody>
+          <a:bodyPr wrap="square">
+            <a:spAutoFit/>
+          </a:bodyPr>
+          <a:lstStyle/>
+          <a:p>
+            <a:r>
+              <a:rPr lang="en-US" sz="1400" dirty="0"/>
+              <a:t>Open a ZIP file in Windows Explorer and close it or open a folder in the same window</a:t>
+            </a:r>
+          </a:p>
+        </p:txBody>
+      </p:sp>
+    </p:spTree>
+    <p:extLst>
+      <p:ext uri="{BB962C8B-B14F-4D97-AF65-F5344CB8AC3E}">
+        <p14:creationId xmlns:p14="http://schemas.microsoft.com/office/powerpoint/2010/main" val="2217990681"/>
+      </p:ext>
+    </p:extLst>
+  </p:cSld>
+  <p:clrMapOvr>
+    <a:masterClrMapping/>
+  </p:clrMapOvr>
+</p:sld>
+</file>
+
+<file path=ppt/slides/slide13.xml><?xml version="1.0" encoding="utf-8"?>
+<p:sld xmlns:a="http://schemas.openxmlformats.org/drawingml/2006/main" xmlns:r="http://schemas.openxmlformats.org/officeDocument/2006/relationships" xmlns:p="http://schemas.openxmlformats.org/presentationml/2006/main">
+  <p:cSld>
+    <p:spTree>
+      <p:nvGrpSpPr>
+        <p:cNvPr id="1" name=""/>
+        <p:cNvGrpSpPr/>
+        <p:nvPr/>
+      </p:nvGrpSpPr>
+      <p:grpSpPr>
+        <a:xfrm>
+          <a:off x="0" y="0"/>
+          <a:ext cx="0" cy="0"/>
+          <a:chOff x="0" y="0"/>
+          <a:chExt cx="0" cy="0"/>
+        </a:xfrm>
+      </p:grpSpPr>
+      <p:pic>
+        <p:nvPicPr>
+          <p:cNvPr id="3" name="Picture 2"/>
+          <p:cNvPicPr>
+            <a:picLocks noChangeAspect="1"/>
+          </p:cNvPicPr>
+          <p:nvPr/>
+        </p:nvPicPr>
+        <p:blipFill rotWithShape="1">
+          <a:blip r:embed="rId3"/>
+          <a:srcRect r="59874"/>
+          <a:stretch/>
+        </p:blipFill>
+        <p:spPr>
+          <a:xfrm>
+            <a:off x="1383955" y="96547"/>
+            <a:ext cx="6466704" cy="2780413"/>
+          </a:xfrm>
+          <a:prstGeom prst="rect">
+            <a:avLst/>
+          </a:prstGeom>
+        </p:spPr>
+      </p:pic>
+      <p:pic>
+        <p:nvPicPr>
+          <p:cNvPr id="4" name="Picture 3"/>
+          <p:cNvPicPr>
+            <a:picLocks noChangeAspect="1"/>
+          </p:cNvPicPr>
+          <p:nvPr/>
+        </p:nvPicPr>
+        <p:blipFill rotWithShape="1">
+          <a:blip r:embed="rId3"/>
+          <a:srcRect l="49467"/>
+          <a:stretch/>
+        </p:blipFill>
+        <p:spPr>
+          <a:xfrm>
+            <a:off x="1383955" y="3366122"/>
+            <a:ext cx="8888629" cy="3034678"/>
+          </a:xfrm>
+          <a:prstGeom prst="rect">
+            <a:avLst/>
+          </a:prstGeom>
+        </p:spPr>
+      </p:pic>
+      <p:sp>
+        <p:nvSpPr>
+          <p:cNvPr id="5" name="Up-Down Arrow 4"/>
+          <p:cNvSpPr/>
+          <p:nvPr/>
+        </p:nvSpPr>
+        <p:spPr>
+          <a:xfrm>
+            <a:off x="4366054" y="2925409"/>
+            <a:ext cx="156519" cy="392263"/>
+          </a:xfrm>
+          <a:prstGeom prst="upDownArrow">
+            <a:avLst/>
+          </a:prstGeom>
+          <a:solidFill>
+            <a:srgbClr val="FF0000"/>
+          </a:solidFill>
+          <a:ln>
+            <a:solidFill>
+              <a:srgbClr val="FF0000"/>
+            </a:solidFill>
+          </a:ln>
+        </p:spPr>
+        <p:style>
+          <a:lnRef idx="2">
+            <a:schemeClr val="accent1">
+              <a:shade val="50000"/>
+            </a:schemeClr>
+          </a:lnRef>
+          <a:fillRef idx="1">
+            <a:schemeClr val="accent1"/>
+          </a:fillRef>
+          <a:effectRef idx="0">
+            <a:schemeClr val="accent1"/>
+          </a:effectRef>
+          <a:fontRef idx="minor">
+            <a:schemeClr val="lt1"/>
+          </a:fontRef>
+        </p:style>
+        <p:txBody>
+          <a:bodyPr rtlCol="0" anchor="ctr"/>
+          <a:lstStyle/>
+          <a:p>
+            <a:pPr algn="ctr"/>
+            <a:endParaRPr lang="en-US">
+              <a:solidFill>
+                <a:srgbClr val="FF0000"/>
+              </a:solidFill>
+            </a:endParaRPr>
+          </a:p>
+        </p:txBody>
+      </p:sp>
+    </p:spTree>
+    <p:extLst>
+      <p:ext uri="{BB962C8B-B14F-4D97-AF65-F5344CB8AC3E}">
+        <p14:creationId xmlns:p14="http://schemas.microsoft.com/office/powerpoint/2010/main" val="2092135752"/>
+      </p:ext>
+    </p:extLst>
+  </p:cSld>
+  <p:clrMapOvr>
+    <a:masterClrMapping/>
+  </p:clrMapOvr>
+</p:sld>
+</file>
+
+<file path=ppt/slides/slide14.xml><?xml version="1.0" encoding="utf-8"?>
+<p:sld xmlns:a="http://schemas.openxmlformats.org/drawingml/2006/main" xmlns:r="http://schemas.openxmlformats.org/officeDocument/2006/relationships" xmlns:p="http://schemas.openxmlformats.org/presentationml/2006/main">
+  <p:cSld>
+    <p:spTree>
+      <p:nvGrpSpPr>
+        <p:cNvPr id="1" name=""/>
+        <p:cNvGrpSpPr/>
+        <p:nvPr/>
+      </p:nvGrpSpPr>
+      <p:grpSpPr>
+        <a:xfrm>
+          <a:off x="0" y="0"/>
+          <a:ext cx="0" cy="0"/>
+          <a:chOff x="0" y="0"/>
+          <a:chExt cx="0" cy="0"/>
+        </a:xfrm>
+      </p:grpSpPr>
+      <p:sp>
+        <p:nvSpPr>
+          <p:cNvPr id="2" name="Title 1"/>
+          <p:cNvSpPr>
+            <a:spLocks noGrp="1"/>
+          </p:cNvSpPr>
+          <p:nvPr>
+            <p:ph type="title"/>
+          </p:nvPr>
+        </p:nvSpPr>
+        <p:spPr/>
+        <p:txBody>
+          <a:bodyPr/>
+          <a:lstStyle/>
+          <a:p>
+            <a:r>
+              <a:rPr lang="en-US" dirty="0">
+                <a:solidFill>
+                  <a:srgbClr val="FF0000"/>
+                </a:solidFill>
+              </a:rPr>
+              <a:t>26. </a:t>
+            </a:r>
+            <a:r>
+              <a:rPr lang="en-US" dirty="0"/>
+              <a:t>List all files that were opened in ‘RM#2’.</a:t>
+            </a:r>
+          </a:p>
+        </p:txBody>
+      </p:sp>
+      <p:sp>
+        <p:nvSpPr>
+          <p:cNvPr id="3" name="Content Placeholder 2"/>
+          <p:cNvSpPr>
+            <a:spLocks noGrp="1"/>
+          </p:cNvSpPr>
+          <p:nvPr>
+            <p:ph idx="1"/>
+          </p:nvPr>
+        </p:nvSpPr>
+        <p:spPr>
+          <a:xfrm>
+            <a:off x="838200" y="1825625"/>
+            <a:ext cx="6778752" cy="4351338"/>
+          </a:xfrm>
+        </p:spPr>
+        <p:txBody>
+          <a:bodyPr/>
+          <a:lstStyle/>
+          <a:p>
+            <a:r>
+              <a:rPr lang="en-US" dirty="0"/>
+              <a:t>Jump Lists provide users a graphical indication of recent items accessed by each application</a:t>
+            </a:r>
+          </a:p>
+          <a:p>
+            <a:r>
+              <a:rPr lang="en-US" dirty="0"/>
+              <a:t>Jump Lists are indicative of user activity. </a:t>
+            </a:r>
+          </a:p>
+          <a:p>
+            <a:pPr lvl="1"/>
+            <a:r>
+              <a:rPr lang="en-US" sz="2000" i="1" dirty="0">
+                <a:solidFill>
+                  <a:srgbClr val="7030A0"/>
+                </a:solidFill>
+              </a:rPr>
+              <a:t>\Users\&lt;username&gt;\</a:t>
+            </a:r>
+            <a:r>
+              <a:rPr lang="en-US" sz="2000" i="1" dirty="0" err="1">
+                <a:solidFill>
+                  <a:srgbClr val="7030A0"/>
+                </a:solidFill>
+              </a:rPr>
+              <a:t>AppData</a:t>
+            </a:r>
+            <a:r>
+              <a:rPr lang="en-US" sz="2000" i="1" dirty="0">
+                <a:solidFill>
+                  <a:srgbClr val="7030A0"/>
+                </a:solidFill>
+              </a:rPr>
+              <a:t>\Roaming\Microsoft\Windows\Recent\</a:t>
+            </a:r>
+            <a:r>
+              <a:rPr lang="en-US" sz="2000" i="1" dirty="0" err="1">
+                <a:solidFill>
+                  <a:srgbClr val="7030A0"/>
+                </a:solidFill>
+              </a:rPr>
+              <a:t>CustomDestinations</a:t>
+            </a:r>
+            <a:r>
+              <a:rPr lang="en-US" sz="2000" i="1" dirty="0">
+                <a:solidFill>
+                  <a:srgbClr val="7030A0"/>
+                </a:solidFill>
+              </a:rPr>
+              <a:t>-m</a:t>
+            </a:r>
+          </a:p>
+          <a:p>
+            <a:r>
+              <a:rPr lang="en-US" dirty="0"/>
+              <a:t>The service itself can be configured by the user</a:t>
+            </a:r>
+          </a:p>
+        </p:txBody>
+      </p:sp>
+      <p:pic>
+        <p:nvPicPr>
+          <p:cNvPr id="4" name="Picture 3"/>
+          <p:cNvPicPr>
+            <a:picLocks noChangeAspect="1"/>
+          </p:cNvPicPr>
+          <p:nvPr/>
+        </p:nvPicPr>
+        <p:blipFill>
+          <a:blip r:embed="rId3"/>
+          <a:stretch>
+            <a:fillRect/>
+          </a:stretch>
+        </p:blipFill>
+        <p:spPr>
+          <a:xfrm>
+            <a:off x="8679838" y="1280160"/>
+            <a:ext cx="2243905" cy="5455629"/>
+          </a:xfrm>
+          <a:prstGeom prst="rect">
+            <a:avLst/>
+          </a:prstGeom>
+        </p:spPr>
+      </p:pic>
+    </p:spTree>
+    <p:extLst>
+      <p:ext uri="{BB962C8B-B14F-4D97-AF65-F5344CB8AC3E}">
+        <p14:creationId xmlns:p14="http://schemas.microsoft.com/office/powerpoint/2010/main" val="3225960140"/>
+      </p:ext>
+    </p:extLst>
+  </p:cSld>
+  <p:clrMapOvr>
+    <a:masterClrMapping/>
+  </p:clrMapOvr>
+</p:sld>
+</file>
+
+<file path=ppt/slides/slide15.xml><?xml version="1.0" encoding="utf-8"?>
+<p:sld xmlns:a="http://schemas.openxmlformats.org/drawingml/2006/main" xmlns:r="http://schemas.openxmlformats.org/officeDocument/2006/relationships" xmlns:p="http://schemas.openxmlformats.org/presentationml/2006/main">
+  <p:cSld>
+    <p:spTree>
+      <p:nvGrpSpPr>
+        <p:cNvPr id="1" name=""/>
+        <p:cNvGrpSpPr/>
+        <p:nvPr/>
+      </p:nvGrpSpPr>
+      <p:grpSpPr>
+        <a:xfrm>
+          <a:off x="0" y="0"/>
+          <a:ext cx="0" cy="0"/>
+          <a:chOff x="0" y="0"/>
+          <a:chExt cx="0" cy="0"/>
+        </a:xfrm>
+      </p:grpSpPr>
+      <p:pic>
+        <p:nvPicPr>
           <p:cNvPr id="3" name="Picture 2"/>
           <p:cNvPicPr>
             <a:picLocks noChangeAspect="1"/>
@@ -7363,15 +7954,7 @@
           <a:p>
             <a:r>
               <a:rPr lang="en-US" dirty="0"/>
-              <a:t>Download </a:t>
-            </a:r>
-            <a:r>
-              <a:rPr lang="en-US" dirty="0" smtClean="0"/>
-              <a:t>RM#2 DD </a:t>
-            </a:r>
-            <a:r>
-              <a:rPr lang="en-US" dirty="0"/>
-              <a:t>images</a:t>
+              <a:t>Download RM#2 DD images</a:t>
             </a:r>
           </a:p>
         </p:txBody>
@@ -7413,7 +7996,7 @@
 </p:sld>
 </file>
 
-<file path=ppt/slides/slide12.xml><?xml version="1.0" encoding="utf-8"?>
+<file path=ppt/slides/slide16.xml><?xml version="1.0" encoding="utf-8"?>
 <p:sld xmlns:a="http://schemas.openxmlformats.org/drawingml/2006/main" xmlns:r="http://schemas.openxmlformats.org/officeDocument/2006/relationships" xmlns:p="http://schemas.openxmlformats.org/presentationml/2006/main">
   <p:cSld>
     <p:spTree>
@@ -7553,654 +8136,6 @@
 </p:sld>
 </file>
 
-<file path=ppt/slides/slide13.xml><?xml version="1.0" encoding="utf-8"?>
-<p:sld xmlns:a="http://schemas.openxmlformats.org/drawingml/2006/main" xmlns:r="http://schemas.openxmlformats.org/officeDocument/2006/relationships" xmlns:p="http://schemas.openxmlformats.org/presentationml/2006/main">
-  <p:cSld>
-    <p:spTree>
-      <p:nvGrpSpPr>
-        <p:cNvPr id="1" name=""/>
-        <p:cNvGrpSpPr/>
-        <p:nvPr/>
-      </p:nvGrpSpPr>
-      <p:grpSpPr>
-        <a:xfrm>
-          <a:off x="0" y="0"/>
-          <a:ext cx="0" cy="0"/>
-          <a:chOff x="0" y="0"/>
-          <a:chExt cx="0" cy="0"/>
-        </a:xfrm>
-      </p:grpSpPr>
-      <p:pic>
-        <p:nvPicPr>
-          <p:cNvPr id="2" name="Picture 1"/>
-          <p:cNvPicPr>
-            <a:picLocks noChangeAspect="1"/>
-          </p:cNvPicPr>
-          <p:nvPr/>
-        </p:nvPicPr>
-        <p:blipFill>
-          <a:blip r:embed="rId3"/>
-          <a:stretch>
-            <a:fillRect/>
-          </a:stretch>
-        </p:blipFill>
-        <p:spPr>
-          <a:xfrm>
-            <a:off x="838201" y="3971839"/>
-            <a:ext cx="10402201" cy="1752752"/>
-          </a:xfrm>
-          <a:prstGeom prst="rect">
-            <a:avLst/>
-          </a:prstGeom>
-        </p:spPr>
-      </p:pic>
-      <p:sp>
-        <p:nvSpPr>
-          <p:cNvPr id="3" name="TextBox 2">
-            <a:extLst>
-              <a:ext uri="{FF2B5EF4-FFF2-40B4-BE49-F238E27FC236}">
-                <a16:creationId xmlns:a16="http://schemas.microsoft.com/office/drawing/2014/main" xmlns="" id="{9AA9664F-918A-4640-9EF4-782DF3B2CEF1}"/>
-              </a:ext>
-            </a:extLst>
-          </p:cNvPr>
-          <p:cNvSpPr txBox="1"/>
-          <p:nvPr/>
-        </p:nvSpPr>
-        <p:spPr>
-          <a:xfrm>
-            <a:off x="838200" y="3585667"/>
-            <a:ext cx="7170109" cy="369332"/>
-          </a:xfrm>
-          <a:prstGeom prst="rect">
-            <a:avLst/>
-          </a:prstGeom>
-          <a:solidFill>
-            <a:srgbClr val="FFC000"/>
-          </a:solidFill>
-        </p:spPr>
-        <p:txBody>
-          <a:bodyPr wrap="square" rtlCol="0">
-            <a:spAutoFit/>
-          </a:bodyPr>
-          <a:lstStyle/>
-          <a:p>
-            <a:r>
-              <a:rPr lang="en-US" dirty="0"/>
-              <a:t>Copy </a:t>
-            </a:r>
-            <a:r>
-              <a:rPr lang="en-US" i="1" dirty="0">
-                <a:solidFill>
-                  <a:srgbClr val="7030A0"/>
-                </a:solidFill>
-              </a:rPr>
-              <a:t>UsrClass.dat</a:t>
-            </a:r>
-            <a:r>
-              <a:rPr lang="en-US" dirty="0"/>
-              <a:t> </a:t>
-            </a:r>
-            <a:r>
-              <a:rPr lang="en-US" dirty="0" smtClean="0"/>
-              <a:t>file and rename it </a:t>
-            </a:r>
-            <a:r>
-              <a:rPr lang="en-US" dirty="0"/>
-              <a:t>to</a:t>
-            </a:r>
-            <a:r>
-              <a:rPr lang="en-US" i="1" dirty="0" smtClean="0">
-                <a:solidFill>
-                  <a:srgbClr val="7030A0"/>
-                </a:solidFill>
-              </a:rPr>
-              <a:t> UsrClass_informat.dat</a:t>
-            </a:r>
-            <a:endParaRPr lang="en-US" i="1" dirty="0">
-              <a:solidFill>
-                <a:srgbClr val="7030A0"/>
-              </a:solidFill>
-            </a:endParaRPr>
-          </a:p>
-        </p:txBody>
-      </p:sp>
-      <p:sp>
-        <p:nvSpPr>
-          <p:cNvPr id="5" name="Title 4"/>
-          <p:cNvSpPr>
-            <a:spLocks noGrp="1"/>
-          </p:cNvSpPr>
-          <p:nvPr>
-            <p:ph type="title"/>
-          </p:nvPr>
-        </p:nvSpPr>
-        <p:spPr/>
-        <p:txBody>
-          <a:bodyPr/>
-          <a:lstStyle/>
-          <a:p>
-            <a:r>
-              <a:rPr lang="en-US" dirty="0" smtClean="0">
-                <a:solidFill>
-                  <a:srgbClr val="FF0000"/>
-                </a:solidFill>
-              </a:rPr>
-              <a:t>25.3 </a:t>
-            </a:r>
-            <a:r>
-              <a:rPr lang="en-US" dirty="0"/>
-              <a:t>How </a:t>
-            </a:r>
-            <a:r>
-              <a:rPr lang="en-US" i="1" dirty="0" err="1">
-                <a:solidFill>
-                  <a:srgbClr val="FF0000"/>
-                </a:solidFill>
-              </a:rPr>
-              <a:t>shellbags</a:t>
-            </a:r>
-            <a:r>
-              <a:rPr lang="en-US" dirty="0">
-                <a:solidFill>
-                  <a:srgbClr val="FF0000"/>
-                </a:solidFill>
-              </a:rPr>
-              <a:t> </a:t>
-            </a:r>
-            <a:r>
-              <a:rPr lang="en-US" dirty="0"/>
-              <a:t>are </a:t>
-            </a:r>
-            <a:r>
-              <a:rPr lang="en-US" dirty="0" smtClean="0"/>
-              <a:t>saved?</a:t>
-            </a:r>
-            <a:endParaRPr lang="en-US" dirty="0"/>
-          </a:p>
-        </p:txBody>
-      </p:sp>
-      <p:sp>
-        <p:nvSpPr>
-          <p:cNvPr id="6" name="Content Placeholder 5"/>
-          <p:cNvSpPr>
-            <a:spLocks noGrp="1"/>
-          </p:cNvSpPr>
-          <p:nvPr>
-            <p:ph idx="1"/>
-          </p:nvPr>
-        </p:nvSpPr>
-        <p:spPr>
-          <a:xfrm>
-            <a:off x="838200" y="1825625"/>
-            <a:ext cx="10515600" cy="1444797"/>
-          </a:xfrm>
-        </p:spPr>
-        <p:txBody>
-          <a:bodyPr/>
-          <a:lstStyle/>
-          <a:p>
-            <a:r>
-              <a:rPr lang="en-US" dirty="0"/>
-              <a:t>The </a:t>
-            </a:r>
-            <a:r>
-              <a:rPr lang="en-US" i="1" dirty="0" smtClean="0">
-                <a:solidFill>
-                  <a:srgbClr val="0082BC"/>
-                </a:solidFill>
-              </a:rPr>
-              <a:t>UsrClass.dat </a:t>
-            </a:r>
-            <a:r>
-              <a:rPr lang="en-US" dirty="0"/>
-              <a:t>stores the </a:t>
-            </a:r>
-            <a:r>
-              <a:rPr lang="en-US" i="1" dirty="0" err="1">
-                <a:solidFill>
-                  <a:srgbClr val="0082BC"/>
-                </a:solidFill>
-              </a:rPr>
-              <a:t>ShellBag</a:t>
-            </a:r>
-            <a:r>
-              <a:rPr lang="en-US" dirty="0">
-                <a:solidFill>
-                  <a:srgbClr val="0082BC"/>
-                </a:solidFill>
-              </a:rPr>
-              <a:t> </a:t>
-            </a:r>
-            <a:r>
-              <a:rPr lang="en-US" dirty="0" smtClean="0"/>
-              <a:t>information</a:t>
-            </a:r>
-          </a:p>
-          <a:p>
-            <a:pPr lvl="1"/>
-            <a:r>
-              <a:rPr lang="en-US" dirty="0" smtClean="0"/>
-              <a:t>Including the </a:t>
-            </a:r>
-            <a:r>
-              <a:rPr lang="en-US" dirty="0"/>
-              <a:t>Desktop, ZIP files, remote folders, local folders, Windows special folders and virtual folders.</a:t>
-            </a:r>
-          </a:p>
-        </p:txBody>
-      </p:sp>
-    </p:spTree>
-    <p:extLst>
-      <p:ext uri="{BB962C8B-B14F-4D97-AF65-F5344CB8AC3E}">
-        <p14:creationId xmlns:p14="http://schemas.microsoft.com/office/powerpoint/2010/main" val="681006322"/>
-      </p:ext>
-    </p:extLst>
-  </p:cSld>
-  <p:clrMapOvr>
-    <a:masterClrMapping/>
-  </p:clrMapOvr>
-</p:sld>
-</file>
-
-<file path=ppt/slides/slide14.xml><?xml version="1.0" encoding="utf-8"?>
-<p:sld xmlns:a="http://schemas.openxmlformats.org/drawingml/2006/main" xmlns:r="http://schemas.openxmlformats.org/officeDocument/2006/relationships" xmlns:p="http://schemas.openxmlformats.org/presentationml/2006/main">
-  <p:cSld>
-    <p:spTree>
-      <p:nvGrpSpPr>
-        <p:cNvPr id="1" name=""/>
-        <p:cNvGrpSpPr/>
-        <p:nvPr/>
-      </p:nvGrpSpPr>
-      <p:grpSpPr>
-        <a:xfrm>
-          <a:off x="0" y="0"/>
-          <a:ext cx="0" cy="0"/>
-          <a:chOff x="0" y="0"/>
-          <a:chExt cx="0" cy="0"/>
-        </a:xfrm>
-      </p:grpSpPr>
-      <p:pic>
-        <p:nvPicPr>
-          <p:cNvPr id="4" name="Picture 3"/>
-          <p:cNvPicPr>
-            <a:picLocks noChangeAspect="1"/>
-          </p:cNvPicPr>
-          <p:nvPr/>
-        </p:nvPicPr>
-        <p:blipFill>
-          <a:blip r:embed="rId2"/>
-          <a:stretch>
-            <a:fillRect/>
-          </a:stretch>
-        </p:blipFill>
-        <p:spPr>
-          <a:xfrm>
-            <a:off x="0" y="612876"/>
-            <a:ext cx="12192000" cy="5632247"/>
-          </a:xfrm>
-          <a:prstGeom prst="rect">
-            <a:avLst/>
-          </a:prstGeom>
-        </p:spPr>
-      </p:pic>
-      <p:sp>
-        <p:nvSpPr>
-          <p:cNvPr id="5" name="Rectangle 4"/>
-          <p:cNvSpPr/>
-          <p:nvPr/>
-        </p:nvSpPr>
-        <p:spPr>
-          <a:xfrm>
-            <a:off x="9152239" y="850211"/>
-            <a:ext cx="2776150" cy="738664"/>
-          </a:xfrm>
-          <a:prstGeom prst="rect">
-            <a:avLst/>
-          </a:prstGeom>
-          <a:solidFill>
-            <a:schemeClr val="accent4">
-              <a:lumMod val="20000"/>
-              <a:lumOff val="80000"/>
-            </a:schemeClr>
-          </a:solidFill>
-        </p:spPr>
-        <p:txBody>
-          <a:bodyPr wrap="square">
-            <a:spAutoFit/>
-          </a:bodyPr>
-          <a:lstStyle/>
-          <a:p>
-            <a:r>
-              <a:rPr lang="en-US" sz="1400" dirty="0"/>
-              <a:t>Open a ZIP file in Windows Explorer and close it or open a folder in </a:t>
-            </a:r>
-            <a:r>
-              <a:rPr lang="en-US" sz="1400" dirty="0" smtClean="0"/>
-              <a:t>the same </a:t>
-            </a:r>
-            <a:r>
-              <a:rPr lang="en-US" sz="1400" dirty="0"/>
-              <a:t>window</a:t>
-            </a:r>
-          </a:p>
-        </p:txBody>
-      </p:sp>
-    </p:spTree>
-    <p:extLst>
-      <p:ext uri="{BB962C8B-B14F-4D97-AF65-F5344CB8AC3E}">
-        <p14:creationId xmlns:p14="http://schemas.microsoft.com/office/powerpoint/2010/main" val="2217990681"/>
-      </p:ext>
-    </p:extLst>
-  </p:cSld>
-  <p:clrMapOvr>
-    <a:masterClrMapping/>
-  </p:clrMapOvr>
-</p:sld>
-</file>
-
-<file path=ppt/slides/slide15.xml><?xml version="1.0" encoding="utf-8"?>
-<p:sld xmlns:a="http://schemas.openxmlformats.org/drawingml/2006/main" xmlns:r="http://schemas.openxmlformats.org/officeDocument/2006/relationships" xmlns:p="http://schemas.openxmlformats.org/presentationml/2006/main">
-  <p:cSld>
-    <p:spTree>
-      <p:nvGrpSpPr>
-        <p:cNvPr id="1" name=""/>
-        <p:cNvGrpSpPr/>
-        <p:nvPr/>
-      </p:nvGrpSpPr>
-      <p:grpSpPr>
-        <a:xfrm>
-          <a:off x="0" y="0"/>
-          <a:ext cx="0" cy="0"/>
-          <a:chOff x="0" y="0"/>
-          <a:chExt cx="0" cy="0"/>
-        </a:xfrm>
-      </p:grpSpPr>
-      <p:pic>
-        <p:nvPicPr>
-          <p:cNvPr id="3" name="Picture 2"/>
-          <p:cNvPicPr>
-            <a:picLocks noChangeAspect="1"/>
-          </p:cNvPicPr>
-          <p:nvPr/>
-        </p:nvPicPr>
-        <p:blipFill rotWithShape="1">
-          <a:blip r:embed="rId3"/>
-          <a:srcRect r="59874"/>
-          <a:stretch/>
-        </p:blipFill>
-        <p:spPr>
-          <a:xfrm>
-            <a:off x="1383955" y="96547"/>
-            <a:ext cx="6466704" cy="2780413"/>
-          </a:xfrm>
-          <a:prstGeom prst="rect">
-            <a:avLst/>
-          </a:prstGeom>
-        </p:spPr>
-      </p:pic>
-      <p:pic>
-        <p:nvPicPr>
-          <p:cNvPr id="4" name="Picture 3"/>
-          <p:cNvPicPr>
-            <a:picLocks noChangeAspect="1"/>
-          </p:cNvPicPr>
-          <p:nvPr/>
-        </p:nvPicPr>
-        <p:blipFill rotWithShape="1">
-          <a:blip r:embed="rId3"/>
-          <a:srcRect l="49467"/>
-          <a:stretch/>
-        </p:blipFill>
-        <p:spPr>
-          <a:xfrm>
-            <a:off x="1383955" y="3366122"/>
-            <a:ext cx="8888629" cy="3034678"/>
-          </a:xfrm>
-          <a:prstGeom prst="rect">
-            <a:avLst/>
-          </a:prstGeom>
-        </p:spPr>
-      </p:pic>
-      <p:sp>
-        <p:nvSpPr>
-          <p:cNvPr id="5" name="Up-Down Arrow 4"/>
-          <p:cNvSpPr/>
-          <p:nvPr/>
-        </p:nvSpPr>
-        <p:spPr>
-          <a:xfrm>
-            <a:off x="4366054" y="2925409"/>
-            <a:ext cx="156519" cy="392263"/>
-          </a:xfrm>
-          <a:prstGeom prst="upDownArrow">
-            <a:avLst/>
-          </a:prstGeom>
-          <a:solidFill>
-            <a:srgbClr val="FF0000"/>
-          </a:solidFill>
-          <a:ln>
-            <a:solidFill>
-              <a:srgbClr val="FF0000"/>
-            </a:solidFill>
-          </a:ln>
-        </p:spPr>
-        <p:style>
-          <a:lnRef idx="2">
-            <a:schemeClr val="accent1">
-              <a:shade val="50000"/>
-            </a:schemeClr>
-          </a:lnRef>
-          <a:fillRef idx="1">
-            <a:schemeClr val="accent1"/>
-          </a:fillRef>
-          <a:effectRef idx="0">
-            <a:schemeClr val="accent1"/>
-          </a:effectRef>
-          <a:fontRef idx="minor">
-            <a:schemeClr val="lt1"/>
-          </a:fontRef>
-        </p:style>
-        <p:txBody>
-          <a:bodyPr rtlCol="0" anchor="ctr"/>
-          <a:lstStyle/>
-          <a:p>
-            <a:pPr algn="ctr"/>
-            <a:endParaRPr lang="en-US">
-              <a:solidFill>
-                <a:srgbClr val="FF0000"/>
-              </a:solidFill>
-            </a:endParaRPr>
-          </a:p>
-        </p:txBody>
-      </p:sp>
-    </p:spTree>
-    <p:extLst>
-      <p:ext uri="{BB962C8B-B14F-4D97-AF65-F5344CB8AC3E}">
-        <p14:creationId xmlns:p14="http://schemas.microsoft.com/office/powerpoint/2010/main" val="2092135752"/>
-      </p:ext>
-    </p:extLst>
-  </p:cSld>
-  <p:clrMapOvr>
-    <a:masterClrMapping/>
-  </p:clrMapOvr>
-</p:sld>
-</file>
-
-<file path=ppt/slides/slide16.xml><?xml version="1.0" encoding="utf-8"?>
-<p:sld xmlns:a="http://schemas.openxmlformats.org/drawingml/2006/main" xmlns:r="http://schemas.openxmlformats.org/officeDocument/2006/relationships" xmlns:p="http://schemas.openxmlformats.org/presentationml/2006/main">
-  <p:cSld>
-    <p:spTree>
-      <p:nvGrpSpPr>
-        <p:cNvPr id="1" name=""/>
-        <p:cNvGrpSpPr/>
-        <p:nvPr/>
-      </p:nvGrpSpPr>
-      <p:grpSpPr>
-        <a:xfrm>
-          <a:off x="0" y="0"/>
-          <a:ext cx="0" cy="0"/>
-          <a:chOff x="0" y="0"/>
-          <a:chExt cx="0" cy="0"/>
-        </a:xfrm>
-      </p:grpSpPr>
-      <p:sp>
-        <p:nvSpPr>
-          <p:cNvPr id="2" name="Title 1"/>
-          <p:cNvSpPr>
-            <a:spLocks noGrp="1"/>
-          </p:cNvSpPr>
-          <p:nvPr>
-            <p:ph type="title"/>
-          </p:nvPr>
-        </p:nvSpPr>
-        <p:spPr/>
-        <p:txBody>
-          <a:bodyPr/>
-          <a:lstStyle/>
-          <a:p>
-            <a:r>
-              <a:rPr lang="en-US" dirty="0">
-                <a:solidFill>
-                  <a:srgbClr val="FF0000"/>
-                </a:solidFill>
-              </a:rPr>
-              <a:t>26. </a:t>
-            </a:r>
-            <a:r>
-              <a:rPr lang="en-US" dirty="0"/>
-              <a:t>List all files that were opened in ‘RM#2’.</a:t>
-            </a:r>
-          </a:p>
-        </p:txBody>
-      </p:sp>
-      <p:sp>
-        <p:nvSpPr>
-          <p:cNvPr id="3" name="Content Placeholder 2"/>
-          <p:cNvSpPr>
-            <a:spLocks noGrp="1"/>
-          </p:cNvSpPr>
-          <p:nvPr>
-            <p:ph idx="1"/>
-          </p:nvPr>
-        </p:nvSpPr>
-        <p:spPr>
-          <a:xfrm>
-            <a:off x="838200" y="1825625"/>
-            <a:ext cx="6778752" cy="4351338"/>
-          </a:xfrm>
-        </p:spPr>
-        <p:txBody>
-          <a:bodyPr/>
-          <a:lstStyle/>
-          <a:p>
-            <a:r>
-              <a:rPr lang="en-US" dirty="0"/>
-              <a:t>Jump Lists provide users a graphical indication of recent items accessed by each </a:t>
-            </a:r>
-            <a:r>
-              <a:rPr lang="en-US" dirty="0" smtClean="0"/>
-              <a:t>application</a:t>
-            </a:r>
-          </a:p>
-          <a:p>
-            <a:r>
-              <a:rPr lang="en-US" dirty="0"/>
-              <a:t>Jump Lists are indicative of user activity. </a:t>
-            </a:r>
-            <a:endParaRPr lang="en-US" dirty="0" smtClean="0"/>
-          </a:p>
-          <a:p>
-            <a:pPr lvl="1"/>
-            <a:r>
-              <a:rPr lang="en-US" sz="2000" i="1" dirty="0">
-                <a:solidFill>
-                  <a:srgbClr val="7030A0"/>
-                </a:solidFill>
-              </a:rPr>
-              <a:t>\Users\&lt;username&gt;\</a:t>
-            </a:r>
-            <a:r>
-              <a:rPr lang="en-US" sz="2000" i="1" dirty="0" err="1">
-                <a:solidFill>
-                  <a:srgbClr val="7030A0"/>
-                </a:solidFill>
-              </a:rPr>
-              <a:t>AppData</a:t>
-            </a:r>
-            <a:r>
-              <a:rPr lang="en-US" sz="2000" i="1" dirty="0">
-                <a:solidFill>
-                  <a:srgbClr val="7030A0"/>
-                </a:solidFill>
-              </a:rPr>
-              <a:t>\Roaming\Microsoft\Windows\Recent\</a:t>
-            </a:r>
-            <a:r>
-              <a:rPr lang="en-US" sz="2000" i="1" dirty="0" err="1">
-                <a:solidFill>
-                  <a:srgbClr val="7030A0"/>
-                </a:solidFill>
-              </a:rPr>
-              <a:t>CustomDestinations</a:t>
-            </a:r>
-            <a:r>
-              <a:rPr lang="en-US" sz="2000" i="1" dirty="0">
-                <a:solidFill>
-                  <a:srgbClr val="7030A0"/>
-                </a:solidFill>
-              </a:rPr>
-              <a:t>-m</a:t>
-            </a:r>
-          </a:p>
-          <a:p>
-            <a:r>
-              <a:rPr lang="en-US" dirty="0" smtClean="0"/>
-              <a:t>The </a:t>
-            </a:r>
-            <a:r>
-              <a:rPr lang="en-US" dirty="0"/>
-              <a:t>service itself can be configured by the user</a:t>
-            </a:r>
-          </a:p>
-        </p:txBody>
-      </p:sp>
-      <p:pic>
-        <p:nvPicPr>
-          <p:cNvPr id="4" name="Picture 3"/>
-          <p:cNvPicPr>
-            <a:picLocks noChangeAspect="1"/>
-          </p:cNvPicPr>
-          <p:nvPr/>
-        </p:nvPicPr>
-        <p:blipFill>
-          <a:blip r:embed="rId3"/>
-          <a:stretch>
-            <a:fillRect/>
-          </a:stretch>
-        </p:blipFill>
-        <p:spPr>
-          <a:xfrm>
-            <a:off x="8679838" y="1280160"/>
-            <a:ext cx="2243905" cy="5455629"/>
-          </a:xfrm>
-          <a:prstGeom prst="rect">
-            <a:avLst/>
-          </a:prstGeom>
-        </p:spPr>
-      </p:pic>
-    </p:spTree>
-    <p:extLst>
-      <p:ext uri="{BB962C8B-B14F-4D97-AF65-F5344CB8AC3E}">
-        <p14:creationId xmlns:p14="http://schemas.microsoft.com/office/powerpoint/2010/main" val="3225960140"/>
-      </p:ext>
-    </p:extLst>
-  </p:cSld>
-  <p:clrMapOvr>
-    <a:masterClrMapping/>
-  </p:clrMapOvr>
-</p:sld>
-</file>
-
 <file path=ppt/slides/slide17.xml><?xml version="1.0" encoding="utf-8"?>
 <p:sld xmlns:a="http://schemas.openxmlformats.org/drawingml/2006/main" xmlns:r="http://schemas.openxmlformats.org/officeDocument/2006/relationships" xmlns:p="http://schemas.openxmlformats.org/presentationml/2006/main">
   <p:cSld>
@@ -8237,14 +8172,10 @@
           <a:p>
             <a:r>
               <a:rPr lang="en-US" dirty="0"/>
-              <a:t>Analysis Of Jump </a:t>
-            </a:r>
-            <a:r>
-              <a:rPr lang="en-US" dirty="0" smtClean="0"/>
-              <a:t>Lists: </a:t>
-            </a:r>
-            <a:r>
-              <a:rPr lang="en-US" sz="3200" i="1" dirty="0" err="1" smtClean="0">
+              <a:t>Analysis Of Jump Lists: </a:t>
+            </a:r>
+            <a:r>
+              <a:rPr lang="en-US" sz="3200" i="1" dirty="0" err="1">
                 <a:solidFill>
                   <a:srgbClr val="7030A0"/>
                 </a:solidFill>
@@ -8280,35 +8211,19 @@
           <a:lstStyle/>
           <a:p>
             <a:r>
-              <a:rPr lang="en-US" dirty="0" smtClean="0"/>
-              <a:t>When </a:t>
-            </a:r>
-            <a:r>
               <a:rPr lang="en-US" dirty="0"/>
-              <a:t>a user interacts with the system performing such acts as opening applications or accessing files</a:t>
-            </a:r>
-            <a:r>
-              <a:rPr lang="en-US" dirty="0" smtClean="0"/>
-              <a:t>.</a:t>
+              <a:t>When a user interacts with the system performing such acts as opening applications or accessing files.</a:t>
             </a:r>
           </a:p>
           <a:p>
             <a:pPr lvl="1"/>
-            <a:r>
-              <a:rPr lang="en-US" sz="2000" i="1" dirty="0" smtClean="0">
-                <a:solidFill>
-                  <a:srgbClr val="7030A0"/>
-                </a:solidFill>
-              </a:rPr>
-              <a:t>\</a:t>
-            </a:r>
             <a:r>
               <a:rPr lang="en-US" sz="2000" i="1" dirty="0">
                 <a:solidFill>
                   <a:srgbClr val="7030A0"/>
                 </a:solidFill>
               </a:rPr>
-              <a:t>Users\&lt;username&gt;\</a:t>
+              <a:t>\Users\&lt;username&gt;\</a:t>
             </a:r>
             <a:r>
               <a:rPr lang="en-US" sz="2000" i="1" dirty="0" err="1">
@@ -8342,17 +8257,12 @@
               </a:rPr>
               <a:t> </a:t>
             </a:r>
-            <a:endParaRPr lang="en-US" sz="2000" i="1" dirty="0" smtClean="0">
-              <a:solidFill>
-                <a:srgbClr val="7030A0"/>
-              </a:solidFill>
-            </a:endParaRPr>
           </a:p>
           <a:p>
             <a:pPr marL="0" indent="0">
               <a:buNone/>
             </a:pPr>
-            <a:endParaRPr lang="en-US" dirty="0" smtClean="0"/>
+            <a:endParaRPr lang="en-US" dirty="0"/>
           </a:p>
         </p:txBody>
       </p:sp>
@@ -8385,7 +8295,7 @@
           <p:cNvPr id="6" name="TextBox 5">
             <a:extLst>
               <a:ext uri="{FF2B5EF4-FFF2-40B4-BE49-F238E27FC236}">
-                <a16:creationId xmlns:a16="http://schemas.microsoft.com/office/drawing/2014/main" xmlns="" id="{DCC82629-2D70-4C74-BA85-98D61B7160D9}"/>
+                <a16:creationId xmlns:a16="http://schemas.microsoft.com/office/drawing/2014/main" id="{DCC82629-2D70-4C74-BA85-98D61B7160D9}"/>
               </a:ext>
             </a:extLst>
           </p:cNvPr>
@@ -8411,11 +8321,11 @@
           <a:lstStyle/>
           <a:p>
             <a:r>
-              <a:rPr lang="en-US" dirty="0" smtClean="0"/>
+              <a:rPr lang="en-US" dirty="0"/>
               <a:t>List all </a:t>
             </a:r>
             <a:r>
-              <a:rPr lang="en-US" i="1" dirty="0" err="1" smtClean="0">
+              <a:rPr lang="en-US" i="1" dirty="0" err="1">
                 <a:solidFill>
                   <a:srgbClr val="7030A0"/>
                 </a:solidFill>
@@ -8423,7 +8333,7 @@
               <a:t>AutomaticDestinations-ms</a:t>
             </a:r>
             <a:r>
-              <a:rPr lang="en-US" i="1" dirty="0" smtClean="0">
+              <a:rPr lang="en-US" i="1" dirty="0">
                 <a:solidFill>
                   <a:srgbClr val="7030A0"/>
                 </a:solidFill>
@@ -8602,7 +8512,7 @@
           <p:cNvPr id="8" name="TextBox 7">
             <a:extLst>
               <a:ext uri="{FF2B5EF4-FFF2-40B4-BE49-F238E27FC236}">
-                <a16:creationId xmlns:a16="http://schemas.microsoft.com/office/drawing/2014/main" xmlns="" id="{DCC82629-2D70-4C74-BA85-98D61B7160D9}"/>
+                <a16:creationId xmlns:a16="http://schemas.microsoft.com/office/drawing/2014/main" id="{DCC82629-2D70-4C74-BA85-98D61B7160D9}"/>
               </a:ext>
             </a:extLst>
           </p:cNvPr>
@@ -8628,11 +8538,11 @@
           <a:lstStyle/>
           <a:p>
             <a:r>
-              <a:rPr lang="en-US" dirty="0" smtClean="0"/>
+              <a:rPr lang="en-US" dirty="0"/>
               <a:t>List informant’s </a:t>
             </a:r>
             <a:r>
-              <a:rPr lang="en-US" i="1" dirty="0" err="1" smtClean="0">
+              <a:rPr lang="en-US" i="1" dirty="0" err="1">
                 <a:solidFill>
                   <a:srgbClr val="7030A0"/>
                 </a:solidFill>
@@ -8726,7 +8636,7 @@
           <p:cNvPr id="4" name="TextBox 3">
             <a:extLst>
               <a:ext uri="{FF2B5EF4-FFF2-40B4-BE49-F238E27FC236}">
-                <a16:creationId xmlns:a16="http://schemas.microsoft.com/office/drawing/2014/main" xmlns="" id="{DCC82629-2D70-4C74-BA85-98D61B7160D9}"/>
+                <a16:creationId xmlns:a16="http://schemas.microsoft.com/office/drawing/2014/main" id="{DCC82629-2D70-4C74-BA85-98D61B7160D9}"/>
               </a:ext>
             </a:extLst>
           </p:cNvPr>
@@ -8752,11 +8662,11 @@
           <a:lstStyle/>
           <a:p>
             <a:r>
-              <a:rPr lang="en-US" dirty="0" smtClean="0"/>
+              <a:rPr lang="en-US" dirty="0"/>
               <a:t>Determine </a:t>
             </a:r>
             <a:r>
-              <a:rPr lang="en-US" i="1" dirty="0" err="1" smtClean="0">
+              <a:rPr lang="en-US" i="1" dirty="0" err="1">
                 <a:solidFill>
                   <a:srgbClr val="7030A0"/>
                 </a:solidFill>
@@ -8764,7 +8674,7 @@
               <a:t>AutomaticDestinations-ms</a:t>
             </a:r>
             <a:r>
-              <a:rPr lang="en-US" i="1" dirty="0" smtClean="0">
+              <a:rPr lang="en-US" i="1" dirty="0">
                 <a:solidFill>
                   <a:srgbClr val="7030A0"/>
                 </a:solidFill>
@@ -8783,7 +8693,7 @@
           <p:cNvPr id="5" name="TextBox 4">
             <a:extLst>
               <a:ext uri="{FF2B5EF4-FFF2-40B4-BE49-F238E27FC236}">
-                <a16:creationId xmlns:a16="http://schemas.microsoft.com/office/drawing/2014/main" xmlns="" id="{DCC82629-2D70-4C74-BA85-98D61B7160D9}"/>
+                <a16:creationId xmlns:a16="http://schemas.microsoft.com/office/drawing/2014/main" id="{DCC82629-2D70-4C74-BA85-98D61B7160D9}"/>
               </a:ext>
             </a:extLst>
           </p:cNvPr>
@@ -8809,11 +8719,11 @@
           <a:lstStyle/>
           <a:p>
             <a:r>
-              <a:rPr lang="en-US" dirty="0" smtClean="0"/>
+              <a:rPr lang="en-US" dirty="0"/>
               <a:t>Copy one </a:t>
             </a:r>
             <a:r>
-              <a:rPr lang="en-US" i="1" dirty="0" err="1" smtClean="0">
+              <a:rPr lang="en-US" i="1" dirty="0" err="1">
                 <a:solidFill>
                   <a:srgbClr val="7030A0"/>
                 </a:solidFill>
@@ -8821,7 +8731,7 @@
               <a:t>AutomaticDestinations-ms</a:t>
             </a:r>
             <a:r>
-              <a:rPr lang="en-US" i="1" dirty="0" smtClean="0">
+              <a:rPr lang="en-US" i="1" dirty="0">
                 <a:solidFill>
                   <a:srgbClr val="7030A0"/>
                 </a:solidFill>
@@ -8881,7 +8791,7 @@
           <a:lstStyle/>
           <a:p>
             <a:r>
-              <a:rPr lang="en-US" dirty="0" smtClean="0">
+              <a:rPr lang="en-US" dirty="0">
                 <a:solidFill>
                   <a:srgbClr val="FF0000"/>
                 </a:solidFill>
@@ -8911,15 +8821,27 @@
         </p:nvGraphicFramePr>
         <p:xfrm>
           <a:off x="838200" y="1955864"/>
-          <a:ext cx="10061448" cy="3979037"/>
+          <a:ext cx="10061448" cy="3950018"/>
         </p:xfrm>
         <a:graphic>
           <a:graphicData uri="http://schemas.openxmlformats.org/drawingml/2006/table">
             <a:tbl>
               <a:tblPr firstRow="1" firstCol="1" bandRow="1"/>
               <a:tblGrid>
-                <a:gridCol w="1836243"/>
-                <a:gridCol w="8225205"/>
+                <a:gridCol w="1836243">
+                  <a:extLst>
+                    <a:ext uri="{9D8B030D-6E8A-4147-A177-3AD203B41FA5}">
+                      <a16:colId xmlns:a16="http://schemas.microsoft.com/office/drawing/2014/main" val="20000"/>
+                    </a:ext>
+                  </a:extLst>
+                </a:gridCol>
+                <a:gridCol w="8225205">
+                  <a:extLst>
+                    <a:ext uri="{9D8B030D-6E8A-4147-A177-3AD203B41FA5}">
+                      <a16:colId xmlns:a16="http://schemas.microsoft.com/office/drawing/2014/main" val="20001"/>
+                    </a:ext>
+                  </a:extLst>
+                </a:gridCol>
               </a:tblGrid>
               <a:tr h="67945">
                 <a:tc>
@@ -9072,6 +8994,11 @@
                     </a:lnB>
                   </a:tcPr>
                 </a:tc>
+                <a:extLst>
+                  <a:ext uri="{0D108BD9-81ED-4DB2-BD59-A6C34878D82A}">
+                    <a16:rowId xmlns:a16="http://schemas.microsoft.com/office/drawing/2014/main" val="10000"/>
+                  </a:ext>
+                </a:extLst>
               </a:tr>
               <a:tr h="0">
                 <a:tc>
@@ -9673,6 +9600,11 @@
                     </a:lnB>
                   </a:tcPr>
                 </a:tc>
+                <a:extLst>
+                  <a:ext uri="{0D108BD9-81ED-4DB2-BD59-A6C34878D82A}">
+                    <a16:rowId xmlns:a16="http://schemas.microsoft.com/office/drawing/2014/main" val="10001"/>
+                  </a:ext>
+                </a:extLst>
               </a:tr>
             </a:tbl>
           </a:graphicData>
@@ -9727,14 +9659,10 @@
           <a:p>
             <a:r>
               <a:rPr lang="en-US" dirty="0"/>
-              <a:t>Analysis Of Jump </a:t>
-            </a:r>
-            <a:r>
-              <a:rPr lang="en-US" dirty="0" smtClean="0"/>
-              <a:t>Lists: </a:t>
-            </a:r>
-            <a:r>
-              <a:rPr lang="en-US" sz="3200" i="1" dirty="0" err="1" smtClean="0">
+              <a:t>Analysis Of Jump Lists: </a:t>
+            </a:r>
+            <a:r>
+              <a:rPr lang="en-US" sz="3200" i="1" dirty="0" err="1">
                 <a:solidFill>
                   <a:srgbClr val="7030A0"/>
                 </a:solidFill>
@@ -9765,14 +9693,14 @@
           <a:lstStyle/>
           <a:p>
             <a:r>
-              <a:rPr lang="en-US" i="1" dirty="0" err="1" smtClean="0">
+              <a:rPr lang="en-US" i="1" dirty="0" err="1">
                 <a:solidFill>
                   <a:srgbClr val="0082BC"/>
                 </a:solidFill>
               </a:rPr>
               <a:t>CustomDestinations-ms</a:t>
             </a:r>
-            <a:endParaRPr lang="en-US" i="1" dirty="0" smtClean="0">
+            <a:endParaRPr lang="en-US" i="1" dirty="0">
               <a:solidFill>
                 <a:srgbClr val="0082BC"/>
               </a:solidFill>
@@ -9782,11 +9710,7 @@
             <a:pPr lvl="1"/>
             <a:r>
               <a:rPr lang="en-US" dirty="0"/>
-              <a:t>when a user “pins” a file to the Start Menu or Task </a:t>
-            </a:r>
-            <a:r>
-              <a:rPr lang="en-US" dirty="0" smtClean="0"/>
-              <a:t>Bar</a:t>
+              <a:t>when a user “pins” a file to the Start Menu or Task Bar</a:t>
             </a:r>
           </a:p>
           <a:p>
@@ -9830,7 +9754,7 @@
             </a:endParaRPr>
           </a:p>
           <a:p>
-            <a:endParaRPr lang="en-US" dirty="0" smtClean="0"/>
+            <a:endParaRPr lang="en-US" dirty="0"/>
           </a:p>
         </p:txBody>
       </p:sp>
@@ -9904,12 +9828,8 @@
           <a:lstStyle/>
           <a:p>
             <a:r>
-              <a:rPr lang="en-US" dirty="0" smtClean="0"/>
-              <a:t>How </a:t>
-            </a:r>
-            <a:r>
               <a:rPr lang="en-US" dirty="0"/>
-              <a:t>to read </a:t>
+              <a:t>How to read </a:t>
             </a:r>
             <a:r>
               <a:rPr lang="en-US" i="1" dirty="0" err="1">
@@ -9920,18 +9840,13 @@
               <a:t>AutomaticDestinations-ms</a:t>
             </a:r>
             <a:r>
-              <a:rPr lang="en-US" i="1" dirty="0" smtClean="0">
+              <a:rPr lang="en-US" i="1" dirty="0">
                 <a:solidFill>
                   <a:srgbClr val="7030A0"/>
                 </a:solidFill>
               </a:rPr>
               <a:t>?</a:t>
             </a:r>
-            <a:endParaRPr lang="en-US" i="1" dirty="0">
-              <a:solidFill>
-                <a:srgbClr val="7030A0"/>
-              </a:solidFill>
-            </a:endParaRPr>
           </a:p>
         </p:txBody>
       </p:sp>
@@ -9953,7 +9868,7 @@
           <a:lstStyle/>
           <a:p>
             <a:r>
-              <a:rPr lang="en-US" i="1" dirty="0" err="1" smtClean="0">
+              <a:rPr lang="en-US" i="1" dirty="0" err="1">
                 <a:solidFill>
                   <a:srgbClr val="7030A0"/>
                 </a:solidFill>
@@ -9961,49 +9876,27 @@
               <a:t>JLECmd</a:t>
             </a:r>
             <a:r>
-              <a:rPr lang="en-US" dirty="0" smtClean="0"/>
-              <a:t>: Jump </a:t>
-            </a:r>
-            <a:r>
               <a:rPr lang="en-US" dirty="0"/>
-              <a:t>List Explorer Command line </a:t>
-            </a:r>
-            <a:endParaRPr lang="en-US" dirty="0" smtClean="0"/>
+              <a:t>: Jump List Explorer Command line </a:t>
+            </a:r>
           </a:p>
           <a:p>
             <a:pPr lvl="1"/>
             <a:r>
-              <a:rPr lang="en-US" dirty="0" smtClean="0"/>
-              <a:t>A </a:t>
-            </a:r>
-            <a:r>
               <a:rPr lang="en-US" dirty="0"/>
-              <a:t>tool to decode information contained in custom and automatic destinations jump list files found on Windows operating </a:t>
-            </a:r>
-            <a:r>
-              <a:rPr lang="en-US" dirty="0" smtClean="0"/>
-              <a:t>systems</a:t>
+              <a:t>A tool to decode information contained in custom and automatic destinations jump list files found on Windows operating systems</a:t>
             </a:r>
           </a:p>
           <a:p>
             <a:pPr lvl="2"/>
             <a:r>
-              <a:rPr lang="en-US" dirty="0" smtClean="0"/>
-              <a:t>Windows </a:t>
-            </a:r>
-            <a:r>
               <a:rPr lang="en-US" dirty="0"/>
-              <a:t>7 </a:t>
-            </a:r>
-            <a:r>
-              <a:rPr lang="en-US" dirty="0" smtClean="0"/>
-              <a:t>- 10</a:t>
-            </a:r>
-            <a:endParaRPr lang="en-US" dirty="0"/>
-          </a:p>
-          <a:p>
-            <a:r>
-              <a:rPr lang="en-US" i="1" dirty="0" err="1" smtClean="0">
+              <a:t>Windows 7 - 10</a:t>
+            </a:r>
+          </a:p>
+          <a:p>
+            <a:r>
+              <a:rPr lang="en-US" i="1" dirty="0" err="1">
                 <a:solidFill>
                   <a:srgbClr val="7030A0"/>
                 </a:solidFill>
@@ -10011,7 +9904,7 @@
               <a:t>JLECmd</a:t>
             </a:r>
             <a:r>
-              <a:rPr lang="en-US" i="1" dirty="0" smtClean="0">
+              <a:rPr lang="en-US" i="1" dirty="0">
                 <a:solidFill>
                   <a:srgbClr val="7030A0"/>
                 </a:solidFill>
@@ -10026,7 +9919,7 @@
           <a:p>
             <a:pPr lvl="1"/>
             <a:r>
-              <a:rPr lang="en-US" dirty="0" smtClean="0"/>
+              <a:rPr lang="en-US" dirty="0"/>
               <a:t>Need </a:t>
             </a:r>
             <a:r>
@@ -10038,13 +9931,13 @@
               <a:t>Wine</a:t>
             </a:r>
             <a:r>
-              <a:rPr lang="en-US" dirty="0" smtClean="0"/>
+              <a:rPr lang="en-US" dirty="0"/>
               <a:t> to run Windows applications on Linux</a:t>
             </a:r>
           </a:p>
           <a:p>
             <a:r>
-              <a:rPr lang="en-US" dirty="0" smtClean="0"/>
+              <a:rPr lang="en-US" dirty="0"/>
               <a:t>We need to install </a:t>
             </a:r>
             <a:r>
@@ -10056,21 +9949,16 @@
               <a:t>Wine</a:t>
             </a:r>
             <a:r>
-              <a:rPr lang="en-US" dirty="0" smtClean="0"/>
-              <a:t> </a:t>
-            </a:r>
-            <a:r>
-              <a:rPr lang="en-US" dirty="0" smtClean="0"/>
-              <a:t>first</a:t>
+              <a:rPr lang="en-US" dirty="0"/>
+              <a:t> first</a:t>
             </a:r>
           </a:p>
           <a:p>
             <a:pPr lvl="1"/>
             <a:r>
-              <a:rPr lang="en-US" dirty="0" smtClean="0"/>
+              <a:rPr lang="en-US" dirty="0"/>
               <a:t>Refer to Wine installation tutorial</a:t>
             </a:r>
-            <a:endParaRPr lang="en-US" dirty="0" smtClean="0"/>
           </a:p>
         </p:txBody>
       </p:sp>
@@ -10133,7 +10021,7 @@
           <p:cNvPr id="3" name="TextBox 2">
             <a:extLst>
               <a:ext uri="{FF2B5EF4-FFF2-40B4-BE49-F238E27FC236}">
-                <a16:creationId xmlns:a16="http://schemas.microsoft.com/office/drawing/2014/main" xmlns="" id="{DCC82629-2D70-4C74-BA85-98D61B7160D9}"/>
+                <a16:creationId xmlns:a16="http://schemas.microsoft.com/office/drawing/2014/main" id="{DCC82629-2D70-4C74-BA85-98D61B7160D9}"/>
               </a:ext>
             </a:extLst>
           </p:cNvPr>
@@ -10159,10 +10047,9 @@
           <a:lstStyle/>
           <a:p>
             <a:r>
-              <a:rPr lang="en-US" dirty="0" smtClean="0"/>
+              <a:rPr lang="en-US" dirty="0"/>
               <a:t>Test wine installation</a:t>
             </a:r>
-            <a:endParaRPr lang="en-US" dirty="0"/>
           </a:p>
         </p:txBody>
       </p:sp>
@@ -10225,7 +10112,7 @@
           <p:cNvPr id="3" name="TextBox 2">
             <a:extLst>
               <a:ext uri="{FF2B5EF4-FFF2-40B4-BE49-F238E27FC236}">
-                <a16:creationId xmlns:a16="http://schemas.microsoft.com/office/drawing/2014/main" xmlns="" id="{DCC82629-2D70-4C74-BA85-98D61B7160D9}"/>
+                <a16:creationId xmlns:a16="http://schemas.microsoft.com/office/drawing/2014/main" id="{DCC82629-2D70-4C74-BA85-98D61B7160D9}"/>
               </a:ext>
             </a:extLst>
           </p:cNvPr>
@@ -10251,10 +10138,9 @@
           <a:lstStyle/>
           <a:p>
             <a:r>
-              <a:rPr lang="en-US" dirty="0" smtClean="0"/>
+              <a:rPr lang="en-US" dirty="0"/>
               <a:t>Download JLECmd.zip</a:t>
             </a:r>
-            <a:endParaRPr lang="en-US" dirty="0"/>
           </a:p>
         </p:txBody>
       </p:sp>
@@ -10317,7 +10203,7 @@
           <p:cNvPr id="3" name="TextBox 2">
             <a:extLst>
               <a:ext uri="{FF2B5EF4-FFF2-40B4-BE49-F238E27FC236}">
-                <a16:creationId xmlns:a16="http://schemas.microsoft.com/office/drawing/2014/main" xmlns="" id="{DCC82629-2D70-4C74-BA85-98D61B7160D9}"/>
+                <a16:creationId xmlns:a16="http://schemas.microsoft.com/office/drawing/2014/main" id="{DCC82629-2D70-4C74-BA85-98D61B7160D9}"/>
               </a:ext>
             </a:extLst>
           </p:cNvPr>
@@ -10343,11 +10229,11 @@
           <a:lstStyle/>
           <a:p>
             <a:r>
-              <a:rPr lang="en-US" dirty="0" smtClean="0"/>
+              <a:rPr lang="en-US" dirty="0"/>
               <a:t>Test  </a:t>
             </a:r>
             <a:r>
-              <a:rPr lang="en-US" i="1" dirty="0" smtClean="0">
+              <a:rPr lang="en-US" i="1" dirty="0">
                 <a:solidFill>
                   <a:srgbClr val="7030A0"/>
                 </a:solidFill>
@@ -10355,7 +10241,7 @@
               <a:t>wine</a:t>
             </a:r>
             <a:r>
-              <a:rPr lang="en-US" dirty="0" smtClean="0"/>
+              <a:rPr lang="en-US" dirty="0"/>
               <a:t> and </a:t>
             </a:r>
             <a:r>
@@ -10506,7 +10392,7 @@
           <p:cNvPr id="4" name="TextBox 3">
             <a:extLst>
               <a:ext uri="{FF2B5EF4-FFF2-40B4-BE49-F238E27FC236}">
-                <a16:creationId xmlns:a16="http://schemas.microsoft.com/office/drawing/2014/main" xmlns="" id="{DCC82629-2D70-4C74-BA85-98D61B7160D9}"/>
+                <a16:creationId xmlns:a16="http://schemas.microsoft.com/office/drawing/2014/main" id="{DCC82629-2D70-4C74-BA85-98D61B7160D9}"/>
               </a:ext>
             </a:extLst>
           </p:cNvPr>
@@ -10532,12 +10418,8 @@
           <a:lstStyle/>
           <a:p>
             <a:r>
-              <a:rPr lang="en-US" dirty="0" smtClean="0"/>
-              <a:t>Test one </a:t>
-            </a:r>
-            <a:r>
               <a:rPr lang="en-US" dirty="0"/>
-              <a:t>opened file </a:t>
+              <a:t>Test one opened file </a:t>
             </a:r>
             <a:r>
               <a:rPr lang="en-US" i="1" dirty="0">
@@ -10578,10 +10460,9 @@
           <a:lstStyle/>
           <a:p>
             <a:r>
-              <a:rPr lang="en-US" dirty="0" smtClean="0"/>
+              <a:rPr lang="en-US" dirty="0"/>
               <a:t>-f: file</a:t>
             </a:r>
-            <a:endParaRPr lang="en-US" dirty="0"/>
           </a:p>
         </p:txBody>
       </p:sp>
@@ -10722,7 +10603,7 @@
           <p:cNvPr id="5" name="TextBox 4">
             <a:extLst>
               <a:ext uri="{FF2B5EF4-FFF2-40B4-BE49-F238E27FC236}">
-                <a16:creationId xmlns:a16="http://schemas.microsoft.com/office/drawing/2014/main" xmlns="" id="{DCC82629-2D70-4C74-BA85-98D61B7160D9}"/>
+                <a16:creationId xmlns:a16="http://schemas.microsoft.com/office/drawing/2014/main" id="{DCC82629-2D70-4C74-BA85-98D61B7160D9}"/>
               </a:ext>
             </a:extLst>
           </p:cNvPr>
@@ -10748,15 +10629,11 @@
           <a:lstStyle/>
           <a:p>
             <a:r>
-              <a:rPr lang="en-US" dirty="0" smtClean="0"/>
-              <a:t>Copy the whole folder </a:t>
-            </a:r>
-            <a:r>
               <a:rPr lang="en-US" dirty="0"/>
-              <a:t>of </a:t>
-            </a:r>
-            <a:r>
-              <a:rPr lang="en-US" i="1" dirty="0" err="1" smtClean="0">
+              <a:t>Copy the whole folder of </a:t>
+            </a:r>
+            <a:r>
+              <a:rPr lang="en-US" i="1" dirty="0" err="1">
                 <a:solidFill>
                   <a:srgbClr val="0082BC"/>
                 </a:solidFill>
@@ -10830,7 +10707,7 @@
           <p:cNvPr id="3" name="TextBox 2">
             <a:extLst>
               <a:ext uri="{FF2B5EF4-FFF2-40B4-BE49-F238E27FC236}">
-                <a16:creationId xmlns:a16="http://schemas.microsoft.com/office/drawing/2014/main" xmlns="" id="{DCC82629-2D70-4C74-BA85-98D61B7160D9}"/>
+                <a16:creationId xmlns:a16="http://schemas.microsoft.com/office/drawing/2014/main" id="{DCC82629-2D70-4C74-BA85-98D61B7160D9}"/>
               </a:ext>
             </a:extLst>
           </p:cNvPr>
@@ -10856,11 +10733,11 @@
           <a:lstStyle/>
           <a:p>
             <a:r>
-              <a:rPr lang="en-US" dirty="0" smtClean="0"/>
+              <a:rPr lang="en-US" dirty="0"/>
               <a:t>Extract all Jump list and save to a </a:t>
             </a:r>
             <a:r>
-              <a:rPr lang="en-US" i="1" dirty="0" smtClean="0">
+              <a:rPr lang="en-US" i="1" dirty="0">
                 <a:solidFill>
                   <a:srgbClr val="0082BC"/>
                 </a:solidFill>
@@ -10868,7 +10745,7 @@
               <a:t>.csv </a:t>
             </a:r>
             <a:r>
-              <a:rPr lang="en-US" dirty="0" smtClean="0"/>
+              <a:rPr lang="en-US" dirty="0"/>
               <a:t>file</a:t>
             </a:r>
             <a:endParaRPr lang="en-US" i="1" dirty="0">
@@ -10980,25 +10857,16 @@
           <a:p>
             <a:r>
               <a:rPr lang="en-US" dirty="0"/>
-              <a:t>Method </a:t>
-            </a:r>
-            <a:r>
-              <a:rPr lang="en-US" dirty="0" smtClean="0"/>
-              <a:t>1: MRU commands via </a:t>
-            </a:r>
-            <a:r>
-              <a:rPr lang="en-US" i="1" dirty="0" smtClean="0">
+              <a:t>Method 1: MRU commands via </a:t>
+            </a:r>
+            <a:r>
+              <a:rPr lang="en-US" i="1" dirty="0">
                 <a:solidFill>
                   <a:srgbClr val="0082BC"/>
                 </a:solidFill>
               </a:rPr>
               <a:t>Start-&gt; Run</a:t>
             </a:r>
-            <a:endParaRPr lang="en-US" i="1" dirty="0">
-              <a:solidFill>
-                <a:srgbClr val="0082BC"/>
-              </a:solidFill>
-            </a:endParaRPr>
           </a:p>
         </p:txBody>
       </p:sp>
@@ -11059,17 +10927,8 @@
             </a:pPr>
             <a:r>
               <a:rPr lang="en-US" dirty="0"/>
-              <a:t>Most Recently </a:t>
-            </a:r>
-            <a:r>
-              <a:rPr lang="en-US" dirty="0" smtClean="0"/>
-              <a:t>Used (MRU) : recently </a:t>
-            </a:r>
-            <a:r>
-              <a:rPr lang="en-US" dirty="0"/>
-              <a:t>opened webpages, documents, files, images and other applications. </a:t>
-            </a:r>
-            <a:endParaRPr lang="en-US" dirty="0" smtClean="0"/>
+              <a:t>Most Recently Used (MRU) : recently opened webpages, documents, files, images and other applications. </a:t>
+            </a:r>
           </a:p>
           <a:p>
             <a:pPr marL="285750" indent="-285750">
@@ -11077,20 +10936,8 @@
               <a:buChar char="•"/>
             </a:pPr>
             <a:r>
-              <a:rPr lang="en-US" dirty="0" smtClean="0"/>
-              <a:t>For </a:t>
-            </a:r>
-            <a:r>
               <a:rPr lang="en-US" dirty="0"/>
-              <a:t>example, when a computer user opens Microsoft Word, </a:t>
-            </a:r>
-            <a:r>
-              <a:rPr lang="en-US" dirty="0" smtClean="0"/>
-              <a:t>he/she </a:t>
-            </a:r>
-            <a:r>
-              <a:rPr lang="en-US" dirty="0"/>
-              <a:t>may see a list of previously opened Word documents within the application.</a:t>
+              <a:t>For example, when a computer user opens Microsoft Word, he/she may see a list of previously opened Word documents within the application.</a:t>
             </a:r>
           </a:p>
         </p:txBody>
@@ -11152,11 +10999,11 @@
           <a:lstStyle/>
           <a:p>
             <a:r>
-              <a:rPr lang="en-US" dirty="0" smtClean="0"/>
+              <a:rPr lang="en-US" dirty="0"/>
               <a:t>Again, seems the timestamp is </a:t>
             </a:r>
             <a:r>
-              <a:rPr lang="en-US" dirty="0" smtClean="0">
+              <a:rPr lang="en-US" dirty="0">
                 <a:solidFill>
                   <a:srgbClr val="FF0000"/>
                 </a:solidFill>
@@ -11164,10 +11011,9 @@
               <a:t>inaccurate</a:t>
             </a:r>
             <a:r>
-              <a:rPr lang="en-US" dirty="0" smtClean="0"/>
+              <a:rPr lang="en-US" dirty="0"/>
               <a:t>. </a:t>
             </a:r>
-            <a:endParaRPr lang="en-US" dirty="0"/>
           </a:p>
         </p:txBody>
       </p:sp>
@@ -11230,7 +11076,7 @@
           <p:cNvPr id="3" name="TextBox 2">
             <a:extLst>
               <a:ext uri="{FF2B5EF4-FFF2-40B4-BE49-F238E27FC236}">
-                <a16:creationId xmlns:a16="http://schemas.microsoft.com/office/drawing/2014/main" xmlns="" id="{DCC82629-2D70-4C74-BA85-98D61B7160D9}"/>
+                <a16:creationId xmlns:a16="http://schemas.microsoft.com/office/drawing/2014/main" id="{DCC82629-2D70-4C74-BA85-98D61B7160D9}"/>
               </a:ext>
             </a:extLst>
           </p:cNvPr>
@@ -11257,11 +11103,7 @@
           <a:p>
             <a:r>
               <a:rPr lang="en-US" dirty="0"/>
-              <a:t>List </a:t>
-            </a:r>
-            <a:r>
-              <a:rPr lang="en-US" dirty="0" smtClean="0"/>
-              <a:t>opened files or applications</a:t>
+              <a:t>List opened files or applications</a:t>
             </a:r>
             <a:endParaRPr lang="en-US" i="1" dirty="0">
               <a:solidFill>
@@ -11330,7 +11172,7 @@
           <p:cNvPr id="3" name="TextBox 2">
             <a:extLst>
               <a:ext uri="{FF2B5EF4-FFF2-40B4-BE49-F238E27FC236}">
-                <a16:creationId xmlns:a16="http://schemas.microsoft.com/office/drawing/2014/main" xmlns="" id="{DCC82629-2D70-4C74-BA85-98D61B7160D9}"/>
+                <a16:creationId xmlns:a16="http://schemas.microsoft.com/office/drawing/2014/main" id="{DCC82629-2D70-4C74-BA85-98D61B7160D9}"/>
               </a:ext>
             </a:extLst>
           </p:cNvPr>
@@ -11357,18 +11199,10 @@
           <a:p>
             <a:r>
               <a:rPr lang="en-US" dirty="0"/>
-              <a:t>List </a:t>
-            </a:r>
-            <a:r>
-              <a:rPr lang="en-US" dirty="0" smtClean="0"/>
-              <a:t>opened files </a:t>
-            </a:r>
-            <a:r>
-              <a:rPr lang="en-US" dirty="0" smtClean="0"/>
-              <a:t>in </a:t>
-            </a:r>
-            <a:r>
-              <a:rPr lang="en-US" i="1" dirty="0" smtClean="0">
+              <a:t>List opened files in </a:t>
+            </a:r>
+            <a:r>
+              <a:rPr lang="en-US" i="1" dirty="0">
                 <a:solidFill>
                   <a:srgbClr val="0082BC"/>
                 </a:solidFill>
@@ -11376,15 +11210,15 @@
               <a:t>E: </a:t>
             </a:r>
             <a:r>
-              <a:rPr lang="en-US" dirty="0" err="1" smtClean="0"/>
+              <a:rPr lang="en-US" dirty="0" err="1"/>
               <a:t>volumn</a:t>
             </a:r>
             <a:r>
-              <a:rPr lang="en-US" dirty="0" smtClean="0"/>
+              <a:rPr lang="en-US" dirty="0"/>
               <a:t> using </a:t>
             </a:r>
             <a:r>
-              <a:rPr lang="en-US" i="1" dirty="0" err="1" smtClean="0">
+              <a:rPr lang="en-US" i="1" dirty="0" err="1">
                 <a:solidFill>
                   <a:srgbClr val="0082BC"/>
                 </a:solidFill>
@@ -11427,21 +11261,20 @@
           <a:lstStyle/>
           <a:p>
             <a:r>
-              <a:rPr lang="en-US" dirty="0" smtClean="0"/>
+              <a:rPr lang="en-US" dirty="0"/>
               <a:t>$6: </a:t>
             </a:r>
             <a:r>
-              <a:rPr lang="en-US" dirty="0" err="1" smtClean="0"/>
+              <a:rPr lang="en-US" dirty="0" err="1"/>
               <a:t>AppIdDescription</a:t>
             </a:r>
-            <a:endParaRPr lang="en-US" dirty="0" smtClean="0"/>
-          </a:p>
-          <a:p>
-            <a:r>
-              <a:rPr lang="en-US" dirty="0" smtClean="0"/>
+            <a:endParaRPr lang="en-US" dirty="0"/>
+          </a:p>
+          <a:p>
+            <a:r>
+              <a:rPr lang="en-US" dirty="0"/>
               <a:t>$15: Path</a:t>
             </a:r>
-            <a:endParaRPr lang="en-US" dirty="0"/>
           </a:p>
         </p:txBody>
       </p:sp>
@@ -11491,14 +11324,9 @@
           <a:lstStyle/>
           <a:p>
             <a:r>
-              <a:rPr lang="en-US" dirty="0" smtClean="0"/>
-              <a:t>Method 2: MRU map network </a:t>
-            </a:r>
-            <a:r>
-              <a:rPr lang="en-US" dirty="0" smtClean="0"/>
-              <a:t>drive</a:t>
-            </a:r>
-            <a:endParaRPr lang="en-US" dirty="0"/>
+              <a:rPr lang="en-US" dirty="0"/>
+              <a:t>Method 2: MRU map network drive</a:t>
+            </a:r>
           </a:p>
         </p:txBody>
       </p:sp>
@@ -11551,22 +11379,13 @@
           <a:lstStyle/>
           <a:p>
             <a:r>
-              <a:rPr lang="en-US" dirty="0" smtClean="0">
-                <a:solidFill>
-                  <a:srgbClr val="202124"/>
-                </a:solidFill>
-                <a:latin typeface="Roboto"/>
-              </a:rPr>
-              <a:t>Map Network Drive Most </a:t>
-            </a:r>
-            <a:r>
               <a:rPr lang="en-US" dirty="0">
                 <a:solidFill>
                   <a:srgbClr val="202124"/>
                 </a:solidFill>
                 <a:latin typeface="Roboto"/>
               </a:rPr>
-              <a:t>Recently Used</a:t>
+              <a:t>Map Network Drive Most Recently Used</a:t>
             </a:r>
             <a:endParaRPr lang="en-US" dirty="0"/>
           </a:p>
@@ -11619,13 +11438,8 @@
           <a:p>
             <a:r>
               <a:rPr lang="en-US" dirty="0"/>
-              <a:t>Method </a:t>
-            </a:r>
-            <a:r>
-              <a:rPr lang="en-US" dirty="0" smtClean="0"/>
-              <a:t>3</a:t>
-            </a:r>
-            <a:endParaRPr lang="en-US" dirty="0"/>
+              <a:t>Method 3</a:t>
+            </a:r>
           </a:p>
         </p:txBody>
       </p:sp>
@@ -11700,13 +11514,8 @@
           <a:p>
             <a:r>
               <a:rPr lang="en-US" dirty="0"/>
-              <a:t>Method </a:t>
-            </a:r>
-            <a:r>
-              <a:rPr lang="en-US" dirty="0" smtClean="0"/>
-              <a:t>4</a:t>
-            </a:r>
-            <a:endParaRPr lang="en-US" dirty="0"/>
+              <a:t>Method 4</a:t>
+            </a:r>
           </a:p>
         </p:txBody>
       </p:sp>
@@ -11812,18 +11621,18 @@
           <a:lstStyle/>
           <a:p>
             <a:r>
-              <a:rPr lang="en-US" dirty="0" smtClean="0"/>
+              <a:rPr lang="en-US" dirty="0"/>
               <a:t>Track user behavior using </a:t>
             </a:r>
             <a:r>
-              <a:rPr lang="en-US" i="1" dirty="0" err="1" smtClean="0">
+              <a:rPr lang="en-US" i="1" dirty="0" err="1">
                 <a:solidFill>
                   <a:srgbClr val="0082BC"/>
                 </a:solidFill>
               </a:rPr>
               <a:t>Shellbags</a:t>
             </a:r>
-            <a:endParaRPr lang="en-US" i="1" dirty="0" smtClean="0">
+            <a:endParaRPr lang="en-US" i="1" dirty="0">
               <a:solidFill>
                 <a:srgbClr val="0082BC"/>
               </a:solidFill>
@@ -11855,33 +11664,19 @@
               <a:rPr lang="en-US" dirty="0"/>
               <a:t>keys to store user preferences for GUI folder display within Windows Explorer. </a:t>
             </a:r>
-            <a:endParaRPr lang="en-US" dirty="0" smtClean="0"/>
           </a:p>
           <a:p>
             <a:pPr lvl="2"/>
             <a:r>
-              <a:rPr lang="en-US" dirty="0" smtClean="0"/>
-              <a:t>to </a:t>
-            </a:r>
-            <a:r>
               <a:rPr lang="en-US" dirty="0"/>
-              <a:t>improve user experience and “remember” preferences </a:t>
-            </a:r>
-            <a:endParaRPr lang="en-US" dirty="0" smtClean="0"/>
+              <a:t>to improve user experience and “remember” preferences </a:t>
+            </a:r>
           </a:p>
           <a:p>
             <a:pPr lvl="1"/>
             <a:r>
-              <a:rPr lang="en-US" dirty="0" smtClean="0"/>
-              <a:t>Remember display mode (</a:t>
-            </a:r>
-            <a:r>
               <a:rPr lang="en-US" dirty="0"/>
-              <a:t>icons, details, list, etc</a:t>
-            </a:r>
-            <a:r>
-              <a:rPr lang="en-US" dirty="0" smtClean="0"/>
-              <a:t>.), browsing folders, etc.,</a:t>
+              <a:t>Remember display mode (icons, details, list, etc.), browsing folders, etc.,</a:t>
             </a:r>
           </a:p>
           <a:p>
@@ -11905,58 +11700,27 @@
               <a:rPr lang="en-US" dirty="0"/>
               <a:t>can be used to answer the difficult questions of </a:t>
             </a:r>
-            <a:endParaRPr lang="en-US" dirty="0" smtClean="0"/>
           </a:p>
           <a:p>
             <a:pPr lvl="1"/>
             <a:r>
               <a:rPr lang="en-US" dirty="0"/>
-              <a:t>D</a:t>
-            </a:r>
-            <a:r>
-              <a:rPr lang="en-US" dirty="0" smtClean="0"/>
-              <a:t>ata </a:t>
-            </a:r>
+              <a:t>Data enumeration in intrusion cases, </a:t>
+            </a:r>
+          </a:p>
+          <a:p>
+            <a:pPr lvl="1"/>
             <a:r>
               <a:rPr lang="en-US" dirty="0"/>
-              <a:t>enumeration in intrusion cases, </a:t>
-            </a:r>
-            <a:endParaRPr lang="en-US" dirty="0" smtClean="0"/>
+              <a:t>Identify the contents of long-gone removable devices</a:t>
+            </a:r>
           </a:p>
           <a:p>
             <a:pPr lvl="1"/>
             <a:r>
               <a:rPr lang="en-US" dirty="0"/>
-              <a:t>I</a:t>
-            </a:r>
-            <a:r>
-              <a:rPr lang="en-US" dirty="0" smtClean="0"/>
-              <a:t>dentify </a:t>
-            </a:r>
-            <a:r>
-              <a:rPr lang="en-US" dirty="0"/>
-              <a:t>the contents of long gone removable </a:t>
-            </a:r>
-            <a:r>
-              <a:rPr lang="en-US" dirty="0" smtClean="0"/>
-              <a:t>devices</a:t>
-            </a:r>
-          </a:p>
-          <a:p>
-            <a:pPr lvl="1"/>
-            <a:r>
-              <a:rPr lang="en-US" dirty="0"/>
-              <a:t>S</a:t>
-            </a:r>
-            <a:r>
-              <a:rPr lang="en-US" dirty="0" smtClean="0"/>
-              <a:t>how </a:t>
-            </a:r>
-            <a:r>
-              <a:rPr lang="en-US" dirty="0"/>
-              <a:t>the contents of previously mounted encrypted volumes. </a:t>
-            </a:r>
-            <a:endParaRPr lang="en-US" dirty="0" smtClean="0"/>
+              <a:t>Show the contents of previously mounted encrypted volumes. </a:t>
+            </a:r>
           </a:p>
         </p:txBody>
       </p:sp>
@@ -12047,7 +11811,7 @@
           <a:lstStyle/>
           <a:p>
             <a:r>
-              <a:rPr lang="en-US" dirty="0" smtClean="0">
+              <a:rPr lang="en-US" dirty="0">
                 <a:solidFill>
                   <a:srgbClr val="FF0000"/>
                 </a:solidFill>
@@ -12055,15 +11819,11 @@
               <a:t>25.1</a:t>
             </a:r>
             <a:r>
-              <a:rPr lang="en-US" dirty="0" smtClean="0"/>
-              <a:t> What </a:t>
-            </a:r>
-            <a:r>
-              <a:rPr lang="en-US" dirty="0" smtClean="0"/>
-              <a:t>are registry keys that </a:t>
-            </a:r>
-            <a:r>
-              <a:rPr lang="en-US" i="1" dirty="0" err="1" smtClean="0">
+              <a:rPr lang="en-US" dirty="0"/>
+              <a:t> What are registry keys that </a:t>
+            </a:r>
+            <a:r>
+              <a:rPr lang="en-US" i="1" dirty="0" err="1">
                 <a:solidFill>
                   <a:srgbClr val="7030A0"/>
                 </a:solidFill>
@@ -12071,7 +11831,7 @@
               <a:t>shellbags</a:t>
             </a:r>
             <a:r>
-              <a:rPr lang="en-US" dirty="0" smtClean="0">
+              <a:rPr lang="en-US" dirty="0">
                 <a:solidFill>
                   <a:srgbClr val="7030A0"/>
                 </a:solidFill>
@@ -12080,13 +11840,8 @@
             </a:r>
             <a:r>
               <a:rPr lang="en-US" dirty="0"/>
-              <a:t>are </a:t>
-            </a:r>
-            <a:r>
-              <a:rPr lang="en-US" dirty="0" smtClean="0"/>
-              <a:t>structured from?</a:t>
-            </a:r>
-            <a:endParaRPr lang="en-US" dirty="0"/>
+              <a:t>are structured from?</a:t>
+            </a:r>
           </a:p>
         </p:txBody>
       </p:sp>
@@ -12114,25 +11869,13 @@
           <a:p>
             <a:r>
               <a:rPr lang="en-US" sz="3200" dirty="0"/>
-              <a:t>Structured </a:t>
-            </a:r>
-            <a:r>
-              <a:rPr lang="en-US" sz="3200" dirty="0" smtClean="0"/>
-              <a:t>from two </a:t>
-            </a:r>
-            <a:r>
-              <a:rPr lang="en-US" sz="3200" dirty="0"/>
-              <a:t>main registry </a:t>
-            </a:r>
-            <a:r>
-              <a:rPr lang="en-US" sz="3200" dirty="0" smtClean="0"/>
-              <a:t>keys</a:t>
+              <a:t>Structured from two main registry keys</a:t>
             </a:r>
           </a:p>
           <a:p>
             <a:pPr lvl="1"/>
             <a:r>
-              <a:rPr lang="en-US" sz="2800" dirty="0" err="1" smtClean="0">
+              <a:rPr lang="en-US" sz="2800" dirty="0" err="1">
                 <a:solidFill>
                   <a:srgbClr val="FF0000"/>
                 </a:solidFill>
@@ -12140,27 +11883,14 @@
               <a:t>BagMRU</a:t>
             </a:r>
             <a:r>
-              <a:rPr lang="en-US" sz="2800" dirty="0" smtClean="0"/>
-              <a:t>: stores folder </a:t>
-            </a:r>
-            <a:r>
               <a:rPr lang="en-US" sz="2800" dirty="0"/>
-              <a:t>names and records folder paths by creating the similar </a:t>
-            </a:r>
-            <a:r>
-              <a:rPr lang="en-US" sz="2800" dirty="0" smtClean="0"/>
-              <a:t>tree structure</a:t>
-            </a:r>
-            <a:r>
-              <a:rPr lang="en-US" sz="2800" dirty="0"/>
-              <a:t>. </a:t>
-            </a:r>
-            <a:endParaRPr lang="en-US" sz="2800" dirty="0" smtClean="0"/>
+              <a:t>: stores folder names and records folder paths by creating the similar tree structure. </a:t>
+            </a:r>
           </a:p>
           <a:p>
             <a:pPr lvl="1"/>
             <a:r>
-              <a:rPr lang="en-US" sz="2800" dirty="0" smtClean="0">
+              <a:rPr lang="en-US" sz="2800" dirty="0">
                 <a:solidFill>
                   <a:srgbClr val="FF0000"/>
                 </a:solidFill>
@@ -12168,21 +11898,13 @@
               <a:t>Bags</a:t>
             </a:r>
             <a:r>
-              <a:rPr lang="en-US" sz="2800" dirty="0" smtClean="0"/>
-              <a:t>: stores </a:t>
-            </a:r>
-            <a:r>
               <a:rPr lang="en-US" sz="2800" dirty="0"/>
-              <a:t>the view preferences such as the window size, location </a:t>
-            </a:r>
-            <a:r>
-              <a:rPr lang="en-US" sz="2800" dirty="0" smtClean="0"/>
-              <a:t>and view mode</a:t>
-            </a:r>
-          </a:p>
-          <a:p>
-            <a:r>
-              <a:rPr lang="en-US" sz="3200" dirty="0" smtClean="0"/>
+              <a:t>: stores the view preferences such as the window size, location and view mode</a:t>
+            </a:r>
+          </a:p>
+          <a:p>
+            <a:r>
+              <a:rPr lang="en-US" sz="3200" dirty="0"/>
               <a:t>Physical location (Win7 +)</a:t>
             </a:r>
           </a:p>
@@ -12210,15 +11932,7 @@
                   <a:srgbClr val="7030A0"/>
                 </a:solidFill>
               </a:rPr>
-              <a:t>%\</a:t>
-            </a:r>
-            <a:r>
-              <a:rPr lang="en-US" i="1" dirty="0" smtClean="0">
-                <a:solidFill>
-                  <a:srgbClr val="7030A0"/>
-                </a:solidFill>
-              </a:rPr>
-              <a:t>NTUSER.dat</a:t>
+              <a:t>%\NTUSER.dat</a:t>
             </a:r>
           </a:p>
           <a:p>
@@ -12248,7 +11962,7 @@
               <a:t>%\</a:t>
             </a:r>
             <a:r>
-              <a:rPr lang="en-US" i="1" dirty="0" err="1" smtClean="0">
+              <a:rPr lang="en-US" i="1" dirty="0" err="1">
                 <a:solidFill>
                   <a:srgbClr val="7030A0"/>
                 </a:solidFill>
@@ -12256,26 +11970,13 @@
               <a:t>AppData</a:t>
             </a:r>
             <a:r>
-              <a:rPr lang="en-US" i="1" dirty="0" smtClean="0">
-                <a:solidFill>
-                  <a:srgbClr val="7030A0"/>
-                </a:solidFill>
-              </a:rPr>
-              <a:t>\Local\Microsoft\Windows\UsrClass.dat</a:t>
-            </a:r>
-            <a:r>
               <a:rPr lang="en-US" i="1" dirty="0">
                 <a:solidFill>
                   <a:srgbClr val="7030A0"/>
                 </a:solidFill>
               </a:rPr>
-              <a:t>.</a:t>
-            </a:r>
-            <a:endParaRPr lang="en-US" i="1" dirty="0" smtClean="0">
-              <a:solidFill>
-                <a:srgbClr val="7030A0"/>
-              </a:solidFill>
-            </a:endParaRPr>
+              <a:t>\Local\Microsoft\Windows\UsrClass.dat.</a:t>
+            </a:r>
           </a:p>
         </p:txBody>
       </p:sp>
@@ -12516,7 +12217,7 @@
           <a:lstStyle/>
           <a:p>
             <a:r>
-              <a:rPr lang="en-US" dirty="0" smtClean="0">
+              <a:rPr lang="en-US" dirty="0">
                 <a:solidFill>
                   <a:srgbClr val="FF0000"/>
                 </a:solidFill>
@@ -12524,11 +12225,11 @@
               <a:t>25.2 </a:t>
             </a:r>
             <a:r>
-              <a:rPr lang="en-US" dirty="0" smtClean="0"/>
+              <a:rPr lang="en-US" dirty="0"/>
               <a:t>How </a:t>
             </a:r>
             <a:r>
-              <a:rPr lang="en-US" i="1" dirty="0" err="1" smtClean="0">
+              <a:rPr lang="en-US" i="1" dirty="0" err="1">
                 <a:solidFill>
                   <a:srgbClr val="FF0000"/>
                 </a:solidFill>
@@ -12536,7 +12237,7 @@
               <a:t>shellbags</a:t>
             </a:r>
             <a:r>
-              <a:rPr lang="en-US" dirty="0" smtClean="0">
+              <a:rPr lang="en-US" dirty="0">
                 <a:solidFill>
                   <a:srgbClr val="FF0000"/>
                 </a:solidFill>
@@ -12544,10 +12245,9 @@
               <a:t> </a:t>
             </a:r>
             <a:r>
-              <a:rPr lang="en-US" dirty="0" smtClean="0"/>
+              <a:rPr lang="en-US" dirty="0"/>
               <a:t>are structured?</a:t>
             </a:r>
-            <a:endParaRPr lang="en-US" dirty="0"/>
           </a:p>
         </p:txBody>
       </p:sp>
@@ -12574,22 +12274,16 @@
           <a:lstStyle/>
           <a:p>
             <a:r>
-              <a:rPr lang="en-US" dirty="0" smtClean="0"/>
+              <a:rPr lang="en-US" dirty="0"/>
               <a:t>Structured In hierarchy </a:t>
             </a:r>
-            <a:endParaRPr lang="en-US" dirty="0" smtClean="0"/>
           </a:p>
           <a:p>
             <a:pPr lvl="1"/>
             <a:r>
-              <a:rPr lang="en-US" dirty="0" smtClean="0"/>
-              <a:t>each </a:t>
-            </a:r>
-            <a:r>
               <a:rPr lang="en-US" dirty="0"/>
-              <a:t>numbered folder representing a parent or child folder of the one previous. </a:t>
-            </a:r>
-            <a:endParaRPr lang="en-US" dirty="0" smtClean="0"/>
+              <a:t>each numbered folder representing a parent or child folder of the one previous. </a:t>
+            </a:r>
           </a:p>
           <a:p>
             <a:r>
@@ -12610,15 +12304,7 @@
             </a:r>
             <a:r>
               <a:rPr lang="en-US" dirty="0"/>
-              <a:t>information is available only for folders that </a:t>
-            </a:r>
-            <a:r>
-              <a:rPr lang="en-US" dirty="0" smtClean="0"/>
-              <a:t>have been </a:t>
-            </a:r>
-            <a:r>
-              <a:rPr lang="en-US" dirty="0"/>
-              <a:t>opened and closed in </a:t>
+              <a:t>information is available only for folders that have been opened and closed in </a:t>
             </a:r>
             <a:r>
               <a:rPr lang="en-US" dirty="0">
@@ -12632,7 +12318,6 @@
               <a:rPr lang="en-US" dirty="0"/>
               <a:t>at least once.</a:t>
             </a:r>
-            <a:endParaRPr lang="en-US" dirty="0"/>
           </a:p>
         </p:txBody>
       </p:sp>

--- a/NIST_Data_Leakage_Case/NIST_Data_Leakage_06_Network_Shellbag_Jumplist.pptx
+++ b/NIST_Data_Leakage_Case/NIST_Data_Leakage_06_Network_Shellbag_Jumplist.pptx
@@ -5,40 +5,48 @@
     <p:sldMasterId id="2147483648" r:id="rId1"/>
   </p:sldMasterIdLst>
   <p:notesMasterIdLst>
-    <p:notesMasterId r:id="rId33"/>
+    <p:notesMasterId r:id="rId41"/>
   </p:notesMasterIdLst>
   <p:sldIdLst>
     <p:sldId id="256" r:id="rId2"/>
     <p:sldId id="321" r:id="rId3"/>
-    <p:sldId id="320" r:id="rId4"/>
-    <p:sldId id="322" r:id="rId5"/>
-    <p:sldId id="323" r:id="rId6"/>
-    <p:sldId id="358" r:id="rId7"/>
-    <p:sldId id="324" r:id="rId8"/>
-    <p:sldId id="330" r:id="rId9"/>
-    <p:sldId id="331" r:id="rId10"/>
-    <p:sldId id="359" r:id="rId11"/>
-    <p:sldId id="328" r:id="rId12"/>
-    <p:sldId id="360" r:id="rId13"/>
-    <p:sldId id="329" r:id="rId14"/>
-    <p:sldId id="332" r:id="rId15"/>
-    <p:sldId id="327" r:id="rId16"/>
-    <p:sldId id="325" r:id="rId17"/>
-    <p:sldId id="335" r:id="rId18"/>
-    <p:sldId id="336" r:id="rId19"/>
-    <p:sldId id="337" r:id="rId20"/>
-    <p:sldId id="333" r:id="rId21"/>
-    <p:sldId id="342" r:id="rId22"/>
-    <p:sldId id="344" r:id="rId23"/>
-    <p:sldId id="346" r:id="rId24"/>
-    <p:sldId id="345" r:id="rId25"/>
-    <p:sldId id="351" r:id="rId26"/>
-    <p:sldId id="349" r:id="rId27"/>
-    <p:sldId id="350" r:id="rId28"/>
-    <p:sldId id="353" r:id="rId29"/>
-    <p:sldId id="355" r:id="rId30"/>
-    <p:sldId id="357" r:id="rId31"/>
-    <p:sldId id="361" r:id="rId32"/>
+    <p:sldId id="367" r:id="rId4"/>
+    <p:sldId id="362" r:id="rId5"/>
+    <p:sldId id="366" r:id="rId6"/>
+    <p:sldId id="368" r:id="rId7"/>
+    <p:sldId id="320" r:id="rId8"/>
+    <p:sldId id="323" r:id="rId9"/>
+    <p:sldId id="358" r:id="rId10"/>
+    <p:sldId id="322" r:id="rId11"/>
+    <p:sldId id="365" r:id="rId12"/>
+    <p:sldId id="324" r:id="rId13"/>
+    <p:sldId id="364" r:id="rId14"/>
+    <p:sldId id="330" r:id="rId15"/>
+    <p:sldId id="331" r:id="rId16"/>
+    <p:sldId id="359" r:id="rId17"/>
+    <p:sldId id="328" r:id="rId18"/>
+    <p:sldId id="360" r:id="rId19"/>
+    <p:sldId id="329" r:id="rId20"/>
+    <p:sldId id="370" r:id="rId21"/>
+    <p:sldId id="369" r:id="rId22"/>
+    <p:sldId id="332" r:id="rId23"/>
+    <p:sldId id="327" r:id="rId24"/>
+    <p:sldId id="325" r:id="rId25"/>
+    <p:sldId id="333" r:id="rId26"/>
+    <p:sldId id="335" r:id="rId27"/>
+    <p:sldId id="336" r:id="rId28"/>
+    <p:sldId id="337" r:id="rId29"/>
+    <p:sldId id="342" r:id="rId30"/>
+    <p:sldId id="344" r:id="rId31"/>
+    <p:sldId id="346" r:id="rId32"/>
+    <p:sldId id="345" r:id="rId33"/>
+    <p:sldId id="351" r:id="rId34"/>
+    <p:sldId id="349" r:id="rId35"/>
+    <p:sldId id="350" r:id="rId36"/>
+    <p:sldId id="353" r:id="rId37"/>
+    <p:sldId id="355" r:id="rId38"/>
+    <p:sldId id="357" r:id="rId39"/>
+    <p:sldId id="361" r:id="rId40"/>
   </p:sldIdLst>
   <p:sldSz cx="12192000" cy="6858000"/>
   <p:notesSz cx="6858000" cy="9144000"/>
@@ -145,6 +153,14 @@
 </p:presentation>
 </file>
 
+<file path=ppt/revisionInfo.xml><?xml version="1.0" encoding="utf-8"?>
+<p1510:revInfo xmlns:a="http://schemas.openxmlformats.org/drawingml/2006/main" xmlns:r="http://schemas.openxmlformats.org/officeDocument/2006/relationships" xmlns:p1510="http://schemas.microsoft.com/office/powerpoint/2015/10/main">
+  <p1510:revLst>
+    <p1510:client id="{97CE8EA3-16AE-45E5-B08E-C51A45B93B9F}" v="23" dt="2021-10-28T13:59:17.605"/>
+  </p1510:revLst>
+</p1510:revInfo>
+</file>
+
 <file path=ppt/changesInfos/changesInfo1.xml><?xml version="1.0" encoding="utf-8"?>
 <pc:chgInfo xmlns:a="http://schemas.openxmlformats.org/drawingml/2006/main" xmlns:r="http://schemas.openxmlformats.org/officeDocument/2006/relationships" xmlns:ac="http://schemas.microsoft.com/office/drawing/2013/main/command" xmlns:pc="http://schemas.microsoft.com/office/powerpoint/2013/main/command">
   <pc:docChgLst>
@@ -184,6 +200,30 @@
           <pc:docMk/>
           <pc:sldMk cId="3280354511" sldId="273"/>
         </pc:sldMkLst>
+      </pc:sldChg>
+    </pc:docChg>
+  </pc:docChgLst>
+  <pc:docChgLst>
+    <pc:chgData name="Richard Wheeless" userId="S::id63la41@ubalt.edu::edf7d7f9-5d95-4eec-886d-0f745236a21b" providerId="AD" clId="Web-{BCB37591-03B2-9178-8AC1-76A8BC368D3F}"/>
+    <pc:docChg chg="modSld">
+      <pc:chgData name="Richard Wheeless" userId="S::id63la41@ubalt.edu::edf7d7f9-5d95-4eec-886d-0f745236a21b" providerId="AD" clId="Web-{BCB37591-03B2-9178-8AC1-76A8BC368D3F}" dt="2021-09-10T08:25:14.794" v="1" actId="1076"/>
+      <pc:docMkLst>
+        <pc:docMk/>
+      </pc:docMkLst>
+      <pc:sldChg chg="modSp">
+        <pc:chgData name="Richard Wheeless" userId="S::id63la41@ubalt.edu::edf7d7f9-5d95-4eec-886d-0f745236a21b" providerId="AD" clId="Web-{BCB37591-03B2-9178-8AC1-76A8BC368D3F}" dt="2021-09-10T08:25:14.794" v="1" actId="1076"/>
+        <pc:sldMkLst>
+          <pc:docMk/>
+          <pc:sldMk cId="3065818986" sldId="357"/>
+        </pc:sldMkLst>
+        <pc:picChg chg="mod">
+          <ac:chgData name="Richard Wheeless" userId="S::id63la41@ubalt.edu::edf7d7f9-5d95-4eec-886d-0f745236a21b" providerId="AD" clId="Web-{BCB37591-03B2-9178-8AC1-76A8BC368D3F}" dt="2021-09-10T08:25:14.794" v="1" actId="1076"/>
+          <ac:picMkLst>
+            <pc:docMk/>
+            <pc:sldMk cId="3065818986" sldId="357"/>
+            <ac:picMk id="2" creationId="{00000000-0000-0000-0000-000000000000}"/>
+          </ac:picMkLst>
+        </pc:picChg>
       </pc:sldChg>
     </pc:docChg>
   </pc:docChgLst>
@@ -235,6 +275,867 @@
             <pc:docMk/>
             <pc:sldMk cId="681006322" sldId="328"/>
             <ac:spMk id="6" creationId="{00000000-0000-0000-0000-000000000000}"/>
+          </ac:spMkLst>
+        </pc:spChg>
+      </pc:sldChg>
+    </pc:docChg>
+  </pc:docChgLst>
+  <pc:docChgLst>
+    <pc:chgData name="Weifeng Xu" userId="e7aed605-a3dd-4d5a-a692-a87037af107b" providerId="ADAL" clId="{97CE8EA3-16AE-45E5-B08E-C51A45B93B9F}"/>
+    <pc:docChg chg="undo custSel addSld delSld modSld sldOrd">
+      <pc:chgData name="Weifeng Xu" userId="e7aed605-a3dd-4d5a-a692-a87037af107b" providerId="ADAL" clId="{97CE8EA3-16AE-45E5-B08E-C51A45B93B9F}" dt="2021-10-28T14:10:05.918" v="2466" actId="20577"/>
+      <pc:docMkLst>
+        <pc:docMk/>
+      </pc:docMkLst>
+      <pc:sldChg chg="addSp delSp modSp mod">
+        <pc:chgData name="Weifeng Xu" userId="e7aed605-a3dd-4d5a-a692-a87037af107b" providerId="ADAL" clId="{97CE8EA3-16AE-45E5-B08E-C51A45B93B9F}" dt="2021-10-26T20:37:10.758" v="1634" actId="20577"/>
+        <pc:sldMkLst>
+          <pc:docMk/>
+          <pc:sldMk cId="2906097788" sldId="320"/>
+        </pc:sldMkLst>
+        <pc:spChg chg="mod">
+          <ac:chgData name="Weifeng Xu" userId="e7aed605-a3dd-4d5a-a692-a87037af107b" providerId="ADAL" clId="{97CE8EA3-16AE-45E5-B08E-C51A45B93B9F}" dt="2021-10-26T20:37:10.758" v="1634" actId="20577"/>
+          <ac:spMkLst>
+            <pc:docMk/>
+            <pc:sldMk cId="2906097788" sldId="320"/>
+            <ac:spMk id="2" creationId="{00000000-0000-0000-0000-000000000000}"/>
+          </ac:spMkLst>
+        </pc:spChg>
+        <pc:picChg chg="del">
+          <ac:chgData name="Weifeng Xu" userId="e7aed605-a3dd-4d5a-a692-a87037af107b" providerId="ADAL" clId="{97CE8EA3-16AE-45E5-B08E-C51A45B93B9F}" dt="2021-10-26T20:17:45.024" v="1374" actId="478"/>
+          <ac:picMkLst>
+            <pc:docMk/>
+            <pc:sldMk cId="2906097788" sldId="320"/>
+            <ac:picMk id="3" creationId="{00000000-0000-0000-0000-000000000000}"/>
+          </ac:picMkLst>
+        </pc:picChg>
+        <pc:picChg chg="add mod">
+          <ac:chgData name="Weifeng Xu" userId="e7aed605-a3dd-4d5a-a692-a87037af107b" providerId="ADAL" clId="{97CE8EA3-16AE-45E5-B08E-C51A45B93B9F}" dt="2021-10-26T20:17:56.817" v="1380" actId="1440"/>
+          <ac:picMkLst>
+            <pc:docMk/>
+            <pc:sldMk cId="2906097788" sldId="320"/>
+            <ac:picMk id="8" creationId="{6185BBCF-DFB3-43A2-BF2D-C13CA34EE709}"/>
+          </ac:picMkLst>
+        </pc:picChg>
+      </pc:sldChg>
+      <pc:sldChg chg="modSp mod ord">
+        <pc:chgData name="Weifeng Xu" userId="e7aed605-a3dd-4d5a-a692-a87037af107b" providerId="ADAL" clId="{97CE8EA3-16AE-45E5-B08E-C51A45B93B9F}" dt="2021-10-28T12:59:29.160" v="1958" actId="20577"/>
+        <pc:sldMkLst>
+          <pc:docMk/>
+          <pc:sldMk cId="3205019338" sldId="322"/>
+        </pc:sldMkLst>
+        <pc:spChg chg="mod">
+          <ac:chgData name="Weifeng Xu" userId="e7aed605-a3dd-4d5a-a692-a87037af107b" providerId="ADAL" clId="{97CE8EA3-16AE-45E5-B08E-C51A45B93B9F}" dt="2021-10-28T12:59:29.160" v="1958" actId="20577"/>
+          <ac:spMkLst>
+            <pc:docMk/>
+            <pc:sldMk cId="3205019338" sldId="322"/>
+            <ac:spMk id="2" creationId="{00000000-0000-0000-0000-000000000000}"/>
+          </ac:spMkLst>
+        </pc:spChg>
+      </pc:sldChg>
+      <pc:sldChg chg="modSp mod">
+        <pc:chgData name="Weifeng Xu" userId="e7aed605-a3dd-4d5a-a692-a87037af107b" providerId="ADAL" clId="{97CE8EA3-16AE-45E5-B08E-C51A45B93B9F}" dt="2021-10-28T12:53:41.992" v="1939" actId="20577"/>
+        <pc:sldMkLst>
+          <pc:docMk/>
+          <pc:sldMk cId="937655564" sldId="323"/>
+        </pc:sldMkLst>
+        <pc:spChg chg="mod">
+          <ac:chgData name="Weifeng Xu" userId="e7aed605-a3dd-4d5a-a692-a87037af107b" providerId="ADAL" clId="{97CE8EA3-16AE-45E5-B08E-C51A45B93B9F}" dt="2021-10-28T12:53:41.992" v="1939" actId="20577"/>
+          <ac:spMkLst>
+            <pc:docMk/>
+            <pc:sldMk cId="937655564" sldId="323"/>
+            <ac:spMk id="2" creationId="{00000000-0000-0000-0000-000000000000}"/>
+          </ac:spMkLst>
+        </pc:spChg>
+      </pc:sldChg>
+      <pc:sldChg chg="addSp delSp modSp mod modNotesTx">
+        <pc:chgData name="Weifeng Xu" userId="e7aed605-a3dd-4d5a-a692-a87037af107b" providerId="ADAL" clId="{97CE8EA3-16AE-45E5-B08E-C51A45B93B9F}" dt="2021-10-19T02:07:15.897" v="1104" actId="114"/>
+        <pc:sldMkLst>
+          <pc:docMk/>
+          <pc:sldMk cId="3504232952" sldId="324"/>
+        </pc:sldMkLst>
+        <pc:spChg chg="mod">
+          <ac:chgData name="Weifeng Xu" userId="e7aed605-a3dd-4d5a-a692-a87037af107b" providerId="ADAL" clId="{97CE8EA3-16AE-45E5-B08E-C51A45B93B9F}" dt="2021-10-19T02:07:15.897" v="1104" actId="114"/>
+          <ac:spMkLst>
+            <pc:docMk/>
+            <pc:sldMk cId="3504232952" sldId="324"/>
+            <ac:spMk id="2" creationId="{00000000-0000-0000-0000-000000000000}"/>
+          </ac:spMkLst>
+        </pc:spChg>
+        <pc:spChg chg="mod">
+          <ac:chgData name="Weifeng Xu" userId="e7aed605-a3dd-4d5a-a692-a87037af107b" providerId="ADAL" clId="{97CE8EA3-16AE-45E5-B08E-C51A45B93B9F}" dt="2021-10-19T01:20:04.410" v="249" actId="108"/>
+          <ac:spMkLst>
+            <pc:docMk/>
+            <pc:sldMk cId="3504232952" sldId="324"/>
+            <ac:spMk id="9" creationId="{00000000-0000-0000-0000-000000000000}"/>
+          </ac:spMkLst>
+        </pc:spChg>
+        <pc:picChg chg="add mod">
+          <ac:chgData name="Weifeng Xu" userId="e7aed605-a3dd-4d5a-a692-a87037af107b" providerId="ADAL" clId="{97CE8EA3-16AE-45E5-B08E-C51A45B93B9F}" dt="2021-10-19T01:20:40.919" v="252" actId="1076"/>
+          <ac:picMkLst>
+            <pc:docMk/>
+            <pc:sldMk cId="3504232952" sldId="324"/>
+            <ac:picMk id="5" creationId="{0DDFCAEB-128E-4325-8F1B-24391512D600}"/>
+          </ac:picMkLst>
+        </pc:picChg>
+        <pc:picChg chg="del">
+          <ac:chgData name="Weifeng Xu" userId="e7aed605-a3dd-4d5a-a692-a87037af107b" providerId="ADAL" clId="{97CE8EA3-16AE-45E5-B08E-C51A45B93B9F}" dt="2021-10-19T01:13:51.998" v="16" actId="478"/>
+          <ac:picMkLst>
+            <pc:docMk/>
+            <pc:sldMk cId="3504232952" sldId="324"/>
+            <ac:picMk id="2050" creationId="{00000000-0000-0000-0000-000000000000}"/>
+          </ac:picMkLst>
+        </pc:picChg>
+      </pc:sldChg>
+      <pc:sldChg chg="addSp delSp modSp mod modClrScheme chgLayout modNotesTx">
+        <pc:chgData name="Weifeng Xu" userId="e7aed605-a3dd-4d5a-a692-a87037af107b" providerId="ADAL" clId="{97CE8EA3-16AE-45E5-B08E-C51A45B93B9F}" dt="2021-10-28T14:06:30.016" v="2413" actId="1076"/>
+        <pc:sldMkLst>
+          <pc:docMk/>
+          <pc:sldMk cId="2694751075" sldId="327"/>
+        </pc:sldMkLst>
+        <pc:spChg chg="add mod ord">
+          <ac:chgData name="Weifeng Xu" userId="e7aed605-a3dd-4d5a-a692-a87037af107b" providerId="ADAL" clId="{97CE8EA3-16AE-45E5-B08E-C51A45B93B9F}" dt="2021-10-28T14:00:06.122" v="2368" actId="20577"/>
+          <ac:spMkLst>
+            <pc:docMk/>
+            <pc:sldMk cId="2694751075" sldId="327"/>
+            <ac:spMk id="2" creationId="{613B00DF-2049-41DE-ADC5-DC3A19E450CA}"/>
+          </ac:spMkLst>
+        </pc:spChg>
+        <pc:spChg chg="mod">
+          <ac:chgData name="Weifeng Xu" userId="e7aed605-a3dd-4d5a-a692-a87037af107b" providerId="ADAL" clId="{97CE8EA3-16AE-45E5-B08E-C51A45B93B9F}" dt="2021-10-28T14:00:13.064" v="2369" actId="1076"/>
+          <ac:spMkLst>
+            <pc:docMk/>
+            <pc:sldMk cId="2694751075" sldId="327"/>
+            <ac:spMk id="6" creationId="{00000000-0000-0000-0000-000000000000}"/>
+          </ac:spMkLst>
+        </pc:spChg>
+        <pc:spChg chg="add del mod">
+          <ac:chgData name="Weifeng Xu" userId="e7aed605-a3dd-4d5a-a692-a87037af107b" providerId="ADAL" clId="{97CE8EA3-16AE-45E5-B08E-C51A45B93B9F}" dt="2021-10-19T19:20:06.546" v="1373" actId="478"/>
+          <ac:spMkLst>
+            <pc:docMk/>
+            <pc:sldMk cId="2694751075" sldId="327"/>
+            <ac:spMk id="7" creationId="{C5C862DD-EC90-453C-933F-E0F422B1B6C6}"/>
+          </ac:spMkLst>
+        </pc:spChg>
+        <pc:spChg chg="add mod">
+          <ac:chgData name="Weifeng Xu" userId="e7aed605-a3dd-4d5a-a692-a87037af107b" providerId="ADAL" clId="{97CE8EA3-16AE-45E5-B08E-C51A45B93B9F}" dt="2021-10-28T14:06:30.016" v="2413" actId="1076"/>
+          <ac:spMkLst>
+            <pc:docMk/>
+            <pc:sldMk cId="2694751075" sldId="327"/>
+            <ac:spMk id="9" creationId="{0A42AD04-B724-4FA6-BB93-BCB5AF0B3D7D}"/>
+          </ac:spMkLst>
+        </pc:spChg>
+        <pc:picChg chg="mod">
+          <ac:chgData name="Weifeng Xu" userId="e7aed605-a3dd-4d5a-a692-a87037af107b" providerId="ADAL" clId="{97CE8EA3-16AE-45E5-B08E-C51A45B93B9F}" dt="2021-10-28T14:00:13.064" v="2369" actId="1076"/>
+          <ac:picMkLst>
+            <pc:docMk/>
+            <pc:sldMk cId="2694751075" sldId="327"/>
+            <ac:picMk id="3" creationId="{00000000-0000-0000-0000-000000000000}"/>
+          </ac:picMkLst>
+        </pc:picChg>
+        <pc:picChg chg="mod">
+          <ac:chgData name="Weifeng Xu" userId="e7aed605-a3dd-4d5a-a692-a87037af107b" providerId="ADAL" clId="{97CE8EA3-16AE-45E5-B08E-C51A45B93B9F}" dt="2021-10-28T14:00:13.064" v="2369" actId="1076"/>
+          <ac:picMkLst>
+            <pc:docMk/>
+            <pc:sldMk cId="2694751075" sldId="327"/>
+            <ac:picMk id="8" creationId="{00000000-0000-0000-0000-000000000000}"/>
+          </ac:picMkLst>
+        </pc:picChg>
+      </pc:sldChg>
+      <pc:sldChg chg="addSp modSp mod">
+        <pc:chgData name="Weifeng Xu" userId="e7aed605-a3dd-4d5a-a692-a87037af107b" providerId="ADAL" clId="{97CE8EA3-16AE-45E5-B08E-C51A45B93B9F}" dt="2021-10-19T02:20:00.743" v="1322" actId="1076"/>
+        <pc:sldMkLst>
+          <pc:docMk/>
+          <pc:sldMk cId="2092135752" sldId="329"/>
+        </pc:sldMkLst>
+        <pc:spChg chg="add mod">
+          <ac:chgData name="Weifeng Xu" userId="e7aed605-a3dd-4d5a-a692-a87037af107b" providerId="ADAL" clId="{97CE8EA3-16AE-45E5-B08E-C51A45B93B9F}" dt="2021-10-19T02:20:00.743" v="1322" actId="1076"/>
+          <ac:spMkLst>
+            <pc:docMk/>
+            <pc:sldMk cId="2092135752" sldId="329"/>
+            <ac:spMk id="6" creationId="{86A3ABD9-0DCA-4F80-918D-A7AF8D436DBC}"/>
+          </ac:spMkLst>
+        </pc:spChg>
+      </pc:sldChg>
+      <pc:sldChg chg="addSp modSp mod">
+        <pc:chgData name="Weifeng Xu" userId="e7aed605-a3dd-4d5a-a692-a87037af107b" providerId="ADAL" clId="{97CE8EA3-16AE-45E5-B08E-C51A45B93B9F}" dt="2021-10-28T14:07:58.880" v="2414" actId="14100"/>
+        <pc:sldMkLst>
+          <pc:docMk/>
+          <pc:sldMk cId="3225960140" sldId="332"/>
+        </pc:sldMkLst>
+        <pc:spChg chg="mod">
+          <ac:chgData name="Weifeng Xu" userId="e7aed605-a3dd-4d5a-a692-a87037af107b" providerId="ADAL" clId="{97CE8EA3-16AE-45E5-B08E-C51A45B93B9F}" dt="2021-10-28T13:24:53.805" v="2161" actId="20577"/>
+          <ac:spMkLst>
+            <pc:docMk/>
+            <pc:sldMk cId="3225960140" sldId="332"/>
+            <ac:spMk id="2" creationId="{00000000-0000-0000-0000-000000000000}"/>
+          </ac:spMkLst>
+        </pc:spChg>
+        <pc:spChg chg="mod">
+          <ac:chgData name="Weifeng Xu" userId="e7aed605-a3dd-4d5a-a692-a87037af107b" providerId="ADAL" clId="{97CE8EA3-16AE-45E5-B08E-C51A45B93B9F}" dt="2021-10-28T13:36:37.260" v="2285" actId="14100"/>
+          <ac:spMkLst>
+            <pc:docMk/>
+            <pc:sldMk cId="3225960140" sldId="332"/>
+            <ac:spMk id="3" creationId="{00000000-0000-0000-0000-000000000000}"/>
+          </ac:spMkLst>
+        </pc:spChg>
+        <pc:cxnChg chg="add mod">
+          <ac:chgData name="Weifeng Xu" userId="e7aed605-a3dd-4d5a-a692-a87037af107b" providerId="ADAL" clId="{97CE8EA3-16AE-45E5-B08E-C51A45B93B9F}" dt="2021-10-28T14:07:58.880" v="2414" actId="14100"/>
+          <ac:cxnSpMkLst>
+            <pc:docMk/>
+            <pc:sldMk cId="3225960140" sldId="332"/>
+            <ac:cxnSpMk id="6" creationId="{011D61ED-EF56-47AB-9703-CDCE59FCD30D}"/>
+          </ac:cxnSpMkLst>
+        </pc:cxnChg>
+      </pc:sldChg>
+      <pc:sldChg chg="modSp mod ord">
+        <pc:chgData name="Weifeng Xu" userId="e7aed605-a3dd-4d5a-a692-a87037af107b" providerId="ADAL" clId="{97CE8EA3-16AE-45E5-B08E-C51A45B93B9F}" dt="2021-10-28T14:05:53.861" v="2411" actId="6549"/>
+        <pc:sldMkLst>
+          <pc:docMk/>
+          <pc:sldMk cId="4111426482" sldId="333"/>
+        </pc:sldMkLst>
+        <pc:spChg chg="mod">
+          <ac:chgData name="Weifeng Xu" userId="e7aed605-a3dd-4d5a-a692-a87037af107b" providerId="ADAL" clId="{97CE8EA3-16AE-45E5-B08E-C51A45B93B9F}" dt="2021-10-28T14:05:53.861" v="2411" actId="6549"/>
+          <ac:spMkLst>
+            <pc:docMk/>
+            <pc:sldMk cId="4111426482" sldId="333"/>
+            <ac:spMk id="3" creationId="{00000000-0000-0000-0000-000000000000}"/>
+          </ac:spMkLst>
+        </pc:spChg>
+        <pc:picChg chg="mod">
+          <ac:chgData name="Weifeng Xu" userId="e7aed605-a3dd-4d5a-a692-a87037af107b" providerId="ADAL" clId="{97CE8EA3-16AE-45E5-B08E-C51A45B93B9F}" dt="2021-10-28T14:05:14.897" v="2408" actId="1076"/>
+          <ac:picMkLst>
+            <pc:docMk/>
+            <pc:sldMk cId="4111426482" sldId="333"/>
+            <ac:picMk id="6" creationId="{00000000-0000-0000-0000-000000000000}"/>
+          </ac:picMkLst>
+        </pc:picChg>
+      </pc:sldChg>
+      <pc:sldChg chg="modSp mod">
+        <pc:chgData name="Weifeng Xu" userId="e7aed605-a3dd-4d5a-a692-a87037af107b" providerId="ADAL" clId="{97CE8EA3-16AE-45E5-B08E-C51A45B93B9F}" dt="2021-10-28T12:54:09.744" v="1956" actId="20577"/>
+        <pc:sldMkLst>
+          <pc:docMk/>
+          <pc:sldMk cId="1088256087" sldId="358"/>
+        </pc:sldMkLst>
+        <pc:spChg chg="mod">
+          <ac:chgData name="Weifeng Xu" userId="e7aed605-a3dd-4d5a-a692-a87037af107b" providerId="ADAL" clId="{97CE8EA3-16AE-45E5-B08E-C51A45B93B9F}" dt="2021-10-28T12:54:09.744" v="1956" actId="20577"/>
+          <ac:spMkLst>
+            <pc:docMk/>
+            <pc:sldMk cId="1088256087" sldId="358"/>
+            <ac:spMk id="2" creationId="{00000000-0000-0000-0000-000000000000}"/>
+          </ac:spMkLst>
+        </pc:spChg>
+      </pc:sldChg>
+      <pc:sldChg chg="addSp modSp mod modNotesTx">
+        <pc:chgData name="Weifeng Xu" userId="e7aed605-a3dd-4d5a-a692-a87037af107b" providerId="ADAL" clId="{97CE8EA3-16AE-45E5-B08E-C51A45B93B9F}" dt="2021-10-19T01:38:32.559" v="809"/>
+        <pc:sldMkLst>
+          <pc:docMk/>
+          <pc:sldMk cId="2297018136" sldId="359"/>
+        </pc:sldMkLst>
+        <pc:spChg chg="add mod">
+          <ac:chgData name="Weifeng Xu" userId="e7aed605-a3dd-4d5a-a692-a87037af107b" providerId="ADAL" clId="{97CE8EA3-16AE-45E5-B08E-C51A45B93B9F}" dt="2021-10-19T01:36:54.989" v="807" actId="6549"/>
+          <ac:spMkLst>
+            <pc:docMk/>
+            <pc:sldMk cId="2297018136" sldId="359"/>
+            <ac:spMk id="2" creationId="{E7C18866-81F4-4FC0-8013-E5B90FCEDD40}"/>
+          </ac:spMkLst>
+        </pc:spChg>
+        <pc:spChg chg="mod">
+          <ac:chgData name="Weifeng Xu" userId="e7aed605-a3dd-4d5a-a692-a87037af107b" providerId="ADAL" clId="{97CE8EA3-16AE-45E5-B08E-C51A45B93B9F}" dt="2021-10-19T01:25:32.822" v="319" actId="1076"/>
+          <ac:spMkLst>
+            <pc:docMk/>
+            <pc:sldMk cId="2297018136" sldId="359"/>
+            <ac:spMk id="7" creationId="{00000000-0000-0000-0000-000000000000}"/>
+          </ac:spMkLst>
+        </pc:spChg>
+        <pc:spChg chg="mod">
+          <ac:chgData name="Weifeng Xu" userId="e7aed605-a3dd-4d5a-a692-a87037af107b" providerId="ADAL" clId="{97CE8EA3-16AE-45E5-B08E-C51A45B93B9F}" dt="2021-10-19T01:25:32.822" v="319" actId="1076"/>
+          <ac:spMkLst>
+            <pc:docMk/>
+            <pc:sldMk cId="2297018136" sldId="359"/>
+            <ac:spMk id="9" creationId="{00000000-0000-0000-0000-000000000000}"/>
+          </ac:spMkLst>
+        </pc:spChg>
+        <pc:spChg chg="mod">
+          <ac:chgData name="Weifeng Xu" userId="e7aed605-a3dd-4d5a-a692-a87037af107b" providerId="ADAL" clId="{97CE8EA3-16AE-45E5-B08E-C51A45B93B9F}" dt="2021-10-19T01:25:32.822" v="319" actId="1076"/>
+          <ac:spMkLst>
+            <pc:docMk/>
+            <pc:sldMk cId="2297018136" sldId="359"/>
+            <ac:spMk id="10" creationId="{00000000-0000-0000-0000-000000000000}"/>
+          </ac:spMkLst>
+        </pc:spChg>
+        <pc:spChg chg="mod">
+          <ac:chgData name="Weifeng Xu" userId="e7aed605-a3dd-4d5a-a692-a87037af107b" providerId="ADAL" clId="{97CE8EA3-16AE-45E5-B08E-C51A45B93B9F}" dt="2021-10-19T01:25:32.822" v="319" actId="1076"/>
+          <ac:spMkLst>
+            <pc:docMk/>
+            <pc:sldMk cId="2297018136" sldId="359"/>
+            <ac:spMk id="11" creationId="{00000000-0000-0000-0000-000000000000}"/>
+          </ac:spMkLst>
+        </pc:spChg>
+        <pc:spChg chg="mod">
+          <ac:chgData name="Weifeng Xu" userId="e7aed605-a3dd-4d5a-a692-a87037af107b" providerId="ADAL" clId="{97CE8EA3-16AE-45E5-B08E-C51A45B93B9F}" dt="2021-10-19T01:25:32.822" v="319" actId="1076"/>
+          <ac:spMkLst>
+            <pc:docMk/>
+            <pc:sldMk cId="2297018136" sldId="359"/>
+            <ac:spMk id="12" creationId="{00000000-0000-0000-0000-000000000000}"/>
+          </ac:spMkLst>
+        </pc:spChg>
+        <pc:spChg chg="mod">
+          <ac:chgData name="Weifeng Xu" userId="e7aed605-a3dd-4d5a-a692-a87037af107b" providerId="ADAL" clId="{97CE8EA3-16AE-45E5-B08E-C51A45B93B9F}" dt="2021-10-19T01:25:32.822" v="319" actId="1076"/>
+          <ac:spMkLst>
+            <pc:docMk/>
+            <pc:sldMk cId="2297018136" sldId="359"/>
+            <ac:spMk id="13" creationId="{00000000-0000-0000-0000-000000000000}"/>
+          </ac:spMkLst>
+        </pc:spChg>
+        <pc:spChg chg="mod">
+          <ac:chgData name="Weifeng Xu" userId="e7aed605-a3dd-4d5a-a692-a87037af107b" providerId="ADAL" clId="{97CE8EA3-16AE-45E5-B08E-C51A45B93B9F}" dt="2021-10-19T01:25:32.822" v="319" actId="1076"/>
+          <ac:spMkLst>
+            <pc:docMk/>
+            <pc:sldMk cId="2297018136" sldId="359"/>
+            <ac:spMk id="14" creationId="{00000000-0000-0000-0000-000000000000}"/>
+          </ac:spMkLst>
+        </pc:spChg>
+        <pc:spChg chg="mod">
+          <ac:chgData name="Weifeng Xu" userId="e7aed605-a3dd-4d5a-a692-a87037af107b" providerId="ADAL" clId="{97CE8EA3-16AE-45E5-B08E-C51A45B93B9F}" dt="2021-10-19T01:25:32.822" v="319" actId="1076"/>
+          <ac:spMkLst>
+            <pc:docMk/>
+            <pc:sldMk cId="2297018136" sldId="359"/>
+            <ac:spMk id="15" creationId="{00000000-0000-0000-0000-000000000000}"/>
+          </ac:spMkLst>
+        </pc:spChg>
+        <pc:picChg chg="mod">
+          <ac:chgData name="Weifeng Xu" userId="e7aed605-a3dd-4d5a-a692-a87037af107b" providerId="ADAL" clId="{97CE8EA3-16AE-45E5-B08E-C51A45B93B9F}" dt="2021-10-19T01:25:32.822" v="319" actId="1076"/>
+          <ac:picMkLst>
+            <pc:docMk/>
+            <pc:sldMk cId="2297018136" sldId="359"/>
+            <ac:picMk id="4" creationId="{00000000-0000-0000-0000-000000000000}"/>
+          </ac:picMkLst>
+        </pc:picChg>
+        <pc:picChg chg="add mod">
+          <ac:chgData name="Weifeng Xu" userId="e7aed605-a3dd-4d5a-a692-a87037af107b" providerId="ADAL" clId="{97CE8EA3-16AE-45E5-B08E-C51A45B93B9F}" dt="2021-10-19T01:29:06.014" v="521" actId="1076"/>
+          <ac:picMkLst>
+            <pc:docMk/>
+            <pc:sldMk cId="2297018136" sldId="359"/>
+            <ac:picMk id="5" creationId="{9B5C5A13-2272-4070-9BDF-EAA04626D83A}"/>
+          </ac:picMkLst>
+        </pc:picChg>
+        <pc:cxnChg chg="mod">
+          <ac:chgData name="Weifeng Xu" userId="e7aed605-a3dd-4d5a-a692-a87037af107b" providerId="ADAL" clId="{97CE8EA3-16AE-45E5-B08E-C51A45B93B9F}" dt="2021-10-19T01:25:32.822" v="319" actId="1076"/>
+          <ac:cxnSpMkLst>
+            <pc:docMk/>
+            <pc:sldMk cId="2297018136" sldId="359"/>
+            <ac:cxnSpMk id="17" creationId="{00000000-0000-0000-0000-000000000000}"/>
+          </ac:cxnSpMkLst>
+        </pc:cxnChg>
+        <pc:cxnChg chg="mod">
+          <ac:chgData name="Weifeng Xu" userId="e7aed605-a3dd-4d5a-a692-a87037af107b" providerId="ADAL" clId="{97CE8EA3-16AE-45E5-B08E-C51A45B93B9F}" dt="2021-10-19T01:25:32.822" v="319" actId="1076"/>
+          <ac:cxnSpMkLst>
+            <pc:docMk/>
+            <pc:sldMk cId="2297018136" sldId="359"/>
+            <ac:cxnSpMk id="19" creationId="{00000000-0000-0000-0000-000000000000}"/>
+          </ac:cxnSpMkLst>
+        </pc:cxnChg>
+        <pc:cxnChg chg="mod">
+          <ac:chgData name="Weifeng Xu" userId="e7aed605-a3dd-4d5a-a692-a87037af107b" providerId="ADAL" clId="{97CE8EA3-16AE-45E5-B08E-C51A45B93B9F}" dt="2021-10-19T01:25:32.822" v="319" actId="1076"/>
+          <ac:cxnSpMkLst>
+            <pc:docMk/>
+            <pc:sldMk cId="2297018136" sldId="359"/>
+            <ac:cxnSpMk id="21" creationId="{00000000-0000-0000-0000-000000000000}"/>
+          </ac:cxnSpMkLst>
+        </pc:cxnChg>
+        <pc:cxnChg chg="mod">
+          <ac:chgData name="Weifeng Xu" userId="e7aed605-a3dd-4d5a-a692-a87037af107b" providerId="ADAL" clId="{97CE8EA3-16AE-45E5-B08E-C51A45B93B9F}" dt="2021-10-19T01:25:32.822" v="319" actId="1076"/>
+          <ac:cxnSpMkLst>
+            <pc:docMk/>
+            <pc:sldMk cId="2297018136" sldId="359"/>
+            <ac:cxnSpMk id="25" creationId="{00000000-0000-0000-0000-000000000000}"/>
+          </ac:cxnSpMkLst>
+        </pc:cxnChg>
+        <pc:cxnChg chg="mod">
+          <ac:chgData name="Weifeng Xu" userId="e7aed605-a3dd-4d5a-a692-a87037af107b" providerId="ADAL" clId="{97CE8EA3-16AE-45E5-B08E-C51A45B93B9F}" dt="2021-10-19T01:25:32.822" v="319" actId="1076"/>
+          <ac:cxnSpMkLst>
+            <pc:docMk/>
+            <pc:sldMk cId="2297018136" sldId="359"/>
+            <ac:cxnSpMk id="28" creationId="{00000000-0000-0000-0000-000000000000}"/>
+          </ac:cxnSpMkLst>
+        </pc:cxnChg>
+        <pc:cxnChg chg="mod">
+          <ac:chgData name="Weifeng Xu" userId="e7aed605-a3dd-4d5a-a692-a87037af107b" providerId="ADAL" clId="{97CE8EA3-16AE-45E5-B08E-C51A45B93B9F}" dt="2021-10-19T01:25:32.822" v="319" actId="1076"/>
+          <ac:cxnSpMkLst>
+            <pc:docMk/>
+            <pc:sldMk cId="2297018136" sldId="359"/>
+            <ac:cxnSpMk id="30" creationId="{00000000-0000-0000-0000-000000000000}"/>
+          </ac:cxnSpMkLst>
+        </pc:cxnChg>
+        <pc:cxnChg chg="mod">
+          <ac:chgData name="Weifeng Xu" userId="e7aed605-a3dd-4d5a-a692-a87037af107b" providerId="ADAL" clId="{97CE8EA3-16AE-45E5-B08E-C51A45B93B9F}" dt="2021-10-19T01:25:32.822" v="319" actId="1076"/>
+          <ac:cxnSpMkLst>
+            <pc:docMk/>
+            <pc:sldMk cId="2297018136" sldId="359"/>
+            <ac:cxnSpMk id="32" creationId="{00000000-0000-0000-0000-000000000000}"/>
+          </ac:cxnSpMkLst>
+        </pc:cxnChg>
+        <pc:cxnChg chg="mod">
+          <ac:chgData name="Weifeng Xu" userId="e7aed605-a3dd-4d5a-a692-a87037af107b" providerId="ADAL" clId="{97CE8EA3-16AE-45E5-B08E-C51A45B93B9F}" dt="2021-10-19T01:25:32.822" v="319" actId="1076"/>
+          <ac:cxnSpMkLst>
+            <pc:docMk/>
+            <pc:sldMk cId="2297018136" sldId="359"/>
+            <ac:cxnSpMk id="34" creationId="{00000000-0000-0000-0000-000000000000}"/>
+          </ac:cxnSpMkLst>
+        </pc:cxnChg>
+        <pc:cxnChg chg="mod">
+          <ac:chgData name="Weifeng Xu" userId="e7aed605-a3dd-4d5a-a692-a87037af107b" providerId="ADAL" clId="{97CE8EA3-16AE-45E5-B08E-C51A45B93B9F}" dt="2021-10-19T01:25:32.822" v="319" actId="1076"/>
+          <ac:cxnSpMkLst>
+            <pc:docMk/>
+            <pc:sldMk cId="2297018136" sldId="359"/>
+            <ac:cxnSpMk id="37" creationId="{00000000-0000-0000-0000-000000000000}"/>
+          </ac:cxnSpMkLst>
+        </pc:cxnChg>
+        <pc:cxnChg chg="mod">
+          <ac:chgData name="Weifeng Xu" userId="e7aed605-a3dd-4d5a-a692-a87037af107b" providerId="ADAL" clId="{97CE8EA3-16AE-45E5-B08E-C51A45B93B9F}" dt="2021-10-19T01:25:32.822" v="319" actId="1076"/>
+          <ac:cxnSpMkLst>
+            <pc:docMk/>
+            <pc:sldMk cId="2297018136" sldId="359"/>
+            <ac:cxnSpMk id="39" creationId="{00000000-0000-0000-0000-000000000000}"/>
+          </ac:cxnSpMkLst>
+        </pc:cxnChg>
+        <pc:cxnChg chg="mod">
+          <ac:chgData name="Weifeng Xu" userId="e7aed605-a3dd-4d5a-a692-a87037af107b" providerId="ADAL" clId="{97CE8EA3-16AE-45E5-B08E-C51A45B93B9F}" dt="2021-10-19T01:25:32.822" v="319" actId="1076"/>
+          <ac:cxnSpMkLst>
+            <pc:docMk/>
+            <pc:sldMk cId="2297018136" sldId="359"/>
+            <ac:cxnSpMk id="41" creationId="{00000000-0000-0000-0000-000000000000}"/>
+          </ac:cxnSpMkLst>
+        </pc:cxnChg>
+        <pc:cxnChg chg="mod">
+          <ac:chgData name="Weifeng Xu" userId="e7aed605-a3dd-4d5a-a692-a87037af107b" providerId="ADAL" clId="{97CE8EA3-16AE-45E5-B08E-C51A45B93B9F}" dt="2021-10-19T01:25:32.822" v="319" actId="1076"/>
+          <ac:cxnSpMkLst>
+            <pc:docMk/>
+            <pc:sldMk cId="2297018136" sldId="359"/>
+            <ac:cxnSpMk id="42" creationId="{00000000-0000-0000-0000-000000000000}"/>
+          </ac:cxnSpMkLst>
+        </pc:cxnChg>
+        <pc:cxnChg chg="mod">
+          <ac:chgData name="Weifeng Xu" userId="e7aed605-a3dd-4d5a-a692-a87037af107b" providerId="ADAL" clId="{97CE8EA3-16AE-45E5-B08E-C51A45B93B9F}" dt="2021-10-19T01:25:32.822" v="319" actId="1076"/>
+          <ac:cxnSpMkLst>
+            <pc:docMk/>
+            <pc:sldMk cId="2297018136" sldId="359"/>
+            <ac:cxnSpMk id="43" creationId="{00000000-0000-0000-0000-000000000000}"/>
+          </ac:cxnSpMkLst>
+        </pc:cxnChg>
+        <pc:cxnChg chg="mod">
+          <ac:chgData name="Weifeng Xu" userId="e7aed605-a3dd-4d5a-a692-a87037af107b" providerId="ADAL" clId="{97CE8EA3-16AE-45E5-B08E-C51A45B93B9F}" dt="2021-10-19T01:25:32.822" v="319" actId="1076"/>
+          <ac:cxnSpMkLst>
+            <pc:docMk/>
+            <pc:sldMk cId="2297018136" sldId="359"/>
+            <ac:cxnSpMk id="47" creationId="{00000000-0000-0000-0000-000000000000}"/>
+          </ac:cxnSpMkLst>
+        </pc:cxnChg>
+        <pc:cxnChg chg="mod">
+          <ac:chgData name="Weifeng Xu" userId="e7aed605-a3dd-4d5a-a692-a87037af107b" providerId="ADAL" clId="{97CE8EA3-16AE-45E5-B08E-C51A45B93B9F}" dt="2021-10-19T01:25:32.822" v="319" actId="1076"/>
+          <ac:cxnSpMkLst>
+            <pc:docMk/>
+            <pc:sldMk cId="2297018136" sldId="359"/>
+            <ac:cxnSpMk id="53" creationId="{00000000-0000-0000-0000-000000000000}"/>
+          </ac:cxnSpMkLst>
+        </pc:cxnChg>
+        <pc:cxnChg chg="mod">
+          <ac:chgData name="Weifeng Xu" userId="e7aed605-a3dd-4d5a-a692-a87037af107b" providerId="ADAL" clId="{97CE8EA3-16AE-45E5-B08E-C51A45B93B9F}" dt="2021-10-19T01:25:32.822" v="319" actId="1076"/>
+          <ac:cxnSpMkLst>
+            <pc:docMk/>
+            <pc:sldMk cId="2297018136" sldId="359"/>
+            <ac:cxnSpMk id="56" creationId="{00000000-0000-0000-0000-000000000000}"/>
+          </ac:cxnSpMkLst>
+        </pc:cxnChg>
+        <pc:cxnChg chg="mod">
+          <ac:chgData name="Weifeng Xu" userId="e7aed605-a3dd-4d5a-a692-a87037af107b" providerId="ADAL" clId="{97CE8EA3-16AE-45E5-B08E-C51A45B93B9F}" dt="2021-10-19T01:25:32.822" v="319" actId="1076"/>
+          <ac:cxnSpMkLst>
+            <pc:docMk/>
+            <pc:sldMk cId="2297018136" sldId="359"/>
+            <ac:cxnSpMk id="57" creationId="{00000000-0000-0000-0000-000000000000}"/>
+          </ac:cxnSpMkLst>
+        </pc:cxnChg>
+      </pc:sldChg>
+      <pc:sldChg chg="addSp delSp modSp new mod modClrScheme chgLayout">
+        <pc:chgData name="Weifeng Xu" userId="e7aed605-a3dd-4d5a-a692-a87037af107b" providerId="ADAL" clId="{97CE8EA3-16AE-45E5-B08E-C51A45B93B9F}" dt="2021-10-26T20:46:24.036" v="1723" actId="20577"/>
+        <pc:sldMkLst>
+          <pc:docMk/>
+          <pc:sldMk cId="1113331362" sldId="362"/>
+        </pc:sldMkLst>
+        <pc:spChg chg="del">
+          <ac:chgData name="Weifeng Xu" userId="e7aed605-a3dd-4d5a-a692-a87037af107b" providerId="ADAL" clId="{97CE8EA3-16AE-45E5-B08E-C51A45B93B9F}" dt="2021-10-19T00:39:48.521" v="1" actId="700"/>
+          <ac:spMkLst>
+            <pc:docMk/>
+            <pc:sldMk cId="1113331362" sldId="362"/>
+            <ac:spMk id="2" creationId="{1DD950ED-0A3F-45E8-8198-F59886D4BF3C}"/>
+          </ac:spMkLst>
+        </pc:spChg>
+        <pc:spChg chg="add mod ord">
+          <ac:chgData name="Weifeng Xu" userId="e7aed605-a3dd-4d5a-a692-a87037af107b" providerId="ADAL" clId="{97CE8EA3-16AE-45E5-B08E-C51A45B93B9F}" dt="2021-10-26T20:46:24.036" v="1723" actId="20577"/>
+          <ac:spMkLst>
+            <pc:docMk/>
+            <pc:sldMk cId="1113331362" sldId="362"/>
+            <ac:spMk id="9" creationId="{07ACEBD9-6976-4C31-BF40-C141E4F546FF}"/>
+          </ac:spMkLst>
+        </pc:spChg>
+        <pc:spChg chg="add mod">
+          <ac:chgData name="Weifeng Xu" userId="e7aed605-a3dd-4d5a-a692-a87037af107b" providerId="ADAL" clId="{97CE8EA3-16AE-45E5-B08E-C51A45B93B9F}" dt="2021-10-26T20:30:26.159" v="1475" actId="1076"/>
+          <ac:spMkLst>
+            <pc:docMk/>
+            <pc:sldMk cId="1113331362" sldId="362"/>
+            <ac:spMk id="11" creationId="{AC30A9F9-F441-497F-BE69-664A3FF2219C}"/>
+          </ac:spMkLst>
+        </pc:spChg>
+        <pc:spChg chg="add mod">
+          <ac:chgData name="Weifeng Xu" userId="e7aed605-a3dd-4d5a-a692-a87037af107b" providerId="ADAL" clId="{97CE8EA3-16AE-45E5-B08E-C51A45B93B9F}" dt="2021-10-26T20:37:32.431" v="1646" actId="20577"/>
+          <ac:spMkLst>
+            <pc:docMk/>
+            <pc:sldMk cId="1113331362" sldId="362"/>
+            <ac:spMk id="12" creationId="{85D12330-6573-44FF-8071-B240B6BAA285}"/>
+          </ac:spMkLst>
+        </pc:spChg>
+        <pc:picChg chg="add del mod">
+          <ac:chgData name="Weifeng Xu" userId="e7aed605-a3dd-4d5a-a692-a87037af107b" providerId="ADAL" clId="{97CE8EA3-16AE-45E5-B08E-C51A45B93B9F}" dt="2021-10-26T20:22:29.281" v="1388" actId="478"/>
+          <ac:picMkLst>
+            <pc:docMk/>
+            <pc:sldMk cId="1113331362" sldId="362"/>
+            <ac:picMk id="3" creationId="{89BCB30A-32DD-47FE-924B-FD0F421D21C5}"/>
+          </ac:picMkLst>
+        </pc:picChg>
+        <pc:picChg chg="add del">
+          <ac:chgData name="Weifeng Xu" userId="e7aed605-a3dd-4d5a-a692-a87037af107b" providerId="ADAL" clId="{97CE8EA3-16AE-45E5-B08E-C51A45B93B9F}" dt="2021-10-19T00:39:55.316" v="3" actId="22"/>
+          <ac:picMkLst>
+            <pc:docMk/>
+            <pc:sldMk cId="1113331362" sldId="362"/>
+            <ac:picMk id="4" creationId="{F5EBD7CF-5A81-4C94-99C7-E039428C8845}"/>
+          </ac:picMkLst>
+        </pc:picChg>
+        <pc:picChg chg="add mod">
+          <ac:chgData name="Weifeng Xu" userId="e7aed605-a3dd-4d5a-a692-a87037af107b" providerId="ADAL" clId="{97CE8EA3-16AE-45E5-B08E-C51A45B93B9F}" dt="2021-10-26T20:30:26.159" v="1475" actId="1076"/>
+          <ac:picMkLst>
+            <pc:docMk/>
+            <pc:sldMk cId="1113331362" sldId="362"/>
+            <ac:picMk id="5" creationId="{E24C3EF4-C07E-4857-A4F2-7FF297771FF3}"/>
+          </ac:picMkLst>
+        </pc:picChg>
+        <pc:picChg chg="add del mod">
+          <ac:chgData name="Weifeng Xu" userId="e7aed605-a3dd-4d5a-a692-a87037af107b" providerId="ADAL" clId="{97CE8EA3-16AE-45E5-B08E-C51A45B93B9F}" dt="2021-10-26T20:23:49.470" v="1391" actId="478"/>
+          <ac:picMkLst>
+            <pc:docMk/>
+            <pc:sldMk cId="1113331362" sldId="362"/>
+            <ac:picMk id="6" creationId="{04D3FDD1-D35F-4055-A3B2-52A5AF5EBC29}"/>
+          </ac:picMkLst>
+        </pc:picChg>
+        <pc:picChg chg="add mod">
+          <ac:chgData name="Weifeng Xu" userId="e7aed605-a3dd-4d5a-a692-a87037af107b" providerId="ADAL" clId="{97CE8EA3-16AE-45E5-B08E-C51A45B93B9F}" dt="2021-10-26T20:30:27.362" v="1476" actId="1076"/>
+          <ac:picMkLst>
+            <pc:docMk/>
+            <pc:sldMk cId="1113331362" sldId="362"/>
+            <ac:picMk id="8" creationId="{46C1E568-ADA6-4F9B-9349-84B89E18AA96}"/>
+          </ac:picMkLst>
+        </pc:picChg>
+        <pc:picChg chg="add mod">
+          <ac:chgData name="Weifeng Xu" userId="e7aed605-a3dd-4d5a-a692-a87037af107b" providerId="ADAL" clId="{97CE8EA3-16AE-45E5-B08E-C51A45B93B9F}" dt="2021-10-26T20:30:26.159" v="1475" actId="1076"/>
+          <ac:picMkLst>
+            <pc:docMk/>
+            <pc:sldMk cId="1113331362" sldId="362"/>
+            <ac:picMk id="10" creationId="{1B1BEA3D-1ABA-44F1-9F55-2DA5867AE041}"/>
+          </ac:picMkLst>
+        </pc:picChg>
+        <pc:cxnChg chg="add mod">
+          <ac:chgData name="Weifeng Xu" userId="e7aed605-a3dd-4d5a-a692-a87037af107b" providerId="ADAL" clId="{97CE8EA3-16AE-45E5-B08E-C51A45B93B9F}" dt="2021-10-26T20:31:14.294" v="1486" actId="14100"/>
+          <ac:cxnSpMkLst>
+            <pc:docMk/>
+            <pc:sldMk cId="1113331362" sldId="362"/>
+            <ac:cxnSpMk id="14" creationId="{CF2591DA-8920-4037-AFCE-35F7E8D7D44D}"/>
+          </ac:cxnSpMkLst>
+        </pc:cxnChg>
+        <pc:cxnChg chg="add mod">
+          <ac:chgData name="Weifeng Xu" userId="e7aed605-a3dd-4d5a-a692-a87037af107b" providerId="ADAL" clId="{97CE8EA3-16AE-45E5-B08E-C51A45B93B9F}" dt="2021-10-26T20:31:09.685" v="1485" actId="14100"/>
+          <ac:cxnSpMkLst>
+            <pc:docMk/>
+            <pc:sldMk cId="1113331362" sldId="362"/>
+            <ac:cxnSpMk id="15" creationId="{F2F5D240-4683-4AC6-B2EC-890F8CA9E76F}"/>
+          </ac:cxnSpMkLst>
+        </pc:cxnChg>
+        <pc:cxnChg chg="add mod">
+          <ac:chgData name="Weifeng Xu" userId="e7aed605-a3dd-4d5a-a692-a87037af107b" providerId="ADAL" clId="{97CE8EA3-16AE-45E5-B08E-C51A45B93B9F}" dt="2021-10-26T20:31:26.660" v="1489" actId="14100"/>
+          <ac:cxnSpMkLst>
+            <pc:docMk/>
+            <pc:sldMk cId="1113331362" sldId="362"/>
+            <ac:cxnSpMk id="20" creationId="{CEEA6B7B-CB6B-4604-B06F-8CEB8F26B98D}"/>
+          </ac:cxnSpMkLst>
+        </pc:cxnChg>
+      </pc:sldChg>
+      <pc:sldChg chg="new del">
+        <pc:chgData name="Weifeng Xu" userId="e7aed605-a3dd-4d5a-a692-a87037af107b" providerId="ADAL" clId="{97CE8EA3-16AE-45E5-B08E-C51A45B93B9F}" dt="2021-10-19T01:24:35.614" v="318" actId="47"/>
+        <pc:sldMkLst>
+          <pc:docMk/>
+          <pc:sldMk cId="1389757040" sldId="363"/>
+        </pc:sldMkLst>
+      </pc:sldChg>
+      <pc:sldChg chg="delSp modSp add mod">
+        <pc:chgData name="Weifeng Xu" userId="e7aed605-a3dd-4d5a-a692-a87037af107b" providerId="ADAL" clId="{97CE8EA3-16AE-45E5-B08E-C51A45B93B9F}" dt="2021-10-28T13:03:52.821" v="2019" actId="20577"/>
+        <pc:sldMkLst>
+          <pc:docMk/>
+          <pc:sldMk cId="2890477994" sldId="364"/>
+        </pc:sldMkLst>
+        <pc:spChg chg="mod">
+          <ac:chgData name="Weifeng Xu" userId="e7aed605-a3dd-4d5a-a692-a87037af107b" providerId="ADAL" clId="{97CE8EA3-16AE-45E5-B08E-C51A45B93B9F}" dt="2021-10-19T01:23:31.195" v="317" actId="20577"/>
+          <ac:spMkLst>
+            <pc:docMk/>
+            <pc:sldMk cId="2890477994" sldId="364"/>
+            <ac:spMk id="2" creationId="{00000000-0000-0000-0000-000000000000}"/>
+          </ac:spMkLst>
+        </pc:spChg>
+        <pc:spChg chg="mod">
+          <ac:chgData name="Weifeng Xu" userId="e7aed605-a3dd-4d5a-a692-a87037af107b" providerId="ADAL" clId="{97CE8EA3-16AE-45E5-B08E-C51A45B93B9F}" dt="2021-10-28T13:03:52.821" v="2019" actId="20577"/>
+          <ac:spMkLst>
+            <pc:docMk/>
+            <pc:sldMk cId="2890477994" sldId="364"/>
+            <ac:spMk id="9" creationId="{00000000-0000-0000-0000-000000000000}"/>
+          </ac:spMkLst>
+        </pc:spChg>
+        <pc:picChg chg="del">
+          <ac:chgData name="Weifeng Xu" userId="e7aed605-a3dd-4d5a-a692-a87037af107b" providerId="ADAL" clId="{97CE8EA3-16AE-45E5-B08E-C51A45B93B9F}" dt="2021-10-19T01:20:35.529" v="250" actId="21"/>
+          <ac:picMkLst>
+            <pc:docMk/>
+            <pc:sldMk cId="2890477994" sldId="364"/>
+            <ac:picMk id="2050" creationId="{00000000-0000-0000-0000-000000000000}"/>
+          </ac:picMkLst>
+        </pc:picChg>
+      </pc:sldChg>
+      <pc:sldChg chg="new del">
+        <pc:chgData name="Weifeng Xu" userId="e7aed605-a3dd-4d5a-a692-a87037af107b" providerId="ADAL" clId="{97CE8EA3-16AE-45E5-B08E-C51A45B93B9F}" dt="2021-10-19T02:01:49.781" v="841" actId="680"/>
+        <pc:sldMkLst>
+          <pc:docMk/>
+          <pc:sldMk cId="571732866" sldId="365"/>
+        </pc:sldMkLst>
+      </pc:sldChg>
+      <pc:sldChg chg="addSp delSp modSp add mod ord modNotesTx">
+        <pc:chgData name="Weifeng Xu" userId="e7aed605-a3dd-4d5a-a692-a87037af107b" providerId="ADAL" clId="{97CE8EA3-16AE-45E5-B08E-C51A45B93B9F}" dt="2021-10-19T19:15:02.035" v="1338" actId="207"/>
+        <pc:sldMkLst>
+          <pc:docMk/>
+          <pc:sldMk cId="988167159" sldId="365"/>
+        </pc:sldMkLst>
+        <pc:spChg chg="mod">
+          <ac:chgData name="Weifeng Xu" userId="e7aed605-a3dd-4d5a-a692-a87037af107b" providerId="ADAL" clId="{97CE8EA3-16AE-45E5-B08E-C51A45B93B9F}" dt="2021-10-19T19:15:02.035" v="1338" actId="207"/>
+          <ac:spMkLst>
+            <pc:docMk/>
+            <pc:sldMk cId="988167159" sldId="365"/>
+            <ac:spMk id="2" creationId="{00000000-0000-0000-0000-000000000000}"/>
+          </ac:spMkLst>
+        </pc:spChg>
+        <pc:spChg chg="mod">
+          <ac:chgData name="Weifeng Xu" userId="e7aed605-a3dd-4d5a-a692-a87037af107b" providerId="ADAL" clId="{97CE8EA3-16AE-45E5-B08E-C51A45B93B9F}" dt="2021-10-19T02:14:20.320" v="1278" actId="207"/>
+          <ac:spMkLst>
+            <pc:docMk/>
+            <pc:sldMk cId="988167159" sldId="365"/>
+            <ac:spMk id="9" creationId="{00000000-0000-0000-0000-000000000000}"/>
+          </ac:spMkLst>
+        </pc:spChg>
+        <pc:picChg chg="add mod">
+          <ac:chgData name="Weifeng Xu" userId="e7aed605-a3dd-4d5a-a692-a87037af107b" providerId="ADAL" clId="{97CE8EA3-16AE-45E5-B08E-C51A45B93B9F}" dt="2021-10-19T02:13:20.822" v="1253" actId="1076"/>
+          <ac:picMkLst>
+            <pc:docMk/>
+            <pc:sldMk cId="988167159" sldId="365"/>
+            <ac:picMk id="4" creationId="{DBC2D48F-4116-487B-B3E4-5AAA82A013A0}"/>
+          </ac:picMkLst>
+        </pc:picChg>
+        <pc:picChg chg="del">
+          <ac:chgData name="Weifeng Xu" userId="e7aed605-a3dd-4d5a-a692-a87037af107b" providerId="ADAL" clId="{97CE8EA3-16AE-45E5-B08E-C51A45B93B9F}" dt="2021-10-19T02:02:06.042" v="844" actId="478"/>
+          <ac:picMkLst>
+            <pc:docMk/>
+            <pc:sldMk cId="988167159" sldId="365"/>
+            <ac:picMk id="5" creationId="{0DDFCAEB-128E-4325-8F1B-24391512D600}"/>
+          </ac:picMkLst>
+        </pc:picChg>
+        <pc:picChg chg="add mod">
+          <ac:chgData name="Weifeng Xu" userId="e7aed605-a3dd-4d5a-a692-a87037af107b" providerId="ADAL" clId="{97CE8EA3-16AE-45E5-B08E-C51A45B93B9F}" dt="2021-10-19T02:11:38.174" v="1221" actId="1076"/>
+          <ac:picMkLst>
+            <pc:docMk/>
+            <pc:sldMk cId="988167159" sldId="365"/>
+            <ac:picMk id="7" creationId="{C59795CA-D5DD-4B5A-9CB7-006A17F65BA7}"/>
+          </ac:picMkLst>
+        </pc:picChg>
+      </pc:sldChg>
+      <pc:sldChg chg="addSp modSp new mod modClrScheme chgLayout">
+        <pc:chgData name="Weifeng Xu" userId="e7aed605-a3dd-4d5a-a692-a87037af107b" providerId="ADAL" clId="{97CE8EA3-16AE-45E5-B08E-C51A45B93B9F}" dt="2021-10-28T12:38:41.210" v="1815" actId="20577"/>
+        <pc:sldMkLst>
+          <pc:docMk/>
+          <pc:sldMk cId="1478227442" sldId="366"/>
+        </pc:sldMkLst>
+        <pc:spChg chg="mod ord">
+          <ac:chgData name="Weifeng Xu" userId="e7aed605-a3dd-4d5a-a692-a87037af107b" providerId="ADAL" clId="{97CE8EA3-16AE-45E5-B08E-C51A45B93B9F}" dt="2021-10-26T20:50:12.871" v="1755" actId="20577"/>
+          <ac:spMkLst>
+            <pc:docMk/>
+            <pc:sldMk cId="1478227442" sldId="366"/>
+            <ac:spMk id="2" creationId="{E9985047-FFC1-4DCB-BBBD-2EF2295AEACB}"/>
+          </ac:spMkLst>
+        </pc:spChg>
+        <pc:spChg chg="add mod ord">
+          <ac:chgData name="Weifeng Xu" userId="e7aed605-a3dd-4d5a-a692-a87037af107b" providerId="ADAL" clId="{97CE8EA3-16AE-45E5-B08E-C51A45B93B9F}" dt="2021-10-28T12:38:41.210" v="1815" actId="20577"/>
+          <ac:spMkLst>
+            <pc:docMk/>
+            <pc:sldMk cId="1478227442" sldId="366"/>
+            <ac:spMk id="3" creationId="{379DA28D-9AAC-4911-9BC2-1E9BAEE9EFBC}"/>
+          </ac:spMkLst>
+        </pc:spChg>
+        <pc:picChg chg="add mod">
+          <ac:chgData name="Weifeng Xu" userId="e7aed605-a3dd-4d5a-a692-a87037af107b" providerId="ADAL" clId="{97CE8EA3-16AE-45E5-B08E-C51A45B93B9F}" dt="2021-10-26T20:51:17.323" v="1758" actId="1076"/>
+          <ac:picMkLst>
+            <pc:docMk/>
+            <pc:sldMk cId="1478227442" sldId="366"/>
+            <ac:picMk id="4" creationId="{A9994E2D-D9C4-4276-9A91-906EA123E2C7}"/>
+          </ac:picMkLst>
+        </pc:picChg>
+        <pc:picChg chg="add mod">
+          <ac:chgData name="Weifeng Xu" userId="e7aed605-a3dd-4d5a-a692-a87037af107b" providerId="ADAL" clId="{97CE8EA3-16AE-45E5-B08E-C51A45B93B9F}" dt="2021-10-26T20:51:18.771" v="1759" actId="1076"/>
+          <ac:picMkLst>
+            <pc:docMk/>
+            <pc:sldMk cId="1478227442" sldId="366"/>
+            <ac:picMk id="5" creationId="{8A235527-0052-4392-AB30-A0CCE7C0C262}"/>
+          </ac:picMkLst>
+        </pc:picChg>
+        <pc:cxnChg chg="add">
+          <ac:chgData name="Weifeng Xu" userId="e7aed605-a3dd-4d5a-a692-a87037af107b" providerId="ADAL" clId="{97CE8EA3-16AE-45E5-B08E-C51A45B93B9F}" dt="2021-10-26T20:51:21.918" v="1760" actId="11529"/>
+          <ac:cxnSpMkLst>
+            <pc:docMk/>
+            <pc:sldMk cId="1478227442" sldId="366"/>
+            <ac:cxnSpMk id="7" creationId="{AF2FF279-0167-457C-894F-FE0DC0B2879E}"/>
+          </ac:cxnSpMkLst>
+        </pc:cxnChg>
+        <pc:cxnChg chg="add">
+          <ac:chgData name="Weifeng Xu" userId="e7aed605-a3dd-4d5a-a692-a87037af107b" providerId="ADAL" clId="{97CE8EA3-16AE-45E5-B08E-C51A45B93B9F}" dt="2021-10-26T20:51:25.514" v="1761" actId="11529"/>
+          <ac:cxnSpMkLst>
+            <pc:docMk/>
+            <pc:sldMk cId="1478227442" sldId="366"/>
+            <ac:cxnSpMk id="9" creationId="{A176F3E3-59D3-4A4F-85B9-3BA2ACF4B83A}"/>
+          </ac:cxnSpMkLst>
+        </pc:cxnChg>
+        <pc:cxnChg chg="add mod">
+          <ac:chgData name="Weifeng Xu" userId="e7aed605-a3dd-4d5a-a692-a87037af107b" providerId="ADAL" clId="{97CE8EA3-16AE-45E5-B08E-C51A45B93B9F}" dt="2021-10-26T20:51:38.302" v="1764" actId="13822"/>
+          <ac:cxnSpMkLst>
+            <pc:docMk/>
+            <pc:sldMk cId="1478227442" sldId="366"/>
+            <ac:cxnSpMk id="11" creationId="{1FD01AB1-70A4-4203-9E3D-E96AEC4AA377}"/>
+          </ac:cxnSpMkLst>
+        </pc:cxnChg>
+        <pc:cxnChg chg="add mod">
+          <ac:chgData name="Weifeng Xu" userId="e7aed605-a3dd-4d5a-a692-a87037af107b" providerId="ADAL" clId="{97CE8EA3-16AE-45E5-B08E-C51A45B93B9F}" dt="2021-10-26T20:51:45.740" v="1767" actId="14100"/>
+          <ac:cxnSpMkLst>
+            <pc:docMk/>
+            <pc:sldMk cId="1478227442" sldId="366"/>
+            <ac:cxnSpMk id="13" creationId="{27635CFE-7454-4835-B2C9-E0413A881ABB}"/>
+          </ac:cxnSpMkLst>
+        </pc:cxnChg>
+      </pc:sldChg>
+      <pc:sldChg chg="addSp modSp new mod modClrScheme chgLayout">
+        <pc:chgData name="Weifeng Xu" userId="e7aed605-a3dd-4d5a-a692-a87037af107b" providerId="ADAL" clId="{97CE8EA3-16AE-45E5-B08E-C51A45B93B9F}" dt="2021-10-26T20:45:52.302" v="1717" actId="6549"/>
+        <pc:sldMkLst>
+          <pc:docMk/>
+          <pc:sldMk cId="3762676067" sldId="367"/>
+        </pc:sldMkLst>
+        <pc:spChg chg="mod ord">
+          <ac:chgData name="Weifeng Xu" userId="e7aed605-a3dd-4d5a-a692-a87037af107b" providerId="ADAL" clId="{97CE8EA3-16AE-45E5-B08E-C51A45B93B9F}" dt="2021-10-26T20:40:32.068" v="1658" actId="700"/>
+          <ac:spMkLst>
+            <pc:docMk/>
+            <pc:sldMk cId="3762676067" sldId="367"/>
+            <ac:spMk id="2" creationId="{C884DE9C-3E56-4C0D-8398-BFE4059E27EF}"/>
+          </ac:spMkLst>
+        </pc:spChg>
+        <pc:spChg chg="add mod ord">
+          <ac:chgData name="Weifeng Xu" userId="e7aed605-a3dd-4d5a-a692-a87037af107b" providerId="ADAL" clId="{97CE8EA3-16AE-45E5-B08E-C51A45B93B9F}" dt="2021-10-26T20:45:52.302" v="1717" actId="6549"/>
+          <ac:spMkLst>
+            <pc:docMk/>
+            <pc:sldMk cId="3762676067" sldId="367"/>
+            <ac:spMk id="3" creationId="{5EDE46C5-D277-48E5-92CF-D5E9BC196270}"/>
+          </ac:spMkLst>
+        </pc:spChg>
+        <pc:picChg chg="add mod">
+          <ac:chgData name="Weifeng Xu" userId="e7aed605-a3dd-4d5a-a692-a87037af107b" providerId="ADAL" clId="{97CE8EA3-16AE-45E5-B08E-C51A45B93B9F}" dt="2021-10-26T20:43:35.241" v="1662" actId="1076"/>
+          <ac:picMkLst>
+            <pc:docMk/>
+            <pc:sldMk cId="3762676067" sldId="367"/>
+            <ac:picMk id="1026" creationId="{8C60CB4D-3651-4235-8461-2815184A65A4}"/>
+          </ac:picMkLst>
+        </pc:picChg>
+      </pc:sldChg>
+      <pc:sldChg chg="modSp new mod">
+        <pc:chgData name="Weifeng Xu" userId="e7aed605-a3dd-4d5a-a692-a87037af107b" providerId="ADAL" clId="{97CE8EA3-16AE-45E5-B08E-C51A45B93B9F}" dt="2021-10-28T12:48:55.126" v="1918" actId="20577"/>
+        <pc:sldMkLst>
+          <pc:docMk/>
+          <pc:sldMk cId="1039311116" sldId="368"/>
+        </pc:sldMkLst>
+        <pc:spChg chg="mod">
+          <ac:chgData name="Weifeng Xu" userId="e7aed605-a3dd-4d5a-a692-a87037af107b" providerId="ADAL" clId="{97CE8EA3-16AE-45E5-B08E-C51A45B93B9F}" dt="2021-10-28T12:39:20.388" v="1835" actId="20577"/>
+          <ac:spMkLst>
+            <pc:docMk/>
+            <pc:sldMk cId="1039311116" sldId="368"/>
+            <ac:spMk id="2" creationId="{98F6B0E7-FEBE-464E-AE69-92DC72460F29}"/>
+          </ac:spMkLst>
+        </pc:spChg>
+        <pc:spChg chg="mod">
+          <ac:chgData name="Weifeng Xu" userId="e7aed605-a3dd-4d5a-a692-a87037af107b" providerId="ADAL" clId="{97CE8EA3-16AE-45E5-B08E-C51A45B93B9F}" dt="2021-10-28T12:48:55.126" v="1918" actId="20577"/>
+          <ac:spMkLst>
+            <pc:docMk/>
+            <pc:sldMk cId="1039311116" sldId="368"/>
+            <ac:spMk id="3" creationId="{4057717D-EC05-44EC-AB96-CF263544D46E}"/>
+          </ac:spMkLst>
+        </pc:spChg>
+      </pc:sldChg>
+      <pc:sldChg chg="delSp modSp add mod ord modNotesTx">
+        <pc:chgData name="Weifeng Xu" userId="e7aed605-a3dd-4d5a-a692-a87037af107b" providerId="ADAL" clId="{97CE8EA3-16AE-45E5-B08E-C51A45B93B9F}" dt="2021-10-28T13:59:43.138" v="2365" actId="20577"/>
+        <pc:sldMkLst>
+          <pc:docMk/>
+          <pc:sldMk cId="3308752769" sldId="369"/>
+        </pc:sldMkLst>
+        <pc:spChg chg="mod">
+          <ac:chgData name="Weifeng Xu" userId="e7aed605-a3dd-4d5a-a692-a87037af107b" providerId="ADAL" clId="{97CE8EA3-16AE-45E5-B08E-C51A45B93B9F}" dt="2021-10-28T13:59:43.138" v="2365" actId="20577"/>
+          <ac:spMkLst>
+            <pc:docMk/>
+            <pc:sldMk cId="3308752769" sldId="369"/>
+            <ac:spMk id="2" creationId="{00000000-0000-0000-0000-000000000000}"/>
+          </ac:spMkLst>
+        </pc:spChg>
+        <pc:spChg chg="mod">
+          <ac:chgData name="Weifeng Xu" userId="e7aed605-a3dd-4d5a-a692-a87037af107b" providerId="ADAL" clId="{97CE8EA3-16AE-45E5-B08E-C51A45B93B9F}" dt="2021-10-28T13:59:29.475" v="2360" actId="6549"/>
+          <ac:spMkLst>
+            <pc:docMk/>
+            <pc:sldMk cId="3308752769" sldId="369"/>
+            <ac:spMk id="3" creationId="{00000000-0000-0000-0000-000000000000}"/>
+          </ac:spMkLst>
+        </pc:spChg>
+        <pc:picChg chg="del">
+          <ac:chgData name="Weifeng Xu" userId="e7aed605-a3dd-4d5a-a692-a87037af107b" providerId="ADAL" clId="{97CE8EA3-16AE-45E5-B08E-C51A45B93B9F}" dt="2021-10-28T13:21:24.303" v="2030" actId="478"/>
+          <ac:picMkLst>
+            <pc:docMk/>
+            <pc:sldMk cId="3308752769" sldId="369"/>
+            <ac:picMk id="4" creationId="{00000000-0000-0000-0000-000000000000}"/>
+          </ac:picMkLst>
+        </pc:picChg>
+      </pc:sldChg>
+      <pc:sldChg chg="modSp new mod ord">
+        <pc:chgData name="Weifeng Xu" userId="e7aed605-a3dd-4d5a-a692-a87037af107b" providerId="ADAL" clId="{97CE8EA3-16AE-45E5-B08E-C51A45B93B9F}" dt="2021-10-28T14:10:05.918" v="2466" actId="20577"/>
+        <pc:sldMkLst>
+          <pc:docMk/>
+          <pc:sldMk cId="4165059793" sldId="370"/>
+        </pc:sldMkLst>
+        <pc:spChg chg="mod">
+          <ac:chgData name="Weifeng Xu" userId="e7aed605-a3dd-4d5a-a692-a87037af107b" providerId="ADAL" clId="{97CE8EA3-16AE-45E5-B08E-C51A45B93B9F}" dt="2021-10-28T13:56:22.867" v="2291"/>
+          <ac:spMkLst>
+            <pc:docMk/>
+            <pc:sldMk cId="4165059793" sldId="370"/>
+            <ac:spMk id="2" creationId="{FF14DE0E-73EE-439A-B697-9565C9CC5746}"/>
+          </ac:spMkLst>
+        </pc:spChg>
+        <pc:spChg chg="mod">
+          <ac:chgData name="Weifeng Xu" userId="e7aed605-a3dd-4d5a-a692-a87037af107b" providerId="ADAL" clId="{97CE8EA3-16AE-45E5-B08E-C51A45B93B9F}" dt="2021-10-28T14:10:05.918" v="2466" actId="20577"/>
+          <ac:spMkLst>
+            <pc:docMk/>
+            <pc:sldMk cId="4165059793" sldId="370"/>
+            <ac:spMk id="3" creationId="{930DED48-1F33-42F5-9B37-E9EC2C8E5F45}"/>
           </ac:spMkLst>
         </pc:spChg>
       </pc:sldChg>
@@ -381,7 +1282,7 @@
           <a:p>
             <a:fld id="{EE41F6E3-57F9-402E-BDBA-5B2DE11C8530}" type="datetimeFigureOut">
               <a:rPr lang="en-US" smtClean="0"/>
-              <a:t>1/28/2021</a:t>
+              <a:t>10/28/2021</a:t>
             </a:fld>
             <a:endParaRPr lang="en-US"/>
           </a:p>
@@ -781,22 +1682,14 @@
           <a:p>
             <a:r>
               <a:rPr lang="en-US" dirty="0"/>
-              <a:t>rip.pl -r UsrClass_informat.dat -p </a:t>
-            </a:r>
-            <a:r>
-              <a:rPr lang="en-US" dirty="0" err="1"/>
-              <a:t>shellbags</a:t>
-            </a:r>
-            <a:r>
-              <a:rPr lang="en-US" dirty="0"/>
-              <a:t> | grep E:</a:t>
-            </a:r>
-          </a:p>
-          <a:p>
-            <a:endParaRPr lang="en-US" dirty="0"/>
-          </a:p>
-          <a:p>
-            <a:endParaRPr lang="en-US" dirty="0"/>
+              <a:t>https://www.sans.org/reading-room/whitepapers/forensics/windows-shellbag-forensics-in-depth-34545</a:t>
+            </a:r>
+          </a:p>
+          <a:p>
+            <a:r>
+              <a:rPr lang="en-US" dirty="0"/>
+              <a:t>https://lifars.com/wp-content/uploads/2020/04/LIFARS-WhitePaper-Windows-ShellBags-Forensics-Investigative-Value-of-Windows-ShellBags.pdf</a:t>
+            </a:r>
           </a:p>
         </p:txBody>
       </p:sp>
@@ -817,7 +1710,7 @@
           <a:p>
             <a:fld id="{DDBF98C7-164A-4723-84F0-B1E4B080DDEC}" type="slidenum">
               <a:rPr lang="en-US" smtClean="0"/>
-              <a:t>13</a:t>
+              <a:t>16</a:t>
             </a:fld>
             <a:endParaRPr lang="en-US"/>
           </a:p>
@@ -826,7 +1719,7 @@
     </p:spTree>
     <p:extLst>
       <p:ext uri="{BB962C8B-B14F-4D97-AF65-F5344CB8AC3E}">
-        <p14:creationId xmlns:p14="http://schemas.microsoft.com/office/powerpoint/2010/main" val="3892207778"/>
+        <p14:creationId xmlns:p14="http://schemas.microsoft.com/office/powerpoint/2010/main" val="2658350417"/>
       </p:ext>
     </p:extLst>
   </p:cSld>
@@ -881,8 +1774,20 @@
           <a:lstStyle/>
           <a:p>
             <a:r>
-              <a:rPr lang="en-US" dirty="0"/>
-              <a:t>https://www.blackbagtech.com/blog/windows-10-jump-list-forensics/</a:t>
+              <a:rPr lang="en-US" dirty="0" err="1"/>
+              <a:t>losetup</a:t>
+            </a:r>
+            <a:r>
+              <a:rPr lang="en-US" dirty="0"/>
+              <a:t> --</a:t>
+            </a:r>
+            <a:r>
+              <a:rPr lang="en-US" dirty="0" err="1"/>
+              <a:t>partscan</a:t>
+            </a:r>
+            <a:r>
+              <a:rPr lang="en-US" dirty="0"/>
+              <a:t>  --find --show  --read-only cfreds_2015_data_leakage_pc.dd</a:t>
             </a:r>
           </a:p>
         </p:txBody>
@@ -904,7 +1809,7 @@
           <a:p>
             <a:fld id="{DDBF98C7-164A-4723-84F0-B1E4B080DDEC}" type="slidenum">
               <a:rPr lang="en-US" smtClean="0"/>
-              <a:t>14</a:t>
+              <a:t>17</a:t>
             </a:fld>
             <a:endParaRPr lang="en-US"/>
           </a:p>
@@ -913,7 +1818,7 @@
     </p:spTree>
     <p:extLst>
       <p:ext uri="{BB962C8B-B14F-4D97-AF65-F5344CB8AC3E}">
-        <p14:creationId xmlns:p14="http://schemas.microsoft.com/office/powerpoint/2010/main" val="3810432993"/>
+        <p14:creationId xmlns:p14="http://schemas.microsoft.com/office/powerpoint/2010/main" val="1924632968"/>
       </p:ext>
     </p:extLst>
   </p:cSld>
@@ -968,19 +1873,23 @@
           <a:lstStyle/>
           <a:p>
             <a:r>
+              <a:rPr lang="en-US" dirty="0"/>
+              <a:t>rip.pl -r UsrClass_informat.dat -p </a:t>
+            </a:r>
+            <a:r>
               <a:rPr lang="en-US" dirty="0" err="1"/>
-              <a:t>wget</a:t>
-            </a:r>
-            <a:r>
-              <a:rPr lang="en-US" dirty="0"/>
-              <a:t> -q https://www.cfreds.nist.gov/data_leakage_case/images/rm%232/cfreds_2015_data_leakage_rm%232.7z</a:t>
-            </a:r>
-          </a:p>
-          <a:p>
-            <a:r>
-              <a:rPr lang="en-US" dirty="0"/>
-              <a:t>7z e cfreds_2015_data_leakage_rm#2.7z </a:t>
-            </a:r>
+              <a:t>shellbags</a:t>
+            </a:r>
+            <a:r>
+              <a:rPr lang="en-US" dirty="0"/>
+              <a:t> | grep E:</a:t>
+            </a:r>
+          </a:p>
+          <a:p>
+            <a:endParaRPr lang="en-US" dirty="0"/>
+          </a:p>
+          <a:p>
+            <a:endParaRPr lang="en-US" dirty="0"/>
           </a:p>
         </p:txBody>
       </p:sp>
@@ -1001,7 +1910,7 @@
           <a:p>
             <a:fld id="{DDBF98C7-164A-4723-84F0-B1E4B080DDEC}" type="slidenum">
               <a:rPr lang="en-US" smtClean="0"/>
-              <a:t>15</a:t>
+              <a:t>19</a:t>
             </a:fld>
             <a:endParaRPr lang="en-US"/>
           </a:p>
@@ -1010,7 +1919,7 @@
     </p:spTree>
     <p:extLst>
       <p:ext uri="{BB962C8B-B14F-4D97-AF65-F5344CB8AC3E}">
-        <p14:creationId xmlns:p14="http://schemas.microsoft.com/office/powerpoint/2010/main" val="1857247251"/>
+        <p14:creationId xmlns:p14="http://schemas.microsoft.com/office/powerpoint/2010/main" val="3892207778"/>
       </p:ext>
     </p:extLst>
   </p:cSld>
@@ -1066,13 +1975,13 @@
           <a:p>
             <a:r>
               <a:rPr lang="en-US" dirty="0"/>
-              <a:t>7z e cfreds_2015_data_leakage_rm#2.7z</a:t>
-            </a:r>
-          </a:p>
-          <a:p>
-            <a:r>
-              <a:rPr lang="en-US" dirty="0"/>
-              <a:t>sha1sum cfreds_2015_data_leakage_rm#2.7z</a:t>
+              <a:t>https://www.blackbagtech.com/blog/windows-10-jump-list-forensics/</a:t>
+            </a:r>
+          </a:p>
+          <a:p>
+            <a:r>
+              <a:rPr lang="en-US" dirty="0"/>
+              <a:t>https://cyberforensicator.com/wp-content/uploads/2017/01/1-s2.0-S1742287616300202-main.2-14.pdf</a:t>
             </a:r>
           </a:p>
         </p:txBody>
@@ -1094,7 +2003,7 @@
           <a:p>
             <a:fld id="{DDBF98C7-164A-4723-84F0-B1E4B080DDEC}" type="slidenum">
               <a:rPr lang="en-US" smtClean="0"/>
-              <a:t>16</a:t>
+              <a:t>21</a:t>
             </a:fld>
             <a:endParaRPr lang="en-US"/>
           </a:p>
@@ -1103,7 +2012,7 @@
     </p:spTree>
     <p:extLst>
       <p:ext uri="{BB962C8B-B14F-4D97-AF65-F5344CB8AC3E}">
-        <p14:creationId xmlns:p14="http://schemas.microsoft.com/office/powerpoint/2010/main" val="854244368"/>
+        <p14:creationId xmlns:p14="http://schemas.microsoft.com/office/powerpoint/2010/main" val="2810119622"/>
       </p:ext>
     </p:extLst>
   </p:cSld>
@@ -1162,12 +2071,6 @@
               <a:t>https://www.blackbagtech.com/blog/windows-10-jump-list-forensics/</a:t>
             </a:r>
           </a:p>
-          <a:p>
-            <a:r>
-              <a:rPr lang="en-US" dirty="0"/>
-              <a:t>find /media/root/C8CA0C8DCA0C7A48/  -name "Automatic*"</a:t>
-            </a:r>
-          </a:p>
         </p:txBody>
       </p:sp>
       <p:sp>
@@ -1187,7 +2090,7 @@
           <a:p>
             <a:fld id="{DDBF98C7-164A-4723-84F0-B1E4B080DDEC}" type="slidenum">
               <a:rPr lang="en-US" smtClean="0"/>
-              <a:t>17</a:t>
+              <a:t>22</a:t>
             </a:fld>
             <a:endParaRPr lang="en-US"/>
           </a:p>
@@ -1196,7 +2099,7 @@
     </p:spTree>
     <p:extLst>
       <p:ext uri="{BB962C8B-B14F-4D97-AF65-F5344CB8AC3E}">
-        <p14:creationId xmlns:p14="http://schemas.microsoft.com/office/powerpoint/2010/main" val="3749430388"/>
+        <p14:creationId xmlns:p14="http://schemas.microsoft.com/office/powerpoint/2010/main" val="3810432993"/>
       </p:ext>
     </p:extLst>
   </p:cSld>
@@ -1251,24 +2154,18 @@
           <a:lstStyle/>
           <a:p>
             <a:r>
-              <a:rPr lang="en-US" dirty="0"/>
-              <a:t>ls /media/root/C8CA0C8DCA0C7A48/Users/informant/</a:t>
-            </a:r>
-            <a:r>
               <a:rPr lang="en-US" dirty="0" err="1"/>
-              <a:t>AppData</a:t>
-            </a:r>
-            <a:r>
-              <a:rPr lang="en-US" dirty="0"/>
-              <a:t>/Roaming/Microsoft/Windows/Recent/</a:t>
-            </a:r>
-            <a:r>
-              <a:rPr lang="en-US" dirty="0" err="1"/>
-              <a:t>AutomaticDestinations</a:t>
-            </a:r>
-            <a:r>
-              <a:rPr lang="en-US" dirty="0"/>
-              <a:t>/</a:t>
+              <a:t>wget</a:t>
+            </a:r>
+            <a:r>
+              <a:rPr lang="en-US" dirty="0"/>
+              <a:t> -q https://cfreds-archive.nist.gov/data_leakage_case/images/rm%232/cfreds_2015_data_leakage_rm%232.7z</a:t>
+            </a:r>
+          </a:p>
+          <a:p>
+            <a:r>
+              <a:rPr lang="en-US" dirty="0"/>
+              <a:t>7z e cfreds_2015_data_leakage_rm#2.7z </a:t>
             </a:r>
           </a:p>
         </p:txBody>
@@ -1290,7 +2187,7 @@
           <a:p>
             <a:fld id="{DDBF98C7-164A-4723-84F0-B1E4B080DDEC}" type="slidenum">
               <a:rPr lang="en-US" smtClean="0"/>
-              <a:t>18</a:t>
+              <a:t>23</a:t>
             </a:fld>
             <a:endParaRPr lang="en-US"/>
           </a:p>
@@ -1299,7 +2196,7 @@
     </p:spTree>
     <p:extLst>
       <p:ext uri="{BB962C8B-B14F-4D97-AF65-F5344CB8AC3E}">
-        <p14:creationId xmlns:p14="http://schemas.microsoft.com/office/powerpoint/2010/main" val="3248571872"/>
+        <p14:creationId xmlns:p14="http://schemas.microsoft.com/office/powerpoint/2010/main" val="1857247251"/>
       </p:ext>
     </p:extLst>
   </p:cSld>
@@ -1354,34 +2251,14 @@
           <a:lstStyle/>
           <a:p>
             <a:r>
-              <a:rPr lang="en-US" dirty="0" err="1"/>
-              <a:t>cp</a:t>
-            </a:r>
-            <a:r>
-              <a:rPr lang="en-US" dirty="0"/>
-              <a:t>  /media/root/C8CA0C8DCA0C7A48/Users/informant/</a:t>
-            </a:r>
-            <a:r>
-              <a:rPr lang="en-US" dirty="0" err="1"/>
-              <a:t>AppData</a:t>
-            </a:r>
-            <a:r>
-              <a:rPr lang="en-US" dirty="0"/>
-              <a:t>/Roaming/Microsoft/Windows/Recent/</a:t>
-            </a:r>
-            <a:r>
-              <a:rPr lang="en-US" dirty="0" err="1"/>
-              <a:t>AutomaticDestinations</a:t>
-            </a:r>
-            <a:r>
-              <a:rPr lang="en-US" dirty="0"/>
-              <a:t>/e36bfc8972e5ab1d.automaticDestinations-ms .</a:t>
-            </a:r>
-          </a:p>
-          <a:p>
-            <a:r>
-              <a:rPr lang="en-US" dirty="0"/>
-              <a:t>ls -l e36bfc8972e5ab1d.automaticDestinations-ms</a:t>
+              <a:rPr lang="en-US" dirty="0"/>
+              <a:t>7z e cfreds_2015_data_leakage_rm#2.7z</a:t>
+            </a:r>
+          </a:p>
+          <a:p>
+            <a:r>
+              <a:rPr lang="en-US" dirty="0"/>
+              <a:t>sha1sum cfreds_2015_data_leakage_rm#2.7z</a:t>
             </a:r>
           </a:p>
         </p:txBody>
@@ -1403,7 +2280,7 @@
           <a:p>
             <a:fld id="{DDBF98C7-164A-4723-84F0-B1E4B080DDEC}" type="slidenum">
               <a:rPr lang="en-US" smtClean="0"/>
-              <a:t>19</a:t>
+              <a:t>24</a:t>
             </a:fld>
             <a:endParaRPr lang="en-US"/>
           </a:p>
@@ -1412,7 +2289,7 @@
     </p:spTree>
     <p:extLst>
       <p:ext uri="{BB962C8B-B14F-4D97-AF65-F5344CB8AC3E}">
-        <p14:creationId xmlns:p14="http://schemas.microsoft.com/office/powerpoint/2010/main" val="2747024857"/>
+        <p14:creationId xmlns:p14="http://schemas.microsoft.com/office/powerpoint/2010/main" val="854244368"/>
       </p:ext>
     </p:extLst>
   </p:cSld>
@@ -1490,7 +2367,7 @@
           <a:p>
             <a:fld id="{DDBF98C7-164A-4723-84F0-B1E4B080DDEC}" type="slidenum">
               <a:rPr lang="en-US" smtClean="0"/>
-              <a:t>20</a:t>
+              <a:t>25</a:t>
             </a:fld>
             <a:endParaRPr lang="en-US"/>
           </a:p>
@@ -1555,13 +2432,13 @@
           <a:p>
             <a:r>
               <a:rPr lang="en-US" dirty="0"/>
-              <a:t>https://binaryforay.blogspot.com/2016/03/introducing-jlecmd.html</a:t>
-            </a:r>
-          </a:p>
-          <a:p>
-            <a:r>
-              <a:rPr lang="en-US" dirty="0"/>
-              <a:t>https://www.youtube.com/watch?v=RSM4wygz39Q&amp;ab_channel=KernelPanic%21AtTheDisco</a:t>
+              <a:t>https://www.blackbagtech.com/blog/windows-10-jump-list-forensics/</a:t>
+            </a:r>
+          </a:p>
+          <a:p>
+            <a:r>
+              <a:rPr lang="en-US" dirty="0"/>
+              <a:t>find /media/root/C8CA0C8DCA0C7A48/  -name "Automatic*"</a:t>
             </a:r>
           </a:p>
         </p:txBody>
@@ -1583,7 +2460,7 @@
           <a:p>
             <a:fld id="{DDBF98C7-164A-4723-84F0-B1E4B080DDEC}" type="slidenum">
               <a:rPr lang="en-US" smtClean="0"/>
-              <a:t>21</a:t>
+              <a:t>26</a:t>
             </a:fld>
             <a:endParaRPr lang="en-US"/>
           </a:p>
@@ -1592,7 +2469,7 @@
     </p:spTree>
     <p:extLst>
       <p:ext uri="{BB962C8B-B14F-4D97-AF65-F5344CB8AC3E}">
-        <p14:creationId xmlns:p14="http://schemas.microsoft.com/office/powerpoint/2010/main" val="327826602"/>
+        <p14:creationId xmlns:p14="http://schemas.microsoft.com/office/powerpoint/2010/main" val="3749430388"/>
       </p:ext>
     </p:extLst>
   </p:cSld>
@@ -1647,18 +2524,24 @@
           <a:lstStyle/>
           <a:p>
             <a:r>
+              <a:rPr lang="en-US" dirty="0"/>
+              <a:t>ls /media/root/C8CA0C8DCA0C7A48/Users/informant/</a:t>
+            </a:r>
+            <a:r>
               <a:rPr lang="en-US" dirty="0" err="1"/>
-              <a:t>wget</a:t>
-            </a:r>
-            <a:r>
-              <a:rPr lang="en-US" dirty="0"/>
-              <a:t> https://f001.backblazeb2.com/file/EricZimmermanTools/JLECmd.zip</a:t>
-            </a:r>
-          </a:p>
-          <a:p>
-            <a:r>
-              <a:rPr lang="en-US" dirty="0"/>
-              <a:t>unzip JLECmd.zip</a:t>
+              <a:t>AppData</a:t>
+            </a:r>
+            <a:r>
+              <a:rPr lang="en-US" dirty="0"/>
+              <a:t>/Roaming/Microsoft/Windows/Recent/</a:t>
+            </a:r>
+            <a:r>
+              <a:rPr lang="en-US" dirty="0" err="1"/>
+              <a:t>AutomaticDestinations</a:t>
+            </a:r>
+            <a:r>
+              <a:rPr lang="en-US" dirty="0"/>
+              <a:t>/</a:t>
             </a:r>
           </a:p>
         </p:txBody>
@@ -1680,7 +2563,7 @@
           <a:p>
             <a:fld id="{DDBF98C7-164A-4723-84F0-B1E4B080DDEC}" type="slidenum">
               <a:rPr lang="en-US" smtClean="0"/>
-              <a:t>23</a:t>
+              <a:t>27</a:t>
             </a:fld>
             <a:endParaRPr lang="en-US"/>
           </a:p>
@@ -1689,7 +2572,7 @@
     </p:spTree>
     <p:extLst>
       <p:ext uri="{BB962C8B-B14F-4D97-AF65-F5344CB8AC3E}">
-        <p14:creationId xmlns:p14="http://schemas.microsoft.com/office/powerpoint/2010/main" val="264209153"/>
+        <p14:creationId xmlns:p14="http://schemas.microsoft.com/office/powerpoint/2010/main" val="3248571872"/>
       </p:ext>
     </p:extLst>
   </p:cSld>
@@ -1772,7 +2655,7 @@
           <a:p>
             <a:fld id="{DDBF98C7-164A-4723-84F0-B1E4B080DDEC}" type="slidenum">
               <a:rPr lang="en-US" smtClean="0"/>
-              <a:t>3</a:t>
+              <a:t>7</a:t>
             </a:fld>
             <a:endParaRPr lang="en-US"/>
           </a:p>
@@ -1836,14 +2719,34 @@
           <a:lstStyle/>
           <a:p>
             <a:r>
-              <a:rPr lang="en-US" dirty="0"/>
-              <a:t>https://binaryforay.blogspot.com/2016/03/introducing-jlecmd.html</a:t>
-            </a:r>
-          </a:p>
-          <a:p>
-            <a:r>
-              <a:rPr lang="en-US" dirty="0"/>
-              <a:t>https://ericzimmerman.github.io/#!index.md</a:t>
+              <a:rPr lang="en-US" dirty="0" err="1"/>
+              <a:t>cp</a:t>
+            </a:r>
+            <a:r>
+              <a:rPr lang="en-US" dirty="0"/>
+              <a:t>  /media/root/C8CA0C8DCA0C7A48/Users/informant/</a:t>
+            </a:r>
+            <a:r>
+              <a:rPr lang="en-US" dirty="0" err="1"/>
+              <a:t>AppData</a:t>
+            </a:r>
+            <a:r>
+              <a:rPr lang="en-US" dirty="0"/>
+              <a:t>/Roaming/Microsoft/Windows/Recent/</a:t>
+            </a:r>
+            <a:r>
+              <a:rPr lang="en-US" dirty="0" err="1"/>
+              <a:t>AutomaticDestinations</a:t>
+            </a:r>
+            <a:r>
+              <a:rPr lang="en-US" dirty="0"/>
+              <a:t>/e36bfc8972e5ab1d.automaticDestinations-ms .</a:t>
+            </a:r>
+          </a:p>
+          <a:p>
+            <a:r>
+              <a:rPr lang="en-US" dirty="0"/>
+              <a:t>ls -l e36bfc8972e5ab1d.automaticDestinations-ms</a:t>
             </a:r>
           </a:p>
         </p:txBody>
@@ -1865,7 +2768,7 @@
           <a:p>
             <a:fld id="{DDBF98C7-164A-4723-84F0-B1E4B080DDEC}" type="slidenum">
               <a:rPr lang="en-US" smtClean="0"/>
-              <a:t>24</a:t>
+              <a:t>28</a:t>
             </a:fld>
             <a:endParaRPr lang="en-US"/>
           </a:p>
@@ -1874,7 +2777,7 @@
     </p:spTree>
     <p:extLst>
       <p:ext uri="{BB962C8B-B14F-4D97-AF65-F5344CB8AC3E}">
-        <p14:creationId xmlns:p14="http://schemas.microsoft.com/office/powerpoint/2010/main" val="2295674067"/>
+        <p14:creationId xmlns:p14="http://schemas.microsoft.com/office/powerpoint/2010/main" val="2747024857"/>
       </p:ext>
     </p:extLst>
   </p:cSld>
@@ -1930,7 +2833,13 @@
           <a:p>
             <a:r>
               <a:rPr lang="en-US" dirty="0"/>
-              <a:t>wine JLECmd.exe -f e36bfc8972e5ab1d.automaticDestinations-ms </a:t>
+              <a:t>https://binaryforay.blogspot.com/2016/03/introducing-jlecmd.html</a:t>
+            </a:r>
+          </a:p>
+          <a:p>
+            <a:r>
+              <a:rPr lang="en-US" dirty="0"/>
+              <a:t>https://www.youtube.com/watch?v=RSM4wygz39Q&amp;ab_channel=KernelPanic%21AtTheDisco</a:t>
             </a:r>
           </a:p>
         </p:txBody>
@@ -1952,7 +2861,7 @@
           <a:p>
             <a:fld id="{DDBF98C7-164A-4723-84F0-B1E4B080DDEC}" type="slidenum">
               <a:rPr lang="en-US" smtClean="0"/>
-              <a:t>26</a:t>
+              <a:t>29</a:t>
             </a:fld>
             <a:endParaRPr lang="en-US"/>
           </a:p>
@@ -1961,7 +2870,7 @@
     </p:spTree>
     <p:extLst>
       <p:ext uri="{BB962C8B-B14F-4D97-AF65-F5344CB8AC3E}">
-        <p14:creationId xmlns:p14="http://schemas.microsoft.com/office/powerpoint/2010/main" val="2251405379"/>
+        <p14:creationId xmlns:p14="http://schemas.microsoft.com/office/powerpoint/2010/main" val="327826602"/>
       </p:ext>
     </p:extLst>
   </p:cSld>
@@ -2017,35 +2926,17 @@
           <a:p>
             <a:r>
               <a:rPr lang="en-US" dirty="0" err="1"/>
-              <a:t>cp</a:t>
-            </a:r>
-            <a:r>
-              <a:rPr lang="en-US" dirty="0"/>
-              <a:t> -</a:t>
-            </a:r>
-            <a:r>
-              <a:rPr lang="en-US" dirty="0" err="1"/>
-              <a:t>avr</a:t>
-            </a:r>
-            <a:r>
-              <a:rPr lang="en-US" dirty="0"/>
-              <a:t> /media/root/C8CA0C8DCA0C7A48/Users/informant/</a:t>
-            </a:r>
-            <a:r>
-              <a:rPr lang="en-US" dirty="0" err="1"/>
-              <a:t>AppData</a:t>
-            </a:r>
-            <a:r>
-              <a:rPr lang="en-US" dirty="0"/>
-              <a:t>/Roaming/Microsoft/Windows/Recent/</a:t>
-            </a:r>
-            <a:r>
-              <a:rPr lang="en-US" dirty="0" err="1"/>
-              <a:t>AutomaticDestinations</a:t>
-            </a:r>
-            <a:r>
-              <a:rPr lang="en-US" dirty="0"/>
-              <a:t>/ . </a:t>
+              <a:t>wget</a:t>
+            </a:r>
+            <a:r>
+              <a:rPr lang="en-US" dirty="0"/>
+              <a:t> https://f001.backblazeb2.com/file/EricZimmermanTools/JLECmd.zip</a:t>
+            </a:r>
+          </a:p>
+          <a:p>
+            <a:r>
+              <a:rPr lang="en-US" dirty="0"/>
+              <a:t>unzip JLECmd.zip</a:t>
             </a:r>
           </a:p>
         </p:txBody>
@@ -2067,7 +2958,7 @@
           <a:p>
             <a:fld id="{DDBF98C7-164A-4723-84F0-B1E4B080DDEC}" type="slidenum">
               <a:rPr lang="en-US" smtClean="0"/>
-              <a:t>27</a:t>
+              <a:t>31</a:t>
             </a:fld>
             <a:endParaRPr lang="en-US"/>
           </a:p>
@@ -2076,7 +2967,7 @@
     </p:spTree>
     <p:extLst>
       <p:ext uri="{BB962C8B-B14F-4D97-AF65-F5344CB8AC3E}">
-        <p14:creationId xmlns:p14="http://schemas.microsoft.com/office/powerpoint/2010/main" val="3629938280"/>
+        <p14:creationId xmlns:p14="http://schemas.microsoft.com/office/powerpoint/2010/main" val="264209153"/>
       </p:ext>
     </p:extLst>
   </p:cSld>
@@ -2131,30 +3022,15 @@
           <a:lstStyle/>
           <a:p>
             <a:r>
-              <a:rPr lang="fr-FR" dirty="0" err="1"/>
-              <a:t>wine</a:t>
-            </a:r>
-            <a:r>
-              <a:rPr lang="fr-FR" dirty="0"/>
-              <a:t> JLECmd.exe -d </a:t>
-            </a:r>
-            <a:r>
-              <a:rPr lang="fr-FR" dirty="0" err="1"/>
-              <a:t>AutomaticDestinations</a:t>
-            </a:r>
-            <a:r>
-              <a:rPr lang="fr-FR" dirty="0"/>
-              <a:t> --csv </a:t>
-            </a:r>
-            <a:r>
-              <a:rPr lang="fr-FR" dirty="0" err="1"/>
-              <a:t>AutomaticDestinations</a:t>
-            </a:r>
-            <a:r>
-              <a:rPr lang="fr-FR" dirty="0"/>
-              <a:t> -q</a:t>
-            </a:r>
-            <a:endParaRPr lang="en-US" dirty="0"/>
+              <a:rPr lang="en-US" dirty="0"/>
+              <a:t>https://binaryforay.blogspot.com/2016/03/introducing-jlecmd.html</a:t>
+            </a:r>
+          </a:p>
+          <a:p>
+            <a:r>
+              <a:rPr lang="en-US" dirty="0"/>
+              <a:t>https://ericzimmerman.github.io/#!index.md</a:t>
+            </a:r>
           </a:p>
         </p:txBody>
       </p:sp>
@@ -2175,7 +3051,7 @@
           <a:p>
             <a:fld id="{DDBF98C7-164A-4723-84F0-B1E4B080DDEC}" type="slidenum">
               <a:rPr lang="en-US" smtClean="0"/>
-              <a:t>28</a:t>
+              <a:t>32</a:t>
             </a:fld>
             <a:endParaRPr lang="en-US"/>
           </a:p>
@@ -2184,7 +3060,7 @@
     </p:spTree>
     <p:extLst>
       <p:ext uri="{BB962C8B-B14F-4D97-AF65-F5344CB8AC3E}">
-        <p14:creationId xmlns:p14="http://schemas.microsoft.com/office/powerpoint/2010/main" val="3231297336"/>
+        <p14:creationId xmlns:p14="http://schemas.microsoft.com/office/powerpoint/2010/main" val="2295674067"/>
       </p:ext>
     </p:extLst>
   </p:cSld>
@@ -2240,21 +3116,7 @@
           <a:p>
             <a:r>
               <a:rPr lang="en-US" dirty="0"/>
-              <a:t>head -n2 </a:t>
-            </a:r>
-            <a:r>
-              <a:rPr lang="en-US" dirty="0" err="1"/>
-              <a:t>AutomaticDestinations</a:t>
-            </a:r>
-            <a:r>
-              <a:rPr lang="en-US" dirty="0"/>
-              <a:t>/20201126160358_AutomaticDestinations.csv</a:t>
-            </a:r>
-          </a:p>
-          <a:p>
-            <a:r>
-              <a:rPr lang="en-US" dirty="0"/>
-              <a:t>SourceFile,SourceCreated,SourceModified,SourceAccessed,AppId,AppIdDescription,DestListVersion,LastUsedEntryNumber,MRU,EntryNumber,CreationTime,LastModified,Hostname,MacAddress,Path,InteractionCount,PinStatus,FileBirthDroid,FileDroid,VolumeBirthDroid,VolumeDroid,TargetCreated,TargetModified,TargetAccessed,FileSize,RelativePath,WorkingDirectory,FileAttributes,HeaderFlags,DriveType,VolumeSerialNumber,VolumeLabel,LocalPath,CommonPath,TargetIDAbsolutePath,TargetMFTEntryNumber,TargetMFTSequenceNumber,MachineID,MachineMACAddress,TrackerCreatedOn,ExtraBlocksPresent,Arguments,Notes</a:t>
+              <a:t>wine JLECmd.exe -f e36bfc8972e5ab1d.automaticDestinations-ms </a:t>
             </a:r>
           </a:p>
         </p:txBody>
@@ -2276,7 +3138,7 @@
           <a:p>
             <a:fld id="{DDBF98C7-164A-4723-84F0-B1E4B080DDEC}" type="slidenum">
               <a:rPr lang="en-US" smtClean="0"/>
-              <a:t>29</a:t>
+              <a:t>34</a:t>
             </a:fld>
             <a:endParaRPr lang="en-US"/>
           </a:p>
@@ -2285,7 +3147,7 @@
     </p:spTree>
     <p:extLst>
       <p:ext uri="{BB962C8B-B14F-4D97-AF65-F5344CB8AC3E}">
-        <p14:creationId xmlns:p14="http://schemas.microsoft.com/office/powerpoint/2010/main" val="3993995213"/>
+        <p14:creationId xmlns:p14="http://schemas.microsoft.com/office/powerpoint/2010/main" val="2251405379"/>
       </p:ext>
     </p:extLst>
   </p:cSld>
@@ -2340,8 +3202,28 @@
           <a:lstStyle/>
           <a:p>
             <a:r>
-              <a:rPr lang="en-US" dirty="0"/>
-              <a:t>grep -P "E\:" </a:t>
+              <a:rPr lang="en-US" dirty="0" err="1"/>
+              <a:t>cp</a:t>
+            </a:r>
+            <a:r>
+              <a:rPr lang="en-US" dirty="0"/>
+              <a:t> -</a:t>
+            </a:r>
+            <a:r>
+              <a:rPr lang="en-US" dirty="0" err="1"/>
+              <a:t>avr</a:t>
+            </a:r>
+            <a:r>
+              <a:rPr lang="en-US" dirty="0"/>
+              <a:t> /media/root/C8CA0C8DCA0C7A48/Users/informant/</a:t>
+            </a:r>
+            <a:r>
+              <a:rPr lang="en-US" dirty="0" err="1"/>
+              <a:t>AppData</a:t>
+            </a:r>
+            <a:r>
+              <a:rPr lang="en-US" dirty="0"/>
+              <a:t>/Roaming/Microsoft/Windows/Recent/</a:t>
             </a:r>
             <a:r>
               <a:rPr lang="en-US" dirty="0" err="1"/>
@@ -2349,7 +3231,7 @@
             </a:r>
             <a:r>
               <a:rPr lang="en-US" dirty="0"/>
-              <a:t>/20201126160358_AutomaticDestinations.csv --color</a:t>
+              <a:t>/ . </a:t>
             </a:r>
           </a:p>
         </p:txBody>
@@ -2371,7 +3253,7 @@
           <a:p>
             <a:fld id="{DDBF98C7-164A-4723-84F0-B1E4B080DDEC}" type="slidenum">
               <a:rPr lang="en-US" smtClean="0"/>
-              <a:t>30</a:t>
+              <a:t>35</a:t>
             </a:fld>
             <a:endParaRPr lang="en-US"/>
           </a:p>
@@ -2380,7 +3262,7 @@
     </p:spTree>
     <p:extLst>
       <p:ext uri="{BB962C8B-B14F-4D97-AF65-F5344CB8AC3E}">
-        <p14:creationId xmlns:p14="http://schemas.microsoft.com/office/powerpoint/2010/main" val="3086688716"/>
+        <p14:creationId xmlns:p14="http://schemas.microsoft.com/office/powerpoint/2010/main" val="3629938280"/>
       </p:ext>
     </p:extLst>
   </p:cSld>
@@ -2434,6 +3316,310 @@
           <a:bodyPr/>
           <a:lstStyle/>
           <a:p>
+            <a:r>
+              <a:rPr lang="fr-FR" dirty="0" err="1"/>
+              <a:t>wine</a:t>
+            </a:r>
+            <a:r>
+              <a:rPr lang="fr-FR" dirty="0"/>
+              <a:t> JLECmd.exe -d </a:t>
+            </a:r>
+            <a:r>
+              <a:rPr lang="fr-FR" dirty="0" err="1"/>
+              <a:t>AutomaticDestinations</a:t>
+            </a:r>
+            <a:r>
+              <a:rPr lang="fr-FR" dirty="0"/>
+              <a:t> --csv </a:t>
+            </a:r>
+            <a:r>
+              <a:rPr lang="fr-FR" dirty="0" err="1"/>
+              <a:t>AutomaticDestinations</a:t>
+            </a:r>
+            <a:r>
+              <a:rPr lang="fr-FR" dirty="0"/>
+              <a:t> -q</a:t>
+            </a:r>
+            <a:endParaRPr lang="en-US" dirty="0"/>
+          </a:p>
+        </p:txBody>
+      </p:sp>
+      <p:sp>
+        <p:nvSpPr>
+          <p:cNvPr id="4" name="Slide Number Placeholder 3"/>
+          <p:cNvSpPr>
+            <a:spLocks noGrp="1"/>
+          </p:cNvSpPr>
+          <p:nvPr>
+            <p:ph type="sldNum" sz="quarter" idx="10"/>
+          </p:nvPr>
+        </p:nvSpPr>
+        <p:spPr/>
+        <p:txBody>
+          <a:bodyPr/>
+          <a:lstStyle/>
+          <a:p>
+            <a:fld id="{DDBF98C7-164A-4723-84F0-B1E4B080DDEC}" type="slidenum">
+              <a:rPr lang="en-US" smtClean="0"/>
+              <a:t>36</a:t>
+            </a:fld>
+            <a:endParaRPr lang="en-US"/>
+          </a:p>
+        </p:txBody>
+      </p:sp>
+    </p:spTree>
+    <p:extLst>
+      <p:ext uri="{BB962C8B-B14F-4D97-AF65-F5344CB8AC3E}">
+        <p14:creationId xmlns:p14="http://schemas.microsoft.com/office/powerpoint/2010/main" val="3231297336"/>
+      </p:ext>
+    </p:extLst>
+  </p:cSld>
+  <p:clrMapOvr>
+    <a:masterClrMapping/>
+  </p:clrMapOvr>
+</p:notes>
+</file>
+
+<file path=ppt/notesSlides/notesSlide27.xml><?xml version="1.0" encoding="utf-8"?>
+<p:notes xmlns:a="http://schemas.openxmlformats.org/drawingml/2006/main" xmlns:r="http://schemas.openxmlformats.org/officeDocument/2006/relationships" xmlns:p="http://schemas.openxmlformats.org/presentationml/2006/main">
+  <p:cSld>
+    <p:spTree>
+      <p:nvGrpSpPr>
+        <p:cNvPr id="1" name=""/>
+        <p:cNvGrpSpPr/>
+        <p:nvPr/>
+      </p:nvGrpSpPr>
+      <p:grpSpPr>
+        <a:xfrm>
+          <a:off x="0" y="0"/>
+          <a:ext cx="0" cy="0"/>
+          <a:chOff x="0" y="0"/>
+          <a:chExt cx="0" cy="0"/>
+        </a:xfrm>
+      </p:grpSpPr>
+      <p:sp>
+        <p:nvSpPr>
+          <p:cNvPr id="2" name="Slide Image Placeholder 1"/>
+          <p:cNvSpPr>
+            <a:spLocks noGrp="1" noRot="1" noChangeAspect="1"/>
+          </p:cNvSpPr>
+          <p:nvPr>
+            <p:ph type="sldImg"/>
+          </p:nvPr>
+        </p:nvSpPr>
+        <p:spPr/>
+      </p:sp>
+      <p:sp>
+        <p:nvSpPr>
+          <p:cNvPr id="3" name="Notes Placeholder 2"/>
+          <p:cNvSpPr>
+            <a:spLocks noGrp="1"/>
+          </p:cNvSpPr>
+          <p:nvPr>
+            <p:ph type="body" idx="1"/>
+          </p:nvPr>
+        </p:nvSpPr>
+        <p:spPr/>
+        <p:txBody>
+          <a:bodyPr/>
+          <a:lstStyle/>
+          <a:p>
+            <a:r>
+              <a:rPr lang="en-US" dirty="0"/>
+              <a:t>head -n2 </a:t>
+            </a:r>
+            <a:r>
+              <a:rPr lang="en-US" dirty="0" err="1"/>
+              <a:t>AutomaticDestinations</a:t>
+            </a:r>
+            <a:r>
+              <a:rPr lang="en-US" dirty="0"/>
+              <a:t>/20201126160358_AutomaticDestinations.csv</a:t>
+            </a:r>
+          </a:p>
+          <a:p>
+            <a:r>
+              <a:rPr lang="en-US" dirty="0"/>
+              <a:t>SourceFile,SourceCreated,SourceModified,SourceAccessed,AppId,AppIdDescription,DestListVersion,LastUsedEntryNumber,MRU,EntryNumber,CreationTime,LastModified,Hostname,MacAddress,Path,InteractionCount,PinStatus,FileBirthDroid,FileDroid,VolumeBirthDroid,VolumeDroid,TargetCreated,TargetModified,TargetAccessed,FileSize,RelativePath,WorkingDirectory,FileAttributes,HeaderFlags,DriveType,VolumeSerialNumber,VolumeLabel,LocalPath,CommonPath,TargetIDAbsolutePath,TargetMFTEntryNumber,TargetMFTSequenceNumber,MachineID,MachineMACAddress,TrackerCreatedOn,ExtraBlocksPresent,Arguments,Notes</a:t>
+            </a:r>
+          </a:p>
+        </p:txBody>
+      </p:sp>
+      <p:sp>
+        <p:nvSpPr>
+          <p:cNvPr id="4" name="Slide Number Placeholder 3"/>
+          <p:cNvSpPr>
+            <a:spLocks noGrp="1"/>
+          </p:cNvSpPr>
+          <p:nvPr>
+            <p:ph type="sldNum" sz="quarter" idx="10"/>
+          </p:nvPr>
+        </p:nvSpPr>
+        <p:spPr/>
+        <p:txBody>
+          <a:bodyPr/>
+          <a:lstStyle/>
+          <a:p>
+            <a:fld id="{DDBF98C7-164A-4723-84F0-B1E4B080DDEC}" type="slidenum">
+              <a:rPr lang="en-US" smtClean="0"/>
+              <a:t>37</a:t>
+            </a:fld>
+            <a:endParaRPr lang="en-US"/>
+          </a:p>
+        </p:txBody>
+      </p:sp>
+    </p:spTree>
+    <p:extLst>
+      <p:ext uri="{BB962C8B-B14F-4D97-AF65-F5344CB8AC3E}">
+        <p14:creationId xmlns:p14="http://schemas.microsoft.com/office/powerpoint/2010/main" val="3993995213"/>
+      </p:ext>
+    </p:extLst>
+  </p:cSld>
+  <p:clrMapOvr>
+    <a:masterClrMapping/>
+  </p:clrMapOvr>
+</p:notes>
+</file>
+
+<file path=ppt/notesSlides/notesSlide28.xml><?xml version="1.0" encoding="utf-8"?>
+<p:notes xmlns:a="http://schemas.openxmlformats.org/drawingml/2006/main" xmlns:r="http://schemas.openxmlformats.org/officeDocument/2006/relationships" xmlns:p="http://schemas.openxmlformats.org/presentationml/2006/main">
+  <p:cSld>
+    <p:spTree>
+      <p:nvGrpSpPr>
+        <p:cNvPr id="1" name=""/>
+        <p:cNvGrpSpPr/>
+        <p:nvPr/>
+      </p:nvGrpSpPr>
+      <p:grpSpPr>
+        <a:xfrm>
+          <a:off x="0" y="0"/>
+          <a:ext cx="0" cy="0"/>
+          <a:chOff x="0" y="0"/>
+          <a:chExt cx="0" cy="0"/>
+        </a:xfrm>
+      </p:grpSpPr>
+      <p:sp>
+        <p:nvSpPr>
+          <p:cNvPr id="2" name="Slide Image Placeholder 1"/>
+          <p:cNvSpPr>
+            <a:spLocks noGrp="1" noRot="1" noChangeAspect="1"/>
+          </p:cNvSpPr>
+          <p:nvPr>
+            <p:ph type="sldImg"/>
+          </p:nvPr>
+        </p:nvSpPr>
+        <p:spPr/>
+      </p:sp>
+      <p:sp>
+        <p:nvSpPr>
+          <p:cNvPr id="3" name="Notes Placeholder 2"/>
+          <p:cNvSpPr>
+            <a:spLocks noGrp="1"/>
+          </p:cNvSpPr>
+          <p:nvPr>
+            <p:ph type="body" idx="1"/>
+          </p:nvPr>
+        </p:nvSpPr>
+        <p:spPr/>
+        <p:txBody>
+          <a:bodyPr/>
+          <a:lstStyle/>
+          <a:p>
+            <a:r>
+              <a:rPr lang="en-US" dirty="0"/>
+              <a:t>grep -P "E\:" </a:t>
+            </a:r>
+            <a:r>
+              <a:rPr lang="en-US" dirty="0" err="1"/>
+              <a:t>AutomaticDestinations</a:t>
+            </a:r>
+            <a:r>
+              <a:rPr lang="en-US" dirty="0"/>
+              <a:t>/20201126160358_AutomaticDestinations.csv --color</a:t>
+            </a:r>
+          </a:p>
+        </p:txBody>
+      </p:sp>
+      <p:sp>
+        <p:nvSpPr>
+          <p:cNvPr id="4" name="Slide Number Placeholder 3"/>
+          <p:cNvSpPr>
+            <a:spLocks noGrp="1"/>
+          </p:cNvSpPr>
+          <p:nvPr>
+            <p:ph type="sldNum" sz="quarter" idx="10"/>
+          </p:nvPr>
+        </p:nvSpPr>
+        <p:spPr/>
+        <p:txBody>
+          <a:bodyPr/>
+          <a:lstStyle/>
+          <a:p>
+            <a:fld id="{DDBF98C7-164A-4723-84F0-B1E4B080DDEC}" type="slidenum">
+              <a:rPr lang="en-US" smtClean="0"/>
+              <a:t>38</a:t>
+            </a:fld>
+            <a:endParaRPr lang="en-US"/>
+          </a:p>
+        </p:txBody>
+      </p:sp>
+    </p:spTree>
+    <p:extLst>
+      <p:ext uri="{BB962C8B-B14F-4D97-AF65-F5344CB8AC3E}">
+        <p14:creationId xmlns:p14="http://schemas.microsoft.com/office/powerpoint/2010/main" val="3086688716"/>
+      </p:ext>
+    </p:extLst>
+  </p:cSld>
+  <p:clrMapOvr>
+    <a:masterClrMapping/>
+  </p:clrMapOvr>
+</p:notes>
+</file>
+
+<file path=ppt/notesSlides/notesSlide29.xml><?xml version="1.0" encoding="utf-8"?>
+<p:notes xmlns:a="http://schemas.openxmlformats.org/drawingml/2006/main" xmlns:r="http://schemas.openxmlformats.org/officeDocument/2006/relationships" xmlns:p="http://schemas.openxmlformats.org/presentationml/2006/main">
+  <p:cSld>
+    <p:spTree>
+      <p:nvGrpSpPr>
+        <p:cNvPr id="1" name=""/>
+        <p:cNvGrpSpPr/>
+        <p:nvPr/>
+      </p:nvGrpSpPr>
+      <p:grpSpPr>
+        <a:xfrm>
+          <a:off x="0" y="0"/>
+          <a:ext cx="0" cy="0"/>
+          <a:chOff x="0" y="0"/>
+          <a:chExt cx="0" cy="0"/>
+        </a:xfrm>
+      </p:grpSpPr>
+      <p:sp>
+        <p:nvSpPr>
+          <p:cNvPr id="2" name="Slide Image Placeholder 1"/>
+          <p:cNvSpPr>
+            <a:spLocks noGrp="1" noRot="1" noChangeAspect="1"/>
+          </p:cNvSpPr>
+          <p:nvPr>
+            <p:ph type="sldImg"/>
+          </p:nvPr>
+        </p:nvSpPr>
+        <p:spPr/>
+      </p:sp>
+      <p:sp>
+        <p:nvSpPr>
+          <p:cNvPr id="3" name="Notes Placeholder 2"/>
+          <p:cNvSpPr>
+            <a:spLocks noGrp="1"/>
+          </p:cNvSpPr>
+          <p:nvPr>
+            <p:ph type="body" idx="1"/>
+          </p:nvPr>
+        </p:nvSpPr>
+        <p:spPr/>
+        <p:txBody>
+          <a:bodyPr/>
+          <a:lstStyle/>
+          <a:p>
             <a:pPr marL="0" marR="0" lvl="0" indent="0" algn="l" defTabSz="914400" rtl="0" eaLnBrk="1" fontAlgn="auto" latinLnBrk="0" hangingPunct="1">
               <a:lnSpc>
                 <a:spcPct val="100000"/>
@@ -2530,7 +3716,7 @@
           <a:p>
             <a:fld id="{DDBF98C7-164A-4723-84F0-B1E4B080DDEC}" type="slidenum">
               <a:rPr lang="en-US" smtClean="0"/>
-              <a:t>31</a:t>
+              <a:t>39</a:t>
             </a:fld>
             <a:endParaRPr lang="en-US"/>
           </a:p>
@@ -2595,13 +3781,8 @@
           <a:p>
             <a:r>
               <a:rPr lang="en-US" dirty="0"/>
-              <a:t>rip.pl -r NTUSER_informant.DAT -p </a:t>
-            </a:r>
-            <a:r>
-              <a:rPr lang="en-US" dirty="0" err="1"/>
-              <a:t>mndmru</a:t>
-            </a:r>
-            <a:endParaRPr lang="en-US" dirty="0"/>
+              <a:t>rip.pl -r NTUSER_informant.DAT -p mp2</a:t>
+            </a:r>
           </a:p>
         </p:txBody>
       </p:sp>
@@ -2622,7 +3803,7 @@
           <a:p>
             <a:fld id="{DDBF98C7-164A-4723-84F0-B1E4B080DDEC}" type="slidenum">
               <a:rPr lang="en-US" smtClean="0"/>
-              <a:t>4</a:t>
+              <a:t>8</a:t>
             </a:fld>
             <a:endParaRPr lang="en-US"/>
           </a:p>
@@ -2631,7 +3812,7 @@
     </p:spTree>
     <p:extLst>
       <p:ext uri="{BB962C8B-B14F-4D97-AF65-F5344CB8AC3E}">
-        <p14:creationId xmlns:p14="http://schemas.microsoft.com/office/powerpoint/2010/main" val="1805715163"/>
+        <p14:creationId xmlns:p14="http://schemas.microsoft.com/office/powerpoint/2010/main" val="2381883786"/>
       </p:ext>
     </p:extLst>
   </p:cSld>
@@ -2687,8 +3868,13 @@
           <a:p>
             <a:r>
               <a:rPr lang="en-US" dirty="0"/>
-              <a:t>rip.pl -r NTUSER_informant.DAT -p mp2</a:t>
-            </a:r>
+              <a:t>rip.pl -r SYSTEM  -p </a:t>
+            </a:r>
+            <a:r>
+              <a:rPr lang="en-US" dirty="0" err="1"/>
+              <a:t>mountdev</a:t>
+            </a:r>
+            <a:endParaRPr lang="en-US" dirty="0"/>
           </a:p>
         </p:txBody>
       </p:sp>
@@ -2709,7 +3895,7 @@
           <a:p>
             <a:fld id="{DDBF98C7-164A-4723-84F0-B1E4B080DDEC}" type="slidenum">
               <a:rPr lang="en-US" smtClean="0"/>
-              <a:t>5</a:t>
+              <a:t>9</a:t>
             </a:fld>
             <a:endParaRPr lang="en-US"/>
           </a:p>
@@ -2718,7 +3904,7 @@
     </p:spTree>
     <p:extLst>
       <p:ext uri="{BB962C8B-B14F-4D97-AF65-F5344CB8AC3E}">
-        <p14:creationId xmlns:p14="http://schemas.microsoft.com/office/powerpoint/2010/main" val="2381883786"/>
+        <p14:creationId xmlns:p14="http://schemas.microsoft.com/office/powerpoint/2010/main" val="2707319893"/>
       </p:ext>
     </p:extLst>
   </p:cSld>
@@ -2774,11 +3960,11 @@
           <a:p>
             <a:r>
               <a:rPr lang="en-US" dirty="0"/>
-              <a:t>rip.pl -r SYSTEM  -p </a:t>
+              <a:t>rip.pl -r NTUSER_informant.DAT -p </a:t>
             </a:r>
             <a:r>
               <a:rPr lang="en-US" dirty="0" err="1"/>
-              <a:t>mountdev</a:t>
+              <a:t>mndmru</a:t>
             </a:r>
             <a:endParaRPr lang="en-US" dirty="0"/>
           </a:p>
@@ -2801,7 +3987,7 @@
           <a:p>
             <a:fld id="{DDBF98C7-164A-4723-84F0-B1E4B080DDEC}" type="slidenum">
               <a:rPr lang="en-US" smtClean="0"/>
-              <a:t>6</a:t>
+              <a:t>10</a:t>
             </a:fld>
             <a:endParaRPr lang="en-US"/>
           </a:p>
@@ -2810,7 +3996,7 @@
     </p:spTree>
     <p:extLst>
       <p:ext uri="{BB962C8B-B14F-4D97-AF65-F5344CB8AC3E}">
-        <p14:creationId xmlns:p14="http://schemas.microsoft.com/office/powerpoint/2010/main" val="2707319893"/>
+        <p14:creationId xmlns:p14="http://schemas.microsoft.com/office/powerpoint/2010/main" val="1805715163"/>
       </p:ext>
     </p:extLst>
   </p:cSld>
@@ -2864,20 +4050,7 @@
           <a:bodyPr/>
           <a:lstStyle/>
           <a:p>
-            <a:r>
-              <a:rPr lang="en-US" dirty="0" err="1"/>
-              <a:t>wget</a:t>
-            </a:r>
-            <a:r>
-              <a:rPr lang="en-US" dirty="0"/>
-              <a:t> -q https://www.cfreds.nist.gov/data_leakage_case/images/rm%232/cfreds_2015_data_leakage_rm%232.7z</a:t>
-            </a:r>
-          </a:p>
-          <a:p>
-            <a:r>
-              <a:rPr lang="en-US" dirty="0"/>
-              <a:t>7z e cfreds_2015_data_leakage_rm#2.7z </a:t>
-            </a:r>
+            <a:endParaRPr lang="en-US" dirty="0"/>
           </a:p>
         </p:txBody>
       </p:sp>
@@ -2898,7 +4071,7 @@
           <a:p>
             <a:fld id="{DDBF98C7-164A-4723-84F0-B1E4B080DDEC}" type="slidenum">
               <a:rPr lang="en-US" smtClean="0"/>
-              <a:t>7</a:t>
+              <a:t>11</a:t>
             </a:fld>
             <a:endParaRPr lang="en-US"/>
           </a:p>
@@ -2907,7 +4080,7 @@
     </p:spTree>
     <p:extLst>
       <p:ext uri="{BB962C8B-B14F-4D97-AF65-F5344CB8AC3E}">
-        <p14:creationId xmlns:p14="http://schemas.microsoft.com/office/powerpoint/2010/main" val="541664491"/>
+        <p14:creationId xmlns:p14="http://schemas.microsoft.com/office/powerpoint/2010/main" val="142401232"/>
       </p:ext>
     </p:extLst>
   </p:cSld>
@@ -2963,7 +4136,23 @@
           <a:p>
             <a:r>
               <a:rPr lang="en-US" dirty="0"/>
-              <a:t>https://www.sans.org/reading-room/whitepapers/forensics/windows-shellbag-forensics-in-depth-34545</a:t>
+              <a:t>https://cfreds.nist.gov/all/NIST/DataLeakageCase</a:t>
+            </a:r>
+          </a:p>
+          <a:p>
+            <a:r>
+              <a:rPr lang="en-US" dirty="0" err="1"/>
+              <a:t>wget</a:t>
+            </a:r>
+            <a:r>
+              <a:rPr lang="en-US" dirty="0"/>
+              <a:t> -q https://www.cfreds.nist.gov/data_leakage_case/images/rm%232/cfreds_2015_data_leakage_rm%232.7z</a:t>
+            </a:r>
+          </a:p>
+          <a:p>
+            <a:r>
+              <a:rPr lang="en-US" dirty="0"/>
+              <a:t>7z e cfreds_2015_data_leakage_rm#2.7z </a:t>
             </a:r>
           </a:p>
         </p:txBody>
@@ -2985,7 +4174,7 @@
           <a:p>
             <a:fld id="{DDBF98C7-164A-4723-84F0-B1E4B080DDEC}" type="slidenum">
               <a:rPr lang="en-US" smtClean="0"/>
-              <a:t>9</a:t>
+              <a:t>12</a:t>
             </a:fld>
             <a:endParaRPr lang="en-US"/>
           </a:p>
@@ -2994,7 +4183,7 @@
     </p:spTree>
     <p:extLst>
       <p:ext uri="{BB962C8B-B14F-4D97-AF65-F5344CB8AC3E}">
-        <p14:creationId xmlns:p14="http://schemas.microsoft.com/office/powerpoint/2010/main" val="3920818086"/>
+        <p14:creationId xmlns:p14="http://schemas.microsoft.com/office/powerpoint/2010/main" val="541664491"/>
       </p:ext>
     </p:extLst>
   </p:cSld>
@@ -3049,8 +4238,18 @@
           <a:lstStyle/>
           <a:p>
             <a:r>
-              <a:rPr lang="en-US" dirty="0"/>
-              <a:t>https://www.sans.org/reading-room/whitepapers/forensics/windows-shellbag-forensics-in-depth-34545</a:t>
+              <a:rPr lang="en-US" dirty="0" err="1"/>
+              <a:t>wget</a:t>
+            </a:r>
+            <a:r>
+              <a:rPr lang="en-US" dirty="0"/>
+              <a:t> -q https://www.cfreds.nist.gov/data_leakage_case/images/rm%232/cfreds_2015_data_leakage_rm%232.7z</a:t>
+            </a:r>
+          </a:p>
+          <a:p>
+            <a:r>
+              <a:rPr lang="en-US" dirty="0"/>
+              <a:t>7z e cfreds_2015_data_leakage_rm#2.7z </a:t>
             </a:r>
           </a:p>
         </p:txBody>
@@ -3072,7 +4271,7 @@
           <a:p>
             <a:fld id="{DDBF98C7-164A-4723-84F0-B1E4B080DDEC}" type="slidenum">
               <a:rPr lang="en-US" smtClean="0"/>
-              <a:t>10</a:t>
+              <a:t>13</a:t>
             </a:fld>
             <a:endParaRPr lang="en-US"/>
           </a:p>
@@ -3081,7 +4280,7 @@
     </p:spTree>
     <p:extLst>
       <p:ext uri="{BB962C8B-B14F-4D97-AF65-F5344CB8AC3E}">
-        <p14:creationId xmlns:p14="http://schemas.microsoft.com/office/powerpoint/2010/main" val="2658350417"/>
+        <p14:creationId xmlns:p14="http://schemas.microsoft.com/office/powerpoint/2010/main" val="475471849"/>
       </p:ext>
     </p:extLst>
   </p:cSld>
@@ -3136,20 +4335,8 @@
           <a:lstStyle/>
           <a:p>
             <a:r>
-              <a:rPr lang="en-US" dirty="0" err="1"/>
-              <a:t>losetup</a:t>
-            </a:r>
-            <a:r>
-              <a:rPr lang="en-US" dirty="0"/>
-              <a:t> --</a:t>
-            </a:r>
-            <a:r>
-              <a:rPr lang="en-US" dirty="0" err="1"/>
-              <a:t>partscan</a:t>
-            </a:r>
-            <a:r>
-              <a:rPr lang="en-US" dirty="0"/>
-              <a:t>  --find --show  --read-only cfreds_2015_data_leakage_pc.dd</a:t>
+              <a:rPr lang="en-US" dirty="0"/>
+              <a:t>https://www.sans.org/reading-room/whitepapers/forensics/windows-shellbag-forensics-in-depth-34545</a:t>
             </a:r>
           </a:p>
         </p:txBody>
@@ -3171,7 +4358,7 @@
           <a:p>
             <a:fld id="{DDBF98C7-164A-4723-84F0-B1E4B080DDEC}" type="slidenum">
               <a:rPr lang="en-US" smtClean="0"/>
-              <a:t>11</a:t>
+              <a:t>15</a:t>
             </a:fld>
             <a:endParaRPr lang="en-US"/>
           </a:p>
@@ -3180,7 +4367,7 @@
     </p:spTree>
     <p:extLst>
       <p:ext uri="{BB962C8B-B14F-4D97-AF65-F5344CB8AC3E}">
-        <p14:creationId xmlns:p14="http://schemas.microsoft.com/office/powerpoint/2010/main" val="1924632968"/>
+        <p14:creationId xmlns:p14="http://schemas.microsoft.com/office/powerpoint/2010/main" val="3920818086"/>
       </p:ext>
     </p:extLst>
   </p:cSld>
@@ -3319,7 +4506,7 @@
           <a:p>
             <a:fld id="{4263717A-E3C1-4BED-ABE0-B7069385E023}" type="datetimeFigureOut">
               <a:rPr lang="en-US" smtClean="0"/>
-              <a:t>1/28/2021</a:t>
+              <a:t>10/28/2021</a:t>
             </a:fld>
             <a:endParaRPr lang="en-US"/>
           </a:p>
@@ -3492,7 +4679,7 @@
           <a:p>
             <a:fld id="{4263717A-E3C1-4BED-ABE0-B7069385E023}" type="datetimeFigureOut">
               <a:rPr lang="en-US" smtClean="0"/>
-              <a:t>1/28/2021</a:t>
+              <a:t>10/28/2021</a:t>
             </a:fld>
             <a:endParaRPr lang="en-US"/>
           </a:p>
@@ -3670,7 +4857,7 @@
           <a:p>
             <a:fld id="{4263717A-E3C1-4BED-ABE0-B7069385E023}" type="datetimeFigureOut">
               <a:rPr lang="en-US" smtClean="0"/>
-              <a:t>1/28/2021</a:t>
+              <a:t>10/28/2021</a:t>
             </a:fld>
             <a:endParaRPr lang="en-US"/>
           </a:p>
@@ -3838,7 +5025,7 @@
           <a:p>
             <a:fld id="{4263717A-E3C1-4BED-ABE0-B7069385E023}" type="datetimeFigureOut">
               <a:rPr lang="en-US" smtClean="0"/>
-              <a:t>1/28/2021</a:t>
+              <a:t>10/28/2021</a:t>
             </a:fld>
             <a:endParaRPr lang="en-US"/>
           </a:p>
@@ -4083,7 +5270,7 @@
           <a:p>
             <a:fld id="{4263717A-E3C1-4BED-ABE0-B7069385E023}" type="datetimeFigureOut">
               <a:rPr lang="en-US" smtClean="0"/>
-              <a:t>1/28/2021</a:t>
+              <a:t>10/28/2021</a:t>
             </a:fld>
             <a:endParaRPr lang="en-US"/>
           </a:p>
@@ -4312,7 +5499,7 @@
           <a:p>
             <a:fld id="{4263717A-E3C1-4BED-ABE0-B7069385E023}" type="datetimeFigureOut">
               <a:rPr lang="en-US" smtClean="0"/>
-              <a:t>1/28/2021</a:t>
+              <a:t>10/28/2021</a:t>
             </a:fld>
             <a:endParaRPr lang="en-US"/>
           </a:p>
@@ -4676,7 +5863,7 @@
           <a:p>
             <a:fld id="{4263717A-E3C1-4BED-ABE0-B7069385E023}" type="datetimeFigureOut">
               <a:rPr lang="en-US" smtClean="0"/>
-              <a:t>1/28/2021</a:t>
+              <a:t>10/28/2021</a:t>
             </a:fld>
             <a:endParaRPr lang="en-US"/>
           </a:p>
@@ -4793,7 +5980,7 @@
           <a:p>
             <a:fld id="{4263717A-E3C1-4BED-ABE0-B7069385E023}" type="datetimeFigureOut">
               <a:rPr lang="en-US" smtClean="0"/>
-              <a:t>1/28/2021</a:t>
+              <a:t>10/28/2021</a:t>
             </a:fld>
             <a:endParaRPr lang="en-US"/>
           </a:p>
@@ -4888,7 +6075,7 @@
           <a:p>
             <a:fld id="{4263717A-E3C1-4BED-ABE0-B7069385E023}" type="datetimeFigureOut">
               <a:rPr lang="en-US" smtClean="0"/>
-              <a:t>1/28/2021</a:t>
+              <a:t>10/28/2021</a:t>
             </a:fld>
             <a:endParaRPr lang="en-US"/>
           </a:p>
@@ -5163,7 +6350,7 @@
           <a:p>
             <a:fld id="{4263717A-E3C1-4BED-ABE0-B7069385E023}" type="datetimeFigureOut">
               <a:rPr lang="en-US" smtClean="0"/>
-              <a:t>1/28/2021</a:t>
+              <a:t>10/28/2021</a:t>
             </a:fld>
             <a:endParaRPr lang="en-US"/>
           </a:p>
@@ -5415,7 +6602,7 @@
           <a:p>
             <a:fld id="{4263717A-E3C1-4BED-ABE0-B7069385E023}" type="datetimeFigureOut">
               <a:rPr lang="en-US" smtClean="0"/>
-              <a:t>1/28/2021</a:t>
+              <a:t>10/28/2021</a:t>
             </a:fld>
             <a:endParaRPr lang="en-US"/>
           </a:p>
@@ -5626,7 +6813,7 @@
           <a:p>
             <a:fld id="{4263717A-E3C1-4BED-ABE0-B7069385E023}" type="datetimeFigureOut">
               <a:rPr lang="en-US" smtClean="0"/>
-              <a:t>1/28/2021</a:t>
+              <a:t>10/28/2021</a:t>
             </a:fld>
             <a:endParaRPr lang="en-US"/>
           </a:p>
@@ -6285,6 +7472,1317 @@
           <a:chExt cx="0" cy="0"/>
         </a:xfrm>
       </p:grpSpPr>
+      <p:sp>
+        <p:nvSpPr>
+          <p:cNvPr id="2" name="Title 1"/>
+          <p:cNvSpPr>
+            <a:spLocks noGrp="1"/>
+          </p:cNvSpPr>
+          <p:nvPr>
+            <p:ph type="title"/>
+          </p:nvPr>
+        </p:nvSpPr>
+        <p:spPr/>
+        <p:txBody>
+          <a:bodyPr/>
+          <a:lstStyle/>
+          <a:p>
+            <a:r>
+              <a:rPr lang="en-US" dirty="0"/>
+              <a:t>Method 5: MRU map network drive</a:t>
+            </a:r>
+          </a:p>
+        </p:txBody>
+      </p:sp>
+      <p:pic>
+        <p:nvPicPr>
+          <p:cNvPr id="3" name="Picture 2"/>
+          <p:cNvPicPr>
+            <a:picLocks noChangeAspect="1"/>
+          </p:cNvPicPr>
+          <p:nvPr/>
+        </p:nvPicPr>
+        <p:blipFill>
+          <a:blip r:embed="rId3"/>
+          <a:stretch>
+            <a:fillRect/>
+          </a:stretch>
+        </p:blipFill>
+        <p:spPr>
+          <a:xfrm>
+            <a:off x="838200" y="2255810"/>
+            <a:ext cx="7818798" cy="2804403"/>
+          </a:xfrm>
+          <a:prstGeom prst="rect">
+            <a:avLst/>
+          </a:prstGeom>
+        </p:spPr>
+      </p:pic>
+      <p:sp>
+        <p:nvSpPr>
+          <p:cNvPr id="4" name="Rectangle 3"/>
+          <p:cNvSpPr/>
+          <p:nvPr/>
+        </p:nvSpPr>
+        <p:spPr>
+          <a:xfrm>
+            <a:off x="838200" y="1886478"/>
+            <a:ext cx="4275529" cy="369332"/>
+          </a:xfrm>
+          <a:prstGeom prst="rect">
+            <a:avLst/>
+          </a:prstGeom>
+          <a:solidFill>
+            <a:srgbClr val="FFC000"/>
+          </a:solidFill>
+        </p:spPr>
+        <p:txBody>
+          <a:bodyPr wrap="none">
+            <a:spAutoFit/>
+          </a:bodyPr>
+          <a:lstStyle/>
+          <a:p>
+            <a:r>
+              <a:rPr lang="en-US" dirty="0">
+                <a:solidFill>
+                  <a:srgbClr val="202124"/>
+                </a:solidFill>
+                <a:latin typeface="Roboto"/>
+              </a:rPr>
+              <a:t>Map Network Drive Most Recently Used</a:t>
+            </a:r>
+            <a:endParaRPr lang="en-US" dirty="0"/>
+          </a:p>
+        </p:txBody>
+      </p:sp>
+    </p:spTree>
+    <p:extLst>
+      <p:ext uri="{BB962C8B-B14F-4D97-AF65-F5344CB8AC3E}">
+        <p14:creationId xmlns:p14="http://schemas.microsoft.com/office/powerpoint/2010/main" val="3205019338"/>
+      </p:ext>
+    </p:extLst>
+  </p:cSld>
+  <p:clrMapOvr>
+    <a:masterClrMapping/>
+  </p:clrMapOvr>
+</p:sld>
+</file>
+
+<file path=ppt/slides/slide11.xml><?xml version="1.0" encoding="utf-8"?>
+<p:sld xmlns:a="http://schemas.openxmlformats.org/drawingml/2006/main" xmlns:r="http://schemas.openxmlformats.org/officeDocument/2006/relationships" xmlns:p="http://schemas.openxmlformats.org/presentationml/2006/main">
+  <p:cSld>
+    <p:spTree>
+      <p:nvGrpSpPr>
+        <p:cNvPr id="1" name=""/>
+        <p:cNvGrpSpPr/>
+        <p:nvPr/>
+      </p:nvGrpSpPr>
+      <p:grpSpPr>
+        <a:xfrm>
+          <a:off x="0" y="0"/>
+          <a:ext cx="0" cy="0"/>
+          <a:chOff x="0" y="0"/>
+          <a:chExt cx="0" cy="0"/>
+        </a:xfrm>
+      </p:grpSpPr>
+      <p:sp>
+        <p:nvSpPr>
+          <p:cNvPr id="2" name="Title 1"/>
+          <p:cNvSpPr>
+            <a:spLocks noGrp="1"/>
+          </p:cNvSpPr>
+          <p:nvPr>
+            <p:ph type="title"/>
+          </p:nvPr>
+        </p:nvSpPr>
+        <p:spPr/>
+        <p:txBody>
+          <a:bodyPr/>
+          <a:lstStyle/>
+          <a:p>
+            <a:r>
+              <a:rPr lang="en-US" dirty="0">
+                <a:solidFill>
+                  <a:srgbClr val="FF0000"/>
+                </a:solidFill>
+              </a:rPr>
+              <a:t>25. </a:t>
+            </a:r>
+            <a:r>
+              <a:rPr lang="en-US" dirty="0"/>
+              <a:t>List all directories(</a:t>
+            </a:r>
+            <a:r>
+              <a:rPr lang="en-US" dirty="0">
+                <a:solidFill>
+                  <a:srgbClr val="FF0000"/>
+                </a:solidFill>
+              </a:rPr>
+              <a:t>Not</a:t>
+            </a:r>
+            <a:r>
+              <a:rPr lang="en-US" dirty="0"/>
+              <a:t> files) that were traversed in ‘RM#2’.</a:t>
+            </a:r>
+          </a:p>
+        </p:txBody>
+      </p:sp>
+      <p:sp>
+        <p:nvSpPr>
+          <p:cNvPr id="9" name="Content Placeholder 8"/>
+          <p:cNvSpPr>
+            <a:spLocks noGrp="1"/>
+          </p:cNvSpPr>
+          <p:nvPr>
+            <p:ph idx="1"/>
+          </p:nvPr>
+        </p:nvSpPr>
+        <p:spPr>
+          <a:xfrm>
+            <a:off x="838200" y="1825623"/>
+            <a:ext cx="10515600" cy="2509893"/>
+          </a:xfrm>
+        </p:spPr>
+        <p:txBody>
+          <a:bodyPr>
+            <a:normAutofit/>
+          </a:bodyPr>
+          <a:lstStyle/>
+          <a:p>
+            <a:r>
+              <a:rPr lang="en-US" dirty="0"/>
+              <a:t>What is RM#2</a:t>
+            </a:r>
+          </a:p>
+          <a:p>
+            <a:pPr lvl="1"/>
+            <a:r>
+              <a:rPr lang="en-US" dirty="0"/>
+              <a:t>We don’t know the device, but we know there are two SanDisk </a:t>
+            </a:r>
+            <a:r>
+              <a:rPr lang="en-US" dirty="0" err="1"/>
+              <a:t>Cruzer</a:t>
+            </a:r>
+            <a:r>
+              <a:rPr lang="en-US" dirty="0"/>
+              <a:t> Fit USB Devices attached (from question 22)</a:t>
+            </a:r>
+          </a:p>
+          <a:p>
+            <a:pPr lvl="1"/>
+            <a:r>
+              <a:rPr lang="en-US" dirty="0"/>
+              <a:t>We also know one of the attached device is </a:t>
+            </a:r>
+            <a:r>
+              <a:rPr lang="en-US" dirty="0">
+                <a:solidFill>
+                  <a:srgbClr val="FF0000"/>
+                </a:solidFill>
+              </a:rPr>
+              <a:t>E</a:t>
+            </a:r>
+            <a:r>
+              <a:rPr lang="en-US" dirty="0"/>
+              <a:t>:</a:t>
+            </a:r>
+          </a:p>
+          <a:p>
+            <a:pPr lvl="1"/>
+            <a:r>
+              <a:rPr lang="en-US" dirty="0">
+                <a:solidFill>
+                  <a:srgbClr val="FF0000"/>
+                </a:solidFill>
+              </a:rPr>
+              <a:t>E</a:t>
+            </a:r>
+            <a:r>
+              <a:rPr lang="en-US" dirty="0"/>
+              <a:t>: letter is shared by two USBs</a:t>
+            </a:r>
+          </a:p>
+          <a:p>
+            <a:r>
+              <a:rPr lang="en-US" dirty="0"/>
+              <a:t>We can answer the question using </a:t>
+            </a:r>
+            <a:r>
+              <a:rPr lang="en-US" i="1" dirty="0" err="1">
+                <a:solidFill>
+                  <a:srgbClr val="7030A0"/>
+                </a:solidFill>
+              </a:rPr>
+              <a:t>Shellbags</a:t>
+            </a:r>
+            <a:endParaRPr lang="en-US" i="1" dirty="0">
+              <a:solidFill>
+                <a:srgbClr val="7030A0"/>
+              </a:solidFill>
+            </a:endParaRPr>
+          </a:p>
+        </p:txBody>
+      </p:sp>
+      <p:pic>
+        <p:nvPicPr>
+          <p:cNvPr id="4" name="Picture 3">
+            <a:extLst>
+              <a:ext uri="{FF2B5EF4-FFF2-40B4-BE49-F238E27FC236}">
+                <a16:creationId xmlns:a16="http://schemas.microsoft.com/office/drawing/2014/main" id="{DBC2D48F-4116-487B-B3E4-5AAA82A013A0}"/>
+              </a:ext>
+            </a:extLst>
+          </p:cNvPr>
+          <p:cNvPicPr>
+            <a:picLocks noChangeAspect="1"/>
+          </p:cNvPicPr>
+          <p:nvPr/>
+        </p:nvPicPr>
+        <p:blipFill>
+          <a:blip r:embed="rId3"/>
+          <a:stretch>
+            <a:fillRect/>
+          </a:stretch>
+        </p:blipFill>
+        <p:spPr>
+          <a:xfrm>
+            <a:off x="838200" y="4445586"/>
+            <a:ext cx="10682460" cy="1511774"/>
+          </a:xfrm>
+          <a:prstGeom prst="rect">
+            <a:avLst/>
+          </a:prstGeom>
+        </p:spPr>
+      </p:pic>
+      <p:pic>
+        <p:nvPicPr>
+          <p:cNvPr id="7" name="Picture 6">
+            <a:extLst>
+              <a:ext uri="{FF2B5EF4-FFF2-40B4-BE49-F238E27FC236}">
+                <a16:creationId xmlns:a16="http://schemas.microsoft.com/office/drawing/2014/main" id="{C59795CA-D5DD-4B5A-9CB7-006A17F65BA7}"/>
+              </a:ext>
+            </a:extLst>
+          </p:cNvPr>
+          <p:cNvPicPr>
+            <a:picLocks noChangeAspect="1"/>
+          </p:cNvPicPr>
+          <p:nvPr/>
+        </p:nvPicPr>
+        <p:blipFill>
+          <a:blip r:embed="rId4"/>
+          <a:stretch>
+            <a:fillRect/>
+          </a:stretch>
+        </p:blipFill>
+        <p:spPr>
+          <a:xfrm>
+            <a:off x="7539783" y="2842209"/>
+            <a:ext cx="4069433" cy="586791"/>
+          </a:xfrm>
+          <a:prstGeom prst="rect">
+            <a:avLst/>
+          </a:prstGeom>
+        </p:spPr>
+      </p:pic>
+    </p:spTree>
+    <p:extLst>
+      <p:ext uri="{BB962C8B-B14F-4D97-AF65-F5344CB8AC3E}">
+        <p14:creationId xmlns:p14="http://schemas.microsoft.com/office/powerpoint/2010/main" val="988167159"/>
+      </p:ext>
+    </p:extLst>
+  </p:cSld>
+  <p:clrMapOvr>
+    <a:masterClrMapping/>
+  </p:clrMapOvr>
+</p:sld>
+</file>
+
+<file path=ppt/slides/slide12.xml><?xml version="1.0" encoding="utf-8"?>
+<p:sld xmlns:a="http://schemas.openxmlformats.org/drawingml/2006/main" xmlns:r="http://schemas.openxmlformats.org/officeDocument/2006/relationships" xmlns:p="http://schemas.openxmlformats.org/presentationml/2006/main">
+  <p:cSld>
+    <p:spTree>
+      <p:nvGrpSpPr>
+        <p:cNvPr id="1" name=""/>
+        <p:cNvGrpSpPr/>
+        <p:nvPr/>
+      </p:nvGrpSpPr>
+      <p:grpSpPr>
+        <a:xfrm>
+          <a:off x="0" y="0"/>
+          <a:ext cx="0" cy="0"/>
+          <a:chOff x="0" y="0"/>
+          <a:chExt cx="0" cy="0"/>
+        </a:xfrm>
+      </p:grpSpPr>
+      <p:sp>
+        <p:nvSpPr>
+          <p:cNvPr id="2" name="Title 1"/>
+          <p:cNvSpPr>
+            <a:spLocks noGrp="1"/>
+          </p:cNvSpPr>
+          <p:nvPr>
+            <p:ph type="title"/>
+          </p:nvPr>
+        </p:nvSpPr>
+        <p:spPr/>
+        <p:txBody>
+          <a:bodyPr/>
+          <a:lstStyle/>
+          <a:p>
+            <a:r>
+              <a:rPr lang="en-US" dirty="0"/>
+              <a:t>What is </a:t>
+            </a:r>
+            <a:r>
+              <a:rPr lang="en-US" i="1" dirty="0" err="1">
+                <a:solidFill>
+                  <a:srgbClr val="7030A0"/>
+                </a:solidFill>
+              </a:rPr>
+              <a:t>Shellbag</a:t>
+            </a:r>
+            <a:r>
+              <a:rPr lang="en-US" dirty="0"/>
+              <a:t>?</a:t>
+            </a:r>
+          </a:p>
+        </p:txBody>
+      </p:sp>
+      <p:sp>
+        <p:nvSpPr>
+          <p:cNvPr id="9" name="Content Placeholder 8"/>
+          <p:cNvSpPr>
+            <a:spLocks noGrp="1"/>
+          </p:cNvSpPr>
+          <p:nvPr>
+            <p:ph idx="1"/>
+          </p:nvPr>
+        </p:nvSpPr>
+        <p:spPr/>
+        <p:txBody>
+          <a:bodyPr>
+            <a:normAutofit/>
+          </a:bodyPr>
+          <a:lstStyle/>
+          <a:p>
+            <a:r>
+              <a:rPr lang="en-US" dirty="0"/>
+              <a:t>Track user behavior using </a:t>
+            </a:r>
+            <a:r>
+              <a:rPr lang="en-US" i="1" dirty="0" err="1">
+                <a:solidFill>
+                  <a:srgbClr val="0082BC"/>
+                </a:solidFill>
+              </a:rPr>
+              <a:t>Shellbags</a:t>
+            </a:r>
+            <a:endParaRPr lang="en-US" i="1" dirty="0">
+              <a:solidFill>
+                <a:srgbClr val="0082BC"/>
+              </a:solidFill>
+            </a:endParaRPr>
+          </a:p>
+          <a:p>
+            <a:pPr lvl="1"/>
+            <a:r>
+              <a:rPr lang="en-US" dirty="0"/>
+              <a:t>Windows uses the </a:t>
+            </a:r>
+            <a:r>
+              <a:rPr lang="en-US" i="1" dirty="0" err="1">
+                <a:solidFill>
+                  <a:srgbClr val="0082BC"/>
+                </a:solidFill>
+              </a:rPr>
+              <a:t>Shellbag</a:t>
+            </a:r>
+            <a:r>
+              <a:rPr lang="en-US" dirty="0">
+                <a:solidFill>
+                  <a:srgbClr val="0082BC"/>
+                </a:solidFill>
+              </a:rPr>
+              <a:t> </a:t>
+            </a:r>
+            <a:r>
+              <a:rPr lang="en-US" dirty="0"/>
+              <a:t>keys to store user preferences for GUI folder display within Windows Explorer. </a:t>
+            </a:r>
+          </a:p>
+          <a:p>
+            <a:pPr lvl="2"/>
+            <a:r>
+              <a:rPr lang="en-US" dirty="0"/>
+              <a:t>to improve user experience and “remember” preferences </a:t>
+            </a:r>
+          </a:p>
+          <a:p>
+            <a:pPr lvl="1"/>
+            <a:r>
+              <a:rPr lang="en-US" dirty="0"/>
+              <a:t>Remember display mode (icons, details, list, etc.), browsing folders, etc.,</a:t>
+            </a:r>
+          </a:p>
+          <a:p>
+            <a:r>
+              <a:rPr lang="en-US" dirty="0"/>
+              <a:t>If directory is saved in </a:t>
+            </a:r>
+            <a:r>
+              <a:rPr lang="en-US" i="1" dirty="0" err="1">
+                <a:solidFill>
+                  <a:srgbClr val="0082BC"/>
+                </a:solidFill>
+              </a:rPr>
+              <a:t>Shellbags</a:t>
+            </a:r>
+            <a:endParaRPr lang="en-US" i="1" dirty="0">
+              <a:solidFill>
+                <a:srgbClr val="0082BC"/>
+              </a:solidFill>
+            </a:endParaRPr>
+          </a:p>
+          <a:p>
+            <a:pPr lvl="1"/>
+            <a:r>
+              <a:rPr lang="en-US" dirty="0"/>
+              <a:t>it MUST exists now or be existed before deleted (USBs, or mapped devices)</a:t>
+            </a:r>
+          </a:p>
+          <a:p>
+            <a:r>
+              <a:rPr lang="en-US" dirty="0"/>
+              <a:t>There are MAC timestamps in </a:t>
+            </a:r>
+            <a:r>
+              <a:rPr lang="en-US" i="1" dirty="0" err="1">
+                <a:solidFill>
+                  <a:srgbClr val="0082BC"/>
+                </a:solidFill>
+              </a:rPr>
+              <a:t>Shellbags</a:t>
+            </a:r>
+            <a:endParaRPr lang="en-US" i="1" dirty="0">
+              <a:solidFill>
+                <a:srgbClr val="0082BC"/>
+              </a:solidFill>
+            </a:endParaRPr>
+          </a:p>
+          <a:p>
+            <a:r>
+              <a:rPr lang="en-US" dirty="0"/>
+              <a:t>Available since Windows 7 +</a:t>
+            </a:r>
+          </a:p>
+        </p:txBody>
+      </p:sp>
+      <p:pic>
+        <p:nvPicPr>
+          <p:cNvPr id="5" name="Picture 2" descr="Shellbags.png">
+            <a:extLst>
+              <a:ext uri="{FF2B5EF4-FFF2-40B4-BE49-F238E27FC236}">
+                <a16:creationId xmlns:a16="http://schemas.microsoft.com/office/drawing/2014/main" id="{0DDFCAEB-128E-4325-8F1B-24391512D600}"/>
+              </a:ext>
+            </a:extLst>
+          </p:cNvPr>
+          <p:cNvPicPr>
+            <a:picLocks noChangeAspect="1" noChangeArrowheads="1"/>
+          </p:cNvPicPr>
+          <p:nvPr/>
+        </p:nvPicPr>
+        <p:blipFill>
+          <a:blip r:embed="rId3">
+            <a:extLst>
+              <a:ext uri="{28A0092B-C50C-407E-A947-70E740481C1C}">
+                <a14:useLocalDpi xmlns:a14="http://schemas.microsoft.com/office/drawing/2010/main" val="0"/>
+              </a:ext>
+            </a:extLst>
+          </a:blip>
+          <a:srcRect/>
+          <a:stretch>
+            <a:fillRect/>
+          </a:stretch>
+        </p:blipFill>
+        <p:spPr bwMode="auto">
+          <a:xfrm>
+            <a:off x="9764837" y="4702174"/>
+            <a:ext cx="2143125" cy="1609726"/>
+          </a:xfrm>
+          <a:prstGeom prst="rect">
+            <a:avLst/>
+          </a:prstGeom>
+          <a:noFill/>
+          <a:extLst>
+            <a:ext uri="{909E8E84-426E-40DD-AFC4-6F175D3DCCD1}">
+              <a14:hiddenFill xmlns:a14="http://schemas.microsoft.com/office/drawing/2010/main">
+                <a:solidFill>
+                  <a:srgbClr val="FFFFFF"/>
+                </a:solidFill>
+              </a14:hiddenFill>
+            </a:ext>
+          </a:extLst>
+        </p:spPr>
+      </p:pic>
+    </p:spTree>
+    <p:extLst>
+      <p:ext uri="{BB962C8B-B14F-4D97-AF65-F5344CB8AC3E}">
+        <p14:creationId xmlns:p14="http://schemas.microsoft.com/office/powerpoint/2010/main" val="3504232952"/>
+      </p:ext>
+    </p:extLst>
+  </p:cSld>
+  <p:clrMapOvr>
+    <a:masterClrMapping/>
+  </p:clrMapOvr>
+</p:sld>
+</file>
+
+<file path=ppt/slides/slide13.xml><?xml version="1.0" encoding="utf-8"?>
+<p:sld xmlns:a="http://schemas.openxmlformats.org/drawingml/2006/main" xmlns:r="http://schemas.openxmlformats.org/officeDocument/2006/relationships" xmlns:p="http://schemas.openxmlformats.org/presentationml/2006/main">
+  <p:cSld>
+    <p:spTree>
+      <p:nvGrpSpPr>
+        <p:cNvPr id="1" name=""/>
+        <p:cNvGrpSpPr/>
+        <p:nvPr/>
+      </p:nvGrpSpPr>
+      <p:grpSpPr>
+        <a:xfrm>
+          <a:off x="0" y="0"/>
+          <a:ext cx="0" cy="0"/>
+          <a:chOff x="0" y="0"/>
+          <a:chExt cx="0" cy="0"/>
+        </a:xfrm>
+      </p:grpSpPr>
+      <p:sp>
+        <p:nvSpPr>
+          <p:cNvPr id="2" name="Title 1"/>
+          <p:cNvSpPr>
+            <a:spLocks noGrp="1"/>
+          </p:cNvSpPr>
+          <p:nvPr>
+            <p:ph type="title"/>
+          </p:nvPr>
+        </p:nvSpPr>
+        <p:spPr/>
+        <p:txBody>
+          <a:bodyPr/>
+          <a:lstStyle/>
+          <a:p>
+            <a:r>
+              <a:rPr lang="en-US" dirty="0"/>
+              <a:t>Usages of </a:t>
+            </a:r>
+            <a:r>
+              <a:rPr lang="en-US" i="1" dirty="0" err="1">
+                <a:solidFill>
+                  <a:srgbClr val="7030A0"/>
+                </a:solidFill>
+              </a:rPr>
+              <a:t>Shellbag</a:t>
+            </a:r>
+            <a:r>
+              <a:rPr lang="en-US" dirty="0"/>
+              <a:t> data</a:t>
+            </a:r>
+          </a:p>
+        </p:txBody>
+      </p:sp>
+      <p:sp>
+        <p:nvSpPr>
+          <p:cNvPr id="9" name="Content Placeholder 8"/>
+          <p:cNvSpPr>
+            <a:spLocks noGrp="1"/>
+          </p:cNvSpPr>
+          <p:nvPr>
+            <p:ph idx="1"/>
+          </p:nvPr>
+        </p:nvSpPr>
+        <p:spPr/>
+        <p:txBody>
+          <a:bodyPr>
+            <a:normAutofit/>
+          </a:bodyPr>
+          <a:lstStyle/>
+          <a:p>
+            <a:r>
+              <a:rPr lang="en-US" i="1" dirty="0" err="1">
+                <a:solidFill>
+                  <a:srgbClr val="0082BC"/>
+                </a:solidFill>
+              </a:rPr>
+              <a:t>Shellbags</a:t>
+            </a:r>
+            <a:r>
+              <a:rPr lang="en-US" dirty="0">
+                <a:solidFill>
+                  <a:srgbClr val="0082BC"/>
+                </a:solidFill>
+              </a:rPr>
+              <a:t> </a:t>
+            </a:r>
+            <a:r>
+              <a:rPr lang="en-US" dirty="0"/>
+              <a:t>can be used to answer the difficult questions of </a:t>
+            </a:r>
+          </a:p>
+          <a:p>
+            <a:pPr lvl="1"/>
+            <a:r>
+              <a:rPr lang="en-US" dirty="0"/>
+              <a:t>Data enumeration in intrusion cases, </a:t>
+            </a:r>
+          </a:p>
+          <a:p>
+            <a:pPr lvl="1"/>
+            <a:r>
+              <a:rPr lang="en-US" dirty="0"/>
+              <a:t>Identify the contents of long-gone removable devices </a:t>
+            </a:r>
+          </a:p>
+          <a:p>
+            <a:pPr lvl="2"/>
+            <a:r>
+              <a:rPr lang="en-US" dirty="0"/>
+              <a:t>a USB in our case</a:t>
+            </a:r>
+          </a:p>
+          <a:p>
+            <a:pPr lvl="1"/>
+            <a:r>
+              <a:rPr lang="en-US" dirty="0"/>
+              <a:t>Show the contents of previously mounted encrypted volumes. </a:t>
+            </a:r>
+          </a:p>
+          <a:p>
+            <a:pPr lvl="2"/>
+            <a:r>
+              <a:rPr lang="en-US" dirty="0"/>
+              <a:t>network drives</a:t>
+            </a:r>
+          </a:p>
+        </p:txBody>
+      </p:sp>
+    </p:spTree>
+    <p:extLst>
+      <p:ext uri="{BB962C8B-B14F-4D97-AF65-F5344CB8AC3E}">
+        <p14:creationId xmlns:p14="http://schemas.microsoft.com/office/powerpoint/2010/main" val="2890477994"/>
+      </p:ext>
+    </p:extLst>
+  </p:cSld>
+  <p:clrMapOvr>
+    <a:masterClrMapping/>
+  </p:clrMapOvr>
+</p:sld>
+</file>
+
+<file path=ppt/slides/slide14.xml><?xml version="1.0" encoding="utf-8"?>
+<p:sld xmlns:a="http://schemas.openxmlformats.org/drawingml/2006/main" xmlns:r="http://schemas.openxmlformats.org/officeDocument/2006/relationships" xmlns:p="http://schemas.openxmlformats.org/presentationml/2006/main">
+  <p:cSld>
+    <p:spTree>
+      <p:nvGrpSpPr>
+        <p:cNvPr id="1" name=""/>
+        <p:cNvGrpSpPr/>
+        <p:nvPr/>
+      </p:nvGrpSpPr>
+      <p:grpSpPr>
+        <a:xfrm>
+          <a:off x="0" y="0"/>
+          <a:ext cx="0" cy="0"/>
+          <a:chOff x="0" y="0"/>
+          <a:chExt cx="0" cy="0"/>
+        </a:xfrm>
+      </p:grpSpPr>
+      <p:sp>
+        <p:nvSpPr>
+          <p:cNvPr id="2" name="Title 1"/>
+          <p:cNvSpPr>
+            <a:spLocks noGrp="1"/>
+          </p:cNvSpPr>
+          <p:nvPr>
+            <p:ph type="title"/>
+          </p:nvPr>
+        </p:nvSpPr>
+        <p:spPr/>
+        <p:txBody>
+          <a:bodyPr/>
+          <a:lstStyle/>
+          <a:p>
+            <a:r>
+              <a:rPr lang="en-US" dirty="0">
+                <a:solidFill>
+                  <a:srgbClr val="FF0000"/>
+                </a:solidFill>
+              </a:rPr>
+              <a:t>25.1</a:t>
+            </a:r>
+            <a:r>
+              <a:rPr lang="en-US" dirty="0"/>
+              <a:t> What are registry keys that </a:t>
+            </a:r>
+            <a:r>
+              <a:rPr lang="en-US" i="1" dirty="0" err="1">
+                <a:solidFill>
+                  <a:srgbClr val="7030A0"/>
+                </a:solidFill>
+              </a:rPr>
+              <a:t>shellbags</a:t>
+            </a:r>
+            <a:r>
+              <a:rPr lang="en-US" dirty="0">
+                <a:solidFill>
+                  <a:srgbClr val="7030A0"/>
+                </a:solidFill>
+              </a:rPr>
+              <a:t> </a:t>
+            </a:r>
+            <a:r>
+              <a:rPr lang="en-US" dirty="0"/>
+              <a:t>are structured from?</a:t>
+            </a:r>
+          </a:p>
+        </p:txBody>
+      </p:sp>
+      <p:sp>
+        <p:nvSpPr>
+          <p:cNvPr id="3" name="Content Placeholder 2"/>
+          <p:cNvSpPr>
+            <a:spLocks noGrp="1"/>
+          </p:cNvSpPr>
+          <p:nvPr>
+            <p:ph idx="1"/>
+          </p:nvPr>
+        </p:nvSpPr>
+        <p:spPr>
+          <a:xfrm>
+            <a:off x="838200" y="1825625"/>
+            <a:ext cx="5562600" cy="4351338"/>
+          </a:xfrm>
+        </p:spPr>
+        <p:txBody>
+          <a:bodyPr>
+            <a:normAutofit fontScale="92500" lnSpcReduction="10000"/>
+          </a:bodyPr>
+          <a:lstStyle/>
+          <a:p>
+            <a:r>
+              <a:rPr lang="en-US" sz="3200" dirty="0"/>
+              <a:t>Structured from two main registry keys</a:t>
+            </a:r>
+          </a:p>
+          <a:p>
+            <a:pPr lvl="1"/>
+            <a:r>
+              <a:rPr lang="en-US" sz="2800" dirty="0" err="1">
+                <a:solidFill>
+                  <a:srgbClr val="FF0000"/>
+                </a:solidFill>
+              </a:rPr>
+              <a:t>BagMRU</a:t>
+            </a:r>
+            <a:r>
+              <a:rPr lang="en-US" sz="2800" dirty="0"/>
+              <a:t>: stores folder names and records folder paths by creating the similar tree structure. </a:t>
+            </a:r>
+          </a:p>
+          <a:p>
+            <a:pPr lvl="1"/>
+            <a:r>
+              <a:rPr lang="en-US" sz="2800" dirty="0">
+                <a:solidFill>
+                  <a:srgbClr val="FF0000"/>
+                </a:solidFill>
+              </a:rPr>
+              <a:t>Bags</a:t>
+            </a:r>
+            <a:r>
+              <a:rPr lang="en-US" sz="2800" dirty="0"/>
+              <a:t>: stores the view preferences such as the window size, location and view mode</a:t>
+            </a:r>
+          </a:p>
+          <a:p>
+            <a:r>
+              <a:rPr lang="en-US" sz="3200" dirty="0"/>
+              <a:t>Physical location (Win7 +)</a:t>
+            </a:r>
+          </a:p>
+          <a:p>
+            <a:pPr lvl="1"/>
+            <a:r>
+              <a:rPr lang="en-US" i="1" dirty="0">
+                <a:solidFill>
+                  <a:srgbClr val="7030A0"/>
+                </a:solidFill>
+              </a:rPr>
+              <a:t>%</a:t>
+            </a:r>
+            <a:r>
+              <a:rPr lang="en-US" i="1" dirty="0" err="1">
+                <a:solidFill>
+                  <a:srgbClr val="7030A0"/>
+                </a:solidFill>
+              </a:rPr>
+              <a:t>UserProfile</a:t>
+            </a:r>
+            <a:r>
+              <a:rPr lang="en-US" i="1" dirty="0">
+                <a:solidFill>
+                  <a:srgbClr val="7030A0"/>
+                </a:solidFill>
+              </a:rPr>
+              <a:t>%\NTUSER.dat</a:t>
+            </a:r>
+          </a:p>
+          <a:p>
+            <a:pPr lvl="1"/>
+            <a:r>
+              <a:rPr lang="en-US" i="1" dirty="0">
+                <a:solidFill>
+                  <a:srgbClr val="7030A0"/>
+                </a:solidFill>
+              </a:rPr>
+              <a:t>%</a:t>
+            </a:r>
+            <a:r>
+              <a:rPr lang="en-US" i="1" dirty="0" err="1">
+                <a:solidFill>
+                  <a:srgbClr val="7030A0"/>
+                </a:solidFill>
+              </a:rPr>
+              <a:t>UserProfile</a:t>
+            </a:r>
+            <a:r>
+              <a:rPr lang="en-US" i="1" dirty="0">
+                <a:solidFill>
+                  <a:srgbClr val="7030A0"/>
+                </a:solidFill>
+              </a:rPr>
+              <a:t>%\</a:t>
+            </a:r>
+            <a:r>
+              <a:rPr lang="en-US" i="1" dirty="0" err="1">
+                <a:solidFill>
+                  <a:srgbClr val="7030A0"/>
+                </a:solidFill>
+              </a:rPr>
+              <a:t>AppData</a:t>
+            </a:r>
+            <a:r>
+              <a:rPr lang="en-US" i="1" dirty="0">
+                <a:solidFill>
+                  <a:srgbClr val="7030A0"/>
+                </a:solidFill>
+              </a:rPr>
+              <a:t>\Local\Microsoft\Windows\UsrClass.dat.</a:t>
+            </a:r>
+          </a:p>
+        </p:txBody>
+      </p:sp>
+      <p:pic>
+        <p:nvPicPr>
+          <p:cNvPr id="4" name="Picture 3"/>
+          <p:cNvPicPr>
+            <a:picLocks noChangeAspect="1"/>
+          </p:cNvPicPr>
+          <p:nvPr/>
+        </p:nvPicPr>
+        <p:blipFill>
+          <a:blip r:embed="rId2"/>
+          <a:stretch>
+            <a:fillRect/>
+          </a:stretch>
+        </p:blipFill>
+        <p:spPr>
+          <a:xfrm>
+            <a:off x="7063404" y="1892103"/>
+            <a:ext cx="3577702" cy="3809882"/>
+          </a:xfrm>
+          <a:prstGeom prst="rect">
+            <a:avLst/>
+          </a:prstGeom>
+        </p:spPr>
+      </p:pic>
+      <p:sp>
+        <p:nvSpPr>
+          <p:cNvPr id="7" name="Right Arrow 6"/>
+          <p:cNvSpPr/>
+          <p:nvPr/>
+        </p:nvSpPr>
+        <p:spPr>
+          <a:xfrm>
+            <a:off x="8130988" y="5065059"/>
+            <a:ext cx="403412" cy="116541"/>
+          </a:xfrm>
+          <a:prstGeom prst="rightArrow">
+            <a:avLst/>
+          </a:prstGeom>
+          <a:solidFill>
+            <a:srgbClr val="FF0000"/>
+          </a:solidFill>
+          <a:ln>
+            <a:solidFill>
+              <a:srgbClr val="FF0000"/>
+            </a:solidFill>
+          </a:ln>
+        </p:spPr>
+        <p:style>
+          <a:lnRef idx="2">
+            <a:schemeClr val="accent1">
+              <a:shade val="50000"/>
+            </a:schemeClr>
+          </a:lnRef>
+          <a:fillRef idx="1">
+            <a:schemeClr val="accent1"/>
+          </a:fillRef>
+          <a:effectRef idx="0">
+            <a:schemeClr val="accent1"/>
+          </a:effectRef>
+          <a:fontRef idx="minor">
+            <a:schemeClr val="lt1"/>
+          </a:fontRef>
+        </p:style>
+        <p:txBody>
+          <a:bodyPr rtlCol="0" anchor="ctr"/>
+          <a:lstStyle/>
+          <a:p>
+            <a:pPr algn="ctr"/>
+            <a:endParaRPr lang="en-US"/>
+          </a:p>
+        </p:txBody>
+      </p:sp>
+      <p:sp>
+        <p:nvSpPr>
+          <p:cNvPr id="8" name="Right Arrow 7"/>
+          <p:cNvSpPr/>
+          <p:nvPr/>
+        </p:nvSpPr>
+        <p:spPr>
+          <a:xfrm>
+            <a:off x="8130988" y="5296440"/>
+            <a:ext cx="403412" cy="116541"/>
+          </a:xfrm>
+          <a:prstGeom prst="rightArrow">
+            <a:avLst/>
+          </a:prstGeom>
+          <a:solidFill>
+            <a:srgbClr val="FF0000"/>
+          </a:solidFill>
+          <a:ln>
+            <a:solidFill>
+              <a:srgbClr val="FF0000"/>
+            </a:solidFill>
+          </a:ln>
+        </p:spPr>
+        <p:style>
+          <a:lnRef idx="2">
+            <a:schemeClr val="accent1">
+              <a:shade val="50000"/>
+            </a:schemeClr>
+          </a:lnRef>
+          <a:fillRef idx="1">
+            <a:schemeClr val="accent1"/>
+          </a:fillRef>
+          <a:effectRef idx="0">
+            <a:schemeClr val="accent1"/>
+          </a:effectRef>
+          <a:fontRef idx="minor">
+            <a:schemeClr val="lt1"/>
+          </a:fontRef>
+        </p:style>
+        <p:txBody>
+          <a:bodyPr rtlCol="0" anchor="ctr"/>
+          <a:lstStyle/>
+          <a:p>
+            <a:pPr algn="ctr"/>
+            <a:endParaRPr lang="en-US"/>
+          </a:p>
+        </p:txBody>
+      </p:sp>
+      <p:cxnSp>
+        <p:nvCxnSpPr>
+          <p:cNvPr id="10" name="Straight Arrow Connector 9"/>
+          <p:cNvCxnSpPr/>
+          <p:nvPr/>
+        </p:nvCxnSpPr>
+        <p:spPr>
+          <a:xfrm>
+            <a:off x="6194612" y="3065929"/>
+            <a:ext cx="1864659" cy="2115671"/>
+          </a:xfrm>
+          <a:prstGeom prst="straightConnector1">
+            <a:avLst/>
+          </a:prstGeom>
+          <a:ln>
+            <a:tailEnd type="triangle"/>
+          </a:ln>
+        </p:spPr>
+        <p:style>
+          <a:lnRef idx="1">
+            <a:schemeClr val="accent2"/>
+          </a:lnRef>
+          <a:fillRef idx="0">
+            <a:schemeClr val="accent2"/>
+          </a:fillRef>
+          <a:effectRef idx="0">
+            <a:schemeClr val="accent2"/>
+          </a:effectRef>
+          <a:fontRef idx="minor">
+            <a:schemeClr val="tx1"/>
+          </a:fontRef>
+        </p:style>
+      </p:cxnSp>
+      <p:cxnSp>
+        <p:nvCxnSpPr>
+          <p:cNvPr id="12" name="Straight Arrow Connector 11"/>
+          <p:cNvCxnSpPr/>
+          <p:nvPr/>
+        </p:nvCxnSpPr>
+        <p:spPr>
+          <a:xfrm>
+            <a:off x="6194612" y="4177553"/>
+            <a:ext cx="1864659" cy="1235428"/>
+          </a:xfrm>
+          <a:prstGeom prst="straightConnector1">
+            <a:avLst/>
+          </a:prstGeom>
+          <a:ln>
+            <a:tailEnd type="triangle"/>
+          </a:ln>
+        </p:spPr>
+        <p:style>
+          <a:lnRef idx="1">
+            <a:schemeClr val="accent2"/>
+          </a:lnRef>
+          <a:fillRef idx="0">
+            <a:schemeClr val="accent2"/>
+          </a:fillRef>
+          <a:effectRef idx="0">
+            <a:schemeClr val="accent2"/>
+          </a:effectRef>
+          <a:fontRef idx="minor">
+            <a:schemeClr val="tx1"/>
+          </a:fontRef>
+        </p:style>
+      </p:cxnSp>
+    </p:spTree>
+    <p:extLst>
+      <p:ext uri="{BB962C8B-B14F-4D97-AF65-F5344CB8AC3E}">
+        <p14:creationId xmlns:p14="http://schemas.microsoft.com/office/powerpoint/2010/main" val="3790323615"/>
+      </p:ext>
+    </p:extLst>
+  </p:cSld>
+  <p:clrMapOvr>
+    <a:masterClrMapping/>
+  </p:clrMapOvr>
+</p:sld>
+</file>
+
+<file path=ppt/slides/slide15.xml><?xml version="1.0" encoding="utf-8"?>
+<p:sld xmlns:a="http://schemas.openxmlformats.org/drawingml/2006/main" xmlns:r="http://schemas.openxmlformats.org/officeDocument/2006/relationships" xmlns:p="http://schemas.openxmlformats.org/presentationml/2006/main">
+  <p:cSld>
+    <p:spTree>
+      <p:nvGrpSpPr>
+        <p:cNvPr id="1" name=""/>
+        <p:cNvGrpSpPr/>
+        <p:nvPr/>
+      </p:nvGrpSpPr>
+      <p:grpSpPr>
+        <a:xfrm>
+          <a:off x="0" y="0"/>
+          <a:ext cx="0" cy="0"/>
+          <a:chOff x="0" y="0"/>
+          <a:chExt cx="0" cy="0"/>
+        </a:xfrm>
+      </p:grpSpPr>
+      <p:sp>
+        <p:nvSpPr>
+          <p:cNvPr id="2" name="Title 1"/>
+          <p:cNvSpPr>
+            <a:spLocks noGrp="1"/>
+          </p:cNvSpPr>
+          <p:nvPr>
+            <p:ph type="title"/>
+          </p:nvPr>
+        </p:nvSpPr>
+        <p:spPr>
+          <a:xfrm>
+            <a:off x="864974" y="365125"/>
+            <a:ext cx="10515600" cy="1325563"/>
+          </a:xfrm>
+        </p:spPr>
+        <p:txBody>
+          <a:bodyPr/>
+          <a:lstStyle/>
+          <a:p>
+            <a:r>
+              <a:rPr lang="en-US" dirty="0">
+                <a:solidFill>
+                  <a:srgbClr val="FF0000"/>
+                </a:solidFill>
+              </a:rPr>
+              <a:t>25.2 </a:t>
+            </a:r>
+            <a:r>
+              <a:rPr lang="en-US" dirty="0"/>
+              <a:t>How </a:t>
+            </a:r>
+            <a:r>
+              <a:rPr lang="en-US" i="1" dirty="0" err="1">
+                <a:solidFill>
+                  <a:srgbClr val="FF0000"/>
+                </a:solidFill>
+              </a:rPr>
+              <a:t>shellbags</a:t>
+            </a:r>
+            <a:r>
+              <a:rPr lang="en-US" dirty="0">
+                <a:solidFill>
+                  <a:srgbClr val="FF0000"/>
+                </a:solidFill>
+              </a:rPr>
+              <a:t> </a:t>
+            </a:r>
+            <a:r>
+              <a:rPr lang="en-US" dirty="0"/>
+              <a:t>are structured?</a:t>
+            </a:r>
+          </a:p>
+        </p:txBody>
+      </p:sp>
+      <p:sp>
+        <p:nvSpPr>
+          <p:cNvPr id="3" name="Content Placeholder 2"/>
+          <p:cNvSpPr>
+            <a:spLocks noGrp="1"/>
+          </p:cNvSpPr>
+          <p:nvPr>
+            <p:ph idx="1"/>
+          </p:nvPr>
+        </p:nvSpPr>
+        <p:spPr>
+          <a:xfrm>
+            <a:off x="838201" y="1825625"/>
+            <a:ext cx="10208740" cy="2252105"/>
+          </a:xfrm>
+        </p:spPr>
+        <p:txBody>
+          <a:bodyPr>
+            <a:normAutofit/>
+          </a:bodyPr>
+          <a:lstStyle/>
+          <a:p>
+            <a:r>
+              <a:rPr lang="en-US" dirty="0"/>
+              <a:t>Structured In hierarchy </a:t>
+            </a:r>
+          </a:p>
+          <a:p>
+            <a:pPr lvl="1"/>
+            <a:r>
+              <a:rPr lang="en-US" dirty="0"/>
+              <a:t>each numbered folder representing a parent or child folder of the one previous. </a:t>
+            </a:r>
+          </a:p>
+          <a:p>
+            <a:r>
+              <a:rPr lang="en-US" i="1" dirty="0" err="1">
+                <a:solidFill>
+                  <a:srgbClr val="0082BC"/>
+                </a:solidFill>
+              </a:rPr>
+              <a:t>ShellBag</a:t>
+            </a:r>
+            <a:r>
+              <a:rPr lang="en-US" dirty="0">
+                <a:solidFill>
+                  <a:srgbClr val="0082BC"/>
+                </a:solidFill>
+              </a:rPr>
+              <a:t> </a:t>
+            </a:r>
+            <a:r>
+              <a:rPr lang="en-US" dirty="0"/>
+              <a:t>information is available only for folders that have been opened and closed in </a:t>
+            </a:r>
+            <a:r>
+              <a:rPr lang="en-US" dirty="0">
+                <a:solidFill>
+                  <a:srgbClr val="FF0000"/>
+                </a:solidFill>
+              </a:rPr>
+              <a:t>Windows Explorer </a:t>
+            </a:r>
+            <a:r>
+              <a:rPr lang="en-US" dirty="0"/>
+              <a:t>at least once.</a:t>
+            </a:r>
+          </a:p>
+        </p:txBody>
+      </p:sp>
+      <p:pic>
+        <p:nvPicPr>
+          <p:cNvPr id="60" name="Picture 59"/>
+          <p:cNvPicPr>
+            <a:picLocks noChangeAspect="1"/>
+          </p:cNvPicPr>
+          <p:nvPr/>
+        </p:nvPicPr>
+        <p:blipFill>
+          <a:blip r:embed="rId3"/>
+          <a:stretch>
+            <a:fillRect/>
+          </a:stretch>
+        </p:blipFill>
+        <p:spPr>
+          <a:xfrm>
+            <a:off x="864973" y="4077730"/>
+            <a:ext cx="8446947" cy="2298356"/>
+          </a:xfrm>
+          <a:prstGeom prst="rect">
+            <a:avLst/>
+          </a:prstGeom>
+          <a:ln>
+            <a:noFill/>
+          </a:ln>
+          <a:effectLst>
+            <a:outerShdw blurRad="292100" dist="139700" dir="2700000" algn="tl" rotWithShape="0">
+              <a:srgbClr val="333333">
+                <a:alpha val="65000"/>
+              </a:srgbClr>
+            </a:outerShdw>
+          </a:effectLst>
+        </p:spPr>
+      </p:pic>
+    </p:spTree>
+    <p:extLst>
+      <p:ext uri="{BB962C8B-B14F-4D97-AF65-F5344CB8AC3E}">
+        <p14:creationId xmlns:p14="http://schemas.microsoft.com/office/powerpoint/2010/main" val="1875127261"/>
+      </p:ext>
+    </p:extLst>
+  </p:cSld>
+  <p:clrMapOvr>
+    <a:masterClrMapping/>
+  </p:clrMapOvr>
+</p:sld>
+</file>
+
+<file path=ppt/slides/slide16.xml><?xml version="1.0" encoding="utf-8"?>
+<p:sld xmlns:a="http://schemas.openxmlformats.org/drawingml/2006/main" xmlns:r="http://schemas.openxmlformats.org/officeDocument/2006/relationships" xmlns:p="http://schemas.openxmlformats.org/presentationml/2006/main">
+  <p:cSld>
+    <p:spTree>
+      <p:nvGrpSpPr>
+        <p:cNvPr id="1" name=""/>
+        <p:cNvGrpSpPr/>
+        <p:nvPr/>
+      </p:nvGrpSpPr>
+      <p:grpSpPr>
+        <a:xfrm>
+          <a:off x="0" y="0"/>
+          <a:ext cx="0" cy="0"/>
+          <a:chOff x="0" y="0"/>
+          <a:chExt cx="0" cy="0"/>
+        </a:xfrm>
+      </p:grpSpPr>
       <p:pic>
         <p:nvPicPr>
           <p:cNvPr id="4" name="Picture 3"/>
@@ -6300,7 +8798,7 @@
         </p:blipFill>
         <p:spPr>
           <a:xfrm>
-            <a:off x="2726565" y="2199738"/>
+            <a:off x="5729896" y="2065731"/>
             <a:ext cx="1738344" cy="2988874"/>
           </a:xfrm>
           <a:prstGeom prst="rect">
@@ -6316,7 +8814,7 @@
         </p:nvSpPr>
         <p:spPr>
           <a:xfrm>
-            <a:off x="5451178" y="1569513"/>
+            <a:off x="8454509" y="1435506"/>
             <a:ext cx="1169773" cy="378941"/>
           </a:xfrm>
           <a:prstGeom prst="rect">
@@ -6364,7 +8862,7 @@
         </p:nvSpPr>
         <p:spPr>
           <a:xfrm>
-            <a:off x="6353222" y="2136228"/>
+            <a:off x="9356553" y="2002221"/>
             <a:ext cx="1169773" cy="378941"/>
           </a:xfrm>
           <a:prstGeom prst="rect">
@@ -6412,7 +8910,7 @@
         </p:nvSpPr>
         <p:spPr>
           <a:xfrm>
-            <a:off x="6353222" y="2658698"/>
+            <a:off x="9356553" y="2524691"/>
             <a:ext cx="1169773" cy="378941"/>
           </a:xfrm>
           <a:prstGeom prst="rect">
@@ -6460,7 +8958,7 @@
         </p:nvSpPr>
         <p:spPr>
           <a:xfrm>
-            <a:off x="6353222" y="3173166"/>
+            <a:off x="9356553" y="3039159"/>
             <a:ext cx="1169773" cy="378941"/>
           </a:xfrm>
           <a:prstGeom prst="rect">
@@ -6508,7 +9006,7 @@
         </p:nvSpPr>
         <p:spPr>
           <a:xfrm>
-            <a:off x="7041081" y="5389153"/>
+            <a:off x="10044412" y="5255146"/>
             <a:ext cx="1169773" cy="378941"/>
           </a:xfrm>
           <a:prstGeom prst="rect">
@@ -6556,7 +9054,7 @@
         </p:nvSpPr>
         <p:spPr>
           <a:xfrm>
-            <a:off x="7041082" y="4228236"/>
+            <a:off x="10044413" y="4094229"/>
             <a:ext cx="1169773" cy="378941"/>
           </a:xfrm>
           <a:prstGeom prst="rect">
@@ -6604,7 +9102,7 @@
         </p:nvSpPr>
         <p:spPr>
           <a:xfrm>
-            <a:off x="7041081" y="4768838"/>
+            <a:off x="10044412" y="4634831"/>
             <a:ext cx="1169773" cy="378941"/>
           </a:xfrm>
           <a:prstGeom prst="rect">
@@ -6652,7 +9150,7 @@
         </p:nvSpPr>
         <p:spPr>
           <a:xfrm>
-            <a:off x="6353222" y="3734916"/>
+            <a:off x="9356553" y="3600909"/>
             <a:ext cx="1169773" cy="378941"/>
           </a:xfrm>
           <a:prstGeom prst="rect">
@@ -6702,7 +9200,7 @@
         </p:nvCxnSpPr>
         <p:spPr>
           <a:xfrm flipH="1">
-            <a:off x="6036064" y="1948454"/>
+            <a:off x="9039395" y="1814447"/>
             <a:ext cx="1" cy="1975932"/>
           </a:xfrm>
           <a:prstGeom prst="line">
@@ -6734,7 +9232,7 @@
         </p:nvCxnSpPr>
         <p:spPr>
           <a:xfrm>
-            <a:off x="6036064" y="2325698"/>
+            <a:off x="9039395" y="2191691"/>
             <a:ext cx="317158" cy="1"/>
           </a:xfrm>
           <a:prstGeom prst="straightConnector1">
@@ -6769,7 +9267,7 @@
         </p:nvCxnSpPr>
         <p:spPr>
           <a:xfrm>
-            <a:off x="6036064" y="2848168"/>
+            <a:off x="9039395" y="2714161"/>
             <a:ext cx="317158" cy="1"/>
           </a:xfrm>
           <a:prstGeom prst="straightConnector1">
@@ -6804,7 +9302,7 @@
         </p:nvCxnSpPr>
         <p:spPr>
           <a:xfrm flipV="1">
-            <a:off x="6036064" y="3362637"/>
+            <a:off x="9039395" y="3228630"/>
             <a:ext cx="317158" cy="8001"/>
           </a:xfrm>
           <a:prstGeom prst="straightConnector1">
@@ -6839,7 +9337,7 @@
         </p:nvCxnSpPr>
         <p:spPr>
           <a:xfrm>
-            <a:off x="6036064" y="3924386"/>
+            <a:off x="9039395" y="3790379"/>
             <a:ext cx="317158" cy="1"/>
           </a:xfrm>
           <a:prstGeom prst="straightConnector1">
@@ -6872,7 +9370,7 @@
         </p:nvCxnSpPr>
         <p:spPr>
           <a:xfrm>
-            <a:off x="6620951" y="4113857"/>
+            <a:off x="9624282" y="3979850"/>
             <a:ext cx="0" cy="1464766"/>
           </a:xfrm>
           <a:prstGeom prst="line">
@@ -6904,7 +9402,7 @@
         </p:nvCxnSpPr>
         <p:spPr>
           <a:xfrm>
-            <a:off x="6620951" y="4417706"/>
+            <a:off x="9624282" y="4283699"/>
             <a:ext cx="420131" cy="1"/>
           </a:xfrm>
           <a:prstGeom prst="straightConnector1">
@@ -6939,7 +9437,7 @@
         </p:nvCxnSpPr>
         <p:spPr>
           <a:xfrm>
-            <a:off x="6620951" y="4958308"/>
+            <a:off x="9624282" y="4824301"/>
             <a:ext cx="420130" cy="1"/>
           </a:xfrm>
           <a:prstGeom prst="straightConnector1">
@@ -6974,7 +9472,7 @@
         </p:nvCxnSpPr>
         <p:spPr>
           <a:xfrm>
-            <a:off x="6620951" y="5578623"/>
+            <a:off x="9624282" y="5444616"/>
             <a:ext cx="420130" cy="1"/>
           </a:xfrm>
           <a:prstGeom prst="straightConnector1">
@@ -7009,7 +9507,7 @@
         </p:nvCxnSpPr>
         <p:spPr>
           <a:xfrm flipV="1">
-            <a:off x="4264218" y="1758984"/>
+            <a:off x="7267549" y="1624977"/>
             <a:ext cx="1186960" cy="566714"/>
           </a:xfrm>
           <a:prstGeom prst="straightConnector1">
@@ -7042,7 +9540,7 @@
         </p:nvCxnSpPr>
         <p:spPr>
           <a:xfrm flipV="1">
-            <a:off x="3913663" y="2868097"/>
+            <a:off x="6916994" y="2734090"/>
             <a:ext cx="2088899" cy="28765"/>
           </a:xfrm>
           <a:prstGeom prst="straightConnector1">
@@ -7075,7 +9573,7 @@
         </p:nvCxnSpPr>
         <p:spPr>
           <a:xfrm>
-            <a:off x="3881159" y="3263008"/>
+            <a:off x="6884490" y="3129001"/>
             <a:ext cx="2146313" cy="99628"/>
           </a:xfrm>
           <a:prstGeom prst="straightConnector1">
@@ -7108,7 +9606,7 @@
         </p:nvCxnSpPr>
         <p:spPr>
           <a:xfrm>
-            <a:off x="3913663" y="3563255"/>
+            <a:off x="6916994" y="3429248"/>
             <a:ext cx="1968154" cy="361131"/>
           </a:xfrm>
           <a:prstGeom prst="straightConnector1">
@@ -7141,7 +9639,7 @@
         </p:nvCxnSpPr>
         <p:spPr>
           <a:xfrm flipV="1">
-            <a:off x="3881159" y="2325698"/>
+            <a:off x="6884490" y="2191691"/>
             <a:ext cx="2146313" cy="358991"/>
           </a:xfrm>
           <a:prstGeom prst="straightConnector1">
@@ -7174,7 +9672,7 @@
         </p:nvCxnSpPr>
         <p:spPr>
           <a:xfrm>
-            <a:off x="4264218" y="3916384"/>
+            <a:off x="7267549" y="3782377"/>
             <a:ext cx="2243251" cy="501322"/>
           </a:xfrm>
           <a:prstGeom prst="straightConnector1">
@@ -7207,7 +9705,7 @@
         </p:nvCxnSpPr>
         <p:spPr>
           <a:xfrm>
-            <a:off x="4390769" y="4772170"/>
+            <a:off x="7394100" y="4638163"/>
             <a:ext cx="1974242" cy="181151"/>
           </a:xfrm>
           <a:prstGeom prst="straightConnector1">
@@ -7240,7 +9738,7 @@
         </p:nvCxnSpPr>
         <p:spPr>
           <a:xfrm>
-            <a:off x="4390769" y="5088328"/>
+            <a:off x="7394100" y="4954321"/>
             <a:ext cx="2087725" cy="477528"/>
           </a:xfrm>
           <a:prstGeom prst="straightConnector1">
@@ -7265,6 +9763,173 @@
           </a:fontRef>
         </p:style>
       </p:cxnSp>
+      <p:sp>
+        <p:nvSpPr>
+          <p:cNvPr id="2" name="TextBox 1">
+            <a:extLst>
+              <a:ext uri="{FF2B5EF4-FFF2-40B4-BE49-F238E27FC236}">
+                <a16:creationId xmlns:a16="http://schemas.microsoft.com/office/drawing/2014/main" id="{E7C18866-81F4-4FC0-8013-E5B90FCEDD40}"/>
+              </a:ext>
+            </a:extLst>
+          </p:cNvPr>
+          <p:cNvSpPr txBox="1"/>
+          <p:nvPr/>
+        </p:nvSpPr>
+        <p:spPr>
+          <a:xfrm>
+            <a:off x="665774" y="1925250"/>
+            <a:ext cx="3988676" cy="3693319"/>
+          </a:xfrm>
+          <a:prstGeom prst="rect">
+            <a:avLst/>
+          </a:prstGeom>
+          <a:noFill/>
+        </p:spPr>
+        <p:txBody>
+          <a:bodyPr wrap="square" rtlCol="0">
+            <a:spAutoFit/>
+          </a:bodyPr>
+          <a:lstStyle/>
+          <a:p>
+            <a:pPr marL="285750" indent="-285750">
+              <a:buFont typeface="Arial" panose="020B0604020202020204" pitchFamily="34" charset="0"/>
+              <a:buChar char="•"/>
+            </a:pPr>
+            <a:r>
+              <a:rPr lang="en-US" dirty="0">
+                <a:solidFill>
+                  <a:srgbClr val="FF0000"/>
+                </a:solidFill>
+              </a:rPr>
+              <a:t>Creation</a:t>
+            </a:r>
+            <a:r>
+              <a:rPr lang="en-US" dirty="0"/>
+              <a:t> time: </a:t>
+            </a:r>
+            <a:r>
+              <a:rPr lang="en-US" dirty="0" err="1"/>
+              <a:t>Shellbag</a:t>
+            </a:r>
+            <a:r>
+              <a:rPr lang="en-US" dirty="0"/>
+              <a:t> entries are created the first time the folder is opened</a:t>
+            </a:r>
+          </a:p>
+          <a:p>
+            <a:pPr marL="742950" lvl="1" indent="-285750">
+              <a:buFont typeface="Arial" panose="020B0604020202020204" pitchFamily="34" charset="0"/>
+              <a:buChar char="•"/>
+            </a:pPr>
+            <a:r>
+              <a:rPr lang="en-US" dirty="0"/>
+              <a:t>If open a child directory, a </a:t>
+            </a:r>
+            <a:r>
+              <a:rPr lang="en-US" dirty="0" err="1"/>
+              <a:t>shellbag</a:t>
+            </a:r>
+            <a:r>
+              <a:rPr lang="en-US" dirty="0"/>
+              <a:t> entry is added</a:t>
+            </a:r>
+          </a:p>
+          <a:p>
+            <a:pPr marL="742950" lvl="1" indent="-285750">
+              <a:buFont typeface="Arial" panose="020B0604020202020204" pitchFamily="34" charset="0"/>
+              <a:buChar char="•"/>
+            </a:pPr>
+            <a:r>
+              <a:rPr lang="en-US" dirty="0"/>
+              <a:t>Entry ID starts from 0, increase by 1</a:t>
+            </a:r>
+          </a:p>
+          <a:p>
+            <a:pPr marL="285750" indent="-285750">
+              <a:buFont typeface="Arial" panose="020B0604020202020204" pitchFamily="34" charset="0"/>
+              <a:buChar char="•"/>
+            </a:pPr>
+            <a:r>
+              <a:rPr lang="en-US" dirty="0">
+                <a:solidFill>
+                  <a:srgbClr val="FF0000"/>
+                </a:solidFill>
+              </a:rPr>
+              <a:t>Access </a:t>
+            </a:r>
+            <a:r>
+              <a:rPr lang="en-US" dirty="0"/>
+              <a:t>time: Last time accessed</a:t>
+            </a:r>
+          </a:p>
+          <a:p>
+            <a:pPr marL="285750" indent="-285750">
+              <a:buFont typeface="Arial" panose="020B0604020202020204" pitchFamily="34" charset="0"/>
+              <a:buChar char="•"/>
+            </a:pPr>
+            <a:r>
+              <a:rPr lang="en-US" dirty="0">
+                <a:solidFill>
+                  <a:srgbClr val="FF0000"/>
+                </a:solidFill>
+              </a:rPr>
+              <a:t>Modification</a:t>
+            </a:r>
+            <a:r>
+              <a:rPr lang="en-US" dirty="0"/>
+              <a:t> time: Every Entry is modified when a user change folder view preference</a:t>
+            </a:r>
+          </a:p>
+          <a:p>
+            <a:pPr marL="285750" indent="-285750">
+              <a:buFont typeface="Arial" panose="020B0604020202020204" pitchFamily="34" charset="0"/>
+              <a:buChar char="•"/>
+            </a:pPr>
+            <a:r>
+              <a:rPr lang="en-US" dirty="0">
+                <a:solidFill>
+                  <a:srgbClr val="FF0000"/>
+                </a:solidFill>
+              </a:rPr>
+              <a:t>Last write </a:t>
+            </a:r>
+            <a:r>
+              <a:rPr lang="en-US" dirty="0"/>
+              <a:t>time: may be the time of last manipulation</a:t>
+            </a:r>
+          </a:p>
+        </p:txBody>
+      </p:sp>
+      <p:pic>
+        <p:nvPicPr>
+          <p:cNvPr id="5" name="Picture 4">
+            <a:extLst>
+              <a:ext uri="{FF2B5EF4-FFF2-40B4-BE49-F238E27FC236}">
+                <a16:creationId xmlns:a16="http://schemas.microsoft.com/office/drawing/2014/main" id="{9B5C5A13-2272-4070-9BDF-EAA04626D83A}"/>
+              </a:ext>
+            </a:extLst>
+          </p:cNvPr>
+          <p:cNvPicPr>
+            <a:picLocks noChangeAspect="1"/>
+          </p:cNvPicPr>
+          <p:nvPr/>
+        </p:nvPicPr>
+        <p:blipFill>
+          <a:blip r:embed="rId4"/>
+          <a:stretch>
+            <a:fillRect/>
+          </a:stretch>
+        </p:blipFill>
+        <p:spPr>
+          <a:xfrm>
+            <a:off x="1153689" y="30455"/>
+            <a:ext cx="9152413" cy="1310754"/>
+          </a:xfrm>
+          <a:prstGeom prst="rect">
+            <a:avLst/>
+          </a:prstGeom>
+        </p:spPr>
+      </p:pic>
     </p:spTree>
     <p:extLst>
       <p:ext uri="{BB962C8B-B14F-4D97-AF65-F5344CB8AC3E}">
@@ -7278,7 +9943,7 @@
 </p:sld>
 </file>
 
-<file path=ppt/slides/slide11.xml><?xml version="1.0" encoding="utf-8"?>
+<file path=ppt/slides/slide17.xml><?xml version="1.0" encoding="utf-8"?>
 <p:sld xmlns:a="http://schemas.openxmlformats.org/drawingml/2006/main" xmlns:r="http://schemas.openxmlformats.org/officeDocument/2006/relationships" xmlns:p="http://schemas.openxmlformats.org/presentationml/2006/main">
   <p:cSld>
     <p:spTree>
@@ -7505,7 +10170,7 @@
 </p:sld>
 </file>
 
-<file path=ppt/slides/slide12.xml><?xml version="1.0" encoding="utf-8"?>
+<file path=ppt/slides/slide18.xml><?xml version="1.0" encoding="utf-8"?>
 <p:sld xmlns:a="http://schemas.openxmlformats.org/drawingml/2006/main" xmlns:r="http://schemas.openxmlformats.org/officeDocument/2006/relationships" xmlns:p="http://schemas.openxmlformats.org/presentationml/2006/main">
   <p:cSld>
     <p:spTree>
@@ -7593,7 +10258,7 @@
 </p:sld>
 </file>
 
-<file path=ppt/slides/slide13.xml><?xml version="1.0" encoding="utf-8"?>
+<file path=ppt/slides/slide19.xml><?xml version="1.0" encoding="utf-8"?>
 <p:sld xmlns:a="http://schemas.openxmlformats.org/drawingml/2006/main" xmlns:r="http://schemas.openxmlformats.org/officeDocument/2006/relationships" xmlns:p="http://schemas.openxmlformats.org/presentationml/2006/main">
   <p:cSld>
     <p:spTree>
@@ -7708,1047 +10373,57 @@
           </a:p>
         </p:txBody>
       </p:sp>
-    </p:spTree>
-    <p:extLst>
-      <p:ext uri="{BB962C8B-B14F-4D97-AF65-F5344CB8AC3E}">
-        <p14:creationId xmlns:p14="http://schemas.microsoft.com/office/powerpoint/2010/main" val="2092135752"/>
-      </p:ext>
-    </p:extLst>
-  </p:cSld>
-  <p:clrMapOvr>
-    <a:masterClrMapping/>
-  </p:clrMapOvr>
-</p:sld>
-</file>
-
-<file path=ppt/slides/slide14.xml><?xml version="1.0" encoding="utf-8"?>
-<p:sld xmlns:a="http://schemas.openxmlformats.org/drawingml/2006/main" xmlns:r="http://schemas.openxmlformats.org/officeDocument/2006/relationships" xmlns:p="http://schemas.openxmlformats.org/presentationml/2006/main">
-  <p:cSld>
-    <p:spTree>
-      <p:nvGrpSpPr>
-        <p:cNvPr id="1" name=""/>
-        <p:cNvGrpSpPr/>
-        <p:nvPr/>
-      </p:nvGrpSpPr>
-      <p:grpSpPr>
-        <a:xfrm>
-          <a:off x="0" y="0"/>
-          <a:ext cx="0" cy="0"/>
-          <a:chOff x="0" y="0"/>
-          <a:chExt cx="0" cy="0"/>
-        </a:xfrm>
-      </p:grpSpPr>
-      <p:sp>
-        <p:nvSpPr>
-          <p:cNvPr id="2" name="Title 1"/>
-          <p:cNvSpPr>
-            <a:spLocks noGrp="1"/>
-          </p:cNvSpPr>
-          <p:nvPr>
-            <p:ph type="title"/>
-          </p:nvPr>
-        </p:nvSpPr>
-        <p:spPr/>
-        <p:txBody>
-          <a:bodyPr/>
-          <a:lstStyle/>
-          <a:p>
+      <p:sp>
+        <p:nvSpPr>
+          <p:cNvPr id="6" name="TextBox 5">
+            <a:extLst>
+              <a:ext uri="{FF2B5EF4-FFF2-40B4-BE49-F238E27FC236}">
+                <a16:creationId xmlns:a16="http://schemas.microsoft.com/office/drawing/2014/main" id="{86A3ABD9-0DCA-4F80-918D-A7AF8D436DBC}"/>
+              </a:ext>
+            </a:extLst>
+          </p:cNvPr>
+          <p:cNvSpPr txBox="1"/>
+          <p:nvPr/>
+        </p:nvSpPr>
+        <p:spPr>
+          <a:xfrm>
+            <a:off x="8280051" y="576873"/>
+            <a:ext cx="2527994" cy="646331"/>
+          </a:xfrm>
+          <a:prstGeom prst="rect">
+            <a:avLst/>
+          </a:prstGeom>
+          <a:noFill/>
+        </p:spPr>
+        <p:txBody>
+          <a:bodyPr wrap="square">
+            <a:spAutoFit/>
+          </a:bodyPr>
+          <a:lstStyle/>
+          <a:p>
+            <a:r>
+              <a:rPr lang="en-US" dirty="0"/>
+              <a:t>Note:</a:t>
+            </a:r>
             <a:r>
               <a:rPr lang="en-US" dirty="0">
                 <a:solidFill>
                   <a:srgbClr val="FF0000"/>
                 </a:solidFill>
               </a:rPr>
-              <a:t>26. </a:t>
-            </a:r>
-            <a:r>
-              <a:rPr lang="en-US" dirty="0"/>
-              <a:t>List all files that were opened in ‘RM#2’.</a:t>
-            </a:r>
-          </a:p>
-        </p:txBody>
-      </p:sp>
-      <p:sp>
-        <p:nvSpPr>
-          <p:cNvPr id="3" name="Content Placeholder 2"/>
-          <p:cNvSpPr>
-            <a:spLocks noGrp="1"/>
-          </p:cNvSpPr>
-          <p:nvPr>
-            <p:ph idx="1"/>
-          </p:nvPr>
-        </p:nvSpPr>
-        <p:spPr>
-          <a:xfrm>
-            <a:off x="838200" y="1825625"/>
-            <a:ext cx="6778752" cy="4351338"/>
-          </a:xfrm>
-        </p:spPr>
-        <p:txBody>
-          <a:bodyPr/>
-          <a:lstStyle/>
-          <a:p>
-            <a:r>
-              <a:rPr lang="en-US" dirty="0"/>
-              <a:t>Jump Lists provide users a graphical indication of recent items accessed by each application</a:t>
-            </a:r>
-          </a:p>
-          <a:p>
-            <a:r>
-              <a:rPr lang="en-US" dirty="0"/>
-              <a:t>Jump Lists are indicative of user activity. </a:t>
-            </a:r>
-          </a:p>
-          <a:p>
-            <a:pPr lvl="1"/>
-            <a:r>
-              <a:rPr lang="en-US" sz="2000" i="1" dirty="0">
-                <a:solidFill>
-                  <a:srgbClr val="7030A0"/>
-                </a:solidFill>
-              </a:rPr>
-              <a:t>\Users\&lt;username&gt;\</a:t>
-            </a:r>
-            <a:r>
-              <a:rPr lang="en-US" sz="2000" i="1" dirty="0" err="1">
-                <a:solidFill>
-                  <a:srgbClr val="7030A0"/>
-                </a:solidFill>
-              </a:rPr>
-              <a:t>AppData</a:t>
-            </a:r>
-            <a:r>
-              <a:rPr lang="en-US" sz="2000" i="1" dirty="0">
-                <a:solidFill>
-                  <a:srgbClr val="7030A0"/>
-                </a:solidFill>
-              </a:rPr>
-              <a:t>\Roaming\Microsoft\Windows\Recent\</a:t>
-            </a:r>
-            <a:r>
-              <a:rPr lang="en-US" sz="2000" i="1" dirty="0" err="1">
-                <a:solidFill>
-                  <a:srgbClr val="7030A0"/>
-                </a:solidFill>
-              </a:rPr>
-              <a:t>CustomDestinations</a:t>
-            </a:r>
-            <a:r>
-              <a:rPr lang="en-US" sz="2000" i="1" dirty="0">
-                <a:solidFill>
-                  <a:srgbClr val="7030A0"/>
-                </a:solidFill>
-              </a:rPr>
-              <a:t>-m</a:t>
-            </a:r>
-          </a:p>
-          <a:p>
-            <a:r>
-              <a:rPr lang="en-US" dirty="0"/>
-              <a:t>The service itself can be configured by the user</a:t>
-            </a:r>
-          </a:p>
-        </p:txBody>
-      </p:sp>
-      <p:pic>
-        <p:nvPicPr>
-          <p:cNvPr id="4" name="Picture 3"/>
-          <p:cNvPicPr>
-            <a:picLocks noChangeAspect="1"/>
-          </p:cNvPicPr>
-          <p:nvPr/>
-        </p:nvPicPr>
-        <p:blipFill>
-          <a:blip r:embed="rId3"/>
-          <a:stretch>
-            <a:fillRect/>
-          </a:stretch>
-        </p:blipFill>
-        <p:spPr>
-          <a:xfrm>
-            <a:off x="8679838" y="1280160"/>
-            <a:ext cx="2243905" cy="5455629"/>
-          </a:xfrm>
-          <a:prstGeom prst="rect">
-            <a:avLst/>
-          </a:prstGeom>
-        </p:spPr>
-      </p:pic>
+              <a:t> E </a:t>
+            </a:r>
+            <a:r>
+              <a:rPr lang="en-US" dirty="0"/>
+              <a:t>drive is a USB/RM#2</a:t>
+            </a:r>
+          </a:p>
+        </p:txBody>
+      </p:sp>
     </p:spTree>
     <p:extLst>
       <p:ext uri="{BB962C8B-B14F-4D97-AF65-F5344CB8AC3E}">
-        <p14:creationId xmlns:p14="http://schemas.microsoft.com/office/powerpoint/2010/main" val="3225960140"/>
-      </p:ext>
-    </p:extLst>
-  </p:cSld>
-  <p:clrMapOvr>
-    <a:masterClrMapping/>
-  </p:clrMapOvr>
-</p:sld>
-</file>
-
-<file path=ppt/slides/slide15.xml><?xml version="1.0" encoding="utf-8"?>
-<p:sld xmlns:a="http://schemas.openxmlformats.org/drawingml/2006/main" xmlns:r="http://schemas.openxmlformats.org/officeDocument/2006/relationships" xmlns:p="http://schemas.openxmlformats.org/presentationml/2006/main">
-  <p:cSld>
-    <p:spTree>
-      <p:nvGrpSpPr>
-        <p:cNvPr id="1" name=""/>
-        <p:cNvGrpSpPr/>
-        <p:nvPr/>
-      </p:nvGrpSpPr>
-      <p:grpSpPr>
-        <a:xfrm>
-          <a:off x="0" y="0"/>
-          <a:ext cx="0" cy="0"/>
-          <a:chOff x="0" y="0"/>
-          <a:chExt cx="0" cy="0"/>
-        </a:xfrm>
-      </p:grpSpPr>
-      <p:pic>
-        <p:nvPicPr>
-          <p:cNvPr id="3" name="Picture 2"/>
-          <p:cNvPicPr>
-            <a:picLocks noChangeAspect="1"/>
-          </p:cNvPicPr>
-          <p:nvPr/>
-        </p:nvPicPr>
-        <p:blipFill>
-          <a:blip r:embed="rId3"/>
-          <a:stretch>
-            <a:fillRect/>
-          </a:stretch>
-        </p:blipFill>
-        <p:spPr>
-          <a:xfrm>
-            <a:off x="612648" y="2161404"/>
-            <a:ext cx="10570464" cy="1318155"/>
-          </a:xfrm>
-          <a:prstGeom prst="rect">
-            <a:avLst/>
-          </a:prstGeom>
-        </p:spPr>
-      </p:pic>
-      <p:sp>
-        <p:nvSpPr>
-          <p:cNvPr id="6" name="TextBox 5"/>
-          <p:cNvSpPr txBox="1"/>
-          <p:nvPr/>
-        </p:nvSpPr>
-        <p:spPr>
-          <a:xfrm>
-            <a:off x="612648" y="1792072"/>
-            <a:ext cx="2801151" cy="369332"/>
-          </a:xfrm>
-          <a:prstGeom prst="rect">
-            <a:avLst/>
-          </a:prstGeom>
-          <a:solidFill>
-            <a:srgbClr val="FFC000"/>
-          </a:solidFill>
-        </p:spPr>
-        <p:txBody>
-          <a:bodyPr wrap="none" rtlCol="0">
-            <a:spAutoFit/>
-          </a:bodyPr>
-          <a:lstStyle/>
-          <a:p>
-            <a:r>
-              <a:rPr lang="en-US" dirty="0"/>
-              <a:t>Download RM#2 DD images</a:t>
-            </a:r>
-          </a:p>
-        </p:txBody>
-      </p:sp>
-      <p:pic>
-        <p:nvPicPr>
-          <p:cNvPr id="8" name="Picture 7"/>
-          <p:cNvPicPr>
-            <a:picLocks noChangeAspect="1"/>
-          </p:cNvPicPr>
-          <p:nvPr/>
-        </p:nvPicPr>
-        <p:blipFill>
-          <a:blip r:embed="rId4"/>
-          <a:stretch>
-            <a:fillRect/>
-          </a:stretch>
-        </p:blipFill>
-        <p:spPr>
-          <a:xfrm>
-            <a:off x="612648" y="3947877"/>
-            <a:ext cx="8664796" cy="1072179"/>
-          </a:xfrm>
-          <a:prstGeom prst="rect">
-            <a:avLst/>
-          </a:prstGeom>
-        </p:spPr>
-      </p:pic>
-    </p:spTree>
-    <p:extLst>
-      <p:ext uri="{BB962C8B-B14F-4D97-AF65-F5344CB8AC3E}">
-        <p14:creationId xmlns:p14="http://schemas.microsoft.com/office/powerpoint/2010/main" val="2694751075"/>
-      </p:ext>
-    </p:extLst>
-  </p:cSld>
-  <p:clrMapOvr>
-    <a:masterClrMapping/>
-  </p:clrMapOvr>
-</p:sld>
-</file>
-
-<file path=ppt/slides/slide16.xml><?xml version="1.0" encoding="utf-8"?>
-<p:sld xmlns:a="http://schemas.openxmlformats.org/drawingml/2006/main" xmlns:r="http://schemas.openxmlformats.org/officeDocument/2006/relationships" xmlns:p="http://schemas.openxmlformats.org/presentationml/2006/main">
-  <p:cSld>
-    <p:spTree>
-      <p:nvGrpSpPr>
-        <p:cNvPr id="1" name=""/>
-        <p:cNvGrpSpPr/>
-        <p:nvPr/>
-      </p:nvGrpSpPr>
-      <p:grpSpPr>
-        <a:xfrm>
-          <a:off x="0" y="0"/>
-          <a:ext cx="0" cy="0"/>
-          <a:chOff x="0" y="0"/>
-          <a:chExt cx="0" cy="0"/>
-        </a:xfrm>
-      </p:grpSpPr>
-      <p:pic>
-        <p:nvPicPr>
-          <p:cNvPr id="3" name="Picture 2"/>
-          <p:cNvPicPr>
-            <a:picLocks noChangeAspect="1"/>
-          </p:cNvPicPr>
-          <p:nvPr/>
-        </p:nvPicPr>
-        <p:blipFill>
-          <a:blip r:embed="rId3"/>
-          <a:stretch>
-            <a:fillRect/>
-          </a:stretch>
-        </p:blipFill>
-        <p:spPr>
-          <a:xfrm>
-            <a:off x="813816" y="1545404"/>
-            <a:ext cx="6729984" cy="1384131"/>
-          </a:xfrm>
-          <a:prstGeom prst="rect">
-            <a:avLst/>
-          </a:prstGeom>
-        </p:spPr>
-      </p:pic>
-      <p:pic>
-        <p:nvPicPr>
-          <p:cNvPr id="4" name="Picture 3"/>
-          <p:cNvPicPr>
-            <a:picLocks noChangeAspect="1"/>
-          </p:cNvPicPr>
-          <p:nvPr/>
-        </p:nvPicPr>
-        <p:blipFill>
-          <a:blip r:embed="rId4"/>
-          <a:stretch>
-            <a:fillRect/>
-          </a:stretch>
-        </p:blipFill>
-        <p:spPr>
-          <a:xfrm>
-            <a:off x="813816" y="3619498"/>
-            <a:ext cx="8824725" cy="1021168"/>
-          </a:xfrm>
-          <a:prstGeom prst="rect">
-            <a:avLst/>
-          </a:prstGeom>
-        </p:spPr>
-      </p:pic>
-      <p:sp>
-        <p:nvSpPr>
-          <p:cNvPr id="5" name="TextBox 4"/>
-          <p:cNvSpPr txBox="1"/>
-          <p:nvPr/>
-        </p:nvSpPr>
-        <p:spPr>
-          <a:xfrm>
-            <a:off x="813816" y="1176072"/>
-            <a:ext cx="2382062" cy="369332"/>
-          </a:xfrm>
-          <a:prstGeom prst="rect">
-            <a:avLst/>
-          </a:prstGeom>
-          <a:solidFill>
-            <a:srgbClr val="FFC000"/>
-          </a:solidFill>
-        </p:spPr>
-        <p:txBody>
-          <a:bodyPr wrap="none" rtlCol="0">
-            <a:spAutoFit/>
-          </a:bodyPr>
-          <a:lstStyle/>
-          <a:p>
-            <a:r>
-              <a:rPr lang="en-US"/>
-              <a:t>unzipped the DD image</a:t>
-            </a:r>
-          </a:p>
-        </p:txBody>
-      </p:sp>
-      <p:sp>
-        <p:nvSpPr>
-          <p:cNvPr id="6" name="TextBox 5"/>
-          <p:cNvSpPr txBox="1"/>
-          <p:nvPr/>
-        </p:nvSpPr>
-        <p:spPr>
-          <a:xfrm>
-            <a:off x="813816" y="3250166"/>
-            <a:ext cx="2979277" cy="369332"/>
-          </a:xfrm>
-          <a:prstGeom prst="rect">
-            <a:avLst/>
-          </a:prstGeom>
-          <a:solidFill>
-            <a:srgbClr val="FFC000"/>
-          </a:solidFill>
-        </p:spPr>
-        <p:txBody>
-          <a:bodyPr wrap="none" rtlCol="0">
-            <a:spAutoFit/>
-          </a:bodyPr>
-          <a:lstStyle/>
-          <a:p>
-            <a:r>
-              <a:rPr lang="en-US"/>
-              <a:t>Verify the unzipped DD image</a:t>
-            </a:r>
-          </a:p>
-        </p:txBody>
-      </p:sp>
-    </p:spTree>
-    <p:extLst>
-      <p:ext uri="{BB962C8B-B14F-4D97-AF65-F5344CB8AC3E}">
-        <p14:creationId xmlns:p14="http://schemas.microsoft.com/office/powerpoint/2010/main" val="3589444918"/>
-      </p:ext>
-    </p:extLst>
-  </p:cSld>
-  <p:clrMapOvr>
-    <a:masterClrMapping/>
-  </p:clrMapOvr>
-</p:sld>
-</file>
-
-<file path=ppt/slides/slide17.xml><?xml version="1.0" encoding="utf-8"?>
-<p:sld xmlns:a="http://schemas.openxmlformats.org/drawingml/2006/main" xmlns:r="http://schemas.openxmlformats.org/officeDocument/2006/relationships" xmlns:p="http://schemas.openxmlformats.org/presentationml/2006/main">
-  <p:cSld>
-    <p:spTree>
-      <p:nvGrpSpPr>
-        <p:cNvPr id="1" name=""/>
-        <p:cNvGrpSpPr/>
-        <p:nvPr/>
-      </p:nvGrpSpPr>
-      <p:grpSpPr>
-        <a:xfrm>
-          <a:off x="0" y="0"/>
-          <a:ext cx="0" cy="0"/>
-          <a:chOff x="0" y="0"/>
-          <a:chExt cx="0" cy="0"/>
-        </a:xfrm>
-      </p:grpSpPr>
-      <p:sp>
-        <p:nvSpPr>
-          <p:cNvPr id="2" name="Title 1"/>
-          <p:cNvSpPr>
-            <a:spLocks noGrp="1"/>
-          </p:cNvSpPr>
-          <p:nvPr>
-            <p:ph type="title"/>
-          </p:nvPr>
-        </p:nvSpPr>
-        <p:spPr/>
-        <p:txBody>
-          <a:bodyPr>
-            <a:normAutofit/>
-          </a:bodyPr>
-          <a:lstStyle/>
-          <a:p>
-            <a:r>
-              <a:rPr lang="en-US" dirty="0"/>
-              <a:t>Analysis Of Jump Lists: </a:t>
-            </a:r>
-            <a:r>
-              <a:rPr lang="en-US" sz="3200" i="1" dirty="0" err="1">
-                <a:solidFill>
-                  <a:srgbClr val="7030A0"/>
-                </a:solidFill>
-              </a:rPr>
-              <a:t>AutomaticDestinations-ms</a:t>
-            </a:r>
-            <a:endParaRPr lang="en-US" i="1" dirty="0">
-              <a:solidFill>
-                <a:srgbClr val="7030A0"/>
-              </a:solidFill>
-            </a:endParaRPr>
-          </a:p>
-        </p:txBody>
-      </p:sp>
-      <p:sp>
-        <p:nvSpPr>
-          <p:cNvPr id="3" name="Content Placeholder 2"/>
-          <p:cNvSpPr>
-            <a:spLocks noGrp="1"/>
-          </p:cNvSpPr>
-          <p:nvPr>
-            <p:ph idx="1"/>
-          </p:nvPr>
-        </p:nvSpPr>
-        <p:spPr>
-          <a:xfrm>
-            <a:off x="838200" y="1825626"/>
-            <a:ext cx="10515600" cy="1544592"/>
-          </a:xfrm>
-        </p:spPr>
-        <p:txBody>
-          <a:bodyPr/>
-          <a:lstStyle/>
-          <a:p>
-            <a:r>
-              <a:rPr lang="en-US" dirty="0"/>
-              <a:t>When a user interacts with the system performing such acts as opening applications or accessing files.</a:t>
-            </a:r>
-          </a:p>
-          <a:p>
-            <a:pPr lvl="1"/>
-            <a:r>
-              <a:rPr lang="en-US" sz="2000" i="1" dirty="0">
-                <a:solidFill>
-                  <a:srgbClr val="7030A0"/>
-                </a:solidFill>
-              </a:rPr>
-              <a:t>\Users\&lt;username&gt;\</a:t>
-            </a:r>
-            <a:r>
-              <a:rPr lang="en-US" sz="2000" i="1" dirty="0" err="1">
-                <a:solidFill>
-                  <a:srgbClr val="7030A0"/>
-                </a:solidFill>
-              </a:rPr>
-              <a:t>AppData</a:t>
-            </a:r>
-            <a:r>
-              <a:rPr lang="en-US" sz="2000" i="1" dirty="0">
-                <a:solidFill>
-                  <a:srgbClr val="7030A0"/>
-                </a:solidFill>
-              </a:rPr>
-              <a:t>\Roaming\Microsoft\Windows\Recent\</a:t>
-            </a:r>
-            <a:r>
-              <a:rPr lang="en-US" sz="2000" i="1" dirty="0" err="1">
-                <a:solidFill>
-                  <a:srgbClr val="7030A0"/>
-                </a:solidFill>
-              </a:rPr>
-              <a:t>AutomaticDestinations-ms</a:t>
-            </a:r>
-            <a:r>
-              <a:rPr lang="en-US" sz="2000" i="1" dirty="0">
-                <a:solidFill>
-                  <a:srgbClr val="7030A0"/>
-                </a:solidFill>
-              </a:rPr>
-              <a:t> </a:t>
-            </a:r>
-          </a:p>
-          <a:p>
-            <a:pPr marL="0" indent="0">
-              <a:buNone/>
-            </a:pPr>
-            <a:endParaRPr lang="en-US" dirty="0"/>
-          </a:p>
-        </p:txBody>
-      </p:sp>
-      <p:pic>
-        <p:nvPicPr>
-          <p:cNvPr id="4" name="Picture 3"/>
-          <p:cNvPicPr>
-            <a:picLocks noChangeAspect="1"/>
-          </p:cNvPicPr>
-          <p:nvPr/>
-        </p:nvPicPr>
-        <p:blipFill>
-          <a:blip r:embed="rId3"/>
-          <a:stretch>
-            <a:fillRect/>
-          </a:stretch>
-        </p:blipFill>
-        <p:spPr>
-          <a:xfrm>
-            <a:off x="401196" y="3814355"/>
-            <a:ext cx="11536978" cy="1463646"/>
-          </a:xfrm>
-          <a:prstGeom prst="rect">
-            <a:avLst/>
-          </a:prstGeom>
-        </p:spPr>
-      </p:pic>
-      <p:sp>
-        <p:nvSpPr>
-          <p:cNvPr id="6" name="TextBox 5">
-            <a:extLst>
-              <a:ext uri="{FF2B5EF4-FFF2-40B4-BE49-F238E27FC236}">
-                <a16:creationId xmlns:a16="http://schemas.microsoft.com/office/drawing/2014/main" id="{DCC82629-2D70-4C74-BA85-98D61B7160D9}"/>
-              </a:ext>
-            </a:extLst>
-          </p:cNvPr>
-          <p:cNvSpPr txBox="1"/>
-          <p:nvPr/>
-        </p:nvSpPr>
-        <p:spPr>
-          <a:xfrm>
-            <a:off x="401196" y="3445023"/>
-            <a:ext cx="5257800" cy="369332"/>
-          </a:xfrm>
-          <a:prstGeom prst="rect">
-            <a:avLst/>
-          </a:prstGeom>
-          <a:solidFill>
-            <a:srgbClr val="FFC000"/>
-          </a:solidFill>
-        </p:spPr>
-        <p:txBody>
-          <a:bodyPr wrap="square" rtlCol="0">
-            <a:spAutoFit/>
-          </a:bodyPr>
-          <a:lstStyle/>
-          <a:p>
-            <a:r>
-              <a:rPr lang="en-US" dirty="0"/>
-              <a:t>List all </a:t>
-            </a:r>
-            <a:r>
-              <a:rPr lang="en-US" i="1" dirty="0" err="1">
-                <a:solidFill>
-                  <a:srgbClr val="7030A0"/>
-                </a:solidFill>
-              </a:rPr>
-              <a:t>AutomaticDestinations-ms</a:t>
-            </a:r>
-            <a:r>
-              <a:rPr lang="en-US" i="1" dirty="0">
-                <a:solidFill>
-                  <a:srgbClr val="7030A0"/>
-                </a:solidFill>
-              </a:rPr>
-              <a:t> </a:t>
-            </a:r>
-            <a:r>
-              <a:rPr lang="en-US" dirty="0"/>
-              <a:t>directories</a:t>
-            </a:r>
-          </a:p>
-        </p:txBody>
-      </p:sp>
-    </p:spTree>
-    <p:extLst>
-      <p:ext uri="{BB962C8B-B14F-4D97-AF65-F5344CB8AC3E}">
-        <p14:creationId xmlns:p14="http://schemas.microsoft.com/office/powerpoint/2010/main" val="61699466"/>
-      </p:ext>
-    </p:extLst>
-  </p:cSld>
-  <p:clrMapOvr>
-    <a:masterClrMapping/>
-  </p:clrMapOvr>
-</p:sld>
-</file>
-
-<file path=ppt/slides/slide18.xml><?xml version="1.0" encoding="utf-8"?>
-<p:sld xmlns:a="http://schemas.openxmlformats.org/drawingml/2006/main" xmlns:r="http://schemas.openxmlformats.org/officeDocument/2006/relationships" xmlns:p="http://schemas.openxmlformats.org/presentationml/2006/main">
-  <p:cSld>
-    <p:spTree>
-      <p:nvGrpSpPr>
-        <p:cNvPr id="1" name=""/>
-        <p:cNvGrpSpPr/>
-        <p:nvPr/>
-      </p:nvGrpSpPr>
-      <p:grpSpPr>
-        <a:xfrm>
-          <a:off x="0" y="0"/>
-          <a:ext cx="0" cy="0"/>
-          <a:chOff x="0" y="0"/>
-          <a:chExt cx="0" cy="0"/>
-        </a:xfrm>
-      </p:grpSpPr>
-      <p:pic>
-        <p:nvPicPr>
-          <p:cNvPr id="4" name="Picture 3"/>
-          <p:cNvPicPr>
-            <a:picLocks noChangeAspect="1"/>
-          </p:cNvPicPr>
-          <p:nvPr/>
-        </p:nvPicPr>
-        <p:blipFill>
-          <a:blip r:embed="rId3"/>
-          <a:stretch>
-            <a:fillRect/>
-          </a:stretch>
-        </p:blipFill>
-        <p:spPr>
-          <a:xfrm>
-            <a:off x="1002146" y="1072713"/>
-            <a:ext cx="9891617" cy="1699407"/>
-          </a:xfrm>
-          <a:prstGeom prst="rect">
-            <a:avLst/>
-          </a:prstGeom>
-        </p:spPr>
-      </p:pic>
-      <p:pic>
-        <p:nvPicPr>
-          <p:cNvPr id="5" name="Picture 4"/>
-          <p:cNvPicPr>
-            <a:picLocks noChangeAspect="1"/>
-          </p:cNvPicPr>
-          <p:nvPr/>
-        </p:nvPicPr>
-        <p:blipFill>
-          <a:blip r:embed="rId4"/>
-          <a:stretch>
-            <a:fillRect/>
-          </a:stretch>
-        </p:blipFill>
-        <p:spPr>
-          <a:xfrm>
-            <a:off x="1002146" y="3021531"/>
-            <a:ext cx="4047757" cy="3286537"/>
-          </a:xfrm>
-          <a:prstGeom prst="rect">
-            <a:avLst/>
-          </a:prstGeom>
-          <a:ln>
-            <a:noFill/>
-          </a:ln>
-          <a:effectLst>
-            <a:outerShdw blurRad="292100" dist="139700" dir="2700000" algn="tl" rotWithShape="0">
-              <a:srgbClr val="333333">
-                <a:alpha val="65000"/>
-              </a:srgbClr>
-            </a:outerShdw>
-          </a:effectLst>
-        </p:spPr>
-      </p:pic>
-      <p:sp>
-        <p:nvSpPr>
-          <p:cNvPr id="6" name="Rectangle 5"/>
-          <p:cNvSpPr/>
-          <p:nvPr/>
-        </p:nvSpPr>
-        <p:spPr>
-          <a:xfrm>
-            <a:off x="5364480" y="3021531"/>
-            <a:ext cx="4659085" cy="646331"/>
-          </a:xfrm>
-          <a:prstGeom prst="rect">
-            <a:avLst/>
-          </a:prstGeom>
-          <a:solidFill>
-            <a:schemeClr val="accent4">
-              <a:lumMod val="20000"/>
-              <a:lumOff val="80000"/>
-            </a:schemeClr>
-          </a:solidFill>
-        </p:spPr>
-        <p:txBody>
-          <a:bodyPr wrap="square">
-            <a:spAutoFit/>
-          </a:bodyPr>
-          <a:lstStyle/>
-          <a:p>
-            <a:r>
-              <a:rPr lang="en-US" i="1" dirty="0">
-                <a:solidFill>
-                  <a:srgbClr val="0082BC"/>
-                </a:solidFill>
-              </a:rPr>
-              <a:t>https://github.com/EricZimmerman/JumpList/blob/master/JumpList/Resources/AppIDs.txt</a:t>
-            </a:r>
-          </a:p>
-        </p:txBody>
-      </p:sp>
-      <p:sp>
-        <p:nvSpPr>
-          <p:cNvPr id="7" name="Rectangle 6"/>
-          <p:cNvSpPr/>
-          <p:nvPr/>
-        </p:nvSpPr>
-        <p:spPr>
-          <a:xfrm>
-            <a:off x="5364480" y="3963326"/>
-            <a:ext cx="5608320" cy="2308324"/>
-          </a:xfrm>
-          <a:prstGeom prst="rect">
-            <a:avLst/>
-          </a:prstGeom>
-          <a:solidFill>
-            <a:schemeClr val="accent4">
-              <a:lumMod val="20000"/>
-              <a:lumOff val="80000"/>
-            </a:schemeClr>
-          </a:solidFill>
-        </p:spPr>
-        <p:txBody>
-          <a:bodyPr wrap="square">
-            <a:spAutoFit/>
-          </a:bodyPr>
-          <a:lstStyle/>
-          <a:p>
-            <a:r>
-              <a:rPr lang="en-US" sz="1200" dirty="0"/>
-              <a:t>28c8b86deab549a1.automaticDestinations-ms = IE8 Pinned and Recent a7bd71699cd38d1c.automaticDestinations-ms = Word 2010 Pinned and Recent adecfb853d77462a.automaticDestinations-ms = Word 2007 Pinned and Recent a8c43ef36da523b1.automaticDestinations-ms = Word 2003 Pinned and Recent 1b4dd67f29cb1962.automaticDestinations-ms = Windows Explorer Pinned and Recent 918e0ecb43d17e23.automaticDestinations-ms = Notepad Pinned and Recent d7528034b5bd6f28.automaticDestinations-ms = Windows Live Mail Pinned and Recent c7a4093872176c74.automaticDestinations-ms = Paint Shop Pro Pinned and Recent b91050d8b077a4e8.automaticDestinations-ms = Media Center f5ac5390b9115fdb.automaticDestinations-ms = PowerPoint 2007 23646679aaccfae0.automaticDestinations-ms = Adobe Reader 9 aff2ffdd0862ff5c.automaticDestinations-ms = Visual Studio 2012</a:t>
-            </a:r>
-          </a:p>
-        </p:txBody>
-      </p:sp>
-      <p:sp>
-        <p:nvSpPr>
-          <p:cNvPr id="8" name="TextBox 7">
-            <a:extLst>
-              <a:ext uri="{FF2B5EF4-FFF2-40B4-BE49-F238E27FC236}">
-                <a16:creationId xmlns:a16="http://schemas.microsoft.com/office/drawing/2014/main" id="{DCC82629-2D70-4C74-BA85-98D61B7160D9}"/>
-              </a:ext>
-            </a:extLst>
-          </p:cNvPr>
-          <p:cNvSpPr txBox="1"/>
-          <p:nvPr/>
-        </p:nvSpPr>
-        <p:spPr>
-          <a:xfrm>
-            <a:off x="1002146" y="703381"/>
-            <a:ext cx="5257800" cy="369332"/>
-          </a:xfrm>
-          <a:prstGeom prst="rect">
-            <a:avLst/>
-          </a:prstGeom>
-          <a:solidFill>
-            <a:srgbClr val="FFC000"/>
-          </a:solidFill>
-        </p:spPr>
-        <p:txBody>
-          <a:bodyPr wrap="square" rtlCol="0">
-            <a:spAutoFit/>
-          </a:bodyPr>
-          <a:lstStyle/>
-          <a:p>
-            <a:r>
-              <a:rPr lang="en-US" dirty="0"/>
-              <a:t>List informant’s </a:t>
-            </a:r>
-            <a:r>
-              <a:rPr lang="en-US" i="1" dirty="0" err="1">
-                <a:solidFill>
-                  <a:srgbClr val="7030A0"/>
-                </a:solidFill>
-              </a:rPr>
-              <a:t>AutomaticDestinations-ms</a:t>
-            </a:r>
-            <a:endParaRPr lang="en-US" dirty="0"/>
-          </a:p>
-        </p:txBody>
-      </p:sp>
-    </p:spTree>
-    <p:extLst>
-      <p:ext uri="{BB962C8B-B14F-4D97-AF65-F5344CB8AC3E}">
-        <p14:creationId xmlns:p14="http://schemas.microsoft.com/office/powerpoint/2010/main" val="1821243565"/>
-      </p:ext>
-    </p:extLst>
-  </p:cSld>
-  <p:clrMapOvr>
-    <a:masterClrMapping/>
-  </p:clrMapOvr>
-</p:sld>
-</file>
-
-<file path=ppt/slides/slide19.xml><?xml version="1.0" encoding="utf-8"?>
-<p:sld xmlns:a="http://schemas.openxmlformats.org/drawingml/2006/main" xmlns:r="http://schemas.openxmlformats.org/officeDocument/2006/relationships" xmlns:p="http://schemas.openxmlformats.org/presentationml/2006/main">
-  <p:cSld>
-    <p:spTree>
-      <p:nvGrpSpPr>
-        <p:cNvPr id="1" name=""/>
-        <p:cNvGrpSpPr/>
-        <p:nvPr/>
-      </p:nvGrpSpPr>
-      <p:grpSpPr>
-        <a:xfrm>
-          <a:off x="0" y="0"/>
-          <a:ext cx="0" cy="0"/>
-          <a:chOff x="0" y="0"/>
-          <a:chExt cx="0" cy="0"/>
-        </a:xfrm>
-      </p:grpSpPr>
-      <p:pic>
-        <p:nvPicPr>
-          <p:cNvPr id="2" name="Picture 1"/>
-          <p:cNvPicPr>
-            <a:picLocks noChangeAspect="1"/>
-          </p:cNvPicPr>
-          <p:nvPr/>
-        </p:nvPicPr>
-        <p:blipFill>
-          <a:blip r:embed="rId3"/>
-          <a:stretch>
-            <a:fillRect/>
-          </a:stretch>
-        </p:blipFill>
-        <p:spPr>
-          <a:xfrm>
-            <a:off x="1224243" y="1303499"/>
-            <a:ext cx="9220999" cy="1516511"/>
-          </a:xfrm>
-          <a:prstGeom prst="rect">
-            <a:avLst/>
-          </a:prstGeom>
-        </p:spPr>
-      </p:pic>
-      <p:pic>
-        <p:nvPicPr>
-          <p:cNvPr id="3" name="Picture 2"/>
-          <p:cNvPicPr>
-            <a:picLocks noChangeAspect="1"/>
-          </p:cNvPicPr>
-          <p:nvPr/>
-        </p:nvPicPr>
-        <p:blipFill>
-          <a:blip r:embed="rId4"/>
-          <a:stretch>
-            <a:fillRect/>
-          </a:stretch>
-        </p:blipFill>
-        <p:spPr>
-          <a:xfrm>
-            <a:off x="1224243" y="3752799"/>
-            <a:ext cx="9144792" cy="1181202"/>
-          </a:xfrm>
-          <a:prstGeom prst="rect">
-            <a:avLst/>
-          </a:prstGeom>
-        </p:spPr>
-      </p:pic>
-      <p:sp>
-        <p:nvSpPr>
-          <p:cNvPr id="4" name="TextBox 3">
-            <a:extLst>
-              <a:ext uri="{FF2B5EF4-FFF2-40B4-BE49-F238E27FC236}">
-                <a16:creationId xmlns:a16="http://schemas.microsoft.com/office/drawing/2014/main" id="{DCC82629-2D70-4C74-BA85-98D61B7160D9}"/>
-              </a:ext>
-            </a:extLst>
-          </p:cNvPr>
-          <p:cNvSpPr txBox="1"/>
-          <p:nvPr/>
-        </p:nvSpPr>
-        <p:spPr>
-          <a:xfrm>
-            <a:off x="1224243" y="3383467"/>
-            <a:ext cx="5257800" cy="369332"/>
-          </a:xfrm>
-          <a:prstGeom prst="rect">
-            <a:avLst/>
-          </a:prstGeom>
-          <a:solidFill>
-            <a:srgbClr val="FFC000"/>
-          </a:solidFill>
-        </p:spPr>
-        <p:txBody>
-          <a:bodyPr wrap="square" rtlCol="0">
-            <a:spAutoFit/>
-          </a:bodyPr>
-          <a:lstStyle/>
-          <a:p>
-            <a:r>
-              <a:rPr lang="en-US" dirty="0"/>
-              <a:t>Determine </a:t>
-            </a:r>
-            <a:r>
-              <a:rPr lang="en-US" i="1" dirty="0" err="1">
-                <a:solidFill>
-                  <a:srgbClr val="7030A0"/>
-                </a:solidFill>
-              </a:rPr>
-              <a:t>AutomaticDestinations-ms</a:t>
-            </a:r>
-            <a:r>
-              <a:rPr lang="en-US" i="1" dirty="0">
-                <a:solidFill>
-                  <a:srgbClr val="7030A0"/>
-                </a:solidFill>
-              </a:rPr>
-              <a:t> </a:t>
-            </a:r>
-            <a:r>
-              <a:rPr lang="en-US" dirty="0"/>
-              <a:t>file format</a:t>
-            </a:r>
-          </a:p>
-        </p:txBody>
-      </p:sp>
-      <p:sp>
-        <p:nvSpPr>
-          <p:cNvPr id="5" name="TextBox 4">
-            <a:extLst>
-              <a:ext uri="{FF2B5EF4-FFF2-40B4-BE49-F238E27FC236}">
-                <a16:creationId xmlns:a16="http://schemas.microsoft.com/office/drawing/2014/main" id="{DCC82629-2D70-4C74-BA85-98D61B7160D9}"/>
-              </a:ext>
-            </a:extLst>
-          </p:cNvPr>
-          <p:cNvSpPr txBox="1"/>
-          <p:nvPr/>
-        </p:nvSpPr>
-        <p:spPr>
-          <a:xfrm>
-            <a:off x="1224242" y="934167"/>
-            <a:ext cx="6239003" cy="369332"/>
-          </a:xfrm>
-          <a:prstGeom prst="rect">
-            <a:avLst/>
-          </a:prstGeom>
-          <a:solidFill>
-            <a:srgbClr val="FFC000"/>
-          </a:solidFill>
-        </p:spPr>
-        <p:txBody>
-          <a:bodyPr wrap="square" rtlCol="0">
-            <a:spAutoFit/>
-          </a:bodyPr>
-          <a:lstStyle/>
-          <a:p>
-            <a:r>
-              <a:rPr lang="en-US" dirty="0"/>
-              <a:t>Copy one </a:t>
-            </a:r>
-            <a:r>
-              <a:rPr lang="en-US" i="1" dirty="0" err="1">
-                <a:solidFill>
-                  <a:srgbClr val="7030A0"/>
-                </a:solidFill>
-              </a:rPr>
-              <a:t>AutomaticDestinations-ms</a:t>
-            </a:r>
-            <a:r>
-              <a:rPr lang="en-US" i="1" dirty="0">
-                <a:solidFill>
-                  <a:srgbClr val="7030A0"/>
-                </a:solidFill>
-              </a:rPr>
-              <a:t> </a:t>
-            </a:r>
-            <a:r>
-              <a:rPr lang="en-US" dirty="0"/>
-              <a:t>to the current directory</a:t>
-            </a:r>
-          </a:p>
-        </p:txBody>
-      </p:sp>
-    </p:spTree>
-    <p:extLst>
-      <p:ext uri="{BB962C8B-B14F-4D97-AF65-F5344CB8AC3E}">
-        <p14:creationId xmlns:p14="http://schemas.microsoft.com/office/powerpoint/2010/main" val="2564732783"/>
+        <p14:creationId xmlns:p14="http://schemas.microsoft.com/office/powerpoint/2010/main" val="2092135752"/>
       </p:ext>
     </p:extLst>
   </p:cSld>
@@ -9642,7 +11317,13 @@
       </p:grpSpPr>
       <p:sp>
         <p:nvSpPr>
-          <p:cNvPr id="2" name="Title 1"/>
+          <p:cNvPr id="2" name="Title 1">
+            <a:extLst>
+              <a:ext uri="{FF2B5EF4-FFF2-40B4-BE49-F238E27FC236}">
+                <a16:creationId xmlns:a16="http://schemas.microsoft.com/office/drawing/2014/main" id="{FF14DE0E-73EE-439A-B697-9565C9CC5746}"/>
+              </a:ext>
+            </a:extLst>
+          </p:cNvPr>
           <p:cNvSpPr>
             <a:spLocks noGrp="1"/>
           </p:cNvSpPr>
@@ -9652,140 +11333,99 @@
         </p:nvSpPr>
         <p:spPr/>
         <p:txBody>
-          <a:bodyPr>
-            <a:normAutofit/>
-          </a:bodyPr>
-          <a:lstStyle/>
-          <a:p>
-            <a:r>
-              <a:rPr lang="en-US" dirty="0"/>
-              <a:t>Analysis Of Jump Lists: </a:t>
-            </a:r>
-            <a:r>
-              <a:rPr lang="en-US" sz="3200" i="1" dirty="0" err="1">
+          <a:bodyPr/>
+          <a:lstStyle/>
+          <a:p>
+            <a:r>
+              <a:rPr lang="en-US" dirty="0">
                 <a:solidFill>
-                  <a:srgbClr val="7030A0"/>
+                  <a:srgbClr val="FF0000"/>
                 </a:solidFill>
               </a:rPr>
-              <a:t>CustomDestinations-ms</a:t>
-            </a:r>
-            <a:endParaRPr lang="en-US" sz="3200" i="1" dirty="0">
-              <a:solidFill>
-                <a:srgbClr val="7030A0"/>
-              </a:solidFill>
-            </a:endParaRPr>
-          </a:p>
-        </p:txBody>
-      </p:sp>
-      <p:sp>
-        <p:nvSpPr>
-          <p:cNvPr id="3" name="Content Placeholder 2"/>
-          <p:cNvSpPr>
-            <a:spLocks noGrp="1"/>
-          </p:cNvSpPr>
-          <p:nvPr>
-            <p:ph idx="1"/>
-          </p:nvPr>
-        </p:nvSpPr>
-        <p:spPr/>
-        <p:txBody>
-          <a:bodyPr/>
-          <a:lstStyle/>
-          <a:p>
-            <a:r>
-              <a:rPr lang="en-US" i="1" dirty="0" err="1">
+              <a:t>26. </a:t>
+            </a:r>
+            <a:r>
+              <a:rPr lang="en-US" dirty="0"/>
+              <a:t>List all </a:t>
+            </a:r>
+            <a:r>
+              <a:rPr lang="en-US" dirty="0">
                 <a:solidFill>
-                  <a:srgbClr val="0082BC"/>
+                  <a:srgbClr val="FF0000"/>
                 </a:solidFill>
               </a:rPr>
-              <a:t>CustomDestinations-ms</a:t>
-            </a:r>
-            <a:endParaRPr lang="en-US" i="1" dirty="0">
-              <a:solidFill>
-                <a:srgbClr val="0082BC"/>
-              </a:solidFill>
-            </a:endParaRPr>
+              <a:t>files</a:t>
+            </a:r>
+            <a:r>
+              <a:rPr lang="en-US" dirty="0"/>
+              <a:t> that were opened in ‘RM#2’.</a:t>
+            </a:r>
+          </a:p>
+        </p:txBody>
+      </p:sp>
+      <p:sp>
+        <p:nvSpPr>
+          <p:cNvPr id="3" name="Content Placeholder 2">
+            <a:extLst>
+              <a:ext uri="{FF2B5EF4-FFF2-40B4-BE49-F238E27FC236}">
+                <a16:creationId xmlns:a16="http://schemas.microsoft.com/office/drawing/2014/main" id="{930DED48-1F33-42F5-9B37-E9EC2C8E5F45}"/>
+              </a:ext>
+            </a:extLst>
+          </p:cNvPr>
+          <p:cNvSpPr>
+            <a:spLocks noGrp="1"/>
+          </p:cNvSpPr>
+          <p:nvPr>
+            <p:ph idx="1"/>
+          </p:nvPr>
+        </p:nvSpPr>
+        <p:spPr/>
+        <p:txBody>
+          <a:bodyPr/>
+          <a:lstStyle/>
+          <a:p>
+            <a:r>
+              <a:rPr lang="en-US" dirty="0"/>
+              <a:t>What is Jump Lists?</a:t>
+            </a:r>
+          </a:p>
+          <a:p>
+            <a:r>
+              <a:rPr lang="en-US" dirty="0"/>
+              <a:t>Download RM#2 </a:t>
+            </a:r>
           </a:p>
           <a:p>
             <a:pPr lvl="1"/>
             <a:r>
-              <a:rPr lang="en-US" dirty="0"/>
-              <a:t>when a user “pins” a file to the Start Menu or Task Bar</a:t>
-            </a:r>
-          </a:p>
-          <a:p>
-            <a:pPr lvl="1"/>
-            <a:r>
-              <a:rPr lang="en-US" sz="2000" i="1" dirty="0">
-                <a:solidFill>
-                  <a:srgbClr val="7030A0"/>
-                </a:solidFill>
-              </a:rPr>
-              <a:t>\Users\&lt;username&gt;\</a:t>
-            </a:r>
-            <a:r>
-              <a:rPr lang="en-US" sz="2000" i="1" dirty="0" err="1">
-                <a:solidFill>
-                  <a:srgbClr val="7030A0"/>
-                </a:solidFill>
-              </a:rPr>
-              <a:t>AppData</a:t>
-            </a:r>
-            <a:r>
-              <a:rPr lang="en-US" sz="2000" i="1" dirty="0">
-                <a:solidFill>
-                  <a:srgbClr val="7030A0"/>
-                </a:solidFill>
-              </a:rPr>
-              <a:t>\Roaming\Microsoft\Windows\Recent\</a:t>
-            </a:r>
-            <a:r>
-              <a:rPr lang="en-US" sz="2000" i="1" dirty="0" err="1">
-                <a:solidFill>
-                  <a:srgbClr val="7030A0"/>
-                </a:solidFill>
-              </a:rPr>
-              <a:t>CustomDestinations-ms</a:t>
-            </a:r>
-            <a:endParaRPr lang="en-US" sz="2000" i="1" dirty="0">
-              <a:solidFill>
-                <a:srgbClr val="7030A0"/>
-              </a:solidFill>
-            </a:endParaRPr>
-          </a:p>
-          <a:p>
+              <a:rPr lang="en-US"/>
+              <a:t>optional</a:t>
+            </a:r>
+            <a:r>
+              <a:rPr lang="en-US" dirty="0"/>
+              <a:t>, only for </a:t>
+            </a:r>
+            <a:r>
+              <a:rPr lang="en-US"/>
+              <a:t>verification purpose</a:t>
+            </a:r>
             <a:endParaRPr lang="en-US" dirty="0"/>
           </a:p>
-        </p:txBody>
-      </p:sp>
-      <p:pic>
-        <p:nvPicPr>
-          <p:cNvPr id="6" name="Picture 5"/>
-          <p:cNvPicPr>
-            <a:picLocks noChangeAspect="1"/>
-          </p:cNvPicPr>
-          <p:nvPr/>
-        </p:nvPicPr>
-        <p:blipFill>
-          <a:blip r:embed="rId3"/>
-          <a:stretch>
-            <a:fillRect/>
-          </a:stretch>
-        </p:blipFill>
-        <p:spPr>
-          <a:xfrm>
-            <a:off x="838200" y="3494779"/>
-            <a:ext cx="10532555" cy="1948078"/>
-          </a:xfrm>
-          <a:prstGeom prst="rect">
-            <a:avLst/>
-          </a:prstGeom>
-        </p:spPr>
-      </p:pic>
+          <a:p>
+            <a:r>
+              <a:rPr lang="en-US" dirty="0"/>
+              <a:t>Analysis of Jump Lists</a:t>
+            </a:r>
+          </a:p>
+          <a:p>
+            <a:endParaRPr lang="en-US" dirty="0"/>
+          </a:p>
+        </p:txBody>
+      </p:sp>
     </p:spTree>
     <p:extLst>
       <p:ext uri="{BB962C8B-B14F-4D97-AF65-F5344CB8AC3E}">
-        <p14:creationId xmlns:p14="http://schemas.microsoft.com/office/powerpoint/2010/main" val="4111426482"/>
+        <p14:creationId xmlns:p14="http://schemas.microsoft.com/office/powerpoint/2010/main" val="4165059793"/>
       </p:ext>
     </p:extLst>
   </p:cSld>
@@ -9829,6 +11469,1472 @@
           <a:p>
             <a:r>
               <a:rPr lang="en-US" dirty="0"/>
+              <a:t>What is Jump Lists?</a:t>
+            </a:r>
+          </a:p>
+        </p:txBody>
+      </p:sp>
+      <p:sp>
+        <p:nvSpPr>
+          <p:cNvPr id="3" name="Content Placeholder 2"/>
+          <p:cNvSpPr>
+            <a:spLocks noGrp="1"/>
+          </p:cNvSpPr>
+          <p:nvPr>
+            <p:ph idx="1"/>
+          </p:nvPr>
+        </p:nvSpPr>
+        <p:spPr>
+          <a:xfrm>
+            <a:off x="838199" y="1825625"/>
+            <a:ext cx="9429427" cy="4351338"/>
+          </a:xfrm>
+        </p:spPr>
+        <p:txBody>
+          <a:bodyPr>
+            <a:normAutofit/>
+          </a:bodyPr>
+          <a:lstStyle/>
+          <a:p>
+            <a:r>
+              <a:rPr lang="en-GB" dirty="0"/>
+              <a:t>Allow users “jump” directly to recently </a:t>
+            </a:r>
+            <a:r>
+              <a:rPr lang="en-GB" dirty="0">
+                <a:solidFill>
+                  <a:srgbClr val="FF0000"/>
+                </a:solidFill>
+              </a:rPr>
+              <a:t>opened</a:t>
+            </a:r>
+            <a:r>
+              <a:rPr lang="en-GB" dirty="0"/>
+              <a:t> files and folders</a:t>
+            </a:r>
+          </a:p>
+          <a:p>
+            <a:pPr lvl="1"/>
+            <a:r>
+              <a:rPr lang="en-US" dirty="0"/>
+              <a:t>Provide users a graphical indication of recent items accessed by each application</a:t>
+            </a:r>
+          </a:p>
+          <a:p>
+            <a:r>
+              <a:rPr lang="en-GB" dirty="0"/>
+              <a:t>Created by </a:t>
+            </a:r>
+            <a:r>
+              <a:rPr lang="en-GB" i="1" dirty="0">
+                <a:solidFill>
+                  <a:srgbClr val="7030A0"/>
+                </a:solidFill>
+              </a:rPr>
+              <a:t>software applications </a:t>
+            </a:r>
+            <a:r>
+              <a:rPr lang="en-GB" dirty="0"/>
+              <a:t>or </a:t>
+            </a:r>
+            <a:r>
+              <a:rPr lang="en-GB" i="1" dirty="0">
+                <a:solidFill>
+                  <a:srgbClr val="7030A0"/>
+                </a:solidFill>
+              </a:rPr>
+              <a:t>OS</a:t>
+            </a:r>
+            <a:endParaRPr lang="en-US" dirty="0">
+              <a:solidFill>
+                <a:srgbClr val="FF0000"/>
+              </a:solidFill>
+            </a:endParaRPr>
+          </a:p>
+          <a:p>
+            <a:pPr lvl="1"/>
+            <a:r>
+              <a:rPr lang="en-GB" dirty="0"/>
+              <a:t>group them as per application basis within user’s profile</a:t>
+            </a:r>
+          </a:p>
+          <a:p>
+            <a:r>
+              <a:rPr lang="en-GB" dirty="0"/>
+              <a:t>Provide more information than MRU</a:t>
+            </a:r>
+            <a:endParaRPr lang="en-US" dirty="0"/>
+          </a:p>
+          <a:p>
+            <a:r>
+              <a:rPr lang="en-US" dirty="0"/>
+              <a:t>Windows 7+</a:t>
+            </a:r>
+          </a:p>
+          <a:p>
+            <a:pPr lvl="1"/>
+            <a:r>
+              <a:rPr lang="en-US" dirty="0"/>
+              <a:t>The service itself can be configured by the user</a:t>
+            </a:r>
+          </a:p>
+        </p:txBody>
+      </p:sp>
+    </p:spTree>
+    <p:extLst>
+      <p:ext uri="{BB962C8B-B14F-4D97-AF65-F5344CB8AC3E}">
+        <p14:creationId xmlns:p14="http://schemas.microsoft.com/office/powerpoint/2010/main" val="3308752769"/>
+      </p:ext>
+    </p:extLst>
+  </p:cSld>
+  <p:clrMapOvr>
+    <a:masterClrMapping/>
+  </p:clrMapOvr>
+</p:sld>
+</file>
+
+<file path=ppt/slides/slide22.xml><?xml version="1.0" encoding="utf-8"?>
+<p:sld xmlns:a="http://schemas.openxmlformats.org/drawingml/2006/main" xmlns:r="http://schemas.openxmlformats.org/officeDocument/2006/relationships" xmlns:p="http://schemas.openxmlformats.org/presentationml/2006/main">
+  <p:cSld>
+    <p:spTree>
+      <p:nvGrpSpPr>
+        <p:cNvPr id="1" name=""/>
+        <p:cNvGrpSpPr/>
+        <p:nvPr/>
+      </p:nvGrpSpPr>
+      <p:grpSpPr>
+        <a:xfrm>
+          <a:off x="0" y="0"/>
+          <a:ext cx="0" cy="0"/>
+          <a:chOff x="0" y="0"/>
+          <a:chExt cx="0" cy="0"/>
+        </a:xfrm>
+      </p:grpSpPr>
+      <p:sp>
+        <p:nvSpPr>
+          <p:cNvPr id="2" name="Title 1"/>
+          <p:cNvSpPr>
+            <a:spLocks noGrp="1"/>
+          </p:cNvSpPr>
+          <p:nvPr>
+            <p:ph type="title"/>
+          </p:nvPr>
+        </p:nvSpPr>
+        <p:spPr/>
+        <p:txBody>
+          <a:bodyPr/>
+          <a:lstStyle/>
+          <a:p>
+            <a:r>
+              <a:rPr lang="en-US" dirty="0"/>
+              <a:t>Types of Jump Lists</a:t>
+            </a:r>
+          </a:p>
+        </p:txBody>
+      </p:sp>
+      <p:sp>
+        <p:nvSpPr>
+          <p:cNvPr id="3" name="Content Placeholder 2"/>
+          <p:cNvSpPr>
+            <a:spLocks noGrp="1"/>
+          </p:cNvSpPr>
+          <p:nvPr>
+            <p:ph idx="1"/>
+          </p:nvPr>
+        </p:nvSpPr>
+        <p:spPr>
+          <a:xfrm>
+            <a:off x="838199" y="1825625"/>
+            <a:ext cx="7089183" cy="4351338"/>
+          </a:xfrm>
+        </p:spPr>
+        <p:txBody>
+          <a:bodyPr/>
+          <a:lstStyle/>
+          <a:p>
+            <a:r>
+              <a:rPr lang="en-US" dirty="0"/>
+              <a:t>Created by software applications</a:t>
+            </a:r>
+          </a:p>
+          <a:p>
+            <a:pPr lvl="1"/>
+            <a:r>
+              <a:rPr lang="en-US" i="1" dirty="0">
+                <a:solidFill>
+                  <a:srgbClr val="7030A0"/>
+                </a:solidFill>
+              </a:rPr>
+              <a:t>\Users\&lt;username&gt;\</a:t>
+            </a:r>
+            <a:r>
+              <a:rPr lang="en-US" i="1" dirty="0" err="1">
+                <a:solidFill>
+                  <a:srgbClr val="7030A0"/>
+                </a:solidFill>
+              </a:rPr>
+              <a:t>AppData</a:t>
+            </a:r>
+            <a:r>
+              <a:rPr lang="en-US" i="1" dirty="0">
+                <a:solidFill>
+                  <a:srgbClr val="7030A0"/>
+                </a:solidFill>
+              </a:rPr>
+              <a:t>\Roaming\Microsoft\Windows\Recent\</a:t>
+            </a:r>
+            <a:r>
+              <a:rPr lang="en-US" i="1" dirty="0" err="1">
+                <a:solidFill>
+                  <a:srgbClr val="7030A0"/>
+                </a:solidFill>
+              </a:rPr>
+              <a:t>CustomDestinations</a:t>
+            </a:r>
+            <a:r>
+              <a:rPr lang="en-US" i="1" dirty="0">
+                <a:solidFill>
+                  <a:srgbClr val="7030A0"/>
+                </a:solidFill>
+              </a:rPr>
+              <a:t>-m</a:t>
+            </a:r>
+          </a:p>
+          <a:p>
+            <a:r>
+              <a:rPr lang="en-GB" dirty="0"/>
+              <a:t>Created by Windows OS </a:t>
+            </a:r>
+          </a:p>
+          <a:p>
+            <a:pPr lvl="1"/>
+            <a:r>
+              <a:rPr lang="en-US" sz="2400" i="1" dirty="0">
+                <a:solidFill>
+                  <a:srgbClr val="7030A0"/>
+                </a:solidFill>
+              </a:rPr>
+              <a:t>\Users\&lt;username&gt;\</a:t>
+            </a:r>
+            <a:r>
+              <a:rPr lang="en-US" sz="2400" i="1" dirty="0" err="1">
+                <a:solidFill>
+                  <a:srgbClr val="7030A0"/>
+                </a:solidFill>
+              </a:rPr>
+              <a:t>AppData</a:t>
+            </a:r>
+            <a:r>
+              <a:rPr lang="en-US" sz="2400" i="1" dirty="0">
+                <a:solidFill>
+                  <a:srgbClr val="7030A0"/>
+                </a:solidFill>
+              </a:rPr>
+              <a:t>\Roaming\Microsoft\Windows\Recent\</a:t>
+            </a:r>
+            <a:r>
+              <a:rPr lang="en-US" sz="2400" i="1" dirty="0" err="1">
+                <a:solidFill>
+                  <a:srgbClr val="7030A0"/>
+                </a:solidFill>
+              </a:rPr>
+              <a:t>AutomaticDestinations-ms</a:t>
+            </a:r>
+            <a:r>
+              <a:rPr lang="en-US" sz="2400" i="1" dirty="0">
+                <a:solidFill>
+                  <a:srgbClr val="7030A0"/>
+                </a:solidFill>
+              </a:rPr>
+              <a:t> </a:t>
+            </a:r>
+          </a:p>
+          <a:p>
+            <a:pPr lvl="1"/>
+            <a:endParaRPr lang="en-US" dirty="0"/>
+          </a:p>
+        </p:txBody>
+      </p:sp>
+      <p:pic>
+        <p:nvPicPr>
+          <p:cNvPr id="4" name="Picture 3"/>
+          <p:cNvPicPr>
+            <a:picLocks noChangeAspect="1"/>
+          </p:cNvPicPr>
+          <p:nvPr/>
+        </p:nvPicPr>
+        <p:blipFill>
+          <a:blip r:embed="rId3"/>
+          <a:stretch>
+            <a:fillRect/>
+          </a:stretch>
+        </p:blipFill>
+        <p:spPr>
+          <a:xfrm>
+            <a:off x="8679838" y="1280160"/>
+            <a:ext cx="2243905" cy="5455629"/>
+          </a:xfrm>
+          <a:prstGeom prst="rect">
+            <a:avLst/>
+          </a:prstGeom>
+        </p:spPr>
+      </p:pic>
+      <p:cxnSp>
+        <p:nvCxnSpPr>
+          <p:cNvPr id="6" name="Straight Arrow Connector 5">
+            <a:extLst>
+              <a:ext uri="{FF2B5EF4-FFF2-40B4-BE49-F238E27FC236}">
+                <a16:creationId xmlns:a16="http://schemas.microsoft.com/office/drawing/2014/main" id="{011D61ED-EF56-47AB-9703-CDCE59FCD30D}"/>
+              </a:ext>
+            </a:extLst>
+          </p:cNvPr>
+          <p:cNvCxnSpPr>
+            <a:cxnSpLocks/>
+          </p:cNvCxnSpPr>
+          <p:nvPr/>
+        </p:nvCxnSpPr>
+        <p:spPr>
+          <a:xfrm>
+            <a:off x="7183464" y="2712203"/>
+            <a:ext cx="3425126" cy="1022889"/>
+          </a:xfrm>
+          <a:prstGeom prst="straightConnector1">
+            <a:avLst/>
+          </a:prstGeom>
+          <a:ln>
+            <a:tailEnd type="triangle"/>
+          </a:ln>
+        </p:spPr>
+        <p:style>
+          <a:lnRef idx="1">
+            <a:schemeClr val="accent2"/>
+          </a:lnRef>
+          <a:fillRef idx="0">
+            <a:schemeClr val="accent2"/>
+          </a:fillRef>
+          <a:effectRef idx="0">
+            <a:schemeClr val="accent2"/>
+          </a:effectRef>
+          <a:fontRef idx="minor">
+            <a:schemeClr val="tx1"/>
+          </a:fontRef>
+        </p:style>
+      </p:cxnSp>
+    </p:spTree>
+    <p:extLst>
+      <p:ext uri="{BB962C8B-B14F-4D97-AF65-F5344CB8AC3E}">
+        <p14:creationId xmlns:p14="http://schemas.microsoft.com/office/powerpoint/2010/main" val="3225960140"/>
+      </p:ext>
+    </p:extLst>
+  </p:cSld>
+  <p:clrMapOvr>
+    <a:masterClrMapping/>
+  </p:clrMapOvr>
+</p:sld>
+</file>
+
+<file path=ppt/slides/slide23.xml><?xml version="1.0" encoding="utf-8"?>
+<p:sld xmlns:a="http://schemas.openxmlformats.org/drawingml/2006/main" xmlns:r="http://schemas.openxmlformats.org/officeDocument/2006/relationships" xmlns:p="http://schemas.openxmlformats.org/presentationml/2006/main">
+  <p:cSld>
+    <p:spTree>
+      <p:nvGrpSpPr>
+        <p:cNvPr id="1" name=""/>
+        <p:cNvGrpSpPr/>
+        <p:nvPr/>
+      </p:nvGrpSpPr>
+      <p:grpSpPr>
+        <a:xfrm>
+          <a:off x="0" y="0"/>
+          <a:ext cx="0" cy="0"/>
+          <a:chOff x="0" y="0"/>
+          <a:chExt cx="0" cy="0"/>
+        </a:xfrm>
+      </p:grpSpPr>
+      <p:pic>
+        <p:nvPicPr>
+          <p:cNvPr id="3" name="Picture 2"/>
+          <p:cNvPicPr>
+            <a:picLocks noChangeAspect="1"/>
+          </p:cNvPicPr>
+          <p:nvPr/>
+        </p:nvPicPr>
+        <p:blipFill>
+          <a:blip r:embed="rId3"/>
+          <a:stretch>
+            <a:fillRect/>
+          </a:stretch>
+        </p:blipFill>
+        <p:spPr>
+          <a:xfrm>
+            <a:off x="838200" y="2394767"/>
+            <a:ext cx="10570464" cy="1318155"/>
+          </a:xfrm>
+          <a:prstGeom prst="rect">
+            <a:avLst/>
+          </a:prstGeom>
+        </p:spPr>
+      </p:pic>
+      <p:sp>
+        <p:nvSpPr>
+          <p:cNvPr id="6" name="TextBox 5"/>
+          <p:cNvSpPr txBox="1"/>
+          <p:nvPr/>
+        </p:nvSpPr>
+        <p:spPr>
+          <a:xfrm>
+            <a:off x="838200" y="2025435"/>
+            <a:ext cx="2801151" cy="369332"/>
+          </a:xfrm>
+          <a:prstGeom prst="rect">
+            <a:avLst/>
+          </a:prstGeom>
+          <a:solidFill>
+            <a:srgbClr val="FFC000"/>
+          </a:solidFill>
+        </p:spPr>
+        <p:txBody>
+          <a:bodyPr wrap="none" rtlCol="0">
+            <a:spAutoFit/>
+          </a:bodyPr>
+          <a:lstStyle/>
+          <a:p>
+            <a:r>
+              <a:rPr lang="en-US" dirty="0"/>
+              <a:t>Download RM#2 DD images</a:t>
+            </a:r>
+          </a:p>
+        </p:txBody>
+      </p:sp>
+      <p:pic>
+        <p:nvPicPr>
+          <p:cNvPr id="8" name="Picture 7"/>
+          <p:cNvPicPr>
+            <a:picLocks noChangeAspect="1"/>
+          </p:cNvPicPr>
+          <p:nvPr/>
+        </p:nvPicPr>
+        <p:blipFill>
+          <a:blip r:embed="rId4"/>
+          <a:stretch>
+            <a:fillRect/>
+          </a:stretch>
+        </p:blipFill>
+        <p:spPr>
+          <a:xfrm>
+            <a:off x="838200" y="4181240"/>
+            <a:ext cx="8664796" cy="1072179"/>
+          </a:xfrm>
+          <a:prstGeom prst="rect">
+            <a:avLst/>
+          </a:prstGeom>
+        </p:spPr>
+      </p:pic>
+      <p:sp>
+        <p:nvSpPr>
+          <p:cNvPr id="9" name="TextBox 8">
+            <a:extLst>
+              <a:ext uri="{FF2B5EF4-FFF2-40B4-BE49-F238E27FC236}">
+                <a16:creationId xmlns:a16="http://schemas.microsoft.com/office/drawing/2014/main" id="{0A42AD04-B724-4FA6-BB93-BCB5AF0B3D7D}"/>
+              </a:ext>
+            </a:extLst>
+          </p:cNvPr>
+          <p:cNvSpPr txBox="1"/>
+          <p:nvPr/>
+        </p:nvSpPr>
+        <p:spPr>
+          <a:xfrm>
+            <a:off x="2920342" y="2594822"/>
+            <a:ext cx="9112469" cy="338554"/>
+          </a:xfrm>
+          <a:prstGeom prst="rect">
+            <a:avLst/>
+          </a:prstGeom>
+          <a:noFill/>
+        </p:spPr>
+        <p:txBody>
+          <a:bodyPr wrap="square">
+            <a:spAutoFit/>
+          </a:bodyPr>
+          <a:lstStyle/>
+          <a:p>
+            <a:r>
+              <a:rPr lang="en-US" sz="1600" dirty="0">
+                <a:solidFill>
+                  <a:srgbClr val="FF0000"/>
+                </a:solidFill>
+                <a:highlight>
+                  <a:srgbClr val="FFFF00"/>
+                </a:highlight>
+              </a:rPr>
+              <a:t>https://cfreds-archive.nist.gov/data_leakage_case/images/rm%232/cfreds_2015_data_leakage_rm%232.7z</a:t>
+            </a:r>
+          </a:p>
+        </p:txBody>
+      </p:sp>
+      <p:sp>
+        <p:nvSpPr>
+          <p:cNvPr id="2" name="Title 1">
+            <a:extLst>
+              <a:ext uri="{FF2B5EF4-FFF2-40B4-BE49-F238E27FC236}">
+                <a16:creationId xmlns:a16="http://schemas.microsoft.com/office/drawing/2014/main" id="{613B00DF-2049-41DE-ADC5-DC3A19E450CA}"/>
+              </a:ext>
+            </a:extLst>
+          </p:cNvPr>
+          <p:cNvSpPr>
+            <a:spLocks noGrp="1"/>
+          </p:cNvSpPr>
+          <p:nvPr>
+            <p:ph type="title"/>
+          </p:nvPr>
+        </p:nvSpPr>
+        <p:spPr/>
+        <p:txBody>
+          <a:bodyPr/>
+          <a:lstStyle/>
+          <a:p>
+            <a:r>
+              <a:rPr lang="en-US" dirty="0"/>
+              <a:t>Download RM#2</a:t>
+            </a:r>
+          </a:p>
+        </p:txBody>
+      </p:sp>
+    </p:spTree>
+    <p:extLst>
+      <p:ext uri="{BB962C8B-B14F-4D97-AF65-F5344CB8AC3E}">
+        <p14:creationId xmlns:p14="http://schemas.microsoft.com/office/powerpoint/2010/main" val="2694751075"/>
+      </p:ext>
+    </p:extLst>
+  </p:cSld>
+  <p:clrMapOvr>
+    <a:masterClrMapping/>
+  </p:clrMapOvr>
+</p:sld>
+</file>
+
+<file path=ppt/slides/slide24.xml><?xml version="1.0" encoding="utf-8"?>
+<p:sld xmlns:a="http://schemas.openxmlformats.org/drawingml/2006/main" xmlns:r="http://schemas.openxmlformats.org/officeDocument/2006/relationships" xmlns:p="http://schemas.openxmlformats.org/presentationml/2006/main">
+  <p:cSld>
+    <p:spTree>
+      <p:nvGrpSpPr>
+        <p:cNvPr id="1" name=""/>
+        <p:cNvGrpSpPr/>
+        <p:nvPr/>
+      </p:nvGrpSpPr>
+      <p:grpSpPr>
+        <a:xfrm>
+          <a:off x="0" y="0"/>
+          <a:ext cx="0" cy="0"/>
+          <a:chOff x="0" y="0"/>
+          <a:chExt cx="0" cy="0"/>
+        </a:xfrm>
+      </p:grpSpPr>
+      <p:pic>
+        <p:nvPicPr>
+          <p:cNvPr id="3" name="Picture 2"/>
+          <p:cNvPicPr>
+            <a:picLocks noChangeAspect="1"/>
+          </p:cNvPicPr>
+          <p:nvPr/>
+        </p:nvPicPr>
+        <p:blipFill>
+          <a:blip r:embed="rId3"/>
+          <a:stretch>
+            <a:fillRect/>
+          </a:stretch>
+        </p:blipFill>
+        <p:spPr>
+          <a:xfrm>
+            <a:off x="813816" y="1545404"/>
+            <a:ext cx="6729984" cy="1384131"/>
+          </a:xfrm>
+          <a:prstGeom prst="rect">
+            <a:avLst/>
+          </a:prstGeom>
+        </p:spPr>
+      </p:pic>
+      <p:pic>
+        <p:nvPicPr>
+          <p:cNvPr id="4" name="Picture 3"/>
+          <p:cNvPicPr>
+            <a:picLocks noChangeAspect="1"/>
+          </p:cNvPicPr>
+          <p:nvPr/>
+        </p:nvPicPr>
+        <p:blipFill>
+          <a:blip r:embed="rId4"/>
+          <a:stretch>
+            <a:fillRect/>
+          </a:stretch>
+        </p:blipFill>
+        <p:spPr>
+          <a:xfrm>
+            <a:off x="813816" y="3619498"/>
+            <a:ext cx="8824725" cy="1021168"/>
+          </a:xfrm>
+          <a:prstGeom prst="rect">
+            <a:avLst/>
+          </a:prstGeom>
+        </p:spPr>
+      </p:pic>
+      <p:sp>
+        <p:nvSpPr>
+          <p:cNvPr id="5" name="TextBox 4"/>
+          <p:cNvSpPr txBox="1"/>
+          <p:nvPr/>
+        </p:nvSpPr>
+        <p:spPr>
+          <a:xfrm>
+            <a:off x="813816" y="1176072"/>
+            <a:ext cx="2382062" cy="369332"/>
+          </a:xfrm>
+          <a:prstGeom prst="rect">
+            <a:avLst/>
+          </a:prstGeom>
+          <a:solidFill>
+            <a:srgbClr val="FFC000"/>
+          </a:solidFill>
+        </p:spPr>
+        <p:txBody>
+          <a:bodyPr wrap="none" rtlCol="0">
+            <a:spAutoFit/>
+          </a:bodyPr>
+          <a:lstStyle/>
+          <a:p>
+            <a:r>
+              <a:rPr lang="en-US"/>
+              <a:t>unzipped the DD image</a:t>
+            </a:r>
+          </a:p>
+        </p:txBody>
+      </p:sp>
+      <p:sp>
+        <p:nvSpPr>
+          <p:cNvPr id="6" name="TextBox 5"/>
+          <p:cNvSpPr txBox="1"/>
+          <p:nvPr/>
+        </p:nvSpPr>
+        <p:spPr>
+          <a:xfrm>
+            <a:off x="813816" y="3250166"/>
+            <a:ext cx="2979277" cy="369332"/>
+          </a:xfrm>
+          <a:prstGeom prst="rect">
+            <a:avLst/>
+          </a:prstGeom>
+          <a:solidFill>
+            <a:srgbClr val="FFC000"/>
+          </a:solidFill>
+        </p:spPr>
+        <p:txBody>
+          <a:bodyPr wrap="none" rtlCol="0">
+            <a:spAutoFit/>
+          </a:bodyPr>
+          <a:lstStyle/>
+          <a:p>
+            <a:r>
+              <a:rPr lang="en-US"/>
+              <a:t>Verify the unzipped DD image</a:t>
+            </a:r>
+          </a:p>
+        </p:txBody>
+      </p:sp>
+    </p:spTree>
+    <p:extLst>
+      <p:ext uri="{BB962C8B-B14F-4D97-AF65-F5344CB8AC3E}">
+        <p14:creationId xmlns:p14="http://schemas.microsoft.com/office/powerpoint/2010/main" val="3589444918"/>
+      </p:ext>
+    </p:extLst>
+  </p:cSld>
+  <p:clrMapOvr>
+    <a:masterClrMapping/>
+  </p:clrMapOvr>
+</p:sld>
+</file>
+
+<file path=ppt/slides/slide25.xml><?xml version="1.0" encoding="utf-8"?>
+<p:sld xmlns:a="http://schemas.openxmlformats.org/drawingml/2006/main" xmlns:r="http://schemas.openxmlformats.org/officeDocument/2006/relationships" xmlns:p="http://schemas.openxmlformats.org/presentationml/2006/main">
+  <p:cSld>
+    <p:spTree>
+      <p:nvGrpSpPr>
+        <p:cNvPr id="1" name=""/>
+        <p:cNvGrpSpPr/>
+        <p:nvPr/>
+      </p:nvGrpSpPr>
+      <p:grpSpPr>
+        <a:xfrm>
+          <a:off x="0" y="0"/>
+          <a:ext cx="0" cy="0"/>
+          <a:chOff x="0" y="0"/>
+          <a:chExt cx="0" cy="0"/>
+        </a:xfrm>
+      </p:grpSpPr>
+      <p:sp>
+        <p:nvSpPr>
+          <p:cNvPr id="2" name="Title 1"/>
+          <p:cNvSpPr>
+            <a:spLocks noGrp="1"/>
+          </p:cNvSpPr>
+          <p:nvPr>
+            <p:ph type="title"/>
+          </p:nvPr>
+        </p:nvSpPr>
+        <p:spPr/>
+        <p:txBody>
+          <a:bodyPr>
+            <a:normAutofit/>
+          </a:bodyPr>
+          <a:lstStyle/>
+          <a:p>
+            <a:r>
+              <a:rPr lang="en-US" dirty="0"/>
+              <a:t>Analysis Of Jump Lists: </a:t>
+            </a:r>
+            <a:r>
+              <a:rPr lang="en-US" sz="3200" i="1" dirty="0" err="1">
+                <a:solidFill>
+                  <a:srgbClr val="7030A0"/>
+                </a:solidFill>
+              </a:rPr>
+              <a:t>CustomDestinations-ms</a:t>
+            </a:r>
+            <a:endParaRPr lang="en-US" sz="3200" i="1" dirty="0">
+              <a:solidFill>
+                <a:srgbClr val="7030A0"/>
+              </a:solidFill>
+            </a:endParaRPr>
+          </a:p>
+        </p:txBody>
+      </p:sp>
+      <p:sp>
+        <p:nvSpPr>
+          <p:cNvPr id="3" name="Content Placeholder 2"/>
+          <p:cNvSpPr>
+            <a:spLocks noGrp="1"/>
+          </p:cNvSpPr>
+          <p:nvPr>
+            <p:ph idx="1"/>
+          </p:nvPr>
+        </p:nvSpPr>
+        <p:spPr>
+          <a:xfrm>
+            <a:off x="838200" y="1825624"/>
+            <a:ext cx="10515600" cy="1603375"/>
+          </a:xfrm>
+        </p:spPr>
+        <p:txBody>
+          <a:bodyPr>
+            <a:normAutofit/>
+          </a:bodyPr>
+          <a:lstStyle/>
+          <a:p>
+            <a:r>
+              <a:rPr lang="en-US" dirty="0"/>
+              <a:t>generated when a user </a:t>
+            </a:r>
+          </a:p>
+          <a:p>
+            <a:pPr lvl="1"/>
+            <a:r>
+              <a:rPr lang="en-US" dirty="0"/>
+              <a:t>“pins” a file to the Start Menu or Task Bar</a:t>
+            </a:r>
+          </a:p>
+        </p:txBody>
+      </p:sp>
+      <p:pic>
+        <p:nvPicPr>
+          <p:cNvPr id="6" name="Picture 5"/>
+          <p:cNvPicPr>
+            <a:picLocks noChangeAspect="1"/>
+          </p:cNvPicPr>
+          <p:nvPr/>
+        </p:nvPicPr>
+        <p:blipFill>
+          <a:blip r:embed="rId3"/>
+          <a:stretch>
+            <a:fillRect/>
+          </a:stretch>
+        </p:blipFill>
+        <p:spPr>
+          <a:xfrm>
+            <a:off x="846677" y="3611016"/>
+            <a:ext cx="10532555" cy="1948078"/>
+          </a:xfrm>
+          <a:prstGeom prst="rect">
+            <a:avLst/>
+          </a:prstGeom>
+        </p:spPr>
+      </p:pic>
+    </p:spTree>
+    <p:extLst>
+      <p:ext uri="{BB962C8B-B14F-4D97-AF65-F5344CB8AC3E}">
+        <p14:creationId xmlns:p14="http://schemas.microsoft.com/office/powerpoint/2010/main" val="4111426482"/>
+      </p:ext>
+    </p:extLst>
+  </p:cSld>
+  <p:clrMapOvr>
+    <a:masterClrMapping/>
+  </p:clrMapOvr>
+</p:sld>
+</file>
+
+<file path=ppt/slides/slide26.xml><?xml version="1.0" encoding="utf-8"?>
+<p:sld xmlns:a="http://schemas.openxmlformats.org/drawingml/2006/main" xmlns:r="http://schemas.openxmlformats.org/officeDocument/2006/relationships" xmlns:p="http://schemas.openxmlformats.org/presentationml/2006/main">
+  <p:cSld>
+    <p:spTree>
+      <p:nvGrpSpPr>
+        <p:cNvPr id="1" name=""/>
+        <p:cNvGrpSpPr/>
+        <p:nvPr/>
+      </p:nvGrpSpPr>
+      <p:grpSpPr>
+        <a:xfrm>
+          <a:off x="0" y="0"/>
+          <a:ext cx="0" cy="0"/>
+          <a:chOff x="0" y="0"/>
+          <a:chExt cx="0" cy="0"/>
+        </a:xfrm>
+      </p:grpSpPr>
+      <p:sp>
+        <p:nvSpPr>
+          <p:cNvPr id="2" name="Title 1"/>
+          <p:cNvSpPr>
+            <a:spLocks noGrp="1"/>
+          </p:cNvSpPr>
+          <p:nvPr>
+            <p:ph type="title"/>
+          </p:nvPr>
+        </p:nvSpPr>
+        <p:spPr/>
+        <p:txBody>
+          <a:bodyPr>
+            <a:normAutofit/>
+          </a:bodyPr>
+          <a:lstStyle/>
+          <a:p>
+            <a:r>
+              <a:rPr lang="en-US" dirty="0"/>
+              <a:t>Analysis Of Jump Lists: </a:t>
+            </a:r>
+            <a:r>
+              <a:rPr lang="en-US" sz="3200" i="1" dirty="0" err="1">
+                <a:solidFill>
+                  <a:srgbClr val="7030A0"/>
+                </a:solidFill>
+              </a:rPr>
+              <a:t>AutomaticDestinations-ms</a:t>
+            </a:r>
+            <a:endParaRPr lang="en-US" i="1" dirty="0">
+              <a:solidFill>
+                <a:srgbClr val="7030A0"/>
+              </a:solidFill>
+            </a:endParaRPr>
+          </a:p>
+        </p:txBody>
+      </p:sp>
+      <p:sp>
+        <p:nvSpPr>
+          <p:cNvPr id="3" name="Content Placeholder 2"/>
+          <p:cNvSpPr>
+            <a:spLocks noGrp="1"/>
+          </p:cNvSpPr>
+          <p:nvPr>
+            <p:ph idx="1"/>
+          </p:nvPr>
+        </p:nvSpPr>
+        <p:spPr>
+          <a:xfrm>
+            <a:off x="838200" y="1825626"/>
+            <a:ext cx="10515600" cy="1544592"/>
+          </a:xfrm>
+        </p:spPr>
+        <p:txBody>
+          <a:bodyPr/>
+          <a:lstStyle/>
+          <a:p>
+            <a:r>
+              <a:rPr lang="en-US" dirty="0"/>
+              <a:t>When a user interacts with the system performing such acts as opening applications or accessing files.</a:t>
+            </a:r>
+          </a:p>
+          <a:p>
+            <a:pPr lvl="1"/>
+            <a:r>
+              <a:rPr lang="en-US" sz="2000" i="1" dirty="0">
+                <a:solidFill>
+                  <a:srgbClr val="7030A0"/>
+                </a:solidFill>
+              </a:rPr>
+              <a:t>\Users\&lt;username&gt;\</a:t>
+            </a:r>
+            <a:r>
+              <a:rPr lang="en-US" sz="2000" i="1" dirty="0" err="1">
+                <a:solidFill>
+                  <a:srgbClr val="7030A0"/>
+                </a:solidFill>
+              </a:rPr>
+              <a:t>AppData</a:t>
+            </a:r>
+            <a:r>
+              <a:rPr lang="en-US" sz="2000" i="1" dirty="0">
+                <a:solidFill>
+                  <a:srgbClr val="7030A0"/>
+                </a:solidFill>
+              </a:rPr>
+              <a:t>\Roaming\Microsoft\Windows\Recent\</a:t>
+            </a:r>
+            <a:r>
+              <a:rPr lang="en-US" sz="2000" i="1" dirty="0" err="1">
+                <a:solidFill>
+                  <a:srgbClr val="7030A0"/>
+                </a:solidFill>
+              </a:rPr>
+              <a:t>AutomaticDestinations-ms</a:t>
+            </a:r>
+            <a:r>
+              <a:rPr lang="en-US" sz="2000" i="1" dirty="0">
+                <a:solidFill>
+                  <a:srgbClr val="7030A0"/>
+                </a:solidFill>
+              </a:rPr>
+              <a:t> </a:t>
+            </a:r>
+          </a:p>
+          <a:p>
+            <a:pPr marL="0" indent="0">
+              <a:buNone/>
+            </a:pPr>
+            <a:endParaRPr lang="en-US" dirty="0"/>
+          </a:p>
+        </p:txBody>
+      </p:sp>
+      <p:pic>
+        <p:nvPicPr>
+          <p:cNvPr id="4" name="Picture 3"/>
+          <p:cNvPicPr>
+            <a:picLocks noChangeAspect="1"/>
+          </p:cNvPicPr>
+          <p:nvPr/>
+        </p:nvPicPr>
+        <p:blipFill>
+          <a:blip r:embed="rId3"/>
+          <a:stretch>
+            <a:fillRect/>
+          </a:stretch>
+        </p:blipFill>
+        <p:spPr>
+          <a:xfrm>
+            <a:off x="401196" y="3814355"/>
+            <a:ext cx="11536978" cy="1463646"/>
+          </a:xfrm>
+          <a:prstGeom prst="rect">
+            <a:avLst/>
+          </a:prstGeom>
+        </p:spPr>
+      </p:pic>
+      <p:sp>
+        <p:nvSpPr>
+          <p:cNvPr id="6" name="TextBox 5">
+            <a:extLst>
+              <a:ext uri="{FF2B5EF4-FFF2-40B4-BE49-F238E27FC236}">
+                <a16:creationId xmlns:a16="http://schemas.microsoft.com/office/drawing/2014/main" id="{DCC82629-2D70-4C74-BA85-98D61B7160D9}"/>
+              </a:ext>
+            </a:extLst>
+          </p:cNvPr>
+          <p:cNvSpPr txBox="1"/>
+          <p:nvPr/>
+        </p:nvSpPr>
+        <p:spPr>
+          <a:xfrm>
+            <a:off x="401196" y="3445023"/>
+            <a:ext cx="5257800" cy="369332"/>
+          </a:xfrm>
+          <a:prstGeom prst="rect">
+            <a:avLst/>
+          </a:prstGeom>
+          <a:solidFill>
+            <a:srgbClr val="FFC000"/>
+          </a:solidFill>
+        </p:spPr>
+        <p:txBody>
+          <a:bodyPr wrap="square" rtlCol="0">
+            <a:spAutoFit/>
+          </a:bodyPr>
+          <a:lstStyle/>
+          <a:p>
+            <a:r>
+              <a:rPr lang="en-US" dirty="0"/>
+              <a:t>List all </a:t>
+            </a:r>
+            <a:r>
+              <a:rPr lang="en-US" i="1" dirty="0" err="1">
+                <a:solidFill>
+                  <a:srgbClr val="7030A0"/>
+                </a:solidFill>
+              </a:rPr>
+              <a:t>AutomaticDestinations-ms</a:t>
+            </a:r>
+            <a:r>
+              <a:rPr lang="en-US" i="1" dirty="0">
+                <a:solidFill>
+                  <a:srgbClr val="7030A0"/>
+                </a:solidFill>
+              </a:rPr>
+              <a:t> </a:t>
+            </a:r>
+            <a:r>
+              <a:rPr lang="en-US" dirty="0"/>
+              <a:t>directories</a:t>
+            </a:r>
+          </a:p>
+        </p:txBody>
+      </p:sp>
+    </p:spTree>
+    <p:extLst>
+      <p:ext uri="{BB962C8B-B14F-4D97-AF65-F5344CB8AC3E}">
+        <p14:creationId xmlns:p14="http://schemas.microsoft.com/office/powerpoint/2010/main" val="61699466"/>
+      </p:ext>
+    </p:extLst>
+  </p:cSld>
+  <p:clrMapOvr>
+    <a:masterClrMapping/>
+  </p:clrMapOvr>
+</p:sld>
+</file>
+
+<file path=ppt/slides/slide27.xml><?xml version="1.0" encoding="utf-8"?>
+<p:sld xmlns:a="http://schemas.openxmlformats.org/drawingml/2006/main" xmlns:r="http://schemas.openxmlformats.org/officeDocument/2006/relationships" xmlns:p="http://schemas.openxmlformats.org/presentationml/2006/main">
+  <p:cSld>
+    <p:spTree>
+      <p:nvGrpSpPr>
+        <p:cNvPr id="1" name=""/>
+        <p:cNvGrpSpPr/>
+        <p:nvPr/>
+      </p:nvGrpSpPr>
+      <p:grpSpPr>
+        <a:xfrm>
+          <a:off x="0" y="0"/>
+          <a:ext cx="0" cy="0"/>
+          <a:chOff x="0" y="0"/>
+          <a:chExt cx="0" cy="0"/>
+        </a:xfrm>
+      </p:grpSpPr>
+      <p:pic>
+        <p:nvPicPr>
+          <p:cNvPr id="4" name="Picture 3"/>
+          <p:cNvPicPr>
+            <a:picLocks noChangeAspect="1"/>
+          </p:cNvPicPr>
+          <p:nvPr/>
+        </p:nvPicPr>
+        <p:blipFill>
+          <a:blip r:embed="rId3"/>
+          <a:stretch>
+            <a:fillRect/>
+          </a:stretch>
+        </p:blipFill>
+        <p:spPr>
+          <a:xfrm>
+            <a:off x="1002146" y="1072713"/>
+            <a:ext cx="9891617" cy="1699407"/>
+          </a:xfrm>
+          <a:prstGeom prst="rect">
+            <a:avLst/>
+          </a:prstGeom>
+        </p:spPr>
+      </p:pic>
+      <p:pic>
+        <p:nvPicPr>
+          <p:cNvPr id="5" name="Picture 4"/>
+          <p:cNvPicPr>
+            <a:picLocks noChangeAspect="1"/>
+          </p:cNvPicPr>
+          <p:nvPr/>
+        </p:nvPicPr>
+        <p:blipFill>
+          <a:blip r:embed="rId4"/>
+          <a:stretch>
+            <a:fillRect/>
+          </a:stretch>
+        </p:blipFill>
+        <p:spPr>
+          <a:xfrm>
+            <a:off x="1002146" y="3021531"/>
+            <a:ext cx="4047757" cy="3286537"/>
+          </a:xfrm>
+          <a:prstGeom prst="rect">
+            <a:avLst/>
+          </a:prstGeom>
+          <a:ln>
+            <a:noFill/>
+          </a:ln>
+          <a:effectLst>
+            <a:outerShdw blurRad="292100" dist="139700" dir="2700000" algn="tl" rotWithShape="0">
+              <a:srgbClr val="333333">
+                <a:alpha val="65000"/>
+              </a:srgbClr>
+            </a:outerShdw>
+          </a:effectLst>
+        </p:spPr>
+      </p:pic>
+      <p:sp>
+        <p:nvSpPr>
+          <p:cNvPr id="6" name="Rectangle 5"/>
+          <p:cNvSpPr/>
+          <p:nvPr/>
+        </p:nvSpPr>
+        <p:spPr>
+          <a:xfrm>
+            <a:off x="5364480" y="3021531"/>
+            <a:ext cx="4659085" cy="646331"/>
+          </a:xfrm>
+          <a:prstGeom prst="rect">
+            <a:avLst/>
+          </a:prstGeom>
+          <a:solidFill>
+            <a:schemeClr val="accent4">
+              <a:lumMod val="20000"/>
+              <a:lumOff val="80000"/>
+            </a:schemeClr>
+          </a:solidFill>
+        </p:spPr>
+        <p:txBody>
+          <a:bodyPr wrap="square">
+            <a:spAutoFit/>
+          </a:bodyPr>
+          <a:lstStyle/>
+          <a:p>
+            <a:r>
+              <a:rPr lang="en-US" i="1" dirty="0">
+                <a:solidFill>
+                  <a:srgbClr val="0082BC"/>
+                </a:solidFill>
+              </a:rPr>
+              <a:t>https://github.com/EricZimmerman/JumpList/blob/master/JumpList/Resources/AppIDs.txt</a:t>
+            </a:r>
+          </a:p>
+        </p:txBody>
+      </p:sp>
+      <p:sp>
+        <p:nvSpPr>
+          <p:cNvPr id="7" name="Rectangle 6"/>
+          <p:cNvSpPr/>
+          <p:nvPr/>
+        </p:nvSpPr>
+        <p:spPr>
+          <a:xfrm>
+            <a:off x="5364480" y="3963326"/>
+            <a:ext cx="5608320" cy="2308324"/>
+          </a:xfrm>
+          <a:prstGeom prst="rect">
+            <a:avLst/>
+          </a:prstGeom>
+          <a:solidFill>
+            <a:schemeClr val="accent4">
+              <a:lumMod val="20000"/>
+              <a:lumOff val="80000"/>
+            </a:schemeClr>
+          </a:solidFill>
+        </p:spPr>
+        <p:txBody>
+          <a:bodyPr wrap="square">
+            <a:spAutoFit/>
+          </a:bodyPr>
+          <a:lstStyle/>
+          <a:p>
+            <a:r>
+              <a:rPr lang="en-US" sz="1200" dirty="0"/>
+              <a:t>28c8b86deab549a1.automaticDestinations-ms = IE8 Pinned and Recent a7bd71699cd38d1c.automaticDestinations-ms = Word 2010 Pinned and Recent adecfb853d77462a.automaticDestinations-ms = Word 2007 Pinned and Recent a8c43ef36da523b1.automaticDestinations-ms = Word 2003 Pinned and Recent 1b4dd67f29cb1962.automaticDestinations-ms = Windows Explorer Pinned and Recent 918e0ecb43d17e23.automaticDestinations-ms = Notepad Pinned and Recent d7528034b5bd6f28.automaticDestinations-ms = Windows Live Mail Pinned and Recent c7a4093872176c74.automaticDestinations-ms = Paint Shop Pro Pinned and Recent b91050d8b077a4e8.automaticDestinations-ms = Media Center f5ac5390b9115fdb.automaticDestinations-ms = PowerPoint 2007 23646679aaccfae0.automaticDestinations-ms = Adobe Reader 9 aff2ffdd0862ff5c.automaticDestinations-ms = Visual Studio 2012</a:t>
+            </a:r>
+          </a:p>
+        </p:txBody>
+      </p:sp>
+      <p:sp>
+        <p:nvSpPr>
+          <p:cNvPr id="8" name="TextBox 7">
+            <a:extLst>
+              <a:ext uri="{FF2B5EF4-FFF2-40B4-BE49-F238E27FC236}">
+                <a16:creationId xmlns:a16="http://schemas.microsoft.com/office/drawing/2014/main" id="{DCC82629-2D70-4C74-BA85-98D61B7160D9}"/>
+              </a:ext>
+            </a:extLst>
+          </p:cNvPr>
+          <p:cNvSpPr txBox="1"/>
+          <p:nvPr/>
+        </p:nvSpPr>
+        <p:spPr>
+          <a:xfrm>
+            <a:off x="1002146" y="703381"/>
+            <a:ext cx="5257800" cy="369332"/>
+          </a:xfrm>
+          <a:prstGeom prst="rect">
+            <a:avLst/>
+          </a:prstGeom>
+          <a:solidFill>
+            <a:srgbClr val="FFC000"/>
+          </a:solidFill>
+        </p:spPr>
+        <p:txBody>
+          <a:bodyPr wrap="square" rtlCol="0">
+            <a:spAutoFit/>
+          </a:bodyPr>
+          <a:lstStyle/>
+          <a:p>
+            <a:r>
+              <a:rPr lang="en-US" dirty="0"/>
+              <a:t>List informant’s </a:t>
+            </a:r>
+            <a:r>
+              <a:rPr lang="en-US" i="1" dirty="0" err="1">
+                <a:solidFill>
+                  <a:srgbClr val="7030A0"/>
+                </a:solidFill>
+              </a:rPr>
+              <a:t>AutomaticDestinations-ms</a:t>
+            </a:r>
+            <a:endParaRPr lang="en-US" dirty="0"/>
+          </a:p>
+        </p:txBody>
+      </p:sp>
+    </p:spTree>
+    <p:extLst>
+      <p:ext uri="{BB962C8B-B14F-4D97-AF65-F5344CB8AC3E}">
+        <p14:creationId xmlns:p14="http://schemas.microsoft.com/office/powerpoint/2010/main" val="1821243565"/>
+      </p:ext>
+    </p:extLst>
+  </p:cSld>
+  <p:clrMapOvr>
+    <a:masterClrMapping/>
+  </p:clrMapOvr>
+</p:sld>
+</file>
+
+<file path=ppt/slides/slide28.xml><?xml version="1.0" encoding="utf-8"?>
+<p:sld xmlns:a="http://schemas.openxmlformats.org/drawingml/2006/main" xmlns:r="http://schemas.openxmlformats.org/officeDocument/2006/relationships" xmlns:p="http://schemas.openxmlformats.org/presentationml/2006/main">
+  <p:cSld>
+    <p:spTree>
+      <p:nvGrpSpPr>
+        <p:cNvPr id="1" name=""/>
+        <p:cNvGrpSpPr/>
+        <p:nvPr/>
+      </p:nvGrpSpPr>
+      <p:grpSpPr>
+        <a:xfrm>
+          <a:off x="0" y="0"/>
+          <a:ext cx="0" cy="0"/>
+          <a:chOff x="0" y="0"/>
+          <a:chExt cx="0" cy="0"/>
+        </a:xfrm>
+      </p:grpSpPr>
+      <p:pic>
+        <p:nvPicPr>
+          <p:cNvPr id="2" name="Picture 1"/>
+          <p:cNvPicPr>
+            <a:picLocks noChangeAspect="1"/>
+          </p:cNvPicPr>
+          <p:nvPr/>
+        </p:nvPicPr>
+        <p:blipFill>
+          <a:blip r:embed="rId3"/>
+          <a:stretch>
+            <a:fillRect/>
+          </a:stretch>
+        </p:blipFill>
+        <p:spPr>
+          <a:xfrm>
+            <a:off x="1224243" y="1303499"/>
+            <a:ext cx="9220999" cy="1516511"/>
+          </a:xfrm>
+          <a:prstGeom prst="rect">
+            <a:avLst/>
+          </a:prstGeom>
+        </p:spPr>
+      </p:pic>
+      <p:pic>
+        <p:nvPicPr>
+          <p:cNvPr id="3" name="Picture 2"/>
+          <p:cNvPicPr>
+            <a:picLocks noChangeAspect="1"/>
+          </p:cNvPicPr>
+          <p:nvPr/>
+        </p:nvPicPr>
+        <p:blipFill>
+          <a:blip r:embed="rId4"/>
+          <a:stretch>
+            <a:fillRect/>
+          </a:stretch>
+        </p:blipFill>
+        <p:spPr>
+          <a:xfrm>
+            <a:off x="1224243" y="3752799"/>
+            <a:ext cx="9144792" cy="1181202"/>
+          </a:xfrm>
+          <a:prstGeom prst="rect">
+            <a:avLst/>
+          </a:prstGeom>
+        </p:spPr>
+      </p:pic>
+      <p:sp>
+        <p:nvSpPr>
+          <p:cNvPr id="4" name="TextBox 3">
+            <a:extLst>
+              <a:ext uri="{FF2B5EF4-FFF2-40B4-BE49-F238E27FC236}">
+                <a16:creationId xmlns:a16="http://schemas.microsoft.com/office/drawing/2014/main" id="{DCC82629-2D70-4C74-BA85-98D61B7160D9}"/>
+              </a:ext>
+            </a:extLst>
+          </p:cNvPr>
+          <p:cNvSpPr txBox="1"/>
+          <p:nvPr/>
+        </p:nvSpPr>
+        <p:spPr>
+          <a:xfrm>
+            <a:off x="1224243" y="3383467"/>
+            <a:ext cx="5257800" cy="369332"/>
+          </a:xfrm>
+          <a:prstGeom prst="rect">
+            <a:avLst/>
+          </a:prstGeom>
+          <a:solidFill>
+            <a:srgbClr val="FFC000"/>
+          </a:solidFill>
+        </p:spPr>
+        <p:txBody>
+          <a:bodyPr wrap="square" rtlCol="0">
+            <a:spAutoFit/>
+          </a:bodyPr>
+          <a:lstStyle/>
+          <a:p>
+            <a:r>
+              <a:rPr lang="en-US" dirty="0"/>
+              <a:t>Determine </a:t>
+            </a:r>
+            <a:r>
+              <a:rPr lang="en-US" i="1" dirty="0" err="1">
+                <a:solidFill>
+                  <a:srgbClr val="7030A0"/>
+                </a:solidFill>
+              </a:rPr>
+              <a:t>AutomaticDestinations-ms</a:t>
+            </a:r>
+            <a:r>
+              <a:rPr lang="en-US" i="1" dirty="0">
+                <a:solidFill>
+                  <a:srgbClr val="7030A0"/>
+                </a:solidFill>
+              </a:rPr>
+              <a:t> </a:t>
+            </a:r>
+            <a:r>
+              <a:rPr lang="en-US" dirty="0"/>
+              <a:t>file format</a:t>
+            </a:r>
+          </a:p>
+        </p:txBody>
+      </p:sp>
+      <p:sp>
+        <p:nvSpPr>
+          <p:cNvPr id="5" name="TextBox 4">
+            <a:extLst>
+              <a:ext uri="{FF2B5EF4-FFF2-40B4-BE49-F238E27FC236}">
+                <a16:creationId xmlns:a16="http://schemas.microsoft.com/office/drawing/2014/main" id="{DCC82629-2D70-4C74-BA85-98D61B7160D9}"/>
+              </a:ext>
+            </a:extLst>
+          </p:cNvPr>
+          <p:cNvSpPr txBox="1"/>
+          <p:nvPr/>
+        </p:nvSpPr>
+        <p:spPr>
+          <a:xfrm>
+            <a:off x="1224242" y="934167"/>
+            <a:ext cx="6239003" cy="369332"/>
+          </a:xfrm>
+          <a:prstGeom prst="rect">
+            <a:avLst/>
+          </a:prstGeom>
+          <a:solidFill>
+            <a:srgbClr val="FFC000"/>
+          </a:solidFill>
+        </p:spPr>
+        <p:txBody>
+          <a:bodyPr wrap="square" rtlCol="0">
+            <a:spAutoFit/>
+          </a:bodyPr>
+          <a:lstStyle/>
+          <a:p>
+            <a:r>
+              <a:rPr lang="en-US" dirty="0"/>
+              <a:t>Copy one </a:t>
+            </a:r>
+            <a:r>
+              <a:rPr lang="en-US" i="1" dirty="0" err="1">
+                <a:solidFill>
+                  <a:srgbClr val="7030A0"/>
+                </a:solidFill>
+              </a:rPr>
+              <a:t>AutomaticDestinations-ms</a:t>
+            </a:r>
+            <a:r>
+              <a:rPr lang="en-US" i="1" dirty="0">
+                <a:solidFill>
+                  <a:srgbClr val="7030A0"/>
+                </a:solidFill>
+              </a:rPr>
+              <a:t> </a:t>
+            </a:r>
+            <a:r>
+              <a:rPr lang="en-US" dirty="0"/>
+              <a:t>to the current directory</a:t>
+            </a:r>
+          </a:p>
+        </p:txBody>
+      </p:sp>
+    </p:spTree>
+    <p:extLst>
+      <p:ext uri="{BB962C8B-B14F-4D97-AF65-F5344CB8AC3E}">
+        <p14:creationId xmlns:p14="http://schemas.microsoft.com/office/powerpoint/2010/main" val="2564732783"/>
+      </p:ext>
+    </p:extLst>
+  </p:cSld>
+  <p:clrMapOvr>
+    <a:masterClrMapping/>
+  </p:clrMapOvr>
+</p:sld>
+</file>
+
+<file path=ppt/slides/slide29.xml><?xml version="1.0" encoding="utf-8"?>
+<p:sld xmlns:a="http://schemas.openxmlformats.org/drawingml/2006/main" xmlns:r="http://schemas.openxmlformats.org/officeDocument/2006/relationships" xmlns:p="http://schemas.openxmlformats.org/presentationml/2006/main">
+  <p:cSld>
+    <p:spTree>
+      <p:nvGrpSpPr>
+        <p:cNvPr id="1" name=""/>
+        <p:cNvGrpSpPr/>
+        <p:nvPr/>
+      </p:nvGrpSpPr>
+      <p:grpSpPr>
+        <a:xfrm>
+          <a:off x="0" y="0"/>
+          <a:ext cx="0" cy="0"/>
+          <a:chOff x="0" y="0"/>
+          <a:chExt cx="0" cy="0"/>
+        </a:xfrm>
+      </p:grpSpPr>
+      <p:sp>
+        <p:nvSpPr>
+          <p:cNvPr id="2" name="Title 1"/>
+          <p:cNvSpPr>
+            <a:spLocks noGrp="1"/>
+          </p:cNvSpPr>
+          <p:nvPr>
+            <p:ph type="title"/>
+          </p:nvPr>
+        </p:nvSpPr>
+        <p:spPr/>
+        <p:txBody>
+          <a:bodyPr/>
+          <a:lstStyle/>
+          <a:p>
+            <a:r>
+              <a:rPr lang="en-US" dirty="0"/>
               <a:t>How to read </a:t>
             </a:r>
             <a:r>
@@ -9975,7 +13081,151 @@
 </p:sld>
 </file>
 
-<file path=ppt/slides/slide22.xml><?xml version="1.0" encoding="utf-8"?>
+<file path=ppt/slides/slide3.xml><?xml version="1.0" encoding="utf-8"?>
+<p:sld xmlns:a="http://schemas.openxmlformats.org/drawingml/2006/main" xmlns:r="http://schemas.openxmlformats.org/officeDocument/2006/relationships" xmlns:p="http://schemas.openxmlformats.org/presentationml/2006/main">
+  <p:cSld>
+    <p:spTree>
+      <p:nvGrpSpPr>
+        <p:cNvPr id="1" name=""/>
+        <p:cNvGrpSpPr/>
+        <p:nvPr/>
+      </p:nvGrpSpPr>
+      <p:grpSpPr>
+        <a:xfrm>
+          <a:off x="0" y="0"/>
+          <a:ext cx="0" cy="0"/>
+          <a:chOff x="0" y="0"/>
+          <a:chExt cx="0" cy="0"/>
+        </a:xfrm>
+      </p:grpSpPr>
+      <p:sp>
+        <p:nvSpPr>
+          <p:cNvPr id="2" name="Title 1">
+            <a:extLst>
+              <a:ext uri="{FF2B5EF4-FFF2-40B4-BE49-F238E27FC236}">
+                <a16:creationId xmlns:a16="http://schemas.microsoft.com/office/drawing/2014/main" id="{C884DE9C-3E56-4C0D-8398-BFE4059E27EF}"/>
+              </a:ext>
+            </a:extLst>
+          </p:cNvPr>
+          <p:cNvSpPr>
+            <a:spLocks noGrp="1"/>
+          </p:cNvSpPr>
+          <p:nvPr>
+            <p:ph type="title"/>
+          </p:nvPr>
+        </p:nvSpPr>
+        <p:spPr/>
+        <p:txBody>
+          <a:bodyPr/>
+          <a:lstStyle/>
+          <a:p>
+            <a:r>
+              <a:rPr lang="en-US" dirty="0"/>
+              <a:t>What is network drive?</a:t>
+            </a:r>
+          </a:p>
+        </p:txBody>
+      </p:sp>
+      <p:sp>
+        <p:nvSpPr>
+          <p:cNvPr id="3" name="Content Placeholder 2">
+            <a:extLst>
+              <a:ext uri="{FF2B5EF4-FFF2-40B4-BE49-F238E27FC236}">
+                <a16:creationId xmlns:a16="http://schemas.microsoft.com/office/drawing/2014/main" id="{5EDE46C5-D277-48E5-92CF-D5E9BC196270}"/>
+              </a:ext>
+            </a:extLst>
+          </p:cNvPr>
+          <p:cNvSpPr>
+            <a:spLocks noGrp="1"/>
+          </p:cNvSpPr>
+          <p:nvPr>
+            <p:ph idx="1"/>
+          </p:nvPr>
+        </p:nvSpPr>
+        <p:spPr>
+          <a:xfrm>
+            <a:off x="838200" y="1825625"/>
+            <a:ext cx="4934919" cy="4351338"/>
+          </a:xfrm>
+        </p:spPr>
+        <p:txBody>
+          <a:bodyPr/>
+          <a:lstStyle/>
+          <a:p>
+            <a:r>
+              <a:rPr lang="en-GB" dirty="0"/>
+              <a:t>A network drive or mapped drive is a drive, NAS, or share on another computer or server on the Local Area Network (LAN)</a:t>
+            </a:r>
+          </a:p>
+          <a:p>
+            <a:r>
+              <a:rPr lang="en-US" dirty="0"/>
+              <a:t>Often used in a corporate network</a:t>
+            </a:r>
+          </a:p>
+        </p:txBody>
+      </p:sp>
+      <p:pic>
+        <p:nvPicPr>
+          <p:cNvPr id="1026" name="Picture 2" descr="Computer Network Wallpapers Computer Network Wallpaper 800x600">
+            <a:extLst>
+              <a:ext uri="{FF2B5EF4-FFF2-40B4-BE49-F238E27FC236}">
+                <a16:creationId xmlns:a16="http://schemas.microsoft.com/office/drawing/2014/main" id="{8C60CB4D-3651-4235-8461-2815184A65A4}"/>
+              </a:ext>
+            </a:extLst>
+          </p:cNvPr>
+          <p:cNvPicPr>
+            <a:picLocks noChangeAspect="1" noChangeArrowheads="1"/>
+          </p:cNvPicPr>
+          <p:nvPr/>
+        </p:nvPicPr>
+        <p:blipFill>
+          <a:blip r:embed="rId2">
+            <a:extLst>
+              <a:ext uri="{28A0092B-C50C-407E-A947-70E740481C1C}">
+                <a14:useLocalDpi xmlns:a14="http://schemas.microsoft.com/office/drawing/2010/main" val="0"/>
+              </a:ext>
+            </a:extLst>
+          </a:blip>
+          <a:srcRect/>
+          <a:stretch>
+            <a:fillRect/>
+          </a:stretch>
+        </p:blipFill>
+        <p:spPr bwMode="auto">
+          <a:xfrm>
+            <a:off x="6858000" y="1690688"/>
+            <a:ext cx="3937000" cy="2952750"/>
+          </a:xfrm>
+          <a:prstGeom prst="rect">
+            <a:avLst/>
+          </a:prstGeom>
+          <a:noFill/>
+          <a:extLst>
+            <a:ext uri="{909E8E84-426E-40DD-AFC4-6F175D3DCCD1}">
+              <a14:hiddenFill xmlns:a14="http://schemas.microsoft.com/office/drawing/2010/main">
+                <a:solidFill>
+                  <a:srgbClr val="FFFFFF"/>
+                </a:solidFill>
+              </a14:hiddenFill>
+            </a:ext>
+          </a:extLst>
+        </p:spPr>
+      </p:pic>
+    </p:spTree>
+    <p:extLst>
+      <p:ext uri="{BB962C8B-B14F-4D97-AF65-F5344CB8AC3E}">
+        <p14:creationId xmlns:p14="http://schemas.microsoft.com/office/powerpoint/2010/main" val="3762676067"/>
+      </p:ext>
+    </p:extLst>
+  </p:cSld>
+  <p:clrMapOvr>
+    <a:masterClrMapping/>
+  </p:clrMapOvr>
+</p:sld>
+</file>
+
+<file path=ppt/slides/slide30.xml><?xml version="1.0" encoding="utf-8"?>
 <p:sld xmlns:a="http://schemas.openxmlformats.org/drawingml/2006/main" xmlns:r="http://schemas.openxmlformats.org/officeDocument/2006/relationships" xmlns:p="http://schemas.openxmlformats.org/presentationml/2006/main">
   <p:cSld>
     <p:spTree>
@@ -10066,7 +13316,7 @@
 </p:sld>
 </file>
 
-<file path=ppt/slides/slide23.xml><?xml version="1.0" encoding="utf-8"?>
+<file path=ppt/slides/slide31.xml><?xml version="1.0" encoding="utf-8"?>
 <p:sld xmlns:a="http://schemas.openxmlformats.org/drawingml/2006/main" xmlns:r="http://schemas.openxmlformats.org/officeDocument/2006/relationships" xmlns:p="http://schemas.openxmlformats.org/presentationml/2006/main">
   <p:cSld>
     <p:spTree>
@@ -10157,7 +13407,7 @@
 </p:sld>
 </file>
 
-<file path=ppt/slides/slide24.xml><?xml version="1.0" encoding="utf-8"?>
+<file path=ppt/slides/slide32.xml><?xml version="1.0" encoding="utf-8"?>
 <p:sld xmlns:a="http://schemas.openxmlformats.org/drawingml/2006/main" xmlns:r="http://schemas.openxmlformats.org/officeDocument/2006/relationships" xmlns:p="http://schemas.openxmlformats.org/presentationml/2006/main">
   <p:cSld>
     <p:spTree>
@@ -10268,7 +13518,7 @@
 </p:sld>
 </file>
 
-<file path=ppt/slides/slide25.xml><?xml version="1.0" encoding="utf-8"?>
+<file path=ppt/slides/slide33.xml><?xml version="1.0" encoding="utf-8"?>
 <p:sld xmlns:a="http://schemas.openxmlformats.org/drawingml/2006/main" xmlns:r="http://schemas.openxmlformats.org/officeDocument/2006/relationships" xmlns:p="http://schemas.openxmlformats.org/presentationml/2006/main">
   <p:cSld>
     <p:spTree>
@@ -10322,7 +13572,7 @@
 </p:sld>
 </file>
 
-<file path=ppt/slides/slide26.xml><?xml version="1.0" encoding="utf-8"?>
+<file path=ppt/slides/slide34.xml><?xml version="1.0" encoding="utf-8"?>
 <p:sld xmlns:a="http://schemas.openxmlformats.org/drawingml/2006/main" xmlns:r="http://schemas.openxmlformats.org/officeDocument/2006/relationships" xmlns:p="http://schemas.openxmlformats.org/presentationml/2006/main">
   <p:cSld>
     <p:spTree>
@@ -10479,7 +13729,7 @@
 </p:sld>
 </file>
 
-<file path=ppt/slides/slide27.xml><?xml version="1.0" encoding="utf-8"?>
+<file path=ppt/slides/slide35.xml><?xml version="1.0" encoding="utf-8"?>
 <p:sld xmlns:a="http://schemas.openxmlformats.org/drawingml/2006/main" xmlns:r="http://schemas.openxmlformats.org/officeDocument/2006/relationships" xmlns:p="http://schemas.openxmlformats.org/presentationml/2006/main">
   <p:cSld>
     <p:spTree>
@@ -10661,7 +13911,7 @@
 </p:sld>
 </file>
 
-<file path=ppt/slides/slide28.xml><?xml version="1.0" encoding="utf-8"?>
+<file path=ppt/slides/slide36.xml><?xml version="1.0" encoding="utf-8"?>
 <p:sld xmlns:a="http://schemas.openxmlformats.org/drawingml/2006/main" xmlns:r="http://schemas.openxmlformats.org/officeDocument/2006/relationships" xmlns:p="http://schemas.openxmlformats.org/presentationml/2006/main">
   <p:cSld>
     <p:spTree>
@@ -10769,7 +14019,7 @@
 </p:sld>
 </file>
 
-<file path=ppt/slides/slide29.xml><?xml version="1.0" encoding="utf-8"?>
+<file path=ppt/slides/slide37.xml><?xml version="1.0" encoding="utf-8"?>
 <p:sld xmlns:a="http://schemas.openxmlformats.org/drawingml/2006/main" xmlns:r="http://schemas.openxmlformats.org/officeDocument/2006/relationships" xmlns:p="http://schemas.openxmlformats.org/presentationml/2006/main">
   <p:cSld>
     <p:spTree>
@@ -10823,214 +14073,7 @@
 </p:sld>
 </file>
 
-<file path=ppt/slides/slide3.xml><?xml version="1.0" encoding="utf-8"?>
-<p:sld xmlns:a="http://schemas.openxmlformats.org/drawingml/2006/main" xmlns:r="http://schemas.openxmlformats.org/officeDocument/2006/relationships" xmlns:p="http://schemas.openxmlformats.org/presentationml/2006/main">
-  <p:cSld>
-    <p:spTree>
-      <p:nvGrpSpPr>
-        <p:cNvPr id="1" name=""/>
-        <p:cNvGrpSpPr/>
-        <p:nvPr/>
-      </p:nvGrpSpPr>
-      <p:grpSpPr>
-        <a:xfrm>
-          <a:off x="0" y="0"/>
-          <a:ext cx="0" cy="0"/>
-          <a:chOff x="0" y="0"/>
-          <a:chExt cx="0" cy="0"/>
-        </a:xfrm>
-      </p:grpSpPr>
-      <p:sp>
-        <p:nvSpPr>
-          <p:cNvPr id="2" name="Title 1"/>
-          <p:cNvSpPr>
-            <a:spLocks noGrp="1"/>
-          </p:cNvSpPr>
-          <p:nvPr>
-            <p:ph type="title"/>
-          </p:nvPr>
-        </p:nvSpPr>
-        <p:spPr/>
-        <p:txBody>
-          <a:bodyPr/>
-          <a:lstStyle/>
-          <a:p>
-            <a:r>
-              <a:rPr lang="en-US" dirty="0"/>
-              <a:t>Method 1: MRU commands via </a:t>
-            </a:r>
-            <a:r>
-              <a:rPr lang="en-US" i="1" dirty="0">
-                <a:solidFill>
-                  <a:srgbClr val="0082BC"/>
-                </a:solidFill>
-              </a:rPr>
-              <a:t>Start-&gt; Run</a:t>
-            </a:r>
-          </a:p>
-        </p:txBody>
-      </p:sp>
-      <p:pic>
-        <p:nvPicPr>
-          <p:cNvPr id="4" name="Picture 3"/>
-          <p:cNvPicPr>
-            <a:picLocks noChangeAspect="1"/>
-          </p:cNvPicPr>
-          <p:nvPr/>
-        </p:nvPicPr>
-        <p:blipFill>
-          <a:blip r:embed="rId3"/>
-          <a:stretch>
-            <a:fillRect/>
-          </a:stretch>
-        </p:blipFill>
-        <p:spPr>
-          <a:xfrm>
-            <a:off x="4015252" y="1690688"/>
-            <a:ext cx="7491984" cy="3521950"/>
-          </a:xfrm>
-          <a:prstGeom prst="rect">
-            <a:avLst/>
-          </a:prstGeom>
-        </p:spPr>
-      </p:pic>
-      <p:sp>
-        <p:nvSpPr>
-          <p:cNvPr id="5" name="Rectangle 4"/>
-          <p:cNvSpPr/>
-          <p:nvPr/>
-        </p:nvSpPr>
-        <p:spPr>
-          <a:xfrm>
-            <a:off x="4015252" y="5212638"/>
-            <a:ext cx="7491984" cy="1200329"/>
-          </a:xfrm>
-          <a:prstGeom prst="rect">
-            <a:avLst/>
-          </a:prstGeom>
-          <a:solidFill>
-            <a:schemeClr val="accent4">
-              <a:lumMod val="20000"/>
-              <a:lumOff val="80000"/>
-            </a:schemeClr>
-          </a:solidFill>
-        </p:spPr>
-        <p:txBody>
-          <a:bodyPr wrap="square">
-            <a:spAutoFit/>
-          </a:bodyPr>
-          <a:lstStyle/>
-          <a:p>
-            <a:pPr marL="285750" indent="-285750">
-              <a:buFont typeface="Arial" panose="020B0604020202020204" pitchFamily="34" charset="0"/>
-              <a:buChar char="•"/>
-            </a:pPr>
-            <a:r>
-              <a:rPr lang="en-US" dirty="0"/>
-              <a:t>Most Recently Used (MRU) : recently opened webpages, documents, files, images and other applications. </a:t>
-            </a:r>
-          </a:p>
-          <a:p>
-            <a:pPr marL="285750" indent="-285750">
-              <a:buFont typeface="Arial" panose="020B0604020202020204" pitchFamily="34" charset="0"/>
-              <a:buChar char="•"/>
-            </a:pPr>
-            <a:r>
-              <a:rPr lang="en-US" dirty="0"/>
-              <a:t>For example, when a computer user opens Microsoft Word, he/she may see a list of previously opened Word documents within the application.</a:t>
-            </a:r>
-          </a:p>
-        </p:txBody>
-      </p:sp>
-      <p:pic>
-        <p:nvPicPr>
-          <p:cNvPr id="3" name="Picture 2"/>
-          <p:cNvPicPr>
-            <a:picLocks noChangeAspect="1"/>
-          </p:cNvPicPr>
-          <p:nvPr/>
-        </p:nvPicPr>
-        <p:blipFill>
-          <a:blip r:embed="rId4"/>
-          <a:stretch>
-            <a:fillRect/>
-          </a:stretch>
-        </p:blipFill>
-        <p:spPr>
-          <a:xfrm>
-            <a:off x="490581" y="1691313"/>
-            <a:ext cx="3177052" cy="1900558"/>
-          </a:xfrm>
-          <a:prstGeom prst="rect">
-            <a:avLst/>
-          </a:prstGeom>
-          <a:ln>
-            <a:noFill/>
-          </a:ln>
-          <a:effectLst>
-            <a:outerShdw blurRad="292100" dist="139700" dir="2700000" algn="tl" rotWithShape="0">
-              <a:srgbClr val="333333">
-                <a:alpha val="65000"/>
-              </a:srgbClr>
-            </a:outerShdw>
-          </a:effectLst>
-        </p:spPr>
-      </p:pic>
-      <p:sp>
-        <p:nvSpPr>
-          <p:cNvPr id="6" name="TextBox 5"/>
-          <p:cNvSpPr txBox="1"/>
-          <p:nvPr/>
-        </p:nvSpPr>
-        <p:spPr>
-          <a:xfrm>
-            <a:off x="187411" y="5443470"/>
-            <a:ext cx="3363097" cy="646331"/>
-          </a:xfrm>
-          <a:prstGeom prst="rect">
-            <a:avLst/>
-          </a:prstGeom>
-          <a:noFill/>
-        </p:spPr>
-        <p:txBody>
-          <a:bodyPr wrap="square" rtlCol="0">
-            <a:spAutoFit/>
-          </a:bodyPr>
-          <a:lstStyle/>
-          <a:p>
-            <a:r>
-              <a:rPr lang="en-US" dirty="0"/>
-              <a:t>Again, seems the timestamp is </a:t>
-            </a:r>
-            <a:r>
-              <a:rPr lang="en-US" dirty="0">
-                <a:solidFill>
-                  <a:srgbClr val="FF0000"/>
-                </a:solidFill>
-              </a:rPr>
-              <a:t>inaccurate</a:t>
-            </a:r>
-            <a:r>
-              <a:rPr lang="en-US" dirty="0"/>
-              <a:t>. </a:t>
-            </a:r>
-          </a:p>
-        </p:txBody>
-      </p:sp>
-    </p:spTree>
-    <p:extLst>
-      <p:ext uri="{BB962C8B-B14F-4D97-AF65-F5344CB8AC3E}">
-        <p14:creationId xmlns:p14="http://schemas.microsoft.com/office/powerpoint/2010/main" val="2906097788"/>
-      </p:ext>
-    </p:extLst>
-  </p:cSld>
-  <p:clrMapOvr>
-    <a:masterClrMapping/>
-  </p:clrMapOvr>
-</p:sld>
-</file>
-
-<file path=ppt/slides/slide30.xml><?xml version="1.0" encoding="utf-8"?>
+<file path=ppt/slides/slide38.xml><?xml version="1.0" encoding="utf-8"?>
 <p:sld xmlns:a="http://schemas.openxmlformats.org/drawingml/2006/main" xmlns:r="http://schemas.openxmlformats.org/officeDocument/2006/relationships" xmlns:p="http://schemas.openxmlformats.org/presentationml/2006/main">
   <p:cSld>
     <p:spTree>
@@ -11063,7 +14106,7 @@
         </p:blipFill>
         <p:spPr>
           <a:xfrm>
-            <a:off x="738694" y="1705483"/>
+            <a:off x="371301" y="2562733"/>
             <a:ext cx="10855964" cy="3079877"/>
           </a:xfrm>
           <a:prstGeom prst="rect">
@@ -11126,7 +14169,7 @@
 </p:sld>
 </file>
 
-<file path=ppt/slides/slide31.xml><?xml version="1.0" encoding="utf-8"?>
+<file path=ppt/slides/slide39.xml><?xml version="1.0" encoding="utf-8"?>
 <p:sld xmlns:a="http://schemas.openxmlformats.org/drawingml/2006/main" xmlns:r="http://schemas.openxmlformats.org/officeDocument/2006/relationships" xmlns:p="http://schemas.openxmlformats.org/presentationml/2006/main">
   <p:cSld>
     <p:spTree>
@@ -11308,31 +14351,55 @@
           <a:chExt cx="0" cy="0"/>
         </a:xfrm>
       </p:grpSpPr>
-      <p:sp>
-        <p:nvSpPr>
-          <p:cNvPr id="2" name="Title 1"/>
-          <p:cNvSpPr>
-            <a:spLocks noGrp="1"/>
-          </p:cNvSpPr>
-          <p:nvPr>
-            <p:ph type="title"/>
-          </p:nvPr>
-        </p:nvSpPr>
-        <p:spPr/>
-        <p:txBody>
-          <a:bodyPr/>
-          <a:lstStyle/>
-          <a:p>
-            <a:r>
-              <a:rPr lang="en-US" dirty="0"/>
-              <a:t>Method 2: MRU map network drive</a:t>
-            </a:r>
-          </a:p>
-        </p:txBody>
-      </p:sp>
       <p:pic>
         <p:nvPicPr>
-          <p:cNvPr id="3" name="Picture 2"/>
+          <p:cNvPr id="5" name="Picture 4">
+            <a:extLst>
+              <a:ext uri="{FF2B5EF4-FFF2-40B4-BE49-F238E27FC236}">
+                <a16:creationId xmlns:a16="http://schemas.microsoft.com/office/drawing/2014/main" id="{E24C3EF4-C07E-4857-A4F2-7FF297771FF3}"/>
+              </a:ext>
+            </a:extLst>
+          </p:cNvPr>
+          <p:cNvPicPr>
+            <a:picLocks noChangeAspect="1"/>
+          </p:cNvPicPr>
+          <p:nvPr/>
+        </p:nvPicPr>
+        <p:blipFill>
+          <a:blip r:embed="rId2"/>
+          <a:stretch>
+            <a:fillRect/>
+          </a:stretch>
+        </p:blipFill>
+        <p:spPr>
+          <a:xfrm>
+            <a:off x="900782" y="2103985"/>
+            <a:ext cx="3177815" cy="1364098"/>
+          </a:xfrm>
+          <a:prstGeom prst="rect">
+            <a:avLst/>
+          </a:prstGeom>
+          <a:ln>
+            <a:noFill/>
+          </a:ln>
+          <a:effectLst>
+            <a:outerShdw blurRad="292100" dist="139700" dir="2700000" algn="tl" rotWithShape="0">
+              <a:srgbClr val="333333">
+                <a:alpha val="65000"/>
+              </a:srgbClr>
+            </a:outerShdw>
+          </a:effectLst>
+        </p:spPr>
+      </p:pic>
+      <p:pic>
+        <p:nvPicPr>
+          <p:cNvPr id="8" name="Picture 7">
+            <a:extLst>
+              <a:ext uri="{FF2B5EF4-FFF2-40B4-BE49-F238E27FC236}">
+                <a16:creationId xmlns:a16="http://schemas.microsoft.com/office/drawing/2014/main" id="{46C1E568-ADA6-4F9B-9349-84B89E18AA96}"/>
+              </a:ext>
+            </a:extLst>
+          </p:cNvPr>
           <p:cNvPicPr>
             <a:picLocks noChangeAspect="1"/>
           </p:cNvPicPr>
@@ -11346,55 +14413,305 @@
         </p:blipFill>
         <p:spPr>
           <a:xfrm>
-            <a:off x="838200" y="2255810"/>
-            <a:ext cx="7818798" cy="2804403"/>
+            <a:off x="5441157" y="1778732"/>
+            <a:ext cx="5372566" cy="4374259"/>
           </a:xfrm>
           <a:prstGeom prst="rect">
             <a:avLst/>
           </a:prstGeom>
+          <a:ln>
+            <a:noFill/>
+          </a:ln>
+          <a:effectLst>
+            <a:outerShdw blurRad="292100" dist="139700" dir="2700000" algn="tl" rotWithShape="0">
+              <a:srgbClr val="333333">
+                <a:alpha val="65000"/>
+              </a:srgbClr>
+            </a:outerShdw>
+          </a:effectLst>
         </p:spPr>
       </p:pic>
       <p:sp>
         <p:nvSpPr>
-          <p:cNvPr id="4" name="Rectangle 3"/>
-          <p:cNvSpPr/>
+          <p:cNvPr id="9" name="Title 8">
+            <a:extLst>
+              <a:ext uri="{FF2B5EF4-FFF2-40B4-BE49-F238E27FC236}">
+                <a16:creationId xmlns:a16="http://schemas.microsoft.com/office/drawing/2014/main" id="{07ACEBD9-6976-4C31-BF40-C141E4F546FF}"/>
+              </a:ext>
+            </a:extLst>
+          </p:cNvPr>
+          <p:cNvSpPr>
+            <a:spLocks noGrp="1"/>
+          </p:cNvSpPr>
+          <p:nvPr>
+            <p:ph type="title"/>
+          </p:nvPr>
+        </p:nvSpPr>
+        <p:spPr/>
+        <p:txBody>
+          <a:bodyPr/>
+          <a:lstStyle/>
+          <a:p>
+            <a:r>
+              <a:rPr lang="en-US" dirty="0"/>
+              <a:t>How to map network drives?</a:t>
+            </a:r>
+          </a:p>
+        </p:txBody>
+      </p:sp>
+      <p:pic>
+        <p:nvPicPr>
+          <p:cNvPr id="10" name="Picture 9">
+            <a:extLst>
+              <a:ext uri="{FF2B5EF4-FFF2-40B4-BE49-F238E27FC236}">
+                <a16:creationId xmlns:a16="http://schemas.microsoft.com/office/drawing/2014/main" id="{1B1BEA3D-1ABA-44F1-9F55-2DA5867AE041}"/>
+              </a:ext>
+            </a:extLst>
+          </p:cNvPr>
+          <p:cNvPicPr>
+            <a:picLocks noChangeAspect="1"/>
+          </p:cNvPicPr>
           <p:nvPr/>
-        </p:nvSpPr>
+        </p:nvPicPr>
+        <p:blipFill>
+          <a:blip r:embed="rId4"/>
+          <a:stretch>
+            <a:fillRect/>
+          </a:stretch>
+        </p:blipFill>
         <p:spPr>
           <a:xfrm>
-            <a:off x="838200" y="1886478"/>
-            <a:ext cx="4275529" cy="369332"/>
+            <a:off x="900782" y="4248054"/>
+            <a:ext cx="3163780" cy="1816893"/>
+          </a:xfrm>
+          <a:prstGeom prst="rect">
+            <a:avLst/>
+          </a:prstGeom>
+          <a:ln>
+            <a:noFill/>
+          </a:ln>
+          <a:effectLst>
+            <a:outerShdw blurRad="292100" dist="139700" dir="2700000" algn="tl" rotWithShape="0">
+              <a:srgbClr val="333333">
+                <a:alpha val="65000"/>
+              </a:srgbClr>
+            </a:outerShdw>
+          </a:effectLst>
+        </p:spPr>
+      </p:pic>
+      <p:sp>
+        <p:nvSpPr>
+          <p:cNvPr id="11" name="TextBox 10">
+            <a:extLst>
+              <a:ext uri="{FF2B5EF4-FFF2-40B4-BE49-F238E27FC236}">
+                <a16:creationId xmlns:a16="http://schemas.microsoft.com/office/drawing/2014/main" id="{AC30A9F9-F441-497F-BE69-664A3FF2219C}"/>
+              </a:ext>
+            </a:extLst>
+          </p:cNvPr>
+          <p:cNvSpPr txBox="1"/>
+          <p:nvPr/>
+        </p:nvSpPr>
+        <p:spPr>
+          <a:xfrm>
+            <a:off x="895027" y="1594066"/>
+            <a:ext cx="1108380" cy="369332"/>
           </a:xfrm>
           <a:prstGeom prst="rect">
             <a:avLst/>
           </a:prstGeom>
           <a:solidFill>
-            <a:srgbClr val="FFC000"/>
+            <a:schemeClr val="accent4">
+              <a:lumMod val="20000"/>
+              <a:lumOff val="80000"/>
+            </a:schemeClr>
           </a:solidFill>
         </p:spPr>
         <p:txBody>
-          <a:bodyPr wrap="none">
+          <a:bodyPr wrap="none" rtlCol="0">
             <a:spAutoFit/>
           </a:bodyPr>
           <a:lstStyle/>
           <a:p>
             <a:r>
-              <a:rPr lang="en-US" dirty="0">
-                <a:solidFill>
-                  <a:srgbClr val="202124"/>
-                </a:solidFill>
-                <a:latin typeface="Roboto"/>
-              </a:rPr>
-              <a:t>Map Network Drive Most Recently Used</a:t>
-            </a:r>
-            <a:endParaRPr lang="en-US" dirty="0"/>
-          </a:p>
-        </p:txBody>
-      </p:sp>
+              <a:rPr lang="en-US" dirty="0"/>
+              <a:t>Method 1</a:t>
+            </a:r>
+          </a:p>
+        </p:txBody>
+      </p:sp>
+      <p:sp>
+        <p:nvSpPr>
+          <p:cNvPr id="12" name="TextBox 11">
+            <a:extLst>
+              <a:ext uri="{FF2B5EF4-FFF2-40B4-BE49-F238E27FC236}">
+                <a16:creationId xmlns:a16="http://schemas.microsoft.com/office/drawing/2014/main" id="{85D12330-6573-44FF-8071-B240B6BAA285}"/>
+              </a:ext>
+            </a:extLst>
+          </p:cNvPr>
+          <p:cNvSpPr txBox="1"/>
+          <p:nvPr/>
+        </p:nvSpPr>
+        <p:spPr>
+          <a:xfrm>
+            <a:off x="895027" y="3878722"/>
+            <a:ext cx="2226059" cy="369332"/>
+          </a:xfrm>
+          <a:prstGeom prst="rect">
+            <a:avLst/>
+          </a:prstGeom>
+          <a:solidFill>
+            <a:schemeClr val="accent4">
+              <a:lumMod val="20000"/>
+              <a:lumOff val="80000"/>
+            </a:schemeClr>
+          </a:solidFill>
+        </p:spPr>
+        <p:txBody>
+          <a:bodyPr wrap="none" rtlCol="0">
+            <a:spAutoFit/>
+          </a:bodyPr>
+          <a:lstStyle/>
+          <a:p>
+            <a:r>
+              <a:rPr lang="en-US" dirty="0"/>
+              <a:t>Method 2: Start-&gt;Run</a:t>
+            </a:r>
+          </a:p>
+        </p:txBody>
+      </p:sp>
+      <p:cxnSp>
+        <p:nvCxnSpPr>
+          <p:cNvPr id="14" name="Straight Connector 13">
+            <a:extLst>
+              <a:ext uri="{FF2B5EF4-FFF2-40B4-BE49-F238E27FC236}">
+                <a16:creationId xmlns:a16="http://schemas.microsoft.com/office/drawing/2014/main" id="{CF2591DA-8920-4037-AFCE-35F7E8D7D44D}"/>
+              </a:ext>
+            </a:extLst>
+          </p:cNvPr>
+          <p:cNvCxnSpPr>
+            <a:cxnSpLocks/>
+          </p:cNvCxnSpPr>
+          <p:nvPr/>
+        </p:nvCxnSpPr>
+        <p:spPr>
+          <a:xfrm>
+            <a:off x="838200" y="3719593"/>
+            <a:ext cx="4051515" cy="0"/>
+          </a:xfrm>
+          <a:prstGeom prst="line">
+            <a:avLst/>
+          </a:prstGeom>
+          <a:ln w="38100">
+            <a:solidFill>
+              <a:srgbClr val="FF0000"/>
+            </a:solidFill>
+          </a:ln>
+        </p:spPr>
+        <p:style>
+          <a:lnRef idx="1">
+            <a:schemeClr val="accent2"/>
+          </a:lnRef>
+          <a:fillRef idx="0">
+            <a:schemeClr val="accent2"/>
+          </a:fillRef>
+          <a:effectRef idx="0">
+            <a:schemeClr val="accent2"/>
+          </a:effectRef>
+          <a:fontRef idx="minor">
+            <a:schemeClr val="tx1"/>
+          </a:fontRef>
+        </p:style>
+      </p:cxnSp>
+      <p:cxnSp>
+        <p:nvCxnSpPr>
+          <p:cNvPr id="15" name="Straight Connector 14">
+            <a:extLst>
+              <a:ext uri="{FF2B5EF4-FFF2-40B4-BE49-F238E27FC236}">
+                <a16:creationId xmlns:a16="http://schemas.microsoft.com/office/drawing/2014/main" id="{F2F5D240-4683-4AC6-B2EC-890F8CA9E76F}"/>
+              </a:ext>
+            </a:extLst>
+          </p:cNvPr>
+          <p:cNvCxnSpPr>
+            <a:cxnSpLocks/>
+          </p:cNvCxnSpPr>
+          <p:nvPr/>
+        </p:nvCxnSpPr>
+        <p:spPr>
+          <a:xfrm>
+            <a:off x="4889715" y="3719593"/>
+            <a:ext cx="0" cy="2557221"/>
+          </a:xfrm>
+          <a:prstGeom prst="line">
+            <a:avLst/>
+          </a:prstGeom>
+          <a:ln w="38100">
+            <a:solidFill>
+              <a:srgbClr val="FF0000"/>
+            </a:solidFill>
+          </a:ln>
+        </p:spPr>
+        <p:style>
+          <a:lnRef idx="1">
+            <a:schemeClr val="accent2"/>
+          </a:lnRef>
+          <a:fillRef idx="0">
+            <a:schemeClr val="accent2"/>
+          </a:fillRef>
+          <a:effectRef idx="0">
+            <a:schemeClr val="accent2"/>
+          </a:effectRef>
+          <a:fontRef idx="minor">
+            <a:schemeClr val="tx1"/>
+          </a:fontRef>
+        </p:style>
+      </p:cxnSp>
+      <p:cxnSp>
+        <p:nvCxnSpPr>
+          <p:cNvPr id="20" name="Straight Connector 19">
+            <a:extLst>
+              <a:ext uri="{FF2B5EF4-FFF2-40B4-BE49-F238E27FC236}">
+                <a16:creationId xmlns:a16="http://schemas.microsoft.com/office/drawing/2014/main" id="{CEEA6B7B-CB6B-4604-B06F-8CEB8F26B98D}"/>
+              </a:ext>
+            </a:extLst>
+          </p:cNvPr>
+          <p:cNvCxnSpPr>
+            <a:cxnSpLocks/>
+          </p:cNvCxnSpPr>
+          <p:nvPr/>
+        </p:nvCxnSpPr>
+        <p:spPr>
+          <a:xfrm>
+            <a:off x="4889715" y="6276814"/>
+            <a:ext cx="6044339" cy="0"/>
+          </a:xfrm>
+          <a:prstGeom prst="line">
+            <a:avLst/>
+          </a:prstGeom>
+          <a:ln w="38100">
+            <a:solidFill>
+              <a:srgbClr val="FF0000"/>
+            </a:solidFill>
+          </a:ln>
+        </p:spPr>
+        <p:style>
+          <a:lnRef idx="1">
+            <a:schemeClr val="accent2"/>
+          </a:lnRef>
+          <a:fillRef idx="0">
+            <a:schemeClr val="accent2"/>
+          </a:fillRef>
+          <a:effectRef idx="0">
+            <a:schemeClr val="accent2"/>
+          </a:effectRef>
+          <a:fontRef idx="minor">
+            <a:schemeClr val="tx1"/>
+          </a:fontRef>
+        </p:style>
+      </p:cxnSp>
     </p:spTree>
     <p:extLst>
       <p:ext uri="{BB962C8B-B14F-4D97-AF65-F5344CB8AC3E}">
-        <p14:creationId xmlns:p14="http://schemas.microsoft.com/office/powerpoint/2010/main" val="3205019338"/>
+        <p14:creationId xmlns:p14="http://schemas.microsoft.com/office/powerpoint/2010/main" val="1113331362"/>
       </p:ext>
     </p:extLst>
   </p:cSld>
@@ -11423,6 +14740,485 @@
       </p:grpSpPr>
       <p:sp>
         <p:nvSpPr>
+          <p:cNvPr id="2" name="Title 1">
+            <a:extLst>
+              <a:ext uri="{FF2B5EF4-FFF2-40B4-BE49-F238E27FC236}">
+                <a16:creationId xmlns:a16="http://schemas.microsoft.com/office/drawing/2014/main" id="{E9985047-FFC1-4DCB-BBBD-2EF2295AEACB}"/>
+              </a:ext>
+            </a:extLst>
+          </p:cNvPr>
+          <p:cNvSpPr>
+            <a:spLocks noGrp="1"/>
+          </p:cNvSpPr>
+          <p:nvPr>
+            <p:ph type="title"/>
+          </p:nvPr>
+        </p:nvSpPr>
+        <p:spPr/>
+        <p:txBody>
+          <a:bodyPr/>
+          <a:lstStyle/>
+          <a:p>
+            <a:r>
+              <a:rPr lang="en-US" dirty="0"/>
+              <a:t>Mounting related evidence</a:t>
+            </a:r>
+          </a:p>
+        </p:txBody>
+      </p:sp>
+      <p:sp>
+        <p:nvSpPr>
+          <p:cNvPr id="3" name="Content Placeholder 2">
+            <a:extLst>
+              <a:ext uri="{FF2B5EF4-FFF2-40B4-BE49-F238E27FC236}">
+                <a16:creationId xmlns:a16="http://schemas.microsoft.com/office/drawing/2014/main" id="{379DA28D-9AAC-4911-9BC2-1E9BAEE9EFBC}"/>
+              </a:ext>
+            </a:extLst>
+          </p:cNvPr>
+          <p:cNvSpPr>
+            <a:spLocks noGrp="1"/>
+          </p:cNvSpPr>
+          <p:nvPr>
+            <p:ph idx="1"/>
+          </p:nvPr>
+        </p:nvSpPr>
+        <p:spPr/>
+        <p:txBody>
+          <a:bodyPr/>
+          <a:lstStyle/>
+          <a:p>
+            <a:r>
+              <a:rPr lang="en-US" dirty="0"/>
+              <a:t>During mounting process</a:t>
+            </a:r>
+          </a:p>
+          <a:p>
+            <a:pPr lvl="1"/>
+            <a:r>
+              <a:rPr lang="en-US" dirty="0"/>
+              <a:t>Windows Explorer</a:t>
+            </a:r>
+          </a:p>
+          <a:p>
+            <a:pPr lvl="1"/>
+            <a:r>
+              <a:rPr lang="en-US" dirty="0"/>
+              <a:t>Run Command line</a:t>
+            </a:r>
+          </a:p>
+          <a:p>
+            <a:r>
+              <a:rPr lang="en-US" dirty="0"/>
+              <a:t>After mounting</a:t>
+            </a:r>
+          </a:p>
+          <a:p>
+            <a:pPr lvl="1"/>
+            <a:r>
+              <a:rPr lang="en-US" dirty="0"/>
+              <a:t>Mounting points</a:t>
+            </a:r>
+          </a:p>
+          <a:p>
+            <a:pPr lvl="1"/>
+            <a:r>
+              <a:rPr lang="en-US" dirty="0"/>
+              <a:t>Mounted device</a:t>
+            </a:r>
+          </a:p>
+          <a:p>
+            <a:pPr lvl="1"/>
+            <a:r>
+              <a:rPr lang="en-US" dirty="0"/>
+              <a:t>Most recently used mounted devices</a:t>
+            </a:r>
+          </a:p>
+        </p:txBody>
+      </p:sp>
+      <p:pic>
+        <p:nvPicPr>
+          <p:cNvPr id="4" name="Picture 3">
+            <a:extLst>
+              <a:ext uri="{FF2B5EF4-FFF2-40B4-BE49-F238E27FC236}">
+                <a16:creationId xmlns:a16="http://schemas.microsoft.com/office/drawing/2014/main" id="{A9994E2D-D9C4-4276-9A91-906EA123E2C7}"/>
+              </a:ext>
+            </a:extLst>
+          </p:cNvPr>
+          <p:cNvPicPr>
+            <a:picLocks noChangeAspect="1"/>
+          </p:cNvPicPr>
+          <p:nvPr/>
+        </p:nvPicPr>
+        <p:blipFill>
+          <a:blip r:embed="rId2"/>
+          <a:stretch>
+            <a:fillRect/>
+          </a:stretch>
+        </p:blipFill>
+        <p:spPr>
+          <a:xfrm>
+            <a:off x="6739607" y="1616075"/>
+            <a:ext cx="3177815" cy="1364098"/>
+          </a:xfrm>
+          <a:prstGeom prst="rect">
+            <a:avLst/>
+          </a:prstGeom>
+          <a:ln>
+            <a:noFill/>
+          </a:ln>
+          <a:effectLst>
+            <a:outerShdw blurRad="292100" dist="139700" dir="2700000" algn="tl" rotWithShape="0">
+              <a:srgbClr val="333333">
+                <a:alpha val="65000"/>
+              </a:srgbClr>
+            </a:outerShdw>
+          </a:effectLst>
+        </p:spPr>
+      </p:pic>
+      <p:pic>
+        <p:nvPicPr>
+          <p:cNvPr id="5" name="Picture 4">
+            <a:extLst>
+              <a:ext uri="{FF2B5EF4-FFF2-40B4-BE49-F238E27FC236}">
+                <a16:creationId xmlns:a16="http://schemas.microsoft.com/office/drawing/2014/main" id="{8A235527-0052-4392-AB30-A0CCE7C0C262}"/>
+              </a:ext>
+            </a:extLst>
+          </p:cNvPr>
+          <p:cNvPicPr>
+            <a:picLocks noChangeAspect="1"/>
+          </p:cNvPicPr>
+          <p:nvPr/>
+        </p:nvPicPr>
+        <p:blipFill>
+          <a:blip r:embed="rId3"/>
+          <a:stretch>
+            <a:fillRect/>
+          </a:stretch>
+        </p:blipFill>
+        <p:spPr>
+          <a:xfrm>
+            <a:off x="6739607" y="3512494"/>
+            <a:ext cx="3163780" cy="1816893"/>
+          </a:xfrm>
+          <a:prstGeom prst="rect">
+            <a:avLst/>
+          </a:prstGeom>
+          <a:ln>
+            <a:noFill/>
+          </a:ln>
+          <a:effectLst>
+            <a:outerShdw blurRad="292100" dist="139700" dir="2700000" algn="tl" rotWithShape="0">
+              <a:srgbClr val="333333">
+                <a:alpha val="65000"/>
+              </a:srgbClr>
+            </a:outerShdw>
+          </a:effectLst>
+        </p:spPr>
+      </p:pic>
+      <p:cxnSp>
+        <p:nvCxnSpPr>
+          <p:cNvPr id="7" name="Straight Arrow Connector 6">
+            <a:extLst>
+              <a:ext uri="{FF2B5EF4-FFF2-40B4-BE49-F238E27FC236}">
+                <a16:creationId xmlns:a16="http://schemas.microsoft.com/office/drawing/2014/main" id="{AF2FF279-0167-457C-894F-FE0DC0B2879E}"/>
+              </a:ext>
+            </a:extLst>
+          </p:cNvPr>
+          <p:cNvCxnSpPr>
+            <a:stCxn id="4" idx="1"/>
+            <a:endCxn id="4" idx="1"/>
+          </p:cNvCxnSpPr>
+          <p:nvPr/>
+        </p:nvCxnSpPr>
+        <p:spPr>
+          <a:xfrm>
+            <a:off x="6739607" y="2298124"/>
+            <a:ext cx="0" cy="0"/>
+          </a:xfrm>
+          <a:prstGeom prst="straightConnector1">
+            <a:avLst/>
+          </a:prstGeom>
+          <a:ln>
+            <a:tailEnd type="triangle"/>
+          </a:ln>
+        </p:spPr>
+        <p:style>
+          <a:lnRef idx="1">
+            <a:schemeClr val="accent1"/>
+          </a:lnRef>
+          <a:fillRef idx="0">
+            <a:schemeClr val="accent1"/>
+          </a:fillRef>
+          <a:effectRef idx="0">
+            <a:schemeClr val="accent1"/>
+          </a:effectRef>
+          <a:fontRef idx="minor">
+            <a:schemeClr val="tx1"/>
+          </a:fontRef>
+        </p:style>
+      </p:cxnSp>
+      <p:cxnSp>
+        <p:nvCxnSpPr>
+          <p:cNvPr id="9" name="Straight Arrow Connector 8">
+            <a:extLst>
+              <a:ext uri="{FF2B5EF4-FFF2-40B4-BE49-F238E27FC236}">
+                <a16:creationId xmlns:a16="http://schemas.microsoft.com/office/drawing/2014/main" id="{A176F3E3-59D3-4A4F-85B9-3BA2ACF4B83A}"/>
+              </a:ext>
+            </a:extLst>
+          </p:cNvPr>
+          <p:cNvCxnSpPr>
+            <a:stCxn id="4" idx="1"/>
+            <a:endCxn id="4" idx="1"/>
+          </p:cNvCxnSpPr>
+          <p:nvPr/>
+        </p:nvCxnSpPr>
+        <p:spPr>
+          <a:xfrm>
+            <a:off x="6739607" y="2298124"/>
+            <a:ext cx="0" cy="0"/>
+          </a:xfrm>
+          <a:prstGeom prst="straightConnector1">
+            <a:avLst/>
+          </a:prstGeom>
+          <a:ln>
+            <a:tailEnd type="triangle"/>
+          </a:ln>
+        </p:spPr>
+        <p:style>
+          <a:lnRef idx="1">
+            <a:schemeClr val="accent1"/>
+          </a:lnRef>
+          <a:fillRef idx="0">
+            <a:schemeClr val="accent1"/>
+          </a:fillRef>
+          <a:effectRef idx="0">
+            <a:schemeClr val="accent1"/>
+          </a:effectRef>
+          <a:fontRef idx="minor">
+            <a:schemeClr val="tx1"/>
+          </a:fontRef>
+        </p:style>
+      </p:cxnSp>
+      <p:cxnSp>
+        <p:nvCxnSpPr>
+          <p:cNvPr id="11" name="Straight Arrow Connector 10">
+            <a:extLst>
+              <a:ext uri="{FF2B5EF4-FFF2-40B4-BE49-F238E27FC236}">
+                <a16:creationId xmlns:a16="http://schemas.microsoft.com/office/drawing/2014/main" id="{1FD01AB1-70A4-4203-9E3D-E96AEC4AA377}"/>
+              </a:ext>
+            </a:extLst>
+          </p:cNvPr>
+          <p:cNvCxnSpPr>
+            <a:cxnSpLocks/>
+            <a:stCxn id="4" idx="1"/>
+          </p:cNvCxnSpPr>
+          <p:nvPr/>
+        </p:nvCxnSpPr>
+        <p:spPr>
+          <a:xfrm flipH="1">
+            <a:off x="4285281" y="2298124"/>
+            <a:ext cx="2454326" cy="197103"/>
+          </a:xfrm>
+          <a:prstGeom prst="straightConnector1">
+            <a:avLst/>
+          </a:prstGeom>
+          <a:ln>
+            <a:tailEnd type="triangle"/>
+          </a:ln>
+        </p:spPr>
+        <p:style>
+          <a:lnRef idx="1">
+            <a:schemeClr val="accent2"/>
+          </a:lnRef>
+          <a:fillRef idx="0">
+            <a:schemeClr val="accent2"/>
+          </a:fillRef>
+          <a:effectRef idx="0">
+            <a:schemeClr val="accent2"/>
+          </a:effectRef>
+          <a:fontRef idx="minor">
+            <a:schemeClr val="tx1"/>
+          </a:fontRef>
+        </p:style>
+      </p:cxnSp>
+      <p:cxnSp>
+        <p:nvCxnSpPr>
+          <p:cNvPr id="13" name="Straight Arrow Connector 12">
+            <a:extLst>
+              <a:ext uri="{FF2B5EF4-FFF2-40B4-BE49-F238E27FC236}">
+                <a16:creationId xmlns:a16="http://schemas.microsoft.com/office/drawing/2014/main" id="{27635CFE-7454-4835-B2C9-E0413A881ABB}"/>
+              </a:ext>
+            </a:extLst>
+          </p:cNvPr>
+          <p:cNvCxnSpPr>
+            <a:cxnSpLocks/>
+            <a:stCxn id="5" idx="1"/>
+          </p:cNvCxnSpPr>
+          <p:nvPr/>
+        </p:nvCxnSpPr>
+        <p:spPr>
+          <a:xfrm flipH="1" flipV="1">
+            <a:off x="4285281" y="2941638"/>
+            <a:ext cx="2454326" cy="1479303"/>
+          </a:xfrm>
+          <a:prstGeom prst="straightConnector1">
+            <a:avLst/>
+          </a:prstGeom>
+          <a:ln>
+            <a:tailEnd type="triangle"/>
+          </a:ln>
+        </p:spPr>
+        <p:style>
+          <a:lnRef idx="1">
+            <a:schemeClr val="accent2"/>
+          </a:lnRef>
+          <a:fillRef idx="0">
+            <a:schemeClr val="accent2"/>
+          </a:fillRef>
+          <a:effectRef idx="0">
+            <a:schemeClr val="accent2"/>
+          </a:effectRef>
+          <a:fontRef idx="minor">
+            <a:schemeClr val="tx1"/>
+          </a:fontRef>
+        </p:style>
+      </p:cxnSp>
+    </p:spTree>
+    <p:extLst>
+      <p:ext uri="{BB962C8B-B14F-4D97-AF65-F5344CB8AC3E}">
+        <p14:creationId xmlns:p14="http://schemas.microsoft.com/office/powerpoint/2010/main" val="1478227442"/>
+      </p:ext>
+    </p:extLst>
+  </p:cSld>
+  <p:clrMapOvr>
+    <a:masterClrMapping/>
+  </p:clrMapOvr>
+</p:sld>
+</file>
+
+<file path=ppt/slides/slide6.xml><?xml version="1.0" encoding="utf-8"?>
+<p:sld xmlns:a="http://schemas.openxmlformats.org/drawingml/2006/main" xmlns:r="http://schemas.openxmlformats.org/officeDocument/2006/relationships" xmlns:p="http://schemas.openxmlformats.org/presentationml/2006/main">
+  <p:cSld>
+    <p:spTree>
+      <p:nvGrpSpPr>
+        <p:cNvPr id="1" name=""/>
+        <p:cNvGrpSpPr/>
+        <p:nvPr/>
+      </p:nvGrpSpPr>
+      <p:grpSpPr>
+        <a:xfrm>
+          <a:off x="0" y="0"/>
+          <a:ext cx="0" cy="0"/>
+          <a:chOff x="0" y="0"/>
+          <a:chExt cx="0" cy="0"/>
+        </a:xfrm>
+      </p:grpSpPr>
+      <p:sp>
+        <p:nvSpPr>
+          <p:cNvPr id="2" name="Title 1">
+            <a:extLst>
+              <a:ext uri="{FF2B5EF4-FFF2-40B4-BE49-F238E27FC236}">
+                <a16:creationId xmlns:a16="http://schemas.microsoft.com/office/drawing/2014/main" id="{98F6B0E7-FEBE-464E-AE69-92DC72460F29}"/>
+              </a:ext>
+            </a:extLst>
+          </p:cNvPr>
+          <p:cNvSpPr>
+            <a:spLocks noGrp="1"/>
+          </p:cNvSpPr>
+          <p:nvPr>
+            <p:ph type="title"/>
+          </p:nvPr>
+        </p:nvSpPr>
+        <p:spPr/>
+        <p:txBody>
+          <a:bodyPr/>
+          <a:lstStyle/>
+          <a:p>
+            <a:r>
+              <a:rPr lang="en-US" dirty="0"/>
+              <a:t>Method 1: Evidence left on Windows Explorer</a:t>
+            </a:r>
+          </a:p>
+        </p:txBody>
+      </p:sp>
+      <p:sp>
+        <p:nvSpPr>
+          <p:cNvPr id="3" name="Content Placeholder 2">
+            <a:extLst>
+              <a:ext uri="{FF2B5EF4-FFF2-40B4-BE49-F238E27FC236}">
+                <a16:creationId xmlns:a16="http://schemas.microsoft.com/office/drawing/2014/main" id="{4057717D-EC05-44EC-AB96-CF263544D46E}"/>
+              </a:ext>
+            </a:extLst>
+          </p:cNvPr>
+          <p:cNvSpPr>
+            <a:spLocks noGrp="1"/>
+          </p:cNvSpPr>
+          <p:nvPr>
+            <p:ph idx="1"/>
+          </p:nvPr>
+        </p:nvSpPr>
+        <p:spPr/>
+        <p:txBody>
+          <a:bodyPr/>
+          <a:lstStyle/>
+          <a:p>
+            <a:r>
+              <a:rPr lang="en-US" dirty="0"/>
+              <a:t>Can you find something in </a:t>
+            </a:r>
+            <a:r>
+              <a:rPr lang="en-US" i="1" dirty="0" err="1">
+                <a:solidFill>
+                  <a:srgbClr val="FF0000"/>
+                </a:solidFill>
+              </a:rPr>
+              <a:t>Shellbag</a:t>
+            </a:r>
+            <a:r>
+              <a:rPr lang="en-US" dirty="0"/>
+              <a:t>?</a:t>
+            </a:r>
+          </a:p>
+          <a:p>
+            <a:r>
+              <a:rPr lang="en-US" dirty="0"/>
+              <a:t>This is a part of the assignment</a:t>
+            </a:r>
+          </a:p>
+        </p:txBody>
+      </p:sp>
+    </p:spTree>
+    <p:extLst>
+      <p:ext uri="{BB962C8B-B14F-4D97-AF65-F5344CB8AC3E}">
+        <p14:creationId xmlns:p14="http://schemas.microsoft.com/office/powerpoint/2010/main" val="1039311116"/>
+      </p:ext>
+    </p:extLst>
+  </p:cSld>
+  <p:clrMapOvr>
+    <a:masterClrMapping/>
+  </p:clrMapOvr>
+</p:sld>
+</file>
+
+<file path=ppt/slides/slide7.xml><?xml version="1.0" encoding="utf-8"?>
+<p:sld xmlns:a="http://schemas.openxmlformats.org/drawingml/2006/main" xmlns:r="http://schemas.openxmlformats.org/officeDocument/2006/relationships" xmlns:p="http://schemas.openxmlformats.org/presentationml/2006/main">
+  <p:cSld>
+    <p:spTree>
+      <p:nvGrpSpPr>
+        <p:cNvPr id="1" name=""/>
+        <p:cNvGrpSpPr/>
+        <p:nvPr/>
+      </p:nvGrpSpPr>
+      <p:grpSpPr>
+        <a:xfrm>
+          <a:off x="0" y="0"/>
+          <a:ext cx="0" cy="0"/>
+          <a:chOff x="0" y="0"/>
+          <a:chExt cx="0" cy="0"/>
+        </a:xfrm>
+      </p:grpSpPr>
+      <p:sp>
+        <p:nvSpPr>
           <p:cNvPr id="2" name="Title 1"/>
           <p:cNvSpPr>
             <a:spLocks noGrp="1"/>
@@ -11438,7 +15234,220 @@
           <a:p>
             <a:r>
               <a:rPr lang="en-US" dirty="0"/>
-              <a:t>Method 3</a:t>
+              <a:t>Method 2: MRU commands via </a:t>
+            </a:r>
+            <a:r>
+              <a:rPr lang="en-US" i="1" dirty="0">
+                <a:solidFill>
+                  <a:srgbClr val="0082BC"/>
+                </a:solidFill>
+              </a:rPr>
+              <a:t>Start-&gt; Run</a:t>
+            </a:r>
+          </a:p>
+        </p:txBody>
+      </p:sp>
+      <p:pic>
+        <p:nvPicPr>
+          <p:cNvPr id="4" name="Picture 3"/>
+          <p:cNvPicPr>
+            <a:picLocks noChangeAspect="1"/>
+          </p:cNvPicPr>
+          <p:nvPr/>
+        </p:nvPicPr>
+        <p:blipFill>
+          <a:blip r:embed="rId3"/>
+          <a:stretch>
+            <a:fillRect/>
+          </a:stretch>
+        </p:blipFill>
+        <p:spPr>
+          <a:xfrm>
+            <a:off x="4015252" y="1690688"/>
+            <a:ext cx="7491984" cy="3521950"/>
+          </a:xfrm>
+          <a:prstGeom prst="rect">
+            <a:avLst/>
+          </a:prstGeom>
+        </p:spPr>
+      </p:pic>
+      <p:sp>
+        <p:nvSpPr>
+          <p:cNvPr id="5" name="Rectangle 4"/>
+          <p:cNvSpPr/>
+          <p:nvPr/>
+        </p:nvSpPr>
+        <p:spPr>
+          <a:xfrm>
+            <a:off x="4015252" y="5212638"/>
+            <a:ext cx="7491984" cy="1200329"/>
+          </a:xfrm>
+          <a:prstGeom prst="rect">
+            <a:avLst/>
+          </a:prstGeom>
+          <a:solidFill>
+            <a:schemeClr val="accent4">
+              <a:lumMod val="20000"/>
+              <a:lumOff val="80000"/>
+            </a:schemeClr>
+          </a:solidFill>
+        </p:spPr>
+        <p:txBody>
+          <a:bodyPr wrap="square">
+            <a:spAutoFit/>
+          </a:bodyPr>
+          <a:lstStyle/>
+          <a:p>
+            <a:pPr marL="285750" indent="-285750">
+              <a:buFont typeface="Arial" panose="020B0604020202020204" pitchFamily="34" charset="0"/>
+              <a:buChar char="•"/>
+            </a:pPr>
+            <a:r>
+              <a:rPr lang="en-US" dirty="0"/>
+              <a:t>Most Recently Used (MRU) : recently opened webpages, documents, files, images and other applications. </a:t>
+            </a:r>
+          </a:p>
+          <a:p>
+            <a:pPr marL="285750" indent="-285750">
+              <a:buFont typeface="Arial" panose="020B0604020202020204" pitchFamily="34" charset="0"/>
+              <a:buChar char="•"/>
+            </a:pPr>
+            <a:r>
+              <a:rPr lang="en-US" dirty="0"/>
+              <a:t>For example, when a computer user opens Microsoft Word, he/she may see a list of previously opened Word documents within the application.</a:t>
+            </a:r>
+          </a:p>
+        </p:txBody>
+      </p:sp>
+      <p:sp>
+        <p:nvSpPr>
+          <p:cNvPr id="6" name="TextBox 5"/>
+          <p:cNvSpPr txBox="1"/>
+          <p:nvPr/>
+        </p:nvSpPr>
+        <p:spPr>
+          <a:xfrm>
+            <a:off x="187411" y="5443470"/>
+            <a:ext cx="3363097" cy="646331"/>
+          </a:xfrm>
+          <a:prstGeom prst="rect">
+            <a:avLst/>
+          </a:prstGeom>
+          <a:noFill/>
+        </p:spPr>
+        <p:txBody>
+          <a:bodyPr wrap="square" rtlCol="0">
+            <a:spAutoFit/>
+          </a:bodyPr>
+          <a:lstStyle/>
+          <a:p>
+            <a:r>
+              <a:rPr lang="en-US" dirty="0"/>
+              <a:t>Again, seems the timestamp is </a:t>
+            </a:r>
+            <a:r>
+              <a:rPr lang="en-US" dirty="0">
+                <a:solidFill>
+                  <a:srgbClr val="FF0000"/>
+                </a:solidFill>
+              </a:rPr>
+              <a:t>inaccurate</a:t>
+            </a:r>
+            <a:r>
+              <a:rPr lang="en-US" dirty="0"/>
+              <a:t>. </a:t>
+            </a:r>
+          </a:p>
+        </p:txBody>
+      </p:sp>
+      <p:pic>
+        <p:nvPicPr>
+          <p:cNvPr id="8" name="Picture 7">
+            <a:extLst>
+              <a:ext uri="{FF2B5EF4-FFF2-40B4-BE49-F238E27FC236}">
+                <a16:creationId xmlns:a16="http://schemas.microsoft.com/office/drawing/2014/main" id="{6185BBCF-DFB3-43A2-BF2D-C13CA34EE709}"/>
+              </a:ext>
+            </a:extLst>
+          </p:cNvPr>
+          <p:cNvPicPr>
+            <a:picLocks noChangeAspect="1"/>
+          </p:cNvPicPr>
+          <p:nvPr/>
+        </p:nvPicPr>
+        <p:blipFill>
+          <a:blip r:embed="rId4"/>
+          <a:stretch>
+            <a:fillRect/>
+          </a:stretch>
+        </p:blipFill>
+        <p:spPr>
+          <a:xfrm>
+            <a:off x="684764" y="1750185"/>
+            <a:ext cx="3163780" cy="1816893"/>
+          </a:xfrm>
+          <a:prstGeom prst="rect">
+            <a:avLst/>
+          </a:prstGeom>
+          <a:ln>
+            <a:noFill/>
+          </a:ln>
+          <a:effectLst>
+            <a:outerShdw blurRad="292100" dist="139700" dir="2700000" algn="tl" rotWithShape="0">
+              <a:srgbClr val="333333">
+                <a:alpha val="65000"/>
+              </a:srgbClr>
+            </a:outerShdw>
+          </a:effectLst>
+        </p:spPr>
+      </p:pic>
+    </p:spTree>
+    <p:extLst>
+      <p:ext uri="{BB962C8B-B14F-4D97-AF65-F5344CB8AC3E}">
+        <p14:creationId xmlns:p14="http://schemas.microsoft.com/office/powerpoint/2010/main" val="2906097788"/>
+      </p:ext>
+    </p:extLst>
+  </p:cSld>
+  <p:clrMapOvr>
+    <a:masterClrMapping/>
+  </p:clrMapOvr>
+</p:sld>
+</file>
+
+<file path=ppt/slides/slide8.xml><?xml version="1.0" encoding="utf-8"?>
+<p:sld xmlns:a="http://schemas.openxmlformats.org/drawingml/2006/main" xmlns:r="http://schemas.openxmlformats.org/officeDocument/2006/relationships" xmlns:p="http://schemas.openxmlformats.org/presentationml/2006/main">
+  <p:cSld>
+    <p:spTree>
+      <p:nvGrpSpPr>
+        <p:cNvPr id="1" name=""/>
+        <p:cNvGrpSpPr/>
+        <p:nvPr/>
+      </p:nvGrpSpPr>
+      <p:grpSpPr>
+        <a:xfrm>
+          <a:off x="0" y="0"/>
+          <a:ext cx="0" cy="0"/>
+          <a:chOff x="0" y="0"/>
+          <a:chExt cx="0" cy="0"/>
+        </a:xfrm>
+      </p:grpSpPr>
+      <p:sp>
+        <p:nvSpPr>
+          <p:cNvPr id="2" name="Title 1"/>
+          <p:cNvSpPr>
+            <a:spLocks noGrp="1"/>
+          </p:cNvSpPr>
+          <p:nvPr>
+            <p:ph type="title"/>
+          </p:nvPr>
+        </p:nvSpPr>
+        <p:spPr/>
+        <p:txBody>
+          <a:bodyPr/>
+          <a:lstStyle/>
+          <a:p>
+            <a:r>
+              <a:rPr lang="en-US" dirty="0"/>
+              <a:t>Method 3: mounting points</a:t>
             </a:r>
           </a:p>
         </p:txBody>
@@ -11480,7 +15489,7 @@
 </p:sld>
 </file>
 
-<file path=ppt/slides/slide6.xml><?xml version="1.0" encoding="utf-8"?>
+<file path=ppt/slides/slide9.xml><?xml version="1.0" encoding="utf-8"?>
 <p:sld xmlns:a="http://schemas.openxmlformats.org/drawingml/2006/main" xmlns:r="http://schemas.openxmlformats.org/officeDocument/2006/relationships" xmlns:p="http://schemas.openxmlformats.org/presentationml/2006/main">
   <p:cSld>
     <p:spTree>
@@ -11514,7 +15523,7 @@
           <a:p>
             <a:r>
               <a:rPr lang="en-US" dirty="0"/>
-              <a:t>Method 4</a:t>
+              <a:t>Method 4: mounted devices</a:t>
             </a:r>
           </a:p>
         </p:txBody>
@@ -11547,818 +15556,6 @@
     <p:extLst>
       <p:ext uri="{BB962C8B-B14F-4D97-AF65-F5344CB8AC3E}">
         <p14:creationId xmlns:p14="http://schemas.microsoft.com/office/powerpoint/2010/main" val="1088256087"/>
-      </p:ext>
-    </p:extLst>
-  </p:cSld>
-  <p:clrMapOvr>
-    <a:masterClrMapping/>
-  </p:clrMapOvr>
-</p:sld>
-</file>
-
-<file path=ppt/slides/slide7.xml><?xml version="1.0" encoding="utf-8"?>
-<p:sld xmlns:a="http://schemas.openxmlformats.org/drawingml/2006/main" xmlns:r="http://schemas.openxmlformats.org/officeDocument/2006/relationships" xmlns:p="http://schemas.openxmlformats.org/presentationml/2006/main">
-  <p:cSld>
-    <p:spTree>
-      <p:nvGrpSpPr>
-        <p:cNvPr id="1" name=""/>
-        <p:cNvGrpSpPr/>
-        <p:nvPr/>
-      </p:nvGrpSpPr>
-      <p:grpSpPr>
-        <a:xfrm>
-          <a:off x="0" y="0"/>
-          <a:ext cx="0" cy="0"/>
-          <a:chOff x="0" y="0"/>
-          <a:chExt cx="0" cy="0"/>
-        </a:xfrm>
-      </p:grpSpPr>
-      <p:sp>
-        <p:nvSpPr>
-          <p:cNvPr id="2" name="Title 1"/>
-          <p:cNvSpPr>
-            <a:spLocks noGrp="1"/>
-          </p:cNvSpPr>
-          <p:nvPr>
-            <p:ph type="title"/>
-          </p:nvPr>
-        </p:nvSpPr>
-        <p:spPr/>
-        <p:txBody>
-          <a:bodyPr/>
-          <a:lstStyle/>
-          <a:p>
-            <a:r>
-              <a:rPr lang="en-US" dirty="0">
-                <a:solidFill>
-                  <a:srgbClr val="FF0000"/>
-                </a:solidFill>
-              </a:rPr>
-              <a:t>25. </a:t>
-            </a:r>
-            <a:r>
-              <a:rPr lang="en-US" dirty="0"/>
-              <a:t>List all directories that were traversed in ‘RM#2’.</a:t>
-            </a:r>
-          </a:p>
-        </p:txBody>
-      </p:sp>
-      <p:sp>
-        <p:nvSpPr>
-          <p:cNvPr id="9" name="Content Placeholder 8"/>
-          <p:cNvSpPr>
-            <a:spLocks noGrp="1"/>
-          </p:cNvSpPr>
-          <p:nvPr>
-            <p:ph idx="1"/>
-          </p:nvPr>
-        </p:nvSpPr>
-        <p:spPr/>
-        <p:txBody>
-          <a:bodyPr>
-            <a:normAutofit/>
-          </a:bodyPr>
-          <a:lstStyle/>
-          <a:p>
-            <a:r>
-              <a:rPr lang="en-US" dirty="0"/>
-              <a:t>Track user behavior using </a:t>
-            </a:r>
-            <a:r>
-              <a:rPr lang="en-US" i="1" dirty="0" err="1">
-                <a:solidFill>
-                  <a:srgbClr val="0082BC"/>
-                </a:solidFill>
-              </a:rPr>
-              <a:t>Shellbags</a:t>
-            </a:r>
-            <a:endParaRPr lang="en-US" i="1" dirty="0">
-              <a:solidFill>
-                <a:srgbClr val="0082BC"/>
-              </a:solidFill>
-            </a:endParaRPr>
-          </a:p>
-          <a:p>
-            <a:pPr lvl="1"/>
-            <a:r>
-              <a:rPr lang="en-US" dirty="0"/>
-              <a:t>Windows uses the </a:t>
-            </a:r>
-            <a:r>
-              <a:rPr lang="en-US" i="1" dirty="0" err="1">
-                <a:solidFill>
-                  <a:srgbClr val="0082BC"/>
-                </a:solidFill>
-              </a:rPr>
-              <a:t>Shellbag</a:t>
-            </a:r>
-            <a:r>
-              <a:rPr lang="en-US" dirty="0">
-                <a:solidFill>
-                  <a:srgbClr val="0082BC"/>
-                </a:solidFill>
-              </a:rPr>
-              <a:t> </a:t>
-            </a:r>
-            <a:r>
-              <a:rPr lang="en-US" dirty="0"/>
-              <a:t>keys to store user preferences for GUI folder display within Windows Explorer. </a:t>
-            </a:r>
-          </a:p>
-          <a:p>
-            <a:pPr lvl="2"/>
-            <a:r>
-              <a:rPr lang="en-US" dirty="0"/>
-              <a:t>to improve user experience and “remember” preferences </a:t>
-            </a:r>
-          </a:p>
-          <a:p>
-            <a:pPr lvl="1"/>
-            <a:r>
-              <a:rPr lang="en-US" dirty="0"/>
-              <a:t>Remember display mode (icons, details, list, etc.), browsing folders, etc.,</a:t>
-            </a:r>
-          </a:p>
-          <a:p>
-            <a:r>
-              <a:rPr lang="en-US" i="1" dirty="0" err="1">
-                <a:solidFill>
-                  <a:srgbClr val="0082BC"/>
-                </a:solidFill>
-              </a:rPr>
-              <a:t>Shellbags</a:t>
-            </a:r>
-            <a:r>
-              <a:rPr lang="en-US" dirty="0">
-                <a:solidFill>
-                  <a:srgbClr val="0082BC"/>
-                </a:solidFill>
-              </a:rPr>
-              <a:t> </a:t>
-            </a:r>
-            <a:r>
-              <a:rPr lang="en-US" dirty="0"/>
-              <a:t>can be used to answer the difficult questions of </a:t>
-            </a:r>
-          </a:p>
-          <a:p>
-            <a:pPr lvl="1"/>
-            <a:r>
-              <a:rPr lang="en-US" dirty="0"/>
-              <a:t>Data enumeration in intrusion cases, </a:t>
-            </a:r>
-          </a:p>
-          <a:p>
-            <a:pPr lvl="1"/>
-            <a:r>
-              <a:rPr lang="en-US" dirty="0"/>
-              <a:t>Identify the contents of long-gone removable devices</a:t>
-            </a:r>
-          </a:p>
-          <a:p>
-            <a:pPr lvl="1"/>
-            <a:r>
-              <a:rPr lang="en-US" dirty="0"/>
-              <a:t>Show the contents of previously mounted encrypted volumes. </a:t>
-            </a:r>
-          </a:p>
-        </p:txBody>
-      </p:sp>
-      <p:pic>
-        <p:nvPicPr>
-          <p:cNvPr id="2050" name="Picture 2" descr="Shellbags.png"/>
-          <p:cNvPicPr>
-            <a:picLocks noChangeAspect="1" noChangeArrowheads="1"/>
-          </p:cNvPicPr>
-          <p:nvPr/>
-        </p:nvPicPr>
-        <p:blipFill>
-          <a:blip r:embed="rId3">
-            <a:extLst>
-              <a:ext uri="{28A0092B-C50C-407E-A947-70E740481C1C}">
-                <a14:useLocalDpi xmlns:a14="http://schemas.microsoft.com/office/drawing/2010/main" val="0"/>
-              </a:ext>
-            </a:extLst>
-          </a:blip>
-          <a:srcRect/>
-          <a:stretch>
-            <a:fillRect/>
-          </a:stretch>
-        </p:blipFill>
-        <p:spPr bwMode="auto">
-          <a:xfrm>
-            <a:off x="9519031" y="4365466"/>
-            <a:ext cx="2143125" cy="1609726"/>
-          </a:xfrm>
-          <a:prstGeom prst="rect">
-            <a:avLst/>
-          </a:prstGeom>
-          <a:noFill/>
-          <a:extLst>
-            <a:ext uri="{909E8E84-426E-40DD-AFC4-6F175D3DCCD1}">
-              <a14:hiddenFill xmlns:a14="http://schemas.microsoft.com/office/drawing/2010/main">
-                <a:solidFill>
-                  <a:srgbClr val="FFFFFF"/>
-                </a:solidFill>
-              </a14:hiddenFill>
-            </a:ext>
-          </a:extLst>
-        </p:spPr>
-      </p:pic>
-    </p:spTree>
-    <p:extLst>
-      <p:ext uri="{BB962C8B-B14F-4D97-AF65-F5344CB8AC3E}">
-        <p14:creationId xmlns:p14="http://schemas.microsoft.com/office/powerpoint/2010/main" val="3504232952"/>
-      </p:ext>
-    </p:extLst>
-  </p:cSld>
-  <p:clrMapOvr>
-    <a:masterClrMapping/>
-  </p:clrMapOvr>
-</p:sld>
-</file>
-
-<file path=ppt/slides/slide8.xml><?xml version="1.0" encoding="utf-8"?>
-<p:sld xmlns:a="http://schemas.openxmlformats.org/drawingml/2006/main" xmlns:r="http://schemas.openxmlformats.org/officeDocument/2006/relationships" xmlns:p="http://schemas.openxmlformats.org/presentationml/2006/main">
-  <p:cSld>
-    <p:spTree>
-      <p:nvGrpSpPr>
-        <p:cNvPr id="1" name=""/>
-        <p:cNvGrpSpPr/>
-        <p:nvPr/>
-      </p:nvGrpSpPr>
-      <p:grpSpPr>
-        <a:xfrm>
-          <a:off x="0" y="0"/>
-          <a:ext cx="0" cy="0"/>
-          <a:chOff x="0" y="0"/>
-          <a:chExt cx="0" cy="0"/>
-        </a:xfrm>
-      </p:grpSpPr>
-      <p:sp>
-        <p:nvSpPr>
-          <p:cNvPr id="2" name="Title 1"/>
-          <p:cNvSpPr>
-            <a:spLocks noGrp="1"/>
-          </p:cNvSpPr>
-          <p:nvPr>
-            <p:ph type="title"/>
-          </p:nvPr>
-        </p:nvSpPr>
-        <p:spPr/>
-        <p:txBody>
-          <a:bodyPr/>
-          <a:lstStyle/>
-          <a:p>
-            <a:r>
-              <a:rPr lang="en-US" dirty="0">
-                <a:solidFill>
-                  <a:srgbClr val="FF0000"/>
-                </a:solidFill>
-              </a:rPr>
-              <a:t>25.1</a:t>
-            </a:r>
-            <a:r>
-              <a:rPr lang="en-US" dirty="0"/>
-              <a:t> What are registry keys that </a:t>
-            </a:r>
-            <a:r>
-              <a:rPr lang="en-US" i="1" dirty="0" err="1">
-                <a:solidFill>
-                  <a:srgbClr val="7030A0"/>
-                </a:solidFill>
-              </a:rPr>
-              <a:t>shellbags</a:t>
-            </a:r>
-            <a:r>
-              <a:rPr lang="en-US" dirty="0">
-                <a:solidFill>
-                  <a:srgbClr val="7030A0"/>
-                </a:solidFill>
-              </a:rPr>
-              <a:t> </a:t>
-            </a:r>
-            <a:r>
-              <a:rPr lang="en-US" dirty="0"/>
-              <a:t>are structured from?</a:t>
-            </a:r>
-          </a:p>
-        </p:txBody>
-      </p:sp>
-      <p:sp>
-        <p:nvSpPr>
-          <p:cNvPr id="3" name="Content Placeholder 2"/>
-          <p:cNvSpPr>
-            <a:spLocks noGrp="1"/>
-          </p:cNvSpPr>
-          <p:nvPr>
-            <p:ph idx="1"/>
-          </p:nvPr>
-        </p:nvSpPr>
-        <p:spPr>
-          <a:xfrm>
-            <a:off x="838200" y="1825625"/>
-            <a:ext cx="5562600" cy="4351338"/>
-          </a:xfrm>
-        </p:spPr>
-        <p:txBody>
-          <a:bodyPr>
-            <a:normAutofit fontScale="92500" lnSpcReduction="10000"/>
-          </a:bodyPr>
-          <a:lstStyle/>
-          <a:p>
-            <a:r>
-              <a:rPr lang="en-US" sz="3200" dirty="0"/>
-              <a:t>Structured from two main registry keys</a:t>
-            </a:r>
-          </a:p>
-          <a:p>
-            <a:pPr lvl="1"/>
-            <a:r>
-              <a:rPr lang="en-US" sz="2800" dirty="0" err="1">
-                <a:solidFill>
-                  <a:srgbClr val="FF0000"/>
-                </a:solidFill>
-              </a:rPr>
-              <a:t>BagMRU</a:t>
-            </a:r>
-            <a:r>
-              <a:rPr lang="en-US" sz="2800" dirty="0"/>
-              <a:t>: stores folder names and records folder paths by creating the similar tree structure. </a:t>
-            </a:r>
-          </a:p>
-          <a:p>
-            <a:pPr lvl="1"/>
-            <a:r>
-              <a:rPr lang="en-US" sz="2800" dirty="0">
-                <a:solidFill>
-                  <a:srgbClr val="FF0000"/>
-                </a:solidFill>
-              </a:rPr>
-              <a:t>Bags</a:t>
-            </a:r>
-            <a:r>
-              <a:rPr lang="en-US" sz="2800" dirty="0"/>
-              <a:t>: stores the view preferences such as the window size, location and view mode</a:t>
-            </a:r>
-          </a:p>
-          <a:p>
-            <a:r>
-              <a:rPr lang="en-US" sz="3200" dirty="0"/>
-              <a:t>Physical location (Win7 +)</a:t>
-            </a:r>
-          </a:p>
-          <a:p>
-            <a:pPr lvl="1"/>
-            <a:r>
-              <a:rPr lang="en-US" i="1" dirty="0">
-                <a:solidFill>
-                  <a:srgbClr val="7030A0"/>
-                </a:solidFill>
-              </a:rPr>
-              <a:t>%</a:t>
-            </a:r>
-            <a:r>
-              <a:rPr lang="en-US" i="1" dirty="0" err="1">
-                <a:solidFill>
-                  <a:srgbClr val="7030A0"/>
-                </a:solidFill>
-              </a:rPr>
-              <a:t>UserProfile</a:t>
-            </a:r>
-            <a:r>
-              <a:rPr lang="en-US" i="1" dirty="0">
-                <a:solidFill>
-                  <a:srgbClr val="7030A0"/>
-                </a:solidFill>
-              </a:rPr>
-              <a:t>%\NTUSER.dat</a:t>
-            </a:r>
-          </a:p>
-          <a:p>
-            <a:pPr lvl="1"/>
-            <a:r>
-              <a:rPr lang="en-US" i="1" dirty="0">
-                <a:solidFill>
-                  <a:srgbClr val="7030A0"/>
-                </a:solidFill>
-              </a:rPr>
-              <a:t>%</a:t>
-            </a:r>
-            <a:r>
-              <a:rPr lang="en-US" i="1" dirty="0" err="1">
-                <a:solidFill>
-                  <a:srgbClr val="7030A0"/>
-                </a:solidFill>
-              </a:rPr>
-              <a:t>UserProfile</a:t>
-            </a:r>
-            <a:r>
-              <a:rPr lang="en-US" i="1" dirty="0">
-                <a:solidFill>
-                  <a:srgbClr val="7030A0"/>
-                </a:solidFill>
-              </a:rPr>
-              <a:t>%\</a:t>
-            </a:r>
-            <a:r>
-              <a:rPr lang="en-US" i="1" dirty="0" err="1">
-                <a:solidFill>
-                  <a:srgbClr val="7030A0"/>
-                </a:solidFill>
-              </a:rPr>
-              <a:t>AppData</a:t>
-            </a:r>
-            <a:r>
-              <a:rPr lang="en-US" i="1" dirty="0">
-                <a:solidFill>
-                  <a:srgbClr val="7030A0"/>
-                </a:solidFill>
-              </a:rPr>
-              <a:t>\Local\Microsoft\Windows\UsrClass.dat.</a:t>
-            </a:r>
-          </a:p>
-        </p:txBody>
-      </p:sp>
-      <p:pic>
-        <p:nvPicPr>
-          <p:cNvPr id="4" name="Picture 3"/>
-          <p:cNvPicPr>
-            <a:picLocks noChangeAspect="1"/>
-          </p:cNvPicPr>
-          <p:nvPr/>
-        </p:nvPicPr>
-        <p:blipFill>
-          <a:blip r:embed="rId2"/>
-          <a:stretch>
-            <a:fillRect/>
-          </a:stretch>
-        </p:blipFill>
-        <p:spPr>
-          <a:xfrm>
-            <a:off x="7063404" y="1892103"/>
-            <a:ext cx="3577702" cy="3809882"/>
-          </a:xfrm>
-          <a:prstGeom prst="rect">
-            <a:avLst/>
-          </a:prstGeom>
-        </p:spPr>
-      </p:pic>
-      <p:sp>
-        <p:nvSpPr>
-          <p:cNvPr id="7" name="Right Arrow 6"/>
-          <p:cNvSpPr/>
-          <p:nvPr/>
-        </p:nvSpPr>
-        <p:spPr>
-          <a:xfrm>
-            <a:off x="8130988" y="5065059"/>
-            <a:ext cx="403412" cy="116541"/>
-          </a:xfrm>
-          <a:prstGeom prst="rightArrow">
-            <a:avLst/>
-          </a:prstGeom>
-          <a:solidFill>
-            <a:srgbClr val="FF0000"/>
-          </a:solidFill>
-          <a:ln>
-            <a:solidFill>
-              <a:srgbClr val="FF0000"/>
-            </a:solidFill>
-          </a:ln>
-        </p:spPr>
-        <p:style>
-          <a:lnRef idx="2">
-            <a:schemeClr val="accent1">
-              <a:shade val="50000"/>
-            </a:schemeClr>
-          </a:lnRef>
-          <a:fillRef idx="1">
-            <a:schemeClr val="accent1"/>
-          </a:fillRef>
-          <a:effectRef idx="0">
-            <a:schemeClr val="accent1"/>
-          </a:effectRef>
-          <a:fontRef idx="minor">
-            <a:schemeClr val="lt1"/>
-          </a:fontRef>
-        </p:style>
-        <p:txBody>
-          <a:bodyPr rtlCol="0" anchor="ctr"/>
-          <a:lstStyle/>
-          <a:p>
-            <a:pPr algn="ctr"/>
-            <a:endParaRPr lang="en-US"/>
-          </a:p>
-        </p:txBody>
-      </p:sp>
-      <p:sp>
-        <p:nvSpPr>
-          <p:cNvPr id="8" name="Right Arrow 7"/>
-          <p:cNvSpPr/>
-          <p:nvPr/>
-        </p:nvSpPr>
-        <p:spPr>
-          <a:xfrm>
-            <a:off x="8130988" y="5296440"/>
-            <a:ext cx="403412" cy="116541"/>
-          </a:xfrm>
-          <a:prstGeom prst="rightArrow">
-            <a:avLst/>
-          </a:prstGeom>
-          <a:solidFill>
-            <a:srgbClr val="FF0000"/>
-          </a:solidFill>
-          <a:ln>
-            <a:solidFill>
-              <a:srgbClr val="FF0000"/>
-            </a:solidFill>
-          </a:ln>
-        </p:spPr>
-        <p:style>
-          <a:lnRef idx="2">
-            <a:schemeClr val="accent1">
-              <a:shade val="50000"/>
-            </a:schemeClr>
-          </a:lnRef>
-          <a:fillRef idx="1">
-            <a:schemeClr val="accent1"/>
-          </a:fillRef>
-          <a:effectRef idx="0">
-            <a:schemeClr val="accent1"/>
-          </a:effectRef>
-          <a:fontRef idx="minor">
-            <a:schemeClr val="lt1"/>
-          </a:fontRef>
-        </p:style>
-        <p:txBody>
-          <a:bodyPr rtlCol="0" anchor="ctr"/>
-          <a:lstStyle/>
-          <a:p>
-            <a:pPr algn="ctr"/>
-            <a:endParaRPr lang="en-US"/>
-          </a:p>
-        </p:txBody>
-      </p:sp>
-      <p:cxnSp>
-        <p:nvCxnSpPr>
-          <p:cNvPr id="10" name="Straight Arrow Connector 9"/>
-          <p:cNvCxnSpPr/>
-          <p:nvPr/>
-        </p:nvCxnSpPr>
-        <p:spPr>
-          <a:xfrm>
-            <a:off x="6194612" y="3065929"/>
-            <a:ext cx="1864659" cy="2115671"/>
-          </a:xfrm>
-          <a:prstGeom prst="straightConnector1">
-            <a:avLst/>
-          </a:prstGeom>
-          <a:ln>
-            <a:tailEnd type="triangle"/>
-          </a:ln>
-        </p:spPr>
-        <p:style>
-          <a:lnRef idx="1">
-            <a:schemeClr val="accent2"/>
-          </a:lnRef>
-          <a:fillRef idx="0">
-            <a:schemeClr val="accent2"/>
-          </a:fillRef>
-          <a:effectRef idx="0">
-            <a:schemeClr val="accent2"/>
-          </a:effectRef>
-          <a:fontRef idx="minor">
-            <a:schemeClr val="tx1"/>
-          </a:fontRef>
-        </p:style>
-      </p:cxnSp>
-      <p:cxnSp>
-        <p:nvCxnSpPr>
-          <p:cNvPr id="12" name="Straight Arrow Connector 11"/>
-          <p:cNvCxnSpPr/>
-          <p:nvPr/>
-        </p:nvCxnSpPr>
-        <p:spPr>
-          <a:xfrm>
-            <a:off x="6194612" y="4177553"/>
-            <a:ext cx="1864659" cy="1235428"/>
-          </a:xfrm>
-          <a:prstGeom prst="straightConnector1">
-            <a:avLst/>
-          </a:prstGeom>
-          <a:ln>
-            <a:tailEnd type="triangle"/>
-          </a:ln>
-        </p:spPr>
-        <p:style>
-          <a:lnRef idx="1">
-            <a:schemeClr val="accent2"/>
-          </a:lnRef>
-          <a:fillRef idx="0">
-            <a:schemeClr val="accent2"/>
-          </a:fillRef>
-          <a:effectRef idx="0">
-            <a:schemeClr val="accent2"/>
-          </a:effectRef>
-          <a:fontRef idx="minor">
-            <a:schemeClr val="tx1"/>
-          </a:fontRef>
-        </p:style>
-      </p:cxnSp>
-    </p:spTree>
-    <p:extLst>
-      <p:ext uri="{BB962C8B-B14F-4D97-AF65-F5344CB8AC3E}">
-        <p14:creationId xmlns:p14="http://schemas.microsoft.com/office/powerpoint/2010/main" val="3790323615"/>
-      </p:ext>
-    </p:extLst>
-  </p:cSld>
-  <p:clrMapOvr>
-    <a:masterClrMapping/>
-  </p:clrMapOvr>
-</p:sld>
-</file>
-
-<file path=ppt/slides/slide9.xml><?xml version="1.0" encoding="utf-8"?>
-<p:sld xmlns:a="http://schemas.openxmlformats.org/drawingml/2006/main" xmlns:r="http://schemas.openxmlformats.org/officeDocument/2006/relationships" xmlns:p="http://schemas.openxmlformats.org/presentationml/2006/main">
-  <p:cSld>
-    <p:spTree>
-      <p:nvGrpSpPr>
-        <p:cNvPr id="1" name=""/>
-        <p:cNvGrpSpPr/>
-        <p:nvPr/>
-      </p:nvGrpSpPr>
-      <p:grpSpPr>
-        <a:xfrm>
-          <a:off x="0" y="0"/>
-          <a:ext cx="0" cy="0"/>
-          <a:chOff x="0" y="0"/>
-          <a:chExt cx="0" cy="0"/>
-        </a:xfrm>
-      </p:grpSpPr>
-      <p:sp>
-        <p:nvSpPr>
-          <p:cNvPr id="2" name="Title 1"/>
-          <p:cNvSpPr>
-            <a:spLocks noGrp="1"/>
-          </p:cNvSpPr>
-          <p:nvPr>
-            <p:ph type="title"/>
-          </p:nvPr>
-        </p:nvSpPr>
-        <p:spPr>
-          <a:xfrm>
-            <a:off x="864974" y="365125"/>
-            <a:ext cx="10515600" cy="1325563"/>
-          </a:xfrm>
-        </p:spPr>
-        <p:txBody>
-          <a:bodyPr/>
-          <a:lstStyle/>
-          <a:p>
-            <a:r>
-              <a:rPr lang="en-US" dirty="0">
-                <a:solidFill>
-                  <a:srgbClr val="FF0000"/>
-                </a:solidFill>
-              </a:rPr>
-              <a:t>25.2 </a:t>
-            </a:r>
-            <a:r>
-              <a:rPr lang="en-US" dirty="0"/>
-              <a:t>How </a:t>
-            </a:r>
-            <a:r>
-              <a:rPr lang="en-US" i="1" dirty="0" err="1">
-                <a:solidFill>
-                  <a:srgbClr val="FF0000"/>
-                </a:solidFill>
-              </a:rPr>
-              <a:t>shellbags</a:t>
-            </a:r>
-            <a:r>
-              <a:rPr lang="en-US" dirty="0">
-                <a:solidFill>
-                  <a:srgbClr val="FF0000"/>
-                </a:solidFill>
-              </a:rPr>
-              <a:t> </a:t>
-            </a:r>
-            <a:r>
-              <a:rPr lang="en-US" dirty="0"/>
-              <a:t>are structured?</a:t>
-            </a:r>
-          </a:p>
-        </p:txBody>
-      </p:sp>
-      <p:sp>
-        <p:nvSpPr>
-          <p:cNvPr id="3" name="Content Placeholder 2"/>
-          <p:cNvSpPr>
-            <a:spLocks noGrp="1"/>
-          </p:cNvSpPr>
-          <p:nvPr>
-            <p:ph idx="1"/>
-          </p:nvPr>
-        </p:nvSpPr>
-        <p:spPr>
-          <a:xfrm>
-            <a:off x="838201" y="1825625"/>
-            <a:ext cx="10208740" cy="2252105"/>
-          </a:xfrm>
-        </p:spPr>
-        <p:txBody>
-          <a:bodyPr>
-            <a:normAutofit/>
-          </a:bodyPr>
-          <a:lstStyle/>
-          <a:p>
-            <a:r>
-              <a:rPr lang="en-US" dirty="0"/>
-              <a:t>Structured In hierarchy </a:t>
-            </a:r>
-          </a:p>
-          <a:p>
-            <a:pPr lvl="1"/>
-            <a:r>
-              <a:rPr lang="en-US" dirty="0"/>
-              <a:t>each numbered folder representing a parent or child folder of the one previous. </a:t>
-            </a:r>
-          </a:p>
-          <a:p>
-            <a:r>
-              <a:rPr lang="en-US" i="1" dirty="0" err="1">
-                <a:solidFill>
-                  <a:srgbClr val="0082BC"/>
-                </a:solidFill>
-              </a:rPr>
-              <a:t>ShellBag</a:t>
-            </a:r>
-            <a:r>
-              <a:rPr lang="en-US" dirty="0">
-                <a:solidFill>
-                  <a:srgbClr val="0082BC"/>
-                </a:solidFill>
-              </a:rPr>
-              <a:t> </a:t>
-            </a:r>
-            <a:r>
-              <a:rPr lang="en-US" dirty="0"/>
-              <a:t>information is available only for folders that have been opened and closed in </a:t>
-            </a:r>
-            <a:r>
-              <a:rPr lang="en-US" dirty="0">
-                <a:solidFill>
-                  <a:srgbClr val="FF0000"/>
-                </a:solidFill>
-              </a:rPr>
-              <a:t>Windows Explorer </a:t>
-            </a:r>
-            <a:r>
-              <a:rPr lang="en-US" dirty="0"/>
-              <a:t>at least once.</a:t>
-            </a:r>
-          </a:p>
-        </p:txBody>
-      </p:sp>
-      <p:pic>
-        <p:nvPicPr>
-          <p:cNvPr id="60" name="Picture 59"/>
-          <p:cNvPicPr>
-            <a:picLocks noChangeAspect="1"/>
-          </p:cNvPicPr>
-          <p:nvPr/>
-        </p:nvPicPr>
-        <p:blipFill>
-          <a:blip r:embed="rId3"/>
-          <a:stretch>
-            <a:fillRect/>
-          </a:stretch>
-        </p:blipFill>
-        <p:spPr>
-          <a:xfrm>
-            <a:off x="864973" y="4077730"/>
-            <a:ext cx="8446947" cy="2298356"/>
-          </a:xfrm>
-          <a:prstGeom prst="rect">
-            <a:avLst/>
-          </a:prstGeom>
-          <a:ln>
-            <a:noFill/>
-          </a:ln>
-          <a:effectLst>
-            <a:outerShdw blurRad="292100" dist="139700" dir="2700000" algn="tl" rotWithShape="0">
-              <a:srgbClr val="333333">
-                <a:alpha val="65000"/>
-              </a:srgbClr>
-            </a:outerShdw>
-          </a:effectLst>
-        </p:spPr>
-      </p:pic>
-    </p:spTree>
-    <p:extLst>
-      <p:ext uri="{BB962C8B-B14F-4D97-AF65-F5344CB8AC3E}">
-        <p14:creationId xmlns:p14="http://schemas.microsoft.com/office/powerpoint/2010/main" val="1875127261"/>
       </p:ext>
     </p:extLst>
   </p:cSld>

--- a/NIST_Data_Leakage_Case/NIST_Data_Leakage_06_Network_Shellbag_Jumplist.pptx
+++ b/NIST_Data_Leakage_Case/NIST_Data_Leakage_06_Network_Shellbag_Jumplist.pptx
@@ -5,7 +5,7 @@
     <p:sldMasterId id="2147483648" r:id="rId1"/>
   </p:sldMasterIdLst>
   <p:notesMasterIdLst>
-    <p:notesMasterId r:id="rId41"/>
+    <p:notesMasterId r:id="rId42"/>
   </p:notesMasterIdLst>
   <p:sldIdLst>
     <p:sldId id="256" r:id="rId2"/>
@@ -16,37 +16,38 @@
     <p:sldId id="368" r:id="rId7"/>
     <p:sldId id="320" r:id="rId8"/>
     <p:sldId id="323" r:id="rId9"/>
-    <p:sldId id="358" r:id="rId10"/>
-    <p:sldId id="322" r:id="rId11"/>
-    <p:sldId id="365" r:id="rId12"/>
-    <p:sldId id="324" r:id="rId13"/>
-    <p:sldId id="364" r:id="rId14"/>
-    <p:sldId id="330" r:id="rId15"/>
-    <p:sldId id="331" r:id="rId16"/>
-    <p:sldId id="359" r:id="rId17"/>
-    <p:sldId id="328" r:id="rId18"/>
-    <p:sldId id="360" r:id="rId19"/>
-    <p:sldId id="329" r:id="rId20"/>
-    <p:sldId id="370" r:id="rId21"/>
-    <p:sldId id="369" r:id="rId22"/>
-    <p:sldId id="332" r:id="rId23"/>
-    <p:sldId id="327" r:id="rId24"/>
-    <p:sldId id="325" r:id="rId25"/>
-    <p:sldId id="333" r:id="rId26"/>
-    <p:sldId id="335" r:id="rId27"/>
-    <p:sldId id="336" r:id="rId28"/>
-    <p:sldId id="337" r:id="rId29"/>
-    <p:sldId id="342" r:id="rId30"/>
-    <p:sldId id="344" r:id="rId31"/>
-    <p:sldId id="346" r:id="rId32"/>
-    <p:sldId id="345" r:id="rId33"/>
-    <p:sldId id="351" r:id="rId34"/>
-    <p:sldId id="349" r:id="rId35"/>
-    <p:sldId id="350" r:id="rId36"/>
-    <p:sldId id="353" r:id="rId37"/>
-    <p:sldId id="355" r:id="rId38"/>
-    <p:sldId id="357" r:id="rId39"/>
-    <p:sldId id="361" r:id="rId40"/>
+    <p:sldId id="322" r:id="rId10"/>
+    <p:sldId id="365" r:id="rId11"/>
+    <p:sldId id="327" r:id="rId12"/>
+    <p:sldId id="325" r:id="rId13"/>
+    <p:sldId id="371" r:id="rId14"/>
+    <p:sldId id="324" r:id="rId15"/>
+    <p:sldId id="364" r:id="rId16"/>
+    <p:sldId id="330" r:id="rId17"/>
+    <p:sldId id="331" r:id="rId18"/>
+    <p:sldId id="359" r:id="rId19"/>
+    <p:sldId id="328" r:id="rId20"/>
+    <p:sldId id="360" r:id="rId21"/>
+    <p:sldId id="329" r:id="rId22"/>
+    <p:sldId id="370" r:id="rId23"/>
+    <p:sldId id="372" r:id="rId24"/>
+    <p:sldId id="369" r:id="rId25"/>
+    <p:sldId id="332" r:id="rId26"/>
+    <p:sldId id="333" r:id="rId27"/>
+    <p:sldId id="335" r:id="rId28"/>
+    <p:sldId id="336" r:id="rId29"/>
+    <p:sldId id="337" r:id="rId30"/>
+    <p:sldId id="342" r:id="rId31"/>
+    <p:sldId id="344" r:id="rId32"/>
+    <p:sldId id="346" r:id="rId33"/>
+    <p:sldId id="345" r:id="rId34"/>
+    <p:sldId id="351" r:id="rId35"/>
+    <p:sldId id="349" r:id="rId36"/>
+    <p:sldId id="350" r:id="rId37"/>
+    <p:sldId id="353" r:id="rId38"/>
+    <p:sldId id="355" r:id="rId39"/>
+    <p:sldId id="357" r:id="rId40"/>
+    <p:sldId id="361" r:id="rId41"/>
   </p:sldIdLst>
   <p:sldSz cx="12192000" cy="6858000"/>
   <p:notesSz cx="6858000" cy="9144000"/>
@@ -156,7 +157,7 @@
 <file path=ppt/revisionInfo.xml><?xml version="1.0" encoding="utf-8"?>
 <p1510:revInfo xmlns:a="http://schemas.openxmlformats.org/drawingml/2006/main" xmlns:r="http://schemas.openxmlformats.org/officeDocument/2006/relationships" xmlns:p1510="http://schemas.microsoft.com/office/powerpoint/2015/10/main">
   <p1510:revLst>
-    <p1510:client id="{97CE8EA3-16AE-45E5-B08E-C51A45B93B9F}" v="23" dt="2021-10-28T13:59:17.605"/>
+    <p1510:client id="{97CE8EA3-16AE-45E5-B08E-C51A45B93B9F}" v="31" dt="2021-11-09T16:38:11.384"/>
   </p1510:revLst>
 </p1510:revInfo>
 </file>
@@ -283,12 +284,27 @@
   <pc:docChgLst>
     <pc:chgData name="Weifeng Xu" userId="e7aed605-a3dd-4d5a-a692-a87037af107b" providerId="ADAL" clId="{97CE8EA3-16AE-45E5-B08E-C51A45B93B9F}"/>
     <pc:docChg chg="undo custSel addSld delSld modSld sldOrd">
-      <pc:chgData name="Weifeng Xu" userId="e7aed605-a3dd-4d5a-a692-a87037af107b" providerId="ADAL" clId="{97CE8EA3-16AE-45E5-B08E-C51A45B93B9F}" dt="2021-10-28T14:10:05.918" v="2466" actId="20577"/>
+      <pc:chgData name="Weifeng Xu" userId="e7aed605-a3dd-4d5a-a692-a87037af107b" providerId="ADAL" clId="{97CE8EA3-16AE-45E5-B08E-C51A45B93B9F}" dt="2021-11-09T23:50:32.628" v="3076" actId="207"/>
       <pc:docMkLst>
         <pc:docMk/>
       </pc:docMkLst>
+      <pc:sldChg chg="modSp mod">
+        <pc:chgData name="Weifeng Xu" userId="e7aed605-a3dd-4d5a-a692-a87037af107b" providerId="ADAL" clId="{97CE8EA3-16AE-45E5-B08E-C51A45B93B9F}" dt="2021-11-09T17:12:47.437" v="3070" actId="20577"/>
+        <pc:sldMkLst>
+          <pc:docMk/>
+          <pc:sldMk cId="162022530" sldId="256"/>
+        </pc:sldMkLst>
+        <pc:spChg chg="mod">
+          <ac:chgData name="Weifeng Xu" userId="e7aed605-a3dd-4d5a-a692-a87037af107b" providerId="ADAL" clId="{97CE8EA3-16AE-45E5-B08E-C51A45B93B9F}" dt="2021-11-09T17:12:47.437" v="3070" actId="20577"/>
+          <ac:spMkLst>
+            <pc:docMk/>
+            <pc:sldMk cId="162022530" sldId="256"/>
+            <ac:spMk id="3" creationId="{00000000-0000-0000-0000-000000000000}"/>
+          </ac:spMkLst>
+        </pc:spChg>
+      </pc:sldChg>
       <pc:sldChg chg="addSp delSp modSp mod">
-        <pc:chgData name="Weifeng Xu" userId="e7aed605-a3dd-4d5a-a692-a87037af107b" providerId="ADAL" clId="{97CE8EA3-16AE-45E5-B08E-C51A45B93B9F}" dt="2021-10-26T20:37:10.758" v="1634" actId="20577"/>
+        <pc:chgData name="Weifeng Xu" userId="e7aed605-a3dd-4d5a-a692-a87037af107b" providerId="ADAL" clId="{97CE8EA3-16AE-45E5-B08E-C51A45B93B9F}" dt="2021-11-01T14:21:24.894" v="2810" actId="9405"/>
         <pc:sldMkLst>
           <pc:docMk/>
           <pc:sldMk cId="2906097788" sldId="320"/>
@@ -301,6 +317,14 @@
             <ac:spMk id="2" creationId="{00000000-0000-0000-0000-000000000000}"/>
           </ac:spMkLst>
         </pc:spChg>
+        <pc:grpChg chg="mod">
+          <ac:chgData name="Weifeng Xu" userId="e7aed605-a3dd-4d5a-a692-a87037af107b" providerId="ADAL" clId="{97CE8EA3-16AE-45E5-B08E-C51A45B93B9F}" dt="2021-11-01T14:21:18.935" v="2808"/>
+          <ac:grpSpMkLst>
+            <pc:docMk/>
+            <pc:sldMk cId="2906097788" sldId="320"/>
+            <ac:grpSpMk id="12" creationId="{FCF4DC30-98E1-4701-B4B3-35DFC8FF75B7}"/>
+          </ac:grpSpMkLst>
+        </pc:grpChg>
         <pc:picChg chg="del">
           <ac:chgData name="Weifeng Xu" userId="e7aed605-a3dd-4d5a-a692-a87037af107b" providerId="ADAL" clId="{97CE8EA3-16AE-45E5-B08E-C51A45B93B9F}" dt="2021-10-26T20:17:45.024" v="1374" actId="478"/>
           <ac:picMkLst>
@@ -317,15 +341,78 @@
             <ac:picMk id="8" creationId="{6185BBCF-DFB3-43A2-BF2D-C13CA34EE709}"/>
           </ac:picMkLst>
         </pc:picChg>
+        <pc:inkChg chg="add del">
+          <ac:chgData name="Weifeng Xu" userId="e7aed605-a3dd-4d5a-a692-a87037af107b" providerId="ADAL" clId="{97CE8EA3-16AE-45E5-B08E-C51A45B93B9F}" dt="2021-11-01T14:21:01.446" v="2803" actId="9405"/>
+          <ac:inkMkLst>
+            <pc:docMk/>
+            <pc:sldMk cId="2906097788" sldId="320"/>
+            <ac:inkMk id="3" creationId="{A841B43E-D85A-4886-9B1B-300A00513D2D}"/>
+          </ac:inkMkLst>
+        </pc:inkChg>
+        <pc:inkChg chg="add">
+          <ac:chgData name="Weifeng Xu" userId="e7aed605-a3dd-4d5a-a692-a87037af107b" providerId="ADAL" clId="{97CE8EA3-16AE-45E5-B08E-C51A45B93B9F}" dt="2021-11-01T14:21:07.920" v="2804" actId="9405"/>
+          <ac:inkMkLst>
+            <pc:docMk/>
+            <pc:sldMk cId="2906097788" sldId="320"/>
+            <ac:inkMk id="7" creationId="{1A6CC6F8-1B64-477C-9A9B-F74329E74DB5}"/>
+          </ac:inkMkLst>
+        </pc:inkChg>
+        <pc:inkChg chg="add">
+          <ac:chgData name="Weifeng Xu" userId="e7aed605-a3dd-4d5a-a692-a87037af107b" providerId="ADAL" clId="{97CE8EA3-16AE-45E5-B08E-C51A45B93B9F}" dt="2021-11-01T14:21:11.927" v="2805" actId="9405"/>
+          <ac:inkMkLst>
+            <pc:docMk/>
+            <pc:sldMk cId="2906097788" sldId="320"/>
+            <ac:inkMk id="9" creationId="{1A729C30-B084-4434-867A-40BC5622F18B}"/>
+          </ac:inkMkLst>
+        </pc:inkChg>
+        <pc:inkChg chg="add mod">
+          <ac:chgData name="Weifeng Xu" userId="e7aed605-a3dd-4d5a-a692-a87037af107b" providerId="ADAL" clId="{97CE8EA3-16AE-45E5-B08E-C51A45B93B9F}" dt="2021-11-01T14:21:18.935" v="2808"/>
+          <ac:inkMkLst>
+            <pc:docMk/>
+            <pc:sldMk cId="2906097788" sldId="320"/>
+            <ac:inkMk id="10" creationId="{E17BD815-905E-427F-9984-7F8B045166BD}"/>
+          </ac:inkMkLst>
+        </pc:inkChg>
+        <pc:inkChg chg="add mod">
+          <ac:chgData name="Weifeng Xu" userId="e7aed605-a3dd-4d5a-a692-a87037af107b" providerId="ADAL" clId="{97CE8EA3-16AE-45E5-B08E-C51A45B93B9F}" dt="2021-11-01T14:21:18.935" v="2808"/>
+          <ac:inkMkLst>
+            <pc:docMk/>
+            <pc:sldMk cId="2906097788" sldId="320"/>
+            <ac:inkMk id="11" creationId="{22F3F091-1C61-47BC-9F25-F04E6039134B}"/>
+          </ac:inkMkLst>
+        </pc:inkChg>
+        <pc:inkChg chg="add del">
+          <ac:chgData name="Weifeng Xu" userId="e7aed605-a3dd-4d5a-a692-a87037af107b" providerId="ADAL" clId="{97CE8EA3-16AE-45E5-B08E-C51A45B93B9F}" dt="2021-11-01T14:21:24.894" v="2810" actId="9405"/>
+          <ac:inkMkLst>
+            <pc:docMk/>
+            <pc:sldMk cId="2906097788" sldId="320"/>
+            <ac:inkMk id="13" creationId="{FDEA3BF1-E557-4961-AA0A-EBE49794EDD3}"/>
+          </ac:inkMkLst>
+        </pc:inkChg>
+      </pc:sldChg>
+      <pc:sldChg chg="modSp mod">
+        <pc:chgData name="Weifeng Xu" userId="e7aed605-a3dd-4d5a-a692-a87037af107b" providerId="ADAL" clId="{97CE8EA3-16AE-45E5-B08E-C51A45B93B9F}" dt="2021-10-29T01:29:25.994" v="2650" actId="207"/>
+        <pc:sldMkLst>
+          <pc:docMk/>
+          <pc:sldMk cId="4078778419" sldId="321"/>
+        </pc:sldMkLst>
+        <pc:spChg chg="mod">
+          <ac:chgData name="Weifeng Xu" userId="e7aed605-a3dd-4d5a-a692-a87037af107b" providerId="ADAL" clId="{97CE8EA3-16AE-45E5-B08E-C51A45B93B9F}" dt="2021-10-29T01:29:25.994" v="2650" actId="207"/>
+          <ac:spMkLst>
+            <pc:docMk/>
+            <pc:sldMk cId="4078778419" sldId="321"/>
+            <ac:spMk id="2" creationId="{00000000-0000-0000-0000-000000000000}"/>
+          </ac:spMkLst>
+        </pc:spChg>
       </pc:sldChg>
       <pc:sldChg chg="modSp mod ord">
-        <pc:chgData name="Weifeng Xu" userId="e7aed605-a3dd-4d5a-a692-a87037af107b" providerId="ADAL" clId="{97CE8EA3-16AE-45E5-B08E-C51A45B93B9F}" dt="2021-10-28T12:59:29.160" v="1958" actId="20577"/>
+        <pc:chgData name="Weifeng Xu" userId="e7aed605-a3dd-4d5a-a692-a87037af107b" providerId="ADAL" clId="{97CE8EA3-16AE-45E5-B08E-C51A45B93B9F}" dt="2021-10-28T16:45:25.589" v="2499" actId="20577"/>
         <pc:sldMkLst>
           <pc:docMk/>
           <pc:sldMk cId="3205019338" sldId="322"/>
         </pc:sldMkLst>
         <pc:spChg chg="mod">
-          <ac:chgData name="Weifeng Xu" userId="e7aed605-a3dd-4d5a-a692-a87037af107b" providerId="ADAL" clId="{97CE8EA3-16AE-45E5-B08E-C51A45B93B9F}" dt="2021-10-28T12:59:29.160" v="1958" actId="20577"/>
+          <ac:chgData name="Weifeng Xu" userId="e7aed605-a3dd-4d5a-a692-a87037af107b" providerId="ADAL" clId="{97CE8EA3-16AE-45E5-B08E-C51A45B93B9F}" dt="2021-10-28T16:45:25.589" v="2499" actId="20577"/>
           <ac:spMkLst>
             <pc:docMk/>
             <pc:sldMk cId="3205019338" sldId="322"/>
@@ -334,13 +421,13 @@
         </pc:spChg>
       </pc:sldChg>
       <pc:sldChg chg="modSp mod">
-        <pc:chgData name="Weifeng Xu" userId="e7aed605-a3dd-4d5a-a692-a87037af107b" providerId="ADAL" clId="{97CE8EA3-16AE-45E5-B08E-C51A45B93B9F}" dt="2021-10-28T12:53:41.992" v="1939" actId="20577"/>
+        <pc:chgData name="Weifeng Xu" userId="e7aed605-a3dd-4d5a-a692-a87037af107b" providerId="ADAL" clId="{97CE8EA3-16AE-45E5-B08E-C51A45B93B9F}" dt="2021-10-28T16:46:20.332" v="2524" actId="20577"/>
         <pc:sldMkLst>
           <pc:docMk/>
           <pc:sldMk cId="937655564" sldId="323"/>
         </pc:sldMkLst>
         <pc:spChg chg="mod">
-          <ac:chgData name="Weifeng Xu" userId="e7aed605-a3dd-4d5a-a692-a87037af107b" providerId="ADAL" clId="{97CE8EA3-16AE-45E5-B08E-C51A45B93B9F}" dt="2021-10-28T12:53:41.992" v="1939" actId="20577"/>
+          <ac:chgData name="Weifeng Xu" userId="e7aed605-a3dd-4d5a-a692-a87037af107b" providerId="ADAL" clId="{97CE8EA3-16AE-45E5-B08E-C51A45B93B9F}" dt="2021-10-28T16:46:20.332" v="2524" actId="20577"/>
           <ac:spMkLst>
             <pc:docMk/>
             <pc:sldMk cId="937655564" sldId="323"/>
@@ -387,14 +474,21 @@
           </ac:picMkLst>
         </pc:picChg>
       </pc:sldChg>
-      <pc:sldChg chg="addSp delSp modSp mod modClrScheme chgLayout modNotesTx">
-        <pc:chgData name="Weifeng Xu" userId="e7aed605-a3dd-4d5a-a692-a87037af107b" providerId="ADAL" clId="{97CE8EA3-16AE-45E5-B08E-C51A45B93B9F}" dt="2021-10-28T14:06:30.016" v="2413" actId="1076"/>
+      <pc:sldChg chg="ord">
+        <pc:chgData name="Weifeng Xu" userId="e7aed605-a3dd-4d5a-a692-a87037af107b" providerId="ADAL" clId="{97CE8EA3-16AE-45E5-B08E-C51A45B93B9F}" dt="2021-10-28T16:47:32.806" v="2526"/>
+        <pc:sldMkLst>
+          <pc:docMk/>
+          <pc:sldMk cId="3589444918" sldId="325"/>
+        </pc:sldMkLst>
+      </pc:sldChg>
+      <pc:sldChg chg="addSp delSp modSp mod ord modClrScheme chgLayout modNotesTx">
+        <pc:chgData name="Weifeng Xu" userId="e7aed605-a3dd-4d5a-a692-a87037af107b" providerId="ADAL" clId="{97CE8EA3-16AE-45E5-B08E-C51A45B93B9F}" dt="2021-10-28T16:52:21.381" v="2557" actId="20577"/>
         <pc:sldMkLst>
           <pc:docMk/>
           <pc:sldMk cId="2694751075" sldId="327"/>
         </pc:sldMkLst>
         <pc:spChg chg="add mod ord">
-          <ac:chgData name="Weifeng Xu" userId="e7aed605-a3dd-4d5a-a692-a87037af107b" providerId="ADAL" clId="{97CE8EA3-16AE-45E5-B08E-C51A45B93B9F}" dt="2021-10-28T14:00:06.122" v="2368" actId="20577"/>
+          <ac:chgData name="Weifeng Xu" userId="e7aed605-a3dd-4d5a-a692-a87037af107b" providerId="ADAL" clId="{97CE8EA3-16AE-45E5-B08E-C51A45B93B9F}" dt="2021-10-28T16:52:21.381" v="2557" actId="20577"/>
           <ac:spMkLst>
             <pc:docMk/>
             <pc:sldMk cId="2694751075" sldId="327"/>
@@ -457,8 +551,23 @@
           </ac:spMkLst>
         </pc:spChg>
       </pc:sldChg>
-      <pc:sldChg chg="addSp modSp mod">
-        <pc:chgData name="Weifeng Xu" userId="e7aed605-a3dd-4d5a-a692-a87037af107b" providerId="ADAL" clId="{97CE8EA3-16AE-45E5-B08E-C51A45B93B9F}" dt="2021-10-28T14:07:58.880" v="2414" actId="14100"/>
+      <pc:sldChg chg="modSp mod">
+        <pc:chgData name="Weifeng Xu" userId="e7aed605-a3dd-4d5a-a692-a87037af107b" providerId="ADAL" clId="{97CE8EA3-16AE-45E5-B08E-C51A45B93B9F}" dt="2021-11-01T14:36:29.173" v="2813" actId="20577"/>
+        <pc:sldMkLst>
+          <pc:docMk/>
+          <pc:sldMk cId="1875127261" sldId="331"/>
+        </pc:sldMkLst>
+        <pc:spChg chg="mod">
+          <ac:chgData name="Weifeng Xu" userId="e7aed605-a3dd-4d5a-a692-a87037af107b" providerId="ADAL" clId="{97CE8EA3-16AE-45E5-B08E-C51A45B93B9F}" dt="2021-11-01T14:36:29.173" v="2813" actId="20577"/>
+          <ac:spMkLst>
+            <pc:docMk/>
+            <pc:sldMk cId="1875127261" sldId="331"/>
+            <ac:spMk id="3" creationId="{00000000-0000-0000-0000-000000000000}"/>
+          </ac:spMkLst>
+        </pc:spChg>
+      </pc:sldChg>
+      <pc:sldChg chg="addSp delSp modSp mod">
+        <pc:chgData name="Weifeng Xu" userId="e7aed605-a3dd-4d5a-a692-a87037af107b" providerId="ADAL" clId="{97CE8EA3-16AE-45E5-B08E-C51A45B93B9F}" dt="2021-11-09T14:00:19.126" v="3007" actId="14100"/>
         <pc:sldMkLst>
           <pc:docMk/>
           <pc:sldMk cId="3225960140" sldId="332"/>
@@ -472,19 +581,59 @@
           </ac:spMkLst>
         </pc:spChg>
         <pc:spChg chg="mod">
-          <ac:chgData name="Weifeng Xu" userId="e7aed605-a3dd-4d5a-a692-a87037af107b" providerId="ADAL" clId="{97CE8EA3-16AE-45E5-B08E-C51A45B93B9F}" dt="2021-10-28T13:36:37.260" v="2285" actId="14100"/>
+          <ac:chgData name="Weifeng Xu" userId="e7aed605-a3dd-4d5a-a692-a87037af107b" providerId="ADAL" clId="{97CE8EA3-16AE-45E5-B08E-C51A45B93B9F}" dt="2021-11-09T14:00:15.244" v="3006" actId="20577"/>
           <ac:spMkLst>
             <pc:docMk/>
             <pc:sldMk cId="3225960140" sldId="332"/>
             <ac:spMk id="3" creationId="{00000000-0000-0000-0000-000000000000}"/>
           </ac:spMkLst>
         </pc:spChg>
+        <pc:picChg chg="mod">
+          <ac:chgData name="Weifeng Xu" userId="e7aed605-a3dd-4d5a-a692-a87037af107b" providerId="ADAL" clId="{97CE8EA3-16AE-45E5-B08E-C51A45B93B9F}" dt="2021-11-09T13:58:13.039" v="2975" actId="14100"/>
+          <ac:picMkLst>
+            <pc:docMk/>
+            <pc:sldMk cId="3225960140" sldId="332"/>
+            <ac:picMk id="4" creationId="{00000000-0000-0000-0000-000000000000}"/>
+          </ac:picMkLst>
+        </pc:picChg>
+        <pc:picChg chg="add mod">
+          <ac:chgData name="Weifeng Xu" userId="e7aed605-a3dd-4d5a-a692-a87037af107b" providerId="ADAL" clId="{97CE8EA3-16AE-45E5-B08E-C51A45B93B9F}" dt="2021-11-09T13:59:31.903" v="2984" actId="1076"/>
+          <ac:picMkLst>
+            <pc:docMk/>
+            <pc:sldMk cId="3225960140" sldId="332"/>
+            <ac:picMk id="7" creationId="{643E647C-F05F-4283-9EF8-25810D4553C5}"/>
+          </ac:picMkLst>
+        </pc:picChg>
+        <pc:picChg chg="add del mod">
+          <ac:chgData name="Weifeng Xu" userId="e7aed605-a3dd-4d5a-a692-a87037af107b" providerId="ADAL" clId="{97CE8EA3-16AE-45E5-B08E-C51A45B93B9F}" dt="2021-11-09T13:58:24.134" v="2978" actId="478"/>
+          <ac:picMkLst>
+            <pc:docMk/>
+            <pc:sldMk cId="3225960140" sldId="332"/>
+            <ac:picMk id="10" creationId="{45E27AD7-AEF6-4AAD-A3D9-B5FA321A9929}"/>
+          </ac:picMkLst>
+        </pc:picChg>
+        <pc:picChg chg="add mod">
+          <ac:chgData name="Weifeng Xu" userId="e7aed605-a3dd-4d5a-a692-a87037af107b" providerId="ADAL" clId="{97CE8EA3-16AE-45E5-B08E-C51A45B93B9F}" dt="2021-11-09T13:59:26.710" v="2982" actId="14100"/>
+          <ac:picMkLst>
+            <pc:docMk/>
+            <pc:sldMk cId="3225960140" sldId="332"/>
+            <ac:picMk id="13" creationId="{3443D858-ADB8-41F5-8F57-6182344649BA}"/>
+          </ac:picMkLst>
+        </pc:picChg>
         <pc:cxnChg chg="add mod">
-          <ac:chgData name="Weifeng Xu" userId="e7aed605-a3dd-4d5a-a692-a87037af107b" providerId="ADAL" clId="{97CE8EA3-16AE-45E5-B08E-C51A45B93B9F}" dt="2021-10-28T14:07:58.880" v="2414" actId="14100"/>
+          <ac:chgData name="Weifeng Xu" userId="e7aed605-a3dd-4d5a-a692-a87037af107b" providerId="ADAL" clId="{97CE8EA3-16AE-45E5-B08E-C51A45B93B9F}" dt="2021-11-09T13:58:15.829" v="2976" actId="14100"/>
           <ac:cxnSpMkLst>
             <pc:docMk/>
             <pc:sldMk cId="3225960140" sldId="332"/>
             <ac:cxnSpMk id="6" creationId="{011D61ED-EF56-47AB-9703-CDCE59FCD30D}"/>
+          </ac:cxnSpMkLst>
+        </pc:cxnChg>
+        <pc:cxnChg chg="add mod">
+          <ac:chgData name="Weifeng Xu" userId="e7aed605-a3dd-4d5a-a692-a87037af107b" providerId="ADAL" clId="{97CE8EA3-16AE-45E5-B08E-C51A45B93B9F}" dt="2021-11-09T14:00:19.126" v="3007" actId="14100"/>
+          <ac:cxnSpMkLst>
+            <pc:docMk/>
+            <pc:sldMk cId="3225960140" sldId="332"/>
+            <ac:cxnSpMk id="14" creationId="{98AA1EC4-1CEA-49AF-A9E5-5708F9B31D18}"/>
           </ac:cxnSpMkLst>
         </pc:cxnChg>
       </pc:sldChg>
@@ -512,7 +661,131 @@
         </pc:picChg>
       </pc:sldChg>
       <pc:sldChg chg="modSp mod">
-        <pc:chgData name="Weifeng Xu" userId="e7aed605-a3dd-4d5a-a692-a87037af107b" providerId="ADAL" clId="{97CE8EA3-16AE-45E5-B08E-C51A45B93B9F}" dt="2021-10-28T12:54:09.744" v="1956" actId="20577"/>
+        <pc:chgData name="Weifeng Xu" userId="e7aed605-a3dd-4d5a-a692-a87037af107b" providerId="ADAL" clId="{97CE8EA3-16AE-45E5-B08E-C51A45B93B9F}" dt="2021-11-09T23:50:32.628" v="3076" actId="207"/>
+        <pc:sldMkLst>
+          <pc:docMk/>
+          <pc:sldMk cId="2140732946" sldId="342"/>
+        </pc:sldMkLst>
+        <pc:spChg chg="mod">
+          <ac:chgData name="Weifeng Xu" userId="e7aed605-a3dd-4d5a-a692-a87037af107b" providerId="ADAL" clId="{97CE8EA3-16AE-45E5-B08E-C51A45B93B9F}" dt="2021-11-09T23:50:32.628" v="3076" actId="207"/>
+          <ac:spMkLst>
+            <pc:docMk/>
+            <pc:sldMk cId="2140732946" sldId="342"/>
+            <ac:spMk id="3" creationId="{00000000-0000-0000-0000-000000000000}"/>
+          </ac:spMkLst>
+        </pc:spChg>
+      </pc:sldChg>
+      <pc:sldChg chg="addSp modSp mod modNotesTx">
+        <pc:chgData name="Weifeng Xu" userId="e7aed605-a3dd-4d5a-a692-a87037af107b" providerId="ADAL" clId="{97CE8EA3-16AE-45E5-B08E-C51A45B93B9F}" dt="2021-11-09T16:17:15.765" v="3028" actId="207"/>
+        <pc:sldMkLst>
+          <pc:docMk/>
+          <pc:sldMk cId="2029250397" sldId="349"/>
+        </pc:sldMkLst>
+        <pc:spChg chg="mod">
+          <ac:chgData name="Weifeng Xu" userId="e7aed605-a3dd-4d5a-a692-a87037af107b" providerId="ADAL" clId="{97CE8EA3-16AE-45E5-B08E-C51A45B93B9F}" dt="2021-11-09T16:14:37.674" v="3017" actId="1076"/>
+          <ac:spMkLst>
+            <pc:docMk/>
+            <pc:sldMk cId="2029250397" sldId="349"/>
+            <ac:spMk id="4" creationId="{DCC82629-2D70-4C74-BA85-98D61B7160D9}"/>
+          </ac:spMkLst>
+        </pc:spChg>
+        <pc:spChg chg="mod">
+          <ac:chgData name="Weifeng Xu" userId="e7aed605-a3dd-4d5a-a692-a87037af107b" providerId="ADAL" clId="{97CE8EA3-16AE-45E5-B08E-C51A45B93B9F}" dt="2021-11-09T16:14:37.674" v="3017" actId="1076"/>
+          <ac:spMkLst>
+            <pc:docMk/>
+            <pc:sldMk cId="2029250397" sldId="349"/>
+            <ac:spMk id="5" creationId="{00000000-0000-0000-0000-000000000000}"/>
+          </ac:spMkLst>
+        </pc:spChg>
+        <pc:spChg chg="add mod">
+          <ac:chgData name="Weifeng Xu" userId="e7aed605-a3dd-4d5a-a692-a87037af107b" providerId="ADAL" clId="{97CE8EA3-16AE-45E5-B08E-C51A45B93B9F}" dt="2021-11-09T16:17:15.765" v="3028" actId="207"/>
+          <ac:spMkLst>
+            <pc:docMk/>
+            <pc:sldMk cId="2029250397" sldId="349"/>
+            <ac:spMk id="11" creationId="{774C4357-4B29-4DA6-960D-380CE6E14157}"/>
+          </ac:spMkLst>
+        </pc:spChg>
+        <pc:picChg chg="mod">
+          <ac:chgData name="Weifeng Xu" userId="e7aed605-a3dd-4d5a-a692-a87037af107b" providerId="ADAL" clId="{97CE8EA3-16AE-45E5-B08E-C51A45B93B9F}" dt="2021-11-09T16:14:37.674" v="3017" actId="1076"/>
+          <ac:picMkLst>
+            <pc:docMk/>
+            <pc:sldMk cId="2029250397" sldId="349"/>
+            <ac:picMk id="2" creationId="{00000000-0000-0000-0000-000000000000}"/>
+          </ac:picMkLst>
+        </pc:picChg>
+        <pc:picChg chg="mod">
+          <ac:chgData name="Weifeng Xu" userId="e7aed605-a3dd-4d5a-a692-a87037af107b" providerId="ADAL" clId="{97CE8EA3-16AE-45E5-B08E-C51A45B93B9F}" dt="2021-11-09T16:14:37.674" v="3017" actId="1076"/>
+          <ac:picMkLst>
+            <pc:docMk/>
+            <pc:sldMk cId="2029250397" sldId="349"/>
+            <ac:picMk id="3" creationId="{00000000-0000-0000-0000-000000000000}"/>
+          </ac:picMkLst>
+        </pc:picChg>
+        <pc:picChg chg="add mod">
+          <ac:chgData name="Weifeng Xu" userId="e7aed605-a3dd-4d5a-a692-a87037af107b" providerId="ADAL" clId="{97CE8EA3-16AE-45E5-B08E-C51A45B93B9F}" dt="2021-11-09T16:14:44.804" v="3020" actId="1076"/>
+          <ac:picMkLst>
+            <pc:docMk/>
+            <pc:sldMk cId="2029250397" sldId="349"/>
+            <ac:picMk id="7" creationId="{C8D04815-2FD2-4D5A-B617-2BE1A0C4FAF3}"/>
+          </ac:picMkLst>
+        </pc:picChg>
+        <pc:cxnChg chg="add mod">
+          <ac:chgData name="Weifeng Xu" userId="e7aed605-a3dd-4d5a-a692-a87037af107b" providerId="ADAL" clId="{97CE8EA3-16AE-45E5-B08E-C51A45B93B9F}" dt="2021-11-09T16:14:54.728" v="3022" actId="13822"/>
+          <ac:cxnSpMkLst>
+            <pc:docMk/>
+            <pc:sldMk cId="2029250397" sldId="349"/>
+            <ac:cxnSpMk id="9" creationId="{E00C821B-69B9-4DA1-8689-2D50EC94D39E}"/>
+          </ac:cxnSpMkLst>
+        </pc:cxnChg>
+      </pc:sldChg>
+      <pc:sldChg chg="modSp mod">
+        <pc:chgData name="Weifeng Xu" userId="e7aed605-a3dd-4d5a-a692-a87037af107b" providerId="ADAL" clId="{97CE8EA3-16AE-45E5-B08E-C51A45B93B9F}" dt="2021-11-09T14:03:08.984" v="3008" actId="33524"/>
+        <pc:sldMkLst>
+          <pc:docMk/>
+          <pc:sldMk cId="1692159375" sldId="350"/>
+        </pc:sldMkLst>
+        <pc:spChg chg="mod">
+          <ac:chgData name="Weifeng Xu" userId="e7aed605-a3dd-4d5a-a692-a87037af107b" providerId="ADAL" clId="{97CE8EA3-16AE-45E5-B08E-C51A45B93B9F}" dt="2021-11-09T14:03:08.984" v="3008" actId="33524"/>
+          <ac:spMkLst>
+            <pc:docMk/>
+            <pc:sldMk cId="1692159375" sldId="350"/>
+            <ac:spMk id="3" creationId="{00000000-0000-0000-0000-000000000000}"/>
+          </ac:spMkLst>
+        </pc:spChg>
+      </pc:sldChg>
+      <pc:sldChg chg="addSp modSp mod">
+        <pc:chgData name="Weifeng Xu" userId="e7aed605-a3dd-4d5a-a692-a87037af107b" providerId="ADAL" clId="{97CE8EA3-16AE-45E5-B08E-C51A45B93B9F}" dt="2021-11-09T16:02:36.030" v="3014" actId="13822"/>
+        <pc:sldMkLst>
+          <pc:docMk/>
+          <pc:sldMk cId="3065818986" sldId="357"/>
+        </pc:sldMkLst>
+        <pc:spChg chg="mod">
+          <ac:chgData name="Weifeng Xu" userId="e7aed605-a3dd-4d5a-a692-a87037af107b" providerId="ADAL" clId="{97CE8EA3-16AE-45E5-B08E-C51A45B93B9F}" dt="2021-11-09T16:01:53.196" v="3009" actId="1076"/>
+          <ac:spMkLst>
+            <pc:docMk/>
+            <pc:sldMk cId="3065818986" sldId="357"/>
+            <ac:spMk id="3" creationId="{DCC82629-2D70-4C74-BA85-98D61B7160D9}"/>
+          </ac:spMkLst>
+        </pc:spChg>
+        <pc:picChg chg="add mod">
+          <ac:chgData name="Weifeng Xu" userId="e7aed605-a3dd-4d5a-a692-a87037af107b" providerId="ADAL" clId="{97CE8EA3-16AE-45E5-B08E-C51A45B93B9F}" dt="2021-11-09T16:02:16.862" v="3012" actId="1440"/>
+          <ac:picMkLst>
+            <pc:docMk/>
+            <pc:sldMk cId="3065818986" sldId="357"/>
+            <ac:picMk id="5" creationId="{94657284-D3FE-4B65-98C5-1841761E816C}"/>
+          </ac:picMkLst>
+        </pc:picChg>
+        <pc:cxnChg chg="add mod">
+          <ac:chgData name="Weifeng Xu" userId="e7aed605-a3dd-4d5a-a692-a87037af107b" providerId="ADAL" clId="{97CE8EA3-16AE-45E5-B08E-C51A45B93B9F}" dt="2021-11-09T16:02:36.030" v="3014" actId="13822"/>
+          <ac:cxnSpMkLst>
+            <pc:docMk/>
+            <pc:sldMk cId="3065818986" sldId="357"/>
+            <ac:cxnSpMk id="7" creationId="{79B7884A-20CD-40AE-B7B1-C1299723A857}"/>
+          </ac:cxnSpMkLst>
+        </pc:cxnChg>
+      </pc:sldChg>
+      <pc:sldChg chg="modSp del mod ord">
+        <pc:chgData name="Weifeng Xu" userId="e7aed605-a3dd-4d5a-a692-a87037af107b" providerId="ADAL" clId="{97CE8EA3-16AE-45E5-B08E-C51A45B93B9F}" dt="2021-10-28T16:50:51.720" v="2541" actId="47"/>
         <pc:sldMkLst>
           <pc:docMk/>
           <pc:sldMk cId="1088256087" sldId="358"/>
@@ -757,6 +1030,13 @@
           </ac:cxnSpMkLst>
         </pc:cxnChg>
       </pc:sldChg>
+      <pc:sldChg chg="modNotesTx">
+        <pc:chgData name="Weifeng Xu" userId="e7aed605-a3dd-4d5a-a692-a87037af107b" providerId="ADAL" clId="{97CE8EA3-16AE-45E5-B08E-C51A45B93B9F}" dt="2021-11-06T00:27:47.474" v="2873"/>
+        <pc:sldMkLst>
+          <pc:docMk/>
+          <pc:sldMk cId="2217990681" sldId="360"/>
+        </pc:sldMkLst>
+      </pc:sldChg>
       <pc:sldChg chg="addSp delSp modSp new mod modClrScheme chgLayout">
         <pc:chgData name="Weifeng Xu" userId="e7aed605-a3dd-4d5a-a692-a87037af107b" providerId="ADAL" clId="{97CE8EA3-16AE-45E5-B08E-C51A45B93B9F}" dt="2021-10-26T20:46:24.036" v="1723" actId="20577"/>
         <pc:sldMkLst>
@@ -876,7 +1156,7 @@
         </pc:sldMkLst>
       </pc:sldChg>
       <pc:sldChg chg="delSp modSp add mod">
-        <pc:chgData name="Weifeng Xu" userId="e7aed605-a3dd-4d5a-a692-a87037af107b" providerId="ADAL" clId="{97CE8EA3-16AE-45E5-B08E-C51A45B93B9F}" dt="2021-10-28T13:03:52.821" v="2019" actId="20577"/>
+        <pc:chgData name="Weifeng Xu" userId="e7aed605-a3dd-4d5a-a692-a87037af107b" providerId="ADAL" clId="{97CE8EA3-16AE-45E5-B08E-C51A45B93B9F}" dt="2021-10-29T01:39:57.054" v="2742" actId="21"/>
         <pc:sldMkLst>
           <pc:docMk/>
           <pc:sldMk cId="2890477994" sldId="364"/>
@@ -890,7 +1170,7 @@
           </ac:spMkLst>
         </pc:spChg>
         <pc:spChg chg="mod">
-          <ac:chgData name="Weifeng Xu" userId="e7aed605-a3dd-4d5a-a692-a87037af107b" providerId="ADAL" clId="{97CE8EA3-16AE-45E5-B08E-C51A45B93B9F}" dt="2021-10-28T13:03:52.821" v="2019" actId="20577"/>
+          <ac:chgData name="Weifeng Xu" userId="e7aed605-a3dd-4d5a-a692-a87037af107b" providerId="ADAL" clId="{97CE8EA3-16AE-45E5-B08E-C51A45B93B9F}" dt="2021-10-29T01:39:57.054" v="2742" actId="21"/>
           <ac:spMkLst>
             <pc:docMk/>
             <pc:sldMk cId="2890477994" sldId="364"/>
@@ -914,7 +1194,7 @@
         </pc:sldMkLst>
       </pc:sldChg>
       <pc:sldChg chg="addSp delSp modSp add mod ord modNotesTx">
-        <pc:chgData name="Weifeng Xu" userId="e7aed605-a3dd-4d5a-a692-a87037af107b" providerId="ADAL" clId="{97CE8EA3-16AE-45E5-B08E-C51A45B93B9F}" dt="2021-10-19T19:15:02.035" v="1338" actId="207"/>
+        <pc:chgData name="Weifeng Xu" userId="e7aed605-a3dd-4d5a-a692-a87037af107b" providerId="ADAL" clId="{97CE8EA3-16AE-45E5-B08E-C51A45B93B9F}" dt="2021-10-28T16:52:05.562" v="2547" actId="1076"/>
         <pc:sldMkLst>
           <pc:docMk/>
           <pc:sldMk cId="988167159" sldId="365"/>
@@ -928,15 +1208,15 @@
           </ac:spMkLst>
         </pc:spChg>
         <pc:spChg chg="mod">
-          <ac:chgData name="Weifeng Xu" userId="e7aed605-a3dd-4d5a-a692-a87037af107b" providerId="ADAL" clId="{97CE8EA3-16AE-45E5-B08E-C51A45B93B9F}" dt="2021-10-19T02:14:20.320" v="1278" actId="207"/>
+          <ac:chgData name="Weifeng Xu" userId="e7aed605-a3dd-4d5a-a692-a87037af107b" providerId="ADAL" clId="{97CE8EA3-16AE-45E5-B08E-C51A45B93B9F}" dt="2021-10-28T16:50:10.702" v="2540" actId="14100"/>
           <ac:spMkLst>
             <pc:docMk/>
             <pc:sldMk cId="988167159" sldId="365"/>
             <ac:spMk id="9" creationId="{00000000-0000-0000-0000-000000000000}"/>
           </ac:spMkLst>
         </pc:spChg>
-        <pc:picChg chg="add mod">
-          <ac:chgData name="Weifeng Xu" userId="e7aed605-a3dd-4d5a-a692-a87037af107b" providerId="ADAL" clId="{97CE8EA3-16AE-45E5-B08E-C51A45B93B9F}" dt="2021-10-19T02:13:20.822" v="1253" actId="1076"/>
+        <pc:picChg chg="add del mod">
+          <ac:chgData name="Weifeng Xu" userId="e7aed605-a3dd-4d5a-a692-a87037af107b" providerId="ADAL" clId="{97CE8EA3-16AE-45E5-B08E-C51A45B93B9F}" dt="2021-10-28T16:49:39.144" v="2531" actId="478"/>
           <ac:picMkLst>
             <pc:docMk/>
             <pc:sldMk cId="988167159" sldId="365"/>
@@ -952,16 +1232,32 @@
           </ac:picMkLst>
         </pc:picChg>
         <pc:picChg chg="add mod">
-          <ac:chgData name="Weifeng Xu" userId="e7aed605-a3dd-4d5a-a692-a87037af107b" providerId="ADAL" clId="{97CE8EA3-16AE-45E5-B08E-C51A45B93B9F}" dt="2021-10-19T02:11:38.174" v="1221" actId="1076"/>
+          <ac:chgData name="Weifeng Xu" userId="e7aed605-a3dd-4d5a-a692-a87037af107b" providerId="ADAL" clId="{97CE8EA3-16AE-45E5-B08E-C51A45B93B9F}" dt="2021-10-28T16:50:07.497" v="2539" actId="1076"/>
+          <ac:picMkLst>
+            <pc:docMk/>
+            <pc:sldMk cId="988167159" sldId="365"/>
+            <ac:picMk id="6" creationId="{5299D6C2-361D-477B-9BC7-8CC6980FCBD1}"/>
+          </ac:picMkLst>
+        </pc:picChg>
+        <pc:picChg chg="add del mod">
+          <ac:chgData name="Weifeng Xu" userId="e7aed605-a3dd-4d5a-a692-a87037af107b" providerId="ADAL" clId="{97CE8EA3-16AE-45E5-B08E-C51A45B93B9F}" dt="2021-10-28T16:49:55.567" v="2533" actId="478"/>
           <ac:picMkLst>
             <pc:docMk/>
             <pc:sldMk cId="988167159" sldId="365"/>
             <ac:picMk id="7" creationId="{C59795CA-D5DD-4B5A-9CB7-006A17F65BA7}"/>
           </ac:picMkLst>
         </pc:picChg>
+        <pc:picChg chg="add mod">
+          <ac:chgData name="Weifeng Xu" userId="e7aed605-a3dd-4d5a-a692-a87037af107b" providerId="ADAL" clId="{97CE8EA3-16AE-45E5-B08E-C51A45B93B9F}" dt="2021-10-28T16:52:05.562" v="2547" actId="1076"/>
+          <ac:picMkLst>
+            <pc:docMk/>
+            <pc:sldMk cId="988167159" sldId="365"/>
+            <ac:picMk id="8" creationId="{C883BD12-543C-43C5-AE4B-3C03FF535A2E}"/>
+          </ac:picMkLst>
+        </pc:picChg>
       </pc:sldChg>
       <pc:sldChg chg="addSp modSp new mod modClrScheme chgLayout">
-        <pc:chgData name="Weifeng Xu" userId="e7aed605-a3dd-4d5a-a692-a87037af107b" providerId="ADAL" clId="{97CE8EA3-16AE-45E5-B08E-C51A45B93B9F}" dt="2021-10-28T12:38:41.210" v="1815" actId="20577"/>
+        <pc:chgData name="Weifeng Xu" userId="e7aed605-a3dd-4d5a-a692-a87037af107b" providerId="ADAL" clId="{97CE8EA3-16AE-45E5-B08E-C51A45B93B9F}" dt="2021-10-28T16:44:23.670" v="2495" actId="20577"/>
         <pc:sldMkLst>
           <pc:docMk/>
           <pc:sldMk cId="1478227442" sldId="366"/>
@@ -975,7 +1271,7 @@
           </ac:spMkLst>
         </pc:spChg>
         <pc:spChg chg="add mod ord">
-          <ac:chgData name="Weifeng Xu" userId="e7aed605-a3dd-4d5a-a692-a87037af107b" providerId="ADAL" clId="{97CE8EA3-16AE-45E5-B08E-C51A45B93B9F}" dt="2021-10-28T12:38:41.210" v="1815" actId="20577"/>
+          <ac:chgData name="Weifeng Xu" userId="e7aed605-a3dd-4d5a-a692-a87037af107b" providerId="ADAL" clId="{97CE8EA3-16AE-45E5-B08E-C51A45B93B9F}" dt="2021-10-28T16:44:23.670" v="2495" actId="20577"/>
           <ac:spMkLst>
             <pc:docMk/>
             <pc:sldMk cId="1478227442" sldId="366"/>
@@ -1032,7 +1328,7 @@
         </pc:cxnChg>
       </pc:sldChg>
       <pc:sldChg chg="addSp modSp new mod modClrScheme chgLayout">
-        <pc:chgData name="Weifeng Xu" userId="e7aed605-a3dd-4d5a-a692-a87037af107b" providerId="ADAL" clId="{97CE8EA3-16AE-45E5-B08E-C51A45B93B9F}" dt="2021-10-26T20:45:52.302" v="1717" actId="6549"/>
+        <pc:chgData name="Weifeng Xu" userId="e7aed605-a3dd-4d5a-a692-a87037af107b" providerId="ADAL" clId="{97CE8EA3-16AE-45E5-B08E-C51A45B93B9F}" dt="2021-11-01T14:15:56.571" v="2801" actId="20577"/>
         <pc:sldMkLst>
           <pc:docMk/>
           <pc:sldMk cId="3762676067" sldId="367"/>
@@ -1046,7 +1342,7 @@
           </ac:spMkLst>
         </pc:spChg>
         <pc:spChg chg="add mod ord">
-          <ac:chgData name="Weifeng Xu" userId="e7aed605-a3dd-4d5a-a692-a87037af107b" providerId="ADAL" clId="{97CE8EA3-16AE-45E5-B08E-C51A45B93B9F}" dt="2021-10-26T20:45:52.302" v="1717" actId="6549"/>
+          <ac:chgData name="Weifeng Xu" userId="e7aed605-a3dd-4d5a-a692-a87037af107b" providerId="ADAL" clId="{97CE8EA3-16AE-45E5-B08E-C51A45B93B9F}" dt="2021-11-01T14:15:56.571" v="2801" actId="20577"/>
           <ac:spMkLst>
             <pc:docMk/>
             <pc:sldMk cId="3762676067" sldId="367"/>
@@ -1086,13 +1382,13 @@
         </pc:spChg>
       </pc:sldChg>
       <pc:sldChg chg="delSp modSp add mod ord modNotesTx">
-        <pc:chgData name="Weifeng Xu" userId="e7aed605-a3dd-4d5a-a692-a87037af107b" providerId="ADAL" clId="{97CE8EA3-16AE-45E5-B08E-C51A45B93B9F}" dt="2021-10-28T13:59:43.138" v="2365" actId="20577"/>
+        <pc:chgData name="Weifeng Xu" userId="e7aed605-a3dd-4d5a-a692-a87037af107b" providerId="ADAL" clId="{97CE8EA3-16AE-45E5-B08E-C51A45B93B9F}" dt="2021-11-09T17:08:09.674" v="3065" actId="20577"/>
         <pc:sldMkLst>
           <pc:docMk/>
           <pc:sldMk cId="3308752769" sldId="369"/>
         </pc:sldMkLst>
         <pc:spChg chg="mod">
-          <ac:chgData name="Weifeng Xu" userId="e7aed605-a3dd-4d5a-a692-a87037af107b" providerId="ADAL" clId="{97CE8EA3-16AE-45E5-B08E-C51A45B93B9F}" dt="2021-10-28T13:59:43.138" v="2365" actId="20577"/>
+          <ac:chgData name="Weifeng Xu" userId="e7aed605-a3dd-4d5a-a692-a87037af107b" providerId="ADAL" clId="{97CE8EA3-16AE-45E5-B08E-C51A45B93B9F}" dt="2021-11-09T16:39:32.136" v="3061" actId="20577"/>
           <ac:spMkLst>
             <pc:docMk/>
             <pc:sldMk cId="3308752769" sldId="369"/>
@@ -1100,7 +1396,7 @@
           </ac:spMkLst>
         </pc:spChg>
         <pc:spChg chg="mod">
-          <ac:chgData name="Weifeng Xu" userId="e7aed605-a3dd-4d5a-a692-a87037af107b" providerId="ADAL" clId="{97CE8EA3-16AE-45E5-B08E-C51A45B93B9F}" dt="2021-10-28T13:59:29.475" v="2360" actId="6549"/>
+          <ac:chgData name="Weifeng Xu" userId="e7aed605-a3dd-4d5a-a692-a87037af107b" providerId="ADAL" clId="{97CE8EA3-16AE-45E5-B08E-C51A45B93B9F}" dt="2021-11-09T17:08:09.674" v="3065" actId="20577"/>
           <ac:spMkLst>
             <pc:docMk/>
             <pc:sldMk cId="3308752769" sldId="369"/>
@@ -1117,7 +1413,7 @@
         </pc:picChg>
       </pc:sldChg>
       <pc:sldChg chg="modSp new mod ord">
-        <pc:chgData name="Weifeng Xu" userId="e7aed605-a3dd-4d5a-a692-a87037af107b" providerId="ADAL" clId="{97CE8EA3-16AE-45E5-B08E-C51A45B93B9F}" dt="2021-10-28T14:10:05.918" v="2466" actId="20577"/>
+        <pc:chgData name="Weifeng Xu" userId="e7aed605-a3dd-4d5a-a692-a87037af107b" providerId="ADAL" clId="{97CE8EA3-16AE-45E5-B08E-C51A45B93B9F}" dt="2021-10-28T16:59:03.957" v="2649" actId="6549"/>
         <pc:sldMkLst>
           <pc:docMk/>
           <pc:sldMk cId="4165059793" sldId="370"/>
@@ -1131,11 +1427,81 @@
           </ac:spMkLst>
         </pc:spChg>
         <pc:spChg chg="mod">
-          <ac:chgData name="Weifeng Xu" userId="e7aed605-a3dd-4d5a-a692-a87037af107b" providerId="ADAL" clId="{97CE8EA3-16AE-45E5-B08E-C51A45B93B9F}" dt="2021-10-28T14:10:05.918" v="2466" actId="20577"/>
+          <ac:chgData name="Weifeng Xu" userId="e7aed605-a3dd-4d5a-a692-a87037af107b" providerId="ADAL" clId="{97CE8EA3-16AE-45E5-B08E-C51A45B93B9F}" dt="2021-10-28T16:59:03.957" v="2649" actId="6549"/>
           <ac:spMkLst>
             <pc:docMk/>
             <pc:sldMk cId="4165059793" sldId="370"/>
             <ac:spMk id="3" creationId="{930DED48-1F33-42F5-9B37-E9EC2C8E5F45}"/>
+          </ac:spMkLst>
+        </pc:spChg>
+      </pc:sldChg>
+      <pc:sldChg chg="addSp delSp modSp add mod ord">
+        <pc:chgData name="Weifeng Xu" userId="e7aed605-a3dd-4d5a-a692-a87037af107b" providerId="ADAL" clId="{97CE8EA3-16AE-45E5-B08E-C51A45B93B9F}" dt="2021-11-01T14:31:11.370" v="2811" actId="207"/>
+        <pc:sldMkLst>
+          <pc:docMk/>
+          <pc:sldMk cId="3765772687" sldId="371"/>
+        </pc:sldMkLst>
+        <pc:spChg chg="mod">
+          <ac:chgData name="Weifeng Xu" userId="e7aed605-a3dd-4d5a-a692-a87037af107b" providerId="ADAL" clId="{97CE8EA3-16AE-45E5-B08E-C51A45B93B9F}" dt="2021-11-01T14:31:11.370" v="2811" actId="207"/>
+          <ac:spMkLst>
+            <pc:docMk/>
+            <pc:sldMk cId="3765772687" sldId="371"/>
+            <ac:spMk id="2" creationId="{00000000-0000-0000-0000-000000000000}"/>
+          </ac:spMkLst>
+        </pc:spChg>
+        <pc:spChg chg="mod">
+          <ac:chgData name="Weifeng Xu" userId="e7aed605-a3dd-4d5a-a692-a87037af107b" providerId="ADAL" clId="{97CE8EA3-16AE-45E5-B08E-C51A45B93B9F}" dt="2021-10-29T01:44:19.764" v="2775" actId="20577"/>
+          <ac:spMkLst>
+            <pc:docMk/>
+            <pc:sldMk cId="3765772687" sldId="371"/>
+            <ac:spMk id="9" creationId="{00000000-0000-0000-0000-000000000000}"/>
+          </ac:spMkLst>
+        </pc:spChg>
+        <pc:picChg chg="add mod">
+          <ac:chgData name="Weifeng Xu" userId="e7aed605-a3dd-4d5a-a692-a87037af107b" providerId="ADAL" clId="{97CE8EA3-16AE-45E5-B08E-C51A45B93B9F}" dt="2021-10-29T01:40:15.031" v="2747" actId="1076"/>
+          <ac:picMkLst>
+            <pc:docMk/>
+            <pc:sldMk cId="3765772687" sldId="371"/>
+            <ac:picMk id="3" creationId="{7F342F17-0F08-44B5-9845-501DAE9B24D4}"/>
+          </ac:picMkLst>
+        </pc:picChg>
+        <pc:picChg chg="del">
+          <ac:chgData name="Weifeng Xu" userId="e7aed605-a3dd-4d5a-a692-a87037af107b" providerId="ADAL" clId="{97CE8EA3-16AE-45E5-B08E-C51A45B93B9F}" dt="2021-10-28T16:55:56.079" v="2629" actId="478"/>
+          <ac:picMkLst>
+            <pc:docMk/>
+            <pc:sldMk cId="3765772687" sldId="371"/>
+            <ac:picMk id="4" creationId="{DBC2D48F-4116-487B-B3E4-5AAA82A013A0}"/>
+          </ac:picMkLst>
+        </pc:picChg>
+        <pc:picChg chg="del">
+          <ac:chgData name="Weifeng Xu" userId="e7aed605-a3dd-4d5a-a692-a87037af107b" providerId="ADAL" clId="{97CE8EA3-16AE-45E5-B08E-C51A45B93B9F}" dt="2021-10-28T16:55:53.064" v="2628" actId="478"/>
+          <ac:picMkLst>
+            <pc:docMk/>
+            <pc:sldMk cId="3765772687" sldId="371"/>
+            <ac:picMk id="7" creationId="{C59795CA-D5DD-4B5A-9CB7-006A17F65BA7}"/>
+          </ac:picMkLst>
+        </pc:picChg>
+      </pc:sldChg>
+      <pc:sldChg chg="modSp add mod ord">
+        <pc:chgData name="Weifeng Xu" userId="e7aed605-a3dd-4d5a-a692-a87037af107b" providerId="ADAL" clId="{97CE8EA3-16AE-45E5-B08E-C51A45B93B9F}" dt="2021-11-09T17:02:50.667" v="3063" actId="114"/>
+        <pc:sldMkLst>
+          <pc:docMk/>
+          <pc:sldMk cId="2383960421" sldId="372"/>
+        </pc:sldMkLst>
+        <pc:spChg chg="mod">
+          <ac:chgData name="Weifeng Xu" userId="e7aed605-a3dd-4d5a-a692-a87037af107b" providerId="ADAL" clId="{97CE8EA3-16AE-45E5-B08E-C51A45B93B9F}" dt="2021-11-09T16:39:27.985" v="3057" actId="20577"/>
+          <ac:spMkLst>
+            <pc:docMk/>
+            <pc:sldMk cId="2383960421" sldId="372"/>
+            <ac:spMk id="2" creationId="{00000000-0000-0000-0000-000000000000}"/>
+          </ac:spMkLst>
+        </pc:spChg>
+        <pc:spChg chg="mod">
+          <ac:chgData name="Weifeng Xu" userId="e7aed605-a3dd-4d5a-a692-a87037af107b" providerId="ADAL" clId="{97CE8EA3-16AE-45E5-B08E-C51A45B93B9F}" dt="2021-11-09T17:02:50.667" v="3063" actId="114"/>
+          <ac:spMkLst>
+            <pc:docMk/>
+            <pc:sldMk cId="2383960421" sldId="372"/>
+            <ac:spMk id="3" creationId="{00000000-0000-0000-0000-000000000000}"/>
           </ac:spMkLst>
         </pc:spChg>
       </pc:sldChg>
@@ -1200,6 +1566,118 @@
 </pc:chgInfo>
 </file>
 
+<file path=ppt/ink/ink1.xml><?xml version="1.0" encoding="utf-8"?>
+<inkml:ink xmlns:inkml="http://www.w3.org/2003/InkML">
+  <inkml:definitions>
+    <inkml:context xml:id="ctx0">
+      <inkml:inkSource xml:id="inkSrc0">
+        <inkml:traceFormat>
+          <inkml:channel name="X" type="integer" min="-2.14748E9" max="2.14748E9" units="cm"/>
+          <inkml:channel name="Y" type="integer" min="-2.14748E9" max="2.14748E9" units="cm"/>
+          <inkml:channel name="F" type="integer" max="32767" units="dev"/>
+        </inkml:traceFormat>
+        <inkml:channelProperties>
+          <inkml:channelProperty channel="X" name="resolution" value="1000" units="1/cm"/>
+          <inkml:channelProperty channel="Y" name="resolution" value="1000" units="1/cm"/>
+          <inkml:channelProperty channel="F" name="resolution" value="0" units="1/dev"/>
+        </inkml:channelProperties>
+      </inkml:inkSource>
+      <inkml:timestamp xml:id="ts0" timeString="2021-11-01T14:21:07.920"/>
+    </inkml:context>
+    <inkml:brush xml:id="br0">
+      <inkml:brushProperty name="width" value="0.05" units="cm"/>
+      <inkml:brushProperty name="height" value="0.05" units="cm"/>
+      <inkml:brushProperty name="color" value="#66CC00"/>
+    </inkml:brush>
+  </inkml:definitions>
+  <inkml:trace contextRef="#ctx0" brushRef="#br0">1 994 24575,'17'-2'0,"1"0"0,-1-1 0,0-1 0,0-1 0,0 0 0,22-11 0,26-7 0,153-53 0,75-20 0,-16 38 0,-3 2 0,-20 15 0,-26 6 0,-48-1 0,190-12 0,347-31 0,-399 41 0,249-37 0,7 14 0,-405 48 0,19-5 0,197-10 0,-285 26 0,289-9 0,24-2 0,-82 5 0,653-2 0,-612 12 0,-245-3 0,714 14 0,-17-8 0,-697-15 0,236-53 0,-227 36 0,1 5 0,255-6 0,631 29 0,-347 1 0,-366-3 0,340 3 0,-262 19 0,-284-16 0,437 12 0,-314-19 0,260 4 0,-182 20 0,-208-5 0,-12-1 0,329 12 0,-60-6 0,-149 12 0,-54-7 0,732 47 0,-290-35 0,347 56 0,-273 12 0,221 17 0,-299-53 0,-307-16 0,-29-4 0,516 101 0,-546-98 0,225 49 0,-322-80 0,-35-8 0,0 4 0,98 34 0,-91-23 0,145 26 0,-72-19 0,255 38 0,4-35 0,-150-9 0,-162-16 0,-57-5 0,-36-6 0,44 4 0,-59-8 0,1 1 0,-1 1 0,0 0 0,1 0 0,-1 1 0,0 0 0,0 1 0,-1 0 0,1 0 0,-1 1 0,0 1 0,0-1 0,0 1 0,-1 1 0,0 0 0,0 0 0,-1 0 0,11 14 0,59 62 0,15 20 0,18 23 0,-102-118 120,-4-6-1605,-7-12-5341</inkml:trace>
+</inkml:ink>
+</file>
+
+<file path=ppt/ink/ink2.xml><?xml version="1.0" encoding="utf-8"?>
+<inkml:ink xmlns:inkml="http://www.w3.org/2003/InkML">
+  <inkml:definitions>
+    <inkml:context xml:id="ctx0">
+      <inkml:inkSource xml:id="inkSrc0">
+        <inkml:traceFormat>
+          <inkml:channel name="X" type="integer" min="-2.14748E9" max="2.14748E9" units="cm"/>
+          <inkml:channel name="Y" type="integer" min="-2.14748E9" max="2.14748E9" units="cm"/>
+          <inkml:channel name="F" type="integer" max="32767" units="dev"/>
+        </inkml:traceFormat>
+        <inkml:channelProperties>
+          <inkml:channelProperty channel="X" name="resolution" value="1000" units="1/cm"/>
+          <inkml:channelProperty channel="Y" name="resolution" value="1000" units="1/cm"/>
+          <inkml:channelProperty channel="F" name="resolution" value="0" units="1/dev"/>
+        </inkml:channelProperties>
+      </inkml:inkSource>
+      <inkml:timestamp xml:id="ts0" timeString="2021-11-01T14:21:11.926"/>
+    </inkml:context>
+    <inkml:brush xml:id="br0">
+      <inkml:brushProperty name="width" value="0.05" units="cm"/>
+      <inkml:brushProperty name="height" value="0.05" units="cm"/>
+      <inkml:brushProperty name="color" value="#66CC00"/>
+    </inkml:brush>
+  </inkml:definitions>
+  <inkml:trace contextRef="#ctx0" brushRef="#br0">324 6 24575,'-1'2'0,"-1"1"0,1-1 0,-1 0 0,0 0 0,0 0 0,0 0 0,0-1 0,0 1 0,0-1 0,0 1 0,0-1 0,-1 0 0,1 1 0,-4 0 0,-3 3 0,0 0 0,1 2 0,-1-1 0,1 1 0,1 0 0,-1 0 0,1 1 0,0 0 0,1 1 0,0-1 0,-8 16 0,5-10 0,-2-1 0,1 0 0,-2 0 0,1-1 0,-26 19 0,-16 17 0,47-42 0,2 1 0,-1-1 0,1 1 0,0 0 0,0 0 0,1 1 0,0-1 0,0 1 0,1-1 0,0 1 0,-2 15 0,1 8 0,1 52 0,2-75 0,0 5 0,1-1 0,0 1 0,0-1 0,2 0 0,0 0 0,0 0 0,1 0 0,0 0 0,1 0 0,0-1 0,1 0 0,0 0 0,1-1 0,0 0 0,1 0 0,0 0 0,1-1 0,0 0 0,10 8 0,0-1 0,-9-7 0,-1-1 0,1 0 0,1 0 0,0-1 0,0 0 0,0-1 0,1-1 0,16 7 0,9-3 0,1-1 0,0-1 0,64 1 0,116-12 0,-209 3 0,1-1 0,-1 0 0,1-1 0,-1 0 0,0 0 0,0-1 0,-1 0 0,1-1 0,-1 0 0,9-6 0,-6 4 0,0 0 0,0 1 0,0 1 0,1-1 0,15-3 0,19-2 0,-31 9 0,0-1 0,-1-1 0,0 0 0,0-1 0,0-1 0,0 0 0,-1 0 0,24-17 0,-7 1 0,-24 19 0,1-1 0,-1-1 0,0 1 0,0-1 0,-1 0 0,1 0 0,-1-1 0,0 1 0,-1-1 0,0 0 0,1-1 0,-2 1 0,1-1 0,2-8 0,4-15 0,-1-1 0,-2 0 0,6-50 0,-12 66 0,-1 0 0,0 0 0,-1 0 0,-1 0 0,0 0 0,-1 1 0,-1-1 0,0 1 0,-11-27 0,-16-21 0,-37-57 0,65 115 0,0 0 0,0 0 0,0 1 0,-1-1 0,0 1 0,1 0 0,-1 0 0,0 0 0,0 0 0,0 1 0,-1-1 0,1 1 0,-1 0 0,1 1 0,-1-1 0,0 1 0,-8-2 0,-5 2 0,-1-1 0,1 2 0,-27 3 0,5-1 0,18 0 6,1 1-1,0 1 0,1 1 0,-1 1 1,1 0-1,-33 17 0,-24 6-1407,58-23-5424</inkml:trace>
+</inkml:ink>
+</file>
+
+<file path=ppt/ink/ink3.xml><?xml version="1.0" encoding="utf-8"?>
+<inkml:ink xmlns:inkml="http://www.w3.org/2003/InkML">
+  <inkml:definitions>
+    <inkml:context xml:id="ctx0">
+      <inkml:inkSource xml:id="inkSrc0">
+        <inkml:traceFormat>
+          <inkml:channel name="X" type="integer" min="-2.14748E9" max="2.14748E9" units="cm"/>
+          <inkml:channel name="Y" type="integer" min="-2.14748E9" max="2.14748E9" units="cm"/>
+          <inkml:channel name="F" type="integer" max="32767" units="dev"/>
+        </inkml:traceFormat>
+        <inkml:channelProperties>
+          <inkml:channelProperty channel="X" name="resolution" value="1000" units="1/cm"/>
+          <inkml:channelProperty channel="Y" name="resolution" value="1000" units="1/cm"/>
+          <inkml:channelProperty channel="F" name="resolution" value="0" units="1/dev"/>
+        </inkml:channelProperties>
+      </inkml:inkSource>
+      <inkml:timestamp xml:id="ts0" timeString="2021-11-01T14:21:16.303"/>
+    </inkml:context>
+    <inkml:brush xml:id="br0">
+      <inkml:brushProperty name="width" value="0.05" units="cm"/>
+      <inkml:brushProperty name="height" value="0.05" units="cm"/>
+      <inkml:brushProperty name="color" value="#66CC00"/>
+    </inkml:brush>
+  </inkml:definitions>
+  <inkml:trace contextRef="#ctx0" brushRef="#br0">0 0 24575,'0'0'-8191</inkml:trace>
+</inkml:ink>
+</file>
+
+<file path=ppt/ink/ink4.xml><?xml version="1.0" encoding="utf-8"?>
+<inkml:ink xmlns:inkml="http://www.w3.org/2003/InkML">
+  <inkml:definitions>
+    <inkml:context xml:id="ctx0">
+      <inkml:inkSource xml:id="inkSrc0">
+        <inkml:traceFormat>
+          <inkml:channel name="X" type="integer" min="-2.14748E9" max="2.14748E9" units="cm"/>
+          <inkml:channel name="Y" type="integer" min="-2.14748E9" max="2.14748E9" units="cm"/>
+          <inkml:channel name="F" type="integer" max="32767" units="dev"/>
+        </inkml:traceFormat>
+        <inkml:channelProperties>
+          <inkml:channelProperty channel="X" name="resolution" value="1000" units="1/cm"/>
+          <inkml:channelProperty channel="Y" name="resolution" value="1000" units="1/cm"/>
+          <inkml:channelProperty channel="F" name="resolution" value="0" units="1/dev"/>
+        </inkml:channelProperties>
+      </inkml:inkSource>
+      <inkml:timestamp xml:id="ts0" timeString="2021-11-01T14:21:18.060"/>
+    </inkml:context>
+    <inkml:brush xml:id="br0">
+      <inkml:brushProperty name="width" value="0.05" units="cm"/>
+      <inkml:brushProperty name="height" value="0.05" units="cm"/>
+      <inkml:brushProperty name="color" value="#66CC00"/>
+    </inkml:brush>
+  </inkml:definitions>
+  <inkml:trace contextRef="#ctx0" brushRef="#br0">389 87 24575,'-39'-1'0,"21"0"0,0 1 0,0 0 0,-21 4 0,34-3 0,0 0 0,0 0 0,0 1 0,0 0 0,0 0 0,1 0 0,-1 0 0,1 1 0,-1 0 0,1-1 0,0 2 0,0-1 0,0 0 0,0 1 0,-4 6 0,-7 12 0,1 1 0,2 0 0,0 1 0,1 0 0,-8 31 0,-10 11 0,18-44 0,-12 39 0,16-38 0,0-3 0,2 0 0,0 0 0,1 0 0,-2 30 0,6-44 0,0 0 0,0 0 0,1 0 0,0 0 0,0 0 0,0 0 0,1 0 0,0-1 0,0 1 0,1 0 0,-1-1 0,1 0 0,0 0 0,1 0 0,-1 0 0,1 0 0,0-1 0,0 1 0,0-1 0,6 4 0,57 41 0,109 60 0,-162-102 0,1 0 0,-1-1 0,2 0 0,-1-2 0,0 1 0,21 2 0,98 4 0,-50-5 0,21 8 0,-60-7 0,1-2 0,75 0 0,-104-7 0,0 0 0,1-2 0,-1 1 0,30-13 0,66-34 0,-41 17 0,178-71 0,-245 102 0,0 0 0,0 0 0,-1-1 0,1 0 0,-1 0 0,1 0 0,-1 0 0,0-1 0,-1 0 0,1 0 0,0 0 0,-1 0 0,5-8 0,-6 6 0,1 0 0,-1 0 0,-1-1 0,1 1 0,-1 0 0,0-1 0,-1 1 0,0 0 0,0-1 0,-1-12 0,-10-195 0,10 207 0,-1 1 0,1-1 0,-1 1 0,0-1 0,-1 1 0,1 0 0,-1-1 0,-1 1 0,-7-10 0,-45-51 0,29 37 0,-48-45 0,19 21 0,48 47 0,0 0 0,-1 0 0,1 1 0,-1 1 0,-1-1 0,1 1 0,-1 1 0,1 0 0,-18-5 0,-12-1 0,-46-6 0,80 16 0,-120-14-185,-233 6 1,263 9-812,77-1-5830</inkml:trace>
+</inkml:ink>
+</file>
+
 <file path=ppt/notesMasters/notesMaster1.xml><?xml version="1.0" encoding="utf-8"?>
 <p:notesMaster xmlns:a="http://schemas.openxmlformats.org/drawingml/2006/main" xmlns:r="http://schemas.openxmlformats.org/officeDocument/2006/relationships" xmlns:p="http://schemas.openxmlformats.org/presentationml/2006/main">
   <p:cSld>
@@ -1282,7 +1760,7 @@
           <a:p>
             <a:fld id="{EE41F6E3-57F9-402E-BDBA-5B2DE11C8530}" type="datetimeFigureOut">
               <a:rPr lang="en-US" smtClean="0"/>
-              <a:t>10/28/2021</a:t>
+              <a:t>11/9/2021</a:t>
             </a:fld>
             <a:endParaRPr lang="en-US"/>
           </a:p>
@@ -1681,14 +2159,18 @@
           <a:lstStyle/>
           <a:p>
             <a:r>
-              <a:rPr lang="en-US" dirty="0"/>
-              <a:t>https://www.sans.org/reading-room/whitepapers/forensics/windows-shellbag-forensics-in-depth-34545</a:t>
-            </a:r>
-          </a:p>
-          <a:p>
-            <a:r>
-              <a:rPr lang="en-US" dirty="0"/>
-              <a:t>https://lifars.com/wp-content/uploads/2020/04/LIFARS-WhitePaper-Windows-ShellBags-Forensics-Investigative-Value-of-Windows-ShellBags.pdf</a:t>
+              <a:rPr lang="en-US" dirty="0" err="1"/>
+              <a:t>wget</a:t>
+            </a:r>
+            <a:r>
+              <a:rPr lang="en-US" dirty="0"/>
+              <a:t> -q https://www.cfreds.nist.gov/data_leakage_case/images/rm%232/cfreds_2015_data_leakage_rm%232.7z</a:t>
+            </a:r>
+          </a:p>
+          <a:p>
+            <a:r>
+              <a:rPr lang="en-US" dirty="0"/>
+              <a:t>7z e cfreds_2015_data_leakage_rm#2.7z </a:t>
             </a:r>
           </a:p>
         </p:txBody>
@@ -1710,7 +2192,7 @@
           <a:p>
             <a:fld id="{DDBF98C7-164A-4723-84F0-B1E4B080DDEC}" type="slidenum">
               <a:rPr lang="en-US" smtClean="0"/>
-              <a:t>16</a:t>
+              <a:t>15</a:t>
             </a:fld>
             <a:endParaRPr lang="en-US"/>
           </a:p>
@@ -1719,7 +2201,7 @@
     </p:spTree>
     <p:extLst>
       <p:ext uri="{BB962C8B-B14F-4D97-AF65-F5344CB8AC3E}">
-        <p14:creationId xmlns:p14="http://schemas.microsoft.com/office/powerpoint/2010/main" val="2658350417"/>
+        <p14:creationId xmlns:p14="http://schemas.microsoft.com/office/powerpoint/2010/main" val="475471849"/>
       </p:ext>
     </p:extLst>
   </p:cSld>
@@ -1774,20 +2256,8 @@
           <a:lstStyle/>
           <a:p>
             <a:r>
-              <a:rPr lang="en-US" dirty="0" err="1"/>
-              <a:t>losetup</a:t>
-            </a:r>
-            <a:r>
-              <a:rPr lang="en-US" dirty="0"/>
-              <a:t> --</a:t>
-            </a:r>
-            <a:r>
-              <a:rPr lang="en-US" dirty="0" err="1"/>
-              <a:t>partscan</a:t>
-            </a:r>
-            <a:r>
-              <a:rPr lang="en-US" dirty="0"/>
-              <a:t>  --find --show  --read-only cfreds_2015_data_leakage_pc.dd</a:t>
+              <a:rPr lang="en-US" dirty="0"/>
+              <a:t>https://www.sans.org/reading-room/whitepapers/forensics/windows-shellbag-forensics-in-depth-34545</a:t>
             </a:r>
           </a:p>
         </p:txBody>
@@ -1818,7 +2288,7 @@
     </p:spTree>
     <p:extLst>
       <p:ext uri="{BB962C8B-B14F-4D97-AF65-F5344CB8AC3E}">
-        <p14:creationId xmlns:p14="http://schemas.microsoft.com/office/powerpoint/2010/main" val="1924632968"/>
+        <p14:creationId xmlns:p14="http://schemas.microsoft.com/office/powerpoint/2010/main" val="3920818086"/>
       </p:ext>
     </p:extLst>
   </p:cSld>
@@ -1874,22 +2344,14 @@
           <a:p>
             <a:r>
               <a:rPr lang="en-US" dirty="0"/>
-              <a:t>rip.pl -r UsrClass_informat.dat -p </a:t>
-            </a:r>
-            <a:r>
-              <a:rPr lang="en-US" dirty="0" err="1"/>
-              <a:t>shellbags</a:t>
-            </a:r>
-            <a:r>
-              <a:rPr lang="en-US" dirty="0"/>
-              <a:t> | grep E:</a:t>
-            </a:r>
-          </a:p>
-          <a:p>
-            <a:endParaRPr lang="en-US" dirty="0"/>
-          </a:p>
-          <a:p>
-            <a:endParaRPr lang="en-US" dirty="0"/>
+              <a:t>https://www.sans.org/reading-room/whitepapers/forensics/windows-shellbag-forensics-in-depth-34545</a:t>
+            </a:r>
+          </a:p>
+          <a:p>
+            <a:r>
+              <a:rPr lang="en-US" dirty="0"/>
+              <a:t>https://lifars.com/wp-content/uploads/2020/04/LIFARS-WhitePaper-Windows-ShellBags-Forensics-Investigative-Value-of-Windows-ShellBags.pdf</a:t>
+            </a:r>
           </a:p>
         </p:txBody>
       </p:sp>
@@ -1910,7 +2372,7 @@
           <a:p>
             <a:fld id="{DDBF98C7-164A-4723-84F0-B1E4B080DDEC}" type="slidenum">
               <a:rPr lang="en-US" smtClean="0"/>
-              <a:t>19</a:t>
+              <a:t>18</a:t>
             </a:fld>
             <a:endParaRPr lang="en-US"/>
           </a:p>
@@ -1919,7 +2381,7 @@
     </p:spTree>
     <p:extLst>
       <p:ext uri="{BB962C8B-B14F-4D97-AF65-F5344CB8AC3E}">
-        <p14:creationId xmlns:p14="http://schemas.microsoft.com/office/powerpoint/2010/main" val="3892207778"/>
+        <p14:creationId xmlns:p14="http://schemas.microsoft.com/office/powerpoint/2010/main" val="2658350417"/>
       </p:ext>
     </p:extLst>
   </p:cSld>
@@ -1974,14 +2436,20 @@
           <a:lstStyle/>
           <a:p>
             <a:r>
-              <a:rPr lang="en-US" dirty="0"/>
-              <a:t>https://www.blackbagtech.com/blog/windows-10-jump-list-forensics/</a:t>
-            </a:r>
-          </a:p>
-          <a:p>
-            <a:r>
-              <a:rPr lang="en-US" dirty="0"/>
-              <a:t>https://cyberforensicator.com/wp-content/uploads/2017/01/1-s2.0-S1742287616300202-main.2-14.pdf</a:t>
+              <a:rPr lang="en-US" dirty="0" err="1"/>
+              <a:t>losetup</a:t>
+            </a:r>
+            <a:r>
+              <a:rPr lang="en-US" dirty="0"/>
+              <a:t> --</a:t>
+            </a:r>
+            <a:r>
+              <a:rPr lang="en-US" dirty="0" err="1"/>
+              <a:t>partscan</a:t>
+            </a:r>
+            <a:r>
+              <a:rPr lang="en-US" dirty="0"/>
+              <a:t>  --find --show  --read-only cfreds_2015_data_leakage_pc.dd</a:t>
             </a:r>
           </a:p>
         </p:txBody>
@@ -2003,7 +2471,7 @@
           <a:p>
             <a:fld id="{DDBF98C7-164A-4723-84F0-B1E4B080DDEC}" type="slidenum">
               <a:rPr lang="en-US" smtClean="0"/>
-              <a:t>21</a:t>
+              <a:t>19</a:t>
             </a:fld>
             <a:endParaRPr lang="en-US"/>
           </a:p>
@@ -2012,7 +2480,7 @@
     </p:spTree>
     <p:extLst>
       <p:ext uri="{BB962C8B-B14F-4D97-AF65-F5344CB8AC3E}">
-        <p14:creationId xmlns:p14="http://schemas.microsoft.com/office/powerpoint/2010/main" val="2810119622"/>
+        <p14:creationId xmlns:p14="http://schemas.microsoft.com/office/powerpoint/2010/main" val="1924632968"/>
       </p:ext>
     </p:extLst>
   </p:cSld>
@@ -2068,8 +2536,21 @@
           <a:p>
             <a:r>
               <a:rPr lang="en-US" dirty="0"/>
-              <a:t>https://www.blackbagtech.com/blog/windows-10-jump-list-forensics/</a:t>
-            </a:r>
+              <a:t>rip.pl -r /media/student/C8CA0C8DCA0C7A48/Users/informant/</a:t>
+            </a:r>
+            <a:r>
+              <a:rPr lang="en-US" dirty="0" err="1"/>
+              <a:t>AppData</a:t>
+            </a:r>
+            <a:r>
+              <a:rPr lang="en-US" dirty="0"/>
+              <a:t>/Local/Microsoft/Windows/UsrClass.dat -p </a:t>
+            </a:r>
+            <a:r>
+              <a:rPr lang="en-US" dirty="0" err="1"/>
+              <a:t>shellbags</a:t>
+            </a:r>
+            <a:endParaRPr lang="en-US" dirty="0"/>
           </a:p>
         </p:txBody>
       </p:sp>
@@ -2080,7 +2561,7 @@
             <a:spLocks noGrp="1"/>
           </p:cNvSpPr>
           <p:nvPr>
-            <p:ph type="sldNum" sz="quarter" idx="10"/>
+            <p:ph type="sldNum" sz="quarter" idx="5"/>
           </p:nvPr>
         </p:nvSpPr>
         <p:spPr/>
@@ -2090,7 +2571,7 @@
           <a:p>
             <a:fld id="{DDBF98C7-164A-4723-84F0-B1E4B080DDEC}" type="slidenum">
               <a:rPr lang="en-US" smtClean="0"/>
-              <a:t>22</a:t>
+              <a:t>20</a:t>
             </a:fld>
             <a:endParaRPr lang="en-US"/>
           </a:p>
@@ -2099,7 +2580,7 @@
     </p:spTree>
     <p:extLst>
       <p:ext uri="{BB962C8B-B14F-4D97-AF65-F5344CB8AC3E}">
-        <p14:creationId xmlns:p14="http://schemas.microsoft.com/office/powerpoint/2010/main" val="3810432993"/>
+        <p14:creationId xmlns:p14="http://schemas.microsoft.com/office/powerpoint/2010/main" val="455872587"/>
       </p:ext>
     </p:extLst>
   </p:cSld>
@@ -2154,19 +2635,23 @@
           <a:lstStyle/>
           <a:p>
             <a:r>
+              <a:rPr lang="en-US" dirty="0"/>
+              <a:t>rip.pl -r UsrClass_informat.dat -p </a:t>
+            </a:r>
+            <a:r>
               <a:rPr lang="en-US" dirty="0" err="1"/>
-              <a:t>wget</a:t>
-            </a:r>
-            <a:r>
-              <a:rPr lang="en-US" dirty="0"/>
-              <a:t> -q https://cfreds-archive.nist.gov/data_leakage_case/images/rm%232/cfreds_2015_data_leakage_rm%232.7z</a:t>
-            </a:r>
-          </a:p>
-          <a:p>
-            <a:r>
-              <a:rPr lang="en-US" dirty="0"/>
-              <a:t>7z e cfreds_2015_data_leakage_rm#2.7z </a:t>
-            </a:r>
+              <a:t>shellbags</a:t>
+            </a:r>
+            <a:r>
+              <a:rPr lang="en-US" dirty="0"/>
+              <a:t> | grep E:</a:t>
+            </a:r>
+          </a:p>
+          <a:p>
+            <a:endParaRPr lang="en-US" dirty="0"/>
+          </a:p>
+          <a:p>
+            <a:endParaRPr lang="en-US" dirty="0"/>
           </a:p>
         </p:txBody>
       </p:sp>
@@ -2187,7 +2672,7 @@
           <a:p>
             <a:fld id="{DDBF98C7-164A-4723-84F0-B1E4B080DDEC}" type="slidenum">
               <a:rPr lang="en-US" smtClean="0"/>
-              <a:t>23</a:t>
+              <a:t>21</a:t>
             </a:fld>
             <a:endParaRPr lang="en-US"/>
           </a:p>
@@ -2196,7 +2681,7 @@
     </p:spTree>
     <p:extLst>
       <p:ext uri="{BB962C8B-B14F-4D97-AF65-F5344CB8AC3E}">
-        <p14:creationId xmlns:p14="http://schemas.microsoft.com/office/powerpoint/2010/main" val="1857247251"/>
+        <p14:creationId xmlns:p14="http://schemas.microsoft.com/office/powerpoint/2010/main" val="3892207778"/>
       </p:ext>
     </p:extLst>
   </p:cSld>
@@ -2252,13 +2737,13 @@
           <a:p>
             <a:r>
               <a:rPr lang="en-US" dirty="0"/>
-              <a:t>7z e cfreds_2015_data_leakage_rm#2.7z</a:t>
-            </a:r>
-          </a:p>
-          <a:p>
-            <a:r>
-              <a:rPr lang="en-US" dirty="0"/>
-              <a:t>sha1sum cfreds_2015_data_leakage_rm#2.7z</a:t>
+              <a:t>https://www.blackbagtech.com/blog/windows-10-jump-list-forensics/</a:t>
+            </a:r>
+          </a:p>
+          <a:p>
+            <a:r>
+              <a:rPr lang="en-US" dirty="0"/>
+              <a:t>https://cyberforensicator.com/wp-content/uploads/2017/01/1-s2.0-S1742287616300202-main.2-14.pdf</a:t>
             </a:r>
           </a:p>
         </p:txBody>
@@ -2280,7 +2765,7 @@
           <a:p>
             <a:fld id="{DDBF98C7-164A-4723-84F0-B1E4B080DDEC}" type="slidenum">
               <a:rPr lang="en-US" smtClean="0"/>
-              <a:t>24</a:t>
+              <a:t>23</a:t>
             </a:fld>
             <a:endParaRPr lang="en-US"/>
           </a:p>
@@ -2289,7 +2774,7 @@
     </p:spTree>
     <p:extLst>
       <p:ext uri="{BB962C8B-B14F-4D97-AF65-F5344CB8AC3E}">
-        <p14:creationId xmlns:p14="http://schemas.microsoft.com/office/powerpoint/2010/main" val="854244368"/>
+        <p14:creationId xmlns:p14="http://schemas.microsoft.com/office/powerpoint/2010/main" val="756257364"/>
       </p:ext>
     </p:extLst>
   </p:cSld>
@@ -2348,6 +2833,12 @@
               <a:t>https://www.blackbagtech.com/blog/windows-10-jump-list-forensics/</a:t>
             </a:r>
           </a:p>
+          <a:p>
+            <a:r>
+              <a:rPr lang="en-US" dirty="0"/>
+              <a:t>https://cyberforensicator.com/wp-content/uploads/2017/01/1-s2.0-S1742287616300202-main.2-14.pdf</a:t>
+            </a:r>
+          </a:p>
         </p:txBody>
       </p:sp>
       <p:sp>
@@ -2367,7 +2858,7 @@
           <a:p>
             <a:fld id="{DDBF98C7-164A-4723-84F0-B1E4B080DDEC}" type="slidenum">
               <a:rPr lang="en-US" smtClean="0"/>
-              <a:t>25</a:t>
+              <a:t>24</a:t>
             </a:fld>
             <a:endParaRPr lang="en-US"/>
           </a:p>
@@ -2376,7 +2867,7 @@
     </p:spTree>
     <p:extLst>
       <p:ext uri="{BB962C8B-B14F-4D97-AF65-F5344CB8AC3E}">
-        <p14:creationId xmlns:p14="http://schemas.microsoft.com/office/powerpoint/2010/main" val="4097651734"/>
+        <p14:creationId xmlns:p14="http://schemas.microsoft.com/office/powerpoint/2010/main" val="2810119622"/>
       </p:ext>
     </p:extLst>
   </p:cSld>
@@ -2435,12 +2926,6 @@
               <a:t>https://www.blackbagtech.com/blog/windows-10-jump-list-forensics/</a:t>
             </a:r>
           </a:p>
-          <a:p>
-            <a:r>
-              <a:rPr lang="en-US" dirty="0"/>
-              <a:t>find /media/root/C8CA0C8DCA0C7A48/  -name "Automatic*"</a:t>
-            </a:r>
-          </a:p>
         </p:txBody>
       </p:sp>
       <p:sp>
@@ -2460,7 +2945,7 @@
           <a:p>
             <a:fld id="{DDBF98C7-164A-4723-84F0-B1E4B080DDEC}" type="slidenum">
               <a:rPr lang="en-US" smtClean="0"/>
-              <a:t>26</a:t>
+              <a:t>25</a:t>
             </a:fld>
             <a:endParaRPr lang="en-US"/>
           </a:p>
@@ -2469,7 +2954,7 @@
     </p:spTree>
     <p:extLst>
       <p:ext uri="{BB962C8B-B14F-4D97-AF65-F5344CB8AC3E}">
-        <p14:creationId xmlns:p14="http://schemas.microsoft.com/office/powerpoint/2010/main" val="3749430388"/>
+        <p14:creationId xmlns:p14="http://schemas.microsoft.com/office/powerpoint/2010/main" val="3810432993"/>
       </p:ext>
     </p:extLst>
   </p:cSld>
@@ -2525,23 +3010,7 @@
           <a:p>
             <a:r>
               <a:rPr lang="en-US" dirty="0"/>
-              <a:t>ls /media/root/C8CA0C8DCA0C7A48/Users/informant/</a:t>
-            </a:r>
-            <a:r>
-              <a:rPr lang="en-US" dirty="0" err="1"/>
-              <a:t>AppData</a:t>
-            </a:r>
-            <a:r>
-              <a:rPr lang="en-US" dirty="0"/>
-              <a:t>/Roaming/Microsoft/Windows/Recent/</a:t>
-            </a:r>
-            <a:r>
-              <a:rPr lang="en-US" dirty="0" err="1"/>
-              <a:t>AutomaticDestinations</a:t>
-            </a:r>
-            <a:r>
-              <a:rPr lang="en-US" dirty="0"/>
-              <a:t>/</a:t>
+              <a:t>https://www.blackbagtech.com/blog/windows-10-jump-list-forensics/</a:t>
             </a:r>
           </a:p>
         </p:txBody>
@@ -2563,7 +3032,7 @@
           <a:p>
             <a:fld id="{DDBF98C7-164A-4723-84F0-B1E4B080DDEC}" type="slidenum">
               <a:rPr lang="en-US" smtClean="0"/>
-              <a:t>27</a:t>
+              <a:t>26</a:t>
             </a:fld>
             <a:endParaRPr lang="en-US"/>
           </a:p>
@@ -2572,7 +3041,7 @@
     </p:spTree>
     <p:extLst>
       <p:ext uri="{BB962C8B-B14F-4D97-AF65-F5344CB8AC3E}">
-        <p14:creationId xmlns:p14="http://schemas.microsoft.com/office/powerpoint/2010/main" val="3248571872"/>
+        <p14:creationId xmlns:p14="http://schemas.microsoft.com/office/powerpoint/2010/main" val="4097651734"/>
       </p:ext>
     </p:extLst>
   </p:cSld>
@@ -2719,34 +3188,14 @@
           <a:lstStyle/>
           <a:p>
             <a:r>
-              <a:rPr lang="en-US" dirty="0" err="1"/>
-              <a:t>cp</a:t>
-            </a:r>
-            <a:r>
-              <a:rPr lang="en-US" dirty="0"/>
-              <a:t>  /media/root/C8CA0C8DCA0C7A48/Users/informant/</a:t>
-            </a:r>
-            <a:r>
-              <a:rPr lang="en-US" dirty="0" err="1"/>
-              <a:t>AppData</a:t>
-            </a:r>
-            <a:r>
-              <a:rPr lang="en-US" dirty="0"/>
-              <a:t>/Roaming/Microsoft/Windows/Recent/</a:t>
-            </a:r>
-            <a:r>
-              <a:rPr lang="en-US" dirty="0" err="1"/>
-              <a:t>AutomaticDestinations</a:t>
-            </a:r>
-            <a:r>
-              <a:rPr lang="en-US" dirty="0"/>
-              <a:t>/e36bfc8972e5ab1d.automaticDestinations-ms .</a:t>
-            </a:r>
-          </a:p>
-          <a:p>
-            <a:r>
-              <a:rPr lang="en-US" dirty="0"/>
-              <a:t>ls -l e36bfc8972e5ab1d.automaticDestinations-ms</a:t>
+              <a:rPr lang="en-US" dirty="0"/>
+              <a:t>https://www.blackbagtech.com/blog/windows-10-jump-list-forensics/</a:t>
+            </a:r>
+          </a:p>
+          <a:p>
+            <a:r>
+              <a:rPr lang="en-US" dirty="0"/>
+              <a:t>find /media/root/C8CA0C8DCA0C7A48/  -name "Automatic*"</a:t>
             </a:r>
           </a:p>
         </p:txBody>
@@ -2768,7 +3217,7 @@
           <a:p>
             <a:fld id="{DDBF98C7-164A-4723-84F0-B1E4B080DDEC}" type="slidenum">
               <a:rPr lang="en-US" smtClean="0"/>
-              <a:t>28</a:t>
+              <a:t>27</a:t>
             </a:fld>
             <a:endParaRPr lang="en-US"/>
           </a:p>
@@ -2777,7 +3226,7 @@
     </p:spTree>
     <p:extLst>
       <p:ext uri="{BB962C8B-B14F-4D97-AF65-F5344CB8AC3E}">
-        <p14:creationId xmlns:p14="http://schemas.microsoft.com/office/powerpoint/2010/main" val="2747024857"/>
+        <p14:creationId xmlns:p14="http://schemas.microsoft.com/office/powerpoint/2010/main" val="3749430388"/>
       </p:ext>
     </p:extLst>
   </p:cSld>
@@ -2833,13 +3282,23 @@
           <a:p>
             <a:r>
               <a:rPr lang="en-US" dirty="0"/>
-              <a:t>https://binaryforay.blogspot.com/2016/03/introducing-jlecmd.html</a:t>
-            </a:r>
-          </a:p>
-          <a:p>
-            <a:r>
-              <a:rPr lang="en-US" dirty="0"/>
-              <a:t>https://www.youtube.com/watch?v=RSM4wygz39Q&amp;ab_channel=KernelPanic%21AtTheDisco</a:t>
+              <a:t>ls /media/root/C8CA0C8DCA0C7A48/Users/informant/</a:t>
+            </a:r>
+            <a:r>
+              <a:rPr lang="en-US" dirty="0" err="1"/>
+              <a:t>AppData</a:t>
+            </a:r>
+            <a:r>
+              <a:rPr lang="en-US" dirty="0"/>
+              <a:t>/Roaming/Microsoft/Windows/Recent/</a:t>
+            </a:r>
+            <a:r>
+              <a:rPr lang="en-US" dirty="0" err="1"/>
+              <a:t>AutomaticDestinations</a:t>
+            </a:r>
+            <a:r>
+              <a:rPr lang="en-US" dirty="0"/>
+              <a:t>/</a:t>
             </a:r>
           </a:p>
         </p:txBody>
@@ -2861,7 +3320,7 @@
           <a:p>
             <a:fld id="{DDBF98C7-164A-4723-84F0-B1E4B080DDEC}" type="slidenum">
               <a:rPr lang="en-US" smtClean="0"/>
-              <a:t>29</a:t>
+              <a:t>28</a:t>
             </a:fld>
             <a:endParaRPr lang="en-US"/>
           </a:p>
@@ -2870,7 +3329,7 @@
     </p:spTree>
     <p:extLst>
       <p:ext uri="{BB962C8B-B14F-4D97-AF65-F5344CB8AC3E}">
-        <p14:creationId xmlns:p14="http://schemas.microsoft.com/office/powerpoint/2010/main" val="327826602"/>
+        <p14:creationId xmlns:p14="http://schemas.microsoft.com/office/powerpoint/2010/main" val="3248571872"/>
       </p:ext>
     </p:extLst>
   </p:cSld>
@@ -2926,17 +3385,33 @@
           <a:p>
             <a:r>
               <a:rPr lang="en-US" dirty="0" err="1"/>
-              <a:t>wget</a:t>
-            </a:r>
-            <a:r>
-              <a:rPr lang="en-US" dirty="0"/>
-              <a:t> https://f001.backblazeb2.com/file/EricZimmermanTools/JLECmd.zip</a:t>
-            </a:r>
-          </a:p>
-          <a:p>
-            <a:r>
-              <a:rPr lang="en-US" dirty="0"/>
-              <a:t>unzip JLECmd.zip</a:t>
+              <a:t>cp</a:t>
+            </a:r>
+            <a:r>
+              <a:rPr lang="en-US" dirty="0"/>
+              <a:t>  /media/root/C8CA0C8DCA0C7A48/Users/informant/</a:t>
+            </a:r>
+            <a:r>
+              <a:rPr lang="en-US" dirty="0" err="1"/>
+              <a:t>AppData</a:t>
+            </a:r>
+            <a:r>
+              <a:rPr lang="en-US" dirty="0"/>
+              <a:t>/Roaming/Microsoft/Windows/Recent/</a:t>
+            </a:r>
+            <a:r>
+              <a:rPr lang="en-US" dirty="0" err="1"/>
+              <a:t>AutomaticDestinations</a:t>
+            </a:r>
+            <a:r>
+              <a:rPr lang="en-US" dirty="0"/>
+              <a:t>/e36bfc8972e5ab1d.automaticDestinations-ms .</a:t>
+            </a:r>
+          </a:p>
+          <a:p>
+            <a:r>
+              <a:rPr lang="en-US" dirty="0"/>
+              <a:t>ls -l e36bfc8972e5ab1d.automaticDestinations-ms</a:t>
             </a:r>
           </a:p>
         </p:txBody>
@@ -2958,7 +3433,7 @@
           <a:p>
             <a:fld id="{DDBF98C7-164A-4723-84F0-B1E4B080DDEC}" type="slidenum">
               <a:rPr lang="en-US" smtClean="0"/>
-              <a:t>31</a:t>
+              <a:t>29</a:t>
             </a:fld>
             <a:endParaRPr lang="en-US"/>
           </a:p>
@@ -2967,7 +3442,7 @@
     </p:spTree>
     <p:extLst>
       <p:ext uri="{BB962C8B-B14F-4D97-AF65-F5344CB8AC3E}">
-        <p14:creationId xmlns:p14="http://schemas.microsoft.com/office/powerpoint/2010/main" val="264209153"/>
+        <p14:creationId xmlns:p14="http://schemas.microsoft.com/office/powerpoint/2010/main" val="2747024857"/>
       </p:ext>
     </p:extLst>
   </p:cSld>
@@ -3029,7 +3504,7 @@
           <a:p>
             <a:r>
               <a:rPr lang="en-US" dirty="0"/>
-              <a:t>https://ericzimmerman.github.io/#!index.md</a:t>
+              <a:t>https://www.youtube.com/watch?v=RSM4wygz39Q&amp;ab_channel=KernelPanic%21AtTheDisco</a:t>
             </a:r>
           </a:p>
         </p:txBody>
@@ -3051,7 +3526,7 @@
           <a:p>
             <a:fld id="{DDBF98C7-164A-4723-84F0-B1E4B080DDEC}" type="slidenum">
               <a:rPr lang="en-US" smtClean="0"/>
-              <a:t>32</a:t>
+              <a:t>30</a:t>
             </a:fld>
             <a:endParaRPr lang="en-US"/>
           </a:p>
@@ -3060,7 +3535,7 @@
     </p:spTree>
     <p:extLst>
       <p:ext uri="{BB962C8B-B14F-4D97-AF65-F5344CB8AC3E}">
-        <p14:creationId xmlns:p14="http://schemas.microsoft.com/office/powerpoint/2010/main" val="2295674067"/>
+        <p14:creationId xmlns:p14="http://schemas.microsoft.com/office/powerpoint/2010/main" val="327826602"/>
       </p:ext>
     </p:extLst>
   </p:cSld>
@@ -3115,8 +3590,18 @@
           <a:lstStyle/>
           <a:p>
             <a:r>
-              <a:rPr lang="en-US" dirty="0"/>
-              <a:t>wine JLECmd.exe -f e36bfc8972e5ab1d.automaticDestinations-ms </a:t>
+              <a:rPr lang="en-US" dirty="0" err="1"/>
+              <a:t>wget</a:t>
+            </a:r>
+            <a:r>
+              <a:rPr lang="en-US" dirty="0"/>
+              <a:t> https://f001.backblazeb2.com/file/EricZimmermanTools/JLECmd.zip</a:t>
+            </a:r>
+          </a:p>
+          <a:p>
+            <a:r>
+              <a:rPr lang="en-US" dirty="0"/>
+              <a:t>unzip JLECmd.zip</a:t>
             </a:r>
           </a:p>
         </p:txBody>
@@ -3138,7 +3623,7 @@
           <a:p>
             <a:fld id="{DDBF98C7-164A-4723-84F0-B1E4B080DDEC}" type="slidenum">
               <a:rPr lang="en-US" smtClean="0"/>
-              <a:t>34</a:t>
+              <a:t>32</a:t>
             </a:fld>
             <a:endParaRPr lang="en-US"/>
           </a:p>
@@ -3147,7 +3632,7 @@
     </p:spTree>
     <p:extLst>
       <p:ext uri="{BB962C8B-B14F-4D97-AF65-F5344CB8AC3E}">
-        <p14:creationId xmlns:p14="http://schemas.microsoft.com/office/powerpoint/2010/main" val="2251405379"/>
+        <p14:creationId xmlns:p14="http://schemas.microsoft.com/office/powerpoint/2010/main" val="264209153"/>
       </p:ext>
     </p:extLst>
   </p:cSld>
@@ -3202,36 +3687,14 @@
           <a:lstStyle/>
           <a:p>
             <a:r>
-              <a:rPr lang="en-US" dirty="0" err="1"/>
-              <a:t>cp</a:t>
-            </a:r>
-            <a:r>
-              <a:rPr lang="en-US" dirty="0"/>
-              <a:t> -</a:t>
-            </a:r>
-            <a:r>
-              <a:rPr lang="en-US" dirty="0" err="1"/>
-              <a:t>avr</a:t>
-            </a:r>
-            <a:r>
-              <a:rPr lang="en-US" dirty="0"/>
-              <a:t> /media/root/C8CA0C8DCA0C7A48/Users/informant/</a:t>
-            </a:r>
-            <a:r>
-              <a:rPr lang="en-US" dirty="0" err="1"/>
-              <a:t>AppData</a:t>
-            </a:r>
-            <a:r>
-              <a:rPr lang="en-US" dirty="0"/>
-              <a:t>/Roaming/Microsoft/Windows/Recent/</a:t>
-            </a:r>
-            <a:r>
-              <a:rPr lang="en-US" dirty="0" err="1"/>
-              <a:t>AutomaticDestinations</a:t>
-            </a:r>
-            <a:r>
-              <a:rPr lang="en-US" dirty="0"/>
-              <a:t>/ . </a:t>
+              <a:rPr lang="en-US" dirty="0"/>
+              <a:t>https://binaryforay.blogspot.com/2016/03/introducing-jlecmd.html</a:t>
+            </a:r>
+          </a:p>
+          <a:p>
+            <a:r>
+              <a:rPr lang="en-US" dirty="0"/>
+              <a:t>https://ericzimmerman.github.io/#!index.md</a:t>
             </a:r>
           </a:p>
         </p:txBody>
@@ -3253,7 +3716,7 @@
           <a:p>
             <a:fld id="{DDBF98C7-164A-4723-84F0-B1E4B080DDEC}" type="slidenum">
               <a:rPr lang="en-US" smtClean="0"/>
-              <a:t>35</a:t>
+              <a:t>33</a:t>
             </a:fld>
             <a:endParaRPr lang="en-US"/>
           </a:p>
@@ -3262,7 +3725,7 @@
     </p:spTree>
     <p:extLst>
       <p:ext uri="{BB962C8B-B14F-4D97-AF65-F5344CB8AC3E}">
-        <p14:creationId xmlns:p14="http://schemas.microsoft.com/office/powerpoint/2010/main" val="3629938280"/>
+        <p14:creationId xmlns:p14="http://schemas.microsoft.com/office/powerpoint/2010/main" val="2295674067"/>
       </p:ext>
     </p:extLst>
   </p:cSld>
@@ -3317,30 +3780,15 @@
           <a:lstStyle/>
           <a:p>
             <a:r>
-              <a:rPr lang="fr-FR" dirty="0" err="1"/>
-              <a:t>wine</a:t>
-            </a:r>
-            <a:r>
-              <a:rPr lang="fr-FR" dirty="0"/>
-              <a:t> JLECmd.exe -d </a:t>
-            </a:r>
-            <a:r>
-              <a:rPr lang="fr-FR" dirty="0" err="1"/>
-              <a:t>AutomaticDestinations</a:t>
-            </a:r>
-            <a:r>
-              <a:rPr lang="fr-FR" dirty="0"/>
-              <a:t> --csv </a:t>
-            </a:r>
-            <a:r>
-              <a:rPr lang="fr-FR" dirty="0" err="1"/>
-              <a:t>AutomaticDestinations</a:t>
-            </a:r>
-            <a:r>
-              <a:rPr lang="fr-FR" dirty="0"/>
-              <a:t> -q</a:t>
-            </a:r>
-            <a:endParaRPr lang="en-US" dirty="0"/>
+              <a:rPr lang="en-US" dirty="0"/>
+              <a:t>wine JLECmd.exe -f e36bfc8972e5ab1d.automaticDestinations-ms </a:t>
+            </a:r>
+          </a:p>
+          <a:p>
+            <a:r>
+              <a:rPr lang="en-US" dirty="0"/>
+              <a:t>https://www.howtogeek.com/148499/what-is-an-xps-file-and-why-does-windows-want-me-to-print-to-one/</a:t>
+            </a:r>
           </a:p>
         </p:txBody>
       </p:sp>
@@ -3361,7 +3809,7 @@
           <a:p>
             <a:fld id="{DDBF98C7-164A-4723-84F0-B1E4B080DDEC}" type="slidenum">
               <a:rPr lang="en-US" smtClean="0"/>
-              <a:t>36</a:t>
+              <a:t>35</a:t>
             </a:fld>
             <a:endParaRPr lang="en-US"/>
           </a:p>
@@ -3370,7 +3818,7 @@
     </p:spTree>
     <p:extLst>
       <p:ext uri="{BB962C8B-B14F-4D97-AF65-F5344CB8AC3E}">
-        <p14:creationId xmlns:p14="http://schemas.microsoft.com/office/powerpoint/2010/main" val="3231297336"/>
+        <p14:creationId xmlns:p14="http://schemas.microsoft.com/office/powerpoint/2010/main" val="2251405379"/>
       </p:ext>
     </p:extLst>
   </p:cSld>
@@ -3425,8 +3873,28 @@
           <a:lstStyle/>
           <a:p>
             <a:r>
-              <a:rPr lang="en-US" dirty="0"/>
-              <a:t>head -n2 </a:t>
+              <a:rPr lang="en-US" dirty="0" err="1"/>
+              <a:t>cp</a:t>
+            </a:r>
+            <a:r>
+              <a:rPr lang="en-US" dirty="0"/>
+              <a:t> -</a:t>
+            </a:r>
+            <a:r>
+              <a:rPr lang="en-US" dirty="0" err="1"/>
+              <a:t>avr</a:t>
+            </a:r>
+            <a:r>
+              <a:rPr lang="en-US" dirty="0"/>
+              <a:t> /media/root/C8CA0C8DCA0C7A48/Users/informant/</a:t>
+            </a:r>
+            <a:r>
+              <a:rPr lang="en-US" dirty="0" err="1"/>
+              <a:t>AppData</a:t>
+            </a:r>
+            <a:r>
+              <a:rPr lang="en-US" dirty="0"/>
+              <a:t>/Roaming/Microsoft/Windows/Recent/</a:t>
             </a:r>
             <a:r>
               <a:rPr lang="en-US" dirty="0" err="1"/>
@@ -3434,13 +3902,7 @@
             </a:r>
             <a:r>
               <a:rPr lang="en-US" dirty="0"/>
-              <a:t>/20201126160358_AutomaticDestinations.csv</a:t>
-            </a:r>
-          </a:p>
-          <a:p>
-            <a:r>
-              <a:rPr lang="en-US" dirty="0"/>
-              <a:t>SourceFile,SourceCreated,SourceModified,SourceAccessed,AppId,AppIdDescription,DestListVersion,LastUsedEntryNumber,MRU,EntryNumber,CreationTime,LastModified,Hostname,MacAddress,Path,InteractionCount,PinStatus,FileBirthDroid,FileDroid,VolumeBirthDroid,VolumeDroid,TargetCreated,TargetModified,TargetAccessed,FileSize,RelativePath,WorkingDirectory,FileAttributes,HeaderFlags,DriveType,VolumeSerialNumber,VolumeLabel,LocalPath,CommonPath,TargetIDAbsolutePath,TargetMFTEntryNumber,TargetMFTSequenceNumber,MachineID,MachineMACAddress,TrackerCreatedOn,ExtraBlocksPresent,Arguments,Notes</a:t>
+              <a:t>/ . </a:t>
             </a:r>
           </a:p>
         </p:txBody>
@@ -3462,7 +3924,7 @@
           <a:p>
             <a:fld id="{DDBF98C7-164A-4723-84F0-B1E4B080DDEC}" type="slidenum">
               <a:rPr lang="en-US" smtClean="0"/>
-              <a:t>37</a:t>
+              <a:t>36</a:t>
             </a:fld>
             <a:endParaRPr lang="en-US"/>
           </a:p>
@@ -3471,7 +3933,7 @@
     </p:spTree>
     <p:extLst>
       <p:ext uri="{BB962C8B-B14F-4D97-AF65-F5344CB8AC3E}">
-        <p14:creationId xmlns:p14="http://schemas.microsoft.com/office/powerpoint/2010/main" val="3993995213"/>
+        <p14:creationId xmlns:p14="http://schemas.microsoft.com/office/powerpoint/2010/main" val="3629938280"/>
       </p:ext>
     </p:extLst>
   </p:cSld>
@@ -3526,17 +3988,30 @@
           <a:lstStyle/>
           <a:p>
             <a:r>
-              <a:rPr lang="en-US" dirty="0"/>
-              <a:t>grep -P "E\:" </a:t>
-            </a:r>
-            <a:r>
-              <a:rPr lang="en-US" dirty="0" err="1"/>
+              <a:rPr lang="fr-FR" dirty="0" err="1"/>
+              <a:t>wine</a:t>
+            </a:r>
+            <a:r>
+              <a:rPr lang="fr-FR" dirty="0"/>
+              <a:t> JLECmd.exe -d </a:t>
+            </a:r>
+            <a:r>
+              <a:rPr lang="fr-FR" dirty="0" err="1"/>
               <a:t>AutomaticDestinations</a:t>
             </a:r>
             <a:r>
-              <a:rPr lang="en-US" dirty="0"/>
-              <a:t>/20201126160358_AutomaticDestinations.csv --color</a:t>
-            </a:r>
+              <a:rPr lang="fr-FR" dirty="0"/>
+              <a:t> --csv </a:t>
+            </a:r>
+            <a:r>
+              <a:rPr lang="fr-FR" dirty="0" err="1"/>
+              <a:t>AutomaticDestinations</a:t>
+            </a:r>
+            <a:r>
+              <a:rPr lang="fr-FR" dirty="0"/>
+              <a:t> -q</a:t>
+            </a:r>
+            <a:endParaRPr lang="en-US" dirty="0"/>
           </a:p>
         </p:txBody>
       </p:sp>
@@ -3557,7 +4032,7 @@
           <a:p>
             <a:fld id="{DDBF98C7-164A-4723-84F0-B1E4B080DDEC}" type="slidenum">
               <a:rPr lang="en-US" smtClean="0"/>
-              <a:t>38</a:t>
+              <a:t>37</a:t>
             </a:fld>
             <a:endParaRPr lang="en-US"/>
           </a:p>
@@ -3566,7 +4041,7 @@
     </p:spTree>
     <p:extLst>
       <p:ext uri="{BB962C8B-B14F-4D97-AF65-F5344CB8AC3E}">
-        <p14:creationId xmlns:p14="http://schemas.microsoft.com/office/powerpoint/2010/main" val="3086688716"/>
+        <p14:creationId xmlns:p14="http://schemas.microsoft.com/office/powerpoint/2010/main" val="3231297336"/>
       </p:ext>
     </p:extLst>
   </p:cSld>
@@ -3620,30 +4095,9 @@
           <a:bodyPr/>
           <a:lstStyle/>
           <a:p>
-            <a:pPr marL="0" marR="0" lvl="0" indent="0" algn="l" defTabSz="914400" rtl="0" eaLnBrk="1" fontAlgn="auto" latinLnBrk="0" hangingPunct="1">
-              <a:lnSpc>
-                <a:spcPct val="100000"/>
-              </a:lnSpc>
-              <a:spcBef>
-                <a:spcPts val="0"/>
-              </a:spcBef>
-              <a:spcAft>
-                <a:spcPts val="0"/>
-              </a:spcAft>
-              <a:buClrTx/>
-              <a:buSzTx/>
-              <a:buFontTx/>
-              <a:buNone/>
-              <a:tabLst/>
-              <a:defRPr/>
-            </a:pPr>
-            <a:r>
-              <a:rPr lang="en-US" dirty="0" err="1"/>
-              <a:t>awk</a:t>
-            </a:r>
-            <a:r>
-              <a:rPr lang="en-US" dirty="0"/>
-              <a:t> '{print NR,"|", $6, "|", $15}' FS=',' </a:t>
+            <a:r>
+              <a:rPr lang="en-US" dirty="0"/>
+              <a:t>head -n2 </a:t>
             </a:r>
             <a:r>
               <a:rPr lang="en-US" dirty="0" err="1"/>
@@ -3651,51 +4105,14 @@
             </a:r>
             <a:r>
               <a:rPr lang="en-US" dirty="0"/>
-              <a:t>/20201126160358_AutomaticDestinations.csv | grep "E:"</a:t>
-            </a:r>
-          </a:p>
-          <a:p>
-            <a:pPr marL="0" marR="0" lvl="0" indent="0" algn="l" defTabSz="914400" rtl="0" eaLnBrk="1" fontAlgn="auto" latinLnBrk="0" hangingPunct="1">
-              <a:lnSpc>
-                <a:spcPct val="100000"/>
-              </a:lnSpc>
-              <a:spcBef>
-                <a:spcPts val="0"/>
-              </a:spcBef>
-              <a:spcAft>
-                <a:spcPts val="0"/>
-              </a:spcAft>
-              <a:buClrTx/>
-              <a:buSzTx/>
-              <a:buFontTx/>
-              <a:buNone/>
-              <a:tabLst/>
-              <a:defRPr/>
-            </a:pPr>
-            <a:endParaRPr lang="en-US" dirty="0"/>
-          </a:p>
-          <a:p>
-            <a:pPr marL="0" marR="0" lvl="0" indent="0" algn="l" defTabSz="914400" rtl="0" eaLnBrk="1" fontAlgn="auto" latinLnBrk="0" hangingPunct="1">
-              <a:lnSpc>
-                <a:spcPct val="100000"/>
-              </a:lnSpc>
-              <a:spcBef>
-                <a:spcPts val="0"/>
-              </a:spcBef>
-              <a:spcAft>
-                <a:spcPts val="0"/>
-              </a:spcAft>
-              <a:buClrTx/>
-              <a:buSzTx/>
-              <a:buFontTx/>
-              <a:buNone/>
-              <a:tabLst/>
-              <a:defRPr/>
-            </a:pPr>
-            <a:endParaRPr lang="en-US" dirty="0"/>
-          </a:p>
-          <a:p>
-            <a:endParaRPr lang="en-US" dirty="0"/>
+              <a:t>/20201126160358_AutomaticDestinations.csv</a:t>
+            </a:r>
+          </a:p>
+          <a:p>
+            <a:r>
+              <a:rPr lang="en-US" dirty="0"/>
+              <a:t>SourceFile,SourceCreated,SourceModified,SourceAccessed,AppId,AppIdDescription,DestListVersion,LastUsedEntryNumber,MRU,EntryNumber,CreationTime,LastModified,Hostname,MacAddress,Path,InteractionCount,PinStatus,FileBirthDroid,FileDroid,VolumeBirthDroid,VolumeDroid,TargetCreated,TargetModified,TargetAccessed,FileSize,RelativePath,WorkingDirectory,FileAttributes,HeaderFlags,DriveType,VolumeSerialNumber,VolumeLabel,LocalPath,CommonPath,TargetIDAbsolutePath,TargetMFTEntryNumber,TargetMFTSequenceNumber,MachineID,MachineMACAddress,TrackerCreatedOn,ExtraBlocksPresent,Arguments,Notes</a:t>
+            </a:r>
           </a:p>
         </p:txBody>
       </p:sp>
@@ -3716,7 +4133,7 @@
           <a:p>
             <a:fld id="{DDBF98C7-164A-4723-84F0-B1E4B080DDEC}" type="slidenum">
               <a:rPr lang="en-US" smtClean="0"/>
-              <a:t>39</a:t>
+              <a:t>38</a:t>
             </a:fld>
             <a:endParaRPr lang="en-US"/>
           </a:p>
@@ -3725,7 +4142,7 @@
     </p:spTree>
     <p:extLst>
       <p:ext uri="{BB962C8B-B14F-4D97-AF65-F5344CB8AC3E}">
-        <p14:creationId xmlns:p14="http://schemas.microsoft.com/office/powerpoint/2010/main" val="1186496341"/>
+        <p14:creationId xmlns:p14="http://schemas.microsoft.com/office/powerpoint/2010/main" val="3993995213"/>
       </p:ext>
     </p:extLst>
   </p:cSld>
@@ -3822,6 +4239,260 @@
 </p:notes>
 </file>
 
+<file path=ppt/notesSlides/notesSlide30.xml><?xml version="1.0" encoding="utf-8"?>
+<p:notes xmlns:a="http://schemas.openxmlformats.org/drawingml/2006/main" xmlns:r="http://schemas.openxmlformats.org/officeDocument/2006/relationships" xmlns:p="http://schemas.openxmlformats.org/presentationml/2006/main">
+  <p:cSld>
+    <p:spTree>
+      <p:nvGrpSpPr>
+        <p:cNvPr id="1" name=""/>
+        <p:cNvGrpSpPr/>
+        <p:nvPr/>
+      </p:nvGrpSpPr>
+      <p:grpSpPr>
+        <a:xfrm>
+          <a:off x="0" y="0"/>
+          <a:ext cx="0" cy="0"/>
+          <a:chOff x="0" y="0"/>
+          <a:chExt cx="0" cy="0"/>
+        </a:xfrm>
+      </p:grpSpPr>
+      <p:sp>
+        <p:nvSpPr>
+          <p:cNvPr id="2" name="Slide Image Placeholder 1"/>
+          <p:cNvSpPr>
+            <a:spLocks noGrp="1" noRot="1" noChangeAspect="1"/>
+          </p:cNvSpPr>
+          <p:nvPr>
+            <p:ph type="sldImg"/>
+          </p:nvPr>
+        </p:nvSpPr>
+        <p:spPr/>
+      </p:sp>
+      <p:sp>
+        <p:nvSpPr>
+          <p:cNvPr id="3" name="Notes Placeholder 2"/>
+          <p:cNvSpPr>
+            <a:spLocks noGrp="1"/>
+          </p:cNvSpPr>
+          <p:nvPr>
+            <p:ph type="body" idx="1"/>
+          </p:nvPr>
+        </p:nvSpPr>
+        <p:spPr/>
+        <p:txBody>
+          <a:bodyPr/>
+          <a:lstStyle/>
+          <a:p>
+            <a:r>
+              <a:rPr lang="en-US" dirty="0"/>
+              <a:t>grep -P "E\:" </a:t>
+            </a:r>
+            <a:r>
+              <a:rPr lang="en-US" dirty="0" err="1"/>
+              <a:t>AutomaticDestinations</a:t>
+            </a:r>
+            <a:r>
+              <a:rPr lang="en-US" dirty="0"/>
+              <a:t>/20201126160358_AutomaticDestinations.csv --color</a:t>
+            </a:r>
+          </a:p>
+        </p:txBody>
+      </p:sp>
+      <p:sp>
+        <p:nvSpPr>
+          <p:cNvPr id="4" name="Slide Number Placeholder 3"/>
+          <p:cNvSpPr>
+            <a:spLocks noGrp="1"/>
+          </p:cNvSpPr>
+          <p:nvPr>
+            <p:ph type="sldNum" sz="quarter" idx="10"/>
+          </p:nvPr>
+        </p:nvSpPr>
+        <p:spPr/>
+        <p:txBody>
+          <a:bodyPr/>
+          <a:lstStyle/>
+          <a:p>
+            <a:fld id="{DDBF98C7-164A-4723-84F0-B1E4B080DDEC}" type="slidenum">
+              <a:rPr lang="en-US" smtClean="0"/>
+              <a:t>39</a:t>
+            </a:fld>
+            <a:endParaRPr lang="en-US"/>
+          </a:p>
+        </p:txBody>
+      </p:sp>
+    </p:spTree>
+    <p:extLst>
+      <p:ext uri="{BB962C8B-B14F-4D97-AF65-F5344CB8AC3E}">
+        <p14:creationId xmlns:p14="http://schemas.microsoft.com/office/powerpoint/2010/main" val="3086688716"/>
+      </p:ext>
+    </p:extLst>
+  </p:cSld>
+  <p:clrMapOvr>
+    <a:masterClrMapping/>
+  </p:clrMapOvr>
+</p:notes>
+</file>
+
+<file path=ppt/notesSlides/notesSlide31.xml><?xml version="1.0" encoding="utf-8"?>
+<p:notes xmlns:a="http://schemas.openxmlformats.org/drawingml/2006/main" xmlns:r="http://schemas.openxmlformats.org/officeDocument/2006/relationships" xmlns:p="http://schemas.openxmlformats.org/presentationml/2006/main">
+  <p:cSld>
+    <p:spTree>
+      <p:nvGrpSpPr>
+        <p:cNvPr id="1" name=""/>
+        <p:cNvGrpSpPr/>
+        <p:nvPr/>
+      </p:nvGrpSpPr>
+      <p:grpSpPr>
+        <a:xfrm>
+          <a:off x="0" y="0"/>
+          <a:ext cx="0" cy="0"/>
+          <a:chOff x="0" y="0"/>
+          <a:chExt cx="0" cy="0"/>
+        </a:xfrm>
+      </p:grpSpPr>
+      <p:sp>
+        <p:nvSpPr>
+          <p:cNvPr id="2" name="Slide Image Placeholder 1"/>
+          <p:cNvSpPr>
+            <a:spLocks noGrp="1" noRot="1" noChangeAspect="1"/>
+          </p:cNvSpPr>
+          <p:nvPr>
+            <p:ph type="sldImg"/>
+          </p:nvPr>
+        </p:nvSpPr>
+        <p:spPr/>
+      </p:sp>
+      <p:sp>
+        <p:nvSpPr>
+          <p:cNvPr id="3" name="Notes Placeholder 2"/>
+          <p:cNvSpPr>
+            <a:spLocks noGrp="1"/>
+          </p:cNvSpPr>
+          <p:nvPr>
+            <p:ph type="body" idx="1"/>
+          </p:nvPr>
+        </p:nvSpPr>
+        <p:spPr/>
+        <p:txBody>
+          <a:bodyPr/>
+          <a:lstStyle/>
+          <a:p>
+            <a:pPr marL="0" marR="0" lvl="0" indent="0" algn="l" defTabSz="914400" rtl="0" eaLnBrk="1" fontAlgn="auto" latinLnBrk="0" hangingPunct="1">
+              <a:lnSpc>
+                <a:spcPct val="100000"/>
+              </a:lnSpc>
+              <a:spcBef>
+                <a:spcPts val="0"/>
+              </a:spcBef>
+              <a:spcAft>
+                <a:spcPts val="0"/>
+              </a:spcAft>
+              <a:buClrTx/>
+              <a:buSzTx/>
+              <a:buFontTx/>
+              <a:buNone/>
+              <a:tabLst/>
+              <a:defRPr/>
+            </a:pPr>
+            <a:r>
+              <a:rPr lang="en-US" dirty="0" err="1"/>
+              <a:t>awk</a:t>
+            </a:r>
+            <a:r>
+              <a:rPr lang="en-US" dirty="0"/>
+              <a:t> '{print NR,"|", $6, "|", $15}' FS=',' </a:t>
+            </a:r>
+            <a:r>
+              <a:rPr lang="en-US" dirty="0" err="1"/>
+              <a:t>AutomaticDestinations</a:t>
+            </a:r>
+            <a:r>
+              <a:rPr lang="en-US" dirty="0"/>
+              <a:t>/20201126160358_AutomaticDestinations.csv | grep "E:"</a:t>
+            </a:r>
+          </a:p>
+          <a:p>
+            <a:pPr marL="0" marR="0" lvl="0" indent="0" algn="l" defTabSz="914400" rtl="0" eaLnBrk="1" fontAlgn="auto" latinLnBrk="0" hangingPunct="1">
+              <a:lnSpc>
+                <a:spcPct val="100000"/>
+              </a:lnSpc>
+              <a:spcBef>
+                <a:spcPts val="0"/>
+              </a:spcBef>
+              <a:spcAft>
+                <a:spcPts val="0"/>
+              </a:spcAft>
+              <a:buClrTx/>
+              <a:buSzTx/>
+              <a:buFontTx/>
+              <a:buNone/>
+              <a:tabLst/>
+              <a:defRPr/>
+            </a:pPr>
+            <a:endParaRPr lang="en-US" dirty="0"/>
+          </a:p>
+          <a:p>
+            <a:pPr marL="0" marR="0" lvl="0" indent="0" algn="l" defTabSz="914400" rtl="0" eaLnBrk="1" fontAlgn="auto" latinLnBrk="0" hangingPunct="1">
+              <a:lnSpc>
+                <a:spcPct val="100000"/>
+              </a:lnSpc>
+              <a:spcBef>
+                <a:spcPts val="0"/>
+              </a:spcBef>
+              <a:spcAft>
+                <a:spcPts val="0"/>
+              </a:spcAft>
+              <a:buClrTx/>
+              <a:buSzTx/>
+              <a:buFontTx/>
+              <a:buNone/>
+              <a:tabLst/>
+              <a:defRPr/>
+            </a:pPr>
+            <a:endParaRPr lang="en-US" dirty="0"/>
+          </a:p>
+          <a:p>
+            <a:endParaRPr lang="en-US" dirty="0"/>
+          </a:p>
+        </p:txBody>
+      </p:sp>
+      <p:sp>
+        <p:nvSpPr>
+          <p:cNvPr id="4" name="Slide Number Placeholder 3"/>
+          <p:cNvSpPr>
+            <a:spLocks noGrp="1"/>
+          </p:cNvSpPr>
+          <p:nvPr>
+            <p:ph type="sldNum" sz="quarter" idx="10"/>
+          </p:nvPr>
+        </p:nvSpPr>
+        <p:spPr/>
+        <p:txBody>
+          <a:bodyPr/>
+          <a:lstStyle/>
+          <a:p>
+            <a:fld id="{DDBF98C7-164A-4723-84F0-B1E4B080DDEC}" type="slidenum">
+              <a:rPr lang="en-US" smtClean="0"/>
+              <a:t>40</a:t>
+            </a:fld>
+            <a:endParaRPr lang="en-US"/>
+          </a:p>
+        </p:txBody>
+      </p:sp>
+    </p:spTree>
+    <p:extLst>
+      <p:ext uri="{BB962C8B-B14F-4D97-AF65-F5344CB8AC3E}">
+        <p14:creationId xmlns:p14="http://schemas.microsoft.com/office/powerpoint/2010/main" val="1186496341"/>
+      </p:ext>
+    </p:extLst>
+  </p:cSld>
+  <p:clrMapOvr>
+    <a:masterClrMapping/>
+  </p:clrMapOvr>
+</p:notes>
+</file>
+
 <file path=ppt/notesSlides/notesSlide4.xml><?xml version="1.0" encoding="utf-8"?>
 <p:notes xmlns:a="http://schemas.openxmlformats.org/drawingml/2006/main" xmlns:r="http://schemas.openxmlformats.org/officeDocument/2006/relationships" xmlns:p="http://schemas.openxmlformats.org/presentationml/2006/main">
   <p:cSld>
@@ -3868,11 +4539,11 @@
           <a:p>
             <a:r>
               <a:rPr lang="en-US" dirty="0"/>
-              <a:t>rip.pl -r SYSTEM  -p </a:t>
+              <a:t>rip.pl -r NTUSER_informant.DAT -p </a:t>
             </a:r>
             <a:r>
               <a:rPr lang="en-US" dirty="0" err="1"/>
-              <a:t>mountdev</a:t>
+              <a:t>mndmru</a:t>
             </a:r>
             <a:endParaRPr lang="en-US" dirty="0"/>
           </a:p>
@@ -3904,7 +4575,7 @@
     </p:spTree>
     <p:extLst>
       <p:ext uri="{BB962C8B-B14F-4D97-AF65-F5344CB8AC3E}">
-        <p14:creationId xmlns:p14="http://schemas.microsoft.com/office/powerpoint/2010/main" val="2707319893"/>
+        <p14:creationId xmlns:p14="http://schemas.microsoft.com/office/powerpoint/2010/main" val="1805715163"/>
       </p:ext>
     </p:extLst>
   </p:cSld>
@@ -3958,14 +4629,6 @@
           <a:bodyPr/>
           <a:lstStyle/>
           <a:p>
-            <a:r>
-              <a:rPr lang="en-US" dirty="0"/>
-              <a:t>rip.pl -r NTUSER_informant.DAT -p </a:t>
-            </a:r>
-            <a:r>
-              <a:rPr lang="en-US" dirty="0" err="1"/>
-              <a:t>mndmru</a:t>
-            </a:r>
             <a:endParaRPr lang="en-US" dirty="0"/>
           </a:p>
         </p:txBody>
@@ -3996,7 +4659,7 @@
     </p:spTree>
     <p:extLst>
       <p:ext uri="{BB962C8B-B14F-4D97-AF65-F5344CB8AC3E}">
-        <p14:creationId xmlns:p14="http://schemas.microsoft.com/office/powerpoint/2010/main" val="1805715163"/>
+        <p14:creationId xmlns:p14="http://schemas.microsoft.com/office/powerpoint/2010/main" val="142401232"/>
       </p:ext>
     </p:extLst>
   </p:cSld>
@@ -4050,7 +4713,20 @@
           <a:bodyPr/>
           <a:lstStyle/>
           <a:p>
-            <a:endParaRPr lang="en-US" dirty="0"/>
+            <a:r>
+              <a:rPr lang="en-US" dirty="0" err="1"/>
+              <a:t>wget</a:t>
+            </a:r>
+            <a:r>
+              <a:rPr lang="en-US" dirty="0"/>
+              <a:t> -q https://cfreds-archive.nist.gov/data_leakage_case/images/rm%232/cfreds_2015_data_leakage_rm%232.7z</a:t>
+            </a:r>
+          </a:p>
+          <a:p>
+            <a:r>
+              <a:rPr lang="en-US" dirty="0"/>
+              <a:t>7z e cfreds_2015_data_leakage_rm#2.7z </a:t>
+            </a:r>
           </a:p>
         </p:txBody>
       </p:sp>
@@ -4080,7 +4756,7 @@
     </p:spTree>
     <p:extLst>
       <p:ext uri="{BB962C8B-B14F-4D97-AF65-F5344CB8AC3E}">
-        <p14:creationId xmlns:p14="http://schemas.microsoft.com/office/powerpoint/2010/main" val="142401232"/>
+        <p14:creationId xmlns:p14="http://schemas.microsoft.com/office/powerpoint/2010/main" val="1857247251"/>
       </p:ext>
     </p:extLst>
   </p:cSld>
@@ -4136,23 +4812,13 @@
           <a:p>
             <a:r>
               <a:rPr lang="en-US" dirty="0"/>
-              <a:t>https://cfreds.nist.gov/all/NIST/DataLeakageCase</a:t>
-            </a:r>
-          </a:p>
-          <a:p>
-            <a:r>
-              <a:rPr lang="en-US" dirty="0" err="1"/>
-              <a:t>wget</a:t>
-            </a:r>
-            <a:r>
-              <a:rPr lang="en-US" dirty="0"/>
-              <a:t> -q https://www.cfreds.nist.gov/data_leakage_case/images/rm%232/cfreds_2015_data_leakage_rm%232.7z</a:t>
-            </a:r>
-          </a:p>
-          <a:p>
-            <a:r>
-              <a:rPr lang="en-US" dirty="0"/>
-              <a:t>7z e cfreds_2015_data_leakage_rm#2.7z </a:t>
+              <a:t>7z e cfreds_2015_data_leakage_rm#2.7z</a:t>
+            </a:r>
+          </a:p>
+          <a:p>
+            <a:r>
+              <a:rPr lang="en-US" dirty="0"/>
+              <a:t>sha1sum cfreds_2015_data_leakage_rm#2.7z</a:t>
             </a:r>
           </a:p>
         </p:txBody>
@@ -4183,7 +4849,7 @@
     </p:spTree>
     <p:extLst>
       <p:ext uri="{BB962C8B-B14F-4D97-AF65-F5344CB8AC3E}">
-        <p14:creationId xmlns:p14="http://schemas.microsoft.com/office/powerpoint/2010/main" val="541664491"/>
+        <p14:creationId xmlns:p14="http://schemas.microsoft.com/office/powerpoint/2010/main" val="854244368"/>
       </p:ext>
     </p:extLst>
   </p:cSld>
@@ -4237,20 +4903,7 @@
           <a:bodyPr/>
           <a:lstStyle/>
           <a:p>
-            <a:r>
-              <a:rPr lang="en-US" dirty="0" err="1"/>
-              <a:t>wget</a:t>
-            </a:r>
-            <a:r>
-              <a:rPr lang="en-US" dirty="0"/>
-              <a:t> -q https://www.cfreds.nist.gov/data_leakage_case/images/rm%232/cfreds_2015_data_leakage_rm%232.7z</a:t>
-            </a:r>
-          </a:p>
-          <a:p>
-            <a:r>
-              <a:rPr lang="en-US" dirty="0"/>
-              <a:t>7z e cfreds_2015_data_leakage_rm#2.7z </a:t>
-            </a:r>
+            <a:endParaRPr lang="en-US" dirty="0"/>
           </a:p>
         </p:txBody>
       </p:sp>
@@ -4280,7 +4933,7 @@
     </p:spTree>
     <p:extLst>
       <p:ext uri="{BB962C8B-B14F-4D97-AF65-F5344CB8AC3E}">
-        <p14:creationId xmlns:p14="http://schemas.microsoft.com/office/powerpoint/2010/main" val="475471849"/>
+        <p14:creationId xmlns:p14="http://schemas.microsoft.com/office/powerpoint/2010/main" val="2312254402"/>
       </p:ext>
     </p:extLst>
   </p:cSld>
@@ -4336,7 +4989,23 @@
           <a:p>
             <a:r>
               <a:rPr lang="en-US" dirty="0"/>
-              <a:t>https://www.sans.org/reading-room/whitepapers/forensics/windows-shellbag-forensics-in-depth-34545</a:t>
+              <a:t>https://cfreds.nist.gov/all/NIST/DataLeakageCase</a:t>
+            </a:r>
+          </a:p>
+          <a:p>
+            <a:r>
+              <a:rPr lang="en-US" dirty="0" err="1"/>
+              <a:t>wget</a:t>
+            </a:r>
+            <a:r>
+              <a:rPr lang="en-US" dirty="0"/>
+              <a:t> -q https://www.cfreds.nist.gov/data_leakage_case/images/rm%232/cfreds_2015_data_leakage_rm%232.7z</a:t>
+            </a:r>
+          </a:p>
+          <a:p>
+            <a:r>
+              <a:rPr lang="en-US" dirty="0"/>
+              <a:t>7z e cfreds_2015_data_leakage_rm#2.7z </a:t>
             </a:r>
           </a:p>
         </p:txBody>
@@ -4358,7 +5027,7 @@
           <a:p>
             <a:fld id="{DDBF98C7-164A-4723-84F0-B1E4B080DDEC}" type="slidenum">
               <a:rPr lang="en-US" smtClean="0"/>
-              <a:t>15</a:t>
+              <a:t>14</a:t>
             </a:fld>
             <a:endParaRPr lang="en-US"/>
           </a:p>
@@ -4367,7 +5036,7 @@
     </p:spTree>
     <p:extLst>
       <p:ext uri="{BB962C8B-B14F-4D97-AF65-F5344CB8AC3E}">
-        <p14:creationId xmlns:p14="http://schemas.microsoft.com/office/powerpoint/2010/main" val="3920818086"/>
+        <p14:creationId xmlns:p14="http://schemas.microsoft.com/office/powerpoint/2010/main" val="541664491"/>
       </p:ext>
     </p:extLst>
   </p:cSld>
@@ -4506,7 +5175,7 @@
           <a:p>
             <a:fld id="{4263717A-E3C1-4BED-ABE0-B7069385E023}" type="datetimeFigureOut">
               <a:rPr lang="en-US" smtClean="0"/>
-              <a:t>10/28/2021</a:t>
+              <a:t>11/9/2021</a:t>
             </a:fld>
             <a:endParaRPr lang="en-US"/>
           </a:p>
@@ -4679,7 +5348,7 @@
           <a:p>
             <a:fld id="{4263717A-E3C1-4BED-ABE0-B7069385E023}" type="datetimeFigureOut">
               <a:rPr lang="en-US" smtClean="0"/>
-              <a:t>10/28/2021</a:t>
+              <a:t>11/9/2021</a:t>
             </a:fld>
             <a:endParaRPr lang="en-US"/>
           </a:p>
@@ -4857,7 +5526,7 @@
           <a:p>
             <a:fld id="{4263717A-E3C1-4BED-ABE0-B7069385E023}" type="datetimeFigureOut">
               <a:rPr lang="en-US" smtClean="0"/>
-              <a:t>10/28/2021</a:t>
+              <a:t>11/9/2021</a:t>
             </a:fld>
             <a:endParaRPr lang="en-US"/>
           </a:p>
@@ -5025,7 +5694,7 @@
           <a:p>
             <a:fld id="{4263717A-E3C1-4BED-ABE0-B7069385E023}" type="datetimeFigureOut">
               <a:rPr lang="en-US" smtClean="0"/>
-              <a:t>10/28/2021</a:t>
+              <a:t>11/9/2021</a:t>
             </a:fld>
             <a:endParaRPr lang="en-US"/>
           </a:p>
@@ -5270,7 +5939,7 @@
           <a:p>
             <a:fld id="{4263717A-E3C1-4BED-ABE0-B7069385E023}" type="datetimeFigureOut">
               <a:rPr lang="en-US" smtClean="0"/>
-              <a:t>10/28/2021</a:t>
+              <a:t>11/9/2021</a:t>
             </a:fld>
             <a:endParaRPr lang="en-US"/>
           </a:p>
@@ -5499,7 +6168,7 @@
           <a:p>
             <a:fld id="{4263717A-E3C1-4BED-ABE0-B7069385E023}" type="datetimeFigureOut">
               <a:rPr lang="en-US" smtClean="0"/>
-              <a:t>10/28/2021</a:t>
+              <a:t>11/9/2021</a:t>
             </a:fld>
             <a:endParaRPr lang="en-US"/>
           </a:p>
@@ -5863,7 +6532,7 @@
           <a:p>
             <a:fld id="{4263717A-E3C1-4BED-ABE0-B7069385E023}" type="datetimeFigureOut">
               <a:rPr lang="en-US" smtClean="0"/>
-              <a:t>10/28/2021</a:t>
+              <a:t>11/9/2021</a:t>
             </a:fld>
             <a:endParaRPr lang="en-US"/>
           </a:p>
@@ -5980,7 +6649,7 @@
           <a:p>
             <a:fld id="{4263717A-E3C1-4BED-ABE0-B7069385E023}" type="datetimeFigureOut">
               <a:rPr lang="en-US" smtClean="0"/>
-              <a:t>10/28/2021</a:t>
+              <a:t>11/9/2021</a:t>
             </a:fld>
             <a:endParaRPr lang="en-US"/>
           </a:p>
@@ -6075,7 +6744,7 @@
           <a:p>
             <a:fld id="{4263717A-E3C1-4BED-ABE0-B7069385E023}" type="datetimeFigureOut">
               <a:rPr lang="en-US" smtClean="0"/>
-              <a:t>10/28/2021</a:t>
+              <a:t>11/9/2021</a:t>
             </a:fld>
             <a:endParaRPr lang="en-US"/>
           </a:p>
@@ -6350,7 +7019,7 @@
           <a:p>
             <a:fld id="{4263717A-E3C1-4BED-ABE0-B7069385E023}" type="datetimeFigureOut">
               <a:rPr lang="en-US" smtClean="0"/>
-              <a:t>10/28/2021</a:t>
+              <a:t>11/9/2021</a:t>
             </a:fld>
             <a:endParaRPr lang="en-US"/>
           </a:p>
@@ -6602,7 +7271,7 @@
           <a:p>
             <a:fld id="{4263717A-E3C1-4BED-ABE0-B7069385E023}" type="datetimeFigureOut">
               <a:rPr lang="en-US" smtClean="0"/>
-              <a:t>10/28/2021</a:t>
+              <a:t>11/9/2021</a:t>
             </a:fld>
             <a:endParaRPr lang="en-US"/>
           </a:p>
@@ -6813,7 +7482,7 @@
           <a:p>
             <a:fld id="{4263717A-E3C1-4BED-ABE0-B7069385E023}" type="datetimeFigureOut">
               <a:rPr lang="en-US" smtClean="0"/>
-              <a:t>10/28/2021</a:t>
+              <a:t>11/9/2021</a:t>
             </a:fld>
             <a:endParaRPr lang="en-US"/>
           </a:p>
@@ -7421,10 +8090,14 @@
           <a:p>
             <a:r>
               <a:rPr lang="en-US" dirty="0"/>
-              <a:t>Keywords: Network, </a:t>
+              <a:t>Keywords: </a:t>
             </a:r>
             <a:r>
               <a:rPr lang="en-US"/>
+              <a:t>Network drive IP, </a:t>
+            </a:r>
+            <a:r>
+              <a:rPr lang="en-US" dirty="0" err="1"/>
               <a:t>Shellbag</a:t>
             </a:r>
             <a:r>
@@ -7488,15 +8161,119 @@
           <a:lstStyle/>
           <a:p>
             <a:r>
-              <a:rPr lang="en-US" dirty="0"/>
-              <a:t>Method 5: MRU map network drive</a:t>
+              <a:rPr lang="en-US" dirty="0">
+                <a:solidFill>
+                  <a:srgbClr val="FF0000"/>
+                </a:solidFill>
+              </a:rPr>
+              <a:t>25. </a:t>
+            </a:r>
+            <a:r>
+              <a:rPr lang="en-US" dirty="0"/>
+              <a:t>List all directories(</a:t>
+            </a:r>
+            <a:r>
+              <a:rPr lang="en-US" dirty="0">
+                <a:solidFill>
+                  <a:srgbClr val="FF0000"/>
+                </a:solidFill>
+              </a:rPr>
+              <a:t>Not</a:t>
+            </a:r>
+            <a:r>
+              <a:rPr lang="en-US" dirty="0"/>
+              <a:t> files) that were traversed in ‘RM#2’.</a:t>
+            </a:r>
+          </a:p>
+        </p:txBody>
+      </p:sp>
+      <p:sp>
+        <p:nvSpPr>
+          <p:cNvPr id="9" name="Content Placeholder 8"/>
+          <p:cNvSpPr>
+            <a:spLocks noGrp="1"/>
+          </p:cNvSpPr>
+          <p:nvPr>
+            <p:ph idx="1"/>
+          </p:nvPr>
+        </p:nvSpPr>
+        <p:spPr>
+          <a:xfrm>
+            <a:off x="838201" y="1825623"/>
+            <a:ext cx="4286250" cy="4117977"/>
+          </a:xfrm>
+        </p:spPr>
+        <p:txBody>
+          <a:bodyPr>
+            <a:normAutofit/>
+          </a:bodyPr>
+          <a:lstStyle/>
+          <a:p>
+            <a:r>
+              <a:rPr lang="en-US" dirty="0"/>
+              <a:t>What is RM#2</a:t>
+            </a:r>
+          </a:p>
+          <a:p>
+            <a:pPr lvl="1"/>
+            <a:r>
+              <a:rPr lang="en-US" dirty="0"/>
+              <a:t>We don’t know the device, but we know there are two SanDisk </a:t>
+            </a:r>
+            <a:r>
+              <a:rPr lang="en-US" dirty="0" err="1"/>
+              <a:t>Cruzer</a:t>
+            </a:r>
+            <a:r>
+              <a:rPr lang="en-US" dirty="0"/>
+              <a:t> Fit USB Devices attached (from question 22)</a:t>
+            </a:r>
+          </a:p>
+          <a:p>
+            <a:pPr lvl="1"/>
+            <a:r>
+              <a:rPr lang="en-US" dirty="0"/>
+              <a:t>We also know one of the attached device is </a:t>
+            </a:r>
+            <a:r>
+              <a:rPr lang="en-US" dirty="0">
+                <a:solidFill>
+                  <a:srgbClr val="FF0000"/>
+                </a:solidFill>
+              </a:rPr>
+              <a:t>E</a:t>
+            </a:r>
+            <a:r>
+              <a:rPr lang="en-US" dirty="0"/>
+              <a:t>:</a:t>
+            </a:r>
+          </a:p>
+          <a:p>
+            <a:pPr lvl="1"/>
+            <a:r>
+              <a:rPr lang="en-US" dirty="0">
+                <a:solidFill>
+                  <a:srgbClr val="FF0000"/>
+                </a:solidFill>
+              </a:rPr>
+              <a:t>E</a:t>
+            </a:r>
+            <a:r>
+              <a:rPr lang="en-US" dirty="0"/>
+              <a:t>: letter is shared by two USBs</a:t>
             </a:r>
           </a:p>
         </p:txBody>
       </p:sp>
       <p:pic>
         <p:nvPicPr>
-          <p:cNvPr id="3" name="Picture 2"/>
+          <p:cNvPr id="6" name="Picture 5">
+            <a:extLst>
+              <a:ext uri="{FF2B5EF4-FFF2-40B4-BE49-F238E27FC236}">
+                <a16:creationId xmlns:a16="http://schemas.microsoft.com/office/drawing/2014/main" id="{5299D6C2-361D-477B-9BC7-8CC6980FCBD1}"/>
+              </a:ext>
+            </a:extLst>
+          </p:cNvPr>
           <p:cNvPicPr>
             <a:picLocks noChangeAspect="1"/>
           </p:cNvPicPr>
@@ -7510,55 +8287,48 @@
         </p:blipFill>
         <p:spPr>
           <a:xfrm>
-            <a:off x="838200" y="2255810"/>
-            <a:ext cx="7818798" cy="2804403"/>
+            <a:off x="5937141" y="1540974"/>
+            <a:ext cx="6041571" cy="4687274"/>
           </a:xfrm>
           <a:prstGeom prst="rect">
             <a:avLst/>
           </a:prstGeom>
         </p:spPr>
       </p:pic>
-      <p:sp>
-        <p:nvSpPr>
-          <p:cNvPr id="4" name="Rectangle 3"/>
-          <p:cNvSpPr/>
+      <p:pic>
+        <p:nvPicPr>
+          <p:cNvPr id="8" name="Picture 7">
+            <a:extLst>
+              <a:ext uri="{FF2B5EF4-FFF2-40B4-BE49-F238E27FC236}">
+                <a16:creationId xmlns:a16="http://schemas.microsoft.com/office/drawing/2014/main" id="{C883BD12-543C-43C5-AE4B-3C03FF535A2E}"/>
+              </a:ext>
+            </a:extLst>
+          </p:cNvPr>
+          <p:cNvPicPr>
+            <a:picLocks noChangeAspect="1"/>
+          </p:cNvPicPr>
           <p:nvPr/>
-        </p:nvSpPr>
+        </p:nvPicPr>
+        <p:blipFill>
+          <a:blip r:embed="rId4"/>
+          <a:stretch>
+            <a:fillRect/>
+          </a:stretch>
+        </p:blipFill>
         <p:spPr>
           <a:xfrm>
-            <a:off x="838200" y="1886478"/>
-            <a:ext cx="4275529" cy="369332"/>
+            <a:off x="155466" y="5544965"/>
+            <a:ext cx="5781675" cy="818218"/>
           </a:xfrm>
           <a:prstGeom prst="rect">
             <a:avLst/>
           </a:prstGeom>
-          <a:solidFill>
-            <a:srgbClr val="FFC000"/>
-          </a:solidFill>
         </p:spPr>
-        <p:txBody>
-          <a:bodyPr wrap="none">
-            <a:spAutoFit/>
-          </a:bodyPr>
-          <a:lstStyle/>
-          <a:p>
-            <a:r>
-              <a:rPr lang="en-US" dirty="0">
-                <a:solidFill>
-                  <a:srgbClr val="202124"/>
-                </a:solidFill>
-                <a:latin typeface="Roboto"/>
-              </a:rPr>
-              <a:t>Map Network Drive Most Recently Used</a:t>
-            </a:r>
-            <a:endParaRPr lang="en-US" dirty="0"/>
-          </a:p>
-        </p:txBody>
-      </p:sp>
+      </p:pic>
     </p:spTree>
     <p:extLst>
       <p:ext uri="{BB962C8B-B14F-4D97-AF65-F5344CB8AC3E}">
-        <p14:creationId xmlns:p14="http://schemas.microsoft.com/office/powerpoint/2010/main" val="3205019338"/>
+        <p14:creationId xmlns:p14="http://schemas.microsoft.com/office/powerpoint/2010/main" val="988167159"/>
       </p:ext>
     </p:extLst>
   </p:cSld>
@@ -7585,6 +8355,325 @@
           <a:chExt cx="0" cy="0"/>
         </a:xfrm>
       </p:grpSpPr>
+      <p:pic>
+        <p:nvPicPr>
+          <p:cNvPr id="3" name="Picture 2"/>
+          <p:cNvPicPr>
+            <a:picLocks noChangeAspect="1"/>
+          </p:cNvPicPr>
+          <p:nvPr/>
+        </p:nvPicPr>
+        <p:blipFill>
+          <a:blip r:embed="rId3"/>
+          <a:stretch>
+            <a:fillRect/>
+          </a:stretch>
+        </p:blipFill>
+        <p:spPr>
+          <a:xfrm>
+            <a:off x="838200" y="2394767"/>
+            <a:ext cx="10570464" cy="1318155"/>
+          </a:xfrm>
+          <a:prstGeom prst="rect">
+            <a:avLst/>
+          </a:prstGeom>
+        </p:spPr>
+      </p:pic>
+      <p:sp>
+        <p:nvSpPr>
+          <p:cNvPr id="6" name="TextBox 5"/>
+          <p:cNvSpPr txBox="1"/>
+          <p:nvPr/>
+        </p:nvSpPr>
+        <p:spPr>
+          <a:xfrm>
+            <a:off x="838200" y="2025435"/>
+            <a:ext cx="2801151" cy="369332"/>
+          </a:xfrm>
+          <a:prstGeom prst="rect">
+            <a:avLst/>
+          </a:prstGeom>
+          <a:solidFill>
+            <a:srgbClr val="FFC000"/>
+          </a:solidFill>
+        </p:spPr>
+        <p:txBody>
+          <a:bodyPr wrap="none" rtlCol="0">
+            <a:spAutoFit/>
+          </a:bodyPr>
+          <a:lstStyle/>
+          <a:p>
+            <a:r>
+              <a:rPr lang="en-US" dirty="0"/>
+              <a:t>Download RM#2 DD images</a:t>
+            </a:r>
+          </a:p>
+        </p:txBody>
+      </p:sp>
+      <p:pic>
+        <p:nvPicPr>
+          <p:cNvPr id="8" name="Picture 7"/>
+          <p:cNvPicPr>
+            <a:picLocks noChangeAspect="1"/>
+          </p:cNvPicPr>
+          <p:nvPr/>
+        </p:nvPicPr>
+        <p:blipFill>
+          <a:blip r:embed="rId4"/>
+          <a:stretch>
+            <a:fillRect/>
+          </a:stretch>
+        </p:blipFill>
+        <p:spPr>
+          <a:xfrm>
+            <a:off x="838200" y="4181240"/>
+            <a:ext cx="8664796" cy="1072179"/>
+          </a:xfrm>
+          <a:prstGeom prst="rect">
+            <a:avLst/>
+          </a:prstGeom>
+        </p:spPr>
+      </p:pic>
+      <p:sp>
+        <p:nvSpPr>
+          <p:cNvPr id="9" name="TextBox 8">
+            <a:extLst>
+              <a:ext uri="{FF2B5EF4-FFF2-40B4-BE49-F238E27FC236}">
+                <a16:creationId xmlns:a16="http://schemas.microsoft.com/office/drawing/2014/main" id="{0A42AD04-B724-4FA6-BB93-BCB5AF0B3D7D}"/>
+              </a:ext>
+            </a:extLst>
+          </p:cNvPr>
+          <p:cNvSpPr txBox="1"/>
+          <p:nvPr/>
+        </p:nvSpPr>
+        <p:spPr>
+          <a:xfrm>
+            <a:off x="2920342" y="2594822"/>
+            <a:ext cx="9112469" cy="338554"/>
+          </a:xfrm>
+          <a:prstGeom prst="rect">
+            <a:avLst/>
+          </a:prstGeom>
+          <a:noFill/>
+        </p:spPr>
+        <p:txBody>
+          <a:bodyPr wrap="square">
+            <a:spAutoFit/>
+          </a:bodyPr>
+          <a:lstStyle/>
+          <a:p>
+            <a:r>
+              <a:rPr lang="en-US" sz="1600" dirty="0">
+                <a:solidFill>
+                  <a:srgbClr val="FF0000"/>
+                </a:solidFill>
+                <a:highlight>
+                  <a:srgbClr val="FFFF00"/>
+                </a:highlight>
+              </a:rPr>
+              <a:t>https://cfreds-archive.nist.gov/data_leakage_case/images/rm%232/cfreds_2015_data_leakage_rm%232.7z</a:t>
+            </a:r>
+          </a:p>
+        </p:txBody>
+      </p:sp>
+      <p:sp>
+        <p:nvSpPr>
+          <p:cNvPr id="2" name="Title 1">
+            <a:extLst>
+              <a:ext uri="{FF2B5EF4-FFF2-40B4-BE49-F238E27FC236}">
+                <a16:creationId xmlns:a16="http://schemas.microsoft.com/office/drawing/2014/main" id="{613B00DF-2049-41DE-ADC5-DC3A19E450CA}"/>
+              </a:ext>
+            </a:extLst>
+          </p:cNvPr>
+          <p:cNvSpPr>
+            <a:spLocks noGrp="1"/>
+          </p:cNvSpPr>
+          <p:nvPr>
+            <p:ph type="title"/>
+          </p:nvPr>
+        </p:nvSpPr>
+        <p:spPr/>
+        <p:txBody>
+          <a:bodyPr/>
+          <a:lstStyle/>
+          <a:p>
+            <a:r>
+              <a:rPr lang="en-US" dirty="0"/>
+              <a:t>(Optional)Download RM#2</a:t>
+            </a:r>
+          </a:p>
+        </p:txBody>
+      </p:sp>
+    </p:spTree>
+    <p:extLst>
+      <p:ext uri="{BB962C8B-B14F-4D97-AF65-F5344CB8AC3E}">
+        <p14:creationId xmlns:p14="http://schemas.microsoft.com/office/powerpoint/2010/main" val="2694751075"/>
+      </p:ext>
+    </p:extLst>
+  </p:cSld>
+  <p:clrMapOvr>
+    <a:masterClrMapping/>
+  </p:clrMapOvr>
+</p:sld>
+</file>
+
+<file path=ppt/slides/slide12.xml><?xml version="1.0" encoding="utf-8"?>
+<p:sld xmlns:a="http://schemas.openxmlformats.org/drawingml/2006/main" xmlns:r="http://schemas.openxmlformats.org/officeDocument/2006/relationships" xmlns:p="http://schemas.openxmlformats.org/presentationml/2006/main">
+  <p:cSld>
+    <p:spTree>
+      <p:nvGrpSpPr>
+        <p:cNvPr id="1" name=""/>
+        <p:cNvGrpSpPr/>
+        <p:nvPr/>
+      </p:nvGrpSpPr>
+      <p:grpSpPr>
+        <a:xfrm>
+          <a:off x="0" y="0"/>
+          <a:ext cx="0" cy="0"/>
+          <a:chOff x="0" y="0"/>
+          <a:chExt cx="0" cy="0"/>
+        </a:xfrm>
+      </p:grpSpPr>
+      <p:pic>
+        <p:nvPicPr>
+          <p:cNvPr id="3" name="Picture 2"/>
+          <p:cNvPicPr>
+            <a:picLocks noChangeAspect="1"/>
+          </p:cNvPicPr>
+          <p:nvPr/>
+        </p:nvPicPr>
+        <p:blipFill>
+          <a:blip r:embed="rId3"/>
+          <a:stretch>
+            <a:fillRect/>
+          </a:stretch>
+        </p:blipFill>
+        <p:spPr>
+          <a:xfrm>
+            <a:off x="813816" y="1545404"/>
+            <a:ext cx="6729984" cy="1384131"/>
+          </a:xfrm>
+          <a:prstGeom prst="rect">
+            <a:avLst/>
+          </a:prstGeom>
+        </p:spPr>
+      </p:pic>
+      <p:pic>
+        <p:nvPicPr>
+          <p:cNvPr id="4" name="Picture 3"/>
+          <p:cNvPicPr>
+            <a:picLocks noChangeAspect="1"/>
+          </p:cNvPicPr>
+          <p:nvPr/>
+        </p:nvPicPr>
+        <p:blipFill>
+          <a:blip r:embed="rId4"/>
+          <a:stretch>
+            <a:fillRect/>
+          </a:stretch>
+        </p:blipFill>
+        <p:spPr>
+          <a:xfrm>
+            <a:off x="813816" y="3619498"/>
+            <a:ext cx="8824725" cy="1021168"/>
+          </a:xfrm>
+          <a:prstGeom prst="rect">
+            <a:avLst/>
+          </a:prstGeom>
+        </p:spPr>
+      </p:pic>
+      <p:sp>
+        <p:nvSpPr>
+          <p:cNvPr id="5" name="TextBox 4"/>
+          <p:cNvSpPr txBox="1"/>
+          <p:nvPr/>
+        </p:nvSpPr>
+        <p:spPr>
+          <a:xfrm>
+            <a:off x="813816" y="1176072"/>
+            <a:ext cx="2382062" cy="369332"/>
+          </a:xfrm>
+          <a:prstGeom prst="rect">
+            <a:avLst/>
+          </a:prstGeom>
+          <a:solidFill>
+            <a:srgbClr val="FFC000"/>
+          </a:solidFill>
+        </p:spPr>
+        <p:txBody>
+          <a:bodyPr wrap="none" rtlCol="0">
+            <a:spAutoFit/>
+          </a:bodyPr>
+          <a:lstStyle/>
+          <a:p>
+            <a:r>
+              <a:rPr lang="en-US"/>
+              <a:t>unzipped the DD image</a:t>
+            </a:r>
+          </a:p>
+        </p:txBody>
+      </p:sp>
+      <p:sp>
+        <p:nvSpPr>
+          <p:cNvPr id="6" name="TextBox 5"/>
+          <p:cNvSpPr txBox="1"/>
+          <p:nvPr/>
+        </p:nvSpPr>
+        <p:spPr>
+          <a:xfrm>
+            <a:off x="813816" y="3250166"/>
+            <a:ext cx="2979277" cy="369332"/>
+          </a:xfrm>
+          <a:prstGeom prst="rect">
+            <a:avLst/>
+          </a:prstGeom>
+          <a:solidFill>
+            <a:srgbClr val="FFC000"/>
+          </a:solidFill>
+        </p:spPr>
+        <p:txBody>
+          <a:bodyPr wrap="none" rtlCol="0">
+            <a:spAutoFit/>
+          </a:bodyPr>
+          <a:lstStyle/>
+          <a:p>
+            <a:r>
+              <a:rPr lang="en-US"/>
+              <a:t>Verify the unzipped DD image</a:t>
+            </a:r>
+          </a:p>
+        </p:txBody>
+      </p:sp>
+    </p:spTree>
+    <p:extLst>
+      <p:ext uri="{BB962C8B-B14F-4D97-AF65-F5344CB8AC3E}">
+        <p14:creationId xmlns:p14="http://schemas.microsoft.com/office/powerpoint/2010/main" val="3589444918"/>
+      </p:ext>
+    </p:extLst>
+  </p:cSld>
+  <p:clrMapOvr>
+    <a:masterClrMapping/>
+  </p:clrMapOvr>
+</p:sld>
+</file>
+
+<file path=ppt/slides/slide13.xml><?xml version="1.0" encoding="utf-8"?>
+<p:sld xmlns:a="http://schemas.openxmlformats.org/drawingml/2006/main" xmlns:r="http://schemas.openxmlformats.org/officeDocument/2006/relationships" xmlns:p="http://schemas.openxmlformats.org/presentationml/2006/main">
+  <p:cSld>
+    <p:spTree>
+      <p:nvGrpSpPr>
+        <p:cNvPr id="1" name=""/>
+        <p:cNvGrpSpPr/>
+        <p:nvPr/>
+      </p:nvGrpSpPr>
+      <p:grpSpPr>
+        <a:xfrm>
+          <a:off x="0" y="0"/>
+          <a:ext cx="0" cy="0"/>
+          <a:chOff x="0" y="0"/>
+          <a:chExt cx="0" cy="0"/>
+        </a:xfrm>
+      </p:grpSpPr>
       <p:sp>
         <p:nvSpPr>
           <p:cNvPr id="2" name="Title 1"/>
@@ -7600,29 +8689,21 @@
           <a:bodyPr/>
           <a:lstStyle/>
           <a:p>
+            <a:r>
+              <a:rPr lang="en-US" dirty="0"/>
+              <a:t>What evidence left on disk that records </a:t>
+            </a:r>
             <a:r>
               <a:rPr lang="en-US" dirty="0">
                 <a:solidFill>
                   <a:srgbClr val="FF0000"/>
                 </a:solidFill>
               </a:rPr>
-              <a:t>25. </a:t>
-            </a:r>
-            <a:r>
-              <a:rPr lang="en-US" dirty="0"/>
-              <a:t>List all directories(</a:t>
-            </a:r>
-            <a:r>
-              <a:rPr lang="en-US" dirty="0">
-                <a:solidFill>
-                  <a:srgbClr val="FF0000"/>
-                </a:solidFill>
-              </a:rPr>
-              <a:t>Not</a:t>
-            </a:r>
-            <a:r>
-              <a:rPr lang="en-US" dirty="0"/>
-              <a:t> files) that were traversed in ‘RM#2’.</a:t>
+              <a:t>directory</a:t>
+            </a:r>
+            <a:r>
+              <a:rPr lang="en-US" dirty="0"/>
+              <a:t> traverse history?</a:t>
             </a:r>
           </a:p>
         </p:txBody>
@@ -7651,61 +8732,6 @@
           <a:p>
             <a:r>
               <a:rPr lang="en-US" dirty="0"/>
-              <a:t>What is RM#2</a:t>
-            </a:r>
-          </a:p>
-          <a:p>
-            <a:pPr lvl="1"/>
-            <a:r>
-              <a:rPr lang="en-US" dirty="0"/>
-              <a:t>We don’t know the device, but we know there are two SanDisk </a:t>
-            </a:r>
-            <a:r>
-              <a:rPr lang="en-US" dirty="0" err="1"/>
-              <a:t>Cruzer</a:t>
-            </a:r>
-            <a:r>
-              <a:rPr lang="en-US" dirty="0"/>
-              <a:t> Fit USB Devices attached (from question 22)</a:t>
-            </a:r>
-          </a:p>
-          <a:p>
-            <a:pPr lvl="1"/>
-            <a:r>
-              <a:rPr lang="en-US" dirty="0"/>
-              <a:t>We also know one of the attached device is </a:t>
-            </a:r>
-            <a:r>
-              <a:rPr lang="en-US" dirty="0">
-                <a:solidFill>
-                  <a:srgbClr val="FF0000"/>
-                </a:solidFill>
-              </a:rPr>
-              <a:t>E</a:t>
-            </a:r>
-            <a:r>
-              <a:rPr lang="en-US" dirty="0"/>
-              <a:t>:</a:t>
-            </a:r>
-          </a:p>
-          <a:p>
-            <a:pPr lvl="1"/>
-            <a:r>
-              <a:rPr lang="en-US" dirty="0">
-                <a:solidFill>
-                  <a:srgbClr val="FF0000"/>
-                </a:solidFill>
-              </a:rPr>
-              <a:t>E</a:t>
-            </a:r>
-            <a:r>
-              <a:rPr lang="en-US" dirty="0"/>
-              <a:t>: letter is shared by two USBs</a:t>
-            </a:r>
-          </a:p>
-          <a:p>
-            <a:r>
-              <a:rPr lang="en-US" dirty="0"/>
               <a:t>We can answer the question using </a:t>
             </a:r>
             <a:r>
@@ -7714,7 +8740,7 @@
                   <a:srgbClr val="7030A0"/>
                 </a:solidFill>
               </a:rPr>
-              <a:t>Shellbags</a:t>
+              <a:t>Shellbag</a:t>
             </a:r>
             <a:endParaRPr lang="en-US" i="1" dirty="0">
               <a:solidFill>
@@ -7722,14 +8748,43 @@
               </a:solidFill>
             </a:endParaRPr>
           </a:p>
+          <a:p>
+            <a:r>
+              <a:rPr lang="en-GB" i="1" dirty="0" err="1">
+                <a:solidFill>
+                  <a:srgbClr val="7030A0"/>
+                </a:solidFill>
+              </a:rPr>
+              <a:t>Shellbags</a:t>
+            </a:r>
+            <a:r>
+              <a:rPr lang="en-GB" i="1" dirty="0">
+                <a:solidFill>
+                  <a:srgbClr val="7030A0"/>
+                </a:solidFill>
+              </a:rPr>
+              <a:t> </a:t>
+            </a:r>
+            <a:r>
+              <a:rPr lang="en-GB" dirty="0"/>
+              <a:t>is a tree-like structure</a:t>
+            </a:r>
+          </a:p>
+          <a:p>
+            <a:endParaRPr lang="en-US" i="1" dirty="0">
+              <a:solidFill>
+                <a:srgbClr val="7030A0"/>
+              </a:solidFill>
+            </a:endParaRPr>
+          </a:p>
         </p:txBody>
       </p:sp>
       <p:pic>
         <p:nvPicPr>
-          <p:cNvPr id="4" name="Picture 3">
+          <p:cNvPr id="3" name="Picture 2">
             <a:extLst>
               <a:ext uri="{FF2B5EF4-FFF2-40B4-BE49-F238E27FC236}">
-                <a16:creationId xmlns:a16="http://schemas.microsoft.com/office/drawing/2014/main" id="{DBC2D48F-4116-487B-B3E4-5AAA82A013A0}"/>
+                <a16:creationId xmlns:a16="http://schemas.microsoft.com/office/drawing/2014/main" id="{7F342F17-0F08-44B5-9845-501DAE9B24D4}"/>
               </a:ext>
             </a:extLst>
           </p:cNvPr>
@@ -7746,38 +8801,8 @@
         </p:blipFill>
         <p:spPr>
           <a:xfrm>
-            <a:off x="838200" y="4445586"/>
-            <a:ext cx="10682460" cy="1511774"/>
-          </a:xfrm>
-          <a:prstGeom prst="rect">
-            <a:avLst/>
-          </a:prstGeom>
-        </p:spPr>
-      </p:pic>
-      <p:pic>
-        <p:nvPicPr>
-          <p:cNvPr id="7" name="Picture 6">
-            <a:extLst>
-              <a:ext uri="{FF2B5EF4-FFF2-40B4-BE49-F238E27FC236}">
-                <a16:creationId xmlns:a16="http://schemas.microsoft.com/office/drawing/2014/main" id="{C59795CA-D5DD-4B5A-9CB7-006A17F65BA7}"/>
-              </a:ext>
-            </a:extLst>
-          </p:cNvPr>
-          <p:cNvPicPr>
-            <a:picLocks noChangeAspect="1"/>
-          </p:cNvPicPr>
-          <p:nvPr/>
-        </p:nvPicPr>
-        <p:blipFill>
-          <a:blip r:embed="rId4"/>
-          <a:stretch>
-            <a:fillRect/>
-          </a:stretch>
-        </p:blipFill>
-        <p:spPr>
-          <a:xfrm>
-            <a:off x="7539783" y="2842209"/>
-            <a:ext cx="4069433" cy="586791"/>
+            <a:off x="7296796" y="2755951"/>
+            <a:ext cx="3429000" cy="3429000"/>
           </a:xfrm>
           <a:prstGeom prst="rect">
             <a:avLst/>
@@ -7787,7 +8812,7 @@
     </p:spTree>
     <p:extLst>
       <p:ext uri="{BB962C8B-B14F-4D97-AF65-F5344CB8AC3E}">
-        <p14:creationId xmlns:p14="http://schemas.microsoft.com/office/powerpoint/2010/main" val="988167159"/>
+        <p14:creationId xmlns:p14="http://schemas.microsoft.com/office/powerpoint/2010/main" val="3765772687"/>
       </p:ext>
     </p:extLst>
   </p:cSld>
@@ -7797,7 +8822,7 @@
 </p:sld>
 </file>
 
-<file path=ppt/slides/slide12.xml><?xml version="1.0" encoding="utf-8"?>
+<file path=ppt/slides/slide14.xml><?xml version="1.0" encoding="utf-8"?>
 <p:sld xmlns:a="http://schemas.openxmlformats.org/drawingml/2006/main" xmlns:r="http://schemas.openxmlformats.org/officeDocument/2006/relationships" xmlns:p="http://schemas.openxmlformats.org/presentationml/2006/main">
   <p:cSld>
     <p:spTree>
@@ -8037,7 +9062,7 @@
 </p:sld>
 </file>
 
-<file path=ppt/slides/slide13.xml><?xml version="1.0" encoding="utf-8"?>
+<file path=ppt/slides/slide15.xml><?xml version="1.0" encoding="utf-8"?>
 <p:sld xmlns:a="http://schemas.openxmlformats.org/drawingml/2006/main" xmlns:r="http://schemas.openxmlformats.org/officeDocument/2006/relationships" xmlns:p="http://schemas.openxmlformats.org/presentationml/2006/main">
   <p:cSld>
     <p:spTree>
@@ -8176,7 +9201,7 @@
 </p:sld>
 </file>
 
-<file path=ppt/slides/slide14.xml><?xml version="1.0" encoding="utf-8"?>
+<file path=ppt/slides/slide16.xml><?xml version="1.0" encoding="utf-8"?>
 <p:sld xmlns:a="http://schemas.openxmlformats.org/drawingml/2006/main" xmlns:r="http://schemas.openxmlformats.org/officeDocument/2006/relationships" xmlns:p="http://schemas.openxmlformats.org/presentationml/2006/main">
   <p:cSld>
     <p:spTree>
@@ -8577,7 +9602,7 @@
 </p:sld>
 </file>
 
-<file path=ppt/slides/slide15.xml><?xml version="1.0" encoding="utf-8"?>
+<file path=ppt/slides/slide17.xml><?xml version="1.0" encoding="utf-8"?>
 <p:sld xmlns:a="http://schemas.openxmlformats.org/drawingml/2006/main" xmlns:r="http://schemas.openxmlformats.org/officeDocument/2006/relationships" xmlns:p="http://schemas.openxmlformats.org/presentationml/2006/main">
   <p:cSld>
     <p:spTree>
@@ -8673,7 +9698,7 @@
           <a:p>
             <a:r>
               <a:rPr lang="en-US" dirty="0"/>
-              <a:t>Structured In hierarchy </a:t>
+              <a:t>Structured in hierarchy </a:t>
             </a:r>
           </a:p>
           <a:p>
@@ -8766,7 +9791,7 @@
 </p:sld>
 </file>
 
-<file path=ppt/slides/slide16.xml><?xml version="1.0" encoding="utf-8"?>
+<file path=ppt/slides/slide18.xml><?xml version="1.0" encoding="utf-8"?>
 <p:sld xmlns:a="http://schemas.openxmlformats.org/drawingml/2006/main" xmlns:r="http://schemas.openxmlformats.org/officeDocument/2006/relationships" xmlns:p="http://schemas.openxmlformats.org/presentationml/2006/main">
   <p:cSld>
     <p:spTree>
@@ -9943,7 +10968,7 @@
 </p:sld>
 </file>
 
-<file path=ppt/slides/slide17.xml><?xml version="1.0" encoding="utf-8"?>
+<file path=ppt/slides/slide19.xml><?xml version="1.0" encoding="utf-8"?>
 <p:sld xmlns:a="http://schemas.openxmlformats.org/drawingml/2006/main" xmlns:r="http://schemas.openxmlformats.org/officeDocument/2006/relationships" xmlns:p="http://schemas.openxmlformats.org/presentationml/2006/main">
   <p:cSld>
     <p:spTree>
@@ -10170,269 +11195,6 @@
 </p:sld>
 </file>
 
-<file path=ppt/slides/slide18.xml><?xml version="1.0" encoding="utf-8"?>
-<p:sld xmlns:a="http://schemas.openxmlformats.org/drawingml/2006/main" xmlns:r="http://schemas.openxmlformats.org/officeDocument/2006/relationships" xmlns:p="http://schemas.openxmlformats.org/presentationml/2006/main">
-  <p:cSld>
-    <p:spTree>
-      <p:nvGrpSpPr>
-        <p:cNvPr id="1" name=""/>
-        <p:cNvGrpSpPr/>
-        <p:nvPr/>
-      </p:nvGrpSpPr>
-      <p:grpSpPr>
-        <a:xfrm>
-          <a:off x="0" y="0"/>
-          <a:ext cx="0" cy="0"/>
-          <a:chOff x="0" y="0"/>
-          <a:chExt cx="0" cy="0"/>
-        </a:xfrm>
-      </p:grpSpPr>
-      <p:pic>
-        <p:nvPicPr>
-          <p:cNvPr id="4" name="Picture 3"/>
-          <p:cNvPicPr>
-            <a:picLocks noChangeAspect="1"/>
-          </p:cNvPicPr>
-          <p:nvPr/>
-        </p:nvPicPr>
-        <p:blipFill>
-          <a:blip r:embed="rId2"/>
-          <a:stretch>
-            <a:fillRect/>
-          </a:stretch>
-        </p:blipFill>
-        <p:spPr>
-          <a:xfrm>
-            <a:off x="0" y="612876"/>
-            <a:ext cx="12192000" cy="5632247"/>
-          </a:xfrm>
-          <a:prstGeom prst="rect">
-            <a:avLst/>
-          </a:prstGeom>
-        </p:spPr>
-      </p:pic>
-      <p:sp>
-        <p:nvSpPr>
-          <p:cNvPr id="5" name="Rectangle 4"/>
-          <p:cNvSpPr/>
-          <p:nvPr/>
-        </p:nvSpPr>
-        <p:spPr>
-          <a:xfrm>
-            <a:off x="9152239" y="850211"/>
-            <a:ext cx="2776150" cy="738664"/>
-          </a:xfrm>
-          <a:prstGeom prst="rect">
-            <a:avLst/>
-          </a:prstGeom>
-          <a:solidFill>
-            <a:schemeClr val="accent4">
-              <a:lumMod val="20000"/>
-              <a:lumOff val="80000"/>
-            </a:schemeClr>
-          </a:solidFill>
-        </p:spPr>
-        <p:txBody>
-          <a:bodyPr wrap="square">
-            <a:spAutoFit/>
-          </a:bodyPr>
-          <a:lstStyle/>
-          <a:p>
-            <a:r>
-              <a:rPr lang="en-US" sz="1400" dirty="0"/>
-              <a:t>Open a ZIP file in Windows Explorer and close it or open a folder in the same window</a:t>
-            </a:r>
-          </a:p>
-        </p:txBody>
-      </p:sp>
-    </p:spTree>
-    <p:extLst>
-      <p:ext uri="{BB962C8B-B14F-4D97-AF65-F5344CB8AC3E}">
-        <p14:creationId xmlns:p14="http://schemas.microsoft.com/office/powerpoint/2010/main" val="2217990681"/>
-      </p:ext>
-    </p:extLst>
-  </p:cSld>
-  <p:clrMapOvr>
-    <a:masterClrMapping/>
-  </p:clrMapOvr>
-</p:sld>
-</file>
-
-<file path=ppt/slides/slide19.xml><?xml version="1.0" encoding="utf-8"?>
-<p:sld xmlns:a="http://schemas.openxmlformats.org/drawingml/2006/main" xmlns:r="http://schemas.openxmlformats.org/officeDocument/2006/relationships" xmlns:p="http://schemas.openxmlformats.org/presentationml/2006/main">
-  <p:cSld>
-    <p:spTree>
-      <p:nvGrpSpPr>
-        <p:cNvPr id="1" name=""/>
-        <p:cNvGrpSpPr/>
-        <p:nvPr/>
-      </p:nvGrpSpPr>
-      <p:grpSpPr>
-        <a:xfrm>
-          <a:off x="0" y="0"/>
-          <a:ext cx="0" cy="0"/>
-          <a:chOff x="0" y="0"/>
-          <a:chExt cx="0" cy="0"/>
-        </a:xfrm>
-      </p:grpSpPr>
-      <p:pic>
-        <p:nvPicPr>
-          <p:cNvPr id="3" name="Picture 2"/>
-          <p:cNvPicPr>
-            <a:picLocks noChangeAspect="1"/>
-          </p:cNvPicPr>
-          <p:nvPr/>
-        </p:nvPicPr>
-        <p:blipFill rotWithShape="1">
-          <a:blip r:embed="rId3"/>
-          <a:srcRect r="59874"/>
-          <a:stretch/>
-        </p:blipFill>
-        <p:spPr>
-          <a:xfrm>
-            <a:off x="1383955" y="96547"/>
-            <a:ext cx="6466704" cy="2780413"/>
-          </a:xfrm>
-          <a:prstGeom prst="rect">
-            <a:avLst/>
-          </a:prstGeom>
-        </p:spPr>
-      </p:pic>
-      <p:pic>
-        <p:nvPicPr>
-          <p:cNvPr id="4" name="Picture 3"/>
-          <p:cNvPicPr>
-            <a:picLocks noChangeAspect="1"/>
-          </p:cNvPicPr>
-          <p:nvPr/>
-        </p:nvPicPr>
-        <p:blipFill rotWithShape="1">
-          <a:blip r:embed="rId3"/>
-          <a:srcRect l="49467"/>
-          <a:stretch/>
-        </p:blipFill>
-        <p:spPr>
-          <a:xfrm>
-            <a:off x="1383955" y="3366122"/>
-            <a:ext cx="8888629" cy="3034678"/>
-          </a:xfrm>
-          <a:prstGeom prst="rect">
-            <a:avLst/>
-          </a:prstGeom>
-        </p:spPr>
-      </p:pic>
-      <p:sp>
-        <p:nvSpPr>
-          <p:cNvPr id="5" name="Up-Down Arrow 4"/>
-          <p:cNvSpPr/>
-          <p:nvPr/>
-        </p:nvSpPr>
-        <p:spPr>
-          <a:xfrm>
-            <a:off x="4366054" y="2925409"/>
-            <a:ext cx="156519" cy="392263"/>
-          </a:xfrm>
-          <a:prstGeom prst="upDownArrow">
-            <a:avLst/>
-          </a:prstGeom>
-          <a:solidFill>
-            <a:srgbClr val="FF0000"/>
-          </a:solidFill>
-          <a:ln>
-            <a:solidFill>
-              <a:srgbClr val="FF0000"/>
-            </a:solidFill>
-          </a:ln>
-        </p:spPr>
-        <p:style>
-          <a:lnRef idx="2">
-            <a:schemeClr val="accent1">
-              <a:shade val="50000"/>
-            </a:schemeClr>
-          </a:lnRef>
-          <a:fillRef idx="1">
-            <a:schemeClr val="accent1"/>
-          </a:fillRef>
-          <a:effectRef idx="0">
-            <a:schemeClr val="accent1"/>
-          </a:effectRef>
-          <a:fontRef idx="minor">
-            <a:schemeClr val="lt1"/>
-          </a:fontRef>
-        </p:style>
-        <p:txBody>
-          <a:bodyPr rtlCol="0" anchor="ctr"/>
-          <a:lstStyle/>
-          <a:p>
-            <a:pPr algn="ctr"/>
-            <a:endParaRPr lang="en-US">
-              <a:solidFill>
-                <a:srgbClr val="FF0000"/>
-              </a:solidFill>
-            </a:endParaRPr>
-          </a:p>
-        </p:txBody>
-      </p:sp>
-      <p:sp>
-        <p:nvSpPr>
-          <p:cNvPr id="6" name="TextBox 5">
-            <a:extLst>
-              <a:ext uri="{FF2B5EF4-FFF2-40B4-BE49-F238E27FC236}">
-                <a16:creationId xmlns:a16="http://schemas.microsoft.com/office/drawing/2014/main" id="{86A3ABD9-0DCA-4F80-918D-A7AF8D436DBC}"/>
-              </a:ext>
-            </a:extLst>
-          </p:cNvPr>
-          <p:cNvSpPr txBox="1"/>
-          <p:nvPr/>
-        </p:nvSpPr>
-        <p:spPr>
-          <a:xfrm>
-            <a:off x="8280051" y="576873"/>
-            <a:ext cx="2527994" cy="646331"/>
-          </a:xfrm>
-          <a:prstGeom prst="rect">
-            <a:avLst/>
-          </a:prstGeom>
-          <a:noFill/>
-        </p:spPr>
-        <p:txBody>
-          <a:bodyPr wrap="square">
-            <a:spAutoFit/>
-          </a:bodyPr>
-          <a:lstStyle/>
-          <a:p>
-            <a:r>
-              <a:rPr lang="en-US" dirty="0"/>
-              <a:t>Note:</a:t>
-            </a:r>
-            <a:r>
-              <a:rPr lang="en-US" dirty="0">
-                <a:solidFill>
-                  <a:srgbClr val="FF0000"/>
-                </a:solidFill>
-              </a:rPr>
-              <a:t> E </a:t>
-            </a:r>
-            <a:r>
-              <a:rPr lang="en-US" dirty="0"/>
-              <a:t>drive is a USB/RM#2</a:t>
-            </a:r>
-          </a:p>
-        </p:txBody>
-      </p:sp>
-    </p:spTree>
-    <p:extLst>
-      <p:ext uri="{BB962C8B-B14F-4D97-AF65-F5344CB8AC3E}">
-        <p14:creationId xmlns:p14="http://schemas.microsoft.com/office/powerpoint/2010/main" val="2092135752"/>
-      </p:ext>
-    </p:extLst>
-  </p:cSld>
-  <p:clrMapOvr>
-    <a:masterClrMapping/>
-  </p:clrMapOvr>
-</p:sld>
-</file>
-
 <file path=ppt/slides/slide2.xml><?xml version="1.0" encoding="utf-8"?>
 <p:sld xmlns:a="http://schemas.openxmlformats.org/drawingml/2006/main" xmlns:r="http://schemas.openxmlformats.org/officeDocument/2006/relationships" xmlns:p="http://schemas.openxmlformats.org/presentationml/2006/main">
   <p:cSld>
@@ -10475,7 +11237,19 @@
             </a:r>
             <a:r>
               <a:rPr lang="en-US" dirty="0"/>
-              <a:t>	What is the IP address of company’s shared network drive?</a:t>
+              <a:t>	What is the </a:t>
+            </a:r>
+            <a:r>
+              <a:rPr lang="en-US" dirty="0">
+                <a:solidFill>
+                  <a:srgbClr val="FF0000"/>
+                </a:solidFill>
+              </a:rPr>
+              <a:t>IP address </a:t>
+            </a:r>
+            <a:r>
+              <a:rPr lang="en-US" dirty="0"/>
+              <a:t>of company’s shared network drive?</a:t>
             </a:r>
           </a:p>
         </p:txBody>
@@ -11315,117 +12089,68 @@
           <a:chExt cx="0" cy="0"/>
         </a:xfrm>
       </p:grpSpPr>
-      <p:sp>
-        <p:nvSpPr>
-          <p:cNvPr id="2" name="Title 1">
-            <a:extLst>
-              <a:ext uri="{FF2B5EF4-FFF2-40B4-BE49-F238E27FC236}">
-                <a16:creationId xmlns:a16="http://schemas.microsoft.com/office/drawing/2014/main" id="{FF14DE0E-73EE-439A-B697-9565C9CC5746}"/>
-              </a:ext>
-            </a:extLst>
-          </p:cNvPr>
-          <p:cNvSpPr>
-            <a:spLocks noGrp="1"/>
-          </p:cNvSpPr>
-          <p:nvPr>
-            <p:ph type="title"/>
-          </p:nvPr>
-        </p:nvSpPr>
-        <p:spPr/>
-        <p:txBody>
-          <a:bodyPr/>
-          <a:lstStyle/>
-          <a:p>
-            <a:r>
-              <a:rPr lang="en-US" dirty="0">
-                <a:solidFill>
-                  <a:srgbClr val="FF0000"/>
-                </a:solidFill>
-              </a:rPr>
-              <a:t>26. </a:t>
-            </a:r>
-            <a:r>
-              <a:rPr lang="en-US" dirty="0"/>
-              <a:t>List all </a:t>
-            </a:r>
-            <a:r>
-              <a:rPr lang="en-US" dirty="0">
-                <a:solidFill>
-                  <a:srgbClr val="FF0000"/>
-                </a:solidFill>
-              </a:rPr>
-              <a:t>files</a:t>
-            </a:r>
-            <a:r>
-              <a:rPr lang="en-US" dirty="0"/>
-              <a:t> that were opened in ‘RM#2’.</a:t>
-            </a:r>
-          </a:p>
-        </p:txBody>
-      </p:sp>
-      <p:sp>
-        <p:nvSpPr>
-          <p:cNvPr id="3" name="Content Placeholder 2">
-            <a:extLst>
-              <a:ext uri="{FF2B5EF4-FFF2-40B4-BE49-F238E27FC236}">
-                <a16:creationId xmlns:a16="http://schemas.microsoft.com/office/drawing/2014/main" id="{930DED48-1F33-42F5-9B37-E9EC2C8E5F45}"/>
-              </a:ext>
-            </a:extLst>
-          </p:cNvPr>
-          <p:cNvSpPr>
-            <a:spLocks noGrp="1"/>
-          </p:cNvSpPr>
-          <p:nvPr>
-            <p:ph idx="1"/>
-          </p:nvPr>
-        </p:nvSpPr>
-        <p:spPr/>
-        <p:txBody>
-          <a:bodyPr/>
-          <a:lstStyle/>
-          <a:p>
-            <a:r>
-              <a:rPr lang="en-US" dirty="0"/>
-              <a:t>What is Jump Lists?</a:t>
-            </a:r>
-          </a:p>
-          <a:p>
-            <a:r>
-              <a:rPr lang="en-US" dirty="0"/>
-              <a:t>Download RM#2 </a:t>
-            </a:r>
-          </a:p>
-          <a:p>
-            <a:pPr lvl="1"/>
-            <a:r>
-              <a:rPr lang="en-US"/>
-              <a:t>optional</a:t>
-            </a:r>
-            <a:r>
-              <a:rPr lang="en-US" dirty="0"/>
-              <a:t>, only for </a:t>
-            </a:r>
-            <a:r>
-              <a:rPr lang="en-US"/>
-              <a:t>verification purpose</a:t>
-            </a:r>
-            <a:endParaRPr lang="en-US" dirty="0"/>
-          </a:p>
-          <a:p>
-            <a:r>
-              <a:rPr lang="en-US" dirty="0"/>
-              <a:t>Analysis of Jump Lists</a:t>
-            </a:r>
-          </a:p>
-          <a:p>
-            <a:endParaRPr lang="en-US" dirty="0"/>
+      <p:pic>
+        <p:nvPicPr>
+          <p:cNvPr id="4" name="Picture 3"/>
+          <p:cNvPicPr>
+            <a:picLocks noChangeAspect="1"/>
+          </p:cNvPicPr>
+          <p:nvPr/>
+        </p:nvPicPr>
+        <p:blipFill>
+          <a:blip r:embed="rId3"/>
+          <a:stretch>
+            <a:fillRect/>
+          </a:stretch>
+        </p:blipFill>
+        <p:spPr>
+          <a:xfrm>
+            <a:off x="0" y="612876"/>
+            <a:ext cx="12192000" cy="5632247"/>
+          </a:xfrm>
+          <a:prstGeom prst="rect">
+            <a:avLst/>
+          </a:prstGeom>
+        </p:spPr>
+      </p:pic>
+      <p:sp>
+        <p:nvSpPr>
+          <p:cNvPr id="5" name="Rectangle 4"/>
+          <p:cNvSpPr/>
+          <p:nvPr/>
+        </p:nvSpPr>
+        <p:spPr>
+          <a:xfrm>
+            <a:off x="9152239" y="850211"/>
+            <a:ext cx="2776150" cy="738664"/>
+          </a:xfrm>
+          <a:prstGeom prst="rect">
+            <a:avLst/>
+          </a:prstGeom>
+          <a:solidFill>
+            <a:schemeClr val="accent4">
+              <a:lumMod val="20000"/>
+              <a:lumOff val="80000"/>
+            </a:schemeClr>
+          </a:solidFill>
+        </p:spPr>
+        <p:txBody>
+          <a:bodyPr wrap="square">
+            <a:spAutoFit/>
+          </a:bodyPr>
+          <a:lstStyle/>
+          <a:p>
+            <a:r>
+              <a:rPr lang="en-US" sz="1400" dirty="0"/>
+              <a:t>Open a ZIP file in Windows Explorer and close it or open a folder in the same window</a:t>
+            </a:r>
           </a:p>
         </p:txBody>
       </p:sp>
     </p:spTree>
     <p:extLst>
       <p:ext uri="{BB962C8B-B14F-4D97-AF65-F5344CB8AC3E}">
-        <p14:creationId xmlns:p14="http://schemas.microsoft.com/office/powerpoint/2010/main" val="4165059793"/>
+        <p14:creationId xmlns:p14="http://schemas.microsoft.com/office/powerpoint/2010/main" val="2217990681"/>
       </p:ext>
     </p:extLst>
   </p:cSld>
@@ -11452,130 +12177,147 @@
           <a:chExt cx="0" cy="0"/>
         </a:xfrm>
       </p:grpSpPr>
-      <p:sp>
-        <p:nvSpPr>
-          <p:cNvPr id="2" name="Title 1"/>
-          <p:cNvSpPr>
-            <a:spLocks noGrp="1"/>
-          </p:cNvSpPr>
-          <p:nvPr>
-            <p:ph type="title"/>
-          </p:nvPr>
-        </p:nvSpPr>
-        <p:spPr/>
-        <p:txBody>
-          <a:bodyPr/>
-          <a:lstStyle/>
-          <a:p>
-            <a:r>
-              <a:rPr lang="en-US" dirty="0"/>
-              <a:t>What is Jump Lists?</a:t>
-            </a:r>
-          </a:p>
-        </p:txBody>
-      </p:sp>
-      <p:sp>
-        <p:nvSpPr>
-          <p:cNvPr id="3" name="Content Placeholder 2"/>
-          <p:cNvSpPr>
-            <a:spLocks noGrp="1"/>
-          </p:cNvSpPr>
-          <p:nvPr>
-            <p:ph idx="1"/>
-          </p:nvPr>
-        </p:nvSpPr>
+      <p:pic>
+        <p:nvPicPr>
+          <p:cNvPr id="3" name="Picture 2"/>
+          <p:cNvPicPr>
+            <a:picLocks noChangeAspect="1"/>
+          </p:cNvPicPr>
+          <p:nvPr/>
+        </p:nvPicPr>
+        <p:blipFill rotWithShape="1">
+          <a:blip r:embed="rId3"/>
+          <a:srcRect r="59874"/>
+          <a:stretch/>
+        </p:blipFill>
         <p:spPr>
           <a:xfrm>
-            <a:off x="838199" y="1825625"/>
-            <a:ext cx="9429427" cy="4351338"/>
+            <a:off x="1383955" y="96547"/>
+            <a:ext cx="6466704" cy="2780413"/>
           </a:xfrm>
+          <a:prstGeom prst="rect">
+            <a:avLst/>
+          </a:prstGeom>
         </p:spPr>
-        <p:txBody>
-          <a:bodyPr>
-            <a:normAutofit/>
+      </p:pic>
+      <p:pic>
+        <p:nvPicPr>
+          <p:cNvPr id="4" name="Picture 3"/>
+          <p:cNvPicPr>
+            <a:picLocks noChangeAspect="1"/>
+          </p:cNvPicPr>
+          <p:nvPr/>
+        </p:nvPicPr>
+        <p:blipFill rotWithShape="1">
+          <a:blip r:embed="rId3"/>
+          <a:srcRect l="49467"/>
+          <a:stretch/>
+        </p:blipFill>
+        <p:spPr>
+          <a:xfrm>
+            <a:off x="1383955" y="3366122"/>
+            <a:ext cx="8888629" cy="3034678"/>
+          </a:xfrm>
+          <a:prstGeom prst="rect">
+            <a:avLst/>
+          </a:prstGeom>
+        </p:spPr>
+      </p:pic>
+      <p:sp>
+        <p:nvSpPr>
+          <p:cNvPr id="5" name="Up-Down Arrow 4"/>
+          <p:cNvSpPr/>
+          <p:nvPr/>
+        </p:nvSpPr>
+        <p:spPr>
+          <a:xfrm>
+            <a:off x="4366054" y="2925409"/>
+            <a:ext cx="156519" cy="392263"/>
+          </a:xfrm>
+          <a:prstGeom prst="upDownArrow">
+            <a:avLst/>
+          </a:prstGeom>
+          <a:solidFill>
+            <a:srgbClr val="FF0000"/>
+          </a:solidFill>
+          <a:ln>
+            <a:solidFill>
+              <a:srgbClr val="FF0000"/>
+            </a:solidFill>
+          </a:ln>
+        </p:spPr>
+        <p:style>
+          <a:lnRef idx="2">
+            <a:schemeClr val="accent1">
+              <a:shade val="50000"/>
+            </a:schemeClr>
+          </a:lnRef>
+          <a:fillRef idx="1">
+            <a:schemeClr val="accent1"/>
+          </a:fillRef>
+          <a:effectRef idx="0">
+            <a:schemeClr val="accent1"/>
+          </a:effectRef>
+          <a:fontRef idx="minor">
+            <a:schemeClr val="lt1"/>
+          </a:fontRef>
+        </p:style>
+        <p:txBody>
+          <a:bodyPr rtlCol="0" anchor="ctr"/>
+          <a:lstStyle/>
+          <a:p>
+            <a:pPr algn="ctr"/>
+            <a:endParaRPr lang="en-US">
+              <a:solidFill>
+                <a:srgbClr val="FF0000"/>
+              </a:solidFill>
+            </a:endParaRPr>
+          </a:p>
+        </p:txBody>
+      </p:sp>
+      <p:sp>
+        <p:nvSpPr>
+          <p:cNvPr id="6" name="TextBox 5">
+            <a:extLst>
+              <a:ext uri="{FF2B5EF4-FFF2-40B4-BE49-F238E27FC236}">
+                <a16:creationId xmlns:a16="http://schemas.microsoft.com/office/drawing/2014/main" id="{86A3ABD9-0DCA-4F80-918D-A7AF8D436DBC}"/>
+              </a:ext>
+            </a:extLst>
+          </p:cNvPr>
+          <p:cNvSpPr txBox="1"/>
+          <p:nvPr/>
+        </p:nvSpPr>
+        <p:spPr>
+          <a:xfrm>
+            <a:off x="8280051" y="576873"/>
+            <a:ext cx="2527994" cy="646331"/>
+          </a:xfrm>
+          <a:prstGeom prst="rect">
+            <a:avLst/>
+          </a:prstGeom>
+          <a:noFill/>
+        </p:spPr>
+        <p:txBody>
+          <a:bodyPr wrap="square">
+            <a:spAutoFit/>
           </a:bodyPr>
           <a:lstStyle/>
           <a:p>
             <a:r>
-              <a:rPr lang="en-GB" dirty="0"/>
-              <a:t>Allow users “jump” directly to recently </a:t>
-            </a:r>
-            <a:r>
-              <a:rPr lang="en-GB" dirty="0">
+              <a:rPr lang="en-US" dirty="0"/>
+              <a:t>Note:</a:t>
+            </a:r>
+            <a:r>
+              <a:rPr lang="en-US" dirty="0">
                 <a:solidFill>
                   <a:srgbClr val="FF0000"/>
                 </a:solidFill>
               </a:rPr>
-              <a:t>opened</a:t>
-            </a:r>
-            <a:r>
-              <a:rPr lang="en-GB" dirty="0"/>
-              <a:t> files and folders</a:t>
-            </a:r>
-          </a:p>
-          <a:p>
-            <a:pPr lvl="1"/>
-            <a:r>
-              <a:rPr lang="en-US" dirty="0"/>
-              <a:t>Provide users a graphical indication of recent items accessed by each application</a:t>
-            </a:r>
-          </a:p>
-          <a:p>
-            <a:r>
-              <a:rPr lang="en-GB" dirty="0"/>
-              <a:t>Created by </a:t>
-            </a:r>
-            <a:r>
-              <a:rPr lang="en-GB" i="1" dirty="0">
-                <a:solidFill>
-                  <a:srgbClr val="7030A0"/>
-                </a:solidFill>
-              </a:rPr>
-              <a:t>software applications </a:t>
-            </a:r>
-            <a:r>
-              <a:rPr lang="en-GB" dirty="0"/>
-              <a:t>or </a:t>
-            </a:r>
-            <a:r>
-              <a:rPr lang="en-GB" i="1" dirty="0">
-                <a:solidFill>
-                  <a:srgbClr val="7030A0"/>
-                </a:solidFill>
-              </a:rPr>
-              <a:t>OS</a:t>
-            </a:r>
-            <a:endParaRPr lang="en-US" dirty="0">
-              <a:solidFill>
-                <a:srgbClr val="FF0000"/>
-              </a:solidFill>
-            </a:endParaRPr>
-          </a:p>
-          <a:p>
-            <a:pPr lvl="1"/>
-            <a:r>
-              <a:rPr lang="en-GB" dirty="0"/>
-              <a:t>group them as per application basis within user’s profile</a:t>
-            </a:r>
-          </a:p>
-          <a:p>
-            <a:r>
-              <a:rPr lang="en-GB" dirty="0"/>
-              <a:t>Provide more information than MRU</a:t>
-            </a:r>
-            <a:endParaRPr lang="en-US" dirty="0"/>
-          </a:p>
-          <a:p>
-            <a:r>
-              <a:rPr lang="en-US" dirty="0"/>
-              <a:t>Windows 7+</a:t>
-            </a:r>
-          </a:p>
-          <a:p>
-            <a:pPr lvl="1"/>
-            <a:r>
-              <a:rPr lang="en-US" dirty="0"/>
-              <a:t>The service itself can be configured by the user</a:t>
+              <a:t> E </a:t>
+            </a:r>
+            <a:r>
+              <a:rPr lang="en-US" dirty="0"/>
+              <a:t>drive is a USB/RM#2</a:t>
             </a:r>
           </a:p>
         </p:txBody>
@@ -11583,7 +12325,7 @@
     </p:spTree>
     <p:extLst>
       <p:ext uri="{BB962C8B-B14F-4D97-AF65-F5344CB8AC3E}">
-        <p14:creationId xmlns:p14="http://schemas.microsoft.com/office/powerpoint/2010/main" val="3308752769"/>
+        <p14:creationId xmlns:p14="http://schemas.microsoft.com/office/powerpoint/2010/main" val="2092135752"/>
       </p:ext>
     </p:extLst>
   </p:cSld>
@@ -11612,6 +12354,422 @@
       </p:grpSpPr>
       <p:sp>
         <p:nvSpPr>
+          <p:cNvPr id="2" name="Title 1">
+            <a:extLst>
+              <a:ext uri="{FF2B5EF4-FFF2-40B4-BE49-F238E27FC236}">
+                <a16:creationId xmlns:a16="http://schemas.microsoft.com/office/drawing/2014/main" id="{FF14DE0E-73EE-439A-B697-9565C9CC5746}"/>
+              </a:ext>
+            </a:extLst>
+          </p:cNvPr>
+          <p:cNvSpPr>
+            <a:spLocks noGrp="1"/>
+          </p:cNvSpPr>
+          <p:nvPr>
+            <p:ph type="title"/>
+          </p:nvPr>
+        </p:nvSpPr>
+        <p:spPr/>
+        <p:txBody>
+          <a:bodyPr/>
+          <a:lstStyle/>
+          <a:p>
+            <a:r>
+              <a:rPr lang="en-US" dirty="0">
+                <a:solidFill>
+                  <a:srgbClr val="FF0000"/>
+                </a:solidFill>
+              </a:rPr>
+              <a:t>26. </a:t>
+            </a:r>
+            <a:r>
+              <a:rPr lang="en-US" dirty="0"/>
+              <a:t>List all </a:t>
+            </a:r>
+            <a:r>
+              <a:rPr lang="en-US" dirty="0">
+                <a:solidFill>
+                  <a:srgbClr val="FF0000"/>
+                </a:solidFill>
+              </a:rPr>
+              <a:t>files</a:t>
+            </a:r>
+            <a:r>
+              <a:rPr lang="en-US" dirty="0"/>
+              <a:t> that were opened in ‘RM#2’.</a:t>
+            </a:r>
+          </a:p>
+        </p:txBody>
+      </p:sp>
+      <p:sp>
+        <p:nvSpPr>
+          <p:cNvPr id="3" name="Content Placeholder 2">
+            <a:extLst>
+              <a:ext uri="{FF2B5EF4-FFF2-40B4-BE49-F238E27FC236}">
+                <a16:creationId xmlns:a16="http://schemas.microsoft.com/office/drawing/2014/main" id="{930DED48-1F33-42F5-9B37-E9EC2C8E5F45}"/>
+              </a:ext>
+            </a:extLst>
+          </p:cNvPr>
+          <p:cNvSpPr>
+            <a:spLocks noGrp="1"/>
+          </p:cNvSpPr>
+          <p:nvPr>
+            <p:ph idx="1"/>
+          </p:nvPr>
+        </p:nvSpPr>
+        <p:spPr/>
+        <p:txBody>
+          <a:bodyPr/>
+          <a:lstStyle/>
+          <a:p>
+            <a:r>
+              <a:rPr lang="en-US" dirty="0"/>
+              <a:t>What is Jump Lists?</a:t>
+            </a:r>
+          </a:p>
+          <a:p>
+            <a:r>
+              <a:rPr lang="en-US"/>
+              <a:t>Analysis </a:t>
+            </a:r>
+            <a:r>
+              <a:rPr lang="en-US" dirty="0"/>
+              <a:t>of Jump Lists</a:t>
+            </a:r>
+          </a:p>
+          <a:p>
+            <a:endParaRPr lang="en-US" dirty="0"/>
+          </a:p>
+        </p:txBody>
+      </p:sp>
+    </p:spTree>
+    <p:extLst>
+      <p:ext uri="{BB962C8B-B14F-4D97-AF65-F5344CB8AC3E}">
+        <p14:creationId xmlns:p14="http://schemas.microsoft.com/office/powerpoint/2010/main" val="4165059793"/>
+      </p:ext>
+    </p:extLst>
+  </p:cSld>
+  <p:clrMapOvr>
+    <a:masterClrMapping/>
+  </p:clrMapOvr>
+</p:sld>
+</file>
+
+<file path=ppt/slides/slide23.xml><?xml version="1.0" encoding="utf-8"?>
+<p:sld xmlns:a="http://schemas.openxmlformats.org/drawingml/2006/main" xmlns:r="http://schemas.openxmlformats.org/officeDocument/2006/relationships" xmlns:p="http://schemas.openxmlformats.org/presentationml/2006/main">
+  <p:cSld>
+    <p:spTree>
+      <p:nvGrpSpPr>
+        <p:cNvPr id="1" name=""/>
+        <p:cNvGrpSpPr/>
+        <p:nvPr/>
+      </p:nvGrpSpPr>
+      <p:grpSpPr>
+        <a:xfrm>
+          <a:off x="0" y="0"/>
+          <a:ext cx="0" cy="0"/>
+          <a:chOff x="0" y="0"/>
+          <a:chExt cx="0" cy="0"/>
+        </a:xfrm>
+      </p:grpSpPr>
+      <p:sp>
+        <p:nvSpPr>
+          <p:cNvPr id="2" name="Title 1"/>
+          <p:cNvSpPr>
+            <a:spLocks noGrp="1"/>
+          </p:cNvSpPr>
+          <p:nvPr>
+            <p:ph type="title"/>
+          </p:nvPr>
+        </p:nvSpPr>
+        <p:spPr/>
+        <p:txBody>
+          <a:bodyPr/>
+          <a:lstStyle/>
+          <a:p>
+            <a:r>
+              <a:rPr lang="en-US" dirty="0"/>
+              <a:t>What is Jump Lists (1)?</a:t>
+            </a:r>
+          </a:p>
+        </p:txBody>
+      </p:sp>
+      <p:sp>
+        <p:nvSpPr>
+          <p:cNvPr id="3" name="Content Placeholder 2"/>
+          <p:cNvSpPr>
+            <a:spLocks noGrp="1"/>
+          </p:cNvSpPr>
+          <p:nvPr>
+            <p:ph idx="1"/>
+          </p:nvPr>
+        </p:nvSpPr>
+        <p:spPr>
+          <a:xfrm>
+            <a:off x="838199" y="1825625"/>
+            <a:ext cx="9429427" cy="4351338"/>
+          </a:xfrm>
+        </p:spPr>
+        <p:txBody>
+          <a:bodyPr>
+            <a:normAutofit/>
+          </a:bodyPr>
+          <a:lstStyle/>
+          <a:p>
+            <a:r>
+              <a:rPr lang="en-GB" dirty="0"/>
+              <a:t>Allow users “jump” directly to recently </a:t>
+            </a:r>
+            <a:r>
+              <a:rPr lang="en-GB" dirty="0">
+                <a:solidFill>
+                  <a:srgbClr val="FF0000"/>
+                </a:solidFill>
+              </a:rPr>
+              <a:t>opened</a:t>
+            </a:r>
+            <a:r>
+              <a:rPr lang="en-GB" dirty="0"/>
+              <a:t> files and folders</a:t>
+            </a:r>
+          </a:p>
+          <a:p>
+            <a:pPr lvl="1"/>
+            <a:r>
+              <a:rPr lang="en-US" dirty="0"/>
+              <a:t>Provide users a graphical indication of recent items accessed by each application</a:t>
+            </a:r>
+          </a:p>
+          <a:p>
+            <a:pPr lvl="1"/>
+            <a:r>
+              <a:rPr lang="en-GB" dirty="0"/>
+              <a:t>Windows uses the same mechanics to open an item on a jump list as it does when you open a program by </a:t>
+            </a:r>
+            <a:r>
+              <a:rPr lang="en-GB" dirty="0">
+                <a:solidFill>
+                  <a:srgbClr val="FF0000"/>
+                </a:solidFill>
+              </a:rPr>
+              <a:t>double clicking </a:t>
+            </a:r>
+            <a:r>
+              <a:rPr lang="en-GB" dirty="0"/>
+              <a:t>a shortcut on your Desktop.</a:t>
+            </a:r>
+          </a:p>
+          <a:p>
+            <a:r>
+              <a:rPr lang="en-GB" dirty="0"/>
+              <a:t>Jump lists are a collection of </a:t>
+            </a:r>
+            <a:r>
+              <a:rPr lang="en-GB" i="1" dirty="0" err="1">
+                <a:solidFill>
+                  <a:srgbClr val="7030A0"/>
+                </a:solidFill>
+              </a:rPr>
+              <a:t>lnk</a:t>
+            </a:r>
+            <a:r>
+              <a:rPr lang="en-GB" dirty="0"/>
+              <a:t> files wrapped in a single file. </a:t>
+            </a:r>
+            <a:endParaRPr lang="en-US" dirty="0"/>
+          </a:p>
+        </p:txBody>
+      </p:sp>
+    </p:spTree>
+    <p:extLst>
+      <p:ext uri="{BB962C8B-B14F-4D97-AF65-F5344CB8AC3E}">
+        <p14:creationId xmlns:p14="http://schemas.microsoft.com/office/powerpoint/2010/main" val="2383960421"/>
+      </p:ext>
+    </p:extLst>
+  </p:cSld>
+  <p:clrMapOvr>
+    <a:masterClrMapping/>
+  </p:clrMapOvr>
+</p:sld>
+</file>
+
+<file path=ppt/slides/slide24.xml><?xml version="1.0" encoding="utf-8"?>
+<p:sld xmlns:a="http://schemas.openxmlformats.org/drawingml/2006/main" xmlns:r="http://schemas.openxmlformats.org/officeDocument/2006/relationships" xmlns:p="http://schemas.openxmlformats.org/presentationml/2006/main">
+  <p:cSld>
+    <p:spTree>
+      <p:nvGrpSpPr>
+        <p:cNvPr id="1" name=""/>
+        <p:cNvGrpSpPr/>
+        <p:nvPr/>
+      </p:nvGrpSpPr>
+      <p:grpSpPr>
+        <a:xfrm>
+          <a:off x="0" y="0"/>
+          <a:ext cx="0" cy="0"/>
+          <a:chOff x="0" y="0"/>
+          <a:chExt cx="0" cy="0"/>
+        </a:xfrm>
+      </p:grpSpPr>
+      <p:sp>
+        <p:nvSpPr>
+          <p:cNvPr id="2" name="Title 1"/>
+          <p:cNvSpPr>
+            <a:spLocks noGrp="1"/>
+          </p:cNvSpPr>
+          <p:nvPr>
+            <p:ph type="title"/>
+          </p:nvPr>
+        </p:nvSpPr>
+        <p:spPr/>
+        <p:txBody>
+          <a:bodyPr/>
+          <a:lstStyle/>
+          <a:p>
+            <a:r>
+              <a:rPr lang="en-US" dirty="0"/>
+              <a:t>What is Jump Lists (2)?</a:t>
+            </a:r>
+          </a:p>
+        </p:txBody>
+      </p:sp>
+      <p:sp>
+        <p:nvSpPr>
+          <p:cNvPr id="3" name="Content Placeholder 2"/>
+          <p:cNvSpPr>
+            <a:spLocks noGrp="1"/>
+          </p:cNvSpPr>
+          <p:nvPr>
+            <p:ph idx="1"/>
+          </p:nvPr>
+        </p:nvSpPr>
+        <p:spPr>
+          <a:xfrm>
+            <a:off x="838199" y="1825625"/>
+            <a:ext cx="9429427" cy="4351338"/>
+          </a:xfrm>
+        </p:spPr>
+        <p:txBody>
+          <a:bodyPr>
+            <a:normAutofit/>
+          </a:bodyPr>
+          <a:lstStyle/>
+          <a:p>
+            <a:r>
+              <a:rPr lang="en-GB" dirty="0"/>
+              <a:t>You open a program by </a:t>
+            </a:r>
+            <a:r>
+              <a:rPr lang="en-GB" dirty="0">
+                <a:solidFill>
+                  <a:srgbClr val="FF0000"/>
+                </a:solidFill>
+              </a:rPr>
+              <a:t>double clicking </a:t>
+            </a:r>
+            <a:r>
+              <a:rPr lang="en-GB" dirty="0"/>
+              <a:t>a shortcut on your Desktop.</a:t>
+            </a:r>
+            <a:endParaRPr lang="en-US" dirty="0"/>
+          </a:p>
+          <a:p>
+            <a:r>
+              <a:rPr lang="en-GB" dirty="0"/>
+              <a:t>Created by </a:t>
+            </a:r>
+            <a:r>
+              <a:rPr lang="en-GB" i="1" dirty="0">
+                <a:solidFill>
+                  <a:srgbClr val="7030A0"/>
+                </a:solidFill>
+              </a:rPr>
+              <a:t>software applications </a:t>
+            </a:r>
+            <a:r>
+              <a:rPr lang="en-GB" dirty="0"/>
+              <a:t>or </a:t>
+            </a:r>
+            <a:r>
+              <a:rPr lang="en-GB" i="1" dirty="0">
+                <a:solidFill>
+                  <a:srgbClr val="7030A0"/>
+                </a:solidFill>
+              </a:rPr>
+              <a:t>OS</a:t>
+            </a:r>
+            <a:endParaRPr lang="en-US" dirty="0">
+              <a:solidFill>
+                <a:srgbClr val="FF0000"/>
+              </a:solidFill>
+            </a:endParaRPr>
+          </a:p>
+          <a:p>
+            <a:pPr lvl="1"/>
+            <a:r>
+              <a:rPr lang="en-GB" dirty="0"/>
+              <a:t>group them as per application basis within user’s profile</a:t>
+            </a:r>
+          </a:p>
+          <a:p>
+            <a:pPr lvl="1"/>
+            <a:r>
+              <a:rPr lang="en-GB" dirty="0"/>
+              <a:t>e.g., Ms Word has list of files that recently opened</a:t>
+            </a:r>
+          </a:p>
+          <a:p>
+            <a:r>
+              <a:rPr lang="en-GB" dirty="0"/>
+              <a:t>Provide more information than MRU</a:t>
+            </a:r>
+            <a:endParaRPr lang="en-US" dirty="0"/>
+          </a:p>
+          <a:p>
+            <a:r>
+              <a:rPr lang="en-US" dirty="0"/>
+              <a:t>Windows 7+</a:t>
+            </a:r>
+          </a:p>
+          <a:p>
+            <a:pPr lvl="1"/>
+            <a:r>
+              <a:rPr lang="en-US" dirty="0"/>
+              <a:t>The service itself can be configured by the user</a:t>
+            </a:r>
+          </a:p>
+        </p:txBody>
+      </p:sp>
+    </p:spTree>
+    <p:extLst>
+      <p:ext uri="{BB962C8B-B14F-4D97-AF65-F5344CB8AC3E}">
+        <p14:creationId xmlns:p14="http://schemas.microsoft.com/office/powerpoint/2010/main" val="3308752769"/>
+      </p:ext>
+    </p:extLst>
+  </p:cSld>
+  <p:clrMapOvr>
+    <a:masterClrMapping/>
+  </p:clrMapOvr>
+</p:sld>
+</file>
+
+<file path=ppt/slides/slide25.xml><?xml version="1.0" encoding="utf-8"?>
+<p:sld xmlns:a="http://schemas.openxmlformats.org/drawingml/2006/main" xmlns:r="http://schemas.openxmlformats.org/officeDocument/2006/relationships" xmlns:p="http://schemas.openxmlformats.org/presentationml/2006/main">
+  <p:cSld>
+    <p:spTree>
+      <p:nvGrpSpPr>
+        <p:cNvPr id="1" name=""/>
+        <p:cNvGrpSpPr/>
+        <p:nvPr/>
+      </p:nvGrpSpPr>
+      <p:grpSpPr>
+        <a:xfrm>
+          <a:off x="0" y="0"/>
+          <a:ext cx="0" cy="0"/>
+          <a:chOff x="0" y="0"/>
+          <a:chExt cx="0" cy="0"/>
+        </a:xfrm>
+      </p:grpSpPr>
+      <p:sp>
+        <p:nvSpPr>
           <p:cNvPr id="2" name="Title 1"/>
           <p:cNvSpPr>
             <a:spLocks noGrp="1"/>
@@ -11660,6 +12818,13 @@
           <a:p>
             <a:pPr lvl="1"/>
             <a:r>
+              <a:rPr lang="en-US" dirty="0"/>
+              <a:t>trigged by users’ behaviors (pin)</a:t>
+            </a:r>
+          </a:p>
+          <a:p>
+            <a:pPr lvl="1"/>
+            <a:r>
               <a:rPr lang="en-US" i="1" dirty="0">
                 <a:solidFill>
                   <a:srgbClr val="7030A0"/>
@@ -11704,6 +12869,13 @@
             <a:r>
               <a:rPr lang="en-GB" dirty="0"/>
               <a:t>Created by Windows OS </a:t>
+            </a:r>
+          </a:p>
+          <a:p>
+            <a:pPr lvl="1"/>
+            <a:r>
+              <a:rPr lang="en-GB" dirty="0"/>
+              <a:t>users don’t need to do anything (open a file)</a:t>
             </a:r>
           </a:p>
           <a:p>
@@ -11771,8 +12943,8 @@
         </p:blipFill>
         <p:spPr>
           <a:xfrm>
-            <a:off x="8679838" y="1280160"/>
-            <a:ext cx="2243905" cy="5455629"/>
+            <a:off x="10466004" y="1"/>
+            <a:ext cx="1542621" cy="3750590"/>
           </a:xfrm>
           <a:prstGeom prst="rect">
             <a:avLst/>
@@ -11794,9 +12966,110 @@
           <p:nvPr/>
         </p:nvCxnSpPr>
         <p:spPr>
+          <a:xfrm flipV="1">
+            <a:off x="7183464" y="1690688"/>
+            <a:ext cx="3282540" cy="1021515"/>
+          </a:xfrm>
+          <a:prstGeom prst="straightConnector1">
+            <a:avLst/>
+          </a:prstGeom>
+          <a:ln>
+            <a:tailEnd type="triangle"/>
+          </a:ln>
+        </p:spPr>
+        <p:style>
+          <a:lnRef idx="1">
+            <a:schemeClr val="accent2"/>
+          </a:lnRef>
+          <a:fillRef idx="0">
+            <a:schemeClr val="accent2"/>
+          </a:fillRef>
+          <a:effectRef idx="0">
+            <a:schemeClr val="accent2"/>
+          </a:effectRef>
+          <a:fontRef idx="minor">
+            <a:schemeClr val="tx1"/>
+          </a:fontRef>
+        </p:style>
+      </p:cxnSp>
+      <p:pic>
+        <p:nvPicPr>
+          <p:cNvPr id="7" name="Picture 6">
+            <a:extLst>
+              <a:ext uri="{FF2B5EF4-FFF2-40B4-BE49-F238E27FC236}">
+                <a16:creationId xmlns:a16="http://schemas.microsoft.com/office/drawing/2014/main" id="{643E647C-F05F-4283-9EF8-25810D4553C5}"/>
+              </a:ext>
+            </a:extLst>
+          </p:cNvPr>
+          <p:cNvPicPr>
+            <a:picLocks noChangeAspect="1"/>
+          </p:cNvPicPr>
+          <p:nvPr/>
+        </p:nvPicPr>
+        <p:blipFill>
+          <a:blip r:embed="rId4"/>
+          <a:stretch>
+            <a:fillRect/>
+          </a:stretch>
+        </p:blipFill>
+        <p:spPr>
           <a:xfrm>
-            <a:off x="7183464" y="2712203"/>
-            <a:ext cx="3425126" cy="1022889"/>
+            <a:off x="8054693" y="4206330"/>
+            <a:ext cx="3091912" cy="920144"/>
+          </a:xfrm>
+          <a:prstGeom prst="rect">
+            <a:avLst/>
+          </a:prstGeom>
+        </p:spPr>
+      </p:pic>
+      <p:pic>
+        <p:nvPicPr>
+          <p:cNvPr id="13" name="Picture 12">
+            <a:extLst>
+              <a:ext uri="{FF2B5EF4-FFF2-40B4-BE49-F238E27FC236}">
+                <a16:creationId xmlns:a16="http://schemas.microsoft.com/office/drawing/2014/main" id="{3443D858-ADB8-41F5-8F57-6182344649BA}"/>
+              </a:ext>
+            </a:extLst>
+          </p:cNvPr>
+          <p:cNvPicPr>
+            <a:picLocks noChangeAspect="1"/>
+          </p:cNvPicPr>
+          <p:nvPr/>
+        </p:nvPicPr>
+        <p:blipFill>
+          <a:blip r:embed="rId5"/>
+          <a:stretch>
+            <a:fillRect/>
+          </a:stretch>
+        </p:blipFill>
+        <p:spPr>
+          <a:xfrm>
+            <a:off x="838199" y="5227845"/>
+            <a:ext cx="10435718" cy="1436426"/>
+          </a:xfrm>
+          <a:prstGeom prst="rect">
+            <a:avLst/>
+          </a:prstGeom>
+        </p:spPr>
+      </p:pic>
+      <p:cxnSp>
+        <p:nvCxnSpPr>
+          <p:cNvPr id="14" name="Straight Arrow Connector 13">
+            <a:extLst>
+              <a:ext uri="{FF2B5EF4-FFF2-40B4-BE49-F238E27FC236}">
+                <a16:creationId xmlns:a16="http://schemas.microsoft.com/office/drawing/2014/main" id="{98AA1EC4-1CEA-49AF-A9E5-5708F9B31D18}"/>
+              </a:ext>
+            </a:extLst>
+          </p:cNvPr>
+          <p:cNvCxnSpPr>
+            <a:cxnSpLocks/>
+          </p:cNvCxnSpPr>
+          <p:nvPr/>
+        </p:nvCxnSpPr>
+        <p:spPr>
+          <a:xfrm>
+            <a:off x="7183464" y="4104959"/>
+            <a:ext cx="1146875" cy="164826"/>
           </a:xfrm>
           <a:prstGeom prst="straightConnector1">
             <a:avLst/>
@@ -11833,326 +13106,7 @@
 </p:sld>
 </file>
 
-<file path=ppt/slides/slide23.xml><?xml version="1.0" encoding="utf-8"?>
-<p:sld xmlns:a="http://schemas.openxmlformats.org/drawingml/2006/main" xmlns:r="http://schemas.openxmlformats.org/officeDocument/2006/relationships" xmlns:p="http://schemas.openxmlformats.org/presentationml/2006/main">
-  <p:cSld>
-    <p:spTree>
-      <p:nvGrpSpPr>
-        <p:cNvPr id="1" name=""/>
-        <p:cNvGrpSpPr/>
-        <p:nvPr/>
-      </p:nvGrpSpPr>
-      <p:grpSpPr>
-        <a:xfrm>
-          <a:off x="0" y="0"/>
-          <a:ext cx="0" cy="0"/>
-          <a:chOff x="0" y="0"/>
-          <a:chExt cx="0" cy="0"/>
-        </a:xfrm>
-      </p:grpSpPr>
-      <p:pic>
-        <p:nvPicPr>
-          <p:cNvPr id="3" name="Picture 2"/>
-          <p:cNvPicPr>
-            <a:picLocks noChangeAspect="1"/>
-          </p:cNvPicPr>
-          <p:nvPr/>
-        </p:nvPicPr>
-        <p:blipFill>
-          <a:blip r:embed="rId3"/>
-          <a:stretch>
-            <a:fillRect/>
-          </a:stretch>
-        </p:blipFill>
-        <p:spPr>
-          <a:xfrm>
-            <a:off x="838200" y="2394767"/>
-            <a:ext cx="10570464" cy="1318155"/>
-          </a:xfrm>
-          <a:prstGeom prst="rect">
-            <a:avLst/>
-          </a:prstGeom>
-        </p:spPr>
-      </p:pic>
-      <p:sp>
-        <p:nvSpPr>
-          <p:cNvPr id="6" name="TextBox 5"/>
-          <p:cNvSpPr txBox="1"/>
-          <p:nvPr/>
-        </p:nvSpPr>
-        <p:spPr>
-          <a:xfrm>
-            <a:off x="838200" y="2025435"/>
-            <a:ext cx="2801151" cy="369332"/>
-          </a:xfrm>
-          <a:prstGeom prst="rect">
-            <a:avLst/>
-          </a:prstGeom>
-          <a:solidFill>
-            <a:srgbClr val="FFC000"/>
-          </a:solidFill>
-        </p:spPr>
-        <p:txBody>
-          <a:bodyPr wrap="none" rtlCol="0">
-            <a:spAutoFit/>
-          </a:bodyPr>
-          <a:lstStyle/>
-          <a:p>
-            <a:r>
-              <a:rPr lang="en-US" dirty="0"/>
-              <a:t>Download RM#2 DD images</a:t>
-            </a:r>
-          </a:p>
-        </p:txBody>
-      </p:sp>
-      <p:pic>
-        <p:nvPicPr>
-          <p:cNvPr id="8" name="Picture 7"/>
-          <p:cNvPicPr>
-            <a:picLocks noChangeAspect="1"/>
-          </p:cNvPicPr>
-          <p:nvPr/>
-        </p:nvPicPr>
-        <p:blipFill>
-          <a:blip r:embed="rId4"/>
-          <a:stretch>
-            <a:fillRect/>
-          </a:stretch>
-        </p:blipFill>
-        <p:spPr>
-          <a:xfrm>
-            <a:off x="838200" y="4181240"/>
-            <a:ext cx="8664796" cy="1072179"/>
-          </a:xfrm>
-          <a:prstGeom prst="rect">
-            <a:avLst/>
-          </a:prstGeom>
-        </p:spPr>
-      </p:pic>
-      <p:sp>
-        <p:nvSpPr>
-          <p:cNvPr id="9" name="TextBox 8">
-            <a:extLst>
-              <a:ext uri="{FF2B5EF4-FFF2-40B4-BE49-F238E27FC236}">
-                <a16:creationId xmlns:a16="http://schemas.microsoft.com/office/drawing/2014/main" id="{0A42AD04-B724-4FA6-BB93-BCB5AF0B3D7D}"/>
-              </a:ext>
-            </a:extLst>
-          </p:cNvPr>
-          <p:cNvSpPr txBox="1"/>
-          <p:nvPr/>
-        </p:nvSpPr>
-        <p:spPr>
-          <a:xfrm>
-            <a:off x="2920342" y="2594822"/>
-            <a:ext cx="9112469" cy="338554"/>
-          </a:xfrm>
-          <a:prstGeom prst="rect">
-            <a:avLst/>
-          </a:prstGeom>
-          <a:noFill/>
-        </p:spPr>
-        <p:txBody>
-          <a:bodyPr wrap="square">
-            <a:spAutoFit/>
-          </a:bodyPr>
-          <a:lstStyle/>
-          <a:p>
-            <a:r>
-              <a:rPr lang="en-US" sz="1600" dirty="0">
-                <a:solidFill>
-                  <a:srgbClr val="FF0000"/>
-                </a:solidFill>
-                <a:highlight>
-                  <a:srgbClr val="FFFF00"/>
-                </a:highlight>
-              </a:rPr>
-              <a:t>https://cfreds-archive.nist.gov/data_leakage_case/images/rm%232/cfreds_2015_data_leakage_rm%232.7z</a:t>
-            </a:r>
-          </a:p>
-        </p:txBody>
-      </p:sp>
-      <p:sp>
-        <p:nvSpPr>
-          <p:cNvPr id="2" name="Title 1">
-            <a:extLst>
-              <a:ext uri="{FF2B5EF4-FFF2-40B4-BE49-F238E27FC236}">
-                <a16:creationId xmlns:a16="http://schemas.microsoft.com/office/drawing/2014/main" id="{613B00DF-2049-41DE-ADC5-DC3A19E450CA}"/>
-              </a:ext>
-            </a:extLst>
-          </p:cNvPr>
-          <p:cNvSpPr>
-            <a:spLocks noGrp="1"/>
-          </p:cNvSpPr>
-          <p:nvPr>
-            <p:ph type="title"/>
-          </p:nvPr>
-        </p:nvSpPr>
-        <p:spPr/>
-        <p:txBody>
-          <a:bodyPr/>
-          <a:lstStyle/>
-          <a:p>
-            <a:r>
-              <a:rPr lang="en-US" dirty="0"/>
-              <a:t>Download RM#2</a:t>
-            </a:r>
-          </a:p>
-        </p:txBody>
-      </p:sp>
-    </p:spTree>
-    <p:extLst>
-      <p:ext uri="{BB962C8B-B14F-4D97-AF65-F5344CB8AC3E}">
-        <p14:creationId xmlns:p14="http://schemas.microsoft.com/office/powerpoint/2010/main" val="2694751075"/>
-      </p:ext>
-    </p:extLst>
-  </p:cSld>
-  <p:clrMapOvr>
-    <a:masterClrMapping/>
-  </p:clrMapOvr>
-</p:sld>
-</file>
-
-<file path=ppt/slides/slide24.xml><?xml version="1.0" encoding="utf-8"?>
-<p:sld xmlns:a="http://schemas.openxmlformats.org/drawingml/2006/main" xmlns:r="http://schemas.openxmlformats.org/officeDocument/2006/relationships" xmlns:p="http://schemas.openxmlformats.org/presentationml/2006/main">
-  <p:cSld>
-    <p:spTree>
-      <p:nvGrpSpPr>
-        <p:cNvPr id="1" name=""/>
-        <p:cNvGrpSpPr/>
-        <p:nvPr/>
-      </p:nvGrpSpPr>
-      <p:grpSpPr>
-        <a:xfrm>
-          <a:off x="0" y="0"/>
-          <a:ext cx="0" cy="0"/>
-          <a:chOff x="0" y="0"/>
-          <a:chExt cx="0" cy="0"/>
-        </a:xfrm>
-      </p:grpSpPr>
-      <p:pic>
-        <p:nvPicPr>
-          <p:cNvPr id="3" name="Picture 2"/>
-          <p:cNvPicPr>
-            <a:picLocks noChangeAspect="1"/>
-          </p:cNvPicPr>
-          <p:nvPr/>
-        </p:nvPicPr>
-        <p:blipFill>
-          <a:blip r:embed="rId3"/>
-          <a:stretch>
-            <a:fillRect/>
-          </a:stretch>
-        </p:blipFill>
-        <p:spPr>
-          <a:xfrm>
-            <a:off x="813816" y="1545404"/>
-            <a:ext cx="6729984" cy="1384131"/>
-          </a:xfrm>
-          <a:prstGeom prst="rect">
-            <a:avLst/>
-          </a:prstGeom>
-        </p:spPr>
-      </p:pic>
-      <p:pic>
-        <p:nvPicPr>
-          <p:cNvPr id="4" name="Picture 3"/>
-          <p:cNvPicPr>
-            <a:picLocks noChangeAspect="1"/>
-          </p:cNvPicPr>
-          <p:nvPr/>
-        </p:nvPicPr>
-        <p:blipFill>
-          <a:blip r:embed="rId4"/>
-          <a:stretch>
-            <a:fillRect/>
-          </a:stretch>
-        </p:blipFill>
-        <p:spPr>
-          <a:xfrm>
-            <a:off x="813816" y="3619498"/>
-            <a:ext cx="8824725" cy="1021168"/>
-          </a:xfrm>
-          <a:prstGeom prst="rect">
-            <a:avLst/>
-          </a:prstGeom>
-        </p:spPr>
-      </p:pic>
-      <p:sp>
-        <p:nvSpPr>
-          <p:cNvPr id="5" name="TextBox 4"/>
-          <p:cNvSpPr txBox="1"/>
-          <p:nvPr/>
-        </p:nvSpPr>
-        <p:spPr>
-          <a:xfrm>
-            <a:off x="813816" y="1176072"/>
-            <a:ext cx="2382062" cy="369332"/>
-          </a:xfrm>
-          <a:prstGeom prst="rect">
-            <a:avLst/>
-          </a:prstGeom>
-          <a:solidFill>
-            <a:srgbClr val="FFC000"/>
-          </a:solidFill>
-        </p:spPr>
-        <p:txBody>
-          <a:bodyPr wrap="none" rtlCol="0">
-            <a:spAutoFit/>
-          </a:bodyPr>
-          <a:lstStyle/>
-          <a:p>
-            <a:r>
-              <a:rPr lang="en-US"/>
-              <a:t>unzipped the DD image</a:t>
-            </a:r>
-          </a:p>
-        </p:txBody>
-      </p:sp>
-      <p:sp>
-        <p:nvSpPr>
-          <p:cNvPr id="6" name="TextBox 5"/>
-          <p:cNvSpPr txBox="1"/>
-          <p:nvPr/>
-        </p:nvSpPr>
-        <p:spPr>
-          <a:xfrm>
-            <a:off x="813816" y="3250166"/>
-            <a:ext cx="2979277" cy="369332"/>
-          </a:xfrm>
-          <a:prstGeom prst="rect">
-            <a:avLst/>
-          </a:prstGeom>
-          <a:solidFill>
-            <a:srgbClr val="FFC000"/>
-          </a:solidFill>
-        </p:spPr>
-        <p:txBody>
-          <a:bodyPr wrap="none" rtlCol="0">
-            <a:spAutoFit/>
-          </a:bodyPr>
-          <a:lstStyle/>
-          <a:p>
-            <a:r>
-              <a:rPr lang="en-US"/>
-              <a:t>Verify the unzipped DD image</a:t>
-            </a:r>
-          </a:p>
-        </p:txBody>
-      </p:sp>
-    </p:spTree>
-    <p:extLst>
-      <p:ext uri="{BB962C8B-B14F-4D97-AF65-F5344CB8AC3E}">
-        <p14:creationId xmlns:p14="http://schemas.microsoft.com/office/powerpoint/2010/main" val="3589444918"/>
-      </p:ext>
-    </p:extLst>
-  </p:cSld>
-  <p:clrMapOvr>
-    <a:masterClrMapping/>
-  </p:clrMapOvr>
-</p:sld>
-</file>
-
-<file path=ppt/slides/slide25.xml><?xml version="1.0" encoding="utf-8"?>
+<file path=ppt/slides/slide26.xml><?xml version="1.0" encoding="utf-8"?>
 <p:sld xmlns:a="http://schemas.openxmlformats.org/drawingml/2006/main" xmlns:r="http://schemas.openxmlformats.org/officeDocument/2006/relationships" xmlns:p="http://schemas.openxmlformats.org/presentationml/2006/main">
   <p:cSld>
     <p:spTree>
@@ -12279,7 +13233,7 @@
 </p:sld>
 </file>
 
-<file path=ppt/slides/slide26.xml><?xml version="1.0" encoding="utf-8"?>
+<file path=ppt/slides/slide27.xml><?xml version="1.0" encoding="utf-8"?>
 <p:sld xmlns:a="http://schemas.openxmlformats.org/drawingml/2006/main" xmlns:r="http://schemas.openxmlformats.org/officeDocument/2006/relationships" xmlns:p="http://schemas.openxmlformats.org/presentationml/2006/main">
   <p:cSld>
     <p:spTree>
@@ -12503,7 +13457,7 @@
 </p:sld>
 </file>
 
-<file path=ppt/slides/slide27.xml><?xml version="1.0" encoding="utf-8"?>
+<file path=ppt/slides/slide28.xml><?xml version="1.0" encoding="utf-8"?>
 <p:sld xmlns:a="http://schemas.openxmlformats.org/drawingml/2006/main" xmlns:r="http://schemas.openxmlformats.org/officeDocument/2006/relationships" xmlns:p="http://schemas.openxmlformats.org/presentationml/2006/main">
   <p:cSld>
     <p:spTree>
@@ -12709,7 +13663,7 @@
 </p:sld>
 </file>
 
-<file path=ppt/slides/slide28.xml><?xml version="1.0" encoding="utf-8"?>
+<file path=ppt/slides/slide29.xml><?xml version="1.0" encoding="utf-8"?>
 <p:sld xmlns:a="http://schemas.openxmlformats.org/drawingml/2006/main" xmlns:r="http://schemas.openxmlformats.org/officeDocument/2006/relationships" xmlns:p="http://schemas.openxmlformats.org/presentationml/2006/main">
   <p:cSld>
     <p:spTree>
@@ -12901,186 +13855,6 @@
 </p:sld>
 </file>
 
-<file path=ppt/slides/slide29.xml><?xml version="1.0" encoding="utf-8"?>
-<p:sld xmlns:a="http://schemas.openxmlformats.org/drawingml/2006/main" xmlns:r="http://schemas.openxmlformats.org/officeDocument/2006/relationships" xmlns:p="http://schemas.openxmlformats.org/presentationml/2006/main">
-  <p:cSld>
-    <p:spTree>
-      <p:nvGrpSpPr>
-        <p:cNvPr id="1" name=""/>
-        <p:cNvGrpSpPr/>
-        <p:nvPr/>
-      </p:nvGrpSpPr>
-      <p:grpSpPr>
-        <a:xfrm>
-          <a:off x="0" y="0"/>
-          <a:ext cx="0" cy="0"/>
-          <a:chOff x="0" y="0"/>
-          <a:chExt cx="0" cy="0"/>
-        </a:xfrm>
-      </p:grpSpPr>
-      <p:sp>
-        <p:nvSpPr>
-          <p:cNvPr id="2" name="Title 1"/>
-          <p:cNvSpPr>
-            <a:spLocks noGrp="1"/>
-          </p:cNvSpPr>
-          <p:nvPr>
-            <p:ph type="title"/>
-          </p:nvPr>
-        </p:nvSpPr>
-        <p:spPr/>
-        <p:txBody>
-          <a:bodyPr/>
-          <a:lstStyle/>
-          <a:p>
-            <a:r>
-              <a:rPr lang="en-US" dirty="0"/>
-              <a:t>How to read </a:t>
-            </a:r>
-            <a:r>
-              <a:rPr lang="en-US" i="1" dirty="0" err="1">
-                <a:solidFill>
-                  <a:srgbClr val="7030A0"/>
-                </a:solidFill>
-              </a:rPr>
-              <a:t>AutomaticDestinations-ms</a:t>
-            </a:r>
-            <a:r>
-              <a:rPr lang="en-US" i="1" dirty="0">
-                <a:solidFill>
-                  <a:srgbClr val="7030A0"/>
-                </a:solidFill>
-              </a:rPr>
-              <a:t>?</a:t>
-            </a:r>
-          </a:p>
-        </p:txBody>
-      </p:sp>
-      <p:sp>
-        <p:nvSpPr>
-          <p:cNvPr id="3" name="Content Placeholder 2"/>
-          <p:cNvSpPr>
-            <a:spLocks noGrp="1"/>
-          </p:cNvSpPr>
-          <p:nvPr>
-            <p:ph idx="1"/>
-          </p:nvPr>
-        </p:nvSpPr>
-        <p:spPr/>
-        <p:txBody>
-          <a:bodyPr>
-            <a:normAutofit/>
-          </a:bodyPr>
-          <a:lstStyle/>
-          <a:p>
-            <a:r>
-              <a:rPr lang="en-US" i="1" dirty="0" err="1">
-                <a:solidFill>
-                  <a:srgbClr val="7030A0"/>
-                </a:solidFill>
-              </a:rPr>
-              <a:t>JLECmd</a:t>
-            </a:r>
-            <a:r>
-              <a:rPr lang="en-US" dirty="0"/>
-              <a:t>: Jump List Explorer Command line </a:t>
-            </a:r>
-          </a:p>
-          <a:p>
-            <a:pPr lvl="1"/>
-            <a:r>
-              <a:rPr lang="en-US" dirty="0"/>
-              <a:t>A tool to decode information contained in custom and automatic destinations jump list files found on Windows operating systems</a:t>
-            </a:r>
-          </a:p>
-          <a:p>
-            <a:pPr lvl="2"/>
-            <a:r>
-              <a:rPr lang="en-US" dirty="0"/>
-              <a:t>Windows 7 - 10</a:t>
-            </a:r>
-          </a:p>
-          <a:p>
-            <a:r>
-              <a:rPr lang="en-US" i="1" dirty="0" err="1">
-                <a:solidFill>
-                  <a:srgbClr val="7030A0"/>
-                </a:solidFill>
-              </a:rPr>
-              <a:t>JLECmd</a:t>
-            </a:r>
-            <a:r>
-              <a:rPr lang="en-US" i="1" dirty="0">
-                <a:solidFill>
-                  <a:srgbClr val="7030A0"/>
-                </a:solidFill>
-              </a:rPr>
-              <a:t> </a:t>
-            </a:r>
-            <a:r>
-              <a:rPr lang="en-US" dirty="0"/>
-              <a:t>only runs on Win</a:t>
-            </a:r>
-          </a:p>
-          <a:p>
-            <a:pPr lvl="1"/>
-            <a:r>
-              <a:rPr lang="en-US" dirty="0"/>
-              <a:t>Need </a:t>
-            </a:r>
-            <a:r>
-              <a:rPr lang="en-US" sz="2800" i="1" dirty="0">
-                <a:solidFill>
-                  <a:srgbClr val="7030A0"/>
-                </a:solidFill>
-              </a:rPr>
-              <a:t>Wine</a:t>
-            </a:r>
-            <a:r>
-              <a:rPr lang="en-US" dirty="0"/>
-              <a:t> to run Windows applications on Linux</a:t>
-            </a:r>
-          </a:p>
-          <a:p>
-            <a:r>
-              <a:rPr lang="en-US" dirty="0"/>
-              <a:t>We need to install </a:t>
-            </a:r>
-            <a:r>
-              <a:rPr lang="en-US" i="1" dirty="0">
-                <a:solidFill>
-                  <a:srgbClr val="7030A0"/>
-                </a:solidFill>
-              </a:rPr>
-              <a:t>Wine</a:t>
-            </a:r>
-            <a:r>
-              <a:rPr lang="en-US" dirty="0"/>
-              <a:t> first</a:t>
-            </a:r>
-          </a:p>
-          <a:p>
-            <a:pPr lvl="1"/>
-            <a:r>
-              <a:rPr lang="en-US" dirty="0"/>
-              <a:t>Refer to Wine installation tutorial</a:t>
-            </a:r>
-          </a:p>
-        </p:txBody>
-      </p:sp>
-    </p:spTree>
-    <p:extLst>
-      <p:ext uri="{BB962C8B-B14F-4D97-AF65-F5344CB8AC3E}">
-        <p14:creationId xmlns:p14="http://schemas.microsoft.com/office/powerpoint/2010/main" val="2140732946"/>
-      </p:ext>
-    </p:extLst>
-  </p:cSld>
-  <p:clrMapOvr>
-    <a:masterClrMapping/>
-  </p:clrMapOvr>
-</p:sld>
-</file>
-
 <file path=ppt/slides/slide3.xml><?xml version="1.0" encoding="utf-8"?>
 <p:sld xmlns:a="http://schemas.openxmlformats.org/drawingml/2006/main" xmlns:r="http://schemas.openxmlformats.org/officeDocument/2006/relationships" xmlns:p="http://schemas.openxmlformats.org/presentationml/2006/main">
   <p:cSld>
@@ -13154,7 +13928,7 @@
           <a:p>
             <a:r>
               <a:rPr lang="en-GB" dirty="0"/>
-              <a:t>A network drive or mapped drive is a drive, NAS, or share on another computer or server on the Local Area Network (LAN)</a:t>
+              <a:t>A network drive or mapped drive is a drive, Network Attached Storge (NAS), or share on another computer or server on the Local Area Network (LAN)</a:t>
             </a:r>
           </a:p>
           <a:p>
@@ -13242,63 +14016,224 @@
           <a:chExt cx="0" cy="0"/>
         </a:xfrm>
       </p:grpSpPr>
-      <p:pic>
-        <p:nvPicPr>
-          <p:cNvPr id="2" name="Picture 1"/>
-          <p:cNvPicPr>
-            <a:picLocks noChangeAspect="1"/>
-          </p:cNvPicPr>
-          <p:nvPr/>
-        </p:nvPicPr>
-        <p:blipFill>
-          <a:blip r:embed="rId2"/>
-          <a:stretch>
-            <a:fillRect/>
-          </a:stretch>
-        </p:blipFill>
-        <p:spPr>
-          <a:xfrm>
-            <a:off x="1955296" y="2106867"/>
-            <a:ext cx="7445385" cy="1425063"/>
-          </a:xfrm>
-          <a:prstGeom prst="rect">
-            <a:avLst/>
-          </a:prstGeom>
-        </p:spPr>
-      </p:pic>
-      <p:sp>
-        <p:nvSpPr>
-          <p:cNvPr id="3" name="TextBox 2">
-            <a:extLst>
-              <a:ext uri="{FF2B5EF4-FFF2-40B4-BE49-F238E27FC236}">
-                <a16:creationId xmlns:a16="http://schemas.microsoft.com/office/drawing/2014/main" id="{DCC82629-2D70-4C74-BA85-98D61B7160D9}"/>
-              </a:ext>
-            </a:extLst>
-          </p:cNvPr>
-          <p:cNvSpPr txBox="1"/>
-          <p:nvPr/>
-        </p:nvSpPr>
-        <p:spPr>
-          <a:xfrm>
-            <a:off x="1955296" y="1737535"/>
-            <a:ext cx="5257800" cy="369332"/>
-          </a:xfrm>
-          <a:prstGeom prst="rect">
-            <a:avLst/>
-          </a:prstGeom>
-          <a:solidFill>
-            <a:srgbClr val="FFC000"/>
-          </a:solidFill>
-        </p:spPr>
-        <p:txBody>
-          <a:bodyPr wrap="square" rtlCol="0">
-            <a:spAutoFit/>
+      <p:sp>
+        <p:nvSpPr>
+          <p:cNvPr id="2" name="Title 1"/>
+          <p:cNvSpPr>
+            <a:spLocks noGrp="1"/>
+          </p:cNvSpPr>
+          <p:nvPr>
+            <p:ph type="title"/>
+          </p:nvPr>
+        </p:nvSpPr>
+        <p:spPr/>
+        <p:txBody>
+          <a:bodyPr/>
+          <a:lstStyle/>
+          <a:p>
+            <a:r>
+              <a:rPr lang="en-US" dirty="0"/>
+              <a:t>How to read </a:t>
+            </a:r>
+            <a:r>
+              <a:rPr lang="en-US" i="1" dirty="0" err="1">
+                <a:solidFill>
+                  <a:srgbClr val="7030A0"/>
+                </a:solidFill>
+              </a:rPr>
+              <a:t>AutomaticDestinations-ms</a:t>
+            </a:r>
+            <a:r>
+              <a:rPr lang="en-US" i="1" dirty="0">
+                <a:solidFill>
+                  <a:srgbClr val="7030A0"/>
+                </a:solidFill>
+              </a:rPr>
+              <a:t>?</a:t>
+            </a:r>
+          </a:p>
+        </p:txBody>
+      </p:sp>
+      <p:sp>
+        <p:nvSpPr>
+          <p:cNvPr id="3" name="Content Placeholder 2"/>
+          <p:cNvSpPr>
+            <a:spLocks noGrp="1"/>
+          </p:cNvSpPr>
+          <p:nvPr>
+            <p:ph idx="1"/>
+          </p:nvPr>
+        </p:nvSpPr>
+        <p:spPr/>
+        <p:txBody>
+          <a:bodyPr>
+            <a:normAutofit/>
           </a:bodyPr>
           <a:lstStyle/>
           <a:p>
             <a:r>
-              <a:rPr lang="en-US" dirty="0"/>
-              <a:t>Test wine installation</a:t>
+              <a:rPr lang="en-US" i="1" dirty="0" err="1">
+                <a:solidFill>
+                  <a:srgbClr val="7030A0"/>
+                </a:solidFill>
+              </a:rPr>
+              <a:t>JLECmd</a:t>
+            </a:r>
+            <a:r>
+              <a:rPr lang="en-US" dirty="0"/>
+              <a:t>: </a:t>
+            </a:r>
+            <a:r>
+              <a:rPr lang="en-US" dirty="0">
+                <a:solidFill>
+                  <a:srgbClr val="FF0000"/>
+                </a:solidFill>
+              </a:rPr>
+              <a:t>J</a:t>
+            </a:r>
+            <a:r>
+              <a:rPr lang="en-US" dirty="0"/>
+              <a:t>ump </a:t>
+            </a:r>
+            <a:r>
+              <a:rPr lang="en-US" dirty="0">
+                <a:solidFill>
+                  <a:srgbClr val="FF0000"/>
+                </a:solidFill>
+              </a:rPr>
+              <a:t>L</a:t>
+            </a:r>
+            <a:r>
+              <a:rPr lang="en-US" dirty="0"/>
+              <a:t>ist </a:t>
+            </a:r>
+            <a:r>
+              <a:rPr lang="en-US" dirty="0">
+                <a:solidFill>
+                  <a:srgbClr val="FF0000"/>
+                </a:solidFill>
+              </a:rPr>
+              <a:t>E</a:t>
+            </a:r>
+            <a:r>
+              <a:rPr lang="en-US" dirty="0"/>
+              <a:t>xplorer </a:t>
+            </a:r>
+            <a:r>
+              <a:rPr lang="en-US" dirty="0">
+                <a:solidFill>
+                  <a:srgbClr val="FF0000"/>
+                </a:solidFill>
+              </a:rPr>
+              <a:t>C</a:t>
+            </a:r>
+            <a:r>
+              <a:rPr lang="en-US" dirty="0"/>
+              <a:t>om</a:t>
+            </a:r>
+            <a:r>
+              <a:rPr lang="en-US" dirty="0">
+                <a:solidFill>
+                  <a:srgbClr val="FF0000"/>
+                </a:solidFill>
+              </a:rPr>
+              <a:t>m</a:t>
+            </a:r>
+            <a:r>
+              <a:rPr lang="en-US" dirty="0"/>
+              <a:t>an</a:t>
+            </a:r>
+            <a:r>
+              <a:rPr lang="en-US" dirty="0">
+                <a:solidFill>
+                  <a:srgbClr val="FF0000"/>
+                </a:solidFill>
+              </a:rPr>
+              <a:t>d</a:t>
+            </a:r>
+            <a:r>
+              <a:rPr lang="en-US" dirty="0"/>
+              <a:t> line </a:t>
+            </a:r>
+          </a:p>
+          <a:p>
+            <a:pPr lvl="1"/>
+            <a:r>
+              <a:rPr lang="en-US" dirty="0"/>
+              <a:t>A tool to decode information contained in custom and automatic destinations jump list files found on Windows operating systems</a:t>
+            </a:r>
+          </a:p>
+          <a:p>
+            <a:pPr lvl="2"/>
+            <a:r>
+              <a:rPr lang="en-US" dirty="0"/>
+              <a:t>Windows 7 - 10</a:t>
+            </a:r>
+          </a:p>
+          <a:p>
+            <a:r>
+              <a:rPr lang="en-US" i="1" dirty="0" err="1">
+                <a:solidFill>
+                  <a:srgbClr val="7030A0"/>
+                </a:solidFill>
+              </a:rPr>
+              <a:t>JLECmd</a:t>
+            </a:r>
+            <a:r>
+              <a:rPr lang="en-US" i="1" dirty="0">
+                <a:solidFill>
+                  <a:srgbClr val="7030A0"/>
+                </a:solidFill>
+              </a:rPr>
+              <a:t> </a:t>
+            </a:r>
+            <a:r>
+              <a:rPr lang="en-US" dirty="0"/>
+              <a:t>only runs on Win</a:t>
+            </a:r>
+          </a:p>
+          <a:p>
+            <a:pPr lvl="1"/>
+            <a:r>
+              <a:rPr lang="en-US" dirty="0"/>
+              <a:t>Need </a:t>
+            </a:r>
+            <a:r>
+              <a:rPr lang="en-US" sz="2800" i="1" dirty="0">
+                <a:solidFill>
+                  <a:srgbClr val="7030A0"/>
+                </a:solidFill>
+              </a:rPr>
+              <a:t>Wine</a:t>
+            </a:r>
+            <a:r>
+              <a:rPr lang="en-US" dirty="0"/>
+              <a:t> to run Windows applications on Linux</a:t>
+            </a:r>
+          </a:p>
+          <a:p>
+            <a:r>
+              <a:rPr lang="en-US" dirty="0"/>
+              <a:t>We need to install </a:t>
+            </a:r>
+            <a:r>
+              <a:rPr lang="en-US" i="1" dirty="0">
+                <a:solidFill>
+                  <a:srgbClr val="7030A0"/>
+                </a:solidFill>
+              </a:rPr>
+              <a:t>Wine</a:t>
+            </a:r>
+            <a:r>
+              <a:rPr lang="en-US" dirty="0"/>
+              <a:t> first</a:t>
+            </a:r>
+          </a:p>
+          <a:p>
+            <a:pPr lvl="1"/>
+            <a:r>
+              <a:rPr lang="en-US" dirty="0"/>
+              <a:t>Refer to Wine installation tutorial</a:t>
             </a:r>
           </a:p>
         </p:txBody>
@@ -13306,7 +14241,7 @@
     </p:spTree>
     <p:extLst>
       <p:ext uri="{BB962C8B-B14F-4D97-AF65-F5344CB8AC3E}">
-        <p14:creationId xmlns:p14="http://schemas.microsoft.com/office/powerpoint/2010/main" val="1053733094"/>
+        <p14:creationId xmlns:p14="http://schemas.microsoft.com/office/powerpoint/2010/main" val="2140732946"/>
       </p:ext>
     </p:extLst>
   </p:cSld>
@@ -13342,15 +14277,15 @@
           <p:nvPr/>
         </p:nvPicPr>
         <p:blipFill>
-          <a:blip r:embed="rId3"/>
+          <a:blip r:embed="rId2"/>
           <a:stretch>
             <a:fillRect/>
           </a:stretch>
         </p:blipFill>
         <p:spPr>
           <a:xfrm>
-            <a:off x="1020682" y="1502066"/>
-            <a:ext cx="9175275" cy="3749365"/>
+            <a:off x="1955296" y="2106867"/>
+            <a:ext cx="7445385" cy="1425063"/>
           </a:xfrm>
           <a:prstGeom prst="rect">
             <a:avLst/>
@@ -13371,7 +14306,7 @@
         </p:nvSpPr>
         <p:spPr>
           <a:xfrm>
-            <a:off x="1020682" y="1132734"/>
+            <a:off x="1955296" y="1737535"/>
             <a:ext cx="5257800" cy="369332"/>
           </a:xfrm>
           <a:prstGeom prst="rect">
@@ -13389,7 +14324,7 @@
           <a:p>
             <a:r>
               <a:rPr lang="en-US" dirty="0"/>
-              <a:t>Download JLECmd.zip</a:t>
+              <a:t>Test wine installation</a:t>
             </a:r>
           </a:p>
         </p:txBody>
@@ -13397,7 +14332,7 @@
     </p:spTree>
     <p:extLst>
       <p:ext uri="{BB962C8B-B14F-4D97-AF65-F5344CB8AC3E}">
-        <p14:creationId xmlns:p14="http://schemas.microsoft.com/office/powerpoint/2010/main" val="1212464018"/>
+        <p14:creationId xmlns:p14="http://schemas.microsoft.com/office/powerpoint/2010/main" val="1053733094"/>
       </p:ext>
     </p:extLst>
   </p:cSld>
@@ -13440,6 +14375,97 @@
         </p:blipFill>
         <p:spPr>
           <a:xfrm>
+            <a:off x="1020682" y="1502066"/>
+            <a:ext cx="9175275" cy="3749365"/>
+          </a:xfrm>
+          <a:prstGeom prst="rect">
+            <a:avLst/>
+          </a:prstGeom>
+        </p:spPr>
+      </p:pic>
+      <p:sp>
+        <p:nvSpPr>
+          <p:cNvPr id="3" name="TextBox 2">
+            <a:extLst>
+              <a:ext uri="{FF2B5EF4-FFF2-40B4-BE49-F238E27FC236}">
+                <a16:creationId xmlns:a16="http://schemas.microsoft.com/office/drawing/2014/main" id="{DCC82629-2D70-4C74-BA85-98D61B7160D9}"/>
+              </a:ext>
+            </a:extLst>
+          </p:cNvPr>
+          <p:cNvSpPr txBox="1"/>
+          <p:nvPr/>
+        </p:nvSpPr>
+        <p:spPr>
+          <a:xfrm>
+            <a:off x="1020682" y="1132734"/>
+            <a:ext cx="5257800" cy="369332"/>
+          </a:xfrm>
+          <a:prstGeom prst="rect">
+            <a:avLst/>
+          </a:prstGeom>
+          <a:solidFill>
+            <a:srgbClr val="FFC000"/>
+          </a:solidFill>
+        </p:spPr>
+        <p:txBody>
+          <a:bodyPr wrap="square" rtlCol="0">
+            <a:spAutoFit/>
+          </a:bodyPr>
+          <a:lstStyle/>
+          <a:p>
+            <a:r>
+              <a:rPr lang="en-US" dirty="0"/>
+              <a:t>Download JLECmd.zip</a:t>
+            </a:r>
+          </a:p>
+        </p:txBody>
+      </p:sp>
+    </p:spTree>
+    <p:extLst>
+      <p:ext uri="{BB962C8B-B14F-4D97-AF65-F5344CB8AC3E}">
+        <p14:creationId xmlns:p14="http://schemas.microsoft.com/office/powerpoint/2010/main" val="1212464018"/>
+      </p:ext>
+    </p:extLst>
+  </p:cSld>
+  <p:clrMapOvr>
+    <a:masterClrMapping/>
+  </p:clrMapOvr>
+</p:sld>
+</file>
+
+<file path=ppt/slides/slide33.xml><?xml version="1.0" encoding="utf-8"?>
+<p:sld xmlns:a="http://schemas.openxmlformats.org/drawingml/2006/main" xmlns:r="http://schemas.openxmlformats.org/officeDocument/2006/relationships" xmlns:p="http://schemas.openxmlformats.org/presentationml/2006/main">
+  <p:cSld>
+    <p:spTree>
+      <p:nvGrpSpPr>
+        <p:cNvPr id="1" name=""/>
+        <p:cNvGrpSpPr/>
+        <p:nvPr/>
+      </p:nvGrpSpPr>
+      <p:grpSpPr>
+        <a:xfrm>
+          <a:off x="0" y="0"/>
+          <a:ext cx="0" cy="0"/>
+          <a:chOff x="0" y="0"/>
+          <a:chExt cx="0" cy="0"/>
+        </a:xfrm>
+      </p:grpSpPr>
+      <p:pic>
+        <p:nvPicPr>
+          <p:cNvPr id="2" name="Picture 1"/>
+          <p:cNvPicPr>
+            <a:picLocks noChangeAspect="1"/>
+          </p:cNvPicPr>
+          <p:nvPr/>
+        </p:nvPicPr>
+        <p:blipFill>
+          <a:blip r:embed="rId3"/>
+          <a:stretch>
+            <a:fillRect/>
+          </a:stretch>
+        </p:blipFill>
+        <p:spPr>
+          <a:xfrm>
             <a:off x="1685871" y="1320242"/>
             <a:ext cx="7513971" cy="4496190"/>
           </a:xfrm>
@@ -13518,7 +14544,7 @@
 </p:sld>
 </file>
 
-<file path=ppt/slides/slide33.xml><?xml version="1.0" encoding="utf-8"?>
+<file path=ppt/slides/slide34.xml><?xml version="1.0" encoding="utf-8"?>
 <p:sld xmlns:a="http://schemas.openxmlformats.org/drawingml/2006/main" xmlns:r="http://schemas.openxmlformats.org/officeDocument/2006/relationships" xmlns:p="http://schemas.openxmlformats.org/presentationml/2006/main">
   <p:cSld>
     <p:spTree>
@@ -13572,7 +14598,7 @@
 </p:sld>
 </file>
 
-<file path=ppt/slides/slide34.xml><?xml version="1.0" encoding="utf-8"?>
+<file path=ppt/slides/slide35.xml><?xml version="1.0" encoding="utf-8"?>
 <p:sld xmlns:a="http://schemas.openxmlformats.org/drawingml/2006/main" xmlns:r="http://schemas.openxmlformats.org/officeDocument/2006/relationships" xmlns:p="http://schemas.openxmlformats.org/presentationml/2006/main">
   <p:cSld>
     <p:spTree>
@@ -13605,7 +14631,7 @@
         </p:blipFill>
         <p:spPr>
           <a:xfrm>
-            <a:off x="1506780" y="1412926"/>
+            <a:off x="1266556" y="2071604"/>
             <a:ext cx="7994073" cy="914479"/>
           </a:xfrm>
           <a:prstGeom prst="rect">
@@ -13629,7 +14655,7 @@
         </p:blipFill>
         <p:spPr>
           <a:xfrm>
-            <a:off x="1506779" y="2327405"/>
+            <a:off x="1266555" y="2986083"/>
             <a:ext cx="7994073" cy="3051416"/>
           </a:xfrm>
           <a:prstGeom prst="rect">
@@ -13651,7 +14677,7 @@
         </p:nvSpPr>
         <p:spPr>
           <a:xfrm>
-            <a:off x="1506779" y="1043594"/>
+            <a:off x="1266555" y="1702272"/>
             <a:ext cx="7593678" cy="369332"/>
           </a:xfrm>
           <a:prstGeom prst="rect">
@@ -13690,7 +14716,7 @@
         </p:nvSpPr>
         <p:spPr>
           <a:xfrm>
-            <a:off x="5207726" y="2551611"/>
+            <a:off x="4967502" y="3210289"/>
             <a:ext cx="732893" cy="369332"/>
           </a:xfrm>
           <a:prstGeom prst="rect">
@@ -13713,6 +14739,135 @@
               <a:rPr lang="en-US" dirty="0"/>
               <a:t>-f: file</a:t>
             </a:r>
+          </a:p>
+        </p:txBody>
+      </p:sp>
+      <p:pic>
+        <p:nvPicPr>
+          <p:cNvPr id="7" name="Picture 6">
+            <a:extLst>
+              <a:ext uri="{FF2B5EF4-FFF2-40B4-BE49-F238E27FC236}">
+                <a16:creationId xmlns:a16="http://schemas.microsoft.com/office/drawing/2014/main" id="{C8D04815-2FD2-4D5A-B617-2BE1A0C4FAF3}"/>
+              </a:ext>
+            </a:extLst>
+          </p:cNvPr>
+          <p:cNvPicPr>
+            <a:picLocks noChangeAspect="1"/>
+          </p:cNvPicPr>
+          <p:nvPr/>
+        </p:nvPicPr>
+        <p:blipFill>
+          <a:blip r:embed="rId5"/>
+          <a:stretch>
+            <a:fillRect/>
+          </a:stretch>
+        </p:blipFill>
+        <p:spPr>
+          <a:xfrm>
+            <a:off x="6839313" y="446562"/>
+            <a:ext cx="5090601" cy="853514"/>
+          </a:xfrm>
+          <a:prstGeom prst="rect">
+            <a:avLst/>
+          </a:prstGeom>
+          <a:ln>
+            <a:noFill/>
+          </a:ln>
+          <a:effectLst>
+            <a:outerShdw blurRad="292100" dist="139700" dir="2700000" algn="tl" rotWithShape="0">
+              <a:srgbClr val="333333">
+                <a:alpha val="65000"/>
+              </a:srgbClr>
+            </a:outerShdw>
+          </a:effectLst>
+        </p:spPr>
+      </p:pic>
+      <p:cxnSp>
+        <p:nvCxnSpPr>
+          <p:cNvPr id="9" name="Straight Arrow Connector 8">
+            <a:extLst>
+              <a:ext uri="{FF2B5EF4-FFF2-40B4-BE49-F238E27FC236}">
+                <a16:creationId xmlns:a16="http://schemas.microsoft.com/office/drawing/2014/main" id="{E00C821B-69B9-4DA1-8689-2D50EC94D39E}"/>
+              </a:ext>
+            </a:extLst>
+          </p:cNvPr>
+          <p:cNvCxnSpPr>
+            <a:endCxn id="4" idx="0"/>
+          </p:cNvCxnSpPr>
+          <p:nvPr/>
+        </p:nvCxnSpPr>
+        <p:spPr>
+          <a:xfrm flipH="1">
+            <a:off x="5063394" y="991892"/>
+            <a:ext cx="2732253" cy="710380"/>
+          </a:xfrm>
+          <a:prstGeom prst="straightConnector1">
+            <a:avLst/>
+          </a:prstGeom>
+          <a:ln>
+            <a:tailEnd type="triangle"/>
+          </a:ln>
+        </p:spPr>
+        <p:style>
+          <a:lnRef idx="1">
+            <a:schemeClr val="accent2"/>
+          </a:lnRef>
+          <a:fillRef idx="0">
+            <a:schemeClr val="accent2"/>
+          </a:fillRef>
+          <a:effectRef idx="0">
+            <a:schemeClr val="accent2"/>
+          </a:effectRef>
+          <a:fontRef idx="minor">
+            <a:schemeClr val="tx1"/>
+          </a:fontRef>
+        </p:style>
+      </p:cxnSp>
+      <p:sp>
+        <p:nvSpPr>
+          <p:cNvPr id="11" name="TextBox 10">
+            <a:extLst>
+              <a:ext uri="{FF2B5EF4-FFF2-40B4-BE49-F238E27FC236}">
+                <a16:creationId xmlns:a16="http://schemas.microsoft.com/office/drawing/2014/main" id="{774C4357-4B29-4DA6-960D-380CE6E14157}"/>
+              </a:ext>
+            </a:extLst>
+          </p:cNvPr>
+          <p:cNvSpPr txBox="1"/>
+          <p:nvPr/>
+        </p:nvSpPr>
+        <p:spPr>
+          <a:xfrm>
+            <a:off x="499868" y="317277"/>
+            <a:ext cx="6241942" cy="1200329"/>
+          </a:xfrm>
+          <a:prstGeom prst="rect">
+            <a:avLst/>
+          </a:prstGeom>
+          <a:noFill/>
+        </p:spPr>
+        <p:txBody>
+          <a:bodyPr wrap="square">
+            <a:spAutoFit/>
+          </a:bodyPr>
+          <a:lstStyle/>
+          <a:p>
+            <a:r>
+              <a:rPr lang="en-GB" dirty="0"/>
+              <a:t>The </a:t>
+            </a:r>
+            <a:r>
+              <a:rPr lang="en-GB" dirty="0">
+                <a:solidFill>
+                  <a:srgbClr val="FF0000"/>
+                </a:solidFill>
+              </a:rPr>
+              <a:t>XPS</a:t>
+            </a:r>
+            <a:r>
+              <a:rPr lang="en-GB" dirty="0"/>
+              <a:t> format is Microsoft’s alternative to PDF. It was introduced in Windows Vista, but never gained much traction. However, modern versions of Windows continue to include better support for XPS files than PDF files</a:t>
+            </a:r>
+            <a:endParaRPr lang="en-US" dirty="0"/>
           </a:p>
         </p:txBody>
       </p:sp>
@@ -13729,7 +14884,7 @@
 </p:sld>
 </file>
 
-<file path=ppt/slides/slide35.xml><?xml version="1.0" encoding="utf-8"?>
+<file path=ppt/slides/slide36.xml><?xml version="1.0" encoding="utf-8"?>
 <p:sld xmlns:a="http://schemas.openxmlformats.org/drawingml/2006/main" xmlns:r="http://schemas.openxmlformats.org/officeDocument/2006/relationships" xmlns:p="http://schemas.openxmlformats.org/presentationml/2006/main">
   <p:cSld>
     <p:spTree>
@@ -13783,7 +14938,7 @@
             </a:r>
             <a:r>
               <a:rPr lang="en-US" dirty="0"/>
-              <a:t>: Preserve the specified attributes such as directory an file mode, ownership, timestamps, if possible additional attributes: context, links, </a:t>
+              <a:t>: Preserve the specified attributes such as directory a file mode, ownership, timestamps, if possible additional attributes: context, links, </a:t>
             </a:r>
             <a:r>
               <a:rPr lang="en-US" dirty="0" err="1"/>
@@ -13911,7 +15066,7 @@
 </p:sld>
 </file>
 
-<file path=ppt/slides/slide36.xml><?xml version="1.0" encoding="utf-8"?>
+<file path=ppt/slides/slide37.xml><?xml version="1.0" encoding="utf-8"?>
 <p:sld xmlns:a="http://schemas.openxmlformats.org/drawingml/2006/main" xmlns:r="http://schemas.openxmlformats.org/officeDocument/2006/relationships" xmlns:p="http://schemas.openxmlformats.org/presentationml/2006/main">
   <p:cSld>
     <p:spTree>
@@ -14019,7 +15174,7 @@
 </p:sld>
 </file>
 
-<file path=ppt/slides/slide37.xml><?xml version="1.0" encoding="utf-8"?>
+<file path=ppt/slides/slide38.xml><?xml version="1.0" encoding="utf-8"?>
 <p:sld xmlns:a="http://schemas.openxmlformats.org/drawingml/2006/main" xmlns:r="http://schemas.openxmlformats.org/officeDocument/2006/relationships" xmlns:p="http://schemas.openxmlformats.org/presentationml/2006/main">
   <p:cSld>
     <p:spTree>
@@ -14073,7 +15228,7 @@
 </p:sld>
 </file>
 
-<file path=ppt/slides/slide38.xml><?xml version="1.0" encoding="utf-8"?>
+<file path=ppt/slides/slide39.xml><?xml version="1.0" encoding="utf-8"?>
 <p:sld xmlns:a="http://schemas.openxmlformats.org/drawingml/2006/main" xmlns:r="http://schemas.openxmlformats.org/officeDocument/2006/relationships" xmlns:p="http://schemas.openxmlformats.org/presentationml/2006/main">
   <p:cSld>
     <p:spTree>
@@ -14128,7 +15283,7 @@
         </p:nvSpPr>
         <p:spPr>
           <a:xfrm>
-            <a:off x="738694" y="1336151"/>
+            <a:off x="371301" y="2193401"/>
             <a:ext cx="7593678" cy="369332"/>
           </a:xfrm>
           <a:prstGeom prst="rect">
@@ -14156,175 +15311,89 @@
           </a:p>
         </p:txBody>
       </p:sp>
-    </p:spTree>
-    <p:extLst>
-      <p:ext uri="{BB962C8B-B14F-4D97-AF65-F5344CB8AC3E}">
-        <p14:creationId xmlns:p14="http://schemas.microsoft.com/office/powerpoint/2010/main" val="3065818986"/>
-      </p:ext>
-    </p:extLst>
-  </p:cSld>
-  <p:clrMapOvr>
-    <a:masterClrMapping/>
-  </p:clrMapOvr>
-</p:sld>
-</file>
-
-<file path=ppt/slides/slide39.xml><?xml version="1.0" encoding="utf-8"?>
-<p:sld xmlns:a="http://schemas.openxmlformats.org/drawingml/2006/main" xmlns:r="http://schemas.openxmlformats.org/officeDocument/2006/relationships" xmlns:p="http://schemas.openxmlformats.org/presentationml/2006/main">
-  <p:cSld>
-    <p:spTree>
-      <p:nvGrpSpPr>
-        <p:cNvPr id="1" name=""/>
-        <p:cNvGrpSpPr/>
-        <p:nvPr/>
-      </p:nvGrpSpPr>
-      <p:grpSpPr>
-        <a:xfrm>
-          <a:off x="0" y="0"/>
-          <a:ext cx="0" cy="0"/>
-          <a:chOff x="0" y="0"/>
-          <a:chExt cx="0" cy="0"/>
-        </a:xfrm>
-      </p:grpSpPr>
       <p:pic>
         <p:nvPicPr>
-          <p:cNvPr id="2" name="Picture 1"/>
+          <p:cNvPr id="5" name="Picture 4">
+            <a:extLst>
+              <a:ext uri="{FF2B5EF4-FFF2-40B4-BE49-F238E27FC236}">
+                <a16:creationId xmlns:a16="http://schemas.microsoft.com/office/drawing/2014/main" id="{94657284-D3FE-4B65-98C5-1841761E816C}"/>
+              </a:ext>
+            </a:extLst>
+          </p:cNvPr>
           <p:cNvPicPr>
             <a:picLocks noChangeAspect="1"/>
           </p:cNvPicPr>
           <p:nvPr/>
         </p:nvPicPr>
         <p:blipFill>
-          <a:blip r:embed="rId3"/>
+          <a:blip r:embed="rId4"/>
           <a:stretch>
             <a:fillRect/>
           </a:stretch>
         </p:blipFill>
         <p:spPr>
           <a:xfrm>
-            <a:off x="83299" y="2243987"/>
-            <a:ext cx="12025402" cy="2370025"/>
+            <a:off x="5799283" y="253308"/>
+            <a:ext cx="5814564" cy="1303133"/>
           </a:xfrm>
           <a:prstGeom prst="rect">
             <a:avLst/>
           </a:prstGeom>
+          <a:ln>
+            <a:noFill/>
+          </a:ln>
+          <a:effectLst>
+            <a:outerShdw blurRad="292100" dist="139700" dir="2700000" algn="tl" rotWithShape="0">
+              <a:srgbClr val="333333">
+                <a:alpha val="65000"/>
+              </a:srgbClr>
+            </a:outerShdw>
+          </a:effectLst>
         </p:spPr>
       </p:pic>
-      <p:sp>
-        <p:nvSpPr>
-          <p:cNvPr id="3" name="TextBox 2">
+      <p:cxnSp>
+        <p:nvCxnSpPr>
+          <p:cNvPr id="7" name="Straight Arrow Connector 6">
             <a:extLst>
               <a:ext uri="{FF2B5EF4-FFF2-40B4-BE49-F238E27FC236}">
-                <a16:creationId xmlns:a16="http://schemas.microsoft.com/office/drawing/2014/main" id="{DCC82629-2D70-4C74-BA85-98D61B7160D9}"/>
+                <a16:creationId xmlns:a16="http://schemas.microsoft.com/office/drawing/2014/main" id="{79B7884A-20CD-40AE-B7B1-C1299723A857}"/>
               </a:ext>
             </a:extLst>
           </p:cNvPr>
-          <p:cNvSpPr txBox="1"/>
+          <p:cNvCxnSpPr/>
           <p:nvPr/>
-        </p:nvSpPr>
+        </p:nvCxnSpPr>
         <p:spPr>
-          <a:xfrm>
-            <a:off x="83299" y="1874655"/>
-            <a:ext cx="5790279" cy="369332"/>
+          <a:xfrm flipH="1">
+            <a:off x="6381750" y="1215390"/>
+            <a:ext cx="1190625" cy="2213610"/>
           </a:xfrm>
-          <a:prstGeom prst="rect">
+          <a:prstGeom prst="straightConnector1">
             <a:avLst/>
           </a:prstGeom>
-          <a:solidFill>
-            <a:srgbClr val="FFC000"/>
-          </a:solidFill>
+          <a:ln>
+            <a:tailEnd type="triangle"/>
+          </a:ln>
         </p:spPr>
-        <p:txBody>
-          <a:bodyPr wrap="square" rtlCol="0">
-            <a:spAutoFit/>
-          </a:bodyPr>
-          <a:lstStyle/>
-          <a:p>
-            <a:r>
-              <a:rPr lang="en-US" dirty="0"/>
-              <a:t>List opened files in </a:t>
-            </a:r>
-            <a:r>
-              <a:rPr lang="en-US" i="1" dirty="0">
-                <a:solidFill>
-                  <a:srgbClr val="0082BC"/>
-                </a:solidFill>
-              </a:rPr>
-              <a:t>E: </a:t>
-            </a:r>
-            <a:r>
-              <a:rPr lang="en-US" dirty="0" err="1"/>
-              <a:t>volumn</a:t>
-            </a:r>
-            <a:r>
-              <a:rPr lang="en-US" dirty="0"/>
-              <a:t> using </a:t>
-            </a:r>
-            <a:r>
-              <a:rPr lang="en-US" i="1" dirty="0" err="1">
-                <a:solidFill>
-                  <a:srgbClr val="0082BC"/>
-                </a:solidFill>
-              </a:rPr>
-              <a:t>akw</a:t>
-            </a:r>
-            <a:endParaRPr lang="en-US" i="1" dirty="0">
-              <a:solidFill>
-                <a:srgbClr val="0082BC"/>
-              </a:solidFill>
-            </a:endParaRPr>
-          </a:p>
-        </p:txBody>
-      </p:sp>
-      <p:sp>
-        <p:nvSpPr>
-          <p:cNvPr id="4" name="Rectangle 3"/>
-          <p:cNvSpPr/>
-          <p:nvPr/>
-        </p:nvSpPr>
-        <p:spPr>
-          <a:xfrm>
-            <a:off x="6096000" y="1588044"/>
-            <a:ext cx="2163349" cy="646331"/>
-          </a:xfrm>
-          <a:prstGeom prst="rect">
-            <a:avLst/>
-          </a:prstGeom>
-          <a:solidFill>
-            <a:schemeClr val="accent4">
-              <a:lumMod val="20000"/>
-              <a:lumOff val="80000"/>
-            </a:schemeClr>
-          </a:solidFill>
-        </p:spPr>
-        <p:txBody>
-          <a:bodyPr wrap="none">
-            <a:spAutoFit/>
-          </a:bodyPr>
-          <a:lstStyle/>
-          <a:p>
-            <a:r>
-              <a:rPr lang="en-US" dirty="0"/>
-              <a:t>$6: </a:t>
-            </a:r>
-            <a:r>
-              <a:rPr lang="en-US" dirty="0" err="1"/>
-              <a:t>AppIdDescription</a:t>
-            </a:r>
-            <a:endParaRPr lang="en-US" dirty="0"/>
-          </a:p>
-          <a:p>
-            <a:r>
-              <a:rPr lang="en-US" dirty="0"/>
-              <a:t>$15: Path</a:t>
-            </a:r>
-          </a:p>
-        </p:txBody>
-      </p:sp>
+        <p:style>
+          <a:lnRef idx="1">
+            <a:schemeClr val="accent2"/>
+          </a:lnRef>
+          <a:fillRef idx="0">
+            <a:schemeClr val="accent2"/>
+          </a:fillRef>
+          <a:effectRef idx="0">
+            <a:schemeClr val="accent2"/>
+          </a:effectRef>
+          <a:fontRef idx="minor">
+            <a:schemeClr val="tx1"/>
+          </a:fontRef>
+        </p:style>
+      </p:cxnSp>
     </p:spTree>
     <p:extLst>
       <p:ext uri="{BB962C8B-B14F-4D97-AF65-F5344CB8AC3E}">
-        <p14:creationId xmlns:p14="http://schemas.microsoft.com/office/powerpoint/2010/main" val="1377131147"/>
+        <p14:creationId xmlns:p14="http://schemas.microsoft.com/office/powerpoint/2010/main" val="3065818986"/>
       </p:ext>
     </p:extLst>
   </p:cSld>
@@ -14721,6 +15790,171 @@
 </p:sld>
 </file>
 
+<file path=ppt/slides/slide40.xml><?xml version="1.0" encoding="utf-8"?>
+<p:sld xmlns:a="http://schemas.openxmlformats.org/drawingml/2006/main" xmlns:r="http://schemas.openxmlformats.org/officeDocument/2006/relationships" xmlns:p="http://schemas.openxmlformats.org/presentationml/2006/main">
+  <p:cSld>
+    <p:spTree>
+      <p:nvGrpSpPr>
+        <p:cNvPr id="1" name=""/>
+        <p:cNvGrpSpPr/>
+        <p:nvPr/>
+      </p:nvGrpSpPr>
+      <p:grpSpPr>
+        <a:xfrm>
+          <a:off x="0" y="0"/>
+          <a:ext cx="0" cy="0"/>
+          <a:chOff x="0" y="0"/>
+          <a:chExt cx="0" cy="0"/>
+        </a:xfrm>
+      </p:grpSpPr>
+      <p:pic>
+        <p:nvPicPr>
+          <p:cNvPr id="2" name="Picture 1"/>
+          <p:cNvPicPr>
+            <a:picLocks noChangeAspect="1"/>
+          </p:cNvPicPr>
+          <p:nvPr/>
+        </p:nvPicPr>
+        <p:blipFill>
+          <a:blip r:embed="rId3"/>
+          <a:stretch>
+            <a:fillRect/>
+          </a:stretch>
+        </p:blipFill>
+        <p:spPr>
+          <a:xfrm>
+            <a:off x="83299" y="2243987"/>
+            <a:ext cx="12025402" cy="2370025"/>
+          </a:xfrm>
+          <a:prstGeom prst="rect">
+            <a:avLst/>
+          </a:prstGeom>
+        </p:spPr>
+      </p:pic>
+      <p:sp>
+        <p:nvSpPr>
+          <p:cNvPr id="3" name="TextBox 2">
+            <a:extLst>
+              <a:ext uri="{FF2B5EF4-FFF2-40B4-BE49-F238E27FC236}">
+                <a16:creationId xmlns:a16="http://schemas.microsoft.com/office/drawing/2014/main" id="{DCC82629-2D70-4C74-BA85-98D61B7160D9}"/>
+              </a:ext>
+            </a:extLst>
+          </p:cNvPr>
+          <p:cNvSpPr txBox="1"/>
+          <p:nvPr/>
+        </p:nvSpPr>
+        <p:spPr>
+          <a:xfrm>
+            <a:off x="83299" y="1874655"/>
+            <a:ext cx="5790279" cy="369332"/>
+          </a:xfrm>
+          <a:prstGeom prst="rect">
+            <a:avLst/>
+          </a:prstGeom>
+          <a:solidFill>
+            <a:srgbClr val="FFC000"/>
+          </a:solidFill>
+        </p:spPr>
+        <p:txBody>
+          <a:bodyPr wrap="square" rtlCol="0">
+            <a:spAutoFit/>
+          </a:bodyPr>
+          <a:lstStyle/>
+          <a:p>
+            <a:r>
+              <a:rPr lang="en-US" dirty="0"/>
+              <a:t>List opened files in </a:t>
+            </a:r>
+            <a:r>
+              <a:rPr lang="en-US" i="1" dirty="0">
+                <a:solidFill>
+                  <a:srgbClr val="0082BC"/>
+                </a:solidFill>
+              </a:rPr>
+              <a:t>E: </a:t>
+            </a:r>
+            <a:r>
+              <a:rPr lang="en-US" dirty="0" err="1"/>
+              <a:t>volumn</a:t>
+            </a:r>
+            <a:r>
+              <a:rPr lang="en-US" dirty="0"/>
+              <a:t> using </a:t>
+            </a:r>
+            <a:r>
+              <a:rPr lang="en-US" i="1" dirty="0" err="1">
+                <a:solidFill>
+                  <a:srgbClr val="0082BC"/>
+                </a:solidFill>
+              </a:rPr>
+              <a:t>akw</a:t>
+            </a:r>
+            <a:endParaRPr lang="en-US" i="1" dirty="0">
+              <a:solidFill>
+                <a:srgbClr val="0082BC"/>
+              </a:solidFill>
+            </a:endParaRPr>
+          </a:p>
+        </p:txBody>
+      </p:sp>
+      <p:sp>
+        <p:nvSpPr>
+          <p:cNvPr id="4" name="Rectangle 3"/>
+          <p:cNvSpPr/>
+          <p:nvPr/>
+        </p:nvSpPr>
+        <p:spPr>
+          <a:xfrm>
+            <a:off x="6096000" y="1588044"/>
+            <a:ext cx="2163349" cy="646331"/>
+          </a:xfrm>
+          <a:prstGeom prst="rect">
+            <a:avLst/>
+          </a:prstGeom>
+          <a:solidFill>
+            <a:schemeClr val="accent4">
+              <a:lumMod val="20000"/>
+              <a:lumOff val="80000"/>
+            </a:schemeClr>
+          </a:solidFill>
+        </p:spPr>
+        <p:txBody>
+          <a:bodyPr wrap="none">
+            <a:spAutoFit/>
+          </a:bodyPr>
+          <a:lstStyle/>
+          <a:p>
+            <a:r>
+              <a:rPr lang="en-US" dirty="0"/>
+              <a:t>$6: </a:t>
+            </a:r>
+            <a:r>
+              <a:rPr lang="en-US" dirty="0" err="1"/>
+              <a:t>AppIdDescription</a:t>
+            </a:r>
+            <a:endParaRPr lang="en-US" dirty="0"/>
+          </a:p>
+          <a:p>
+            <a:r>
+              <a:rPr lang="en-US" dirty="0"/>
+              <a:t>$15: Path</a:t>
+            </a:r>
+          </a:p>
+        </p:txBody>
+      </p:sp>
+    </p:spTree>
+    <p:extLst>
+      <p:ext uri="{BB962C8B-B14F-4D97-AF65-F5344CB8AC3E}">
+        <p14:creationId xmlns:p14="http://schemas.microsoft.com/office/powerpoint/2010/main" val="1377131147"/>
+      </p:ext>
+    </p:extLst>
+  </p:cSld>
+  <p:clrMapOvr>
+    <a:masterClrMapping/>
+  </p:clrMapOvr>
+</p:sld>
+</file>
+
 <file path=ppt/slides/slide5.xml><?xml version="1.0" encoding="utf-8"?>
 <p:sld xmlns:a="http://schemas.openxmlformats.org/drawingml/2006/main" xmlns:r="http://schemas.openxmlformats.org/officeDocument/2006/relationships" xmlns:p="http://schemas.openxmlformats.org/presentationml/2006/main">
   <p:cSld>
@@ -14816,21 +16050,14 @@
             <a:pPr lvl="1"/>
             <a:r>
               <a:rPr lang="en-US" dirty="0"/>
-              <a:t>Mounting points</a:t>
+              <a:t>Mounting points for remote devices</a:t>
             </a:r>
           </a:p>
           <a:p>
             <a:pPr lvl="1"/>
             <a:r>
               <a:rPr lang="en-US" dirty="0"/>
-              <a:t>Mounted device</a:t>
-            </a:r>
-          </a:p>
-          <a:p>
-            <a:pPr lvl="1"/>
-            <a:r>
-              <a:rPr lang="en-US" dirty="0"/>
-              <a:t>Most recently used mounted devices</a:t>
+              <a:t>Most recently used network devices</a:t>
             </a:r>
           </a:p>
         </p:txBody>
@@ -15400,6 +16627,231 @@
           </a:effectLst>
         </p:spPr>
       </p:pic>
+      <mc:AlternateContent xmlns:mc="http://schemas.openxmlformats.org/markup-compatibility/2006" xmlns:p14="http://schemas.microsoft.com/office/powerpoint/2010/main">
+        <mc:Choice Requires="p14">
+          <p:contentPart p14:bwMode="auto" r:id="rId5">
+            <p14:nvContentPartPr>
+              <p14:cNvPr id="7" name="Ink 6">
+                <a:extLst>
+                  <a:ext uri="{FF2B5EF4-FFF2-40B4-BE49-F238E27FC236}">
+                    <a16:creationId xmlns:a16="http://schemas.microsoft.com/office/drawing/2014/main" id="{1A6CC6F8-1B64-477C-9A9B-F74329E74DB5}"/>
+                  </a:ext>
+                </a:extLst>
+              </p14:cNvPr>
+              <p14:cNvContentPartPr/>
+              <p14:nvPr/>
+            </p14:nvContentPartPr>
+            <p14:xfrm>
+              <a:off x="1130845" y="1401108"/>
+              <a:ext cx="9433440" cy="710280"/>
+            </p14:xfrm>
+          </p:contentPart>
+        </mc:Choice>
+        <mc:Fallback xmlns="">
+          <p:pic>
+            <p:nvPicPr>
+              <p:cNvPr id="7" name="Ink 6">
+                <a:extLst>
+                  <a:ext uri="{FF2B5EF4-FFF2-40B4-BE49-F238E27FC236}">
+                    <a16:creationId xmlns:a16="http://schemas.microsoft.com/office/drawing/2014/main" id="{1A6CC6F8-1B64-477C-9A9B-F74329E74DB5}"/>
+                  </a:ext>
+                </a:extLst>
+              </p:cNvPr>
+              <p:cNvPicPr/>
+              <p:nvPr/>
+            </p:nvPicPr>
+            <p:blipFill>
+              <a:blip r:embed="rId6"/>
+              <a:stretch>
+                <a:fillRect/>
+              </a:stretch>
+            </p:blipFill>
+            <p:spPr>
+              <a:xfrm>
+                <a:off x="1122205" y="1392468"/>
+                <a:ext cx="9451080" cy="727920"/>
+              </a:xfrm>
+              <a:prstGeom prst="rect">
+                <a:avLst/>
+              </a:prstGeom>
+            </p:spPr>
+          </p:pic>
+        </mc:Fallback>
+      </mc:AlternateContent>
+      <mc:AlternateContent xmlns:mc="http://schemas.openxmlformats.org/markup-compatibility/2006" xmlns:p14="http://schemas.microsoft.com/office/powerpoint/2010/main">
+        <mc:Choice Requires="p14">
+          <p:contentPart p14:bwMode="auto" r:id="rId7">
+            <p14:nvContentPartPr>
+              <p14:cNvPr id="9" name="Ink 8">
+                <a:extLst>
+                  <a:ext uri="{FF2B5EF4-FFF2-40B4-BE49-F238E27FC236}">
+                    <a16:creationId xmlns:a16="http://schemas.microsoft.com/office/drawing/2014/main" id="{1A729C30-B084-4434-867A-40BC5622F18B}"/>
+                  </a:ext>
+                </a:extLst>
+              </p14:cNvPr>
+              <p14:cNvContentPartPr/>
+              <p14:nvPr/>
+            </p14:nvContentPartPr>
+            <p14:xfrm>
+              <a:off x="10375285" y="2066748"/>
+              <a:ext cx="435240" cy="306000"/>
+            </p14:xfrm>
+          </p:contentPart>
+        </mc:Choice>
+        <mc:Fallback xmlns="">
+          <p:pic>
+            <p:nvPicPr>
+              <p:cNvPr id="9" name="Ink 8">
+                <a:extLst>
+                  <a:ext uri="{FF2B5EF4-FFF2-40B4-BE49-F238E27FC236}">
+                    <a16:creationId xmlns:a16="http://schemas.microsoft.com/office/drawing/2014/main" id="{1A729C30-B084-4434-867A-40BC5622F18B}"/>
+                  </a:ext>
+                </a:extLst>
+              </p:cNvPr>
+              <p:cNvPicPr/>
+              <p:nvPr/>
+            </p:nvPicPr>
+            <p:blipFill>
+              <a:blip r:embed="rId8"/>
+              <a:stretch>
+                <a:fillRect/>
+              </a:stretch>
+            </p:blipFill>
+            <p:spPr>
+              <a:xfrm>
+                <a:off x="10366645" y="2057748"/>
+                <a:ext cx="452880" cy="323640"/>
+              </a:xfrm>
+              <a:prstGeom prst="rect">
+                <a:avLst/>
+              </a:prstGeom>
+            </p:spPr>
+          </p:pic>
+        </mc:Fallback>
+      </mc:AlternateContent>
+      <p:grpSp>
+        <p:nvGrpSpPr>
+          <p:cNvPr id="12" name="Group 11">
+            <a:extLst>
+              <a:ext uri="{FF2B5EF4-FFF2-40B4-BE49-F238E27FC236}">
+                <a16:creationId xmlns:a16="http://schemas.microsoft.com/office/drawing/2014/main" id="{FCF4DC30-98E1-4701-B4B3-35DFC8FF75B7}"/>
+              </a:ext>
+            </a:extLst>
+          </p:cNvPr>
+          <p:cNvGrpSpPr/>
+          <p:nvPr/>
+        </p:nvGrpSpPr>
+        <p:grpSpPr>
+          <a:xfrm>
+            <a:off x="797485" y="1673268"/>
+            <a:ext cx="570600" cy="349920"/>
+            <a:chOff x="797485" y="1673268"/>
+            <a:chExt cx="570600" cy="349920"/>
+          </a:xfrm>
+        </p:grpSpPr>
+        <mc:AlternateContent xmlns:mc="http://schemas.openxmlformats.org/markup-compatibility/2006" xmlns:p14="http://schemas.microsoft.com/office/powerpoint/2010/main">
+          <mc:Choice Requires="p14">
+            <p:contentPart p14:bwMode="auto" r:id="rId9">
+              <p14:nvContentPartPr>
+                <p14:cNvPr id="10" name="Ink 9">
+                  <a:extLst>
+                    <a:ext uri="{FF2B5EF4-FFF2-40B4-BE49-F238E27FC236}">
+                      <a16:creationId xmlns:a16="http://schemas.microsoft.com/office/drawing/2014/main" id="{E17BD815-905E-427F-9984-7F8B045166BD}"/>
+                    </a:ext>
+                  </a:extLst>
+                </p14:cNvPr>
+                <p14:cNvContentPartPr/>
+                <p14:nvPr/>
+              </p14:nvContentPartPr>
+              <p14:xfrm>
+                <a:off x="945085" y="1704588"/>
+                <a:ext cx="360" cy="360"/>
+              </p14:xfrm>
+            </p:contentPart>
+          </mc:Choice>
+          <mc:Fallback xmlns="">
+            <p:pic>
+              <p:nvPicPr>
+                <p:cNvPr id="10" name="Ink 9">
+                  <a:extLst>
+                    <a:ext uri="{FF2B5EF4-FFF2-40B4-BE49-F238E27FC236}">
+                      <a16:creationId xmlns:a16="http://schemas.microsoft.com/office/drawing/2014/main" id="{E17BD815-905E-427F-9984-7F8B045166BD}"/>
+                    </a:ext>
+                  </a:extLst>
+                </p:cNvPr>
+                <p:cNvPicPr/>
+                <p:nvPr/>
+              </p:nvPicPr>
+              <p:blipFill>
+                <a:blip r:embed="rId10"/>
+                <a:stretch>
+                  <a:fillRect/>
+                </a:stretch>
+              </p:blipFill>
+              <p:spPr>
+                <a:xfrm>
+                  <a:off x="936085" y="1695588"/>
+                  <a:ext cx="18000" cy="18000"/>
+                </a:xfrm>
+                <a:prstGeom prst="rect">
+                  <a:avLst/>
+                </a:prstGeom>
+              </p:spPr>
+            </p:pic>
+          </mc:Fallback>
+        </mc:AlternateContent>
+        <mc:AlternateContent xmlns:mc="http://schemas.openxmlformats.org/markup-compatibility/2006" xmlns:p14="http://schemas.microsoft.com/office/powerpoint/2010/main">
+          <mc:Choice Requires="p14">
+            <p:contentPart p14:bwMode="auto" r:id="rId11">
+              <p14:nvContentPartPr>
+                <p14:cNvPr id="11" name="Ink 10">
+                  <a:extLst>
+                    <a:ext uri="{FF2B5EF4-FFF2-40B4-BE49-F238E27FC236}">
+                      <a16:creationId xmlns:a16="http://schemas.microsoft.com/office/drawing/2014/main" id="{22F3F091-1C61-47BC-9F25-F04E6039134B}"/>
+                    </a:ext>
+                  </a:extLst>
+                </p14:cNvPr>
+                <p14:cNvContentPartPr/>
+                <p14:nvPr/>
+              </p14:nvContentPartPr>
+              <p14:xfrm>
+                <a:off x="797485" y="1673268"/>
+                <a:ext cx="570600" cy="349920"/>
+              </p14:xfrm>
+            </p:contentPart>
+          </mc:Choice>
+          <mc:Fallback xmlns="">
+            <p:pic>
+              <p:nvPicPr>
+                <p:cNvPr id="11" name="Ink 10">
+                  <a:extLst>
+                    <a:ext uri="{FF2B5EF4-FFF2-40B4-BE49-F238E27FC236}">
+                      <a16:creationId xmlns:a16="http://schemas.microsoft.com/office/drawing/2014/main" id="{22F3F091-1C61-47BC-9F25-F04E6039134B}"/>
+                    </a:ext>
+                  </a:extLst>
+                </p:cNvPr>
+                <p:cNvPicPr/>
+                <p:nvPr/>
+              </p:nvPicPr>
+              <p:blipFill>
+                <a:blip r:embed="rId12"/>
+                <a:stretch>
+                  <a:fillRect/>
+                </a:stretch>
+              </p:blipFill>
+              <p:spPr>
+                <a:xfrm>
+                  <a:off x="788845" y="1664268"/>
+                  <a:ext cx="588240" cy="367560"/>
+                </a:xfrm>
+                <a:prstGeom prst="rect">
+                  <a:avLst/>
+                </a:prstGeom>
+              </p:spPr>
+            </p:pic>
+          </mc:Fallback>
+        </mc:AlternateContent>
+      </p:grpSp>
     </p:spTree>
     <p:extLst>
       <p:ext uri="{BB962C8B-B14F-4D97-AF65-F5344CB8AC3E}">
@@ -15447,7 +16899,7 @@
           <a:p>
             <a:r>
               <a:rPr lang="en-US" dirty="0"/>
-              <a:t>Method 3: mounting points</a:t>
+              <a:t>Method 3: mounting points for remote devices</a:t>
             </a:r>
           </a:p>
         </p:txBody>
@@ -15523,7 +16975,7 @@
           <a:p>
             <a:r>
               <a:rPr lang="en-US" dirty="0"/>
-              <a:t>Method 4: mounted devices</a:t>
+              <a:t>Method 4: MRU map network drive</a:t>
             </a:r>
           </a:p>
         </p:txBody>
@@ -15544,18 +16996,55 @@
         </p:blipFill>
         <p:spPr>
           <a:xfrm>
-            <a:off x="838199" y="1493888"/>
-            <a:ext cx="6041571" cy="4687274"/>
+            <a:off x="838200" y="2255810"/>
+            <a:ext cx="7818798" cy="2804403"/>
           </a:xfrm>
           <a:prstGeom prst="rect">
             <a:avLst/>
           </a:prstGeom>
         </p:spPr>
       </p:pic>
+      <p:sp>
+        <p:nvSpPr>
+          <p:cNvPr id="4" name="Rectangle 3"/>
+          <p:cNvSpPr/>
+          <p:nvPr/>
+        </p:nvSpPr>
+        <p:spPr>
+          <a:xfrm>
+            <a:off x="838200" y="1886478"/>
+            <a:ext cx="4275529" cy="369332"/>
+          </a:xfrm>
+          <a:prstGeom prst="rect">
+            <a:avLst/>
+          </a:prstGeom>
+          <a:solidFill>
+            <a:srgbClr val="FFC000"/>
+          </a:solidFill>
+        </p:spPr>
+        <p:txBody>
+          <a:bodyPr wrap="none">
+            <a:spAutoFit/>
+          </a:bodyPr>
+          <a:lstStyle/>
+          <a:p>
+            <a:r>
+              <a:rPr lang="en-US" dirty="0">
+                <a:solidFill>
+                  <a:srgbClr val="202124"/>
+                </a:solidFill>
+                <a:latin typeface="Roboto"/>
+              </a:rPr>
+              <a:t>Map Network Drive Most Recently Used</a:t>
+            </a:r>
+            <a:endParaRPr lang="en-US" dirty="0"/>
+          </a:p>
+        </p:txBody>
+      </p:sp>
     </p:spTree>
     <p:extLst>
       <p:ext uri="{BB962C8B-B14F-4D97-AF65-F5344CB8AC3E}">
-        <p14:creationId xmlns:p14="http://schemas.microsoft.com/office/powerpoint/2010/main" val="1088256087"/>
+        <p14:creationId xmlns:p14="http://schemas.microsoft.com/office/powerpoint/2010/main" val="3205019338"/>
       </p:ext>
     </p:extLst>
   </p:cSld>

--- a/NIST_Data_Leakage_Case/NIST_Data_Leakage_06_Network_Shellbag_Jumplist.pptx
+++ b/NIST_Data_Leakage_Case/NIST_Data_Leakage_06_Network_Shellbag_Jumplist.pptx
@@ -5,7 +5,7 @@
     <p:sldMasterId id="2147483648" r:id="rId1"/>
   </p:sldMasterIdLst>
   <p:notesMasterIdLst>
-    <p:notesMasterId r:id="rId42"/>
+    <p:notesMasterId r:id="rId46"/>
   </p:notesMasterIdLst>
   <p:sldIdLst>
     <p:sldId id="256" r:id="rId2"/>
@@ -14,9 +14,9 @@
     <p:sldId id="362" r:id="rId5"/>
     <p:sldId id="366" r:id="rId6"/>
     <p:sldId id="368" r:id="rId7"/>
-    <p:sldId id="320" r:id="rId8"/>
-    <p:sldId id="323" r:id="rId9"/>
-    <p:sldId id="322" r:id="rId10"/>
+    <p:sldId id="322" r:id="rId8"/>
+    <p:sldId id="320" r:id="rId9"/>
+    <p:sldId id="323" r:id="rId10"/>
     <p:sldId id="365" r:id="rId11"/>
     <p:sldId id="327" r:id="rId12"/>
     <p:sldId id="325" r:id="rId13"/>
@@ -43,11 +43,15 @@
     <p:sldId id="345" r:id="rId34"/>
     <p:sldId id="351" r:id="rId35"/>
     <p:sldId id="349" r:id="rId36"/>
-    <p:sldId id="350" r:id="rId37"/>
-    <p:sldId id="353" r:id="rId38"/>
-    <p:sldId id="355" r:id="rId39"/>
-    <p:sldId id="357" r:id="rId40"/>
-    <p:sldId id="361" r:id="rId41"/>
+    <p:sldId id="373" r:id="rId37"/>
+    <p:sldId id="374" r:id="rId38"/>
+    <p:sldId id="375" r:id="rId39"/>
+    <p:sldId id="376" r:id="rId40"/>
+    <p:sldId id="350" r:id="rId41"/>
+    <p:sldId id="353" r:id="rId42"/>
+    <p:sldId id="355" r:id="rId43"/>
+    <p:sldId id="357" r:id="rId44"/>
+    <p:sldId id="361" r:id="rId45"/>
   </p:sldIdLst>
   <p:sldSz cx="12192000" cy="6858000"/>
   <p:notesSz cx="6858000" cy="9144000"/>
@@ -157,7 +161,7 @@
 <file path=ppt/revisionInfo.xml><?xml version="1.0" encoding="utf-8"?>
 <p1510:revInfo xmlns:a="http://schemas.openxmlformats.org/drawingml/2006/main" xmlns:r="http://schemas.openxmlformats.org/officeDocument/2006/relationships" xmlns:p1510="http://schemas.microsoft.com/office/powerpoint/2015/10/main">
   <p1510:revLst>
-    <p1510:client id="{97CE8EA3-16AE-45E5-B08E-C51A45B93B9F}" v="31" dt="2021-11-09T16:38:11.384"/>
+    <p1510:client id="{97CE8EA3-16AE-45E5-B08E-C51A45B93B9F}" v="60" dt="2022-04-19T15:24:57.299"/>
   </p1510:revLst>
 </p1510:revInfo>
 </file>
@@ -284,7 +288,7 @@
   <pc:docChgLst>
     <pc:chgData name="Weifeng Xu" userId="e7aed605-a3dd-4d5a-a692-a87037af107b" providerId="ADAL" clId="{97CE8EA3-16AE-45E5-B08E-C51A45B93B9F}"/>
     <pc:docChg chg="undo custSel addSld delSld modSld sldOrd">
-      <pc:chgData name="Weifeng Xu" userId="e7aed605-a3dd-4d5a-a692-a87037af107b" providerId="ADAL" clId="{97CE8EA3-16AE-45E5-B08E-C51A45B93B9F}" dt="2021-11-09T23:50:32.628" v="3076" actId="207"/>
+      <pc:chgData name="Weifeng Xu" userId="e7aed605-a3dd-4d5a-a692-a87037af107b" providerId="ADAL" clId="{97CE8EA3-16AE-45E5-B08E-C51A45B93B9F}" dt="2022-04-19T15:24:57.298" v="3509" actId="1076"/>
       <pc:docMkLst>
         <pc:docMk/>
       </pc:docMkLst>
@@ -405,35 +409,59 @@
           </ac:spMkLst>
         </pc:spChg>
       </pc:sldChg>
-      <pc:sldChg chg="modSp mod ord">
-        <pc:chgData name="Weifeng Xu" userId="e7aed605-a3dd-4d5a-a692-a87037af107b" providerId="ADAL" clId="{97CE8EA3-16AE-45E5-B08E-C51A45B93B9F}" dt="2021-10-28T16:45:25.589" v="2499" actId="20577"/>
+      <pc:sldChg chg="addSp delSp modSp mod ord">
+        <pc:chgData name="Weifeng Xu" userId="e7aed605-a3dd-4d5a-a692-a87037af107b" providerId="ADAL" clId="{97CE8EA3-16AE-45E5-B08E-C51A45B93B9F}" dt="2022-04-07T01:32:53.135" v="3120" actId="14100"/>
         <pc:sldMkLst>
           <pc:docMk/>
           <pc:sldMk cId="3205019338" sldId="322"/>
         </pc:sldMkLst>
         <pc:spChg chg="mod">
-          <ac:chgData name="Weifeng Xu" userId="e7aed605-a3dd-4d5a-a692-a87037af107b" providerId="ADAL" clId="{97CE8EA3-16AE-45E5-B08E-C51A45B93B9F}" dt="2021-10-28T16:45:25.589" v="2499" actId="20577"/>
+          <ac:chgData name="Weifeng Xu" userId="e7aed605-a3dd-4d5a-a692-a87037af107b" providerId="ADAL" clId="{97CE8EA3-16AE-45E5-B08E-C51A45B93B9F}" dt="2022-04-07T01:28:17.694" v="3102" actId="20577"/>
           <ac:spMkLst>
             <pc:docMk/>
             <pc:sldMk cId="3205019338" sldId="322"/>
             <ac:spMk id="2" creationId="{00000000-0000-0000-0000-000000000000}"/>
           </ac:spMkLst>
         </pc:spChg>
+        <pc:picChg chg="add del mod">
+          <ac:chgData name="Weifeng Xu" userId="e7aed605-a3dd-4d5a-a692-a87037af107b" providerId="ADAL" clId="{97CE8EA3-16AE-45E5-B08E-C51A45B93B9F}" dt="2022-04-07T01:31:14.058" v="3109" actId="21"/>
+          <ac:picMkLst>
+            <pc:docMk/>
+            <pc:sldMk cId="3205019338" sldId="322"/>
+            <ac:picMk id="5" creationId="{7A242C3D-E189-4F98-AA47-B8DE7A01E917}"/>
+          </ac:picMkLst>
+        </pc:picChg>
+        <pc:picChg chg="add mod">
+          <ac:chgData name="Weifeng Xu" userId="e7aed605-a3dd-4d5a-a692-a87037af107b" providerId="ADAL" clId="{97CE8EA3-16AE-45E5-B08E-C51A45B93B9F}" dt="2022-04-07T01:32:53.135" v="3120" actId="14100"/>
+          <ac:picMkLst>
+            <pc:docMk/>
+            <pc:sldMk cId="3205019338" sldId="322"/>
+            <ac:picMk id="6" creationId="{31649820-9DC2-47E2-9A3B-50170789902B}"/>
+          </ac:picMkLst>
+        </pc:picChg>
       </pc:sldChg>
-      <pc:sldChg chg="modSp mod">
-        <pc:chgData name="Weifeng Xu" userId="e7aed605-a3dd-4d5a-a692-a87037af107b" providerId="ADAL" clId="{97CE8EA3-16AE-45E5-B08E-C51A45B93B9F}" dt="2021-10-28T16:46:20.332" v="2524" actId="20577"/>
+      <pc:sldChg chg="addSp delSp modSp mod">
+        <pc:chgData name="Weifeng Xu" userId="e7aed605-a3dd-4d5a-a692-a87037af107b" providerId="ADAL" clId="{97CE8EA3-16AE-45E5-B08E-C51A45B93B9F}" dt="2022-04-07T01:38:18.956" v="3137" actId="20577"/>
         <pc:sldMkLst>
           <pc:docMk/>
           <pc:sldMk cId="937655564" sldId="323"/>
         </pc:sldMkLst>
         <pc:spChg chg="mod">
-          <ac:chgData name="Weifeng Xu" userId="e7aed605-a3dd-4d5a-a692-a87037af107b" providerId="ADAL" clId="{97CE8EA3-16AE-45E5-B08E-C51A45B93B9F}" dt="2021-10-28T16:46:20.332" v="2524" actId="20577"/>
+          <ac:chgData name="Weifeng Xu" userId="e7aed605-a3dd-4d5a-a692-a87037af107b" providerId="ADAL" clId="{97CE8EA3-16AE-45E5-B08E-C51A45B93B9F}" dt="2022-04-07T01:38:18.956" v="3137" actId="20577"/>
           <ac:spMkLst>
             <pc:docMk/>
             <pc:sldMk cId="937655564" sldId="323"/>
             <ac:spMk id="2" creationId="{00000000-0000-0000-0000-000000000000}"/>
           </ac:spMkLst>
         </pc:spChg>
+        <pc:picChg chg="add del mod">
+          <ac:chgData name="Weifeng Xu" userId="e7aed605-a3dd-4d5a-a692-a87037af107b" providerId="ADAL" clId="{97CE8EA3-16AE-45E5-B08E-C51A45B93B9F}" dt="2022-04-07T01:32:01.720" v="3114"/>
+          <ac:picMkLst>
+            <pc:docMk/>
+            <pc:sldMk cId="937655564" sldId="323"/>
+            <ac:picMk id="4" creationId="{22C93ECF-F43A-4672-86A4-5D094DCB6D3A}"/>
+          </ac:picMkLst>
+        </pc:picChg>
       </pc:sldChg>
       <pc:sldChg chg="addSp delSp modSp mod modNotesTx">
         <pc:chgData name="Weifeng Xu" userId="e7aed605-a3dd-4d5a-a692-a87037af107b" providerId="ADAL" clId="{97CE8EA3-16AE-45E5-B08E-C51A45B93B9F}" dt="2021-10-19T02:07:15.897" v="1104" actId="114"/>
@@ -567,7 +595,7 @@
         </pc:spChg>
       </pc:sldChg>
       <pc:sldChg chg="addSp delSp modSp mod">
-        <pc:chgData name="Weifeng Xu" userId="e7aed605-a3dd-4d5a-a692-a87037af107b" providerId="ADAL" clId="{97CE8EA3-16AE-45E5-B08E-C51A45B93B9F}" dt="2021-11-09T14:00:19.126" v="3007" actId="14100"/>
+        <pc:chgData name="Weifeng Xu" userId="e7aed605-a3dd-4d5a-a692-a87037af107b" providerId="ADAL" clId="{97CE8EA3-16AE-45E5-B08E-C51A45B93B9F}" dt="2022-04-07T02:09:28.064" v="3162" actId="14100"/>
         <pc:sldMkLst>
           <pc:docMk/>
           <pc:sldMk cId="3225960140" sldId="332"/>
@@ -581,7 +609,7 @@
           </ac:spMkLst>
         </pc:spChg>
         <pc:spChg chg="mod">
-          <ac:chgData name="Weifeng Xu" userId="e7aed605-a3dd-4d5a-a692-a87037af107b" providerId="ADAL" clId="{97CE8EA3-16AE-45E5-B08E-C51A45B93B9F}" dt="2021-11-09T14:00:15.244" v="3006" actId="20577"/>
+          <ac:chgData name="Weifeng Xu" userId="e7aed605-a3dd-4d5a-a692-a87037af107b" providerId="ADAL" clId="{97CE8EA3-16AE-45E5-B08E-C51A45B93B9F}" dt="2022-04-07T02:06:26.235" v="3158" actId="6549"/>
           <ac:spMkLst>
             <pc:docMk/>
             <pc:sldMk cId="3225960140" sldId="332"/>
@@ -621,11 +649,19 @@
           </ac:picMkLst>
         </pc:picChg>
         <pc:cxnChg chg="add mod">
-          <ac:chgData name="Weifeng Xu" userId="e7aed605-a3dd-4d5a-a692-a87037af107b" providerId="ADAL" clId="{97CE8EA3-16AE-45E5-B08E-C51A45B93B9F}" dt="2021-11-09T13:58:15.829" v="2976" actId="14100"/>
+          <ac:chgData name="Weifeng Xu" userId="e7aed605-a3dd-4d5a-a692-a87037af107b" providerId="ADAL" clId="{97CE8EA3-16AE-45E5-B08E-C51A45B93B9F}" dt="2022-04-07T02:06:35.732" v="3159" actId="14100"/>
           <ac:cxnSpMkLst>
             <pc:docMk/>
             <pc:sldMk cId="3225960140" sldId="332"/>
             <ac:cxnSpMk id="6" creationId="{011D61ED-EF56-47AB-9703-CDCE59FCD30D}"/>
+          </ac:cxnSpMkLst>
+        </pc:cxnChg>
+        <pc:cxnChg chg="add mod">
+          <ac:chgData name="Weifeng Xu" userId="e7aed605-a3dd-4d5a-a692-a87037af107b" providerId="ADAL" clId="{97CE8EA3-16AE-45E5-B08E-C51A45B93B9F}" dt="2022-04-07T02:09:28.064" v="3162" actId="14100"/>
+          <ac:cxnSpMkLst>
+            <pc:docMk/>
+            <pc:sldMk cId="3225960140" sldId="332"/>
+            <ac:cxnSpMk id="10" creationId="{BC446A57-2783-4D02-B0B8-4A328B52573E}"/>
           </ac:cxnSpMkLst>
         </pc:cxnChg>
         <pc:cxnChg chg="add mod">
@@ -672,6 +708,21 @@
             <pc:docMk/>
             <pc:sldMk cId="2140732946" sldId="342"/>
             <ac:spMk id="3" creationId="{00000000-0000-0000-0000-000000000000}"/>
+          </ac:spMkLst>
+        </pc:spChg>
+      </pc:sldChg>
+      <pc:sldChg chg="addSp modSp mod modNotesTx">
+        <pc:chgData name="Weifeng Xu" userId="e7aed605-a3dd-4d5a-a692-a87037af107b" providerId="ADAL" clId="{97CE8EA3-16AE-45E5-B08E-C51A45B93B9F}" dt="2022-04-19T12:20:38.556" v="3257"/>
+        <pc:sldMkLst>
+          <pc:docMk/>
+          <pc:sldMk cId="1212464018" sldId="346"/>
+        </pc:sldMkLst>
+        <pc:spChg chg="add mod">
+          <ac:chgData name="Weifeng Xu" userId="e7aed605-a3dd-4d5a-a692-a87037af107b" providerId="ADAL" clId="{97CE8EA3-16AE-45E5-B08E-C51A45B93B9F}" dt="2022-04-19T12:19:12.708" v="3254" actId="1076"/>
+          <ac:spMkLst>
+            <pc:docMk/>
+            <pc:sldMk cId="1212464018" sldId="346"/>
+            <ac:spMk id="5" creationId="{C8D5A478-87D6-483A-A80F-2B56873A5A56}"/>
           </ac:spMkLst>
         </pc:spChg>
       </pc:sldChg>
@@ -738,20 +789,75 @@
           </ac:cxnSpMkLst>
         </pc:cxnChg>
       </pc:sldChg>
-      <pc:sldChg chg="modSp mod">
-        <pc:chgData name="Weifeng Xu" userId="e7aed605-a3dd-4d5a-a692-a87037af107b" providerId="ADAL" clId="{97CE8EA3-16AE-45E5-B08E-C51A45B93B9F}" dt="2021-11-09T14:03:08.984" v="3008" actId="33524"/>
+      <pc:sldChg chg="addSp modSp mod modClrScheme chgLayout">
+        <pc:chgData name="Weifeng Xu" userId="e7aed605-a3dd-4d5a-a692-a87037af107b" providerId="ADAL" clId="{97CE8EA3-16AE-45E5-B08E-C51A45B93B9F}" dt="2022-04-19T12:56:36.209" v="3432" actId="1076"/>
         <pc:sldMkLst>
           <pc:docMk/>
           <pc:sldMk cId="1692159375" sldId="350"/>
         </pc:sldMkLst>
+        <pc:spChg chg="add mod ord">
+          <ac:chgData name="Weifeng Xu" userId="e7aed605-a3dd-4d5a-a692-a87037af107b" providerId="ADAL" clId="{97CE8EA3-16AE-45E5-B08E-C51A45B93B9F}" dt="2022-04-19T12:56:24.879" v="3428" actId="20577"/>
+          <ac:spMkLst>
+            <pc:docMk/>
+            <pc:sldMk cId="1692159375" sldId="350"/>
+            <ac:spMk id="2" creationId="{C6A8ED55-85FE-4EDD-B9CB-1495E5640908}"/>
+          </ac:spMkLst>
+        </pc:spChg>
         <pc:spChg chg="mod">
-          <ac:chgData name="Weifeng Xu" userId="e7aed605-a3dd-4d5a-a692-a87037af107b" providerId="ADAL" clId="{97CE8EA3-16AE-45E5-B08E-C51A45B93B9F}" dt="2021-11-09T14:03:08.984" v="3008" actId="33524"/>
+          <ac:chgData name="Weifeng Xu" userId="e7aed605-a3dd-4d5a-a692-a87037af107b" providerId="ADAL" clId="{97CE8EA3-16AE-45E5-B08E-C51A45B93B9F}" dt="2022-04-19T12:56:32.581" v="3430" actId="1076"/>
           <ac:spMkLst>
             <pc:docMk/>
             <pc:sldMk cId="1692159375" sldId="350"/>
             <ac:spMk id="3" creationId="{00000000-0000-0000-0000-000000000000}"/>
           </ac:spMkLst>
         </pc:spChg>
+        <pc:spChg chg="mod">
+          <ac:chgData name="Weifeng Xu" userId="e7aed605-a3dd-4d5a-a692-a87037af107b" providerId="ADAL" clId="{97CE8EA3-16AE-45E5-B08E-C51A45B93B9F}" dt="2022-04-19T12:56:36.209" v="3432" actId="1076"/>
+          <ac:spMkLst>
+            <pc:docMk/>
+            <pc:sldMk cId="1692159375" sldId="350"/>
+            <ac:spMk id="5" creationId="{DCC82629-2D70-4C74-BA85-98D61B7160D9}"/>
+          </ac:spMkLst>
+        </pc:spChg>
+        <pc:picChg chg="mod">
+          <ac:chgData name="Weifeng Xu" userId="e7aed605-a3dd-4d5a-a692-a87037af107b" providerId="ADAL" clId="{97CE8EA3-16AE-45E5-B08E-C51A45B93B9F}" dt="2022-04-19T12:56:34.388" v="3431" actId="1076"/>
+          <ac:picMkLst>
+            <pc:docMk/>
+            <pc:sldMk cId="1692159375" sldId="350"/>
+            <ac:picMk id="4" creationId="{00000000-0000-0000-0000-000000000000}"/>
+          </ac:picMkLst>
+        </pc:picChg>
+      </pc:sldChg>
+      <pc:sldChg chg="addSp modSp mod">
+        <pc:chgData name="Weifeng Xu" userId="e7aed605-a3dd-4d5a-a692-a87037af107b" providerId="ADAL" clId="{97CE8EA3-16AE-45E5-B08E-C51A45B93B9F}" dt="2022-04-19T15:10:56.778" v="3501" actId="1076"/>
+        <pc:sldMkLst>
+          <pc:docMk/>
+          <pc:sldMk cId="1118895763" sldId="355"/>
+        </pc:sldMkLst>
+        <pc:spChg chg="add mod">
+          <ac:chgData name="Weifeng Xu" userId="e7aed605-a3dd-4d5a-a692-a87037af107b" providerId="ADAL" clId="{97CE8EA3-16AE-45E5-B08E-C51A45B93B9F}" dt="2022-04-19T15:10:56.778" v="3501" actId="1076"/>
+          <ac:spMkLst>
+            <pc:docMk/>
+            <pc:sldMk cId="1118895763" sldId="355"/>
+            <ac:spMk id="5" creationId="{ED95EB36-1DE7-489B-A96B-DE50DBCE9058}"/>
+          </ac:spMkLst>
+        </pc:spChg>
+        <pc:picChg chg="mod">
+          <ac:chgData name="Weifeng Xu" userId="e7aed605-a3dd-4d5a-a692-a87037af107b" providerId="ADAL" clId="{97CE8EA3-16AE-45E5-B08E-C51A45B93B9F}" dt="2022-04-19T15:05:40.312" v="3480" actId="1076"/>
+          <ac:picMkLst>
+            <pc:docMk/>
+            <pc:sldMk cId="1118895763" sldId="355"/>
+            <ac:picMk id="4" creationId="{00000000-0000-0000-0000-000000000000}"/>
+          </ac:picMkLst>
+        </pc:picChg>
+        <pc:picChg chg="add mod">
+          <ac:chgData name="Weifeng Xu" userId="e7aed605-a3dd-4d5a-a692-a87037af107b" providerId="ADAL" clId="{97CE8EA3-16AE-45E5-B08E-C51A45B93B9F}" dt="2022-04-19T15:06:00.262" v="3487" actId="1076"/>
+          <ac:picMkLst>
+            <pc:docMk/>
+            <pc:sldMk cId="1118895763" sldId="355"/>
+            <ac:picMk id="1026" creationId="{187BB841-9A1D-47B3-AFD1-ED1E8B85C73F}"/>
+          </ac:picMkLst>
+        </pc:picChg>
       </pc:sldChg>
       <pc:sldChg chg="addSp modSp mod">
         <pc:chgData name="Weifeng Xu" userId="e7aed605-a3dd-4d5a-a692-a87037af107b" providerId="ADAL" clId="{97CE8EA3-16AE-45E5-B08E-C51A45B93B9F}" dt="2021-11-09T16:02:36.030" v="3014" actId="13822"/>
@@ -1038,7 +1144,7 @@
         </pc:sldMkLst>
       </pc:sldChg>
       <pc:sldChg chg="addSp delSp modSp new mod modClrScheme chgLayout">
-        <pc:chgData name="Weifeng Xu" userId="e7aed605-a3dd-4d5a-a692-a87037af107b" providerId="ADAL" clId="{97CE8EA3-16AE-45E5-B08E-C51A45B93B9F}" dt="2021-10-26T20:46:24.036" v="1723" actId="20577"/>
+        <pc:chgData name="Weifeng Xu" userId="e7aed605-a3dd-4d5a-a692-a87037af107b" providerId="ADAL" clId="{97CE8EA3-16AE-45E5-B08E-C51A45B93B9F}" dt="2022-04-07T01:37:59.530" v="3135" actId="14100"/>
         <pc:sldMkLst>
           <pc:docMk/>
           <pc:sldMk cId="1113331362" sldId="362"/>
@@ -1049,6 +1155,14 @@
             <pc:docMk/>
             <pc:sldMk cId="1113331362" sldId="362"/>
             <ac:spMk id="2" creationId="{1DD950ED-0A3F-45E8-8198-F59886D4BF3C}"/>
+          </ac:spMkLst>
+        </pc:spChg>
+        <pc:spChg chg="add mod">
+          <ac:chgData name="Weifeng Xu" userId="e7aed605-a3dd-4d5a-a692-a87037af107b" providerId="ADAL" clId="{97CE8EA3-16AE-45E5-B08E-C51A45B93B9F}" dt="2022-04-07T01:36:51.413" v="3132" actId="20577"/>
+          <ac:spMkLst>
+            <pc:docMk/>
+            <pc:sldMk cId="1113331362" sldId="362"/>
+            <ac:spMk id="2" creationId="{87CC32A8-FF87-40C6-9F93-0915850E093F}"/>
           </ac:spMkLst>
         </pc:spChg>
         <pc:spChg chg="add mod ord">
@@ -1124,6 +1238,22 @@
           </ac:picMkLst>
         </pc:picChg>
         <pc:cxnChg chg="add mod">
+          <ac:chgData name="Weifeng Xu" userId="e7aed605-a3dd-4d5a-a692-a87037af107b" providerId="ADAL" clId="{97CE8EA3-16AE-45E5-B08E-C51A45B93B9F}" dt="2022-04-07T01:37:59.530" v="3135" actId="14100"/>
+          <ac:cxnSpMkLst>
+            <pc:docMk/>
+            <pc:sldMk cId="1113331362" sldId="362"/>
+            <ac:cxnSpMk id="4" creationId="{C69DDD97-AEAA-4E30-91DF-26F9AC19CDB3}"/>
+          </ac:cxnSpMkLst>
+        </pc:cxnChg>
+        <pc:cxnChg chg="add">
+          <ac:chgData name="Weifeng Xu" userId="e7aed605-a3dd-4d5a-a692-a87037af107b" providerId="ADAL" clId="{97CE8EA3-16AE-45E5-B08E-C51A45B93B9F}" dt="2022-04-07T01:37:55.914" v="3134" actId="11529"/>
+          <ac:cxnSpMkLst>
+            <pc:docMk/>
+            <pc:sldMk cId="1113331362" sldId="362"/>
+            <ac:cxnSpMk id="7" creationId="{6A1E7089-5D6F-4575-8D71-5EB18E1D0F20}"/>
+          </ac:cxnSpMkLst>
+        </pc:cxnChg>
+        <pc:cxnChg chg="add mod">
           <ac:chgData name="Weifeng Xu" userId="e7aed605-a3dd-4d5a-a692-a87037af107b" providerId="ADAL" clId="{97CE8EA3-16AE-45E5-B08E-C51A45B93B9F}" dt="2021-10-26T20:31:14.294" v="1486" actId="14100"/>
           <ac:cxnSpMkLst>
             <pc:docMk/>
@@ -1194,7 +1324,7 @@
         </pc:sldMkLst>
       </pc:sldChg>
       <pc:sldChg chg="addSp delSp modSp add mod ord modNotesTx">
-        <pc:chgData name="Weifeng Xu" userId="e7aed605-a3dd-4d5a-a692-a87037af107b" providerId="ADAL" clId="{97CE8EA3-16AE-45E5-B08E-C51A45B93B9F}" dt="2021-10-28T16:52:05.562" v="2547" actId="1076"/>
+        <pc:chgData name="Weifeng Xu" userId="e7aed605-a3dd-4d5a-a692-a87037af107b" providerId="ADAL" clId="{97CE8EA3-16AE-45E5-B08E-C51A45B93B9F}" dt="2022-04-07T01:46:22.396" v="3150" actId="20577"/>
         <pc:sldMkLst>
           <pc:docMk/>
           <pc:sldMk cId="988167159" sldId="365"/>
@@ -1208,7 +1338,7 @@
           </ac:spMkLst>
         </pc:spChg>
         <pc:spChg chg="mod">
-          <ac:chgData name="Weifeng Xu" userId="e7aed605-a3dd-4d5a-a692-a87037af107b" providerId="ADAL" clId="{97CE8EA3-16AE-45E5-B08E-C51A45B93B9F}" dt="2021-10-28T16:50:10.702" v="2540" actId="14100"/>
+          <ac:chgData name="Weifeng Xu" userId="e7aed605-a3dd-4d5a-a692-a87037af107b" providerId="ADAL" clId="{97CE8EA3-16AE-45E5-B08E-C51A45B93B9F}" dt="2022-04-07T01:46:22.396" v="3150" actId="20577"/>
           <ac:spMkLst>
             <pc:docMk/>
             <pc:sldMk cId="988167159" sldId="365"/>
@@ -1257,7 +1387,7 @@
         </pc:picChg>
       </pc:sldChg>
       <pc:sldChg chg="addSp modSp new mod modClrScheme chgLayout">
-        <pc:chgData name="Weifeng Xu" userId="e7aed605-a3dd-4d5a-a692-a87037af107b" providerId="ADAL" clId="{97CE8EA3-16AE-45E5-B08E-C51A45B93B9F}" dt="2021-10-28T16:44:23.670" v="2495" actId="20577"/>
+        <pc:chgData name="Weifeng Xu" userId="e7aed605-a3dd-4d5a-a692-a87037af107b" providerId="ADAL" clId="{97CE8EA3-16AE-45E5-B08E-C51A45B93B9F}" dt="2022-04-07T01:29:05.926" v="3106" actId="14100"/>
         <pc:sldMkLst>
           <pc:docMk/>
           <pc:sldMk cId="1478227442" sldId="366"/>
@@ -1271,7 +1401,7 @@
           </ac:spMkLst>
         </pc:spChg>
         <pc:spChg chg="add mod ord">
-          <ac:chgData name="Weifeng Xu" userId="e7aed605-a3dd-4d5a-a692-a87037af107b" providerId="ADAL" clId="{97CE8EA3-16AE-45E5-B08E-C51A45B93B9F}" dt="2021-10-28T16:44:23.670" v="2495" actId="20577"/>
+          <ac:chgData name="Weifeng Xu" userId="e7aed605-a3dd-4d5a-a692-a87037af107b" providerId="ADAL" clId="{97CE8EA3-16AE-45E5-B08E-C51A45B93B9F}" dt="2022-04-07T01:13:38.298" v="3083" actId="14"/>
           <ac:spMkLst>
             <pc:docMk/>
             <pc:sldMk cId="1478227442" sldId="366"/>
@@ -1292,6 +1422,14 @@
             <pc:docMk/>
             <pc:sldMk cId="1478227442" sldId="366"/>
             <ac:picMk id="5" creationId="{8A235527-0052-4392-AB30-A0CCE7C0C262}"/>
+          </ac:picMkLst>
+        </pc:picChg>
+        <pc:picChg chg="add mod">
+          <ac:chgData name="Weifeng Xu" userId="e7aed605-a3dd-4d5a-a692-a87037af107b" providerId="ADAL" clId="{97CE8EA3-16AE-45E5-B08E-C51A45B93B9F}" dt="2022-04-07T01:29:05.926" v="3106" actId="14100"/>
+          <ac:picMkLst>
+            <pc:docMk/>
+            <pc:sldMk cId="1478227442" sldId="366"/>
+            <ac:picMk id="12" creationId="{E93C6239-6B5F-4E7C-8F66-E9C94F904203}"/>
           </ac:picMkLst>
         </pc:picChg>
         <pc:cxnChg chg="add">
@@ -1319,7 +1457,7 @@
           </ac:cxnSpMkLst>
         </pc:cxnChg>
         <pc:cxnChg chg="add mod">
-          <ac:chgData name="Weifeng Xu" userId="e7aed605-a3dd-4d5a-a692-a87037af107b" providerId="ADAL" clId="{97CE8EA3-16AE-45E5-B08E-C51A45B93B9F}" dt="2021-10-26T20:51:45.740" v="1767" actId="14100"/>
+          <ac:chgData name="Weifeng Xu" userId="e7aed605-a3dd-4d5a-a692-a87037af107b" providerId="ADAL" clId="{97CE8EA3-16AE-45E5-B08E-C51A45B93B9F}" dt="2022-04-07T01:14:23.573" v="3084" actId="14100"/>
           <ac:cxnSpMkLst>
             <pc:docMk/>
             <pc:sldMk cId="1478227442" sldId="366"/>
@@ -1358,8 +1496,8 @@
           </ac:picMkLst>
         </pc:picChg>
       </pc:sldChg>
-      <pc:sldChg chg="modSp new mod">
-        <pc:chgData name="Weifeng Xu" userId="e7aed605-a3dd-4d5a-a692-a87037af107b" providerId="ADAL" clId="{97CE8EA3-16AE-45E5-B08E-C51A45B93B9F}" dt="2021-10-28T12:48:55.126" v="1918" actId="20577"/>
+      <pc:sldChg chg="addSp modSp new mod">
+        <pc:chgData name="Weifeng Xu" userId="e7aed605-a3dd-4d5a-a692-a87037af107b" providerId="ADAL" clId="{97CE8EA3-16AE-45E5-B08E-C51A45B93B9F}" dt="2022-04-07T01:31:19.563" v="3112" actId="1076"/>
         <pc:sldMkLst>
           <pc:docMk/>
           <pc:sldMk cId="1039311116" sldId="368"/>
@@ -1380,9 +1518,17 @@
             <ac:spMk id="3" creationId="{4057717D-EC05-44EC-AB96-CF263544D46E}"/>
           </ac:spMkLst>
         </pc:spChg>
+        <pc:picChg chg="add mod">
+          <ac:chgData name="Weifeng Xu" userId="e7aed605-a3dd-4d5a-a692-a87037af107b" providerId="ADAL" clId="{97CE8EA3-16AE-45E5-B08E-C51A45B93B9F}" dt="2022-04-07T01:31:19.563" v="3112" actId="1076"/>
+          <ac:picMkLst>
+            <pc:docMk/>
+            <pc:sldMk cId="1039311116" sldId="368"/>
+            <ac:picMk id="4" creationId="{3BF7807E-701F-48FE-BE91-0958FC23BAF6}"/>
+          </ac:picMkLst>
+        </pc:picChg>
       </pc:sldChg>
       <pc:sldChg chg="delSp modSp add mod ord modNotesTx">
-        <pc:chgData name="Weifeng Xu" userId="e7aed605-a3dd-4d5a-a692-a87037af107b" providerId="ADAL" clId="{97CE8EA3-16AE-45E5-B08E-C51A45B93B9F}" dt="2021-11-09T17:08:09.674" v="3065" actId="20577"/>
+        <pc:chgData name="Weifeng Xu" userId="e7aed605-a3dd-4d5a-a692-a87037af107b" providerId="ADAL" clId="{97CE8EA3-16AE-45E5-B08E-C51A45B93B9F}" dt="2022-04-07T01:55:46.257" v="3152" actId="21"/>
         <pc:sldMkLst>
           <pc:docMk/>
           <pc:sldMk cId="3308752769" sldId="369"/>
@@ -1396,7 +1542,7 @@
           </ac:spMkLst>
         </pc:spChg>
         <pc:spChg chg="mod">
-          <ac:chgData name="Weifeng Xu" userId="e7aed605-a3dd-4d5a-a692-a87037af107b" providerId="ADAL" clId="{97CE8EA3-16AE-45E5-B08E-C51A45B93B9F}" dt="2021-11-09T17:08:09.674" v="3065" actId="20577"/>
+          <ac:chgData name="Weifeng Xu" userId="e7aed605-a3dd-4d5a-a692-a87037af107b" providerId="ADAL" clId="{97CE8EA3-16AE-45E5-B08E-C51A45B93B9F}" dt="2022-04-07T01:55:46.257" v="3152" actId="21"/>
           <ac:spMkLst>
             <pc:docMk/>
             <pc:sldMk cId="3308752769" sldId="369"/>
@@ -1483,7 +1629,7 @@
         </pc:picChg>
       </pc:sldChg>
       <pc:sldChg chg="modSp add mod ord">
-        <pc:chgData name="Weifeng Xu" userId="e7aed605-a3dd-4d5a-a692-a87037af107b" providerId="ADAL" clId="{97CE8EA3-16AE-45E5-B08E-C51A45B93B9F}" dt="2021-11-09T17:02:50.667" v="3063" actId="114"/>
+        <pc:chgData name="Weifeng Xu" userId="e7aed605-a3dd-4d5a-a692-a87037af107b" providerId="ADAL" clId="{97CE8EA3-16AE-45E5-B08E-C51A45B93B9F}" dt="2022-04-12T22:36:45.737" v="3163" actId="20578"/>
         <pc:sldMkLst>
           <pc:docMk/>
           <pc:sldMk cId="2383960421" sldId="372"/>
@@ -1497,13 +1643,137 @@
           </ac:spMkLst>
         </pc:spChg>
         <pc:spChg chg="mod">
-          <ac:chgData name="Weifeng Xu" userId="e7aed605-a3dd-4d5a-a692-a87037af107b" providerId="ADAL" clId="{97CE8EA3-16AE-45E5-B08E-C51A45B93B9F}" dt="2021-11-09T17:02:50.667" v="3063" actId="114"/>
+          <ac:chgData name="Weifeng Xu" userId="e7aed605-a3dd-4d5a-a692-a87037af107b" providerId="ADAL" clId="{97CE8EA3-16AE-45E5-B08E-C51A45B93B9F}" dt="2022-04-12T22:36:45.737" v="3163" actId="20578"/>
           <ac:spMkLst>
             <pc:docMk/>
             <pc:sldMk cId="2383960421" sldId="372"/>
             <ac:spMk id="3" creationId="{00000000-0000-0000-0000-000000000000}"/>
           </ac:spMkLst>
         </pc:spChg>
+      </pc:sldChg>
+      <pc:sldChg chg="addSp delSp modSp new mod modNotesTx">
+        <pc:chgData name="Weifeng Xu" userId="e7aed605-a3dd-4d5a-a692-a87037af107b" providerId="ADAL" clId="{97CE8EA3-16AE-45E5-B08E-C51A45B93B9F}" dt="2022-04-19T15:24:57.298" v="3509" actId="1076"/>
+        <pc:sldMkLst>
+          <pc:docMk/>
+          <pc:sldMk cId="3500648668" sldId="373"/>
+        </pc:sldMkLst>
+        <pc:spChg chg="add mod">
+          <ac:chgData name="Weifeng Xu" userId="e7aed605-a3dd-4d5a-a692-a87037af107b" providerId="ADAL" clId="{97CE8EA3-16AE-45E5-B08E-C51A45B93B9F}" dt="2022-04-19T12:51:21.596" v="3306" actId="1076"/>
+          <ac:spMkLst>
+            <pc:docMk/>
+            <pc:sldMk cId="3500648668" sldId="373"/>
+            <ac:spMk id="4" creationId="{E57A9702-FE32-4374-A8B4-7DE54BC45189}"/>
+          </ac:spMkLst>
+        </pc:spChg>
+        <pc:spChg chg="add del mod">
+          <ac:chgData name="Weifeng Xu" userId="e7aed605-a3dd-4d5a-a692-a87037af107b" providerId="ADAL" clId="{97CE8EA3-16AE-45E5-B08E-C51A45B93B9F}" dt="2022-04-19T12:51:43.759" v="3311" actId="22"/>
+          <ac:spMkLst>
+            <pc:docMk/>
+            <pc:sldMk cId="3500648668" sldId="373"/>
+            <ac:spMk id="6" creationId="{9AE1171C-B785-4622-9AC4-625E40190C15}"/>
+          </ac:spMkLst>
+        </pc:spChg>
+        <pc:picChg chg="add mod">
+          <ac:chgData name="Weifeng Xu" userId="e7aed605-a3dd-4d5a-a692-a87037af107b" providerId="ADAL" clId="{97CE8EA3-16AE-45E5-B08E-C51A45B93B9F}" dt="2022-04-19T12:51:22.857" v="3307" actId="1076"/>
+          <ac:picMkLst>
+            <pc:docMk/>
+            <pc:sldMk cId="3500648668" sldId="373"/>
+            <ac:picMk id="3" creationId="{D6CDAA1B-8BC3-4E25-B841-2FB78D9E7AC5}"/>
+          </ac:picMkLst>
+        </pc:picChg>
+        <pc:picChg chg="add mod">
+          <ac:chgData name="Weifeng Xu" userId="e7aed605-a3dd-4d5a-a692-a87037af107b" providerId="ADAL" clId="{97CE8EA3-16AE-45E5-B08E-C51A45B93B9F}" dt="2022-04-19T15:24:57.298" v="3509" actId="1076"/>
+          <ac:picMkLst>
+            <pc:docMk/>
+            <pc:sldMk cId="3500648668" sldId="373"/>
+            <ac:picMk id="5" creationId="{5C4BEAF6-DDDF-4563-9DB2-0F5C24911668}"/>
+          </ac:picMkLst>
+        </pc:picChg>
+        <pc:picChg chg="add mod">
+          <ac:chgData name="Weifeng Xu" userId="e7aed605-a3dd-4d5a-a692-a87037af107b" providerId="ADAL" clId="{97CE8EA3-16AE-45E5-B08E-C51A45B93B9F}" dt="2022-04-19T12:43:49.021" v="3261" actId="1076"/>
+          <ac:picMkLst>
+            <pc:docMk/>
+            <pc:sldMk cId="3500648668" sldId="373"/>
+            <ac:picMk id="1026" creationId="{5B38AA0F-A0F3-4C77-AF86-B5C61A5CFD4E}"/>
+          </ac:picMkLst>
+        </pc:picChg>
+      </pc:sldChg>
+      <pc:sldChg chg="addSp delSp modSp new mod">
+        <pc:chgData name="Weifeng Xu" userId="e7aed605-a3dd-4d5a-a692-a87037af107b" providerId="ADAL" clId="{97CE8EA3-16AE-45E5-B08E-C51A45B93B9F}" dt="2022-04-19T15:24:35.644" v="3506" actId="1076"/>
+        <pc:sldMkLst>
+          <pc:docMk/>
+          <pc:sldMk cId="1332504602" sldId="374"/>
+        </pc:sldMkLst>
+        <pc:spChg chg="add mod">
+          <ac:chgData name="Weifeng Xu" userId="e7aed605-a3dd-4d5a-a692-a87037af107b" providerId="ADAL" clId="{97CE8EA3-16AE-45E5-B08E-C51A45B93B9F}" dt="2022-04-19T15:24:35.644" v="3506" actId="1076"/>
+          <ac:spMkLst>
+            <pc:docMk/>
+            <pc:sldMk cId="1332504602" sldId="374"/>
+            <ac:spMk id="3" creationId="{6D5286B6-187B-4F33-8661-6D2366492369}"/>
+          </ac:spMkLst>
+        </pc:spChg>
+        <pc:spChg chg="add mod">
+          <ac:chgData name="Weifeng Xu" userId="e7aed605-a3dd-4d5a-a692-a87037af107b" providerId="ADAL" clId="{97CE8EA3-16AE-45E5-B08E-C51A45B93B9F}" dt="2022-04-19T12:54:50.962" v="3397" actId="1076"/>
+          <ac:spMkLst>
+            <pc:docMk/>
+            <pc:sldMk cId="1332504602" sldId="374"/>
+            <ac:spMk id="6" creationId="{E711A648-B4A1-4BC4-96D2-FD0569D07823}"/>
+          </ac:spMkLst>
+        </pc:spChg>
+        <pc:spChg chg="add del mod">
+          <ac:chgData name="Weifeng Xu" userId="e7aed605-a3dd-4d5a-a692-a87037af107b" providerId="ADAL" clId="{97CE8EA3-16AE-45E5-B08E-C51A45B93B9F}" dt="2022-04-19T15:24:25.888" v="3503" actId="478"/>
+          <ac:spMkLst>
+            <pc:docMk/>
+            <pc:sldMk cId="1332504602" sldId="374"/>
+            <ac:spMk id="7" creationId="{074A1455-80F6-4F36-B25C-2F792B6064F3}"/>
+          </ac:spMkLst>
+        </pc:spChg>
+        <pc:picChg chg="add mod">
+          <ac:chgData name="Weifeng Xu" userId="e7aed605-a3dd-4d5a-a692-a87037af107b" providerId="ADAL" clId="{97CE8EA3-16AE-45E5-B08E-C51A45B93B9F}" dt="2022-04-19T12:54:50.962" v="3397" actId="1076"/>
+          <ac:picMkLst>
+            <pc:docMk/>
+            <pc:sldMk cId="1332504602" sldId="374"/>
+            <ac:picMk id="5" creationId="{1E92701B-8290-4C2B-9A11-07024504BA97}"/>
+          </ac:picMkLst>
+        </pc:picChg>
+        <pc:picChg chg="add mod">
+          <ac:chgData name="Weifeng Xu" userId="e7aed605-a3dd-4d5a-a692-a87037af107b" providerId="ADAL" clId="{97CE8EA3-16AE-45E5-B08E-C51A45B93B9F}" dt="2022-04-19T15:24:33.128" v="3505" actId="1076"/>
+          <ac:picMkLst>
+            <pc:docMk/>
+            <pc:sldMk cId="1332504602" sldId="374"/>
+            <ac:picMk id="8" creationId="{C027A5E5-2101-48A0-8EFF-F07D32EE053B}"/>
+          </ac:picMkLst>
+        </pc:picChg>
+      </pc:sldChg>
+      <pc:sldChg chg="addSp new mod ord">
+        <pc:chgData name="Weifeng Xu" userId="e7aed605-a3dd-4d5a-a692-a87037af107b" providerId="ADAL" clId="{97CE8EA3-16AE-45E5-B08E-C51A45B93B9F}" dt="2022-04-19T12:55:43.498" v="3402"/>
+        <pc:sldMkLst>
+          <pc:docMk/>
+          <pc:sldMk cId="2849683126" sldId="375"/>
+        </pc:sldMkLst>
+        <pc:picChg chg="add">
+          <ac:chgData name="Weifeng Xu" userId="e7aed605-a3dd-4d5a-a692-a87037af107b" providerId="ADAL" clId="{97CE8EA3-16AE-45E5-B08E-C51A45B93B9F}" dt="2022-04-19T12:53:13.340" v="3322" actId="22"/>
+          <ac:picMkLst>
+            <pc:docMk/>
+            <pc:sldMk cId="2849683126" sldId="375"/>
+            <ac:picMk id="3" creationId="{5F3B10CF-F0A1-4DF9-A28B-62F4E6298643}"/>
+          </ac:picMkLst>
+        </pc:picChg>
+      </pc:sldChg>
+      <pc:sldChg chg="addSp new mod">
+        <pc:chgData name="Weifeng Xu" userId="e7aed605-a3dd-4d5a-a692-a87037af107b" providerId="ADAL" clId="{97CE8EA3-16AE-45E5-B08E-C51A45B93B9F}" dt="2022-04-19T12:55:33.243" v="3400" actId="22"/>
+        <pc:sldMkLst>
+          <pc:docMk/>
+          <pc:sldMk cId="498353629" sldId="376"/>
+        </pc:sldMkLst>
+        <pc:picChg chg="add">
+          <ac:chgData name="Weifeng Xu" userId="e7aed605-a3dd-4d5a-a692-a87037af107b" providerId="ADAL" clId="{97CE8EA3-16AE-45E5-B08E-C51A45B93B9F}" dt="2022-04-19T12:55:33.243" v="3400" actId="22"/>
+          <ac:picMkLst>
+            <pc:docMk/>
+            <pc:sldMk cId="498353629" sldId="376"/>
+            <ac:picMk id="3" creationId="{CBD78C11-D0E9-4F8F-A92D-A755BC34E18A}"/>
+          </ac:picMkLst>
+        </pc:picChg>
       </pc:sldChg>
     </pc:docChg>
   </pc:docChgLst>
@@ -1760,7 +2030,7 @@
           <a:p>
             <a:fld id="{EE41F6E3-57F9-402E-BDBA-5B2DE11C8530}" type="datetimeFigureOut">
               <a:rPr lang="en-US" smtClean="0"/>
-              <a:t>11/9/2021</a:t>
+              <a:t>4/19/2022</a:t>
             </a:fld>
             <a:endParaRPr lang="en-US"/>
           </a:p>
@@ -3101,7 +3371,7 @@
             </a:r>
             <a:r>
               <a:rPr lang="en-US" dirty="0" err="1"/>
-              <a:t>runmru</a:t>
+              <a:t>mndmru</a:t>
             </a:r>
             <a:endParaRPr lang="en-US" dirty="0"/>
           </a:p>
@@ -3133,7 +3403,7 @@
     </p:spTree>
     <p:extLst>
       <p:ext uri="{BB962C8B-B14F-4D97-AF65-F5344CB8AC3E}">
-        <p14:creationId xmlns:p14="http://schemas.microsoft.com/office/powerpoint/2010/main" val="3731629817"/>
+        <p14:creationId xmlns:p14="http://schemas.microsoft.com/office/powerpoint/2010/main" val="1805715163"/>
       </p:ext>
     </p:extLst>
   </p:cSld>
@@ -3589,12 +3859,43 @@
           <a:bodyPr/>
           <a:lstStyle/>
           <a:p>
+            <a:pPr marL="0" marR="0" lvl="0" indent="0" algn="l" defTabSz="914400" rtl="0" eaLnBrk="1" fontAlgn="auto" latinLnBrk="0" hangingPunct="1">
+              <a:lnSpc>
+                <a:spcPct val="100000"/>
+              </a:lnSpc>
+              <a:spcBef>
+                <a:spcPts val="0"/>
+              </a:spcBef>
+              <a:spcAft>
+                <a:spcPts val="0"/>
+              </a:spcAft>
+              <a:buClrTx/>
+              <a:buSzTx/>
+              <a:buFontTx/>
+              <a:buNone/>
+              <a:tabLst/>
+              <a:defRPr/>
+            </a:pPr>
             <a:r>
               <a:rPr lang="en-US" dirty="0" err="1"/>
               <a:t>wget</a:t>
             </a:r>
             <a:r>
               <a:rPr lang="en-US" dirty="0"/>
+              <a:t> https://github.com/frankwxu/digital-forensics-lab/tree/main/NIST_Data_Leakage_Case/tools/JLECmd.zip</a:t>
+            </a:r>
+          </a:p>
+          <a:p>
+            <a:r>
+              <a:rPr lang="en-US" dirty="0"/>
+              <a:t># </a:t>
+            </a:r>
+            <a:r>
+              <a:rPr lang="en-US" dirty="0" err="1"/>
+              <a:t>wget</a:t>
+            </a:r>
+            <a:r>
+              <a:rPr lang="en-US" dirty="0"/>
               <a:t> https://f001.backblazeb2.com/file/EricZimmermanTools/JLECmd.zip</a:t>
             </a:r>
           </a:p>
@@ -3603,6 +3904,9 @@
               <a:rPr lang="en-US" dirty="0"/>
               <a:t>unzip JLECmd.zip</a:t>
             </a:r>
+          </a:p>
+          <a:p>
+            <a:endParaRPr lang="en-US" dirty="0"/>
           </a:p>
         </p:txBody>
       </p:sp>
@@ -3873,36 +4177,8 @@
           <a:lstStyle/>
           <a:p>
             <a:r>
-              <a:rPr lang="en-US" dirty="0" err="1"/>
-              <a:t>cp</a:t>
-            </a:r>
-            <a:r>
-              <a:rPr lang="en-US" dirty="0"/>
-              <a:t> -</a:t>
-            </a:r>
-            <a:r>
-              <a:rPr lang="en-US" dirty="0" err="1"/>
-              <a:t>avr</a:t>
-            </a:r>
-            <a:r>
-              <a:rPr lang="en-US" dirty="0"/>
-              <a:t> /media/root/C8CA0C8DCA0C7A48/Users/informant/</a:t>
-            </a:r>
-            <a:r>
-              <a:rPr lang="en-US" dirty="0" err="1"/>
-              <a:t>AppData</a:t>
-            </a:r>
-            <a:r>
-              <a:rPr lang="en-US" dirty="0"/>
-              <a:t>/Roaming/Microsoft/Windows/Recent/</a:t>
-            </a:r>
-            <a:r>
-              <a:rPr lang="en-US" dirty="0" err="1"/>
-              <a:t>AutomaticDestinations</a:t>
-            </a:r>
-            <a:r>
-              <a:rPr lang="en-US" dirty="0"/>
-              <a:t>/ . </a:t>
+              <a:rPr lang="en-US"/>
+              <a:t>https://ericzimmerman.github.io/#!index.md</a:t>
             </a:r>
           </a:p>
         </p:txBody>
@@ -3914,7 +4190,7 @@
             <a:spLocks noGrp="1"/>
           </p:cNvSpPr>
           <p:nvPr>
-            <p:ph type="sldNum" sz="quarter" idx="10"/>
+            <p:ph type="sldNum" sz="quarter" idx="5"/>
           </p:nvPr>
         </p:nvSpPr>
         <p:spPr/>
@@ -3933,7 +4209,7 @@
     </p:spTree>
     <p:extLst>
       <p:ext uri="{BB962C8B-B14F-4D97-AF65-F5344CB8AC3E}">
-        <p14:creationId xmlns:p14="http://schemas.microsoft.com/office/powerpoint/2010/main" val="3629938280"/>
+        <p14:creationId xmlns:p14="http://schemas.microsoft.com/office/powerpoint/2010/main" val="329463285"/>
       </p:ext>
     </p:extLst>
   </p:cSld>
@@ -3988,30 +4264,37 @@
           <a:lstStyle/>
           <a:p>
             <a:r>
-              <a:rPr lang="fr-FR" dirty="0" err="1"/>
-              <a:t>wine</a:t>
-            </a:r>
-            <a:r>
-              <a:rPr lang="fr-FR" dirty="0"/>
-              <a:t> JLECmd.exe -d </a:t>
-            </a:r>
-            <a:r>
-              <a:rPr lang="fr-FR" dirty="0" err="1"/>
+              <a:rPr lang="en-US" dirty="0" err="1"/>
+              <a:t>cp</a:t>
+            </a:r>
+            <a:r>
+              <a:rPr lang="en-US" dirty="0"/>
+              <a:t> -</a:t>
+            </a:r>
+            <a:r>
+              <a:rPr lang="en-US" dirty="0" err="1"/>
+              <a:t>avr</a:t>
+            </a:r>
+            <a:r>
+              <a:rPr lang="en-US" dirty="0"/>
+              <a:t> /media/root/C8CA0C8DCA0C7A48/Users/informant/</a:t>
+            </a:r>
+            <a:r>
+              <a:rPr lang="en-US" dirty="0" err="1"/>
+              <a:t>AppData</a:t>
+            </a:r>
+            <a:r>
+              <a:rPr lang="en-US" dirty="0"/>
+              <a:t>/Roaming/Microsoft/Windows/Recent/</a:t>
+            </a:r>
+            <a:r>
+              <a:rPr lang="en-US" dirty="0" err="1"/>
               <a:t>AutomaticDestinations</a:t>
             </a:r>
             <a:r>
-              <a:rPr lang="fr-FR" dirty="0"/>
-              <a:t> --csv </a:t>
-            </a:r>
-            <a:r>
-              <a:rPr lang="fr-FR" dirty="0" err="1"/>
-              <a:t>AutomaticDestinations</a:t>
-            </a:r>
-            <a:r>
-              <a:rPr lang="fr-FR" dirty="0"/>
-              <a:t> -q</a:t>
-            </a:r>
-            <a:endParaRPr lang="en-US" dirty="0"/>
+              <a:rPr lang="en-US" dirty="0"/>
+              <a:t>/ . </a:t>
+            </a:r>
           </a:p>
         </p:txBody>
       </p:sp>
@@ -4032,7 +4315,7 @@
           <a:p>
             <a:fld id="{DDBF98C7-164A-4723-84F0-B1E4B080DDEC}" type="slidenum">
               <a:rPr lang="en-US" smtClean="0"/>
-              <a:t>37</a:t>
+              <a:t>40</a:t>
             </a:fld>
             <a:endParaRPr lang="en-US"/>
           </a:p>
@@ -4041,7 +4324,7 @@
     </p:spTree>
     <p:extLst>
       <p:ext uri="{BB962C8B-B14F-4D97-AF65-F5344CB8AC3E}">
-        <p14:creationId xmlns:p14="http://schemas.microsoft.com/office/powerpoint/2010/main" val="3231297336"/>
+        <p14:creationId xmlns:p14="http://schemas.microsoft.com/office/powerpoint/2010/main" val="3629938280"/>
       </p:ext>
     </p:extLst>
   </p:cSld>
@@ -4096,23 +4379,30 @@
           <a:lstStyle/>
           <a:p>
             <a:r>
-              <a:rPr lang="en-US" dirty="0"/>
-              <a:t>head -n2 </a:t>
-            </a:r>
-            <a:r>
-              <a:rPr lang="en-US" dirty="0" err="1"/>
+              <a:rPr lang="fr-FR" dirty="0" err="1"/>
+              <a:t>wine</a:t>
+            </a:r>
+            <a:r>
+              <a:rPr lang="fr-FR" dirty="0"/>
+              <a:t> JLECmd.exe -d </a:t>
+            </a:r>
+            <a:r>
+              <a:rPr lang="fr-FR" dirty="0" err="1"/>
               <a:t>AutomaticDestinations</a:t>
             </a:r>
             <a:r>
-              <a:rPr lang="en-US" dirty="0"/>
-              <a:t>/20201126160358_AutomaticDestinations.csv</a:t>
-            </a:r>
-          </a:p>
-          <a:p>
-            <a:r>
-              <a:rPr lang="en-US" dirty="0"/>
-              <a:t>SourceFile,SourceCreated,SourceModified,SourceAccessed,AppId,AppIdDescription,DestListVersion,LastUsedEntryNumber,MRU,EntryNumber,CreationTime,LastModified,Hostname,MacAddress,Path,InteractionCount,PinStatus,FileBirthDroid,FileDroid,VolumeBirthDroid,VolumeDroid,TargetCreated,TargetModified,TargetAccessed,FileSize,RelativePath,WorkingDirectory,FileAttributes,HeaderFlags,DriveType,VolumeSerialNumber,VolumeLabel,LocalPath,CommonPath,TargetIDAbsolutePath,TargetMFTEntryNumber,TargetMFTSequenceNumber,MachineID,MachineMACAddress,TrackerCreatedOn,ExtraBlocksPresent,Arguments,Notes</a:t>
-            </a:r>
+              <a:rPr lang="fr-FR" dirty="0"/>
+              <a:t> --csv </a:t>
+            </a:r>
+            <a:r>
+              <a:rPr lang="fr-FR" dirty="0" err="1"/>
+              <a:t>AutomaticDestinations</a:t>
+            </a:r>
+            <a:r>
+              <a:rPr lang="fr-FR" dirty="0"/>
+              <a:t> -q</a:t>
+            </a:r>
+            <a:endParaRPr lang="en-US" dirty="0"/>
           </a:p>
         </p:txBody>
       </p:sp>
@@ -4133,7 +4423,7 @@
           <a:p>
             <a:fld id="{DDBF98C7-164A-4723-84F0-B1E4B080DDEC}" type="slidenum">
               <a:rPr lang="en-US" smtClean="0"/>
-              <a:t>38</a:t>
+              <a:t>41</a:t>
             </a:fld>
             <a:endParaRPr lang="en-US"/>
           </a:p>
@@ -4142,7 +4432,7 @@
     </p:spTree>
     <p:extLst>
       <p:ext uri="{BB962C8B-B14F-4D97-AF65-F5344CB8AC3E}">
-        <p14:creationId xmlns:p14="http://schemas.microsoft.com/office/powerpoint/2010/main" val="3993995213"/>
+        <p14:creationId xmlns:p14="http://schemas.microsoft.com/office/powerpoint/2010/main" val="3231297336"/>
       </p:ext>
     </p:extLst>
   </p:cSld>
@@ -4198,8 +4488,13 @@
           <a:p>
             <a:r>
               <a:rPr lang="en-US" dirty="0"/>
-              <a:t>rip.pl -r NTUSER_informant.DAT -p mp2</a:t>
-            </a:r>
+              <a:t>rip.pl -r NTUSER_informant.DAT -p </a:t>
+            </a:r>
+            <a:r>
+              <a:rPr lang="en-US" dirty="0" err="1"/>
+              <a:t>runmru</a:t>
+            </a:r>
+            <a:endParaRPr lang="en-US" dirty="0"/>
           </a:p>
         </p:txBody>
       </p:sp>
@@ -4229,7 +4524,7 @@
     </p:spTree>
     <p:extLst>
       <p:ext uri="{BB962C8B-B14F-4D97-AF65-F5344CB8AC3E}">
-        <p14:creationId xmlns:p14="http://schemas.microsoft.com/office/powerpoint/2010/main" val="2381883786"/>
+        <p14:creationId xmlns:p14="http://schemas.microsoft.com/office/powerpoint/2010/main" val="3731629817"/>
       </p:ext>
     </p:extLst>
   </p:cSld>
@@ -4285,7 +4580,7 @@
           <a:p>
             <a:r>
               <a:rPr lang="en-US" dirty="0"/>
-              <a:t>grep -P "E\:" </a:t>
+              <a:t>head -n2 </a:t>
             </a:r>
             <a:r>
               <a:rPr lang="en-US" dirty="0" err="1"/>
@@ -4293,7 +4588,13 @@
             </a:r>
             <a:r>
               <a:rPr lang="en-US" dirty="0"/>
-              <a:t>/20201126160358_AutomaticDestinations.csv --color</a:t>
+              <a:t>/20201126160358_AutomaticDestinations.csv</a:t>
+            </a:r>
+          </a:p>
+          <a:p>
+            <a:r>
+              <a:rPr lang="en-US" dirty="0"/>
+              <a:t>SourceFile,SourceCreated,SourceModified,SourceAccessed,AppId,AppIdDescription,DestListVersion,LastUsedEntryNumber,MRU,EntryNumber,CreationTime,LastModified,Hostname,MacAddress,Path,InteractionCount,PinStatus,FileBirthDroid,FileDroid,VolumeBirthDroid,VolumeDroid,TargetCreated,TargetModified,TargetAccessed,FileSize,RelativePath,WorkingDirectory,FileAttributes,HeaderFlags,DriveType,VolumeSerialNumber,VolumeLabel,LocalPath,CommonPath,TargetIDAbsolutePath,TargetMFTEntryNumber,TargetMFTSequenceNumber,MachineID,MachineMACAddress,TrackerCreatedOn,ExtraBlocksPresent,Arguments,Notes</a:t>
             </a:r>
           </a:p>
         </p:txBody>
@@ -4315,7 +4616,7 @@
           <a:p>
             <a:fld id="{DDBF98C7-164A-4723-84F0-B1E4B080DDEC}" type="slidenum">
               <a:rPr lang="en-US" smtClean="0"/>
-              <a:t>39</a:t>
+              <a:t>42</a:t>
             </a:fld>
             <a:endParaRPr lang="en-US"/>
           </a:p>
@@ -4324,7 +4625,7 @@
     </p:spTree>
     <p:extLst>
       <p:ext uri="{BB962C8B-B14F-4D97-AF65-F5344CB8AC3E}">
-        <p14:creationId xmlns:p14="http://schemas.microsoft.com/office/powerpoint/2010/main" val="3086688716"/>
+        <p14:creationId xmlns:p14="http://schemas.microsoft.com/office/powerpoint/2010/main" val="3993995213"/>
       </p:ext>
     </p:extLst>
   </p:cSld>
@@ -4378,6 +4679,101 @@
           <a:bodyPr/>
           <a:lstStyle/>
           <a:p>
+            <a:r>
+              <a:rPr lang="en-US" dirty="0"/>
+              <a:t>grep -P "E\:" </a:t>
+            </a:r>
+            <a:r>
+              <a:rPr lang="en-US" dirty="0" err="1"/>
+              <a:t>AutomaticDestinations</a:t>
+            </a:r>
+            <a:r>
+              <a:rPr lang="en-US" dirty="0"/>
+              <a:t>/20201126160358_AutomaticDestinations.csv --color</a:t>
+            </a:r>
+          </a:p>
+        </p:txBody>
+      </p:sp>
+      <p:sp>
+        <p:nvSpPr>
+          <p:cNvPr id="4" name="Slide Number Placeholder 3"/>
+          <p:cNvSpPr>
+            <a:spLocks noGrp="1"/>
+          </p:cNvSpPr>
+          <p:nvPr>
+            <p:ph type="sldNum" sz="quarter" idx="10"/>
+          </p:nvPr>
+        </p:nvSpPr>
+        <p:spPr/>
+        <p:txBody>
+          <a:bodyPr/>
+          <a:lstStyle/>
+          <a:p>
+            <a:fld id="{DDBF98C7-164A-4723-84F0-B1E4B080DDEC}" type="slidenum">
+              <a:rPr lang="en-US" smtClean="0"/>
+              <a:t>43</a:t>
+            </a:fld>
+            <a:endParaRPr lang="en-US"/>
+          </a:p>
+        </p:txBody>
+      </p:sp>
+    </p:spTree>
+    <p:extLst>
+      <p:ext uri="{BB962C8B-B14F-4D97-AF65-F5344CB8AC3E}">
+        <p14:creationId xmlns:p14="http://schemas.microsoft.com/office/powerpoint/2010/main" val="3086688716"/>
+      </p:ext>
+    </p:extLst>
+  </p:cSld>
+  <p:clrMapOvr>
+    <a:masterClrMapping/>
+  </p:clrMapOvr>
+</p:notes>
+</file>
+
+<file path=ppt/notesSlides/notesSlide32.xml><?xml version="1.0" encoding="utf-8"?>
+<p:notes xmlns:a="http://schemas.openxmlformats.org/drawingml/2006/main" xmlns:r="http://schemas.openxmlformats.org/officeDocument/2006/relationships" xmlns:p="http://schemas.openxmlformats.org/presentationml/2006/main">
+  <p:cSld>
+    <p:spTree>
+      <p:nvGrpSpPr>
+        <p:cNvPr id="1" name=""/>
+        <p:cNvGrpSpPr/>
+        <p:nvPr/>
+      </p:nvGrpSpPr>
+      <p:grpSpPr>
+        <a:xfrm>
+          <a:off x="0" y="0"/>
+          <a:ext cx="0" cy="0"/>
+          <a:chOff x="0" y="0"/>
+          <a:chExt cx="0" cy="0"/>
+        </a:xfrm>
+      </p:grpSpPr>
+      <p:sp>
+        <p:nvSpPr>
+          <p:cNvPr id="2" name="Slide Image Placeholder 1"/>
+          <p:cNvSpPr>
+            <a:spLocks noGrp="1" noRot="1" noChangeAspect="1"/>
+          </p:cNvSpPr>
+          <p:nvPr>
+            <p:ph type="sldImg"/>
+          </p:nvPr>
+        </p:nvSpPr>
+        <p:spPr/>
+      </p:sp>
+      <p:sp>
+        <p:nvSpPr>
+          <p:cNvPr id="3" name="Notes Placeholder 2"/>
+          <p:cNvSpPr>
+            <a:spLocks noGrp="1"/>
+          </p:cNvSpPr>
+          <p:nvPr>
+            <p:ph type="body" idx="1"/>
+          </p:nvPr>
+        </p:nvSpPr>
+        <p:spPr/>
+        <p:txBody>
+          <a:bodyPr/>
+          <a:lstStyle/>
+          <a:p>
             <a:pPr marL="0" marR="0" lvl="0" indent="0" algn="l" defTabSz="914400" rtl="0" eaLnBrk="1" fontAlgn="auto" latinLnBrk="0" hangingPunct="1">
               <a:lnSpc>
                 <a:spcPct val="100000"/>
@@ -4474,7 +4870,7 @@
           <a:p>
             <a:fld id="{DDBF98C7-164A-4723-84F0-B1E4B080DDEC}" type="slidenum">
               <a:rPr lang="en-US" smtClean="0"/>
-              <a:t>40</a:t>
+              <a:t>44</a:t>
             </a:fld>
             <a:endParaRPr lang="en-US"/>
           </a:p>
@@ -4539,13 +4935,8 @@
           <a:p>
             <a:r>
               <a:rPr lang="en-US" dirty="0"/>
-              <a:t>rip.pl -r NTUSER_informant.DAT -p </a:t>
-            </a:r>
-            <a:r>
-              <a:rPr lang="en-US" dirty="0" err="1"/>
-              <a:t>mndmru</a:t>
-            </a:r>
-            <a:endParaRPr lang="en-US" dirty="0"/>
+              <a:t>rip.pl -r NTUSER_informant.DAT -p mp2</a:t>
+            </a:r>
           </a:p>
         </p:txBody>
       </p:sp>
@@ -4575,7 +4966,7 @@
     </p:spTree>
     <p:extLst>
       <p:ext uri="{BB962C8B-B14F-4D97-AF65-F5344CB8AC3E}">
-        <p14:creationId xmlns:p14="http://schemas.microsoft.com/office/powerpoint/2010/main" val="1805715163"/>
+        <p14:creationId xmlns:p14="http://schemas.microsoft.com/office/powerpoint/2010/main" val="2381883786"/>
       </p:ext>
     </p:extLst>
   </p:cSld>
@@ -5175,7 +5566,7 @@
           <a:p>
             <a:fld id="{4263717A-E3C1-4BED-ABE0-B7069385E023}" type="datetimeFigureOut">
               <a:rPr lang="en-US" smtClean="0"/>
-              <a:t>11/9/2021</a:t>
+              <a:t>4/19/2022</a:t>
             </a:fld>
             <a:endParaRPr lang="en-US"/>
           </a:p>
@@ -5348,7 +5739,7 @@
           <a:p>
             <a:fld id="{4263717A-E3C1-4BED-ABE0-B7069385E023}" type="datetimeFigureOut">
               <a:rPr lang="en-US" smtClean="0"/>
-              <a:t>11/9/2021</a:t>
+              <a:t>4/19/2022</a:t>
             </a:fld>
             <a:endParaRPr lang="en-US"/>
           </a:p>
@@ -5526,7 +5917,7 @@
           <a:p>
             <a:fld id="{4263717A-E3C1-4BED-ABE0-B7069385E023}" type="datetimeFigureOut">
               <a:rPr lang="en-US" smtClean="0"/>
-              <a:t>11/9/2021</a:t>
+              <a:t>4/19/2022</a:t>
             </a:fld>
             <a:endParaRPr lang="en-US"/>
           </a:p>
@@ -5694,7 +6085,7 @@
           <a:p>
             <a:fld id="{4263717A-E3C1-4BED-ABE0-B7069385E023}" type="datetimeFigureOut">
               <a:rPr lang="en-US" smtClean="0"/>
-              <a:t>11/9/2021</a:t>
+              <a:t>4/19/2022</a:t>
             </a:fld>
             <a:endParaRPr lang="en-US"/>
           </a:p>
@@ -5939,7 +6330,7 @@
           <a:p>
             <a:fld id="{4263717A-E3C1-4BED-ABE0-B7069385E023}" type="datetimeFigureOut">
               <a:rPr lang="en-US" smtClean="0"/>
-              <a:t>11/9/2021</a:t>
+              <a:t>4/19/2022</a:t>
             </a:fld>
             <a:endParaRPr lang="en-US"/>
           </a:p>
@@ -6168,7 +6559,7 @@
           <a:p>
             <a:fld id="{4263717A-E3C1-4BED-ABE0-B7069385E023}" type="datetimeFigureOut">
               <a:rPr lang="en-US" smtClean="0"/>
-              <a:t>11/9/2021</a:t>
+              <a:t>4/19/2022</a:t>
             </a:fld>
             <a:endParaRPr lang="en-US"/>
           </a:p>
@@ -6532,7 +6923,7 @@
           <a:p>
             <a:fld id="{4263717A-E3C1-4BED-ABE0-B7069385E023}" type="datetimeFigureOut">
               <a:rPr lang="en-US" smtClean="0"/>
-              <a:t>11/9/2021</a:t>
+              <a:t>4/19/2022</a:t>
             </a:fld>
             <a:endParaRPr lang="en-US"/>
           </a:p>
@@ -6649,7 +7040,7 @@
           <a:p>
             <a:fld id="{4263717A-E3C1-4BED-ABE0-B7069385E023}" type="datetimeFigureOut">
               <a:rPr lang="en-US" smtClean="0"/>
-              <a:t>11/9/2021</a:t>
+              <a:t>4/19/2022</a:t>
             </a:fld>
             <a:endParaRPr lang="en-US"/>
           </a:p>
@@ -6744,7 +7135,7 @@
           <a:p>
             <a:fld id="{4263717A-E3C1-4BED-ABE0-B7069385E023}" type="datetimeFigureOut">
               <a:rPr lang="en-US" smtClean="0"/>
-              <a:t>11/9/2021</a:t>
+              <a:t>4/19/2022</a:t>
             </a:fld>
             <a:endParaRPr lang="en-US"/>
           </a:p>
@@ -7019,7 +7410,7 @@
           <a:p>
             <a:fld id="{4263717A-E3C1-4BED-ABE0-B7069385E023}" type="datetimeFigureOut">
               <a:rPr lang="en-US" smtClean="0"/>
-              <a:t>11/9/2021</a:t>
+              <a:t>4/19/2022</a:t>
             </a:fld>
             <a:endParaRPr lang="en-US"/>
           </a:p>
@@ -7271,7 +7662,7 @@
           <a:p>
             <a:fld id="{4263717A-E3C1-4BED-ABE0-B7069385E023}" type="datetimeFigureOut">
               <a:rPr lang="en-US" smtClean="0"/>
-              <a:t>11/9/2021</a:t>
+              <a:t>4/19/2022</a:t>
             </a:fld>
             <a:endParaRPr lang="en-US"/>
           </a:p>
@@ -7482,7 +7873,7 @@
           <a:p>
             <a:fld id="{4263717A-E3C1-4BED-ABE0-B7069385E023}" type="datetimeFigureOut">
               <a:rPr lang="en-US" smtClean="0"/>
-              <a:t>11/9/2021</a:t>
+              <a:t>4/19/2022</a:t>
             </a:fld>
             <a:endParaRPr lang="en-US"/>
           </a:p>
@@ -8260,7 +8651,7 @@
             </a:r>
             <a:r>
               <a:rPr lang="en-US" dirty="0"/>
-              <a:t>: letter is shared by two USBs</a:t>
+              <a:t>: letter is shared by two USBs?</a:t>
             </a:r>
           </a:p>
         </p:txBody>
@@ -12428,12 +12819,8 @@
           </a:p>
           <a:p>
             <a:r>
-              <a:rPr lang="en-US"/>
-              <a:t>Analysis </a:t>
-            </a:r>
-            <a:r>
-              <a:rPr lang="en-US" dirty="0"/>
-              <a:t>of Jump Lists</a:t>
+              <a:rPr lang="en-US" dirty="0"/>
+              <a:t>Analysis of Jump Lists</a:t>
             </a:r>
           </a:p>
           <a:p>
@@ -12517,6 +12904,25 @@
           <a:p>
             <a:r>
               <a:rPr lang="en-GB" dirty="0"/>
+              <a:t>Jump lists are a collection of </a:t>
+            </a:r>
+            <a:r>
+              <a:rPr lang="en-GB" i="1" dirty="0" err="1">
+                <a:solidFill>
+                  <a:srgbClr val="7030A0"/>
+                </a:solidFill>
+              </a:rPr>
+              <a:t>lnk</a:t>
+            </a:r>
+            <a:r>
+              <a:rPr lang="en-GB" dirty="0"/>
+              <a:t> files wrapped in a single file. </a:t>
+            </a:r>
+            <a:endParaRPr lang="en-US" dirty="0"/>
+          </a:p>
+          <a:p>
+            <a:r>
+              <a:rPr lang="en-GB" dirty="0"/>
               <a:t>Allow users “jump” directly to recently </a:t>
             </a:r>
             <a:r>
@@ -12559,23 +12965,7 @@
             </a:r>
           </a:p>
           <a:p>
-            <a:r>
-              <a:rPr lang="en-GB" dirty="0"/>
-              <a:t>Jump lists are a collection of </a:t>
-            </a:r>
-            <a:r>
-              <a:rPr lang="en-GB" i="1" dirty="0" err="1">
-                <a:solidFill>
-                  <a:srgbClr val="7030A0"/>
-                </a:solidFill>
-              </a:rPr>
-              <a:t>lnk</a:t>
-            </a:r>
-            <a:r>
-              <a:rPr lang="en-GB" dirty="0"/>
-              <a:t> files wrapped in a single file. </a:t>
-            </a:r>
-            <a:endParaRPr lang="en-US" dirty="0"/>
+            <a:endParaRPr lang="en-GB" dirty="0"/>
           </a:p>
         </p:txBody>
       </p:sp>
@@ -12655,25 +13045,6 @@
           <a:p>
             <a:r>
               <a:rPr lang="en-GB" dirty="0"/>
-              <a:t>You open a program by </a:t>
-            </a:r>
-            <a:r>
-              <a:rPr lang="en-GB" dirty="0">
-                <a:solidFill>
-                  <a:srgbClr val="FF0000"/>
-                </a:solidFill>
-              </a:rPr>
-              <a:t>double clicking </a:t>
-            </a:r>
-            <a:r>
-              <a:rPr lang="en-GB" dirty="0"/>
-              <a:t>a shortcut on your Desktop.</a:t>
-            </a:r>
-            <a:endParaRPr lang="en-US" dirty="0"/>
-          </a:p>
-          <a:p>
-            <a:r>
-              <a:rPr lang="en-GB" dirty="0"/>
               <a:t>Created by </a:t>
             </a:r>
             <a:r>
@@ -12812,14 +13183,7 @@
           <a:p>
             <a:r>
               <a:rPr lang="en-US" dirty="0"/>
-              <a:t>Created by software applications</a:t>
-            </a:r>
-          </a:p>
-          <a:p>
-            <a:pPr lvl="1"/>
-            <a:r>
-              <a:rPr lang="en-US" dirty="0"/>
-              <a:t>trigged by users’ behaviors (pin)</a:t>
+              <a:t>Created by users’ behaviors (pin)</a:t>
             </a:r>
           </a:p>
           <a:p>
@@ -12854,16 +13218,13 @@
                   <a:srgbClr val="7030A0"/>
                 </a:solidFill>
               </a:rPr>
-              <a:t>CustomDestinations</a:t>
-            </a:r>
-            <a:r>
-              <a:rPr lang="en-US" i="1" dirty="0">
-                <a:solidFill>
-                  <a:srgbClr val="7030A0"/>
-                </a:solidFill>
-              </a:rPr>
-              <a:t>-m</a:t>
-            </a:r>
+              <a:t>CustomDestinations-ms</a:t>
+            </a:r>
+            <a:endParaRPr lang="en-US" i="1" dirty="0">
+              <a:solidFill>
+                <a:srgbClr val="7030A0"/>
+              </a:solidFill>
+            </a:endParaRPr>
           </a:p>
           <a:p>
             <a:r>
@@ -12968,7 +13329,7 @@
         <p:spPr>
           <a:xfrm flipV="1">
             <a:off x="7183464" y="1690688"/>
-            <a:ext cx="3282540" cy="1021515"/>
+            <a:ext cx="4451488" cy="1021515"/>
           </a:xfrm>
           <a:prstGeom prst="straightConnector1">
             <a:avLst/>
@@ -13093,6 +13454,47 @@
           </a:fontRef>
         </p:style>
       </p:cxnSp>
+      <p:cxnSp>
+        <p:nvCxnSpPr>
+          <p:cNvPr id="10" name="Straight Arrow Connector 9">
+            <a:extLst>
+              <a:ext uri="{FF2B5EF4-FFF2-40B4-BE49-F238E27FC236}">
+                <a16:creationId xmlns:a16="http://schemas.microsoft.com/office/drawing/2014/main" id="{BC446A57-2783-4D02-B0B8-4A328B52573E}"/>
+              </a:ext>
+            </a:extLst>
+          </p:cNvPr>
+          <p:cNvCxnSpPr>
+            <a:cxnSpLocks/>
+          </p:cNvCxnSpPr>
+          <p:nvPr/>
+        </p:nvCxnSpPr>
+        <p:spPr>
+          <a:xfrm flipV="1">
+            <a:off x="7285415" y="2720639"/>
+            <a:ext cx="3113520" cy="1029952"/>
+          </a:xfrm>
+          <a:prstGeom prst="straightConnector1">
+            <a:avLst/>
+          </a:prstGeom>
+          <a:ln>
+            <a:tailEnd type="triangle"/>
+          </a:ln>
+        </p:spPr>
+        <p:style>
+          <a:lnRef idx="1">
+            <a:schemeClr val="accent2"/>
+          </a:lnRef>
+          <a:fillRef idx="0">
+            <a:schemeClr val="accent2"/>
+          </a:fillRef>
+          <a:effectRef idx="0">
+            <a:schemeClr val="accent2"/>
+          </a:effectRef>
+          <a:fontRef idx="minor">
+            <a:schemeClr val="tx1"/>
+          </a:fontRef>
+        </p:style>
+      </p:cxnSp>
     </p:spTree>
     <p:extLst>
       <p:ext uri="{BB962C8B-B14F-4D97-AF65-F5344CB8AC3E}">
@@ -14416,6 +14818,50 @@
             <a:r>
               <a:rPr lang="en-US" dirty="0"/>
               <a:t>Download JLECmd.zip</a:t>
+            </a:r>
+          </a:p>
+        </p:txBody>
+      </p:sp>
+      <p:sp>
+        <p:nvSpPr>
+          <p:cNvPr id="5" name="TextBox 4">
+            <a:extLst>
+              <a:ext uri="{FF2B5EF4-FFF2-40B4-BE49-F238E27FC236}">
+                <a16:creationId xmlns:a16="http://schemas.microsoft.com/office/drawing/2014/main" id="{C8D5A478-87D6-483A-A80F-2B56873A5A56}"/>
+              </a:ext>
+            </a:extLst>
+          </p:cNvPr>
+          <p:cNvSpPr txBox="1"/>
+          <p:nvPr/>
+        </p:nvSpPr>
+        <p:spPr>
+          <a:xfrm>
+            <a:off x="3152782" y="1812055"/>
+            <a:ext cx="6251400" cy="261610"/>
+          </a:xfrm>
+          <a:prstGeom prst="rect">
+            <a:avLst/>
+          </a:prstGeom>
+          <a:solidFill>
+            <a:schemeClr val="accent4">
+              <a:lumMod val="20000"/>
+              <a:lumOff val="80000"/>
+            </a:schemeClr>
+          </a:solidFill>
+        </p:spPr>
+        <p:txBody>
+          <a:bodyPr wrap="square">
+            <a:spAutoFit/>
+          </a:bodyPr>
+          <a:lstStyle/>
+          <a:p>
+            <a:r>
+              <a:rPr lang="en-US" sz="1100" dirty="0">
+                <a:solidFill>
+                  <a:srgbClr val="FF0000"/>
+                </a:solidFill>
+              </a:rPr>
+              <a:t>https://github.com/frankwxu/digital-forensics-lab/tree/main/NIST_Data_Leakage_Case/tools/JLECmd.zip</a:t>
             </a:r>
           </a:p>
         </p:txBody>
@@ -14901,102 +15347,77 @@
           <a:chExt cx="0" cy="0"/>
         </a:xfrm>
       </p:grpSpPr>
-      <p:sp>
-        <p:nvSpPr>
-          <p:cNvPr id="3" name="Rectangle 2"/>
-          <p:cNvSpPr/>
+      <p:pic>
+        <p:nvPicPr>
+          <p:cNvPr id="1026" name="Picture 2" descr="Alternate, alternative, arrows, diverge, routes icon - Download on  Iconfinder">
+            <a:extLst>
+              <a:ext uri="{FF2B5EF4-FFF2-40B4-BE49-F238E27FC236}">
+                <a16:creationId xmlns:a16="http://schemas.microsoft.com/office/drawing/2014/main" id="{5B38AA0F-A0F3-4C77-AF86-B5C61A5CFD4E}"/>
+              </a:ext>
+            </a:extLst>
+          </p:cNvPr>
+          <p:cNvPicPr>
+            <a:picLocks noChangeAspect="1" noChangeArrowheads="1"/>
+          </p:cNvPicPr>
           <p:nvPr/>
-        </p:nvSpPr>
-        <p:spPr>
+        </p:nvPicPr>
+        <p:blipFill>
+          <a:blip r:embed="rId3">
+            <a:extLst>
+              <a:ext uri="{28A0092B-C50C-407E-A947-70E740481C1C}">
+                <a14:useLocalDpi xmlns:a14="http://schemas.microsoft.com/office/drawing/2010/main" val="0"/>
+              </a:ext>
+            </a:extLst>
+          </a:blip>
+          <a:srcRect/>
+          <a:stretch>
+            <a:fillRect/>
+          </a:stretch>
+        </p:blipFill>
+        <p:spPr bwMode="auto">
           <a:xfrm>
-            <a:off x="426228" y="4777289"/>
-            <a:ext cx="11339543" cy="1200329"/>
+            <a:off x="226243" y="212653"/>
+            <a:ext cx="1516380" cy="1516380"/>
           </a:xfrm>
           <a:prstGeom prst="rect">
             <a:avLst/>
           </a:prstGeom>
-          <a:solidFill>
-            <a:schemeClr val="accent4">
-              <a:lumMod val="20000"/>
-              <a:lumOff val="80000"/>
-            </a:schemeClr>
-          </a:solidFill>
+          <a:noFill/>
+          <a:extLst>
+            <a:ext uri="{909E8E84-426E-40DD-AFC4-6F175D3DCCD1}">
+              <a14:hiddenFill xmlns:a14="http://schemas.microsoft.com/office/drawing/2010/main">
+                <a:solidFill>
+                  <a:srgbClr val="FFFFFF"/>
+                </a:solidFill>
+              </a14:hiddenFill>
+            </a:ext>
+          </a:extLst>
         </p:spPr>
-        <p:txBody>
-          <a:bodyPr wrap="square">
-            <a:spAutoFit/>
-          </a:bodyPr>
-          <a:lstStyle/>
-          <a:p>
-            <a:r>
-              <a:rPr lang="en-US" dirty="0">
-                <a:solidFill>
-                  <a:srgbClr val="FF0000"/>
-                </a:solidFill>
-              </a:rPr>
-              <a:t>-a </a:t>
-            </a:r>
-            <a:r>
-              <a:rPr lang="en-US" dirty="0"/>
-              <a:t>: Preserve the specified attributes such as directory a file mode, ownership, timestamps, if possible additional attributes: context, links, </a:t>
-            </a:r>
-            <a:r>
-              <a:rPr lang="en-US" dirty="0" err="1"/>
-              <a:t>xattr</a:t>
-            </a:r>
-            <a:r>
-              <a:rPr lang="en-US" dirty="0"/>
-              <a:t>, all.</a:t>
-            </a:r>
-          </a:p>
-          <a:p>
-            <a:r>
-              <a:rPr lang="en-US" dirty="0">
-                <a:solidFill>
-                  <a:srgbClr val="FF0000"/>
-                </a:solidFill>
-              </a:rPr>
-              <a:t>-v </a:t>
-            </a:r>
-            <a:r>
-              <a:rPr lang="en-US" dirty="0"/>
-              <a:t>: Verbose output.</a:t>
-            </a:r>
-          </a:p>
-          <a:p>
-            <a:r>
-              <a:rPr lang="en-US" dirty="0">
-                <a:solidFill>
-                  <a:srgbClr val="FF0000"/>
-                </a:solidFill>
-              </a:rPr>
-              <a:t>-r </a:t>
-            </a:r>
-            <a:r>
-              <a:rPr lang="en-US" dirty="0"/>
-              <a:t>: Copy directories recursively.</a:t>
-            </a:r>
-          </a:p>
-        </p:txBody>
-      </p:sp>
+      </p:pic>
       <p:pic>
         <p:nvPicPr>
-          <p:cNvPr id="4" name="Picture 3"/>
+          <p:cNvPr id="3" name="Picture 2">
+            <a:extLst>
+              <a:ext uri="{FF2B5EF4-FFF2-40B4-BE49-F238E27FC236}">
+                <a16:creationId xmlns:a16="http://schemas.microsoft.com/office/drawing/2014/main" id="{D6CDAA1B-8BC3-4E25-B841-2FB78D9E7AC5}"/>
+              </a:ext>
+            </a:extLst>
+          </p:cNvPr>
           <p:cNvPicPr>
             <a:picLocks noChangeAspect="1"/>
           </p:cNvPicPr>
           <p:nvPr/>
         </p:nvPicPr>
         <p:blipFill>
-          <a:blip r:embed="rId3"/>
+          <a:blip r:embed="rId4"/>
           <a:stretch>
             <a:fillRect/>
           </a:stretch>
         </p:blipFill>
         <p:spPr>
           <a:xfrm>
-            <a:off x="426228" y="1351873"/>
-            <a:ext cx="11339543" cy="3391194"/>
+            <a:off x="2115853" y="773483"/>
+            <a:ext cx="9205739" cy="5359464"/>
           </a:xfrm>
           <a:prstGeom prst="rect">
             <a:avLst/>
@@ -15005,10 +15426,10 @@
       </p:pic>
       <p:sp>
         <p:nvSpPr>
-          <p:cNvPr id="5" name="TextBox 4">
+          <p:cNvPr id="4" name="TextBox 3">
             <a:extLst>
               <a:ext uri="{FF2B5EF4-FFF2-40B4-BE49-F238E27FC236}">
-                <a16:creationId xmlns:a16="http://schemas.microsoft.com/office/drawing/2014/main" id="{DCC82629-2D70-4C74-BA85-98D61B7160D9}"/>
+                <a16:creationId xmlns:a16="http://schemas.microsoft.com/office/drawing/2014/main" id="{E57A9702-FE32-4374-A8B4-7DE54BC45189}"/>
               </a:ext>
             </a:extLst>
           </p:cNvPr>
@@ -15016,16 +15437,14 @@
           <p:nvPr/>
         </p:nvSpPr>
         <p:spPr>
-          <a:xfrm>
-            <a:off x="426228" y="948319"/>
-            <a:ext cx="5167264" cy="369332"/>
+          <a:xfrm flipH="1">
+            <a:off x="2115853" y="404151"/>
+            <a:ext cx="4413159" cy="369332"/>
           </a:xfrm>
           <a:prstGeom prst="rect">
             <a:avLst/>
           </a:prstGeom>
-          <a:solidFill>
-            <a:srgbClr val="FFC000"/>
-          </a:solidFill>
+          <a:noFill/>
         </p:spPr>
         <p:txBody>
           <a:bodyPr wrap="square" rtlCol="0">
@@ -15034,29 +15453,67 @@
           <a:lstStyle/>
           <a:p>
             <a:r>
-              <a:rPr lang="en-US" dirty="0"/>
-              <a:t>Copy the whole folder of </a:t>
-            </a:r>
-            <a:r>
-              <a:rPr lang="en-US" i="1" dirty="0" err="1">
+              <a:rPr lang="en-US" dirty="0">
                 <a:solidFill>
-                  <a:srgbClr val="0082BC"/>
+                  <a:srgbClr val="FF0000"/>
                 </a:solidFill>
               </a:rPr>
-              <a:t>AutomaticDestinations</a:t>
-            </a:r>
-            <a:endParaRPr lang="en-US" i="1" dirty="0">
-              <a:solidFill>
-                <a:srgbClr val="0082BC"/>
-              </a:solidFill>
-            </a:endParaRPr>
-          </a:p>
-        </p:txBody>
-      </p:sp>
+              <a:t>Run on Windows</a:t>
+            </a:r>
+          </a:p>
+        </p:txBody>
+      </p:sp>
+      <p:pic>
+        <p:nvPicPr>
+          <p:cNvPr id="5" name="Picture 2" descr="Direct download - Free arrows icons">
+            <a:extLst>
+              <a:ext uri="{FF2B5EF4-FFF2-40B4-BE49-F238E27FC236}">
+                <a16:creationId xmlns:a16="http://schemas.microsoft.com/office/drawing/2014/main" id="{5C4BEAF6-DDDF-4563-9DB2-0F5C24911668}"/>
+              </a:ext>
+            </a:extLst>
+          </p:cNvPr>
+          <p:cNvPicPr>
+            <a:picLocks noChangeAspect="1" noChangeArrowheads="1"/>
+          </p:cNvPicPr>
+          <p:nvPr/>
+        </p:nvPicPr>
+        <p:blipFill>
+          <a:blip r:embed="rId5">
+            <a:extLst>
+              <a:ext uri="{28A0092B-C50C-407E-A947-70E740481C1C}">
+                <a14:useLocalDpi xmlns:a14="http://schemas.microsoft.com/office/drawing/2010/main" val="0"/>
+              </a:ext>
+            </a:extLst>
+          </a:blip>
+          <a:srcRect/>
+          <a:stretch>
+            <a:fillRect/>
+          </a:stretch>
+        </p:blipFill>
+        <p:spPr bwMode="auto">
+          <a:xfrm>
+            <a:off x="1851913" y="4756701"/>
+            <a:ext cx="527879" cy="527879"/>
+          </a:xfrm>
+          <a:prstGeom prst="rect">
+            <a:avLst/>
+          </a:prstGeom>
+          <a:noFill/>
+          <a:extLst>
+            <a:ext uri="{909E8E84-426E-40DD-AFC4-6F175D3DCCD1}">
+              <a14:hiddenFill xmlns:a14="http://schemas.microsoft.com/office/drawing/2010/main">
+                <a:solidFill>
+                  <a:srgbClr val="FFFFFF"/>
+                </a:solidFill>
+              </a14:hiddenFill>
+            </a:ext>
+          </a:extLst>
+        </p:spPr>
+      </p:pic>
     </p:spTree>
     <p:extLst>
       <p:ext uri="{BB962C8B-B14F-4D97-AF65-F5344CB8AC3E}">
-        <p14:creationId xmlns:p14="http://schemas.microsoft.com/office/powerpoint/2010/main" val="1692159375"/>
+        <p14:creationId xmlns:p14="http://schemas.microsoft.com/office/powerpoint/2010/main" val="3500648668"/>
       </p:ext>
     </p:extLst>
   </p:cSld>
@@ -15083,24 +15540,65 @@
           <a:chExt cx="0" cy="0"/>
         </a:xfrm>
       </p:grpSpPr>
+      <p:sp>
+        <p:nvSpPr>
+          <p:cNvPr id="3" name="TextBox 2">
+            <a:extLst>
+              <a:ext uri="{FF2B5EF4-FFF2-40B4-BE49-F238E27FC236}">
+                <a16:creationId xmlns:a16="http://schemas.microsoft.com/office/drawing/2014/main" id="{6D5286B6-187B-4F33-8661-6D2366492369}"/>
+              </a:ext>
+            </a:extLst>
+          </p:cNvPr>
+          <p:cNvSpPr txBox="1"/>
+          <p:nvPr/>
+        </p:nvSpPr>
+        <p:spPr>
+          <a:xfrm>
+            <a:off x="2892957" y="1429556"/>
+            <a:ext cx="6172200" cy="923330"/>
+          </a:xfrm>
+          <a:prstGeom prst="rect">
+            <a:avLst/>
+          </a:prstGeom>
+          <a:noFill/>
+        </p:spPr>
+        <p:txBody>
+          <a:bodyPr wrap="square">
+            <a:spAutoFit/>
+          </a:bodyPr>
+          <a:lstStyle/>
+          <a:p>
+            <a:r>
+              <a:rPr lang="en-US" dirty="0"/>
+              <a:t>https://raw.githubusercontent.com/frankwxu/digital-forensics-lab/main/NIST_Data_Leakage_Case/NIST_Answers/lab_generated_file/JumpList/e36bfc8972e5ab1d.automaticDestinations-ms</a:t>
+            </a:r>
+          </a:p>
+        </p:txBody>
+      </p:sp>
       <p:pic>
         <p:nvPicPr>
-          <p:cNvPr id="2" name="Picture 1"/>
+          <p:cNvPr id="5" name="Picture 4">
+            <a:extLst>
+              <a:ext uri="{FF2B5EF4-FFF2-40B4-BE49-F238E27FC236}">
+                <a16:creationId xmlns:a16="http://schemas.microsoft.com/office/drawing/2014/main" id="{1E92701B-8290-4C2B-9A11-07024504BA97}"/>
+              </a:ext>
+            </a:extLst>
+          </p:cNvPr>
           <p:cNvPicPr>
             <a:picLocks noChangeAspect="1"/>
           </p:cNvPicPr>
           <p:nvPr/>
         </p:nvPicPr>
         <p:blipFill>
-          <a:blip r:embed="rId3"/>
+          <a:blip r:embed="rId2"/>
           <a:stretch>
             <a:fillRect/>
           </a:stretch>
         </p:blipFill>
         <p:spPr>
           <a:xfrm>
-            <a:off x="415444" y="842018"/>
-            <a:ext cx="11507197" cy="5349704"/>
+            <a:off x="1672265" y="3798332"/>
+            <a:ext cx="7506350" cy="1341236"/>
           </a:xfrm>
           <a:prstGeom prst="rect">
             <a:avLst/>
@@ -15109,10 +15607,10 @@
       </p:pic>
       <p:sp>
         <p:nvSpPr>
-          <p:cNvPr id="3" name="TextBox 2">
+          <p:cNvPr id="6" name="TextBox 5">
             <a:extLst>
               <a:ext uri="{FF2B5EF4-FFF2-40B4-BE49-F238E27FC236}">
-                <a16:creationId xmlns:a16="http://schemas.microsoft.com/office/drawing/2014/main" id="{DCC82629-2D70-4C74-BA85-98D61B7160D9}"/>
+                <a16:creationId xmlns:a16="http://schemas.microsoft.com/office/drawing/2014/main" id="{E711A648-B4A1-4BC4-96D2-FD0569D07823}"/>
               </a:ext>
             </a:extLst>
           </p:cNvPr>
@@ -15121,8 +15619,8 @@
         </p:nvSpPr>
         <p:spPr>
           <a:xfrm>
-            <a:off x="415444" y="472686"/>
-            <a:ext cx="5167264" cy="369332"/>
+            <a:off x="1672265" y="3429000"/>
+            <a:ext cx="7593678" cy="369332"/>
           </a:xfrm>
           <a:prstGeom prst="rect">
             <a:avLst/>
@@ -15139,32 +15637,71 @@
           <a:p>
             <a:r>
               <a:rPr lang="en-US" dirty="0"/>
-              <a:t>Extract all Jump list and save to a </a:t>
-            </a:r>
-            <a:r>
-              <a:rPr lang="en-US" i="1" dirty="0">
-                <a:solidFill>
-                  <a:srgbClr val="0082BC"/>
-                </a:solidFill>
-              </a:rPr>
-              <a:t>.csv </a:t>
-            </a:r>
-            <a:r>
-              <a:rPr lang="en-US" dirty="0"/>
-              <a:t>file</a:t>
+              <a:t>Show .exe and the </a:t>
+            </a:r>
+            <a:r>
+              <a:rPr lang="en-US" dirty="0" err="1"/>
+              <a:t>JumpList</a:t>
             </a:r>
             <a:endParaRPr lang="en-US" i="1" dirty="0">
               <a:solidFill>
-                <a:srgbClr val="0082BC"/>
+                <a:srgbClr val="7030A0"/>
               </a:solidFill>
             </a:endParaRPr>
           </a:p>
         </p:txBody>
       </p:sp>
+      <p:pic>
+        <p:nvPicPr>
+          <p:cNvPr id="8" name="Picture 2" descr="Direct download - Free arrows icons">
+            <a:extLst>
+              <a:ext uri="{FF2B5EF4-FFF2-40B4-BE49-F238E27FC236}">
+                <a16:creationId xmlns:a16="http://schemas.microsoft.com/office/drawing/2014/main" id="{C027A5E5-2101-48A0-8EFF-F07D32EE053B}"/>
+              </a:ext>
+            </a:extLst>
+          </p:cNvPr>
+          <p:cNvPicPr>
+            <a:picLocks noChangeAspect="1" noChangeArrowheads="1"/>
+          </p:cNvPicPr>
+          <p:nvPr/>
+        </p:nvPicPr>
+        <p:blipFill>
+          <a:blip r:embed="rId3">
+            <a:extLst>
+              <a:ext uri="{28A0092B-C50C-407E-A947-70E740481C1C}">
+                <a14:useLocalDpi xmlns:a14="http://schemas.microsoft.com/office/drawing/2010/main" val="0"/>
+              </a:ext>
+            </a:extLst>
+          </a:blip>
+          <a:srcRect/>
+          <a:stretch>
+            <a:fillRect/>
+          </a:stretch>
+        </p:blipFill>
+        <p:spPr bwMode="auto">
+          <a:xfrm>
+            <a:off x="1826701" y="1467307"/>
+            <a:ext cx="847829" cy="847829"/>
+          </a:xfrm>
+          <a:prstGeom prst="rect">
+            <a:avLst/>
+          </a:prstGeom>
+          <a:noFill/>
+          <a:extLst>
+            <a:ext uri="{909E8E84-426E-40DD-AFC4-6F175D3DCCD1}">
+              <a14:hiddenFill xmlns:a14="http://schemas.microsoft.com/office/drawing/2010/main">
+                <a:solidFill>
+                  <a:srgbClr val="FFFFFF"/>
+                </a:solidFill>
+              </a14:hiddenFill>
+            </a:ext>
+          </a:extLst>
+        </p:spPr>
+      </p:pic>
     </p:spTree>
     <p:extLst>
       <p:ext uri="{BB962C8B-B14F-4D97-AF65-F5344CB8AC3E}">
-        <p14:creationId xmlns:p14="http://schemas.microsoft.com/office/powerpoint/2010/main" val="370555886"/>
+        <p14:creationId xmlns:p14="http://schemas.microsoft.com/office/powerpoint/2010/main" val="1332504602"/>
       </p:ext>
     </p:extLst>
   </p:cSld>
@@ -15193,22 +15730,28 @@
       </p:grpSpPr>
       <p:pic>
         <p:nvPicPr>
-          <p:cNvPr id="4" name="Picture 3"/>
+          <p:cNvPr id="3" name="Picture 2">
+            <a:extLst>
+              <a:ext uri="{FF2B5EF4-FFF2-40B4-BE49-F238E27FC236}">
+                <a16:creationId xmlns:a16="http://schemas.microsoft.com/office/drawing/2014/main" id="{5F3B10CF-F0A1-4DF9-A28B-62F4E6298643}"/>
+              </a:ext>
+            </a:extLst>
+          </p:cNvPr>
           <p:cNvPicPr>
             <a:picLocks noChangeAspect="1"/>
           </p:cNvPicPr>
           <p:nvPr/>
         </p:nvPicPr>
         <p:blipFill>
-          <a:blip r:embed="rId3"/>
+          <a:blip r:embed="rId2"/>
           <a:stretch>
             <a:fillRect/>
           </a:stretch>
         </p:blipFill>
         <p:spPr>
           <a:xfrm>
-            <a:off x="743820" y="1012022"/>
-            <a:ext cx="10853910" cy="4565818"/>
+            <a:off x="0" y="896202"/>
+            <a:ext cx="12192000" cy="5065596"/>
           </a:xfrm>
           <a:prstGeom prst="rect">
             <a:avLst/>
@@ -15218,7 +15761,7 @@
     </p:spTree>
     <p:extLst>
       <p:ext uri="{BB962C8B-B14F-4D97-AF65-F5344CB8AC3E}">
-        <p14:creationId xmlns:p14="http://schemas.microsoft.com/office/powerpoint/2010/main" val="1118895763"/>
+        <p14:creationId xmlns:p14="http://schemas.microsoft.com/office/powerpoint/2010/main" val="2849683126"/>
       </p:ext>
     </p:extLst>
   </p:cSld>
@@ -15247,76 +15790,10 @@
       </p:grpSpPr>
       <p:pic>
         <p:nvPicPr>
-          <p:cNvPr id="2" name="Picture 1"/>
-          <p:cNvPicPr>
-            <a:picLocks noChangeAspect="1"/>
-          </p:cNvPicPr>
-          <p:nvPr/>
-        </p:nvPicPr>
-        <p:blipFill>
-          <a:blip r:embed="rId3"/>
-          <a:stretch>
-            <a:fillRect/>
-          </a:stretch>
-        </p:blipFill>
-        <p:spPr>
-          <a:xfrm>
-            <a:off x="371301" y="2562733"/>
-            <a:ext cx="10855964" cy="3079877"/>
-          </a:xfrm>
-          <a:prstGeom prst="rect">
-            <a:avLst/>
-          </a:prstGeom>
-        </p:spPr>
-      </p:pic>
-      <p:sp>
-        <p:nvSpPr>
-          <p:cNvPr id="3" name="TextBox 2">
+          <p:cNvPr id="3" name="Picture 2">
             <a:extLst>
               <a:ext uri="{FF2B5EF4-FFF2-40B4-BE49-F238E27FC236}">
-                <a16:creationId xmlns:a16="http://schemas.microsoft.com/office/drawing/2014/main" id="{DCC82629-2D70-4C74-BA85-98D61B7160D9}"/>
-              </a:ext>
-            </a:extLst>
-          </p:cNvPr>
-          <p:cNvSpPr txBox="1"/>
-          <p:nvPr/>
-        </p:nvSpPr>
-        <p:spPr>
-          <a:xfrm>
-            <a:off x="371301" y="2193401"/>
-            <a:ext cx="7593678" cy="369332"/>
-          </a:xfrm>
-          <a:prstGeom prst="rect">
-            <a:avLst/>
-          </a:prstGeom>
-          <a:solidFill>
-            <a:srgbClr val="FFC000"/>
-          </a:solidFill>
-        </p:spPr>
-        <p:txBody>
-          <a:bodyPr wrap="square" rtlCol="0">
-            <a:spAutoFit/>
-          </a:bodyPr>
-          <a:lstStyle/>
-          <a:p>
-            <a:r>
-              <a:rPr lang="en-US" dirty="0"/>
-              <a:t>List opened files or applications</a:t>
-            </a:r>
-            <a:endParaRPr lang="en-US" i="1" dirty="0">
-              <a:solidFill>
-                <a:srgbClr val="7030A0"/>
-              </a:solidFill>
-            </a:endParaRPr>
-          </a:p>
-        </p:txBody>
-      </p:sp>
-      <p:pic>
-        <p:nvPicPr>
-          <p:cNvPr id="5" name="Picture 4">
-            <a:extLst>
-              <a:ext uri="{FF2B5EF4-FFF2-40B4-BE49-F238E27FC236}">
-                <a16:creationId xmlns:a16="http://schemas.microsoft.com/office/drawing/2014/main" id="{94657284-D3FE-4B65-98C5-1841761E816C}"/>
+                <a16:creationId xmlns:a16="http://schemas.microsoft.com/office/drawing/2014/main" id="{CBD78C11-D0E9-4F8F-A92D-A755BC34E18A}"/>
               </a:ext>
             </a:extLst>
           </p:cNvPr>
@@ -15326,74 +15803,25 @@
           <p:nvPr/>
         </p:nvPicPr>
         <p:blipFill>
-          <a:blip r:embed="rId4"/>
+          <a:blip r:embed="rId2"/>
           <a:stretch>
             <a:fillRect/>
           </a:stretch>
         </p:blipFill>
         <p:spPr>
           <a:xfrm>
-            <a:off x="5799283" y="253308"/>
-            <a:ext cx="5814564" cy="1303133"/>
+            <a:off x="940623" y="567442"/>
+            <a:ext cx="10310754" cy="5723116"/>
           </a:xfrm>
           <a:prstGeom prst="rect">
             <a:avLst/>
           </a:prstGeom>
-          <a:ln>
-            <a:noFill/>
-          </a:ln>
-          <a:effectLst>
-            <a:outerShdw blurRad="292100" dist="139700" dir="2700000" algn="tl" rotWithShape="0">
-              <a:srgbClr val="333333">
-                <a:alpha val="65000"/>
-              </a:srgbClr>
-            </a:outerShdw>
-          </a:effectLst>
         </p:spPr>
       </p:pic>
-      <p:cxnSp>
-        <p:nvCxnSpPr>
-          <p:cNvPr id="7" name="Straight Arrow Connector 6">
-            <a:extLst>
-              <a:ext uri="{FF2B5EF4-FFF2-40B4-BE49-F238E27FC236}">
-                <a16:creationId xmlns:a16="http://schemas.microsoft.com/office/drawing/2014/main" id="{79B7884A-20CD-40AE-B7B1-C1299723A857}"/>
-              </a:ext>
-            </a:extLst>
-          </p:cNvPr>
-          <p:cNvCxnSpPr/>
-          <p:nvPr/>
-        </p:nvCxnSpPr>
-        <p:spPr>
-          <a:xfrm flipH="1">
-            <a:off x="6381750" y="1215390"/>
-            <a:ext cx="1190625" cy="2213610"/>
-          </a:xfrm>
-          <a:prstGeom prst="straightConnector1">
-            <a:avLst/>
-          </a:prstGeom>
-          <a:ln>
-            <a:tailEnd type="triangle"/>
-          </a:ln>
-        </p:spPr>
-        <p:style>
-          <a:lnRef idx="1">
-            <a:schemeClr val="accent2"/>
-          </a:lnRef>
-          <a:fillRef idx="0">
-            <a:schemeClr val="accent2"/>
-          </a:fillRef>
-          <a:effectRef idx="0">
-            <a:schemeClr val="accent2"/>
-          </a:effectRef>
-          <a:fontRef idx="minor">
-            <a:schemeClr val="tx1"/>
-          </a:fontRef>
-        </p:style>
-      </p:cxnSp>
     </p:spTree>
     <p:extLst>
       <p:ext uri="{BB962C8B-B14F-4D97-AF65-F5344CB8AC3E}">
-        <p14:creationId xmlns:p14="http://schemas.microsoft.com/office/powerpoint/2010/main" val="3065818986"/>
+        <p14:creationId xmlns:p14="http://schemas.microsoft.com/office/powerpoint/2010/main" val="498353629"/>
       </p:ext>
     </p:extLst>
   </p:cSld>
@@ -15777,6 +16205,121 @@
           </a:fontRef>
         </p:style>
       </p:cxnSp>
+      <p:sp>
+        <p:nvSpPr>
+          <p:cNvPr id="2" name="TextBox 1">
+            <a:extLst>
+              <a:ext uri="{FF2B5EF4-FFF2-40B4-BE49-F238E27FC236}">
+                <a16:creationId xmlns:a16="http://schemas.microsoft.com/office/drawing/2014/main" id="{87CC32A8-FF87-40C6-9F93-0915850E093F}"/>
+              </a:ext>
+            </a:extLst>
+          </p:cNvPr>
+          <p:cNvSpPr txBox="1"/>
+          <p:nvPr/>
+        </p:nvSpPr>
+        <p:spPr>
+          <a:xfrm>
+            <a:off x="9479280" y="2255520"/>
+            <a:ext cx="1355436" cy="369332"/>
+          </a:xfrm>
+          <a:prstGeom prst="rect">
+            <a:avLst/>
+          </a:prstGeom>
+          <a:noFill/>
+        </p:spPr>
+        <p:txBody>
+          <a:bodyPr wrap="none" rtlCol="0">
+            <a:spAutoFit/>
+          </a:bodyPr>
+          <a:lstStyle/>
+          <a:p>
+            <a:r>
+              <a:rPr lang="en-US" dirty="0"/>
+              <a:t>mount point</a:t>
+            </a:r>
+          </a:p>
+        </p:txBody>
+      </p:sp>
+      <p:cxnSp>
+        <p:nvCxnSpPr>
+          <p:cNvPr id="4" name="Straight Arrow Connector 3">
+            <a:extLst>
+              <a:ext uri="{FF2B5EF4-FFF2-40B4-BE49-F238E27FC236}">
+                <a16:creationId xmlns:a16="http://schemas.microsoft.com/office/drawing/2014/main" id="{C69DDD97-AEAA-4E30-91DF-26F9AC19CDB3}"/>
+              </a:ext>
+            </a:extLst>
+          </p:cNvPr>
+          <p:cNvCxnSpPr>
+            <a:cxnSpLocks/>
+          </p:cNvCxnSpPr>
+          <p:nvPr/>
+        </p:nvCxnSpPr>
+        <p:spPr>
+          <a:xfrm flipH="1">
+            <a:off x="8077200" y="2624852"/>
+            <a:ext cx="1849120" cy="961628"/>
+          </a:xfrm>
+          <a:prstGeom prst="straightConnector1">
+            <a:avLst/>
+          </a:prstGeom>
+          <a:ln>
+            <a:tailEnd type="triangle"/>
+          </a:ln>
+        </p:spPr>
+        <p:style>
+          <a:lnRef idx="1">
+            <a:schemeClr val="accent1"/>
+          </a:lnRef>
+          <a:fillRef idx="0">
+            <a:schemeClr val="accent1"/>
+          </a:fillRef>
+          <a:effectRef idx="0">
+            <a:schemeClr val="accent1"/>
+          </a:effectRef>
+          <a:fontRef idx="minor">
+            <a:schemeClr val="tx1"/>
+          </a:fontRef>
+        </p:style>
+      </p:cxnSp>
+      <p:cxnSp>
+        <p:nvCxnSpPr>
+          <p:cNvPr id="7" name="Straight Arrow Connector 6">
+            <a:extLst>
+              <a:ext uri="{FF2B5EF4-FFF2-40B4-BE49-F238E27FC236}">
+                <a16:creationId xmlns:a16="http://schemas.microsoft.com/office/drawing/2014/main" id="{6A1E7089-5D6F-4575-8D71-5EB18E1D0F20}"/>
+              </a:ext>
+            </a:extLst>
+          </p:cNvPr>
+          <p:cNvCxnSpPr/>
+          <p:nvPr/>
+        </p:nvCxnSpPr>
+        <p:spPr>
+          <a:xfrm flipH="1">
+            <a:off x="3121086" y="2624852"/>
+            <a:ext cx="6805234" cy="2607548"/>
+          </a:xfrm>
+          <a:prstGeom prst="straightConnector1">
+            <a:avLst/>
+          </a:prstGeom>
+          <a:ln>
+            <a:tailEnd type="triangle"/>
+          </a:ln>
+        </p:spPr>
+        <p:style>
+          <a:lnRef idx="1">
+            <a:schemeClr val="accent1"/>
+          </a:lnRef>
+          <a:fillRef idx="0">
+            <a:schemeClr val="accent1"/>
+          </a:fillRef>
+          <a:effectRef idx="0">
+            <a:schemeClr val="accent1"/>
+          </a:effectRef>
+          <a:fontRef idx="minor">
+            <a:schemeClr val="tx1"/>
+          </a:fontRef>
+        </p:style>
+      </p:cxnSp>
     </p:spTree>
     <p:extLst>
       <p:ext uri="{BB962C8B-B14F-4D97-AF65-F5344CB8AC3E}">
@@ -15791,6 +16334,684 @@
 </file>
 
 <file path=ppt/slides/slide40.xml><?xml version="1.0" encoding="utf-8"?>
+<p:sld xmlns:a="http://schemas.openxmlformats.org/drawingml/2006/main" xmlns:r="http://schemas.openxmlformats.org/officeDocument/2006/relationships" xmlns:p="http://schemas.openxmlformats.org/presentationml/2006/main">
+  <p:cSld>
+    <p:spTree>
+      <p:nvGrpSpPr>
+        <p:cNvPr id="1" name=""/>
+        <p:cNvGrpSpPr/>
+        <p:nvPr/>
+      </p:nvGrpSpPr>
+      <p:grpSpPr>
+        <a:xfrm>
+          <a:off x="0" y="0"/>
+          <a:ext cx="0" cy="0"/>
+          <a:chOff x="0" y="0"/>
+          <a:chExt cx="0" cy="0"/>
+        </a:xfrm>
+      </p:grpSpPr>
+      <p:sp>
+        <p:nvSpPr>
+          <p:cNvPr id="3" name="Rectangle 2"/>
+          <p:cNvSpPr/>
+          <p:nvPr/>
+        </p:nvSpPr>
+        <p:spPr>
+          <a:xfrm>
+            <a:off x="365268" y="5415657"/>
+            <a:ext cx="11339543" cy="1077218"/>
+          </a:xfrm>
+          <a:prstGeom prst="rect">
+            <a:avLst/>
+          </a:prstGeom>
+          <a:solidFill>
+            <a:schemeClr val="accent4">
+              <a:lumMod val="20000"/>
+              <a:lumOff val="80000"/>
+            </a:schemeClr>
+          </a:solidFill>
+        </p:spPr>
+        <p:txBody>
+          <a:bodyPr wrap="square">
+            <a:spAutoFit/>
+          </a:bodyPr>
+          <a:lstStyle/>
+          <a:p>
+            <a:r>
+              <a:rPr lang="en-US" sz="1600" dirty="0">
+                <a:solidFill>
+                  <a:srgbClr val="FF0000"/>
+                </a:solidFill>
+              </a:rPr>
+              <a:t>-a </a:t>
+            </a:r>
+            <a:r>
+              <a:rPr lang="en-US" sz="1600" dirty="0"/>
+              <a:t>: Preserve the specified attributes such as directory a file mode, ownership, timestamps, if possible additional attributes: context, links, </a:t>
+            </a:r>
+            <a:r>
+              <a:rPr lang="en-US" sz="1600" dirty="0" err="1"/>
+              <a:t>xattr</a:t>
+            </a:r>
+            <a:r>
+              <a:rPr lang="en-US" sz="1600" dirty="0"/>
+              <a:t>, all.</a:t>
+            </a:r>
+          </a:p>
+          <a:p>
+            <a:r>
+              <a:rPr lang="en-US" sz="1600" dirty="0">
+                <a:solidFill>
+                  <a:srgbClr val="FF0000"/>
+                </a:solidFill>
+              </a:rPr>
+              <a:t>-v </a:t>
+            </a:r>
+            <a:r>
+              <a:rPr lang="en-US" sz="1600" dirty="0"/>
+              <a:t>: Verbose output.</a:t>
+            </a:r>
+          </a:p>
+          <a:p>
+            <a:r>
+              <a:rPr lang="en-US" sz="1600" dirty="0">
+                <a:solidFill>
+                  <a:srgbClr val="FF0000"/>
+                </a:solidFill>
+              </a:rPr>
+              <a:t>-r </a:t>
+            </a:r>
+            <a:r>
+              <a:rPr lang="en-US" sz="1600" dirty="0"/>
+              <a:t>: Copy directories recursively.</a:t>
+            </a:r>
+          </a:p>
+        </p:txBody>
+      </p:sp>
+      <p:pic>
+        <p:nvPicPr>
+          <p:cNvPr id="4" name="Picture 3"/>
+          <p:cNvPicPr>
+            <a:picLocks noChangeAspect="1"/>
+          </p:cNvPicPr>
+          <p:nvPr/>
+        </p:nvPicPr>
+        <p:blipFill>
+          <a:blip r:embed="rId3"/>
+          <a:stretch>
+            <a:fillRect/>
+          </a:stretch>
+        </p:blipFill>
+        <p:spPr>
+          <a:xfrm>
+            <a:off x="365268" y="2024463"/>
+            <a:ext cx="11339543" cy="3391194"/>
+          </a:xfrm>
+          <a:prstGeom prst="rect">
+            <a:avLst/>
+          </a:prstGeom>
+        </p:spPr>
+      </p:pic>
+      <p:sp>
+        <p:nvSpPr>
+          <p:cNvPr id="5" name="TextBox 4">
+            <a:extLst>
+              <a:ext uri="{FF2B5EF4-FFF2-40B4-BE49-F238E27FC236}">
+                <a16:creationId xmlns:a16="http://schemas.microsoft.com/office/drawing/2014/main" id="{DCC82629-2D70-4C74-BA85-98D61B7160D9}"/>
+              </a:ext>
+            </a:extLst>
+          </p:cNvPr>
+          <p:cNvSpPr txBox="1"/>
+          <p:nvPr/>
+        </p:nvSpPr>
+        <p:spPr>
+          <a:xfrm>
+            <a:off x="365268" y="1655131"/>
+            <a:ext cx="5167264" cy="369332"/>
+          </a:xfrm>
+          <a:prstGeom prst="rect">
+            <a:avLst/>
+          </a:prstGeom>
+          <a:solidFill>
+            <a:srgbClr val="FFC000"/>
+          </a:solidFill>
+        </p:spPr>
+        <p:txBody>
+          <a:bodyPr wrap="square" rtlCol="0">
+            <a:spAutoFit/>
+          </a:bodyPr>
+          <a:lstStyle/>
+          <a:p>
+            <a:r>
+              <a:rPr lang="en-US" dirty="0"/>
+              <a:t>Copy the whole folder of </a:t>
+            </a:r>
+            <a:r>
+              <a:rPr lang="en-US" i="1" dirty="0" err="1">
+                <a:solidFill>
+                  <a:srgbClr val="0082BC"/>
+                </a:solidFill>
+              </a:rPr>
+              <a:t>AutomaticDestinations</a:t>
+            </a:r>
+            <a:endParaRPr lang="en-US" i="1" dirty="0">
+              <a:solidFill>
+                <a:srgbClr val="0082BC"/>
+              </a:solidFill>
+            </a:endParaRPr>
+          </a:p>
+        </p:txBody>
+      </p:sp>
+      <p:sp>
+        <p:nvSpPr>
+          <p:cNvPr id="2" name="Title 1">
+            <a:extLst>
+              <a:ext uri="{FF2B5EF4-FFF2-40B4-BE49-F238E27FC236}">
+                <a16:creationId xmlns:a16="http://schemas.microsoft.com/office/drawing/2014/main" id="{C6A8ED55-85FE-4EDD-B9CB-1495E5640908}"/>
+              </a:ext>
+            </a:extLst>
+          </p:cNvPr>
+          <p:cNvSpPr>
+            <a:spLocks noGrp="1"/>
+          </p:cNvSpPr>
+          <p:nvPr>
+            <p:ph type="title"/>
+          </p:nvPr>
+        </p:nvSpPr>
+        <p:spPr/>
+        <p:txBody>
+          <a:bodyPr/>
+          <a:lstStyle/>
+          <a:p>
+            <a:r>
+              <a:rPr lang="en-US" dirty="0"/>
+              <a:t>Process the whole folder</a:t>
+            </a:r>
+          </a:p>
+        </p:txBody>
+      </p:sp>
+    </p:spTree>
+    <p:extLst>
+      <p:ext uri="{BB962C8B-B14F-4D97-AF65-F5344CB8AC3E}">
+        <p14:creationId xmlns:p14="http://schemas.microsoft.com/office/powerpoint/2010/main" val="1692159375"/>
+      </p:ext>
+    </p:extLst>
+  </p:cSld>
+  <p:clrMapOvr>
+    <a:masterClrMapping/>
+  </p:clrMapOvr>
+</p:sld>
+</file>
+
+<file path=ppt/slides/slide41.xml><?xml version="1.0" encoding="utf-8"?>
+<p:sld xmlns:a="http://schemas.openxmlformats.org/drawingml/2006/main" xmlns:r="http://schemas.openxmlformats.org/officeDocument/2006/relationships" xmlns:p="http://schemas.openxmlformats.org/presentationml/2006/main">
+  <p:cSld>
+    <p:spTree>
+      <p:nvGrpSpPr>
+        <p:cNvPr id="1" name=""/>
+        <p:cNvGrpSpPr/>
+        <p:nvPr/>
+      </p:nvGrpSpPr>
+      <p:grpSpPr>
+        <a:xfrm>
+          <a:off x="0" y="0"/>
+          <a:ext cx="0" cy="0"/>
+          <a:chOff x="0" y="0"/>
+          <a:chExt cx="0" cy="0"/>
+        </a:xfrm>
+      </p:grpSpPr>
+      <p:pic>
+        <p:nvPicPr>
+          <p:cNvPr id="2" name="Picture 1"/>
+          <p:cNvPicPr>
+            <a:picLocks noChangeAspect="1"/>
+          </p:cNvPicPr>
+          <p:nvPr/>
+        </p:nvPicPr>
+        <p:blipFill>
+          <a:blip r:embed="rId3"/>
+          <a:stretch>
+            <a:fillRect/>
+          </a:stretch>
+        </p:blipFill>
+        <p:spPr>
+          <a:xfrm>
+            <a:off x="415444" y="842018"/>
+            <a:ext cx="11507197" cy="5349704"/>
+          </a:xfrm>
+          <a:prstGeom prst="rect">
+            <a:avLst/>
+          </a:prstGeom>
+        </p:spPr>
+      </p:pic>
+      <p:sp>
+        <p:nvSpPr>
+          <p:cNvPr id="3" name="TextBox 2">
+            <a:extLst>
+              <a:ext uri="{FF2B5EF4-FFF2-40B4-BE49-F238E27FC236}">
+                <a16:creationId xmlns:a16="http://schemas.microsoft.com/office/drawing/2014/main" id="{DCC82629-2D70-4C74-BA85-98D61B7160D9}"/>
+              </a:ext>
+            </a:extLst>
+          </p:cNvPr>
+          <p:cNvSpPr txBox="1"/>
+          <p:nvPr/>
+        </p:nvSpPr>
+        <p:spPr>
+          <a:xfrm>
+            <a:off x="415444" y="472686"/>
+            <a:ext cx="5167264" cy="369332"/>
+          </a:xfrm>
+          <a:prstGeom prst="rect">
+            <a:avLst/>
+          </a:prstGeom>
+          <a:solidFill>
+            <a:srgbClr val="FFC000"/>
+          </a:solidFill>
+        </p:spPr>
+        <p:txBody>
+          <a:bodyPr wrap="square" rtlCol="0">
+            <a:spAutoFit/>
+          </a:bodyPr>
+          <a:lstStyle/>
+          <a:p>
+            <a:r>
+              <a:rPr lang="en-US" dirty="0"/>
+              <a:t>Extract all Jump list and save to a </a:t>
+            </a:r>
+            <a:r>
+              <a:rPr lang="en-US" i="1" dirty="0">
+                <a:solidFill>
+                  <a:srgbClr val="0082BC"/>
+                </a:solidFill>
+              </a:rPr>
+              <a:t>.csv </a:t>
+            </a:r>
+            <a:r>
+              <a:rPr lang="en-US" dirty="0"/>
+              <a:t>file</a:t>
+            </a:r>
+            <a:endParaRPr lang="en-US" i="1" dirty="0">
+              <a:solidFill>
+                <a:srgbClr val="0082BC"/>
+              </a:solidFill>
+            </a:endParaRPr>
+          </a:p>
+        </p:txBody>
+      </p:sp>
+    </p:spTree>
+    <p:extLst>
+      <p:ext uri="{BB962C8B-B14F-4D97-AF65-F5344CB8AC3E}">
+        <p14:creationId xmlns:p14="http://schemas.microsoft.com/office/powerpoint/2010/main" val="370555886"/>
+      </p:ext>
+    </p:extLst>
+  </p:cSld>
+  <p:clrMapOvr>
+    <a:masterClrMapping/>
+  </p:clrMapOvr>
+</p:sld>
+</file>
+
+<file path=ppt/slides/slide42.xml><?xml version="1.0" encoding="utf-8"?>
+<p:sld xmlns:a="http://schemas.openxmlformats.org/drawingml/2006/main" xmlns:r="http://schemas.openxmlformats.org/officeDocument/2006/relationships" xmlns:p="http://schemas.openxmlformats.org/presentationml/2006/main">
+  <p:cSld>
+    <p:spTree>
+      <p:nvGrpSpPr>
+        <p:cNvPr id="1" name=""/>
+        <p:cNvGrpSpPr/>
+        <p:nvPr/>
+      </p:nvGrpSpPr>
+      <p:grpSpPr>
+        <a:xfrm>
+          <a:off x="0" y="0"/>
+          <a:ext cx="0" cy="0"/>
+          <a:chOff x="0" y="0"/>
+          <a:chExt cx="0" cy="0"/>
+        </a:xfrm>
+      </p:grpSpPr>
+      <p:pic>
+        <p:nvPicPr>
+          <p:cNvPr id="4" name="Picture 3"/>
+          <p:cNvPicPr>
+            <a:picLocks noChangeAspect="1"/>
+          </p:cNvPicPr>
+          <p:nvPr/>
+        </p:nvPicPr>
+        <p:blipFill>
+          <a:blip r:embed="rId3"/>
+          <a:stretch>
+            <a:fillRect/>
+          </a:stretch>
+        </p:blipFill>
+        <p:spPr>
+          <a:xfrm>
+            <a:off x="545857" y="1643618"/>
+            <a:ext cx="10853910" cy="4565818"/>
+          </a:xfrm>
+          <a:prstGeom prst="rect">
+            <a:avLst/>
+          </a:prstGeom>
+        </p:spPr>
+      </p:pic>
+      <p:sp>
+        <p:nvSpPr>
+          <p:cNvPr id="5" name="TextBox 4">
+            <a:extLst>
+              <a:ext uri="{FF2B5EF4-FFF2-40B4-BE49-F238E27FC236}">
+                <a16:creationId xmlns:a16="http://schemas.microsoft.com/office/drawing/2014/main" id="{ED95EB36-1DE7-489B-A96B-DE50DBCE9058}"/>
+              </a:ext>
+            </a:extLst>
+          </p:cNvPr>
+          <p:cNvSpPr txBox="1"/>
+          <p:nvPr/>
+        </p:nvSpPr>
+        <p:spPr>
+          <a:xfrm>
+            <a:off x="1356270" y="553048"/>
+            <a:ext cx="10119360" cy="738664"/>
+          </a:xfrm>
+          <a:prstGeom prst="rect">
+            <a:avLst/>
+          </a:prstGeom>
+          <a:noFill/>
+        </p:spPr>
+        <p:txBody>
+          <a:bodyPr wrap="square">
+            <a:spAutoFit/>
+          </a:bodyPr>
+          <a:lstStyle/>
+          <a:p>
+            <a:pPr marL="285750" indent="-285750">
+              <a:buFont typeface="Arial" panose="020B0604020202020204" pitchFamily="34" charset="0"/>
+              <a:buChar char="•"/>
+            </a:pPr>
+            <a:r>
+              <a:rPr lang="en-US" sz="1400" i="1" dirty="0" err="1">
+                <a:solidFill>
+                  <a:srgbClr val="FF0000"/>
+                </a:solidFill>
+                <a:latin typeface="Abadi" panose="020B0604020104020204" pitchFamily="34" charset="0"/>
+              </a:rPr>
+              <a:t>wget</a:t>
+            </a:r>
+            <a:r>
+              <a:rPr lang="en-US" sz="1400" i="1" dirty="0">
+                <a:latin typeface="Abadi" panose="020B0604020104020204" pitchFamily="34" charset="0"/>
+              </a:rPr>
+              <a:t> </a:t>
+            </a:r>
+            <a:r>
+              <a:rPr lang="en-US" sz="1400" i="1" dirty="0">
+                <a:latin typeface="Abadi" panose="020B0604020104020204" pitchFamily="34" charset="0"/>
+                <a:hlinkClick r:id="rId4"/>
+              </a:rPr>
+              <a:t>https://raw.githubusercontent.com/frankwxu/digital-forensics-lab/main/NIST_Data_Leakage_Case/NIST_Answers/lab_generated_file/JumpList/20220419105824_AutomaticDestinations.csv</a:t>
+            </a:r>
+            <a:endParaRPr lang="en-US" sz="1400" i="1" dirty="0">
+              <a:latin typeface="Abadi" panose="020B0604020104020204" pitchFamily="34" charset="0"/>
+            </a:endParaRPr>
+          </a:p>
+          <a:p>
+            <a:pPr marL="285750" indent="-285750">
+              <a:buFont typeface="Arial" panose="020B0604020202020204" pitchFamily="34" charset="0"/>
+              <a:buChar char="•"/>
+            </a:pPr>
+            <a:r>
+              <a:rPr lang="en-GB" sz="1400" i="1" dirty="0">
+                <a:solidFill>
+                  <a:srgbClr val="FF0000"/>
+                </a:solidFill>
+                <a:latin typeface="Abadi" panose="020B0604020104020204" pitchFamily="34" charset="0"/>
+              </a:rPr>
+              <a:t>head</a:t>
+            </a:r>
+            <a:r>
+              <a:rPr lang="en-GB" sz="1400" i="1" dirty="0">
+                <a:latin typeface="Abadi" panose="020B0604020104020204" pitchFamily="34" charset="0"/>
+              </a:rPr>
+              <a:t> -n2 20220419105824_AutomaticDestinations.csv</a:t>
+            </a:r>
+            <a:endParaRPr lang="en-US" sz="1400" i="1" dirty="0">
+              <a:latin typeface="Abadi" panose="020B0604020104020204" pitchFamily="34" charset="0"/>
+            </a:endParaRPr>
+          </a:p>
+        </p:txBody>
+      </p:sp>
+      <p:pic>
+        <p:nvPicPr>
+          <p:cNvPr id="1026" name="Picture 2" descr="Direct download - Free arrows icons">
+            <a:extLst>
+              <a:ext uri="{FF2B5EF4-FFF2-40B4-BE49-F238E27FC236}">
+                <a16:creationId xmlns:a16="http://schemas.microsoft.com/office/drawing/2014/main" id="{187BB841-9A1D-47B3-AFD1-ED1E8B85C73F}"/>
+              </a:ext>
+            </a:extLst>
+          </p:cNvPr>
+          <p:cNvPicPr>
+            <a:picLocks noChangeAspect="1" noChangeArrowheads="1"/>
+          </p:cNvPicPr>
+          <p:nvPr/>
+        </p:nvPicPr>
+        <p:blipFill>
+          <a:blip r:embed="rId5">
+            <a:extLst>
+              <a:ext uri="{28A0092B-C50C-407E-A947-70E740481C1C}">
+                <a14:useLocalDpi xmlns:a14="http://schemas.microsoft.com/office/drawing/2010/main" val="0"/>
+              </a:ext>
+            </a:extLst>
+          </a:blip>
+          <a:srcRect/>
+          <a:stretch>
+            <a:fillRect/>
+          </a:stretch>
+        </p:blipFill>
+        <p:spPr bwMode="auto">
+          <a:xfrm>
+            <a:off x="508441" y="553048"/>
+            <a:ext cx="847829" cy="847829"/>
+          </a:xfrm>
+          <a:prstGeom prst="rect">
+            <a:avLst/>
+          </a:prstGeom>
+          <a:noFill/>
+          <a:extLst>
+            <a:ext uri="{909E8E84-426E-40DD-AFC4-6F175D3DCCD1}">
+              <a14:hiddenFill xmlns:a14="http://schemas.microsoft.com/office/drawing/2010/main">
+                <a:solidFill>
+                  <a:srgbClr val="FFFFFF"/>
+                </a:solidFill>
+              </a14:hiddenFill>
+            </a:ext>
+          </a:extLst>
+        </p:spPr>
+      </p:pic>
+    </p:spTree>
+    <p:extLst>
+      <p:ext uri="{BB962C8B-B14F-4D97-AF65-F5344CB8AC3E}">
+        <p14:creationId xmlns:p14="http://schemas.microsoft.com/office/powerpoint/2010/main" val="1118895763"/>
+      </p:ext>
+    </p:extLst>
+  </p:cSld>
+  <p:clrMapOvr>
+    <a:masterClrMapping/>
+  </p:clrMapOvr>
+</p:sld>
+</file>
+
+<file path=ppt/slides/slide43.xml><?xml version="1.0" encoding="utf-8"?>
+<p:sld xmlns:a="http://schemas.openxmlformats.org/drawingml/2006/main" xmlns:r="http://schemas.openxmlformats.org/officeDocument/2006/relationships" xmlns:p="http://schemas.openxmlformats.org/presentationml/2006/main">
+  <p:cSld>
+    <p:spTree>
+      <p:nvGrpSpPr>
+        <p:cNvPr id="1" name=""/>
+        <p:cNvGrpSpPr/>
+        <p:nvPr/>
+      </p:nvGrpSpPr>
+      <p:grpSpPr>
+        <a:xfrm>
+          <a:off x="0" y="0"/>
+          <a:ext cx="0" cy="0"/>
+          <a:chOff x="0" y="0"/>
+          <a:chExt cx="0" cy="0"/>
+        </a:xfrm>
+      </p:grpSpPr>
+      <p:pic>
+        <p:nvPicPr>
+          <p:cNvPr id="2" name="Picture 1"/>
+          <p:cNvPicPr>
+            <a:picLocks noChangeAspect="1"/>
+          </p:cNvPicPr>
+          <p:nvPr/>
+        </p:nvPicPr>
+        <p:blipFill>
+          <a:blip r:embed="rId3"/>
+          <a:stretch>
+            <a:fillRect/>
+          </a:stretch>
+        </p:blipFill>
+        <p:spPr>
+          <a:xfrm>
+            <a:off x="371301" y="2562733"/>
+            <a:ext cx="10855964" cy="3079877"/>
+          </a:xfrm>
+          <a:prstGeom prst="rect">
+            <a:avLst/>
+          </a:prstGeom>
+        </p:spPr>
+      </p:pic>
+      <p:sp>
+        <p:nvSpPr>
+          <p:cNvPr id="3" name="TextBox 2">
+            <a:extLst>
+              <a:ext uri="{FF2B5EF4-FFF2-40B4-BE49-F238E27FC236}">
+                <a16:creationId xmlns:a16="http://schemas.microsoft.com/office/drawing/2014/main" id="{DCC82629-2D70-4C74-BA85-98D61B7160D9}"/>
+              </a:ext>
+            </a:extLst>
+          </p:cNvPr>
+          <p:cNvSpPr txBox="1"/>
+          <p:nvPr/>
+        </p:nvSpPr>
+        <p:spPr>
+          <a:xfrm>
+            <a:off x="371301" y="2193401"/>
+            <a:ext cx="7593678" cy="369332"/>
+          </a:xfrm>
+          <a:prstGeom prst="rect">
+            <a:avLst/>
+          </a:prstGeom>
+          <a:solidFill>
+            <a:srgbClr val="FFC000"/>
+          </a:solidFill>
+        </p:spPr>
+        <p:txBody>
+          <a:bodyPr wrap="square" rtlCol="0">
+            <a:spAutoFit/>
+          </a:bodyPr>
+          <a:lstStyle/>
+          <a:p>
+            <a:r>
+              <a:rPr lang="en-US" dirty="0"/>
+              <a:t>List opened files or applications</a:t>
+            </a:r>
+            <a:endParaRPr lang="en-US" i="1" dirty="0">
+              <a:solidFill>
+                <a:srgbClr val="7030A0"/>
+              </a:solidFill>
+            </a:endParaRPr>
+          </a:p>
+        </p:txBody>
+      </p:sp>
+      <p:pic>
+        <p:nvPicPr>
+          <p:cNvPr id="5" name="Picture 4">
+            <a:extLst>
+              <a:ext uri="{FF2B5EF4-FFF2-40B4-BE49-F238E27FC236}">
+                <a16:creationId xmlns:a16="http://schemas.microsoft.com/office/drawing/2014/main" id="{94657284-D3FE-4B65-98C5-1841761E816C}"/>
+              </a:ext>
+            </a:extLst>
+          </p:cNvPr>
+          <p:cNvPicPr>
+            <a:picLocks noChangeAspect="1"/>
+          </p:cNvPicPr>
+          <p:nvPr/>
+        </p:nvPicPr>
+        <p:blipFill>
+          <a:blip r:embed="rId4"/>
+          <a:stretch>
+            <a:fillRect/>
+          </a:stretch>
+        </p:blipFill>
+        <p:spPr>
+          <a:xfrm>
+            <a:off x="5799283" y="253308"/>
+            <a:ext cx="5814564" cy="1303133"/>
+          </a:xfrm>
+          <a:prstGeom prst="rect">
+            <a:avLst/>
+          </a:prstGeom>
+          <a:ln>
+            <a:noFill/>
+          </a:ln>
+          <a:effectLst>
+            <a:outerShdw blurRad="292100" dist="139700" dir="2700000" algn="tl" rotWithShape="0">
+              <a:srgbClr val="333333">
+                <a:alpha val="65000"/>
+              </a:srgbClr>
+            </a:outerShdw>
+          </a:effectLst>
+        </p:spPr>
+      </p:pic>
+      <p:cxnSp>
+        <p:nvCxnSpPr>
+          <p:cNvPr id="7" name="Straight Arrow Connector 6">
+            <a:extLst>
+              <a:ext uri="{FF2B5EF4-FFF2-40B4-BE49-F238E27FC236}">
+                <a16:creationId xmlns:a16="http://schemas.microsoft.com/office/drawing/2014/main" id="{79B7884A-20CD-40AE-B7B1-C1299723A857}"/>
+              </a:ext>
+            </a:extLst>
+          </p:cNvPr>
+          <p:cNvCxnSpPr/>
+          <p:nvPr/>
+        </p:nvCxnSpPr>
+        <p:spPr>
+          <a:xfrm flipH="1">
+            <a:off x="6381750" y="1215390"/>
+            <a:ext cx="1190625" cy="2213610"/>
+          </a:xfrm>
+          <a:prstGeom prst="straightConnector1">
+            <a:avLst/>
+          </a:prstGeom>
+          <a:ln>
+            <a:tailEnd type="triangle"/>
+          </a:ln>
+        </p:spPr>
+        <p:style>
+          <a:lnRef idx="1">
+            <a:schemeClr val="accent2"/>
+          </a:lnRef>
+          <a:fillRef idx="0">
+            <a:schemeClr val="accent2"/>
+          </a:fillRef>
+          <a:effectRef idx="0">
+            <a:schemeClr val="accent2"/>
+          </a:effectRef>
+          <a:fontRef idx="minor">
+            <a:schemeClr val="tx1"/>
+          </a:fontRef>
+        </p:style>
+      </p:cxnSp>
+    </p:spTree>
+    <p:extLst>
+      <p:ext uri="{BB962C8B-B14F-4D97-AF65-F5344CB8AC3E}">
+        <p14:creationId xmlns:p14="http://schemas.microsoft.com/office/powerpoint/2010/main" val="3065818986"/>
+      </p:ext>
+    </p:extLst>
+  </p:cSld>
+  <p:clrMapOvr>
+    <a:masterClrMapping/>
+  </p:clrMapOvr>
+</p:sld>
+</file>
+
+<file path=ppt/slides/slide44.xml><?xml version="1.0" encoding="utf-8"?>
 <p:sld xmlns:a="http://schemas.openxmlformats.org/drawingml/2006/main" xmlns:r="http://schemas.openxmlformats.org/officeDocument/2006/relationships" xmlns:p="http://schemas.openxmlformats.org/presentationml/2006/main">
   <p:cSld>
     <p:spTree>
@@ -16051,6 +17272,12 @@
             <a:r>
               <a:rPr lang="en-US" dirty="0"/>
               <a:t>Mounting points for remote devices</a:t>
+            </a:r>
+          </a:p>
+          <a:p>
+            <a:r>
+              <a:rPr lang="en-US" dirty="0"/>
+              <a:t>Usage</a:t>
             </a:r>
           </a:p>
           <a:p>
@@ -16279,14 +17506,13 @@
           </p:cNvPr>
           <p:cNvCxnSpPr>
             <a:cxnSpLocks/>
-            <a:stCxn id="5" idx="1"/>
           </p:cNvCxnSpPr>
           <p:nvPr/>
         </p:nvCxnSpPr>
         <p:spPr>
           <a:xfrm flipH="1" flipV="1">
             <a:off x="4285281" y="2941638"/>
-            <a:ext cx="2454326" cy="1479303"/>
+            <a:ext cx="2903310" cy="1538922"/>
           </a:xfrm>
           <a:prstGeom prst="straightConnector1">
             <a:avLst/>
@@ -16310,6 +17536,46 @@
           </a:fontRef>
         </p:style>
       </p:cxnSp>
+      <p:pic>
+        <p:nvPicPr>
+          <p:cNvPr id="12" name="Picture 11">
+            <a:extLst>
+              <a:ext uri="{FF2B5EF4-FFF2-40B4-BE49-F238E27FC236}">
+                <a16:creationId xmlns:a16="http://schemas.microsoft.com/office/drawing/2014/main" id="{E93C6239-6B5F-4E7C-8F66-E9C94F904203}"/>
+              </a:ext>
+            </a:extLst>
+          </p:cNvPr>
+          <p:cNvPicPr>
+            <a:picLocks noChangeAspect="1"/>
+          </p:cNvPicPr>
+          <p:nvPr/>
+        </p:nvPicPr>
+        <p:blipFill>
+          <a:blip r:embed="rId4"/>
+          <a:stretch>
+            <a:fillRect/>
+          </a:stretch>
+        </p:blipFill>
+        <p:spPr>
+          <a:xfrm>
+            <a:off x="10186688" y="1616075"/>
+            <a:ext cx="1628088" cy="1325563"/>
+          </a:xfrm>
+          <a:prstGeom prst="rect">
+            <a:avLst/>
+          </a:prstGeom>
+          <a:ln>
+            <a:noFill/>
+          </a:ln>
+          <a:effectLst>
+            <a:outerShdw blurRad="292100" dist="139700" dir="2700000" algn="tl" rotWithShape="0">
+              <a:srgbClr val="333333">
+                <a:alpha val="65000"/>
+              </a:srgbClr>
+            </a:outerShdw>
+          </a:effectLst>
+        </p:spPr>
+      </p:pic>
     </p:spTree>
     <p:extLst>
       <p:ext uri="{BB962C8B-B14F-4D97-AF65-F5344CB8AC3E}">
@@ -16414,6 +17680,46 @@
           </a:p>
         </p:txBody>
       </p:sp>
+      <p:pic>
+        <p:nvPicPr>
+          <p:cNvPr id="4" name="Picture 3">
+            <a:extLst>
+              <a:ext uri="{FF2B5EF4-FFF2-40B4-BE49-F238E27FC236}">
+                <a16:creationId xmlns:a16="http://schemas.microsoft.com/office/drawing/2014/main" id="{3BF7807E-701F-48FE-BE91-0958FC23BAF6}"/>
+              </a:ext>
+            </a:extLst>
+          </p:cNvPr>
+          <p:cNvPicPr>
+            <a:picLocks noChangeAspect="1"/>
+          </p:cNvPicPr>
+          <p:nvPr/>
+        </p:nvPicPr>
+        <p:blipFill>
+          <a:blip r:embed="rId2"/>
+          <a:stretch>
+            <a:fillRect/>
+          </a:stretch>
+        </p:blipFill>
+        <p:spPr>
+          <a:xfrm>
+            <a:off x="7256505" y="1825625"/>
+            <a:ext cx="3177815" cy="1364098"/>
+          </a:xfrm>
+          <a:prstGeom prst="rect">
+            <a:avLst/>
+          </a:prstGeom>
+          <a:ln>
+            <a:noFill/>
+          </a:ln>
+          <a:effectLst>
+            <a:outerShdw blurRad="292100" dist="139700" dir="2700000" algn="tl" rotWithShape="0">
+              <a:srgbClr val="333333">
+                <a:alpha val="65000"/>
+              </a:srgbClr>
+            </a:outerShdw>
+          </a:effectLst>
+        </p:spPr>
+      </p:pic>
     </p:spTree>
     <p:extLst>
       <p:ext uri="{BB962C8B-B14F-4D97-AF65-F5344CB8AC3E}">
@@ -16428,6 +17734,195 @@
 </file>
 
 <file path=ppt/slides/slide7.xml><?xml version="1.0" encoding="utf-8"?>
+<p:sld xmlns:a="http://schemas.openxmlformats.org/drawingml/2006/main" xmlns:r="http://schemas.openxmlformats.org/officeDocument/2006/relationships" xmlns:p="http://schemas.openxmlformats.org/presentationml/2006/main">
+  <p:cSld>
+    <p:spTree>
+      <p:nvGrpSpPr>
+        <p:cNvPr id="1" name=""/>
+        <p:cNvGrpSpPr/>
+        <p:nvPr/>
+      </p:nvGrpSpPr>
+      <p:grpSpPr>
+        <a:xfrm>
+          <a:off x="0" y="0"/>
+          <a:ext cx="0" cy="0"/>
+          <a:chOff x="0" y="0"/>
+          <a:chExt cx="0" cy="0"/>
+        </a:xfrm>
+      </p:grpSpPr>
+      <p:sp>
+        <p:nvSpPr>
+          <p:cNvPr id="2" name="Title 1"/>
+          <p:cNvSpPr>
+            <a:spLocks noGrp="1"/>
+          </p:cNvSpPr>
+          <p:nvPr>
+            <p:ph type="title"/>
+          </p:nvPr>
+        </p:nvSpPr>
+        <p:spPr/>
+        <p:txBody>
+          <a:bodyPr/>
+          <a:lstStyle/>
+          <a:p>
+            <a:r>
+              <a:rPr lang="en-US" dirty="0"/>
+              <a:t>Method 1: Explore’s MRU </a:t>
+            </a:r>
+            <a:r>
+              <a:rPr lang="en-US" dirty="0">
+                <a:solidFill>
+                  <a:srgbClr val="FF0000"/>
+                </a:solidFill>
+              </a:rPr>
+              <a:t>m</a:t>
+            </a:r>
+            <a:r>
+              <a:rPr lang="en-US" dirty="0"/>
+              <a:t>ap </a:t>
+            </a:r>
+            <a:r>
+              <a:rPr lang="en-US" dirty="0">
+                <a:solidFill>
+                  <a:srgbClr val="FF0000"/>
+                </a:solidFill>
+              </a:rPr>
+              <a:t>n</a:t>
+            </a:r>
+            <a:r>
+              <a:rPr lang="en-US" dirty="0"/>
+              <a:t>etwork </a:t>
+            </a:r>
+            <a:r>
+              <a:rPr lang="en-US" dirty="0">
+                <a:solidFill>
+                  <a:srgbClr val="FF0000"/>
+                </a:solidFill>
+              </a:rPr>
+              <a:t>d</a:t>
+            </a:r>
+            <a:r>
+              <a:rPr lang="en-US" dirty="0"/>
+              <a:t>rive</a:t>
+            </a:r>
+          </a:p>
+        </p:txBody>
+      </p:sp>
+      <p:pic>
+        <p:nvPicPr>
+          <p:cNvPr id="3" name="Picture 2"/>
+          <p:cNvPicPr>
+            <a:picLocks noChangeAspect="1"/>
+          </p:cNvPicPr>
+          <p:nvPr/>
+        </p:nvPicPr>
+        <p:blipFill>
+          <a:blip r:embed="rId3"/>
+          <a:stretch>
+            <a:fillRect/>
+          </a:stretch>
+        </p:blipFill>
+        <p:spPr>
+          <a:xfrm>
+            <a:off x="838200" y="2255810"/>
+            <a:ext cx="7818798" cy="2804403"/>
+          </a:xfrm>
+          <a:prstGeom prst="rect">
+            <a:avLst/>
+          </a:prstGeom>
+        </p:spPr>
+      </p:pic>
+      <p:sp>
+        <p:nvSpPr>
+          <p:cNvPr id="4" name="Rectangle 3"/>
+          <p:cNvSpPr/>
+          <p:nvPr/>
+        </p:nvSpPr>
+        <p:spPr>
+          <a:xfrm>
+            <a:off x="838200" y="1886478"/>
+            <a:ext cx="4275529" cy="369332"/>
+          </a:xfrm>
+          <a:prstGeom prst="rect">
+            <a:avLst/>
+          </a:prstGeom>
+          <a:solidFill>
+            <a:srgbClr val="FFC000"/>
+          </a:solidFill>
+        </p:spPr>
+        <p:txBody>
+          <a:bodyPr wrap="none">
+            <a:spAutoFit/>
+          </a:bodyPr>
+          <a:lstStyle/>
+          <a:p>
+            <a:r>
+              <a:rPr lang="en-US" dirty="0">
+                <a:solidFill>
+                  <a:srgbClr val="202124"/>
+                </a:solidFill>
+                <a:latin typeface="Roboto"/>
+              </a:rPr>
+              <a:t>Map Network Drive Most Recently Used</a:t>
+            </a:r>
+            <a:endParaRPr lang="en-US" dirty="0"/>
+          </a:p>
+        </p:txBody>
+      </p:sp>
+      <p:pic>
+        <p:nvPicPr>
+          <p:cNvPr id="6" name="Picture 5">
+            <a:extLst>
+              <a:ext uri="{FF2B5EF4-FFF2-40B4-BE49-F238E27FC236}">
+                <a16:creationId xmlns:a16="http://schemas.microsoft.com/office/drawing/2014/main" id="{31649820-9DC2-47E2-9A3B-50170789902B}"/>
+              </a:ext>
+            </a:extLst>
+          </p:cNvPr>
+          <p:cNvPicPr>
+            <a:picLocks noChangeAspect="1"/>
+          </p:cNvPicPr>
+          <p:nvPr/>
+        </p:nvPicPr>
+        <p:blipFill>
+          <a:blip r:embed="rId4"/>
+          <a:stretch>
+            <a:fillRect/>
+          </a:stretch>
+        </p:blipFill>
+        <p:spPr>
+          <a:xfrm>
+            <a:off x="8845568" y="2255810"/>
+            <a:ext cx="2777472" cy="2261373"/>
+          </a:xfrm>
+          <a:prstGeom prst="rect">
+            <a:avLst/>
+          </a:prstGeom>
+          <a:ln>
+            <a:noFill/>
+          </a:ln>
+          <a:effectLst>
+            <a:outerShdw blurRad="292100" dist="139700" dir="2700000" algn="tl" rotWithShape="0">
+              <a:srgbClr val="333333">
+                <a:alpha val="65000"/>
+              </a:srgbClr>
+            </a:outerShdw>
+          </a:effectLst>
+        </p:spPr>
+      </p:pic>
+    </p:spTree>
+    <p:extLst>
+      <p:ext uri="{BB962C8B-B14F-4D97-AF65-F5344CB8AC3E}">
+        <p14:creationId xmlns:p14="http://schemas.microsoft.com/office/powerpoint/2010/main" val="3205019338"/>
+      </p:ext>
+    </p:extLst>
+  </p:cSld>
+  <p:clrMapOvr>
+    <a:masterClrMapping/>
+  </p:clrMapOvr>
+</p:sld>
+</file>
+
+<file path=ppt/slides/slide8.xml><?xml version="1.0" encoding="utf-8"?>
 <p:sld xmlns:a="http://schemas.openxmlformats.org/drawingml/2006/main" xmlns:r="http://schemas.openxmlformats.org/officeDocument/2006/relationships" xmlns:p="http://schemas.openxmlformats.org/presentationml/2006/main">
   <p:cSld>
     <p:spTree>
@@ -16865,7 +18360,7 @@
 </p:sld>
 </file>
 
-<file path=ppt/slides/slide8.xml><?xml version="1.0" encoding="utf-8"?>
+<file path=ppt/slides/slide9.xml><?xml version="1.0" encoding="utf-8"?>
 <p:sld xmlns:a="http://schemas.openxmlformats.org/drawingml/2006/main" xmlns:r="http://schemas.openxmlformats.org/officeDocument/2006/relationships" xmlns:p="http://schemas.openxmlformats.org/presentationml/2006/main">
   <p:cSld>
     <p:spTree>
@@ -16899,7 +18394,7 @@
           <a:p>
             <a:r>
               <a:rPr lang="en-US" dirty="0"/>
-              <a:t>Method 3: mounting points for remote devices</a:t>
+              <a:t>Method 2: mounting points for remote devices</a:t>
             </a:r>
           </a:p>
         </p:txBody>
@@ -16932,119 +18427,6 @@
     <p:extLst>
       <p:ext uri="{BB962C8B-B14F-4D97-AF65-F5344CB8AC3E}">
         <p14:creationId xmlns:p14="http://schemas.microsoft.com/office/powerpoint/2010/main" val="937655564"/>
-      </p:ext>
-    </p:extLst>
-  </p:cSld>
-  <p:clrMapOvr>
-    <a:masterClrMapping/>
-  </p:clrMapOvr>
-</p:sld>
-</file>
-
-<file path=ppt/slides/slide9.xml><?xml version="1.0" encoding="utf-8"?>
-<p:sld xmlns:a="http://schemas.openxmlformats.org/drawingml/2006/main" xmlns:r="http://schemas.openxmlformats.org/officeDocument/2006/relationships" xmlns:p="http://schemas.openxmlformats.org/presentationml/2006/main">
-  <p:cSld>
-    <p:spTree>
-      <p:nvGrpSpPr>
-        <p:cNvPr id="1" name=""/>
-        <p:cNvGrpSpPr/>
-        <p:nvPr/>
-      </p:nvGrpSpPr>
-      <p:grpSpPr>
-        <a:xfrm>
-          <a:off x="0" y="0"/>
-          <a:ext cx="0" cy="0"/>
-          <a:chOff x="0" y="0"/>
-          <a:chExt cx="0" cy="0"/>
-        </a:xfrm>
-      </p:grpSpPr>
-      <p:sp>
-        <p:nvSpPr>
-          <p:cNvPr id="2" name="Title 1"/>
-          <p:cNvSpPr>
-            <a:spLocks noGrp="1"/>
-          </p:cNvSpPr>
-          <p:nvPr>
-            <p:ph type="title"/>
-          </p:nvPr>
-        </p:nvSpPr>
-        <p:spPr/>
-        <p:txBody>
-          <a:bodyPr/>
-          <a:lstStyle/>
-          <a:p>
-            <a:r>
-              <a:rPr lang="en-US" dirty="0"/>
-              <a:t>Method 4: MRU map network drive</a:t>
-            </a:r>
-          </a:p>
-        </p:txBody>
-      </p:sp>
-      <p:pic>
-        <p:nvPicPr>
-          <p:cNvPr id="3" name="Picture 2"/>
-          <p:cNvPicPr>
-            <a:picLocks noChangeAspect="1"/>
-          </p:cNvPicPr>
-          <p:nvPr/>
-        </p:nvPicPr>
-        <p:blipFill>
-          <a:blip r:embed="rId3"/>
-          <a:stretch>
-            <a:fillRect/>
-          </a:stretch>
-        </p:blipFill>
-        <p:spPr>
-          <a:xfrm>
-            <a:off x="838200" y="2255810"/>
-            <a:ext cx="7818798" cy="2804403"/>
-          </a:xfrm>
-          <a:prstGeom prst="rect">
-            <a:avLst/>
-          </a:prstGeom>
-        </p:spPr>
-      </p:pic>
-      <p:sp>
-        <p:nvSpPr>
-          <p:cNvPr id="4" name="Rectangle 3"/>
-          <p:cNvSpPr/>
-          <p:nvPr/>
-        </p:nvSpPr>
-        <p:spPr>
-          <a:xfrm>
-            <a:off x="838200" y="1886478"/>
-            <a:ext cx="4275529" cy="369332"/>
-          </a:xfrm>
-          <a:prstGeom prst="rect">
-            <a:avLst/>
-          </a:prstGeom>
-          <a:solidFill>
-            <a:srgbClr val="FFC000"/>
-          </a:solidFill>
-        </p:spPr>
-        <p:txBody>
-          <a:bodyPr wrap="none">
-            <a:spAutoFit/>
-          </a:bodyPr>
-          <a:lstStyle/>
-          <a:p>
-            <a:r>
-              <a:rPr lang="en-US" dirty="0">
-                <a:solidFill>
-                  <a:srgbClr val="202124"/>
-                </a:solidFill>
-                <a:latin typeface="Roboto"/>
-              </a:rPr>
-              <a:t>Map Network Drive Most Recently Used</a:t>
-            </a:r>
-            <a:endParaRPr lang="en-US" dirty="0"/>
-          </a:p>
-        </p:txBody>
-      </p:sp>
-    </p:spTree>
-    <p:extLst>
-      <p:ext uri="{BB962C8B-B14F-4D97-AF65-F5344CB8AC3E}">
-        <p14:creationId xmlns:p14="http://schemas.microsoft.com/office/powerpoint/2010/main" val="3205019338"/>
       </p:ext>
     </p:extLst>
   </p:cSld>
